--- a/incquery-deps-documentation/presentation/tdk_pres_hu_v2.pptx
+++ b/incquery-deps-documentation/presentation/tdk_pres_hu_v2.pptx
@@ -5,7 +5,7 @@
     <p:sldMasterId id="2147483648" r:id="rId1"/>
   </p:sldMasterIdLst>
   <p:notesMasterIdLst>
-    <p:notesMasterId r:id="rId20"/>
+    <p:notesMasterId r:id="rId21"/>
   </p:notesMasterIdLst>
   <p:sldIdLst>
     <p:sldId id="256" r:id="rId2"/>
@@ -19,13 +19,14 @@
     <p:sldId id="262" r:id="rId10"/>
     <p:sldId id="267" r:id="rId11"/>
     <p:sldId id="270" r:id="rId12"/>
-    <p:sldId id="274" r:id="rId13"/>
-    <p:sldId id="263" r:id="rId14"/>
-    <p:sldId id="268" r:id="rId15"/>
-    <p:sldId id="269" r:id="rId16"/>
-    <p:sldId id="271" r:id="rId17"/>
-    <p:sldId id="272" r:id="rId18"/>
-    <p:sldId id="273" r:id="rId19"/>
+    <p:sldId id="275" r:id="rId13"/>
+    <p:sldId id="274" r:id="rId14"/>
+    <p:sldId id="263" r:id="rId15"/>
+    <p:sldId id="268" r:id="rId16"/>
+    <p:sldId id="269" r:id="rId17"/>
+    <p:sldId id="271" r:id="rId18"/>
+    <p:sldId id="272" r:id="rId19"/>
+    <p:sldId id="273" r:id="rId20"/>
   </p:sldIdLst>
   <p:sldSz cx="9144000" cy="6858000" type="screen4x3"/>
   <p:notesSz cx="6858000" cy="9144000"/>
@@ -305,11 +306,11 @@
         </c:dLbls>
         <c:marker val="1"/>
         <c:smooth val="0"/>
-        <c:axId val="136214528"/>
-        <c:axId val="164368320"/>
+        <c:axId val="41062400"/>
+        <c:axId val="38278784"/>
       </c:lineChart>
       <c:catAx>
-        <c:axId val="136214528"/>
+        <c:axId val="41062400"/>
         <c:scaling>
           <c:orientation val="minMax"/>
         </c:scaling>
@@ -338,7 +339,7 @@
         <c:majorTickMark val="out"/>
         <c:minorTickMark val="none"/>
         <c:tickLblPos val="nextTo"/>
-        <c:crossAx val="164368320"/>
+        <c:crossAx val="38278784"/>
         <c:crosses val="autoZero"/>
         <c:auto val="0"/>
         <c:lblAlgn val="ctr"/>
@@ -348,7 +349,7 @@
         <c:noMultiLvlLbl val="0"/>
       </c:catAx>
       <c:valAx>
-        <c:axId val="164368320"/>
+        <c:axId val="38278784"/>
         <c:scaling>
           <c:orientation val="minMax"/>
         </c:scaling>
@@ -379,7 +380,7 @@
         <c:majorTickMark val="out"/>
         <c:minorTickMark val="none"/>
         <c:tickLblPos val="nextTo"/>
-        <c:crossAx val="136214528"/>
+        <c:crossAx val="41062400"/>
         <c:crosses val="autoZero"/>
         <c:crossBetween val="between"/>
       </c:valAx>
@@ -506,11 +507,11 @@
         </c:dLbls>
         <c:marker val="1"/>
         <c:smooth val="0"/>
-        <c:axId val="136435712"/>
-        <c:axId val="186344576"/>
+        <c:axId val="43144192"/>
+        <c:axId val="38280512"/>
       </c:lineChart>
       <c:catAx>
-        <c:axId val="136435712"/>
+        <c:axId val="43144192"/>
         <c:scaling>
           <c:orientation val="minMax"/>
         </c:scaling>
@@ -544,7 +545,7 @@
         <c:majorTickMark val="out"/>
         <c:minorTickMark val="none"/>
         <c:tickLblPos val="nextTo"/>
-        <c:crossAx val="186344576"/>
+        <c:crossAx val="38280512"/>
         <c:crosses val="autoZero"/>
         <c:auto val="1"/>
         <c:lblAlgn val="ctr"/>
@@ -552,7 +553,7 @@
         <c:noMultiLvlLbl val="0"/>
       </c:catAx>
       <c:valAx>
-        <c:axId val="186344576"/>
+        <c:axId val="38280512"/>
         <c:scaling>
           <c:orientation val="minMax"/>
         </c:scaling>
@@ -583,7 +584,7 @@
         <c:majorTickMark val="out"/>
         <c:minorTickMark val="none"/>
         <c:tickLblPos val="nextTo"/>
-        <c:crossAx val="136435712"/>
+        <c:crossAx val="43144192"/>
         <c:crosses val="autoZero"/>
         <c:crossBetween val="between"/>
       </c:valAx>
@@ -710,11 +711,11 @@
         </c:dLbls>
         <c:marker val="1"/>
         <c:smooth val="0"/>
-        <c:axId val="136436224"/>
-        <c:axId val="186347456"/>
+        <c:axId val="43144704"/>
+        <c:axId val="84337792"/>
       </c:lineChart>
       <c:catAx>
-        <c:axId val="136436224"/>
+        <c:axId val="43144704"/>
         <c:scaling>
           <c:orientation val="minMax"/>
         </c:scaling>
@@ -748,7 +749,7 @@
         <c:majorTickMark val="out"/>
         <c:minorTickMark val="none"/>
         <c:tickLblPos val="nextTo"/>
-        <c:crossAx val="186347456"/>
+        <c:crossAx val="84337792"/>
         <c:crosses val="autoZero"/>
         <c:auto val="1"/>
         <c:lblAlgn val="ctr"/>
@@ -756,7 +757,7 @@
         <c:noMultiLvlLbl val="0"/>
       </c:catAx>
       <c:valAx>
-        <c:axId val="186347456"/>
+        <c:axId val="84337792"/>
         <c:scaling>
           <c:orientation val="minMax"/>
         </c:scaling>
@@ -787,7 +788,7 @@
         <c:majorTickMark val="out"/>
         <c:minorTickMark val="none"/>
         <c:tickLblPos val="nextTo"/>
-        <c:crossAx val="136436224"/>
+        <c:crossAx val="43144704"/>
         <c:crosses val="autoZero"/>
         <c:crossBetween val="between"/>
       </c:valAx>
@@ -884,7 +885,7 @@
           <a:p>
             <a:fld id="{B6BB6350-B212-4879-B209-4DF49D0B4F10}" type="datetimeFigureOut">
               <a:rPr lang="en-US" smtClean="0"/>
-              <a:t>11/10/2012</a:t>
+              <a:t>11/11/2012</a:t>
             </a:fld>
             <a:endParaRPr lang="en-US"/>
           </a:p>
@@ -1236,6 +1237,174 @@
 </p:notes>
 </file>
 
+<file path=ppt/notesSlides/notesSlide10.xml><?xml version="1.0" encoding="utf-8"?>
+<p:notes xmlns:a="http://schemas.openxmlformats.org/drawingml/2006/main" xmlns:r="http://schemas.openxmlformats.org/officeDocument/2006/relationships" xmlns:p="http://schemas.openxmlformats.org/presentationml/2006/main">
+  <p:cSld>
+    <p:spTree>
+      <p:nvGrpSpPr>
+        <p:cNvPr id="1" name=""/>
+        <p:cNvGrpSpPr/>
+        <p:nvPr/>
+      </p:nvGrpSpPr>
+      <p:grpSpPr>
+        <a:xfrm>
+          <a:off x="0" y="0"/>
+          <a:ext cx="0" cy="0"/>
+          <a:chOff x="0" y="0"/>
+          <a:chExt cx="0" cy="0"/>
+        </a:xfrm>
+      </p:grpSpPr>
+      <p:sp>
+        <p:nvSpPr>
+          <p:cNvPr id="2" name="Slide Image Placeholder 1"/>
+          <p:cNvSpPr>
+            <a:spLocks noGrp="1" noRot="1" noChangeAspect="1"/>
+          </p:cNvSpPr>
+          <p:nvPr>
+            <p:ph type="sldImg"/>
+          </p:nvPr>
+        </p:nvSpPr>
+        <p:spPr/>
+      </p:sp>
+      <p:sp>
+        <p:nvSpPr>
+          <p:cNvPr id="3" name="Notes Placeholder 2"/>
+          <p:cNvSpPr>
+            <a:spLocks noGrp="1"/>
+          </p:cNvSpPr>
+          <p:nvPr>
+            <p:ph type="body" idx="1"/>
+          </p:nvPr>
+        </p:nvSpPr>
+        <p:spPr/>
+        <p:txBody>
+          <a:bodyPr/>
+          <a:lstStyle/>
+          <a:p>
+            <a:endParaRPr lang="en-US" dirty="0"/>
+          </a:p>
+        </p:txBody>
+      </p:sp>
+      <p:sp>
+        <p:nvSpPr>
+          <p:cNvPr id="4" name="Slide Number Placeholder 3"/>
+          <p:cNvSpPr>
+            <a:spLocks noGrp="1"/>
+          </p:cNvSpPr>
+          <p:nvPr>
+            <p:ph type="sldNum" sz="quarter" idx="10"/>
+          </p:nvPr>
+        </p:nvSpPr>
+        <p:spPr/>
+        <p:txBody>
+          <a:bodyPr/>
+          <a:lstStyle/>
+          <a:p>
+            <a:fld id="{660D7955-1178-45C7-88EB-DB10C946F729}" type="slidenum">
+              <a:rPr lang="en-US" smtClean="0"/>
+              <a:t>15</a:t>
+            </a:fld>
+            <a:endParaRPr lang="en-US"/>
+          </a:p>
+        </p:txBody>
+      </p:sp>
+    </p:spTree>
+    <p:extLst>
+      <p:ext uri="{BB962C8B-B14F-4D97-AF65-F5344CB8AC3E}">
+        <p14:creationId xmlns:p14="http://schemas.microsoft.com/office/powerpoint/2010/main" val="1319460358"/>
+      </p:ext>
+    </p:extLst>
+  </p:cSld>
+  <p:clrMapOvr>
+    <a:masterClrMapping/>
+  </p:clrMapOvr>
+</p:notes>
+</file>
+
+<file path=ppt/notesSlides/notesSlide11.xml><?xml version="1.0" encoding="utf-8"?>
+<p:notes xmlns:a="http://schemas.openxmlformats.org/drawingml/2006/main" xmlns:r="http://schemas.openxmlformats.org/officeDocument/2006/relationships" xmlns:p="http://schemas.openxmlformats.org/presentationml/2006/main">
+  <p:cSld>
+    <p:spTree>
+      <p:nvGrpSpPr>
+        <p:cNvPr id="1" name=""/>
+        <p:cNvGrpSpPr/>
+        <p:nvPr/>
+      </p:nvGrpSpPr>
+      <p:grpSpPr>
+        <a:xfrm>
+          <a:off x="0" y="0"/>
+          <a:ext cx="0" cy="0"/>
+          <a:chOff x="0" y="0"/>
+          <a:chExt cx="0" cy="0"/>
+        </a:xfrm>
+      </p:grpSpPr>
+      <p:sp>
+        <p:nvSpPr>
+          <p:cNvPr id="2" name="Slide Image Placeholder 1"/>
+          <p:cNvSpPr>
+            <a:spLocks noGrp="1" noRot="1" noChangeAspect="1"/>
+          </p:cNvSpPr>
+          <p:nvPr>
+            <p:ph type="sldImg"/>
+          </p:nvPr>
+        </p:nvSpPr>
+        <p:spPr/>
+      </p:sp>
+      <p:sp>
+        <p:nvSpPr>
+          <p:cNvPr id="3" name="Notes Placeholder 2"/>
+          <p:cNvSpPr>
+            <a:spLocks noGrp="1"/>
+          </p:cNvSpPr>
+          <p:nvPr>
+            <p:ph type="body" idx="1"/>
+          </p:nvPr>
+        </p:nvSpPr>
+        <p:spPr/>
+        <p:txBody>
+          <a:bodyPr/>
+          <a:lstStyle/>
+          <a:p>
+            <a:endParaRPr lang="en-US" dirty="0"/>
+          </a:p>
+        </p:txBody>
+      </p:sp>
+      <p:sp>
+        <p:nvSpPr>
+          <p:cNvPr id="4" name="Slide Number Placeholder 3"/>
+          <p:cNvSpPr>
+            <a:spLocks noGrp="1"/>
+          </p:cNvSpPr>
+          <p:nvPr>
+            <p:ph type="sldNum" sz="quarter" idx="10"/>
+          </p:nvPr>
+        </p:nvSpPr>
+        <p:spPr/>
+        <p:txBody>
+          <a:bodyPr/>
+          <a:lstStyle/>
+          <a:p>
+            <a:fld id="{660D7955-1178-45C7-88EB-DB10C946F729}" type="slidenum">
+              <a:rPr lang="en-US" smtClean="0"/>
+              <a:t>16</a:t>
+            </a:fld>
+            <a:endParaRPr lang="en-US"/>
+          </a:p>
+        </p:txBody>
+      </p:sp>
+    </p:spTree>
+    <p:extLst>
+      <p:ext uri="{BB962C8B-B14F-4D97-AF65-F5344CB8AC3E}">
+        <p14:creationId xmlns:p14="http://schemas.microsoft.com/office/powerpoint/2010/main" val="1319460358"/>
+      </p:ext>
+    </p:extLst>
+  </p:cSld>
+  <p:clrMapOvr>
+    <a:masterClrMapping/>
+  </p:clrMapOvr>
+</p:notes>
+</file>
+
 <file path=ppt/notesSlides/notesSlide2.xml><?xml version="1.0" encoding="utf-8"?>
 <p:notes xmlns:a="http://schemas.openxmlformats.org/drawingml/2006/main" xmlns:r="http://schemas.openxmlformats.org/officeDocument/2006/relationships" xmlns:p="http://schemas.openxmlformats.org/presentationml/2006/main">
   <p:cSld>
@@ -1301,7 +1470,7 @@
           <a:p>
             <a:fld id="{E7AA0654-642B-4EC6-9896-06614A0153EC}" type="slidenum">
               <a:rPr lang="en-US" smtClean="0"/>
-              <a:t>6</a:t>
+              <a:t>4</a:t>
             </a:fld>
             <a:endParaRPr lang="en-US"/>
           </a:p>
@@ -1310,7 +1479,7 @@
     </p:spTree>
     <p:extLst>
       <p:ext uri="{BB962C8B-B14F-4D97-AF65-F5344CB8AC3E}">
-        <p14:creationId xmlns:p14="http://schemas.microsoft.com/office/powerpoint/2010/main" val="1846358032"/>
+        <p14:creationId xmlns:p14="http://schemas.microsoft.com/office/powerpoint/2010/main" val="4172057294"/>
       </p:ext>
     </p:extLst>
   </p:cSld>
@@ -1383,9 +1552,9 @@
           <a:bodyPr/>
           <a:lstStyle/>
           <a:p>
-            <a:fld id="{660D7955-1178-45C7-88EB-DB10C946F729}" type="slidenum">
+            <a:fld id="{E7AA0654-642B-4EC6-9896-06614A0153EC}" type="slidenum">
               <a:rPr lang="en-US" smtClean="0"/>
-              <a:t>14</a:t>
+              <a:t>6</a:t>
             </a:fld>
             <a:endParaRPr lang="en-US"/>
           </a:p>
@@ -1394,7 +1563,7 @@
     </p:spTree>
     <p:extLst>
       <p:ext uri="{BB962C8B-B14F-4D97-AF65-F5344CB8AC3E}">
-        <p14:creationId xmlns:p14="http://schemas.microsoft.com/office/powerpoint/2010/main" val="1319460358"/>
+        <p14:creationId xmlns:p14="http://schemas.microsoft.com/office/powerpoint/2010/main" val="1846358032"/>
       </p:ext>
     </p:extLst>
   </p:cSld>
@@ -1448,7 +1617,44 @@
           <a:bodyPr/>
           <a:lstStyle/>
           <a:p>
-            <a:endParaRPr lang="en-US" dirty="0"/>
+            <a:pPr marL="0" marR="0" indent="0" algn="l" defTabSz="914400" rtl="0" eaLnBrk="1" fontAlgn="auto" latinLnBrk="0" hangingPunct="1">
+              <a:lnSpc>
+                <a:spcPct val="100000"/>
+              </a:lnSpc>
+              <a:spcBef>
+                <a:spcPts val="0"/>
+              </a:spcBef>
+              <a:spcAft>
+                <a:spcPts val="0"/>
+              </a:spcAft>
+              <a:buClrTx/>
+              <a:buSzTx/>
+              <a:buFontTx/>
+              <a:buNone/>
+              <a:tabLst/>
+              <a:defRPr/>
+            </a:pPr>
+            <a:r>
+              <a:rPr lang="hu-HU" sz="1200" kern="1200" dirty="0" smtClean="0">
+                <a:solidFill>
+                  <a:schemeClr val="tx1"/>
+                </a:solidFill>
+                <a:effectLst/>
+                <a:latin typeface="+mn-lt"/>
+                <a:ea typeface="+mn-ea"/>
+                <a:cs typeface="+mn-cs"/>
+              </a:rPr>
+              <a:t>- 9-es fólia: cím legyen inkrementális, hibrid függőségi analízis (hibrid=bináris és forráskód forrású adatokon)</a:t>
+            </a:r>
+            <a:endParaRPr lang="en-US" sz="1200" kern="1200" dirty="0" smtClean="0">
+              <a:solidFill>
+                <a:schemeClr val="tx1"/>
+              </a:solidFill>
+              <a:effectLst/>
+              <a:latin typeface="+mn-lt"/>
+              <a:ea typeface="+mn-ea"/>
+              <a:cs typeface="+mn-cs"/>
+            </a:endParaRPr>
           </a:p>
         </p:txBody>
       </p:sp>
@@ -1467,9 +1673,9 @@
           <a:bodyPr/>
           <a:lstStyle/>
           <a:p>
-            <a:fld id="{660D7955-1178-45C7-88EB-DB10C946F729}" type="slidenum">
+            <a:fld id="{E7AA0654-642B-4EC6-9896-06614A0153EC}" type="slidenum">
               <a:rPr lang="en-US" smtClean="0"/>
-              <a:t>15</a:t>
+              <a:t>9</a:t>
             </a:fld>
             <a:endParaRPr lang="en-US"/>
           </a:p>
@@ -1478,7 +1684,466 @@
     </p:spTree>
     <p:extLst>
       <p:ext uri="{BB962C8B-B14F-4D97-AF65-F5344CB8AC3E}">
-        <p14:creationId xmlns:p14="http://schemas.microsoft.com/office/powerpoint/2010/main" val="1319460358"/>
+        <p14:creationId xmlns:p14="http://schemas.microsoft.com/office/powerpoint/2010/main" val="212778437"/>
+      </p:ext>
+    </p:extLst>
+  </p:cSld>
+  <p:clrMapOvr>
+    <a:masterClrMapping/>
+  </p:clrMapOvr>
+</p:notes>
+</file>
+
+<file path=ppt/notesSlides/notesSlide5.xml><?xml version="1.0" encoding="utf-8"?>
+<p:notes xmlns:a="http://schemas.openxmlformats.org/drawingml/2006/main" xmlns:r="http://schemas.openxmlformats.org/officeDocument/2006/relationships" xmlns:p="http://schemas.openxmlformats.org/presentationml/2006/main">
+  <p:cSld>
+    <p:spTree>
+      <p:nvGrpSpPr>
+        <p:cNvPr id="1" name=""/>
+        <p:cNvGrpSpPr/>
+        <p:nvPr/>
+      </p:nvGrpSpPr>
+      <p:grpSpPr>
+        <a:xfrm>
+          <a:off x="0" y="0"/>
+          <a:ext cx="0" cy="0"/>
+          <a:chOff x="0" y="0"/>
+          <a:chExt cx="0" cy="0"/>
+        </a:xfrm>
+      </p:grpSpPr>
+      <p:sp>
+        <p:nvSpPr>
+          <p:cNvPr id="2" name="Slide Image Placeholder 1"/>
+          <p:cNvSpPr>
+            <a:spLocks noGrp="1" noRot="1" noChangeAspect="1"/>
+          </p:cNvSpPr>
+          <p:nvPr>
+            <p:ph type="sldImg"/>
+          </p:nvPr>
+        </p:nvSpPr>
+        <p:spPr/>
+      </p:sp>
+      <p:sp>
+        <p:nvSpPr>
+          <p:cNvPr id="3" name="Notes Placeholder 2"/>
+          <p:cNvSpPr>
+            <a:spLocks noGrp="1"/>
+          </p:cNvSpPr>
+          <p:nvPr>
+            <p:ph type="body" idx="1"/>
+          </p:nvPr>
+        </p:nvSpPr>
+        <p:spPr/>
+        <p:txBody>
+          <a:bodyPr/>
+          <a:lstStyle/>
+          <a:p>
+            <a:r>
+              <a:rPr lang="hu-HU" dirty="0" smtClean="0"/>
+              <a:t>EMF-IncQuery technológia:</a:t>
+            </a:r>
+          </a:p>
+          <a:p>
+            <a:pPr lvl="1"/>
+            <a:r>
+              <a:rPr lang="hu-HU" dirty="0" smtClean="0"/>
+              <a:t>Deklaratív, inkrementális modell-lekérdezések</a:t>
+            </a:r>
+          </a:p>
+          <a:p>
+            <a:pPr lvl="2"/>
+            <a:r>
+              <a:rPr lang="hu-HU" dirty="0" smtClean="0"/>
+              <a:t>Lekérdezés = gráfminta</a:t>
+            </a:r>
+          </a:p>
+          <a:p>
+            <a:pPr lvl="1"/>
+            <a:r>
+              <a:rPr lang="hu-HU" dirty="0" smtClean="0"/>
+              <a:t>EMF példánymodellek felett</a:t>
+            </a:r>
+          </a:p>
+          <a:p>
+            <a:endParaRPr lang="en-US" dirty="0"/>
+          </a:p>
+        </p:txBody>
+      </p:sp>
+      <p:sp>
+        <p:nvSpPr>
+          <p:cNvPr id="4" name="Slide Number Placeholder 3"/>
+          <p:cNvSpPr>
+            <a:spLocks noGrp="1"/>
+          </p:cNvSpPr>
+          <p:nvPr>
+            <p:ph type="sldNum" sz="quarter" idx="10"/>
+          </p:nvPr>
+        </p:nvSpPr>
+        <p:spPr/>
+        <p:txBody>
+          <a:bodyPr/>
+          <a:lstStyle/>
+          <a:p>
+            <a:fld id="{E7AA0654-642B-4EC6-9896-06614A0153EC}" type="slidenum">
+              <a:rPr lang="en-US" smtClean="0"/>
+              <a:t>10</a:t>
+            </a:fld>
+            <a:endParaRPr lang="en-US"/>
+          </a:p>
+        </p:txBody>
+      </p:sp>
+    </p:spTree>
+    <p:extLst>
+      <p:ext uri="{BB962C8B-B14F-4D97-AF65-F5344CB8AC3E}">
+        <p14:creationId xmlns:p14="http://schemas.microsoft.com/office/powerpoint/2010/main" val="2696810295"/>
+      </p:ext>
+    </p:extLst>
+  </p:cSld>
+  <p:clrMapOvr>
+    <a:masterClrMapping/>
+  </p:clrMapOvr>
+</p:notes>
+</file>
+
+<file path=ppt/notesSlides/notesSlide6.xml><?xml version="1.0" encoding="utf-8"?>
+<p:notes xmlns:a="http://schemas.openxmlformats.org/drawingml/2006/main" xmlns:r="http://schemas.openxmlformats.org/officeDocument/2006/relationships" xmlns:p="http://schemas.openxmlformats.org/presentationml/2006/main">
+  <p:cSld>
+    <p:spTree>
+      <p:nvGrpSpPr>
+        <p:cNvPr id="1" name=""/>
+        <p:cNvGrpSpPr/>
+        <p:nvPr/>
+      </p:nvGrpSpPr>
+      <p:grpSpPr>
+        <a:xfrm>
+          <a:off x="0" y="0"/>
+          <a:ext cx="0" cy="0"/>
+          <a:chOff x="0" y="0"/>
+          <a:chExt cx="0" cy="0"/>
+        </a:xfrm>
+      </p:grpSpPr>
+      <p:sp>
+        <p:nvSpPr>
+          <p:cNvPr id="2" name="Slide Image Placeholder 1"/>
+          <p:cNvSpPr>
+            <a:spLocks noGrp="1" noRot="1" noChangeAspect="1"/>
+          </p:cNvSpPr>
+          <p:nvPr>
+            <p:ph type="sldImg"/>
+          </p:nvPr>
+        </p:nvSpPr>
+        <p:spPr/>
+      </p:sp>
+      <p:sp>
+        <p:nvSpPr>
+          <p:cNvPr id="3" name="Notes Placeholder 2"/>
+          <p:cNvSpPr>
+            <a:spLocks noGrp="1"/>
+          </p:cNvSpPr>
+          <p:nvPr>
+            <p:ph type="body" idx="1"/>
+          </p:nvPr>
+        </p:nvSpPr>
+        <p:spPr/>
+        <p:txBody>
+          <a:bodyPr/>
+          <a:lstStyle/>
+          <a:p>
+            <a:endParaRPr lang="en-US" dirty="0"/>
+          </a:p>
+        </p:txBody>
+      </p:sp>
+      <p:sp>
+        <p:nvSpPr>
+          <p:cNvPr id="4" name="Slide Number Placeholder 3"/>
+          <p:cNvSpPr>
+            <a:spLocks noGrp="1"/>
+          </p:cNvSpPr>
+          <p:nvPr>
+            <p:ph type="sldNum" sz="quarter" idx="10"/>
+          </p:nvPr>
+        </p:nvSpPr>
+        <p:spPr/>
+        <p:txBody>
+          <a:bodyPr/>
+          <a:lstStyle/>
+          <a:p>
+            <a:fld id="{E7AA0654-642B-4EC6-9896-06614A0153EC}" type="slidenum">
+              <a:rPr lang="en-US" smtClean="0"/>
+              <a:t>11</a:t>
+            </a:fld>
+            <a:endParaRPr lang="en-US"/>
+          </a:p>
+        </p:txBody>
+      </p:sp>
+    </p:spTree>
+    <p:extLst>
+      <p:ext uri="{BB962C8B-B14F-4D97-AF65-F5344CB8AC3E}">
+        <p14:creationId xmlns:p14="http://schemas.microsoft.com/office/powerpoint/2010/main" val="3679442458"/>
+      </p:ext>
+    </p:extLst>
+  </p:cSld>
+  <p:clrMapOvr>
+    <a:masterClrMapping/>
+  </p:clrMapOvr>
+</p:notes>
+</file>
+
+<file path=ppt/notesSlides/notesSlide7.xml><?xml version="1.0" encoding="utf-8"?>
+<p:notes xmlns:a="http://schemas.openxmlformats.org/drawingml/2006/main" xmlns:r="http://schemas.openxmlformats.org/officeDocument/2006/relationships" xmlns:p="http://schemas.openxmlformats.org/presentationml/2006/main">
+  <p:cSld>
+    <p:spTree>
+      <p:nvGrpSpPr>
+        <p:cNvPr id="1" name=""/>
+        <p:cNvGrpSpPr/>
+        <p:nvPr/>
+      </p:nvGrpSpPr>
+      <p:grpSpPr>
+        <a:xfrm>
+          <a:off x="0" y="0"/>
+          <a:ext cx="0" cy="0"/>
+          <a:chOff x="0" y="0"/>
+          <a:chExt cx="0" cy="0"/>
+        </a:xfrm>
+      </p:grpSpPr>
+      <p:sp>
+        <p:nvSpPr>
+          <p:cNvPr id="2" name="Slide Image Placeholder 1"/>
+          <p:cNvSpPr>
+            <a:spLocks noGrp="1" noRot="1" noChangeAspect="1"/>
+          </p:cNvSpPr>
+          <p:nvPr>
+            <p:ph type="sldImg"/>
+          </p:nvPr>
+        </p:nvSpPr>
+        <p:spPr/>
+      </p:sp>
+      <p:sp>
+        <p:nvSpPr>
+          <p:cNvPr id="3" name="Notes Placeholder 2"/>
+          <p:cNvSpPr>
+            <a:spLocks noGrp="1"/>
+          </p:cNvSpPr>
+          <p:nvPr>
+            <p:ph type="body" idx="1"/>
+          </p:nvPr>
+        </p:nvSpPr>
+        <p:spPr/>
+        <p:txBody>
+          <a:bodyPr/>
+          <a:lstStyle/>
+          <a:p>
+            <a:pPr lvl="1"/>
+            <a:r>
+              <a:rPr lang="hu-HU" dirty="0" smtClean="0"/>
+              <a:t>De:</a:t>
+            </a:r>
+            <a:r>
+              <a:rPr lang="hu-HU" baseline="0" dirty="0" smtClean="0"/>
+              <a:t> nincs adatelhagyás!</a:t>
+            </a:r>
+            <a:endParaRPr lang="hu-HU" dirty="0" smtClean="0"/>
+          </a:p>
+          <a:p>
+            <a:endParaRPr lang="en-US" dirty="0"/>
+          </a:p>
+        </p:txBody>
+      </p:sp>
+      <p:sp>
+        <p:nvSpPr>
+          <p:cNvPr id="4" name="Slide Number Placeholder 3"/>
+          <p:cNvSpPr>
+            <a:spLocks noGrp="1"/>
+          </p:cNvSpPr>
+          <p:nvPr>
+            <p:ph type="sldNum" sz="quarter" idx="10"/>
+          </p:nvPr>
+        </p:nvSpPr>
+        <p:spPr/>
+        <p:txBody>
+          <a:bodyPr/>
+          <a:lstStyle/>
+          <a:p>
+            <a:fld id="{660D7955-1178-45C7-88EB-DB10C946F729}" type="slidenum">
+              <a:rPr lang="en-US" smtClean="0"/>
+              <a:t>12</a:t>
+            </a:fld>
+            <a:endParaRPr lang="en-US"/>
+          </a:p>
+        </p:txBody>
+      </p:sp>
+    </p:spTree>
+    <p:extLst>
+      <p:ext uri="{BB962C8B-B14F-4D97-AF65-F5344CB8AC3E}">
+        <p14:creationId xmlns:p14="http://schemas.microsoft.com/office/powerpoint/2010/main" val="2603194435"/>
+      </p:ext>
+    </p:extLst>
+  </p:cSld>
+  <p:clrMapOvr>
+    <a:masterClrMapping/>
+  </p:clrMapOvr>
+</p:notes>
+</file>
+
+<file path=ppt/notesSlides/notesSlide8.xml><?xml version="1.0" encoding="utf-8"?>
+<p:notes xmlns:a="http://schemas.openxmlformats.org/drawingml/2006/main" xmlns:r="http://schemas.openxmlformats.org/officeDocument/2006/relationships" xmlns:p="http://schemas.openxmlformats.org/presentationml/2006/main">
+  <p:cSld>
+    <p:spTree>
+      <p:nvGrpSpPr>
+        <p:cNvPr id="1" name=""/>
+        <p:cNvGrpSpPr/>
+        <p:nvPr/>
+      </p:nvGrpSpPr>
+      <p:grpSpPr>
+        <a:xfrm>
+          <a:off x="0" y="0"/>
+          <a:ext cx="0" cy="0"/>
+          <a:chOff x="0" y="0"/>
+          <a:chExt cx="0" cy="0"/>
+        </a:xfrm>
+      </p:grpSpPr>
+      <p:sp>
+        <p:nvSpPr>
+          <p:cNvPr id="2" name="Slide Image Placeholder 1"/>
+          <p:cNvSpPr>
+            <a:spLocks noGrp="1" noRot="1" noChangeAspect="1"/>
+          </p:cNvSpPr>
+          <p:nvPr>
+            <p:ph type="sldImg"/>
+          </p:nvPr>
+        </p:nvSpPr>
+        <p:spPr/>
+      </p:sp>
+      <p:sp>
+        <p:nvSpPr>
+          <p:cNvPr id="3" name="Notes Placeholder 2"/>
+          <p:cNvSpPr>
+            <a:spLocks noGrp="1"/>
+          </p:cNvSpPr>
+          <p:nvPr>
+            <p:ph type="body" idx="1"/>
+          </p:nvPr>
+        </p:nvSpPr>
+        <p:spPr/>
+        <p:txBody>
+          <a:bodyPr/>
+          <a:lstStyle/>
+          <a:p>
+            <a:endParaRPr lang="en-US" dirty="0"/>
+          </a:p>
+        </p:txBody>
+      </p:sp>
+      <p:sp>
+        <p:nvSpPr>
+          <p:cNvPr id="4" name="Slide Number Placeholder 3"/>
+          <p:cNvSpPr>
+            <a:spLocks noGrp="1"/>
+          </p:cNvSpPr>
+          <p:nvPr>
+            <p:ph type="sldNum" sz="quarter" idx="10"/>
+          </p:nvPr>
+        </p:nvSpPr>
+        <p:spPr/>
+        <p:txBody>
+          <a:bodyPr/>
+          <a:lstStyle/>
+          <a:p>
+            <a:fld id="{E7AA0654-642B-4EC6-9896-06614A0153EC}" type="slidenum">
+              <a:rPr lang="en-US" smtClean="0"/>
+              <a:t>13</a:t>
+            </a:fld>
+            <a:endParaRPr lang="en-US"/>
+          </a:p>
+        </p:txBody>
+      </p:sp>
+    </p:spTree>
+    <p:extLst>
+      <p:ext uri="{BB962C8B-B14F-4D97-AF65-F5344CB8AC3E}">
+        <p14:creationId xmlns:p14="http://schemas.microsoft.com/office/powerpoint/2010/main" val="1350586827"/>
+      </p:ext>
+    </p:extLst>
+  </p:cSld>
+  <p:clrMapOvr>
+    <a:masterClrMapping/>
+  </p:clrMapOvr>
+</p:notes>
+</file>
+
+<file path=ppt/notesSlides/notesSlide9.xml><?xml version="1.0" encoding="utf-8"?>
+<p:notes xmlns:a="http://schemas.openxmlformats.org/drawingml/2006/main" xmlns:r="http://schemas.openxmlformats.org/officeDocument/2006/relationships" xmlns:p="http://schemas.openxmlformats.org/presentationml/2006/main">
+  <p:cSld>
+    <p:spTree>
+      <p:nvGrpSpPr>
+        <p:cNvPr id="1" name=""/>
+        <p:cNvGrpSpPr/>
+        <p:nvPr/>
+      </p:nvGrpSpPr>
+      <p:grpSpPr>
+        <a:xfrm>
+          <a:off x="0" y="0"/>
+          <a:ext cx="0" cy="0"/>
+          <a:chOff x="0" y="0"/>
+          <a:chExt cx="0" cy="0"/>
+        </a:xfrm>
+      </p:grpSpPr>
+      <p:sp>
+        <p:nvSpPr>
+          <p:cNvPr id="2" name="Slide Image Placeholder 1"/>
+          <p:cNvSpPr>
+            <a:spLocks noGrp="1" noRot="1" noChangeAspect="1"/>
+          </p:cNvSpPr>
+          <p:nvPr>
+            <p:ph type="sldImg"/>
+          </p:nvPr>
+        </p:nvSpPr>
+        <p:spPr/>
+      </p:sp>
+      <p:sp>
+        <p:nvSpPr>
+          <p:cNvPr id="3" name="Notes Placeholder 2"/>
+          <p:cNvSpPr>
+            <a:spLocks noGrp="1"/>
+          </p:cNvSpPr>
+          <p:nvPr>
+            <p:ph type="body" idx="1"/>
+          </p:nvPr>
+        </p:nvSpPr>
+        <p:spPr/>
+        <p:txBody>
+          <a:bodyPr/>
+          <a:lstStyle/>
+          <a:p>
+            <a:endParaRPr lang="en-US" dirty="0"/>
+          </a:p>
+        </p:txBody>
+      </p:sp>
+      <p:sp>
+        <p:nvSpPr>
+          <p:cNvPr id="4" name="Slide Number Placeholder 3"/>
+          <p:cNvSpPr>
+            <a:spLocks noGrp="1"/>
+          </p:cNvSpPr>
+          <p:nvPr>
+            <p:ph type="sldNum" sz="quarter" idx="10"/>
+          </p:nvPr>
+        </p:nvSpPr>
+        <p:spPr/>
+        <p:txBody>
+          <a:bodyPr/>
+          <a:lstStyle/>
+          <a:p>
+            <a:fld id="{E7AA0654-642B-4EC6-9896-06614A0153EC}" type="slidenum">
+              <a:rPr lang="en-US" smtClean="0"/>
+              <a:t>14</a:t>
+            </a:fld>
+            <a:endParaRPr lang="en-US"/>
+          </a:p>
+        </p:txBody>
+      </p:sp>
+    </p:spTree>
+    <p:extLst>
+      <p:ext uri="{BB962C8B-B14F-4D97-AF65-F5344CB8AC3E}">
+        <p14:creationId xmlns:p14="http://schemas.microsoft.com/office/powerpoint/2010/main" val="3832885243"/>
       </p:ext>
     </p:extLst>
   </p:cSld>
@@ -1669,7 +2334,7 @@
           <a:p>
             <a:fld id="{5F65F745-5CE3-40A0-8E26-13A5C6D55D00}" type="datetimeFigureOut">
               <a:rPr lang="en-US" smtClean="0"/>
-              <a:t>11/10/2012</a:t>
+              <a:t>11/11/2012</a:t>
             </a:fld>
             <a:endParaRPr lang="en-US"/>
           </a:p>
@@ -1839,7 +2504,7 @@
           <a:p>
             <a:fld id="{5F65F745-5CE3-40A0-8E26-13A5C6D55D00}" type="datetimeFigureOut">
               <a:rPr lang="en-US" smtClean="0"/>
-              <a:t>11/10/2012</a:t>
+              <a:t>11/11/2012</a:t>
             </a:fld>
             <a:endParaRPr lang="en-US"/>
           </a:p>
@@ -2019,7 +2684,7 @@
           <a:p>
             <a:fld id="{5F65F745-5CE3-40A0-8E26-13A5C6D55D00}" type="datetimeFigureOut">
               <a:rPr lang="en-US" smtClean="0"/>
-              <a:t>11/10/2012</a:t>
+              <a:t>11/11/2012</a:t>
             </a:fld>
             <a:endParaRPr lang="en-US"/>
           </a:p>
@@ -2189,7 +2854,7 @@
           <a:p>
             <a:fld id="{5F65F745-5CE3-40A0-8E26-13A5C6D55D00}" type="datetimeFigureOut">
               <a:rPr lang="en-US" smtClean="0"/>
-              <a:t>11/10/2012</a:t>
+              <a:t>11/11/2012</a:t>
             </a:fld>
             <a:endParaRPr lang="en-US"/>
           </a:p>
@@ -2435,7 +3100,7 @@
           <a:p>
             <a:fld id="{5F65F745-5CE3-40A0-8E26-13A5C6D55D00}" type="datetimeFigureOut">
               <a:rPr lang="en-US" smtClean="0"/>
-              <a:t>11/10/2012</a:t>
+              <a:t>11/11/2012</a:t>
             </a:fld>
             <a:endParaRPr lang="en-US"/>
           </a:p>
@@ -2723,7 +3388,7 @@
           <a:p>
             <a:fld id="{5F65F745-5CE3-40A0-8E26-13A5C6D55D00}" type="datetimeFigureOut">
               <a:rPr lang="en-US" smtClean="0"/>
-              <a:t>11/10/2012</a:t>
+              <a:t>11/11/2012</a:t>
             </a:fld>
             <a:endParaRPr lang="en-US"/>
           </a:p>
@@ -3145,7 +3810,7 @@
           <a:p>
             <a:fld id="{5F65F745-5CE3-40A0-8E26-13A5C6D55D00}" type="datetimeFigureOut">
               <a:rPr lang="en-US" smtClean="0"/>
-              <a:t>11/10/2012</a:t>
+              <a:t>11/11/2012</a:t>
             </a:fld>
             <a:endParaRPr lang="en-US"/>
           </a:p>
@@ -3263,7 +3928,7 @@
           <a:p>
             <a:fld id="{5F65F745-5CE3-40A0-8E26-13A5C6D55D00}" type="datetimeFigureOut">
               <a:rPr lang="en-US" smtClean="0"/>
-              <a:t>11/10/2012</a:t>
+              <a:t>11/11/2012</a:t>
             </a:fld>
             <a:endParaRPr lang="en-US"/>
           </a:p>
@@ -3358,7 +4023,7 @@
           <a:p>
             <a:fld id="{5F65F745-5CE3-40A0-8E26-13A5C6D55D00}" type="datetimeFigureOut">
               <a:rPr lang="en-US" smtClean="0"/>
-              <a:t>11/10/2012</a:t>
+              <a:t>11/11/2012</a:t>
             </a:fld>
             <a:endParaRPr lang="en-US"/>
           </a:p>
@@ -3635,7 +4300,7 @@
           <a:p>
             <a:fld id="{5F65F745-5CE3-40A0-8E26-13A5C6D55D00}" type="datetimeFigureOut">
               <a:rPr lang="en-US" smtClean="0"/>
-              <a:t>11/10/2012</a:t>
+              <a:t>11/11/2012</a:t>
             </a:fld>
             <a:endParaRPr lang="en-US"/>
           </a:p>
@@ -3888,7 +4553,7 @@
           <a:p>
             <a:fld id="{5F65F745-5CE3-40A0-8E26-13A5C6D55D00}" type="datetimeFigureOut">
               <a:rPr lang="en-US" smtClean="0"/>
-              <a:t>11/10/2012</a:t>
+              <a:t>11/11/2012</a:t>
             </a:fld>
             <a:endParaRPr lang="en-US"/>
           </a:p>
@@ -4122,7 +4787,7 @@
           <a:p>
             <a:fld id="{5F65F745-5CE3-40A0-8E26-13A5C6D55D00}" type="datetimeFigureOut">
               <a:rPr lang="en-US" smtClean="0"/>
-              <a:t>11/10/2012</a:t>
+              <a:t>11/11/2012</a:t>
             </a:fld>
             <a:endParaRPr lang="en-US"/>
           </a:p>
@@ -4599,7 +5264,7 @@
           <a:p>
             <a:r>
               <a:rPr lang="hu-HU" dirty="0" smtClean="0"/>
-              <a:t>Modell-lekérdezések</a:t>
+              <a:t>Kiterjesztés</a:t>
             </a:r>
             <a:endParaRPr lang="en-US" dirty="0"/>
           </a:p>
@@ -4618,80 +5283,78 @@
         <p:spPr/>
         <p:txBody>
           <a:bodyPr>
-            <a:normAutofit lnSpcReduction="10000"/>
+            <a:normAutofit/>
           </a:bodyPr>
           <a:lstStyle/>
           <a:p>
             <a:r>
               <a:rPr lang="hu-HU" dirty="0" smtClean="0"/>
-              <a:t>EMF-IncQuery technológia:</a:t>
+              <a:t>Alap implementáció</a:t>
             </a:r>
           </a:p>
           <a:p>
             <a:pPr lvl="1"/>
             <a:r>
               <a:rPr lang="hu-HU" dirty="0" smtClean="0"/>
-              <a:t>Deklaratív, inkrementális modell-lekérdezések.</a:t>
+              <a:t>Csak az adatbázisban tárolt adatok alapján</a:t>
+            </a:r>
+          </a:p>
+          <a:p>
+            <a:r>
+              <a:rPr lang="hu-HU" dirty="0" smtClean="0"/>
+              <a:t>Továbbfejlesztés</a:t>
+            </a:r>
+          </a:p>
+          <a:p>
+            <a:pPr lvl="1"/>
+            <a:r>
+              <a:rPr lang="hu-HU" dirty="0" smtClean="0"/>
+              <a:t>Forráskód és függőségi </a:t>
+            </a:r>
+            <a:r>
+              <a:rPr lang="hu-HU" dirty="0"/>
+              <a:t>adatbázis összekapcsolása</a:t>
             </a:r>
           </a:p>
           <a:p>
             <a:pPr lvl="2"/>
             <a:r>
               <a:rPr lang="hu-HU" dirty="0" smtClean="0"/>
-              <a:t>Lekérdezés = </a:t>
-            </a:r>
-            <a:r>
-              <a:rPr lang="hu-HU" dirty="0" smtClean="0"/>
-              <a:t>gráfminta.</a:t>
+              <a:t>Mi </a:t>
+            </a:r>
+            <a:r>
+              <a:rPr lang="hu-HU" dirty="0" smtClean="0"/>
+              <a:t>változott meg </a:t>
+            </a:r>
+            <a:r>
+              <a:rPr lang="hu-HU" dirty="0" smtClean="0"/>
+              <a:t>a fejlesztőkörnyezetben?</a:t>
+            </a:r>
+            <a:endParaRPr lang="hu-HU" dirty="0" smtClean="0"/>
+          </a:p>
+          <a:p>
+            <a:pPr lvl="2"/>
+            <a:r>
+              <a:rPr lang="hu-HU" dirty="0" smtClean="0"/>
+              <a:t>Milyen hatással van a ráépülő projektekre</a:t>
+            </a:r>
+            <a:r>
+              <a:rPr lang="hu-HU" dirty="0" smtClean="0"/>
+              <a:t>?</a:t>
             </a:r>
           </a:p>
           <a:p>
             <a:pPr lvl="1"/>
             <a:r>
-              <a:rPr lang="hu-HU" dirty="0" smtClean="0"/>
-              <a:t>EMF példánymodellek felett.</a:t>
-            </a:r>
-          </a:p>
-          <a:p>
-            <a:r>
-              <a:rPr lang="hu-HU" dirty="0" smtClean="0"/>
-              <a:t>Cél:</a:t>
-            </a:r>
-          </a:p>
-          <a:p>
-            <a:pPr lvl="1"/>
-            <a:r>
-              <a:rPr lang="hu-HU" dirty="0" smtClean="0"/>
-              <a:t>Függőségi viszonyok azonnali megjelenítése.</a:t>
-            </a:r>
-            <a:endParaRPr lang="hu-HU" dirty="0" smtClean="0"/>
-          </a:p>
-          <a:p>
-            <a:pPr lvl="1"/>
-            <a:r>
-              <a:rPr lang="hu-HU" dirty="0" smtClean="0"/>
-              <a:t>Forráskód és függőségi adatbázis összekapcsolása.</a:t>
-            </a:r>
-          </a:p>
-          <a:p>
-            <a:pPr lvl="2"/>
-            <a:r>
-              <a:rPr lang="hu-HU" dirty="0" smtClean="0"/>
-              <a:t>Mi változott meg a workspace-ben?</a:t>
-            </a:r>
-          </a:p>
-          <a:p>
-            <a:pPr lvl="2"/>
-            <a:r>
-              <a:rPr lang="hu-HU" dirty="0" smtClean="0"/>
-              <a:t>Milyen hatással van a ráépülő projektekre?</a:t>
-            </a:r>
-          </a:p>
-          <a:p>
-            <a:pPr marL="0" indent="0">
+              <a:rPr lang="hu-HU" dirty="0"/>
+              <a:t>Valós idejű lekérdezések</a:t>
+            </a:r>
+          </a:p>
+          <a:p>
+            <a:pPr marL="457200" lvl="1" indent="0">
               <a:buNone/>
             </a:pPr>
-            <a:endParaRPr lang="en-US" dirty="0"/>
+            <a:endParaRPr lang="hu-HU" dirty="0" smtClean="0"/>
           </a:p>
         </p:txBody>
       </p:sp>
@@ -4749,7 +5412,11 @@
           <a:p>
             <a:r>
               <a:rPr lang="hu-HU" dirty="0" smtClean="0"/>
-              <a:t>Az architektúra kiegészítése</a:t>
+              <a:t>Az architektúra </a:t>
+            </a:r>
+            <a:r>
+              <a:rPr lang="hu-HU" dirty="0" smtClean="0"/>
+              <a:t>kiegészítése</a:t>
             </a:r>
             <a:endParaRPr lang="en-US" dirty="0"/>
           </a:p>
@@ -5004,7 +5671,6 @@
               <a:rPr lang="hu-HU" dirty="0" smtClean="0"/>
               <a:t>Lekérdezések</a:t>
             </a:r>
-            <a:endParaRPr lang="hu-HU" dirty="0" smtClean="0"/>
           </a:p>
         </p:txBody>
       </p:sp>
@@ -5073,11 +5739,11 @@
             <p:nvPr/>
           </p:nvPicPr>
           <p:blipFill>
-            <a:blip r:embed="rId2" cstate="print">
+            <a:blip r:embed="rId3" cstate="print">
               <a:extLst>
                 <a:ext uri="{BEBA8EAE-BF5A-486C-A8C5-ECC9F3942E4B}">
                   <a14:imgProps xmlns:a14="http://schemas.microsoft.com/office/drawing/2010/main">
-                    <a14:imgLayer r:embed="rId3">
+                    <a14:imgLayer r:embed="rId4">
                       <a14:imgEffect>
                         <a14:backgroundRemoval t="0" b="99603" l="0" r="100000"/>
                       </a14:imgEffect>
@@ -5651,7 +6317,11 @@
           <a:p>
             <a:r>
               <a:rPr lang="hu-HU" dirty="0" smtClean="0"/>
-              <a:t>Tömörített EMF példánymodell</a:t>
+              <a:t>Tömörített EMF </a:t>
+            </a:r>
+            <a:r>
+              <a:rPr lang="hu-HU" dirty="0" smtClean="0"/>
+              <a:t>példánymodell</a:t>
             </a:r>
             <a:endParaRPr lang="hu-HU" dirty="0" smtClean="0"/>
           </a:p>
@@ -5659,19 +6329,19 @@
       </p:sp>
       <p:sp>
         <p:nvSpPr>
-          <p:cNvPr id="32" name="Rounded Rectangular Callout 31"/>
+          <p:cNvPr id="34" name="Rounded Rectangular Callout 33"/>
           <p:cNvSpPr/>
           <p:nvPr/>
         </p:nvSpPr>
         <p:spPr>
           <a:xfrm>
-            <a:off x="5090676" y="4114800"/>
-            <a:ext cx="3382247" cy="1066800"/>
+            <a:off x="2971800" y="4143200"/>
+            <a:ext cx="3279128" cy="761307"/>
           </a:xfrm>
           <a:prstGeom prst="wedgeRoundRectCallout">
             <a:avLst>
-              <a:gd name="adj1" fmla="val 1221"/>
-              <a:gd name="adj2" fmla="val -67424"/>
+              <a:gd name="adj1" fmla="val 40025"/>
+              <a:gd name="adj2" fmla="val -247673"/>
               <a:gd name="adj3" fmla="val 16667"/>
             </a:avLst>
           </a:prstGeom>
@@ -5700,7 +6370,11 @@
             </a:pPr>
             <a:r>
               <a:rPr lang="hu-HU" dirty="0" smtClean="0"/>
-              <a:t>Eclise projekteket leíró EMF példánymodell.</a:t>
+              <a:t>Modellek =&gt; </a:t>
+            </a:r>
+            <a:r>
+              <a:rPr lang="hu-HU" dirty="0" smtClean="0"/>
+              <a:t>EMF-IncQuery </a:t>
             </a:r>
             <a:endParaRPr lang="hu-HU" dirty="0" smtClean="0"/>
           </a:p>
@@ -5711,70 +6385,11 @@
             </a:pPr>
             <a:r>
               <a:rPr lang="hu-HU" dirty="0" smtClean="0"/>
-              <a:t>Inkrementális </a:t>
-            </a:r>
-            <a:r>
-              <a:rPr lang="hu-HU" dirty="0" smtClean="0"/>
-              <a:t>karbantartás.</a:t>
-            </a:r>
-            <a:endParaRPr lang="hu-HU" dirty="0" smtClean="0"/>
-          </a:p>
-        </p:txBody>
-      </p:sp>
-      <p:sp>
-        <p:nvSpPr>
-          <p:cNvPr id="34" name="Rounded Rectangular Callout 33"/>
-          <p:cNvSpPr/>
-          <p:nvPr/>
-        </p:nvSpPr>
-        <p:spPr>
-          <a:xfrm>
-            <a:off x="2971800" y="4143201"/>
-            <a:ext cx="3279128" cy="651130"/>
-          </a:xfrm>
-          <a:prstGeom prst="wedgeRoundRectCallout">
-            <a:avLst>
-              <a:gd name="adj1" fmla="val 38497"/>
-              <a:gd name="adj2" fmla="val -270708"/>
-              <a:gd name="adj3" fmla="val 16667"/>
-            </a:avLst>
-          </a:prstGeom>
-        </p:spPr>
-        <p:style>
-          <a:lnRef idx="1">
-            <a:schemeClr val="accent4"/>
-          </a:lnRef>
-          <a:fillRef idx="2">
-            <a:schemeClr val="accent4"/>
-          </a:fillRef>
-          <a:effectRef idx="1">
-            <a:schemeClr val="accent4"/>
-          </a:effectRef>
-          <a:fontRef idx="minor">
-            <a:schemeClr val="dk1"/>
-          </a:fontRef>
-        </p:style>
-        <p:txBody>
-          <a:bodyPr rtlCol="0" anchor="ctr"/>
-          <a:lstStyle/>
-          <a:p>
-            <a:pPr marL="285750" indent="-285750">
-              <a:buFont typeface="Arial" pitchFamily="34" charset="0"/>
-              <a:buChar char="•"/>
-            </a:pPr>
-            <a:r>
-              <a:rPr lang="hu-HU" dirty="0" smtClean="0"/>
-              <a:t>Modellek =&gt; EMF-IncQuery. </a:t>
-            </a:r>
-          </a:p>
-          <a:p>
-            <a:pPr marL="285750" indent="-285750">
-              <a:buFont typeface="Arial" pitchFamily="34" charset="0"/>
-              <a:buChar char="•"/>
-            </a:pPr>
-            <a:r>
-              <a:rPr lang="hu-HU" dirty="0" smtClean="0"/>
-              <a:t>Valós idejű kiértékelés.</a:t>
+              <a:t>Valós </a:t>
+            </a:r>
+            <a:r>
+              <a:rPr lang="hu-HU" dirty="0" smtClean="0"/>
+              <a:t>idejű, inkrementális kiértékelés</a:t>
             </a:r>
             <a:endParaRPr lang="hu-HU" dirty="0" smtClean="0"/>
           </a:p>
@@ -5819,7 +6434,11 @@
           <a:p>
             <a:r>
               <a:rPr lang="hu-HU" dirty="0" smtClean="0"/>
-              <a:t>Explicit lekérdezés megmarad.</a:t>
+              <a:t>Explicit lekérdezés </a:t>
+            </a:r>
+            <a:r>
+              <a:rPr lang="hu-HU" dirty="0" smtClean="0"/>
+              <a:t>megmarad</a:t>
             </a:r>
             <a:endParaRPr lang="hu-HU" dirty="0" smtClean="0"/>
           </a:p>
@@ -5878,8 +6497,91 @@
             </a:pPr>
             <a:r>
               <a:rPr lang="hu-HU" dirty="0" smtClean="0"/>
-              <a:t>Az összes elemre!</a:t>
-            </a:r>
+              <a:t>Az összes </a:t>
+            </a:r>
+            <a:r>
+              <a:rPr lang="hu-HU" dirty="0" smtClean="0"/>
+              <a:t>elemre</a:t>
+            </a:r>
+            <a:endParaRPr lang="hu-HU" dirty="0" smtClean="0"/>
+          </a:p>
+        </p:txBody>
+      </p:sp>
+      <p:sp>
+        <p:nvSpPr>
+          <p:cNvPr id="32" name="Rounded Rectangular Callout 31"/>
+          <p:cNvSpPr/>
+          <p:nvPr/>
+        </p:nvSpPr>
+        <p:spPr>
+          <a:xfrm>
+            <a:off x="5090676" y="4114800"/>
+            <a:ext cx="3382247" cy="1295400"/>
+          </a:xfrm>
+          <a:prstGeom prst="wedgeRoundRectCallout">
+            <a:avLst>
+              <a:gd name="adj1" fmla="val 1221"/>
+              <a:gd name="adj2" fmla="val -67424"/>
+              <a:gd name="adj3" fmla="val 16667"/>
+            </a:avLst>
+          </a:prstGeom>
+        </p:spPr>
+        <p:style>
+          <a:lnRef idx="1">
+            <a:schemeClr val="accent4"/>
+          </a:lnRef>
+          <a:fillRef idx="2">
+            <a:schemeClr val="accent4"/>
+          </a:fillRef>
+          <a:effectRef idx="1">
+            <a:schemeClr val="accent4"/>
+          </a:effectRef>
+          <a:fontRef idx="minor">
+            <a:schemeClr val="dk1"/>
+          </a:fontRef>
+        </p:style>
+        <p:txBody>
+          <a:bodyPr rtlCol="0" anchor="ctr"/>
+          <a:lstStyle/>
+          <a:p>
+            <a:pPr marL="285750" indent="-285750">
+              <a:buFont typeface="Arial" pitchFamily="34" charset="0"/>
+              <a:buChar char="•"/>
+            </a:pPr>
+            <a:r>
+              <a:rPr lang="hu-HU" dirty="0" smtClean="0"/>
+              <a:t>Eclise projekteket leíró EMF </a:t>
+            </a:r>
+            <a:r>
+              <a:rPr lang="hu-HU" dirty="0" smtClean="0"/>
+              <a:t>példánymodell</a:t>
+            </a:r>
+          </a:p>
+          <a:p>
+            <a:pPr marL="285750" indent="-285750">
+              <a:buFont typeface="Arial" pitchFamily="34" charset="0"/>
+              <a:buChar char="•"/>
+            </a:pPr>
+            <a:r>
+              <a:rPr lang="hu-HU" dirty="0" smtClean="0"/>
+              <a:t>Elemek 1-1 kapcsolatban  az Eclipse-el</a:t>
+            </a:r>
+            <a:endParaRPr lang="hu-HU" dirty="0" smtClean="0"/>
+          </a:p>
+          <a:p>
+            <a:pPr marL="285750" indent="-285750">
+              <a:buFont typeface="Arial" pitchFamily="34" charset="0"/>
+              <a:buChar char="•"/>
+            </a:pPr>
+            <a:r>
+              <a:rPr lang="hu-HU" dirty="0" smtClean="0"/>
+              <a:t>Inkrementális </a:t>
+            </a:r>
+            <a:r>
+              <a:rPr lang="hu-HU" dirty="0" smtClean="0"/>
+              <a:t>karbantartás</a:t>
+            </a:r>
+            <a:endParaRPr lang="hu-HU" dirty="0" smtClean="0"/>
           </a:p>
         </p:txBody>
       </p:sp>
@@ -6523,13 +7225,13 @@
       <p:bldP spid="30" grpId="0" animBg="1"/>
       <p:bldP spid="31" grpId="0" animBg="1"/>
       <p:bldP spid="31" grpId="1" animBg="1"/>
-      <p:bldP spid="32" grpId="0" animBg="1"/>
-      <p:bldP spid="32" grpId="1" animBg="1"/>
       <p:bldP spid="34" grpId="0" animBg="1"/>
       <p:bldP spid="34" grpId="1" animBg="1"/>
       <p:bldP spid="35" grpId="0" animBg="1"/>
       <p:bldP spid="35" grpId="1" animBg="1"/>
       <p:bldP spid="36" grpId="0" animBg="1"/>
+      <p:bldP spid="32" grpId="0" animBg="1"/>
+      <p:bldP spid="32" grpId="1" animBg="1"/>
     </p:bldLst>
   </p:timing>
 </p:sld>
@@ -6554,6 +7256,48 @@
       </p:grpSpPr>
       <p:sp>
         <p:nvSpPr>
+          <p:cNvPr id="24" name="Rectangle 23"/>
+          <p:cNvSpPr/>
+          <p:nvPr/>
+        </p:nvSpPr>
+        <p:spPr>
+          <a:xfrm>
+            <a:off x="6841867" y="4201733"/>
+            <a:ext cx="1644134" cy="533400"/>
+          </a:xfrm>
+          <a:prstGeom prst="rect">
+            <a:avLst/>
+          </a:prstGeom>
+        </p:spPr>
+        <p:style>
+          <a:lnRef idx="2">
+            <a:schemeClr val="accent5"/>
+          </a:lnRef>
+          <a:fillRef idx="1">
+            <a:schemeClr val="lt1"/>
+          </a:fillRef>
+          <a:effectRef idx="0">
+            <a:schemeClr val="accent5"/>
+          </a:effectRef>
+          <a:fontRef idx="minor">
+            <a:schemeClr val="dk1"/>
+          </a:fontRef>
+        </p:style>
+        <p:txBody>
+          <a:bodyPr rtlCol="0" anchor="ctr"/>
+          <a:lstStyle/>
+          <a:p>
+            <a:pPr algn="ctr"/>
+            <a:r>
+              <a:rPr lang="hu-HU" dirty="0" smtClean="0"/>
+              <a:t>NewClass</a:t>
+            </a:r>
+            <a:endParaRPr lang="en-US" dirty="0"/>
+          </a:p>
+        </p:txBody>
+      </p:sp>
+      <p:sp>
+        <p:nvSpPr>
           <p:cNvPr id="2" name="Title 1"/>
           <p:cNvSpPr>
             <a:spLocks noGrp="1"/>
@@ -6569,7 +7313,7 @@
           <a:p>
             <a:r>
               <a:rPr lang="hu-HU" dirty="0" smtClean="0"/>
-              <a:t>A modell-lekérdezések</a:t>
+              <a:t>Modell-lekérdezések</a:t>
             </a:r>
             <a:endParaRPr lang="en-US" dirty="0"/>
           </a:p>
@@ -6587,21 +7331,1291 @@
         </p:nvSpPr>
         <p:spPr/>
         <p:txBody>
-          <a:bodyPr/>
-          <a:lstStyle/>
-          <a:p>
-            <a:r>
-              <a:rPr lang="hu-HU" dirty="0" smtClean="0"/>
-              <a:t>Query explorer eredmény ide?</a:t>
+          <a:bodyPr>
+            <a:normAutofit/>
+          </a:bodyPr>
+          <a:lstStyle/>
+          <a:p>
+            <a:r>
+              <a:rPr lang="hu-HU" dirty="0" smtClean="0"/>
+              <a:t>Lekérdezések = gráfminták</a:t>
+            </a:r>
+          </a:p>
+          <a:p>
+            <a:pPr lvl="1"/>
+            <a:r>
+              <a:rPr lang="hu-HU" sz="2400" dirty="0" smtClean="0"/>
+              <a:t>IncQuery deklaratív lekérdező nyelvén </a:t>
+            </a:r>
+            <a:r>
+              <a:rPr lang="hu-HU" sz="2400" dirty="0" smtClean="0"/>
+              <a:t>megfogalmazva</a:t>
+            </a:r>
+            <a:r>
+              <a:rPr lang="hu-HU" sz="2400" dirty="0" smtClean="0"/>
+              <a:t>.</a:t>
+            </a:r>
+          </a:p>
+        </p:txBody>
+      </p:sp>
+      <p:sp>
+        <p:nvSpPr>
+          <p:cNvPr id="5" name="Rectangle 4"/>
+          <p:cNvSpPr/>
+          <p:nvPr/>
+        </p:nvSpPr>
+        <p:spPr>
+          <a:xfrm>
+            <a:off x="609600" y="2667000"/>
+            <a:ext cx="3842266" cy="3810000"/>
+          </a:xfrm>
+          <a:prstGeom prst="rect">
+            <a:avLst/>
+          </a:prstGeom>
+          <a:noFill/>
+          <a:ln w="9525">
+            <a:prstDash val="dash"/>
+          </a:ln>
+        </p:spPr>
+        <p:style>
+          <a:lnRef idx="2">
+            <a:schemeClr val="dk1"/>
+          </a:lnRef>
+          <a:fillRef idx="1">
+            <a:schemeClr val="lt1"/>
+          </a:fillRef>
+          <a:effectRef idx="0">
+            <a:schemeClr val="dk1"/>
+          </a:effectRef>
+          <a:fontRef idx="minor">
+            <a:schemeClr val="dk1"/>
+          </a:fontRef>
+        </p:style>
+        <p:txBody>
+          <a:bodyPr rtlCol="0" anchor="ctr"/>
+          <a:lstStyle/>
+          <a:p>
+            <a:pPr algn="ctr"/>
+            <a:endParaRPr lang="en-US"/>
+          </a:p>
+        </p:txBody>
+      </p:sp>
+      <p:sp>
+        <p:nvSpPr>
+          <p:cNvPr id="6" name="TextBox 5"/>
+          <p:cNvSpPr txBox="1"/>
+          <p:nvPr/>
+        </p:nvSpPr>
+        <p:spPr>
+          <a:xfrm>
+            <a:off x="609600" y="6107668"/>
+            <a:ext cx="3842265" cy="369332"/>
+          </a:xfrm>
+          <a:prstGeom prst="rect">
+            <a:avLst/>
+          </a:prstGeom>
+          <a:noFill/>
+        </p:spPr>
+        <p:txBody>
+          <a:bodyPr wrap="square" rtlCol="0">
+            <a:spAutoFit/>
+          </a:bodyPr>
+          <a:lstStyle/>
+          <a:p>
+            <a:pPr algn="ctr"/>
+            <a:r>
+              <a:rPr lang="en-US" dirty="0" err="1" smtClean="0"/>
+              <a:t>Szerver</a:t>
+            </a:r>
+            <a:r>
+              <a:rPr lang="en-US" dirty="0" smtClean="0"/>
+              <a:t> </a:t>
+            </a:r>
+            <a:r>
+              <a:rPr lang="en-US" dirty="0" err="1" smtClean="0"/>
+              <a:t>oldali</a:t>
+            </a:r>
+            <a:r>
+              <a:rPr lang="en-US" dirty="0" smtClean="0"/>
+              <a:t> </a:t>
+            </a:r>
+            <a:r>
+              <a:rPr lang="en-US" dirty="0" err="1" smtClean="0"/>
+              <a:t>modell</a:t>
             </a:r>
             <a:endParaRPr lang="en-US" dirty="0"/>
           </a:p>
         </p:txBody>
       </p:sp>
+      <p:sp>
+        <p:nvSpPr>
+          <p:cNvPr id="7" name="Rectangle 6"/>
+          <p:cNvSpPr/>
+          <p:nvPr/>
+        </p:nvSpPr>
+        <p:spPr>
+          <a:xfrm>
+            <a:off x="4800600" y="2667000"/>
+            <a:ext cx="3810000" cy="3810000"/>
+          </a:xfrm>
+          <a:prstGeom prst="rect">
+            <a:avLst/>
+          </a:prstGeom>
+          <a:noFill/>
+          <a:ln w="9525">
+            <a:prstDash val="dash"/>
+          </a:ln>
+        </p:spPr>
+        <p:style>
+          <a:lnRef idx="2">
+            <a:schemeClr val="dk1"/>
+          </a:lnRef>
+          <a:fillRef idx="1">
+            <a:schemeClr val="lt1"/>
+          </a:fillRef>
+          <a:effectRef idx="0">
+            <a:schemeClr val="dk1"/>
+          </a:effectRef>
+          <a:fontRef idx="minor">
+            <a:schemeClr val="dk1"/>
+          </a:fontRef>
+        </p:style>
+        <p:txBody>
+          <a:bodyPr rtlCol="0" anchor="ctr"/>
+          <a:lstStyle/>
+          <a:p>
+            <a:pPr algn="ctr"/>
+            <a:endParaRPr lang="en-US"/>
+          </a:p>
+        </p:txBody>
+      </p:sp>
+      <p:sp>
+        <p:nvSpPr>
+          <p:cNvPr id="8" name="Rectangle 7"/>
+          <p:cNvSpPr/>
+          <p:nvPr/>
+        </p:nvSpPr>
+        <p:spPr>
+          <a:xfrm>
+            <a:off x="1708666" y="2944433"/>
+            <a:ext cx="1644134" cy="533400"/>
+          </a:xfrm>
+          <a:prstGeom prst="rect">
+            <a:avLst/>
+          </a:prstGeom>
+        </p:spPr>
+        <p:style>
+          <a:lnRef idx="2">
+            <a:schemeClr val="accent1"/>
+          </a:lnRef>
+          <a:fillRef idx="1">
+            <a:schemeClr val="lt1"/>
+          </a:fillRef>
+          <a:effectRef idx="0">
+            <a:schemeClr val="accent1"/>
+          </a:effectRef>
+          <a:fontRef idx="minor">
+            <a:schemeClr val="dk1"/>
+          </a:fontRef>
+        </p:style>
+        <p:txBody>
+          <a:bodyPr rtlCol="0" anchor="ctr"/>
+          <a:lstStyle/>
+          <a:p>
+            <a:pPr algn="ctr"/>
+            <a:r>
+              <a:rPr lang="hu-HU" dirty="0" smtClean="0"/>
+              <a:t>ServiceJar</a:t>
+            </a:r>
+            <a:endParaRPr lang="en-US" dirty="0"/>
+          </a:p>
+        </p:txBody>
+      </p:sp>
+      <p:sp>
+        <p:nvSpPr>
+          <p:cNvPr id="9" name="Rectangle 8"/>
+          <p:cNvSpPr/>
+          <p:nvPr/>
+        </p:nvSpPr>
+        <p:spPr>
+          <a:xfrm>
+            <a:off x="762000" y="4148207"/>
+            <a:ext cx="1644134" cy="533400"/>
+          </a:xfrm>
+          <a:prstGeom prst="rect">
+            <a:avLst/>
+          </a:prstGeom>
+        </p:spPr>
+        <p:style>
+          <a:lnRef idx="2">
+            <a:schemeClr val="accent1"/>
+          </a:lnRef>
+          <a:fillRef idx="1">
+            <a:schemeClr val="lt1"/>
+          </a:fillRef>
+          <a:effectRef idx="0">
+            <a:schemeClr val="accent1"/>
+          </a:effectRef>
+          <a:fontRef idx="minor">
+            <a:schemeClr val="dk1"/>
+          </a:fontRef>
+        </p:style>
+        <p:txBody>
+          <a:bodyPr rtlCol="0" anchor="ctr"/>
+          <a:lstStyle/>
+          <a:p>
+            <a:pPr algn="ctr"/>
+            <a:r>
+              <a:rPr lang="hu-HU" dirty="0" smtClean="0"/>
+              <a:t>Service</a:t>
+            </a:r>
+            <a:endParaRPr lang="en-US" dirty="0"/>
+          </a:p>
+        </p:txBody>
+      </p:sp>
+      <p:sp>
+        <p:nvSpPr>
+          <p:cNvPr id="11" name="Rectangle 10"/>
+          <p:cNvSpPr/>
+          <p:nvPr/>
+        </p:nvSpPr>
+        <p:spPr>
+          <a:xfrm>
+            <a:off x="762000" y="5372100"/>
+            <a:ext cx="908565" cy="533400"/>
+          </a:xfrm>
+          <a:prstGeom prst="rect">
+            <a:avLst/>
+          </a:prstGeom>
+        </p:spPr>
+        <p:style>
+          <a:lnRef idx="2">
+            <a:schemeClr val="accent1"/>
+          </a:lnRef>
+          <a:fillRef idx="1">
+            <a:schemeClr val="lt1"/>
+          </a:fillRef>
+          <a:effectRef idx="0">
+            <a:schemeClr val="accent1"/>
+          </a:effectRef>
+          <a:fontRef idx="minor">
+            <a:schemeClr val="dk1"/>
+          </a:fontRef>
+        </p:style>
+        <p:txBody>
+          <a:bodyPr rtlCol="0" anchor="ctr"/>
+          <a:lstStyle/>
+          <a:p>
+            <a:pPr algn="ctr"/>
+            <a:r>
+              <a:rPr lang="hu-HU" dirty="0" smtClean="0"/>
+              <a:t>serve()</a:t>
+            </a:r>
+            <a:endParaRPr lang="en-US" dirty="0"/>
+          </a:p>
+        </p:txBody>
+      </p:sp>
+      <p:sp>
+        <p:nvSpPr>
+          <p:cNvPr id="12" name="Rectangle 11"/>
+          <p:cNvSpPr/>
+          <p:nvPr/>
+        </p:nvSpPr>
+        <p:spPr>
+          <a:xfrm>
+            <a:off x="2667000" y="5372100"/>
+            <a:ext cx="1066800" cy="533400"/>
+          </a:xfrm>
+          <a:prstGeom prst="rect">
+            <a:avLst/>
+          </a:prstGeom>
+        </p:spPr>
+        <p:style>
+          <a:lnRef idx="2">
+            <a:schemeClr val="accent1"/>
+          </a:lnRef>
+          <a:fillRef idx="1">
+            <a:schemeClr val="lt1"/>
+          </a:fillRef>
+          <a:effectRef idx="0">
+            <a:schemeClr val="accent1"/>
+          </a:effectRef>
+          <a:fontRef idx="minor">
+            <a:schemeClr val="dk1"/>
+          </a:fontRef>
+        </p:style>
+        <p:txBody>
+          <a:bodyPr rtlCol="0" anchor="ctr"/>
+          <a:lstStyle/>
+          <a:p>
+            <a:pPr algn="ctr"/>
+            <a:r>
+              <a:rPr lang="hu-HU" dirty="0" smtClean="0"/>
+              <a:t>doWork()</a:t>
+            </a:r>
+            <a:endParaRPr lang="en-US" dirty="0"/>
+          </a:p>
+        </p:txBody>
+      </p:sp>
+      <p:cxnSp>
+        <p:nvCxnSpPr>
+          <p:cNvPr id="17" name="Straight Arrow Connector 16"/>
+          <p:cNvCxnSpPr>
+            <a:stCxn id="8" idx="2"/>
+            <a:endCxn id="9" idx="0"/>
+          </p:cNvCxnSpPr>
+          <p:nvPr/>
+        </p:nvCxnSpPr>
+        <p:spPr>
+          <a:xfrm flipH="1">
+            <a:off x="1584067" y="3477833"/>
+            <a:ext cx="946666" cy="670374"/>
+          </a:xfrm>
+          <a:prstGeom prst="straightConnector1">
+            <a:avLst/>
+          </a:prstGeom>
+          <a:ln>
+            <a:tailEnd type="arrow"/>
+          </a:ln>
+        </p:spPr>
+        <p:style>
+          <a:lnRef idx="2">
+            <a:schemeClr val="accent1"/>
+          </a:lnRef>
+          <a:fillRef idx="1">
+            <a:schemeClr val="lt1"/>
+          </a:fillRef>
+          <a:effectRef idx="0">
+            <a:schemeClr val="accent1"/>
+          </a:effectRef>
+          <a:fontRef idx="minor">
+            <a:schemeClr val="dk1"/>
+          </a:fontRef>
+        </p:style>
+      </p:cxnSp>
+      <p:cxnSp>
+        <p:nvCxnSpPr>
+          <p:cNvPr id="21" name="Straight Arrow Connector 20"/>
+          <p:cNvCxnSpPr>
+            <a:stCxn id="12" idx="1"/>
+            <a:endCxn id="11" idx="3"/>
+          </p:cNvCxnSpPr>
+          <p:nvPr/>
+        </p:nvCxnSpPr>
+        <p:spPr>
+          <a:xfrm flipH="1">
+            <a:off x="1670565" y="5638800"/>
+            <a:ext cx="996435" cy="0"/>
+          </a:xfrm>
+          <a:prstGeom prst="straightConnector1">
+            <a:avLst/>
+          </a:prstGeom>
+          <a:ln>
+            <a:tailEnd type="arrow"/>
+          </a:ln>
+        </p:spPr>
+        <p:style>
+          <a:lnRef idx="2">
+            <a:schemeClr val="dk1"/>
+          </a:lnRef>
+          <a:fillRef idx="0">
+            <a:schemeClr val="dk1"/>
+          </a:fillRef>
+          <a:effectRef idx="1">
+            <a:schemeClr val="dk1"/>
+          </a:effectRef>
+          <a:fontRef idx="minor">
+            <a:schemeClr val="tx1"/>
+          </a:fontRef>
+        </p:style>
+      </p:cxnSp>
+      <p:sp>
+        <p:nvSpPr>
+          <p:cNvPr id="22" name="Rectangle 21"/>
+          <p:cNvSpPr/>
+          <p:nvPr/>
+        </p:nvSpPr>
+        <p:spPr>
+          <a:xfrm>
+            <a:off x="5883533" y="2993266"/>
+            <a:ext cx="1644134" cy="533400"/>
+          </a:xfrm>
+          <a:prstGeom prst="rect">
+            <a:avLst/>
+          </a:prstGeom>
+        </p:spPr>
+        <p:style>
+          <a:lnRef idx="2">
+            <a:schemeClr val="accent5"/>
+          </a:lnRef>
+          <a:fillRef idx="1">
+            <a:schemeClr val="lt1"/>
+          </a:fillRef>
+          <a:effectRef idx="0">
+            <a:schemeClr val="accent5"/>
+          </a:effectRef>
+          <a:fontRef idx="minor">
+            <a:schemeClr val="dk1"/>
+          </a:fontRef>
+        </p:style>
+        <p:txBody>
+          <a:bodyPr rtlCol="0" anchor="ctr"/>
+          <a:lstStyle/>
+          <a:p>
+            <a:pPr algn="ctr"/>
+            <a:r>
+              <a:rPr lang="hu-HU" dirty="0" smtClean="0"/>
+              <a:t>ServiceJar</a:t>
+            </a:r>
+            <a:endParaRPr lang="en-US" dirty="0"/>
+          </a:p>
+        </p:txBody>
+      </p:sp>
+      <p:sp>
+        <p:nvSpPr>
+          <p:cNvPr id="23" name="Rectangle 22"/>
+          <p:cNvSpPr/>
+          <p:nvPr/>
+        </p:nvSpPr>
+        <p:spPr>
+          <a:xfrm>
+            <a:off x="4936867" y="4197040"/>
+            <a:ext cx="1644134" cy="533400"/>
+          </a:xfrm>
+          <a:prstGeom prst="rect">
+            <a:avLst/>
+          </a:prstGeom>
+        </p:spPr>
+        <p:style>
+          <a:lnRef idx="2">
+            <a:schemeClr val="accent5"/>
+          </a:lnRef>
+          <a:fillRef idx="1">
+            <a:schemeClr val="lt1"/>
+          </a:fillRef>
+          <a:effectRef idx="0">
+            <a:schemeClr val="accent5"/>
+          </a:effectRef>
+          <a:fontRef idx="minor">
+            <a:schemeClr val="dk1"/>
+          </a:fontRef>
+        </p:style>
+        <p:txBody>
+          <a:bodyPr rtlCol="0" anchor="ctr"/>
+          <a:lstStyle/>
+          <a:p>
+            <a:pPr algn="ctr"/>
+            <a:r>
+              <a:rPr lang="hu-HU" dirty="0"/>
+              <a:t>Service</a:t>
+            </a:r>
+            <a:endParaRPr lang="en-US" dirty="0"/>
+          </a:p>
+        </p:txBody>
+      </p:sp>
+      <p:sp>
+        <p:nvSpPr>
+          <p:cNvPr id="25" name="Rectangle 24"/>
+          <p:cNvSpPr/>
+          <p:nvPr/>
+        </p:nvSpPr>
+        <p:spPr>
+          <a:xfrm>
+            <a:off x="5293667" y="5374332"/>
+            <a:ext cx="930533" cy="533400"/>
+          </a:xfrm>
+          <a:prstGeom prst="rect">
+            <a:avLst/>
+          </a:prstGeom>
+        </p:spPr>
+        <p:style>
+          <a:lnRef idx="2">
+            <a:schemeClr val="accent5"/>
+          </a:lnRef>
+          <a:fillRef idx="1">
+            <a:schemeClr val="lt1"/>
+          </a:fillRef>
+          <a:effectRef idx="0">
+            <a:schemeClr val="accent5"/>
+          </a:effectRef>
+          <a:fontRef idx="minor">
+            <a:schemeClr val="dk1"/>
+          </a:fontRef>
+        </p:style>
+        <p:txBody>
+          <a:bodyPr rtlCol="0" anchor="ctr"/>
+          <a:lstStyle/>
+          <a:p>
+            <a:pPr algn="ctr"/>
+            <a:r>
+              <a:rPr lang="hu-HU" dirty="0"/>
+              <a:t>serve()</a:t>
+            </a:r>
+            <a:endParaRPr lang="en-US" dirty="0"/>
+          </a:p>
+        </p:txBody>
+      </p:sp>
+      <p:cxnSp>
+        <p:nvCxnSpPr>
+          <p:cNvPr id="27" name="Straight Arrow Connector 26"/>
+          <p:cNvCxnSpPr>
+            <a:stCxn id="22" idx="2"/>
+            <a:endCxn id="23" idx="0"/>
+          </p:cNvCxnSpPr>
+          <p:nvPr/>
+        </p:nvCxnSpPr>
+        <p:spPr>
+          <a:xfrm flipH="1">
+            <a:off x="5758934" y="3526666"/>
+            <a:ext cx="946666" cy="670374"/>
+          </a:xfrm>
+          <a:prstGeom prst="straightConnector1">
+            <a:avLst/>
+          </a:prstGeom>
+          <a:ln>
+            <a:tailEnd type="arrow"/>
+          </a:ln>
+        </p:spPr>
+        <p:style>
+          <a:lnRef idx="2">
+            <a:schemeClr val="accent5"/>
+          </a:lnRef>
+          <a:fillRef idx="1">
+            <a:schemeClr val="lt1"/>
+          </a:fillRef>
+          <a:effectRef idx="0">
+            <a:schemeClr val="accent5"/>
+          </a:effectRef>
+          <a:fontRef idx="minor">
+            <a:schemeClr val="dk1"/>
+          </a:fontRef>
+        </p:style>
+      </p:cxnSp>
+      <p:cxnSp>
+        <p:nvCxnSpPr>
+          <p:cNvPr id="28" name="Straight Arrow Connector 27"/>
+          <p:cNvCxnSpPr>
+            <a:stCxn id="22" idx="2"/>
+            <a:endCxn id="24" idx="0"/>
+          </p:cNvCxnSpPr>
+          <p:nvPr/>
+        </p:nvCxnSpPr>
+        <p:spPr>
+          <a:xfrm>
+            <a:off x="6705600" y="3526666"/>
+            <a:ext cx="958334" cy="675067"/>
+          </a:xfrm>
+          <a:prstGeom prst="straightConnector1">
+            <a:avLst/>
+          </a:prstGeom>
+          <a:ln>
+            <a:tailEnd type="arrow"/>
+          </a:ln>
+        </p:spPr>
+        <p:style>
+          <a:lnRef idx="2">
+            <a:schemeClr val="accent5"/>
+          </a:lnRef>
+          <a:fillRef idx="1">
+            <a:schemeClr val="lt1"/>
+          </a:fillRef>
+          <a:effectRef idx="0">
+            <a:schemeClr val="accent5"/>
+          </a:effectRef>
+          <a:fontRef idx="minor">
+            <a:schemeClr val="dk1"/>
+          </a:fontRef>
+        </p:style>
+      </p:cxnSp>
+      <p:cxnSp>
+        <p:nvCxnSpPr>
+          <p:cNvPr id="30" name="Straight Arrow Connector 29"/>
+          <p:cNvCxnSpPr>
+            <a:stCxn id="9" idx="2"/>
+            <a:endCxn id="11" idx="0"/>
+          </p:cNvCxnSpPr>
+          <p:nvPr/>
+        </p:nvCxnSpPr>
+        <p:spPr>
+          <a:xfrm flipH="1">
+            <a:off x="1216283" y="4681607"/>
+            <a:ext cx="367784" cy="690493"/>
+          </a:xfrm>
+          <a:prstGeom prst="straightConnector1">
+            <a:avLst/>
+          </a:prstGeom>
+          <a:ln>
+            <a:tailEnd type="arrow"/>
+          </a:ln>
+        </p:spPr>
+        <p:style>
+          <a:lnRef idx="2">
+            <a:schemeClr val="accent1"/>
+          </a:lnRef>
+          <a:fillRef idx="1">
+            <a:schemeClr val="lt1"/>
+          </a:fillRef>
+          <a:effectRef idx="0">
+            <a:schemeClr val="accent1"/>
+          </a:effectRef>
+          <a:fontRef idx="minor">
+            <a:schemeClr val="dk1"/>
+          </a:fontRef>
+        </p:style>
+      </p:cxnSp>
+      <p:cxnSp>
+        <p:nvCxnSpPr>
+          <p:cNvPr id="33" name="Straight Arrow Connector 32"/>
+          <p:cNvCxnSpPr>
+            <a:stCxn id="23" idx="2"/>
+            <a:endCxn id="25" idx="0"/>
+          </p:cNvCxnSpPr>
+          <p:nvPr/>
+        </p:nvCxnSpPr>
+        <p:spPr>
+          <a:xfrm>
+            <a:off x="5758934" y="4730440"/>
+            <a:ext cx="0" cy="643892"/>
+          </a:xfrm>
+          <a:prstGeom prst="straightConnector1">
+            <a:avLst/>
+          </a:prstGeom>
+          <a:ln>
+            <a:tailEnd type="arrow"/>
+          </a:ln>
+        </p:spPr>
+        <p:style>
+          <a:lnRef idx="2">
+            <a:schemeClr val="accent5"/>
+          </a:lnRef>
+          <a:fillRef idx="1">
+            <a:schemeClr val="lt1"/>
+          </a:fillRef>
+          <a:effectRef idx="0">
+            <a:schemeClr val="accent5"/>
+          </a:effectRef>
+          <a:fontRef idx="minor">
+            <a:schemeClr val="dk1"/>
+          </a:fontRef>
+        </p:style>
+      </p:cxnSp>
+      <p:sp>
+        <p:nvSpPr>
+          <p:cNvPr id="37" name="TextBox 36"/>
+          <p:cNvSpPr txBox="1"/>
+          <p:nvPr/>
+        </p:nvSpPr>
+        <p:spPr>
+          <a:xfrm>
+            <a:off x="4800601" y="6107668"/>
+            <a:ext cx="3810000" cy="369332"/>
+          </a:xfrm>
+          <a:prstGeom prst="rect">
+            <a:avLst/>
+          </a:prstGeom>
+          <a:noFill/>
+        </p:spPr>
+        <p:txBody>
+          <a:bodyPr wrap="square" rtlCol="0">
+            <a:spAutoFit/>
+          </a:bodyPr>
+          <a:lstStyle/>
+          <a:p>
+            <a:pPr algn="ctr"/>
+            <a:r>
+              <a:rPr lang="en-US" dirty="0" err="1" smtClean="0"/>
+              <a:t>Kliens</a:t>
+            </a:r>
+            <a:r>
+              <a:rPr lang="en-US" dirty="0" smtClean="0"/>
+              <a:t> </a:t>
+            </a:r>
+            <a:r>
+              <a:rPr lang="en-US" dirty="0" err="1" smtClean="0"/>
+              <a:t>oldali</a:t>
+            </a:r>
+            <a:r>
+              <a:rPr lang="en-US" dirty="0" smtClean="0"/>
+              <a:t> </a:t>
+            </a:r>
+            <a:r>
+              <a:rPr lang="en-US" dirty="0" err="1" smtClean="0"/>
+              <a:t>modell</a:t>
+            </a:r>
+            <a:endParaRPr lang="en-US" dirty="0"/>
+          </a:p>
+        </p:txBody>
+      </p:sp>
+      <p:grpSp>
+        <p:nvGrpSpPr>
+          <p:cNvPr id="50" name="Group 49"/>
+          <p:cNvGrpSpPr/>
+          <p:nvPr/>
+        </p:nvGrpSpPr>
+        <p:grpSpPr>
+          <a:xfrm>
+            <a:off x="1524000" y="2743200"/>
+            <a:ext cx="6139934" cy="935866"/>
+            <a:chOff x="1524000" y="2797934"/>
+            <a:chExt cx="6139934" cy="935866"/>
+          </a:xfrm>
+        </p:grpSpPr>
+        <p:sp>
+          <p:nvSpPr>
+            <p:cNvPr id="38" name="Rectangle 37"/>
+            <p:cNvSpPr/>
+            <p:nvPr/>
+          </p:nvSpPr>
+          <p:spPr>
+            <a:xfrm>
+              <a:off x="1524000" y="2797934"/>
+              <a:ext cx="6139934" cy="935866"/>
+            </a:xfrm>
+            <a:prstGeom prst="rect">
+              <a:avLst/>
+            </a:prstGeom>
+            <a:noFill/>
+            <a:ln>
+              <a:solidFill>
+                <a:srgbClr val="FF0000"/>
+              </a:solidFill>
+            </a:ln>
+          </p:spPr>
+          <p:style>
+            <a:lnRef idx="2">
+              <a:schemeClr val="accent1">
+                <a:shade val="50000"/>
+              </a:schemeClr>
+            </a:lnRef>
+            <a:fillRef idx="1">
+              <a:schemeClr val="accent1"/>
+            </a:fillRef>
+            <a:effectRef idx="0">
+              <a:schemeClr val="accent1"/>
+            </a:effectRef>
+            <a:fontRef idx="minor">
+              <a:schemeClr val="lt1"/>
+            </a:fontRef>
+          </p:style>
+          <p:txBody>
+            <a:bodyPr rtlCol="0" anchor="ctr"/>
+            <a:lstStyle/>
+            <a:p>
+              <a:pPr algn="ctr"/>
+              <a:endParaRPr lang="en-US"/>
+            </a:p>
+          </p:txBody>
+        </p:sp>
+        <p:sp>
+          <p:nvSpPr>
+            <p:cNvPr id="39" name="Rectangle 38"/>
+            <p:cNvSpPr/>
+            <p:nvPr/>
+          </p:nvSpPr>
+          <p:spPr>
+            <a:xfrm>
+              <a:off x="1708665" y="2999167"/>
+              <a:ext cx="1644134" cy="533400"/>
+            </a:xfrm>
+            <a:prstGeom prst="rect">
+              <a:avLst/>
+            </a:prstGeom>
+            <a:noFill/>
+            <a:ln>
+              <a:solidFill>
+                <a:srgbClr val="FF0000"/>
+              </a:solidFill>
+            </a:ln>
+          </p:spPr>
+          <p:style>
+            <a:lnRef idx="2">
+              <a:schemeClr val="accent1"/>
+            </a:lnRef>
+            <a:fillRef idx="1">
+              <a:schemeClr val="lt1"/>
+            </a:fillRef>
+            <a:effectRef idx="0">
+              <a:schemeClr val="accent1"/>
+            </a:effectRef>
+            <a:fontRef idx="minor">
+              <a:schemeClr val="dk1"/>
+            </a:fontRef>
+          </p:style>
+          <p:txBody>
+            <a:bodyPr rtlCol="0" anchor="ctr"/>
+            <a:lstStyle/>
+            <a:p>
+              <a:pPr algn="ctr"/>
+              <a:endParaRPr lang="en-US" dirty="0"/>
+            </a:p>
+          </p:txBody>
+        </p:sp>
+        <p:sp>
+          <p:nvSpPr>
+            <p:cNvPr id="43" name="Rectangle 42"/>
+            <p:cNvSpPr/>
+            <p:nvPr/>
+          </p:nvSpPr>
+          <p:spPr>
+            <a:xfrm>
+              <a:off x="5883533" y="3048000"/>
+              <a:ext cx="1644134" cy="533400"/>
+            </a:xfrm>
+            <a:prstGeom prst="rect">
+              <a:avLst/>
+            </a:prstGeom>
+            <a:noFill/>
+            <a:ln>
+              <a:solidFill>
+                <a:srgbClr val="FF0000"/>
+              </a:solidFill>
+            </a:ln>
+          </p:spPr>
+          <p:style>
+            <a:lnRef idx="2">
+              <a:schemeClr val="accent1"/>
+            </a:lnRef>
+            <a:fillRef idx="1">
+              <a:schemeClr val="lt1"/>
+            </a:fillRef>
+            <a:effectRef idx="0">
+              <a:schemeClr val="accent1"/>
+            </a:effectRef>
+            <a:fontRef idx="minor">
+              <a:schemeClr val="dk1"/>
+            </a:fontRef>
+          </p:style>
+          <p:txBody>
+            <a:bodyPr rtlCol="0" anchor="ctr"/>
+            <a:lstStyle/>
+            <a:p>
+              <a:pPr algn="ctr"/>
+              <a:endParaRPr lang="en-US" dirty="0"/>
+            </a:p>
+          </p:txBody>
+        </p:sp>
+        <p:sp>
+          <p:nvSpPr>
+            <p:cNvPr id="49" name="TextBox 48"/>
+            <p:cNvSpPr txBox="1"/>
+            <p:nvPr/>
+          </p:nvSpPr>
+          <p:spPr>
+            <a:xfrm>
+              <a:off x="4064600" y="3442900"/>
+              <a:ext cx="1286217" cy="276999"/>
+            </a:xfrm>
+            <a:prstGeom prst="rect">
+              <a:avLst/>
+            </a:prstGeom>
+            <a:noFill/>
+          </p:spPr>
+          <p:txBody>
+            <a:bodyPr wrap="square" rtlCol="0">
+              <a:spAutoFit/>
+            </a:bodyPr>
+            <a:lstStyle/>
+            <a:p>
+              <a:pPr algn="just"/>
+              <a:r>
+                <a:rPr lang="hu-HU" sz="1200" dirty="0" smtClean="0">
+                  <a:solidFill>
+                    <a:srgbClr val="FF0000"/>
+                  </a:solidFill>
+                </a:rPr>
+                <a:t>joinProject</a:t>
+              </a:r>
+              <a:endParaRPr lang="en-US" dirty="0">
+                <a:solidFill>
+                  <a:srgbClr val="FF0000"/>
+                </a:solidFill>
+              </a:endParaRPr>
+            </a:p>
+          </p:txBody>
+        </p:sp>
+      </p:grpSp>
+      <p:grpSp>
+        <p:nvGrpSpPr>
+          <p:cNvPr id="51" name="Group 50"/>
+          <p:cNvGrpSpPr/>
+          <p:nvPr/>
+        </p:nvGrpSpPr>
+        <p:grpSpPr>
+          <a:xfrm>
+            <a:off x="2482932" y="3954083"/>
+            <a:ext cx="6139934" cy="959747"/>
+            <a:chOff x="1524000" y="2797934"/>
+            <a:chExt cx="6139934" cy="959747"/>
+          </a:xfrm>
+        </p:grpSpPr>
+        <p:sp>
+          <p:nvSpPr>
+            <p:cNvPr id="52" name="Rectangle 51"/>
+            <p:cNvSpPr/>
+            <p:nvPr/>
+          </p:nvSpPr>
+          <p:spPr>
+            <a:xfrm>
+              <a:off x="1524000" y="2797934"/>
+              <a:ext cx="6139934" cy="935866"/>
+            </a:xfrm>
+            <a:prstGeom prst="rect">
+              <a:avLst/>
+            </a:prstGeom>
+            <a:noFill/>
+            <a:ln>
+              <a:solidFill>
+                <a:srgbClr val="FF0000"/>
+              </a:solidFill>
+            </a:ln>
+          </p:spPr>
+          <p:style>
+            <a:lnRef idx="2">
+              <a:schemeClr val="accent1">
+                <a:shade val="50000"/>
+              </a:schemeClr>
+            </a:lnRef>
+            <a:fillRef idx="1">
+              <a:schemeClr val="accent1"/>
+            </a:fillRef>
+            <a:effectRef idx="0">
+              <a:schemeClr val="accent1"/>
+            </a:effectRef>
+            <a:fontRef idx="minor">
+              <a:schemeClr val="lt1"/>
+            </a:fontRef>
+          </p:style>
+          <p:txBody>
+            <a:bodyPr rtlCol="0" anchor="ctr"/>
+            <a:lstStyle/>
+            <a:p>
+              <a:pPr algn="ctr"/>
+              <a:endParaRPr lang="en-US"/>
+            </a:p>
+          </p:txBody>
+        </p:sp>
+        <p:sp>
+          <p:nvSpPr>
+            <p:cNvPr id="53" name="Rectangle 52"/>
+            <p:cNvSpPr/>
+            <p:nvPr/>
+          </p:nvSpPr>
+          <p:spPr>
+            <a:xfrm>
+              <a:off x="1708665" y="2999167"/>
+              <a:ext cx="1644134" cy="533400"/>
+            </a:xfrm>
+            <a:prstGeom prst="rect">
+              <a:avLst/>
+            </a:prstGeom>
+            <a:noFill/>
+            <a:ln>
+              <a:solidFill>
+                <a:srgbClr val="FF0000"/>
+              </a:solidFill>
+              <a:prstDash val="dash"/>
+            </a:ln>
+          </p:spPr>
+          <p:style>
+            <a:lnRef idx="2">
+              <a:schemeClr val="accent1"/>
+            </a:lnRef>
+            <a:fillRef idx="1">
+              <a:schemeClr val="lt1"/>
+            </a:fillRef>
+            <a:effectRef idx="0">
+              <a:schemeClr val="accent1"/>
+            </a:effectRef>
+            <a:fontRef idx="minor">
+              <a:schemeClr val="dk1"/>
+            </a:fontRef>
+          </p:style>
+          <p:txBody>
+            <a:bodyPr rtlCol="0" anchor="ctr"/>
+            <a:lstStyle/>
+            <a:p>
+              <a:pPr algn="ctr"/>
+              <a:endParaRPr lang="en-US" dirty="0"/>
+            </a:p>
+          </p:txBody>
+        </p:sp>
+        <p:sp>
+          <p:nvSpPr>
+            <p:cNvPr id="54" name="Rectangle 53"/>
+            <p:cNvSpPr/>
+            <p:nvPr/>
+          </p:nvSpPr>
+          <p:spPr>
+            <a:xfrm>
+              <a:off x="5883533" y="3048000"/>
+              <a:ext cx="1644134" cy="533400"/>
+            </a:xfrm>
+            <a:prstGeom prst="rect">
+              <a:avLst/>
+            </a:prstGeom>
+            <a:noFill/>
+            <a:ln>
+              <a:solidFill>
+                <a:srgbClr val="FF0000"/>
+              </a:solidFill>
+            </a:ln>
+          </p:spPr>
+          <p:style>
+            <a:lnRef idx="2">
+              <a:schemeClr val="accent1"/>
+            </a:lnRef>
+            <a:fillRef idx="1">
+              <a:schemeClr val="lt1"/>
+            </a:fillRef>
+            <a:effectRef idx="0">
+              <a:schemeClr val="accent1"/>
+            </a:effectRef>
+            <a:fontRef idx="minor">
+              <a:schemeClr val="dk1"/>
+            </a:fontRef>
+          </p:style>
+          <p:txBody>
+            <a:bodyPr rtlCol="0" anchor="ctr"/>
+            <a:lstStyle/>
+            <a:p>
+              <a:pPr algn="ctr"/>
+              <a:endParaRPr lang="en-US" dirty="0"/>
+            </a:p>
+          </p:txBody>
+        </p:sp>
+        <p:sp>
+          <p:nvSpPr>
+            <p:cNvPr id="55" name="TextBox 54"/>
+            <p:cNvSpPr txBox="1"/>
+            <p:nvPr/>
+          </p:nvSpPr>
+          <p:spPr>
+            <a:xfrm>
+              <a:off x="3266299" y="3480682"/>
+              <a:ext cx="1286217" cy="276999"/>
+            </a:xfrm>
+            <a:prstGeom prst="rect">
+              <a:avLst/>
+            </a:prstGeom>
+            <a:noFill/>
+          </p:spPr>
+          <p:txBody>
+            <a:bodyPr wrap="square" rtlCol="0">
+              <a:spAutoFit/>
+            </a:bodyPr>
+            <a:lstStyle/>
+            <a:p>
+              <a:pPr algn="just"/>
+              <a:r>
+                <a:rPr lang="hu-HU" sz="1200" dirty="0" smtClean="0">
+                  <a:solidFill>
+                    <a:srgbClr val="FF0000"/>
+                  </a:solidFill>
+                </a:rPr>
+                <a:t>addedClass</a:t>
+              </a:r>
+              <a:endParaRPr lang="en-US" dirty="0">
+                <a:solidFill>
+                  <a:srgbClr val="FF0000"/>
+                </a:solidFill>
+              </a:endParaRPr>
+            </a:p>
+          </p:txBody>
+        </p:sp>
+      </p:grpSp>
+      <p:grpSp>
+        <p:nvGrpSpPr>
+          <p:cNvPr id="56" name="Group 55"/>
+          <p:cNvGrpSpPr/>
+          <p:nvPr/>
+        </p:nvGrpSpPr>
+        <p:grpSpPr>
+          <a:xfrm>
+            <a:off x="701933" y="5154734"/>
+            <a:ext cx="6226431" cy="935866"/>
+            <a:chOff x="1524000" y="2797934"/>
+            <a:chExt cx="6226431" cy="935866"/>
+          </a:xfrm>
+        </p:grpSpPr>
+        <p:sp>
+          <p:nvSpPr>
+            <p:cNvPr id="57" name="Rectangle 56"/>
+            <p:cNvSpPr/>
+            <p:nvPr/>
+          </p:nvSpPr>
+          <p:spPr>
+            <a:xfrm>
+              <a:off x="1524000" y="2797934"/>
+              <a:ext cx="6139934" cy="935866"/>
+            </a:xfrm>
+            <a:prstGeom prst="rect">
+              <a:avLst/>
+            </a:prstGeom>
+            <a:noFill/>
+            <a:ln>
+              <a:solidFill>
+                <a:srgbClr val="FF0000"/>
+              </a:solidFill>
+            </a:ln>
+          </p:spPr>
+          <p:style>
+            <a:lnRef idx="2">
+              <a:schemeClr val="accent1">
+                <a:shade val="50000"/>
+              </a:schemeClr>
+            </a:lnRef>
+            <a:fillRef idx="1">
+              <a:schemeClr val="accent1"/>
+            </a:fillRef>
+            <a:effectRef idx="0">
+              <a:schemeClr val="accent1"/>
+            </a:effectRef>
+            <a:fontRef idx="minor">
+              <a:schemeClr val="lt1"/>
+            </a:fontRef>
+          </p:style>
+          <p:txBody>
+            <a:bodyPr rtlCol="0" anchor="ctr"/>
+            <a:lstStyle/>
+            <a:p>
+              <a:pPr algn="ctr"/>
+              <a:endParaRPr lang="en-US"/>
+            </a:p>
+          </p:txBody>
+        </p:sp>
+        <p:sp>
+          <p:nvSpPr>
+            <p:cNvPr id="58" name="Rectangle 57"/>
+            <p:cNvSpPr/>
+            <p:nvPr/>
+          </p:nvSpPr>
+          <p:spPr>
+            <a:xfrm>
+              <a:off x="3489067" y="3015299"/>
+              <a:ext cx="1066800" cy="533401"/>
+            </a:xfrm>
+            <a:prstGeom prst="rect">
+              <a:avLst/>
+            </a:prstGeom>
+            <a:noFill/>
+            <a:ln>
+              <a:solidFill>
+                <a:srgbClr val="FF0000"/>
+              </a:solidFill>
+              <a:prstDash val="solid"/>
+            </a:ln>
+          </p:spPr>
+          <p:style>
+            <a:lnRef idx="2">
+              <a:schemeClr val="accent1"/>
+            </a:lnRef>
+            <a:fillRef idx="1">
+              <a:schemeClr val="lt1"/>
+            </a:fillRef>
+            <a:effectRef idx="0">
+              <a:schemeClr val="accent1"/>
+            </a:effectRef>
+            <a:fontRef idx="minor">
+              <a:schemeClr val="dk1"/>
+            </a:fontRef>
+          </p:style>
+          <p:txBody>
+            <a:bodyPr rtlCol="0" anchor="ctr"/>
+            <a:lstStyle/>
+            <a:p>
+              <a:pPr algn="ctr"/>
+              <a:endParaRPr lang="en-US" dirty="0"/>
+            </a:p>
+          </p:txBody>
+        </p:sp>
+        <p:sp>
+          <p:nvSpPr>
+            <p:cNvPr id="59" name="Rectangle 58"/>
+            <p:cNvSpPr/>
+            <p:nvPr/>
+          </p:nvSpPr>
+          <p:spPr>
+            <a:xfrm>
+              <a:off x="6114275" y="3017532"/>
+              <a:ext cx="930533" cy="531168"/>
+            </a:xfrm>
+            <a:prstGeom prst="rect">
+              <a:avLst/>
+            </a:prstGeom>
+            <a:noFill/>
+            <a:ln>
+              <a:solidFill>
+                <a:srgbClr val="FF0000"/>
+              </a:solidFill>
+            </a:ln>
+          </p:spPr>
+          <p:style>
+            <a:lnRef idx="2">
+              <a:schemeClr val="accent1"/>
+            </a:lnRef>
+            <a:fillRef idx="1">
+              <a:schemeClr val="lt1"/>
+            </a:fillRef>
+            <a:effectRef idx="0">
+              <a:schemeClr val="accent1"/>
+            </a:effectRef>
+            <a:fontRef idx="minor">
+              <a:schemeClr val="dk1"/>
+            </a:fontRef>
+          </p:style>
+          <p:txBody>
+            <a:bodyPr rtlCol="0" anchor="ctr"/>
+            <a:lstStyle/>
+            <a:p>
+              <a:pPr algn="ctr"/>
+              <a:endParaRPr lang="en-US" dirty="0"/>
+            </a:p>
+          </p:txBody>
+        </p:sp>
+        <p:sp>
+          <p:nvSpPr>
+            <p:cNvPr id="60" name="TextBox 59"/>
+            <p:cNvSpPr txBox="1"/>
+            <p:nvPr/>
+          </p:nvSpPr>
+          <p:spPr>
+            <a:xfrm>
+              <a:off x="2492632" y="3456801"/>
+              <a:ext cx="5257799" cy="276999"/>
+            </a:xfrm>
+            <a:prstGeom prst="rect">
+              <a:avLst/>
+            </a:prstGeom>
+            <a:noFill/>
+          </p:spPr>
+          <p:txBody>
+            <a:bodyPr wrap="square" rtlCol="0">
+              <a:spAutoFit/>
+            </a:bodyPr>
+            <a:lstStyle/>
+            <a:p>
+              <a:pPr algn="ctr"/>
+              <a:r>
+                <a:rPr lang="hu-HU" sz="1200" dirty="0" smtClean="0">
+                  <a:solidFill>
+                    <a:srgbClr val="FF0000"/>
+                  </a:solidFill>
+                </a:rPr>
+                <a:t>incomingMCall</a:t>
+              </a:r>
+              <a:endParaRPr lang="en-US" sz="1200" dirty="0">
+                <a:solidFill>
+                  <a:srgbClr val="FF0000"/>
+                </a:solidFill>
+              </a:endParaRPr>
+            </a:p>
+          </p:txBody>
+        </p:sp>
+      </p:grpSp>
     </p:spTree>
     <p:extLst>
       <p:ext uri="{BB962C8B-B14F-4D97-AF65-F5344CB8AC3E}">
-        <p14:creationId xmlns:p14="http://schemas.microsoft.com/office/powerpoint/2010/main" val="663010118"/>
+        <p14:creationId xmlns:p14="http://schemas.microsoft.com/office/powerpoint/2010/main" val="1158459625"/>
       </p:ext>
     </p:extLst>
   </p:cSld>
@@ -6611,7 +8625,219 @@
   <p:timing>
     <p:tnLst>
       <p:par>
-        <p:cTn id="1" dur="indefinite" restart="never" nodeType="tmRoot"/>
+        <p:cTn id="1" dur="indefinite" restart="never" nodeType="tmRoot">
+          <p:childTnLst>
+            <p:seq concurrent="1" nextAc="seek">
+              <p:cTn id="2" dur="indefinite" nodeType="mainSeq">
+                <p:childTnLst>
+                  <p:par>
+                    <p:cTn id="3" fill="hold">
+                      <p:stCondLst>
+                        <p:cond delay="indefinite"/>
+                      </p:stCondLst>
+                      <p:childTnLst>
+                        <p:par>
+                          <p:cTn id="4" fill="hold">
+                            <p:stCondLst>
+                              <p:cond delay="0"/>
+                            </p:stCondLst>
+                            <p:childTnLst>
+                              <p:par>
+                                <p:cTn id="5" presetID="1" presetClass="entr" presetSubtype="0" fill="hold" nodeType="clickEffect">
+                                  <p:stCondLst>
+                                    <p:cond delay="0"/>
+                                  </p:stCondLst>
+                                  <p:childTnLst>
+                                    <p:set>
+                                      <p:cBhvr>
+                                        <p:cTn id="6" dur="1" fill="hold">
+                                          <p:stCondLst>
+                                            <p:cond delay="0"/>
+                                          </p:stCondLst>
+                                        </p:cTn>
+                                        <p:tgtEl>
+                                          <p:spTgt spid="50"/>
+                                        </p:tgtEl>
+                                        <p:attrNameLst>
+                                          <p:attrName>style.visibility</p:attrName>
+                                        </p:attrNameLst>
+                                      </p:cBhvr>
+                                      <p:to>
+                                        <p:strVal val="visible"/>
+                                      </p:to>
+                                    </p:set>
+                                  </p:childTnLst>
+                                </p:cTn>
+                              </p:par>
+                            </p:childTnLst>
+                          </p:cTn>
+                        </p:par>
+                      </p:childTnLst>
+                    </p:cTn>
+                  </p:par>
+                  <p:par>
+                    <p:cTn id="7" fill="hold">
+                      <p:stCondLst>
+                        <p:cond delay="indefinite"/>
+                      </p:stCondLst>
+                      <p:childTnLst>
+                        <p:par>
+                          <p:cTn id="8" fill="hold">
+                            <p:stCondLst>
+                              <p:cond delay="0"/>
+                            </p:stCondLst>
+                            <p:childTnLst>
+                              <p:par>
+                                <p:cTn id="9" presetID="1" presetClass="exit" presetSubtype="0" fill="hold" nodeType="clickEffect">
+                                  <p:stCondLst>
+                                    <p:cond delay="0"/>
+                                  </p:stCondLst>
+                                  <p:childTnLst>
+                                    <p:set>
+                                      <p:cBhvr>
+                                        <p:cTn id="10" dur="1" fill="hold">
+                                          <p:stCondLst>
+                                            <p:cond delay="0"/>
+                                          </p:stCondLst>
+                                        </p:cTn>
+                                        <p:tgtEl>
+                                          <p:spTgt spid="50"/>
+                                        </p:tgtEl>
+                                        <p:attrNameLst>
+                                          <p:attrName>style.visibility</p:attrName>
+                                        </p:attrNameLst>
+                                      </p:cBhvr>
+                                      <p:to>
+                                        <p:strVal val="hidden"/>
+                                      </p:to>
+                                    </p:set>
+                                  </p:childTnLst>
+                                </p:cTn>
+                              </p:par>
+                              <p:par>
+                                <p:cTn id="11" presetID="1" presetClass="entr" presetSubtype="0" fill="hold" nodeType="withEffect">
+                                  <p:stCondLst>
+                                    <p:cond delay="0"/>
+                                  </p:stCondLst>
+                                  <p:childTnLst>
+                                    <p:set>
+                                      <p:cBhvr>
+                                        <p:cTn id="12" dur="1" fill="hold">
+                                          <p:stCondLst>
+                                            <p:cond delay="0"/>
+                                          </p:stCondLst>
+                                        </p:cTn>
+                                        <p:tgtEl>
+                                          <p:spTgt spid="51"/>
+                                        </p:tgtEl>
+                                        <p:attrNameLst>
+                                          <p:attrName>style.visibility</p:attrName>
+                                        </p:attrNameLst>
+                                      </p:cBhvr>
+                                      <p:to>
+                                        <p:strVal val="visible"/>
+                                      </p:to>
+                                    </p:set>
+                                  </p:childTnLst>
+                                </p:cTn>
+                              </p:par>
+                            </p:childTnLst>
+                          </p:cTn>
+                        </p:par>
+                      </p:childTnLst>
+                    </p:cTn>
+                  </p:par>
+                  <p:par>
+                    <p:cTn id="13" fill="hold">
+                      <p:stCondLst>
+                        <p:cond delay="indefinite"/>
+                      </p:stCondLst>
+                      <p:childTnLst>
+                        <p:par>
+                          <p:cTn id="14" fill="hold">
+                            <p:stCondLst>
+                              <p:cond delay="0"/>
+                            </p:stCondLst>
+                            <p:childTnLst>
+                              <p:par>
+                                <p:cTn id="15" presetID="1" presetClass="exit" presetSubtype="0" fill="hold" nodeType="clickEffect">
+                                  <p:stCondLst>
+                                    <p:cond delay="0"/>
+                                  </p:stCondLst>
+                                  <p:childTnLst>
+                                    <p:set>
+                                      <p:cBhvr>
+                                        <p:cTn id="16" dur="1" fill="hold">
+                                          <p:stCondLst>
+                                            <p:cond delay="0"/>
+                                          </p:stCondLst>
+                                        </p:cTn>
+                                        <p:tgtEl>
+                                          <p:spTgt spid="51"/>
+                                        </p:tgtEl>
+                                        <p:attrNameLst>
+                                          <p:attrName>style.visibility</p:attrName>
+                                        </p:attrNameLst>
+                                      </p:cBhvr>
+                                      <p:to>
+                                        <p:strVal val="hidden"/>
+                                      </p:to>
+                                    </p:set>
+                                  </p:childTnLst>
+                                </p:cTn>
+                              </p:par>
+                              <p:par>
+                                <p:cTn id="17" presetID="1" presetClass="entr" presetSubtype="0" fill="hold" nodeType="withEffect">
+                                  <p:stCondLst>
+                                    <p:cond delay="0"/>
+                                  </p:stCondLst>
+                                  <p:childTnLst>
+                                    <p:set>
+                                      <p:cBhvr>
+                                        <p:cTn id="18" dur="1" fill="hold">
+                                          <p:stCondLst>
+                                            <p:cond delay="0"/>
+                                          </p:stCondLst>
+                                        </p:cTn>
+                                        <p:tgtEl>
+                                          <p:spTgt spid="56"/>
+                                        </p:tgtEl>
+                                        <p:attrNameLst>
+                                          <p:attrName>style.visibility</p:attrName>
+                                        </p:attrNameLst>
+                                      </p:cBhvr>
+                                      <p:to>
+                                        <p:strVal val="visible"/>
+                                      </p:to>
+                                    </p:set>
+                                  </p:childTnLst>
+                                </p:cTn>
+                              </p:par>
+                            </p:childTnLst>
+                          </p:cTn>
+                        </p:par>
+                      </p:childTnLst>
+                    </p:cTn>
+                  </p:par>
+                </p:childTnLst>
+              </p:cTn>
+              <p:prevCondLst>
+                <p:cond evt="onPrev" delay="0">
+                  <p:tgtEl>
+                    <p:sldTgt/>
+                  </p:tgtEl>
+                </p:cond>
+              </p:prevCondLst>
+              <p:nextCondLst>
+                <p:cond evt="onNext" delay="0">
+                  <p:tgtEl>
+                    <p:sldTgt/>
+                  </p:tgtEl>
+                </p:cond>
+              </p:nextCondLst>
+            </p:seq>
+          </p:childTnLst>
+        </p:cTn>
       </p:par>
     </p:tnLst>
   </p:timing>
@@ -6652,7 +8878,7 @@
           <a:p>
             <a:r>
               <a:rPr lang="hu-HU" dirty="0" smtClean="0"/>
-              <a:t>A rendszer teljesítménye</a:t>
+              <a:t>A modell-lekérdezések</a:t>
             </a:r>
             <a:endParaRPr lang="en-US" dirty="0"/>
           </a:p>
@@ -6660,31 +8886,426 @@
       </p:sp>
       <p:sp>
         <p:nvSpPr>
-          <p:cNvPr id="3" name="Text Placeholder 2"/>
+          <p:cNvPr id="8" name="Content Placeholder 7"/>
           <p:cNvSpPr>
             <a:spLocks noGrp="1"/>
           </p:cNvSpPr>
           <p:nvPr>
-            <p:ph type="body" idx="1"/>
+            <p:ph sz="half" idx="1"/>
           </p:nvPr>
         </p:nvSpPr>
         <p:spPr/>
         <p:txBody>
-          <a:bodyPr/>
-          <a:lstStyle/>
-          <a:p>
-            <a:r>
-              <a:rPr lang="hu-HU" dirty="0" smtClean="0"/>
-              <a:t>Teljesítményanalízis</a:t>
-            </a:r>
+          <a:bodyPr>
+            <a:normAutofit fontScale="62500" lnSpcReduction="20000"/>
+          </a:bodyPr>
+          <a:lstStyle/>
+          <a:p>
+            <a:r>
+              <a:rPr lang="hu-HU" dirty="0" smtClean="0"/>
+              <a:t>Lekérdezés lépései: </a:t>
+            </a:r>
+          </a:p>
+          <a:p>
+            <a:pPr marL="914400" lvl="1" indent="-457200">
+              <a:buFont typeface="+mj-lt"/>
+              <a:buAutoNum type="arabicPeriod"/>
+            </a:pPr>
+            <a:r>
+              <a:rPr lang="hu-HU" dirty="0" smtClean="0"/>
+              <a:t>Inicializálás (példánymodellek + lekérdezések)</a:t>
+            </a:r>
+          </a:p>
+          <a:p>
+            <a:pPr marL="914400" lvl="1" indent="-457200">
+              <a:buFont typeface="+mj-lt"/>
+              <a:buAutoNum type="arabicPeriod"/>
+            </a:pPr>
+            <a:r>
+              <a:rPr lang="hu-HU" dirty="0" smtClean="0"/>
+              <a:t>Kiértékelés</a:t>
+            </a:r>
+          </a:p>
+          <a:p>
+            <a:pPr marL="914400" lvl="1" indent="-457200">
+              <a:buFont typeface="+mj-lt"/>
+              <a:buAutoNum type="arabicPeriod"/>
+            </a:pPr>
+            <a:r>
+              <a:rPr lang="hu-HU" dirty="0" smtClean="0"/>
+              <a:t>Frissítés (forráskód=&gt;modell=&gt;eredmény automatikusan)</a:t>
+            </a:r>
+          </a:p>
+          <a:p>
+            <a:pPr marL="514350" indent="-457200"/>
+            <a:r>
+              <a:rPr lang="hu-HU" dirty="0" smtClean="0"/>
+              <a:t>Eredmény:</a:t>
+            </a:r>
+          </a:p>
+          <a:p>
+            <a:pPr marL="914400" lvl="1" indent="-457200"/>
+            <a:r>
+              <a:rPr lang="hu-HU" dirty="0" smtClean="0"/>
+              <a:t>Függőségi viszony az </a:t>
+            </a:r>
+            <a:r>
+              <a:rPr lang="hu-HU" b="1" dirty="0" smtClean="0"/>
+              <a:t>összes objektumra</a:t>
+            </a:r>
+          </a:p>
+          <a:p>
+            <a:pPr marL="914400" lvl="1" indent="-457200"/>
+            <a:r>
+              <a:rPr lang="hu-HU" dirty="0" smtClean="0"/>
+              <a:t>Automatikusan és gyorsan frissül</a:t>
+            </a:r>
+          </a:p>
+          <a:p>
+            <a:pPr marL="914400" lvl="1" indent="-457200"/>
+            <a:r>
+              <a:rPr lang="hu-HU" dirty="0" smtClean="0"/>
+              <a:t>Nem 100%-os precizitás</a:t>
+            </a:r>
+          </a:p>
+          <a:p>
+            <a:pPr marL="914400" lvl="1" indent="-457200"/>
+            <a:r>
+              <a:rPr lang="hu-HU" dirty="0" smtClean="0"/>
+              <a:t>Kimenet: EMF objektumok</a:t>
+            </a:r>
+          </a:p>
+          <a:p>
+            <a:pPr marL="914400" lvl="1" indent="-457200"/>
+            <a:endParaRPr lang="hu-HU" dirty="0" smtClean="0"/>
+          </a:p>
+          <a:p>
+            <a:pPr marL="514350" indent="-457200"/>
+            <a:r>
+              <a:rPr lang="hu-HU" dirty="0" smtClean="0"/>
+              <a:t>Hátralevő feladat: teljesebb Eclipse integráció</a:t>
+            </a:r>
+          </a:p>
+          <a:p>
+            <a:pPr marL="914400" lvl="1" indent="-457200"/>
+            <a:r>
+              <a:rPr lang="hu-HU" dirty="0" smtClean="0"/>
+              <a:t>Eredmények View-okban</a:t>
+            </a:r>
+          </a:p>
+          <a:p>
+            <a:pPr marL="914400" lvl="1" indent="-457200"/>
+            <a:r>
+              <a:rPr lang="hu-HU" dirty="0" smtClean="0"/>
+              <a:t>JDT validációk</a:t>
+            </a:r>
+          </a:p>
+        </p:txBody>
+      </p:sp>
+      <p:sp>
+        <p:nvSpPr>
+          <p:cNvPr id="9" name="Content Placeholder 8"/>
+          <p:cNvSpPr>
+            <a:spLocks noGrp="1"/>
+          </p:cNvSpPr>
+          <p:nvPr>
+            <p:ph sz="half" idx="2"/>
+          </p:nvPr>
+        </p:nvSpPr>
+        <p:spPr/>
+        <p:txBody>
+          <a:bodyPr>
+            <a:normAutofit fontScale="62500" lnSpcReduction="20000"/>
+          </a:bodyPr>
+          <a:lstStyle/>
+          <a:p>
+            <a:pPr marL="0" indent="0">
+              <a:buNone/>
+            </a:pPr>
             <a:endParaRPr lang="en-US" dirty="0"/>
           </a:p>
         </p:txBody>
       </p:sp>
+      <p:pic>
+        <p:nvPicPr>
+          <p:cNvPr id="1027" name="Picture 3"/>
+          <p:cNvPicPr>
+            <a:picLocks noChangeAspect="1" noChangeArrowheads="1"/>
+          </p:cNvPicPr>
+          <p:nvPr/>
+        </p:nvPicPr>
+        <p:blipFill rotWithShape="1">
+          <a:blip r:embed="rId3">
+            <a:extLst>
+              <a:ext uri="{28A0092B-C50C-407E-A947-70E740481C1C}">
+                <a14:useLocalDpi xmlns:a14="http://schemas.microsoft.com/office/drawing/2010/main" val="0"/>
+              </a:ext>
+            </a:extLst>
+          </a:blip>
+          <a:srcRect l="-1" t="-556" r="33175" b="556"/>
+          <a:stretch/>
+        </p:blipFill>
+        <p:spPr bwMode="auto">
+          <a:xfrm>
+            <a:off x="4667247" y="1600200"/>
+            <a:ext cx="4029075" cy="1714500"/>
+          </a:xfrm>
+          <a:prstGeom prst="rect">
+            <a:avLst/>
+          </a:prstGeom>
+          <a:noFill/>
+          <a:ln>
+            <a:noFill/>
+          </a:ln>
+          <a:effectLst/>
+          <a:extLst>
+            <a:ext uri="{909E8E84-426E-40DD-AFC4-6F175D3DCCD1}">
+              <a14:hiddenFill xmlns:a14="http://schemas.microsoft.com/office/drawing/2010/main">
+                <a:solidFill>
+                  <a:schemeClr val="accent1"/>
+                </a:solidFill>
+              </a14:hiddenFill>
+            </a:ext>
+            <a:ext uri="{91240B29-F687-4F45-9708-019B960494DF}">
+              <a14:hiddenLine xmlns:a14="http://schemas.microsoft.com/office/drawing/2010/main" w="9525">
+                <a:solidFill>
+                  <a:schemeClr val="tx1"/>
+                </a:solidFill>
+                <a:miter lim="800000"/>
+                <a:headEnd/>
+                <a:tailEnd/>
+              </a14:hiddenLine>
+            </a:ext>
+            <a:ext uri="{AF507438-7753-43E0-B8FC-AC1667EBCBE1}">
+              <a14:hiddenEffects xmlns:a14="http://schemas.microsoft.com/office/drawing/2010/main">
+                <a:effectLst>
+                  <a:outerShdw dist="35921" dir="2700000" algn="ctr" rotWithShape="0">
+                    <a:schemeClr val="bg2"/>
+                  </a:outerShdw>
+                </a:effectLst>
+              </a14:hiddenEffects>
+            </a:ext>
+          </a:extLst>
+        </p:spPr>
+      </p:pic>
+      <p:sp>
+        <p:nvSpPr>
+          <p:cNvPr id="13" name="Rectangle 12"/>
+          <p:cNvSpPr/>
+          <p:nvPr/>
+        </p:nvSpPr>
+        <p:spPr>
+          <a:xfrm>
+            <a:off x="6451600" y="2371724"/>
+            <a:ext cx="949325" cy="174625"/>
+          </a:xfrm>
+          <a:prstGeom prst="rect">
+            <a:avLst/>
+          </a:prstGeom>
+          <a:ln>
+            <a:tailEnd type="arrow"/>
+          </a:ln>
+        </p:spPr>
+        <p:style>
+          <a:lnRef idx="3">
+            <a:schemeClr val="accent2"/>
+          </a:lnRef>
+          <a:fillRef idx="0">
+            <a:schemeClr val="accent2"/>
+          </a:fillRef>
+          <a:effectRef idx="2">
+            <a:schemeClr val="accent2"/>
+          </a:effectRef>
+          <a:fontRef idx="minor">
+            <a:schemeClr val="tx1"/>
+          </a:fontRef>
+        </p:style>
+        <p:txBody>
+          <a:bodyPr rtlCol="0" anchor="ctr"/>
+          <a:lstStyle/>
+          <a:p>
+            <a:pPr algn="ctr"/>
+            <a:endParaRPr lang="en-US" dirty="0"/>
+          </a:p>
+        </p:txBody>
+      </p:sp>
+      <p:pic>
+        <p:nvPicPr>
+          <p:cNvPr id="1032" name="Picture 8"/>
+          <p:cNvPicPr>
+            <a:picLocks noChangeAspect="1" noChangeArrowheads="1"/>
+          </p:cNvPicPr>
+          <p:nvPr/>
+        </p:nvPicPr>
+        <p:blipFill>
+          <a:blip r:embed="rId4">
+            <a:extLst>
+              <a:ext uri="{28A0092B-C50C-407E-A947-70E740481C1C}">
+                <a14:useLocalDpi xmlns:a14="http://schemas.microsoft.com/office/drawing/2010/main" val="0"/>
+              </a:ext>
+            </a:extLst>
+          </a:blip>
+          <a:srcRect/>
+          <a:stretch>
+            <a:fillRect/>
+          </a:stretch>
+        </p:blipFill>
+        <p:spPr bwMode="auto">
+          <a:xfrm>
+            <a:off x="4722812" y="3886200"/>
+            <a:ext cx="4029075" cy="2247900"/>
+          </a:xfrm>
+          <a:prstGeom prst="rect">
+            <a:avLst/>
+          </a:prstGeom>
+          <a:noFill/>
+          <a:ln>
+            <a:noFill/>
+          </a:ln>
+          <a:effectLst/>
+          <a:extLst>
+            <a:ext uri="{909E8E84-426E-40DD-AFC4-6F175D3DCCD1}">
+              <a14:hiddenFill xmlns:a14="http://schemas.microsoft.com/office/drawing/2010/main">
+                <a:solidFill>
+                  <a:schemeClr val="accent1"/>
+                </a:solidFill>
+              </a14:hiddenFill>
+            </a:ext>
+            <a:ext uri="{91240B29-F687-4F45-9708-019B960494DF}">
+              <a14:hiddenLine xmlns:a14="http://schemas.microsoft.com/office/drawing/2010/main" w="9525">
+                <a:solidFill>
+                  <a:schemeClr val="tx1"/>
+                </a:solidFill>
+                <a:miter lim="800000"/>
+                <a:headEnd/>
+                <a:tailEnd/>
+              </a14:hiddenLine>
+            </a:ext>
+            <a:ext uri="{AF507438-7753-43E0-B8FC-AC1667EBCBE1}">
+              <a14:hiddenEffects xmlns:a14="http://schemas.microsoft.com/office/drawing/2010/main">
+                <a:effectLst>
+                  <a:outerShdw dist="35921" dir="2700000" algn="ctr" rotWithShape="0">
+                    <a:schemeClr val="bg2"/>
+                  </a:outerShdw>
+                </a:effectLst>
+              </a14:hiddenEffects>
+            </a:ext>
+          </a:extLst>
+        </p:spPr>
+      </p:pic>
+      <p:cxnSp>
+        <p:nvCxnSpPr>
+          <p:cNvPr id="14" name="Straight Arrow Connector 13"/>
+          <p:cNvCxnSpPr/>
+          <p:nvPr/>
+        </p:nvCxnSpPr>
+        <p:spPr>
+          <a:xfrm flipH="1">
+            <a:off x="5943600" y="2546349"/>
+            <a:ext cx="1219200" cy="2330451"/>
+          </a:xfrm>
+          <a:prstGeom prst="straightConnector1">
+            <a:avLst/>
+          </a:prstGeom>
+          <a:ln>
+            <a:tailEnd type="arrow"/>
+          </a:ln>
+        </p:spPr>
+        <p:style>
+          <a:lnRef idx="3">
+            <a:schemeClr val="accent2"/>
+          </a:lnRef>
+          <a:fillRef idx="0">
+            <a:schemeClr val="accent2"/>
+          </a:fillRef>
+          <a:effectRef idx="2">
+            <a:schemeClr val="accent2"/>
+          </a:effectRef>
+          <a:fontRef idx="minor">
+            <a:schemeClr val="tx1"/>
+          </a:fontRef>
+        </p:style>
+      </p:cxnSp>
+      <p:sp>
+        <p:nvSpPr>
+          <p:cNvPr id="23" name="Rectangle 22"/>
+          <p:cNvSpPr/>
+          <p:nvPr/>
+        </p:nvSpPr>
+        <p:spPr>
+          <a:xfrm>
+            <a:off x="5562600" y="2370137"/>
+            <a:ext cx="889000" cy="174625"/>
+          </a:xfrm>
+          <a:prstGeom prst="rect">
+            <a:avLst/>
+          </a:prstGeom>
+          <a:ln>
+            <a:tailEnd type="arrow"/>
+          </a:ln>
+        </p:spPr>
+        <p:style>
+          <a:lnRef idx="3">
+            <a:schemeClr val="accent2"/>
+          </a:lnRef>
+          <a:fillRef idx="0">
+            <a:schemeClr val="accent2"/>
+          </a:fillRef>
+          <a:effectRef idx="2">
+            <a:schemeClr val="accent2"/>
+          </a:effectRef>
+          <a:fontRef idx="minor">
+            <a:schemeClr val="tx1"/>
+          </a:fontRef>
+        </p:style>
+        <p:txBody>
+          <a:bodyPr rtlCol="0" anchor="ctr"/>
+          <a:lstStyle/>
+          <a:p>
+            <a:pPr algn="ctr"/>
+            <a:endParaRPr lang="en-US" dirty="0"/>
+          </a:p>
+        </p:txBody>
+      </p:sp>
+      <p:cxnSp>
+        <p:nvCxnSpPr>
+          <p:cNvPr id="24" name="Straight Arrow Connector 23"/>
+          <p:cNvCxnSpPr>
+            <a:stCxn id="23" idx="2"/>
+          </p:cNvCxnSpPr>
+          <p:nvPr/>
+        </p:nvCxnSpPr>
+        <p:spPr>
+          <a:xfrm>
+            <a:off x="6007100" y="2544762"/>
+            <a:ext cx="1460500" cy="2789238"/>
+          </a:xfrm>
+          <a:prstGeom prst="straightConnector1">
+            <a:avLst/>
+          </a:prstGeom>
+          <a:ln>
+            <a:tailEnd type="arrow"/>
+          </a:ln>
+        </p:spPr>
+        <p:style>
+          <a:lnRef idx="3">
+            <a:schemeClr val="accent2"/>
+          </a:lnRef>
+          <a:fillRef idx="0">
+            <a:schemeClr val="accent2"/>
+          </a:fillRef>
+          <a:effectRef idx="2">
+            <a:schemeClr val="accent2"/>
+          </a:effectRef>
+          <a:fontRef idx="minor">
+            <a:schemeClr val="tx1"/>
+          </a:fontRef>
+        </p:style>
+      </p:cxnSp>
     </p:spTree>
     <p:extLst>
       <p:ext uri="{BB962C8B-B14F-4D97-AF65-F5344CB8AC3E}">
-        <p14:creationId xmlns:p14="http://schemas.microsoft.com/office/powerpoint/2010/main" val="2388552978"/>
+        <p14:creationId xmlns:p14="http://schemas.microsoft.com/office/powerpoint/2010/main" val="663010118"/>
       </p:ext>
     </p:extLst>
   </p:cSld>
@@ -6730,6 +9351,89 @@
         </p:nvSpPr>
         <p:spPr/>
         <p:txBody>
+          <a:bodyPr/>
+          <a:lstStyle/>
+          <a:p>
+            <a:r>
+              <a:rPr lang="hu-HU" dirty="0" smtClean="0"/>
+              <a:t>A rendszer teljesítménye</a:t>
+            </a:r>
+            <a:endParaRPr lang="en-US" dirty="0"/>
+          </a:p>
+        </p:txBody>
+      </p:sp>
+      <p:sp>
+        <p:nvSpPr>
+          <p:cNvPr id="3" name="Text Placeholder 2"/>
+          <p:cNvSpPr>
+            <a:spLocks noGrp="1"/>
+          </p:cNvSpPr>
+          <p:nvPr>
+            <p:ph type="body" idx="1"/>
+          </p:nvPr>
+        </p:nvSpPr>
+        <p:spPr/>
+        <p:txBody>
+          <a:bodyPr/>
+          <a:lstStyle/>
+          <a:p>
+            <a:r>
+              <a:rPr lang="hu-HU" dirty="0" smtClean="0"/>
+              <a:t>Teljesítményanalízis</a:t>
+            </a:r>
+            <a:endParaRPr lang="en-US" dirty="0"/>
+          </a:p>
+        </p:txBody>
+      </p:sp>
+    </p:spTree>
+    <p:extLst>
+      <p:ext uri="{BB962C8B-B14F-4D97-AF65-F5344CB8AC3E}">
+        <p14:creationId xmlns:p14="http://schemas.microsoft.com/office/powerpoint/2010/main" val="2388552978"/>
+      </p:ext>
+    </p:extLst>
+  </p:cSld>
+  <p:clrMapOvr>
+    <a:masterClrMapping/>
+  </p:clrMapOvr>
+  <p:timing>
+    <p:tnLst>
+      <p:par>
+        <p:cTn id="1" dur="indefinite" restart="never" nodeType="tmRoot"/>
+      </p:par>
+    </p:tnLst>
+  </p:timing>
+</p:sld>
+</file>
+
+<file path=ppt/slides/slide15.xml><?xml version="1.0" encoding="utf-8"?>
+<p:sld xmlns:a="http://schemas.openxmlformats.org/drawingml/2006/main" xmlns:r="http://schemas.openxmlformats.org/officeDocument/2006/relationships" xmlns:p="http://schemas.openxmlformats.org/presentationml/2006/main">
+  <p:cSld>
+    <p:spTree>
+      <p:nvGrpSpPr>
+        <p:cNvPr id="1" name=""/>
+        <p:cNvGrpSpPr/>
+        <p:nvPr/>
+      </p:nvGrpSpPr>
+      <p:grpSpPr>
+        <a:xfrm>
+          <a:off x="0" y="0"/>
+          <a:ext cx="0" cy="0"/>
+          <a:chOff x="0" y="0"/>
+          <a:chExt cx="0" cy="0"/>
+        </a:xfrm>
+      </p:grpSpPr>
+      <p:sp>
+        <p:nvSpPr>
+          <p:cNvPr id="2" name="Title 1"/>
+          <p:cNvSpPr>
+            <a:spLocks noGrp="1"/>
+          </p:cNvSpPr>
+          <p:nvPr>
+            <p:ph type="title"/>
+          </p:nvPr>
+        </p:nvSpPr>
+        <p:spPr/>
+        <p:txBody>
           <a:bodyPr>
             <a:normAutofit/>
           </a:bodyPr>
@@ -6737,11 +9441,7 @@
           <a:p>
             <a:r>
               <a:rPr lang="hu-HU" dirty="0" smtClean="0"/>
-              <a:t>A függőségek </a:t>
-            </a:r>
-            <a:r>
-              <a:rPr lang="hu-HU" dirty="0" smtClean="0"/>
-              <a:t>feltérképezése</a:t>
+              <a:t>A függőségek feltérképezése</a:t>
             </a:r>
             <a:endParaRPr lang="en-US" dirty="0"/>
           </a:p>
@@ -6771,8 +9471,13 @@
           <a:p>
             <a:r>
               <a:rPr lang="hu-HU" dirty="0"/>
-              <a:t>Függőségi viszonyok felderítése: ~0,5sec/jar.</a:t>
-            </a:r>
+              <a:t>Függőségi viszonyok felderítése: ~</a:t>
+            </a:r>
+            <a:r>
+              <a:rPr lang="hu-HU" dirty="0" smtClean="0"/>
+              <a:t>0,5sec/jar</a:t>
+            </a:r>
+            <a:endParaRPr lang="hu-HU" dirty="0"/>
           </a:p>
           <a:p>
             <a:r>
@@ -6802,7 +9507,7 @@
             <a:pPr lvl="1"/>
             <a:r>
               <a:rPr lang="hu-HU" dirty="0" smtClean="0"/>
-              <a:t>Teljes </a:t>
+              <a:t>Teljes: </a:t>
             </a:r>
             <a:r>
               <a:rPr lang="hu-HU" dirty="0"/>
@@ -6810,8 +9515,9 @@
             </a:r>
             <a:r>
               <a:rPr lang="hu-HU" dirty="0" smtClean="0"/>
-              <a:t>600MiB.</a:t>
-            </a:r>
+              <a:t>600MiB</a:t>
+            </a:r>
+            <a:endParaRPr lang="hu-HU" dirty="0" smtClean="0"/>
           </a:p>
           <a:p>
             <a:pPr lvl="1"/>
@@ -6821,7 +9527,7 @@
             </a:r>
             <a:r>
               <a:rPr lang="hu-HU" dirty="0" smtClean="0"/>
-              <a:t>88MiB.</a:t>
+              <a:t>88MiB</a:t>
             </a:r>
             <a:endParaRPr lang="hu-HU" dirty="0"/>
           </a:p>
@@ -6875,7 +9581,7 @@
 </p:sld>
 </file>
 
-<file path=ppt/slides/slide15.xml><?xml version="1.0" encoding="utf-8"?>
+<file path=ppt/slides/slide16.xml><?xml version="1.0" encoding="utf-8"?>
 <p:sld xmlns:a="http://schemas.openxmlformats.org/drawingml/2006/main" xmlns:r="http://schemas.openxmlformats.org/officeDocument/2006/relationships" xmlns:p="http://schemas.openxmlformats.org/presentationml/2006/main">
   <p:cSld>
     <p:spTree>
@@ -7057,13 +9763,8 @@
           <a:p>
             <a:r>
               <a:rPr lang="hu-HU" dirty="0" smtClean="0"/>
-              <a:t>Kiértékelés 1 változtatás esetén: ~1ms az összes </a:t>
-            </a:r>
-            <a:r>
-              <a:rPr lang="hu-HU" dirty="0" smtClean="0"/>
-              <a:t>elemre.</a:t>
-            </a:r>
-            <a:endParaRPr lang="hu-HU" dirty="0" smtClean="0"/>
+              <a:t>Kiértékelés 1 változtatás esetén: ~1ms az összes elemre.</a:t>
+            </a:r>
           </a:p>
         </p:txBody>
       </p:sp>
@@ -7071,89 +9772,6 @@
     <p:extLst>
       <p:ext uri="{BB962C8B-B14F-4D97-AF65-F5344CB8AC3E}">
         <p14:creationId xmlns:p14="http://schemas.microsoft.com/office/powerpoint/2010/main" val="2871537416"/>
-      </p:ext>
-    </p:extLst>
-  </p:cSld>
-  <p:clrMapOvr>
-    <a:masterClrMapping/>
-  </p:clrMapOvr>
-  <p:timing>
-    <p:tnLst>
-      <p:par>
-        <p:cTn id="1" dur="indefinite" restart="never" nodeType="tmRoot"/>
-      </p:par>
-    </p:tnLst>
-  </p:timing>
-</p:sld>
-</file>
-
-<file path=ppt/slides/slide16.xml><?xml version="1.0" encoding="utf-8"?>
-<p:sld xmlns:a="http://schemas.openxmlformats.org/drawingml/2006/main" xmlns:r="http://schemas.openxmlformats.org/officeDocument/2006/relationships" xmlns:p="http://schemas.openxmlformats.org/presentationml/2006/main">
-  <p:cSld>
-    <p:spTree>
-      <p:nvGrpSpPr>
-        <p:cNvPr id="1" name=""/>
-        <p:cNvGrpSpPr/>
-        <p:nvPr/>
-      </p:nvGrpSpPr>
-      <p:grpSpPr>
-        <a:xfrm>
-          <a:off x="0" y="0"/>
-          <a:ext cx="0" cy="0"/>
-          <a:chOff x="0" y="0"/>
-          <a:chExt cx="0" cy="0"/>
-        </a:xfrm>
-      </p:grpSpPr>
-      <p:sp>
-        <p:nvSpPr>
-          <p:cNvPr id="7" name="Title 6"/>
-          <p:cNvSpPr>
-            <a:spLocks noGrp="1"/>
-          </p:cNvSpPr>
-          <p:nvPr>
-            <p:ph type="title"/>
-          </p:nvPr>
-        </p:nvSpPr>
-        <p:spPr/>
-        <p:txBody>
-          <a:bodyPr/>
-          <a:lstStyle/>
-          <a:p>
-            <a:r>
-              <a:rPr lang="hu-HU" dirty="0" smtClean="0"/>
-              <a:t>Eredmények és távlati célok</a:t>
-            </a:r>
-            <a:endParaRPr lang="en-US" dirty="0"/>
-          </a:p>
-        </p:txBody>
-      </p:sp>
-      <p:sp>
-        <p:nvSpPr>
-          <p:cNvPr id="8" name="Text Placeholder 7"/>
-          <p:cNvSpPr>
-            <a:spLocks noGrp="1"/>
-          </p:cNvSpPr>
-          <p:nvPr>
-            <p:ph type="body" idx="1"/>
-          </p:nvPr>
-        </p:nvSpPr>
-        <p:spPr/>
-        <p:txBody>
-          <a:bodyPr/>
-          <a:lstStyle/>
-          <a:p>
-            <a:r>
-              <a:rPr lang="hu-HU" dirty="0" smtClean="0"/>
-              <a:t>Eredmények</a:t>
-            </a:r>
-            <a:endParaRPr lang="en-US" dirty="0"/>
-          </a:p>
-        </p:txBody>
-      </p:sp>
-    </p:spTree>
-    <p:extLst>
-      <p:ext uri="{BB962C8B-B14F-4D97-AF65-F5344CB8AC3E}">
-        <p14:creationId xmlns:p14="http://schemas.microsoft.com/office/powerpoint/2010/main" val="819375693"/>
       </p:ext>
     </p:extLst>
   </p:cSld>
@@ -7189,7 +9807,7 @@
       </p:grpSpPr>
       <p:sp>
         <p:nvSpPr>
-          <p:cNvPr id="4" name="Title 3"/>
+          <p:cNvPr id="7" name="Title 6"/>
           <p:cNvSpPr>
             <a:spLocks noGrp="1"/>
           </p:cNvSpPr>
@@ -7204,7 +9822,7 @@
           <a:p>
             <a:r>
               <a:rPr lang="hu-HU" dirty="0" smtClean="0"/>
-              <a:t>Eredmények</a:t>
+              <a:t>Eredmények és távlati célok</a:t>
             </a:r>
             <a:endParaRPr lang="en-US" dirty="0"/>
           </a:p>
@@ -7212,73 +9830,23 @@
       </p:sp>
       <p:sp>
         <p:nvSpPr>
-          <p:cNvPr id="5" name="Content Placeholder 4"/>
+          <p:cNvPr id="8" name="Text Placeholder 7"/>
           <p:cNvSpPr>
             <a:spLocks noGrp="1"/>
           </p:cNvSpPr>
           <p:nvPr>
-            <p:ph idx="1"/>
+            <p:ph type="body" idx="1"/>
           </p:nvPr>
         </p:nvSpPr>
         <p:spPr/>
         <p:txBody>
-          <a:bodyPr>
-            <a:normAutofit lnSpcReduction="10000"/>
-          </a:bodyPr>
-          <a:lstStyle/>
-          <a:p>
-            <a:r>
-              <a:rPr lang="hu-HU" dirty="0" smtClean="0"/>
-              <a:t>Eszköz java szoftverek függőségeinek feltárására.</a:t>
-            </a:r>
-          </a:p>
-          <a:p>
-            <a:pPr lvl="1"/>
-            <a:r>
-              <a:rPr lang="hu-HU" dirty="0" smtClean="0"/>
-              <a:t>Nagy mennyiségű bináris feldolgozása és lekérdezése.</a:t>
-            </a:r>
-          </a:p>
-          <a:p>
-            <a:pPr lvl="1"/>
-            <a:r>
-              <a:rPr lang="hu-HU" dirty="0" smtClean="0"/>
-              <a:t>Kiterjesztés: valós idejű függőségek megjelenítése Eclipse-ben. </a:t>
-            </a:r>
-          </a:p>
-          <a:p>
-            <a:r>
-              <a:rPr lang="hu-HU" dirty="0" smtClean="0"/>
-              <a:t>A rendszer jelenleg éles használatban van.</a:t>
-            </a:r>
-          </a:p>
-          <a:p>
-            <a:pPr lvl="1"/>
-            <a:r>
-              <a:rPr lang="hu-HU" dirty="0" smtClean="0"/>
-              <a:t>CERN Controls Systems.</a:t>
-            </a:r>
-          </a:p>
-          <a:p>
-            <a:pPr lvl="2"/>
-            <a:r>
-              <a:rPr lang="hu-HU" dirty="0"/>
-              <a:t>~</a:t>
-            </a:r>
-            <a:r>
-              <a:rPr lang="hu-HU" dirty="0" smtClean="0"/>
-              <a:t>1300 Java projekt, 24/7 üzemidő.</a:t>
-            </a:r>
-          </a:p>
-          <a:p>
-            <a:pPr lvl="2"/>
-            <a:r>
-              <a:rPr lang="hu-HU" dirty="0" smtClean="0"/>
-              <a:t> Adatgyűjtés, monitorozás, alarm system, stb.</a:t>
-            </a:r>
-          </a:p>
-          <a:p>
-            <a:pPr lvl="2"/>
+          <a:bodyPr/>
+          <a:lstStyle/>
+          <a:p>
+            <a:r>
+              <a:rPr lang="hu-HU" dirty="0" smtClean="0"/>
+              <a:t>Eredmények</a:t>
+            </a:r>
             <a:endParaRPr lang="en-US" dirty="0"/>
           </a:p>
         </p:txBody>
@@ -7286,7 +9854,7 @@
     </p:spTree>
     <p:extLst>
       <p:ext uri="{BB962C8B-B14F-4D97-AF65-F5344CB8AC3E}">
-        <p14:creationId xmlns:p14="http://schemas.microsoft.com/office/powerpoint/2010/main" val="833660359"/>
+        <p14:creationId xmlns:p14="http://schemas.microsoft.com/office/powerpoint/2010/main" val="819375693"/>
       </p:ext>
     </p:extLst>
   </p:cSld>
@@ -7322,6 +9890,177 @@
       </p:grpSpPr>
       <p:sp>
         <p:nvSpPr>
+          <p:cNvPr id="4" name="Title 3"/>
+          <p:cNvSpPr>
+            <a:spLocks noGrp="1"/>
+          </p:cNvSpPr>
+          <p:nvPr>
+            <p:ph type="title"/>
+          </p:nvPr>
+        </p:nvSpPr>
+        <p:spPr/>
+        <p:txBody>
+          <a:bodyPr/>
+          <a:lstStyle/>
+          <a:p>
+            <a:r>
+              <a:rPr lang="hu-HU" dirty="0" smtClean="0"/>
+              <a:t>Eredmények</a:t>
+            </a:r>
+            <a:endParaRPr lang="en-US" dirty="0"/>
+          </a:p>
+        </p:txBody>
+      </p:sp>
+      <p:sp>
+        <p:nvSpPr>
+          <p:cNvPr id="5" name="Content Placeholder 4"/>
+          <p:cNvSpPr>
+            <a:spLocks noGrp="1"/>
+          </p:cNvSpPr>
+          <p:nvPr>
+            <p:ph idx="1"/>
+          </p:nvPr>
+        </p:nvSpPr>
+        <p:spPr/>
+        <p:txBody>
+          <a:bodyPr>
+            <a:normAutofit fontScale="92500"/>
+          </a:bodyPr>
+          <a:lstStyle/>
+          <a:p>
+            <a:r>
+              <a:rPr lang="hu-HU" dirty="0" smtClean="0"/>
+              <a:t>Eszköz java szoftverek függőségeinek </a:t>
+            </a:r>
+            <a:r>
+              <a:rPr lang="hu-HU" dirty="0" smtClean="0"/>
+              <a:t>feltárására</a:t>
+            </a:r>
+            <a:endParaRPr lang="hu-HU" dirty="0" smtClean="0"/>
+          </a:p>
+          <a:p>
+            <a:pPr lvl="1"/>
+            <a:r>
+              <a:rPr lang="hu-HU" dirty="0" smtClean="0"/>
+              <a:t>Nagy mennyiségű bináris feldolgozása és </a:t>
+            </a:r>
+            <a:r>
+              <a:rPr lang="hu-HU" dirty="0" smtClean="0"/>
+              <a:t>lekérdezése</a:t>
+            </a:r>
+            <a:endParaRPr lang="hu-HU" dirty="0" smtClean="0"/>
+          </a:p>
+          <a:p>
+            <a:pPr lvl="1"/>
+            <a:r>
+              <a:rPr lang="hu-HU" dirty="0" smtClean="0"/>
+              <a:t>Kiterjesztés: valós idejű függőségek megjelenítése </a:t>
+            </a:r>
+            <a:r>
+              <a:rPr lang="hu-HU" dirty="0" smtClean="0"/>
+              <a:t>Eclipse-ben </a:t>
+            </a:r>
+            <a:endParaRPr lang="hu-HU" dirty="0" smtClean="0"/>
+          </a:p>
+          <a:p>
+            <a:r>
+              <a:rPr lang="hu-HU" dirty="0" smtClean="0"/>
+              <a:t>A rendszer jelenleg éles használatban </a:t>
+            </a:r>
+            <a:r>
+              <a:rPr lang="hu-HU" dirty="0" smtClean="0"/>
+              <a:t>van</a:t>
+            </a:r>
+            <a:endParaRPr lang="hu-HU" dirty="0" smtClean="0"/>
+          </a:p>
+          <a:p>
+            <a:pPr lvl="1"/>
+            <a:r>
+              <a:rPr lang="hu-HU" dirty="0" smtClean="0"/>
+              <a:t>CERN </a:t>
+            </a:r>
+            <a:r>
+              <a:rPr lang="hu-HU" dirty="0" smtClean="0"/>
+              <a:t>Controls Systems:</a:t>
+            </a:r>
+          </a:p>
+          <a:p>
+            <a:pPr lvl="2"/>
+            <a:r>
+              <a:rPr lang="hu-HU" dirty="0" smtClean="0"/>
+              <a:t>Svájci kutatólaboratórium; részecskegyorsító irányítási rendszereinek szoftvereihez</a:t>
+            </a:r>
+            <a:endParaRPr lang="hu-HU" dirty="0" smtClean="0"/>
+          </a:p>
+          <a:p>
+            <a:pPr lvl="2"/>
+            <a:r>
+              <a:rPr lang="hu-HU" dirty="0"/>
+              <a:t>~</a:t>
+            </a:r>
+            <a:r>
+              <a:rPr lang="hu-HU" dirty="0" smtClean="0"/>
+              <a:t>1300 Java projekt, 24/7 </a:t>
+            </a:r>
+            <a:r>
+              <a:rPr lang="hu-HU" dirty="0" smtClean="0"/>
+              <a:t>üzemidő</a:t>
+            </a:r>
+            <a:endParaRPr lang="hu-HU" dirty="0" smtClean="0"/>
+          </a:p>
+          <a:p>
+            <a:pPr lvl="2"/>
+            <a:r>
+              <a:rPr lang="hu-HU" dirty="0" smtClean="0"/>
+              <a:t> Adatgyűjtés, monitorozás, alarm system, </a:t>
+            </a:r>
+            <a:r>
+              <a:rPr lang="hu-HU" dirty="0" smtClean="0"/>
+              <a:t>stb.</a:t>
+            </a:r>
+            <a:endParaRPr lang="hu-HU" dirty="0" smtClean="0"/>
+          </a:p>
+        </p:txBody>
+      </p:sp>
+    </p:spTree>
+    <p:extLst>
+      <p:ext uri="{BB962C8B-B14F-4D97-AF65-F5344CB8AC3E}">
+        <p14:creationId xmlns:p14="http://schemas.microsoft.com/office/powerpoint/2010/main" val="833660359"/>
+      </p:ext>
+    </p:extLst>
+  </p:cSld>
+  <p:clrMapOvr>
+    <a:masterClrMapping/>
+  </p:clrMapOvr>
+  <p:timing>
+    <p:tnLst>
+      <p:par>
+        <p:cTn id="1" dur="indefinite" restart="never" nodeType="tmRoot"/>
+      </p:par>
+    </p:tnLst>
+  </p:timing>
+</p:sld>
+</file>
+
+<file path=ppt/slides/slide19.xml><?xml version="1.0" encoding="utf-8"?>
+<p:sld xmlns:a="http://schemas.openxmlformats.org/drawingml/2006/main" xmlns:r="http://schemas.openxmlformats.org/officeDocument/2006/relationships" xmlns:p="http://schemas.openxmlformats.org/presentationml/2006/main">
+  <p:cSld>
+    <p:spTree>
+      <p:nvGrpSpPr>
+        <p:cNvPr id="1" name=""/>
+        <p:cNvGrpSpPr/>
+        <p:nvPr/>
+      </p:nvGrpSpPr>
+      <p:grpSpPr>
+        <a:xfrm>
+          <a:off x="0" y="0"/>
+          <a:ext cx="0" cy="0"/>
+          <a:chOff x="0" y="0"/>
+          <a:chExt cx="0" cy="0"/>
+        </a:xfrm>
+      </p:grpSpPr>
+      <p:sp>
+        <p:nvSpPr>
           <p:cNvPr id="2" name="Title 1"/>
           <p:cNvSpPr>
             <a:spLocks noGrp="1"/>
@@ -7360,26 +10099,46 @@
           <a:p>
             <a:r>
               <a:rPr lang="hu-HU" dirty="0" smtClean="0"/>
-              <a:t>Jobb felhasználói felület integráció.</a:t>
-            </a:r>
-          </a:p>
-          <a:p>
-            <a:r>
-              <a:rPr lang="hu-HU" dirty="0" smtClean="0"/>
-              <a:t>Kiterjeszés C/C++ szoftverekre.</a:t>
-            </a:r>
-          </a:p>
-          <a:p>
-            <a:r>
-              <a:rPr lang="hu-HU" dirty="0" smtClean="0"/>
-              <a:t>Lekérdezés-alapú metrikák érvényesítése.</a:t>
-            </a:r>
-          </a:p>
-          <a:p>
-            <a:r>
-              <a:rPr lang="hu-HU" dirty="0" smtClean="0"/>
-              <a:t>Szélesebb körű függőségek felderítése.</a:t>
-            </a:r>
+              <a:t>Jobb felhasználói felület </a:t>
+            </a:r>
+            <a:r>
+              <a:rPr lang="hu-HU" dirty="0" smtClean="0"/>
+              <a:t>integráció</a:t>
+            </a:r>
+            <a:endParaRPr lang="hu-HU" dirty="0" smtClean="0"/>
+          </a:p>
+          <a:p>
+            <a:r>
+              <a:rPr lang="hu-HU" dirty="0" smtClean="0"/>
+              <a:t>Kiterjeszés C/C++ </a:t>
+            </a:r>
+            <a:r>
+              <a:rPr lang="hu-HU" dirty="0" smtClean="0"/>
+              <a:t>szoftverekre</a:t>
+            </a:r>
+            <a:endParaRPr lang="hu-HU" dirty="0" smtClean="0"/>
+          </a:p>
+          <a:p>
+            <a:r>
+              <a:rPr lang="hu-HU" dirty="0" smtClean="0"/>
+              <a:t>Lekérdezés-alapú metrikák </a:t>
+            </a:r>
+            <a:r>
+              <a:rPr lang="hu-HU" dirty="0" smtClean="0"/>
+              <a:t>érvényesítése</a:t>
+            </a:r>
+            <a:endParaRPr lang="hu-HU" dirty="0" smtClean="0"/>
+          </a:p>
+          <a:p>
+            <a:r>
+              <a:rPr lang="hu-HU" dirty="0" smtClean="0"/>
+              <a:t>Szélesebb körű függőségek </a:t>
+            </a:r>
+            <a:r>
+              <a:rPr lang="hu-HU" dirty="0" smtClean="0"/>
+              <a:t>felderítése</a:t>
+            </a:r>
+            <a:endParaRPr lang="hu-HU" dirty="0" smtClean="0"/>
           </a:p>
           <a:p>
             <a:endParaRPr lang="en-US" dirty="0"/>
@@ -9094,48 +11853,108 @@
         </p:nvSpPr>
         <p:spPr/>
         <p:txBody>
-          <a:bodyPr/>
-          <a:lstStyle/>
-          <a:p>
-            <a:r>
-              <a:rPr lang="hu-HU" dirty="0" smtClean="0"/>
-              <a:t>Nagyszámú szoftver, bonyolult függőségek.</a:t>
-            </a:r>
-          </a:p>
-          <a:p>
-            <a:r>
-              <a:rPr lang="hu-HU" dirty="0" smtClean="0"/>
-              <a:t>Nagy rendelkezésre állás.</a:t>
-            </a:r>
-          </a:p>
-          <a:p>
-            <a:r>
-              <a:rPr lang="hu-HU" dirty="0" smtClean="0"/>
-              <a:t>Hibajavítás, új funkció.</a:t>
+          <a:bodyPr>
+            <a:normAutofit fontScale="77500" lnSpcReduction="20000"/>
+          </a:bodyPr>
+          <a:lstStyle/>
+          <a:p>
+            <a:r>
+              <a:rPr lang="hu-HU" dirty="0" smtClean="0"/>
+              <a:t>Nagyszámú szoftver (1000+)</a:t>
+            </a:r>
+          </a:p>
+          <a:p>
+            <a:r>
+              <a:rPr lang="hu-HU" dirty="0" smtClean="0"/>
+              <a:t>OO szoftverek =&gt; </a:t>
+            </a:r>
+            <a:r>
+              <a:rPr lang="hu-HU" dirty="0"/>
+              <a:t>s</a:t>
+            </a:r>
+            <a:r>
+              <a:rPr lang="hu-HU" dirty="0" smtClean="0"/>
+              <a:t>okféle függőség:</a:t>
             </a:r>
           </a:p>
           <a:p>
             <a:pPr lvl="1"/>
             <a:r>
               <a:rPr lang="hu-HU" dirty="0" smtClean="0"/>
-              <a:t>Elvárás: ráépülő szoftverekben ne okozzon hibát (smooth upgrades). </a:t>
-            </a:r>
-          </a:p>
-          <a:p>
+              <a:t>Öröklés, függvény-felüldefiniálás, reflektív hívások</a:t>
+            </a:r>
             <a:endParaRPr lang="hu-HU" dirty="0" smtClean="0"/>
           </a:p>
           <a:p>
             <a:r>
               <a:rPr lang="hu-HU" dirty="0" smtClean="0"/>
-              <a:t>Megoldás: Bejövő függőségek ismerete.</a:t>
-            </a:r>
+              <a:t>Nagy rendelkezésre </a:t>
+            </a:r>
+            <a:r>
+              <a:rPr lang="hu-HU" dirty="0" smtClean="0"/>
+              <a:t>állás</a:t>
+            </a:r>
+            <a:endParaRPr lang="hu-HU" dirty="0" smtClean="0"/>
+          </a:p>
+          <a:p>
+            <a:r>
+              <a:rPr lang="hu-HU" dirty="0" smtClean="0"/>
+              <a:t>Hibajavítás, új </a:t>
+            </a:r>
+            <a:r>
+              <a:rPr lang="hu-HU" dirty="0" smtClean="0"/>
+              <a:t>funkció</a:t>
+            </a:r>
+            <a:endParaRPr lang="hu-HU" dirty="0" smtClean="0"/>
           </a:p>
           <a:p>
             <a:pPr lvl="1"/>
             <a:r>
               <a:rPr lang="hu-HU" dirty="0" smtClean="0"/>
-              <a:t>Elkészített eszköz segítségével lekérdezhető.</a:t>
-            </a:r>
+              <a:t>Elvárás: ráépülő szoftverekben ne okozzon hibát (smooth upgrades</a:t>
+            </a:r>
+            <a:r>
+              <a:rPr lang="hu-HU" dirty="0" smtClean="0"/>
+              <a:t>)</a:t>
+            </a:r>
+            <a:endParaRPr lang="hu-HU" dirty="0" smtClean="0"/>
+          </a:p>
+          <a:p>
+            <a:endParaRPr lang="hu-HU" dirty="0" smtClean="0"/>
+          </a:p>
+          <a:p>
+            <a:r>
+              <a:rPr lang="hu-HU" dirty="0" smtClean="0"/>
+              <a:t>Szükséges: függőségi viszonyok ismerete</a:t>
+            </a:r>
+          </a:p>
+          <a:p>
+            <a:pPr lvl="1"/>
+            <a:r>
+              <a:rPr lang="hu-HU" dirty="0" smtClean="0"/>
+              <a:t>Mit változtathatunk meg</a:t>
+            </a:r>
+            <a:endParaRPr lang="hu-HU" dirty="0" smtClean="0"/>
+          </a:p>
+          <a:p>
+            <a:pPr lvl="1"/>
+            <a:r>
+              <a:rPr lang="hu-HU" dirty="0" smtClean="0"/>
+              <a:t>Változások potenciális hatása</a:t>
+            </a:r>
+            <a:endParaRPr lang="hu-HU" dirty="0" smtClean="0"/>
+          </a:p>
+          <a:p>
+            <a:pPr lvl="1"/>
+            <a:r>
+              <a:rPr lang="hu-HU" dirty="0" smtClean="0"/>
+              <a:t>Elkészített eszköz segítségével </a:t>
+            </a:r>
+            <a:r>
+              <a:rPr lang="hu-HU" dirty="0" smtClean="0"/>
+              <a:t>lekérdezhető</a:t>
+            </a:r>
+            <a:endParaRPr lang="hu-HU" dirty="0" smtClean="0"/>
           </a:p>
           <a:p>
             <a:endParaRPr lang="en-US" dirty="0"/>
@@ -9150,7 +11969,7 @@
         </p:nvSpPr>
         <p:spPr>
           <a:xfrm rot="5400000">
-            <a:off x="4229100" y="4267200"/>
+            <a:off x="4229100" y="3810000"/>
             <a:ext cx="685800" cy="685800"/>
           </a:xfrm>
           <a:prstGeom prst="rightArrow">
@@ -9232,21 +12051,22 @@
         <p:spPr/>
         <p:txBody>
           <a:bodyPr>
-            <a:normAutofit fontScale="90000"/>
+            <a:normAutofit/>
           </a:bodyPr>
           <a:lstStyle/>
           <a:p>
             <a:r>
               <a:rPr lang="hu-HU" dirty="0" smtClean="0"/>
-              <a:t>Bejövő függőségek explicit lekérdezése</a:t>
-            </a:r>
-            <a:r>
-              <a:rPr lang="en-US" dirty="0" smtClean="0"/>
-              <a:t/>
-            </a:r>
-            <a:br>
-              <a:rPr lang="en-US" dirty="0" smtClean="0"/>
-            </a:br>
+              <a:t>függőségek </a:t>
+            </a:r>
+            <a:r>
+              <a:rPr lang="hu-HU" dirty="0" smtClean="0"/>
+              <a:t>explicit </a:t>
+            </a:r>
+            <a:r>
+              <a:rPr lang="hu-HU" dirty="0" smtClean="0"/>
+              <a:t>lekérdezése</a:t>
+            </a:r>
             <a:endParaRPr lang="en-US" dirty="0"/>
           </a:p>
         </p:txBody>
@@ -9414,7 +12234,7 @@
           <a:p>
             <a:pPr algn="ctr"/>
             <a:r>
-              <a:rPr lang="hu-HU" dirty="0">
+              <a:rPr lang="hu-HU" smtClean="0">
                 <a:solidFill>
                   <a:schemeClr val="dk1"/>
                 </a:solidFill>
@@ -9583,7 +12403,6 @@
               <a:rPr lang="hu-HU" dirty="0" smtClean="0"/>
               <a:t>Lekérdezések</a:t>
             </a:r>
-            <a:endParaRPr lang="hu-HU" dirty="0" smtClean="0"/>
           </a:p>
         </p:txBody>
       </p:sp>
@@ -9847,7 +12666,7 @@
             </a:r>
             <a:r>
               <a:rPr lang="hu-HU" dirty="0" smtClean="0"/>
-              <a:t>tárolóban.</a:t>
+              <a:t>tárolóban</a:t>
             </a:r>
             <a:endParaRPr lang="hu-HU" dirty="0" smtClean="0"/>
           </a:p>
@@ -9855,19 +12674,19 @@
       </p:sp>
       <p:sp>
         <p:nvSpPr>
-          <p:cNvPr id="46" name="Rounded Rectangular Callout 45"/>
+          <p:cNvPr id="47" name="Rounded Rectangular Callout 46"/>
           <p:cNvSpPr/>
           <p:nvPr/>
         </p:nvSpPr>
         <p:spPr>
           <a:xfrm>
-            <a:off x="5381024" y="4504384"/>
-            <a:ext cx="2966205" cy="565607"/>
+            <a:off x="4114800" y="5813195"/>
+            <a:ext cx="2585205" cy="565607"/>
           </a:xfrm>
           <a:prstGeom prst="wedgeRoundRectCallout">
             <a:avLst>
-              <a:gd name="adj1" fmla="val -38977"/>
-              <a:gd name="adj2" fmla="val 116086"/>
+              <a:gd name="adj1" fmla="val 59221"/>
+              <a:gd name="adj2" fmla="val -90649"/>
               <a:gd name="adj3" fmla="val 16667"/>
             </a:avLst>
           </a:prstGeom>
@@ -9890,47 +12709,28 @@
           <a:bodyPr rtlCol="0" anchor="ctr"/>
           <a:lstStyle/>
           <a:p>
-            <a:pPr marL="285750" indent="-285750">
-              <a:buFont typeface="Arial" pitchFamily="34" charset="0"/>
-              <a:buChar char="•"/>
-            </a:pPr>
-            <a:r>
-              <a:rPr lang="hu-HU" dirty="0" smtClean="0"/>
-              <a:t>Függőségi </a:t>
-            </a:r>
-            <a:r>
-              <a:rPr lang="hu-HU" dirty="0" smtClean="0"/>
-              <a:t>analízis</a:t>
-            </a:r>
-          </a:p>
-          <a:p>
-            <a:pPr marL="285750" indent="-285750">
-              <a:buFont typeface="Arial" pitchFamily="34" charset="0"/>
-              <a:buChar char="•"/>
-            </a:pPr>
-            <a:r>
-              <a:rPr lang="hu-HU" dirty="0" smtClean="0"/>
-              <a:t>Interfész az adatokhoz</a:t>
-            </a:r>
-            <a:endParaRPr lang="hu-HU" dirty="0" smtClean="0"/>
-          </a:p>
-        </p:txBody>
-      </p:sp>
-      <p:sp>
-        <p:nvSpPr>
-          <p:cNvPr id="47" name="Rounded Rectangular Callout 46"/>
+            <a:r>
+              <a:rPr lang="hu-HU" dirty="0" smtClean="0"/>
+              <a:t>Jar állományok struktúrája + függőségei</a:t>
+            </a:r>
+          </a:p>
+        </p:txBody>
+      </p:sp>
+      <p:sp>
+        <p:nvSpPr>
+          <p:cNvPr id="48" name="Rounded Rectangular Callout 47"/>
           <p:cNvSpPr/>
           <p:nvPr/>
         </p:nvSpPr>
         <p:spPr>
           <a:xfrm>
-            <a:off x="3815595" y="6096000"/>
-            <a:ext cx="2585205" cy="565607"/>
+            <a:off x="1704179" y="1258633"/>
+            <a:ext cx="1896504" cy="798766"/>
           </a:xfrm>
           <a:prstGeom prst="wedgeRoundRectCallout">
             <a:avLst>
-              <a:gd name="adj1" fmla="val 73757"/>
-              <a:gd name="adj2" fmla="val -108365"/>
+              <a:gd name="adj1" fmla="val -3941"/>
+              <a:gd name="adj2" fmla="val 118250"/>
               <a:gd name="adj3" fmla="val 16667"/>
             </a:avLst>
           </a:prstGeom>
@@ -9955,7 +12755,11 @@
           <a:p>
             <a:r>
               <a:rPr lang="hu-HU" dirty="0" smtClean="0"/>
-              <a:t>Jar állományok struktúrája + függőségei</a:t>
+              <a:t>Lekérdezés a </a:t>
+            </a:r>
+            <a:r>
+              <a:rPr lang="hu-HU" dirty="0" smtClean="0"/>
+              <a:t>forráskód szerkesztőből</a:t>
             </a:r>
             <a:endParaRPr lang="hu-HU" dirty="0" smtClean="0"/>
           </a:p>
@@ -9963,19 +12767,19 @@
       </p:sp>
       <p:sp>
         <p:nvSpPr>
-          <p:cNvPr id="48" name="Rounded Rectangular Callout 47"/>
+          <p:cNvPr id="49" name="Rounded Rectangular Callout 48"/>
           <p:cNvSpPr/>
           <p:nvPr/>
         </p:nvSpPr>
         <p:spPr>
           <a:xfrm>
-            <a:off x="1704179" y="1359574"/>
-            <a:ext cx="1896504" cy="596884"/>
+            <a:off x="4821000" y="3837823"/>
+            <a:ext cx="2796411" cy="596884"/>
           </a:xfrm>
           <a:prstGeom prst="wedgeRoundRectCallout">
             <a:avLst>
-              <a:gd name="adj1" fmla="val 5702"/>
-              <a:gd name="adj2" fmla="val 154501"/>
+              <a:gd name="adj1" fmla="val -60129"/>
+              <a:gd name="adj2" fmla="val -95021"/>
               <a:gd name="adj3" fmla="val 16667"/>
             </a:avLst>
           </a:prstGeom>
@@ -10000,54 +12804,8 @@
           <a:p>
             <a:r>
               <a:rPr lang="hu-HU" dirty="0" smtClean="0"/>
-              <a:t>Lekérdezés a forráskódból.</a:t>
-            </a:r>
-            <a:endParaRPr lang="hu-HU" dirty="0" smtClean="0"/>
-          </a:p>
-        </p:txBody>
-      </p:sp>
-      <p:sp>
-        <p:nvSpPr>
-          <p:cNvPr id="49" name="Rounded Rectangular Callout 48"/>
-          <p:cNvSpPr/>
-          <p:nvPr/>
-        </p:nvSpPr>
-        <p:spPr>
-          <a:xfrm>
-            <a:off x="4821000" y="3837823"/>
-            <a:ext cx="2796411" cy="596884"/>
-          </a:xfrm>
-          <a:prstGeom prst="wedgeRoundRectCallout">
-            <a:avLst>
-              <a:gd name="adj1" fmla="val -56822"/>
-              <a:gd name="adj2" fmla="val -96425"/>
-              <a:gd name="adj3" fmla="val 16667"/>
-            </a:avLst>
-          </a:prstGeom>
-        </p:spPr>
-        <p:style>
-          <a:lnRef idx="1">
-            <a:schemeClr val="accent4"/>
-          </a:lnRef>
-          <a:fillRef idx="2">
-            <a:schemeClr val="accent4"/>
-          </a:fillRef>
-          <a:effectRef idx="1">
-            <a:schemeClr val="accent4"/>
-          </a:effectRef>
-          <a:fontRef idx="minor">
-            <a:schemeClr val="dk1"/>
-          </a:fontRef>
-        </p:style>
-        <p:txBody>
-          <a:bodyPr rtlCol="0" anchor="ctr"/>
-          <a:lstStyle/>
-          <a:p>
-            <a:r>
-              <a:rPr lang="hu-HU" dirty="0" smtClean="0"/>
               <a:t>Kapcsolat: RMI interfészen</a:t>
             </a:r>
-            <a:endParaRPr lang="hu-HU" dirty="0" smtClean="0"/>
           </a:p>
         </p:txBody>
       </p:sp>
@@ -10094,8 +12852,13 @@
             </a:pPr>
             <a:r>
               <a:rPr lang="hu-HU" dirty="0" smtClean="0"/>
-              <a:t>Lekérdezés kezdeményezése.</a:t>
-            </a:r>
+              <a:t>Lekérdezés </a:t>
+            </a:r>
+            <a:r>
+              <a:rPr lang="hu-HU" dirty="0" smtClean="0"/>
+              <a:t>kezdeményezése</a:t>
+            </a:r>
+            <a:endParaRPr lang="hu-HU" dirty="0" smtClean="0"/>
           </a:p>
           <a:p>
             <a:pPr marL="285750" indent="-285750">
@@ -10104,7 +12867,80 @@
             </a:pPr>
             <a:r>
               <a:rPr lang="hu-HU" dirty="0" smtClean="0"/>
-              <a:t>Eredmények megjelenítése.</a:t>
+              <a:t>Eredmények </a:t>
+            </a:r>
+            <a:r>
+              <a:rPr lang="hu-HU" dirty="0" smtClean="0"/>
+              <a:t>megjelenítése</a:t>
+            </a:r>
+            <a:endParaRPr lang="hu-HU" dirty="0" smtClean="0"/>
+          </a:p>
+        </p:txBody>
+      </p:sp>
+      <p:sp>
+        <p:nvSpPr>
+          <p:cNvPr id="46" name="Rounded Rectangular Callout 45"/>
+          <p:cNvSpPr/>
+          <p:nvPr/>
+        </p:nvSpPr>
+        <p:spPr>
+          <a:xfrm>
+            <a:off x="4840307" y="3870307"/>
+            <a:ext cx="3152100" cy="1065996"/>
+          </a:xfrm>
+          <a:prstGeom prst="wedgeRoundRectCallout">
+            <a:avLst>
+              <a:gd name="adj1" fmla="val -44149"/>
+              <a:gd name="adj2" fmla="val 80684"/>
+              <a:gd name="adj3" fmla="val 16667"/>
+            </a:avLst>
+          </a:prstGeom>
+        </p:spPr>
+        <p:style>
+          <a:lnRef idx="1">
+            <a:schemeClr val="accent4"/>
+          </a:lnRef>
+          <a:fillRef idx="2">
+            <a:schemeClr val="accent4"/>
+          </a:fillRef>
+          <a:effectRef idx="1">
+            <a:schemeClr val="accent4"/>
+          </a:effectRef>
+          <a:fontRef idx="minor">
+            <a:schemeClr val="dk1"/>
+          </a:fontRef>
+        </p:style>
+        <p:txBody>
+          <a:bodyPr rtlCol="0" anchor="ctr"/>
+          <a:lstStyle/>
+          <a:p>
+            <a:pPr marL="285750" indent="-285750">
+              <a:buFont typeface="Arial" pitchFamily="34" charset="0"/>
+              <a:buChar char="•"/>
+            </a:pPr>
+            <a:r>
+              <a:rPr lang="hu-HU" dirty="0" smtClean="0"/>
+              <a:t>Függőségi analízis</a:t>
+            </a:r>
+          </a:p>
+          <a:p>
+            <a:pPr marL="742950" lvl="1" indent="-285750">
+              <a:buFont typeface="Arial" pitchFamily="34" charset="0"/>
+              <a:buChar char="•"/>
+            </a:pPr>
+            <a:r>
+              <a:rPr lang="hu-HU" dirty="0" smtClean="0"/>
+              <a:t>Java binárisokon</a:t>
+            </a:r>
+          </a:p>
+          <a:p>
+            <a:pPr marL="742950" lvl="1" indent="-285750">
+              <a:buFont typeface="Arial" pitchFamily="34" charset="0"/>
+              <a:buChar char="•"/>
+            </a:pPr>
+            <a:r>
+              <a:rPr lang="hu-HU" dirty="0" smtClean="0"/>
+              <a:t>Bemenet méretétől függetlenül</a:t>
             </a:r>
             <a:endParaRPr lang="hu-HU" dirty="0" smtClean="0"/>
           </a:p>
@@ -10331,6 +13167,33 @@
                                   </p:childTnLst>
                                 </p:cTn>
                               </p:par>
+                              <p:par>
+                                <p:cTn id="11" presetID="1" presetClass="exit" presetSubtype="0" fill="hold" grpId="1" nodeType="withEffect">
+                                  <p:stCondLst>
+                                    <p:cond delay="0"/>
+                                  </p:stCondLst>
+                                  <p:childTnLst>
+                                    <p:set>
+                                      <p:cBhvr>
+                                        <p:cTn id="12" dur="1" fill="hold">
+                                          <p:stCondLst>
+                                            <p:cond delay="0"/>
+                                          </p:stCondLst>
+                                        </p:cTn>
+                                        <p:tgtEl>
+                                          <p:spTgt spid="45"/>
+                                        </p:tgtEl>
+                                        <p:attrNameLst>
+                                          <p:attrName>style.visibility</p:attrName>
+                                        </p:attrNameLst>
+                                      </p:cBhvr>
+                                      <p:to>
+                                        <p:strVal val="hidden"/>
+                                      </p:to>
+                                    </p:set>
+                                  </p:childTnLst>
+                                </p:cTn>
+                              </p:par>
                             </p:childTnLst>
                           </p:cTn>
                         </p:par>
@@ -10338,26 +13201,26 @@
                     </p:cTn>
                   </p:par>
                   <p:par>
-                    <p:cTn id="11" fill="hold">
+                    <p:cTn id="13" fill="hold">
                       <p:stCondLst>
                         <p:cond delay="indefinite"/>
                       </p:stCondLst>
                       <p:childTnLst>
                         <p:par>
-                          <p:cTn id="12" fill="hold">
+                          <p:cTn id="14" fill="hold">
                             <p:stCondLst>
                               <p:cond delay="0"/>
                             </p:stCondLst>
                             <p:childTnLst>
                               <p:par>
-                                <p:cTn id="13" presetID="1" presetClass="entr" presetSubtype="0" fill="hold" grpId="0" nodeType="clickEffect">
+                                <p:cTn id="15" presetID="1" presetClass="entr" presetSubtype="0" fill="hold" grpId="0" nodeType="clickEffect">
                                   <p:stCondLst>
                                     <p:cond delay="0"/>
                                   </p:stCondLst>
                                   <p:childTnLst>
                                     <p:set>
                                       <p:cBhvr>
-                                        <p:cTn id="14" dur="1" fill="hold">
+                                        <p:cTn id="16" dur="1" fill="hold">
                                           <p:stCondLst>
                                             <p:cond delay="0"/>
                                           </p:stCondLst>
@@ -10376,26 +13239,8 @@
                                   </p:childTnLst>
                                 </p:cTn>
                               </p:par>
-                            </p:childTnLst>
-                          </p:cTn>
-                        </p:par>
-                      </p:childTnLst>
-                    </p:cTn>
-                  </p:par>
-                  <p:par>
-                    <p:cTn id="15" fill="hold">
-                      <p:stCondLst>
-                        <p:cond delay="indefinite"/>
-                      </p:stCondLst>
-                      <p:childTnLst>
-                        <p:par>
-                          <p:cTn id="16" fill="hold">
-                            <p:stCondLst>
-                              <p:cond delay="0"/>
-                            </p:stCondLst>
-                            <p:childTnLst>
                               <p:par>
-                                <p:cTn id="17" presetID="1" presetClass="entr" presetSubtype="0" fill="hold" grpId="0" nodeType="clickEffect">
+                                <p:cTn id="17" presetID="1" presetClass="exit" presetSubtype="0" fill="hold" grpId="1" nodeType="withEffect">
                                   <p:stCondLst>
                                     <p:cond delay="0"/>
                                   </p:stCondLst>
@@ -10408,14 +13253,14 @@
                                           </p:stCondLst>
                                         </p:cTn>
                                         <p:tgtEl>
-                                          <p:spTgt spid="49"/>
+                                          <p:spTgt spid="46"/>
                                         </p:tgtEl>
                                         <p:attrNameLst>
                                           <p:attrName>style.visibility</p:attrName>
                                         </p:attrNameLst>
                                       </p:cBhvr>
                                       <p:to>
-                                        <p:strVal val="visible"/>
+                                        <p:strVal val="hidden"/>
                                       </p:to>
                                     </p:set>
                                   </p:childTnLst>
@@ -10453,6 +13298,78 @@
                                           </p:stCondLst>
                                         </p:cTn>
                                         <p:tgtEl>
+                                          <p:spTgt spid="49"/>
+                                        </p:tgtEl>
+                                        <p:attrNameLst>
+                                          <p:attrName>style.visibility</p:attrName>
+                                        </p:attrNameLst>
+                                      </p:cBhvr>
+                                      <p:to>
+                                        <p:strVal val="visible"/>
+                                      </p:to>
+                                    </p:set>
+                                  </p:childTnLst>
+                                </p:cTn>
+                              </p:par>
+                              <p:par>
+                                <p:cTn id="23" presetID="1" presetClass="exit" presetSubtype="0" fill="hold" grpId="1" nodeType="withEffect">
+                                  <p:stCondLst>
+                                    <p:cond delay="0"/>
+                                  </p:stCondLst>
+                                  <p:childTnLst>
+                                    <p:set>
+                                      <p:cBhvr>
+                                        <p:cTn id="24" dur="1" fill="hold">
+                                          <p:stCondLst>
+                                            <p:cond delay="0"/>
+                                          </p:stCondLst>
+                                        </p:cTn>
+                                        <p:tgtEl>
+                                          <p:spTgt spid="47"/>
+                                        </p:tgtEl>
+                                        <p:attrNameLst>
+                                          <p:attrName>style.visibility</p:attrName>
+                                        </p:attrNameLst>
+                                      </p:cBhvr>
+                                      <p:to>
+                                        <p:strVal val="hidden"/>
+                                      </p:to>
+                                    </p:set>
+                                  </p:childTnLst>
+                                </p:cTn>
+                              </p:par>
+                            </p:childTnLst>
+                          </p:cTn>
+                        </p:par>
+                      </p:childTnLst>
+                    </p:cTn>
+                  </p:par>
+                  <p:par>
+                    <p:cTn id="25" fill="hold">
+                      <p:stCondLst>
+                        <p:cond delay="indefinite"/>
+                      </p:stCondLst>
+                      <p:childTnLst>
+                        <p:par>
+                          <p:cTn id="26" fill="hold">
+                            <p:stCondLst>
+                              <p:cond delay="0"/>
+                            </p:stCondLst>
+                            <p:childTnLst>
+                              <p:par>
+                                <p:cTn id="27" presetID="1" presetClass="entr" presetSubtype="0" fill="hold" grpId="0" nodeType="clickEffect">
+                                  <p:stCondLst>
+                                    <p:cond delay="0"/>
+                                  </p:stCondLst>
+                                  <p:childTnLst>
+                                    <p:set>
+                                      <p:cBhvr>
+                                        <p:cTn id="28" dur="1" fill="hold">
+                                          <p:stCondLst>
+                                            <p:cond delay="0"/>
+                                          </p:stCondLst>
+                                        </p:cTn>
+                                        <p:tgtEl>
                                           <p:spTgt spid="51"/>
                                         </p:tgtEl>
                                         <p:attrNameLst>
@@ -10466,6 +13383,33 @@
                                   </p:childTnLst>
                                 </p:cTn>
                               </p:par>
+                              <p:par>
+                                <p:cTn id="29" presetID="1" presetClass="exit" presetSubtype="0" fill="hold" grpId="1" nodeType="withEffect">
+                                  <p:stCondLst>
+                                    <p:cond delay="0"/>
+                                  </p:stCondLst>
+                                  <p:childTnLst>
+                                    <p:set>
+                                      <p:cBhvr>
+                                        <p:cTn id="30" dur="1" fill="hold">
+                                          <p:stCondLst>
+                                            <p:cond delay="0"/>
+                                          </p:stCondLst>
+                                        </p:cTn>
+                                        <p:tgtEl>
+                                          <p:spTgt spid="49"/>
+                                        </p:tgtEl>
+                                        <p:attrNameLst>
+                                          <p:attrName>style.visibility</p:attrName>
+                                        </p:attrNameLst>
+                                      </p:cBhvr>
+                                      <p:to>
+                                        <p:strVal val="hidden"/>
+                                      </p:to>
+                                    </p:set>
+                                  </p:childTnLst>
+                                </p:cTn>
+                              </p:par>
                             </p:childTnLst>
                           </p:cTn>
                         </p:par>
@@ -10473,26 +13417,26 @@
                     </p:cTn>
                   </p:par>
                   <p:par>
-                    <p:cTn id="23" fill="hold">
+                    <p:cTn id="31" fill="hold">
                       <p:stCondLst>
                         <p:cond delay="indefinite"/>
                       </p:stCondLst>
                       <p:childTnLst>
                         <p:par>
-                          <p:cTn id="24" fill="hold">
+                          <p:cTn id="32" fill="hold">
                             <p:stCondLst>
                               <p:cond delay="0"/>
                             </p:stCondLst>
                             <p:childTnLst>
                               <p:par>
-                                <p:cTn id="25" presetID="1" presetClass="entr" presetSubtype="0" fill="hold" grpId="0" nodeType="clickEffect">
+                                <p:cTn id="33" presetID="1" presetClass="entr" presetSubtype="0" fill="hold" grpId="0" nodeType="clickEffect">
                                   <p:stCondLst>
                                     <p:cond delay="0"/>
                                   </p:stCondLst>
                                   <p:childTnLst>
                                     <p:set>
                                       <p:cBhvr>
-                                        <p:cTn id="26" dur="1" fill="hold">
+                                        <p:cTn id="34" dur="1" fill="hold">
                                           <p:stCondLst>
                                             <p:cond delay="0"/>
                                           </p:stCondLst>
@@ -10506,6 +13450,33 @@
                                       </p:cBhvr>
                                       <p:to>
                                         <p:strVal val="visible"/>
+                                      </p:to>
+                                    </p:set>
+                                  </p:childTnLst>
+                                </p:cTn>
+                              </p:par>
+                              <p:par>
+                                <p:cTn id="35" presetID="1" presetClass="exit" presetSubtype="0" fill="hold" grpId="1" nodeType="withEffect">
+                                  <p:stCondLst>
+                                    <p:cond delay="0"/>
+                                  </p:stCondLst>
+                                  <p:childTnLst>
+                                    <p:set>
+                                      <p:cBhvr>
+                                        <p:cTn id="36" dur="1" fill="hold">
+                                          <p:stCondLst>
+                                            <p:cond delay="0"/>
+                                          </p:stCondLst>
+                                        </p:cTn>
+                                        <p:tgtEl>
+                                          <p:spTgt spid="51"/>
+                                        </p:tgtEl>
+                                        <p:attrNameLst>
+                                          <p:attrName>style.visibility</p:attrName>
+                                        </p:attrNameLst>
+                                      </p:cBhvr>
+                                      <p:to>
+                                        <p:strVal val="hidden"/>
                                       </p:to>
                                     </p:set>
                                   </p:childTnLst>
@@ -10540,11 +13511,16 @@
     </p:tnLst>
     <p:bldLst>
       <p:bldP spid="45" grpId="0" animBg="1"/>
-      <p:bldP spid="46" grpId="0" animBg="1"/>
+      <p:bldP spid="45" grpId="1" animBg="1"/>
       <p:bldP spid="47" grpId="0" animBg="1"/>
+      <p:bldP spid="47" grpId="1" animBg="1"/>
       <p:bldP spid="48" grpId="0" animBg="1"/>
       <p:bldP spid="49" grpId="0" animBg="1"/>
+      <p:bldP spid="49" grpId="1" animBg="1"/>
       <p:bldP spid="51" grpId="0" animBg="1"/>
+      <p:bldP spid="51" grpId="1" animBg="1"/>
+      <p:bldP spid="46" grpId="0" animBg="1"/>
+      <p:bldP spid="46" grpId="1" animBg="1"/>
     </p:bldLst>
   </p:timing>
 </p:sld>
@@ -10788,8 +13764,13 @@
             </a:pPr>
             <a:r>
               <a:rPr lang="hu-HU" dirty="0" smtClean="0"/>
-              <a:t>Elem kiválasztása a szerkesztőben.</a:t>
-            </a:r>
+              <a:t>Elem kiválasztása a </a:t>
+            </a:r>
+            <a:r>
+              <a:rPr lang="hu-HU" dirty="0" smtClean="0"/>
+              <a:t>szerkesztőben</a:t>
+            </a:r>
+            <a:endParaRPr lang="hu-HU" dirty="0" smtClean="0"/>
           </a:p>
           <a:p>
             <a:pPr marL="857250" lvl="2" indent="-457200">
@@ -10798,8 +13779,13 @@
             </a:pPr>
             <a:r>
               <a:rPr lang="hu-HU" dirty="0" smtClean="0"/>
-              <a:t>Elem nevének feloldása.</a:t>
-            </a:r>
+              <a:t>Elem nevének </a:t>
+            </a:r>
+            <a:r>
+              <a:rPr lang="hu-HU" dirty="0" smtClean="0"/>
+              <a:t>feloldása</a:t>
+            </a:r>
+            <a:endParaRPr lang="hu-HU" dirty="0" smtClean="0"/>
           </a:p>
           <a:p>
             <a:pPr marL="857250" lvl="2" indent="-457200">
@@ -10808,8 +13794,13 @@
             </a:pPr>
             <a:r>
               <a:rPr lang="hu-HU" dirty="0" smtClean="0"/>
-              <a:t>Lekérdezés küldése.</a:t>
-            </a:r>
+              <a:t>Lekérdezés </a:t>
+            </a:r>
+            <a:r>
+              <a:rPr lang="hu-HU" dirty="0" smtClean="0"/>
+              <a:t>küldése</a:t>
+            </a:r>
+            <a:endParaRPr lang="hu-HU" dirty="0" smtClean="0"/>
           </a:p>
           <a:p>
             <a:pPr marL="857250" lvl="2" indent="-457200">
@@ -10829,8 +13820,13 @@
             <a:pPr marL="1314450" lvl="3" indent="-457200"/>
             <a:r>
               <a:rPr lang="hu-HU" dirty="0" smtClean="0"/>
-              <a:t>A kiválasztott elem bejövő függőségei.</a:t>
-            </a:r>
+              <a:t>A kiválasztott elem </a:t>
+            </a:r>
+            <a:r>
+              <a:rPr lang="hu-HU" dirty="0" smtClean="0"/>
+              <a:t>függőségei</a:t>
+            </a:r>
+            <a:endParaRPr lang="hu-HU" dirty="0" smtClean="0"/>
           </a:p>
           <a:p>
             <a:pPr marL="742950" lvl="2" indent="-342900"/>
@@ -11229,7 +14225,6 @@
               <a:rPr lang="hu-HU" dirty="0" smtClean="0"/>
               <a:t>Lekérdezések</a:t>
             </a:r>
-            <a:endParaRPr lang="hu-HU" dirty="0" smtClean="0"/>
           </a:p>
         </p:txBody>
       </p:sp>
@@ -11775,11 +14770,11 @@
   <p:clrMapOvr>
     <a:masterClrMapping/>
   </p:clrMapOvr>
-  <mc:AlternateContent xmlns:mc="http://schemas.openxmlformats.org/markup-compatibility/2006">
-    <mc:Choice xmlns:p14="http://schemas.microsoft.com/office/powerpoint/2010/main" Requires="p14">
+  <mc:AlternateContent xmlns:mc="http://schemas.openxmlformats.org/markup-compatibility/2006" xmlns:p14="http://schemas.microsoft.com/office/powerpoint/2010/main">
+    <mc:Choice Requires="p14">
       <p:transition spd="slow" p14:dur="2000"/>
     </mc:Choice>
-    <mc:Fallback>
+    <mc:Fallback xmlns="">
       <p:transition spd="slow"/>
     </mc:Fallback>
   </mc:AlternateContent>
@@ -11820,24 +14815,30 @@
             <p:ph type="title"/>
           </p:nvPr>
         </p:nvSpPr>
-        <p:spPr/>
+        <p:spPr>
+          <a:xfrm>
+            <a:off x="762000" y="4419600"/>
+            <a:ext cx="7772400" cy="1362075"/>
+          </a:xfrm>
+        </p:spPr>
         <p:txBody>
           <a:bodyPr>
-            <a:normAutofit fontScale="90000"/>
+            <a:normAutofit/>
           </a:bodyPr>
           <a:lstStyle/>
           <a:p>
             <a:r>
-              <a:rPr lang="hu-HU" sz="3900" dirty="0" smtClean="0"/>
-              <a:t>Inkrementális modell-lekérdezésEK</a:t>
-            </a:r>
-            <a:r>
-              <a:rPr lang="en-US" dirty="0" smtClean="0"/>
-              <a:t/>
-            </a:r>
-            <a:br>
-              <a:rPr lang="en-US" dirty="0" smtClean="0"/>
-            </a:br>
+              <a:rPr lang="hu-HU" dirty="0" smtClean="0"/>
+              <a:t>Inkrementális </a:t>
+            </a:r>
+            <a:r>
+              <a:rPr lang="hu-HU" dirty="0" smtClean="0"/>
+              <a:t>hibrid </a:t>
+            </a:r>
+            <a:r>
+              <a:rPr lang="hu-HU" dirty="0" smtClean="0"/>
+              <a:t>Függőségi analízis</a:t>
+            </a:r>
             <a:endParaRPr lang="en-US" dirty="0"/>
           </a:p>
         </p:txBody>
@@ -11859,7 +14860,11 @@
           <a:p>
             <a:r>
               <a:rPr lang="hu-HU" dirty="0" smtClean="0"/>
-              <a:t>Az eszköz Kiegészítése</a:t>
+              <a:t>Az eszköz </a:t>
+            </a:r>
+            <a:r>
+              <a:rPr lang="hu-HU" dirty="0" smtClean="0"/>
+              <a:t>kiegészítése</a:t>
             </a:r>
             <a:endParaRPr lang="en-US" dirty="0"/>
           </a:p>

--- a/incquery-deps-documentation/presentation/tdk_pres_hu_v2.pptx
+++ b/incquery-deps-documentation/presentation/tdk_pres_hu_v2.pptx
@@ -5,7 +5,7 @@
     <p:sldMasterId id="2147483648" r:id="rId1"/>
   </p:sldMasterIdLst>
   <p:notesMasterIdLst>
-    <p:notesMasterId r:id="rId20"/>
+    <p:notesMasterId r:id="rId21"/>
   </p:notesMasterIdLst>
   <p:sldIdLst>
     <p:sldId id="256" r:id="rId2"/>
@@ -19,13 +19,14 @@
     <p:sldId id="262" r:id="rId10"/>
     <p:sldId id="267" r:id="rId11"/>
     <p:sldId id="270" r:id="rId12"/>
-    <p:sldId id="274" r:id="rId13"/>
-    <p:sldId id="263" r:id="rId14"/>
-    <p:sldId id="268" r:id="rId15"/>
-    <p:sldId id="269" r:id="rId16"/>
-    <p:sldId id="271" r:id="rId17"/>
-    <p:sldId id="272" r:id="rId18"/>
-    <p:sldId id="273" r:id="rId19"/>
+    <p:sldId id="275" r:id="rId13"/>
+    <p:sldId id="274" r:id="rId14"/>
+    <p:sldId id="263" r:id="rId15"/>
+    <p:sldId id="268" r:id="rId16"/>
+    <p:sldId id="269" r:id="rId17"/>
+    <p:sldId id="271" r:id="rId18"/>
+    <p:sldId id="272" r:id="rId19"/>
+    <p:sldId id="273" r:id="rId20"/>
   </p:sldIdLst>
   <p:sldSz cx="9144000" cy="6858000" type="screen4x3"/>
   <p:notesSz cx="6858000" cy="9144000"/>
@@ -151,8 +152,8 @@
               <a:defRPr/>
             </a:pPr>
             <a:r>
-              <a:rPr lang="hu-HU" dirty="0"/>
-              <a:t>Discovery process time</a:t>
+              <a:rPr lang="hu-HU" dirty="0" smtClean="0"/>
+              <a:t>Függőségi analízis ideje</a:t>
             </a:r>
             <a:endParaRPr lang="en-US" dirty="0"/>
           </a:p>
@@ -305,11 +306,11 @@
         </c:dLbls>
         <c:marker val="1"/>
         <c:smooth val="0"/>
-        <c:axId val="136214528"/>
-        <c:axId val="164368320"/>
+        <c:axId val="41062400"/>
+        <c:axId val="38278784"/>
       </c:lineChart>
       <c:catAx>
-        <c:axId val="136214528"/>
+        <c:axId val="41062400"/>
         <c:scaling>
           <c:orientation val="minMax"/>
         </c:scaling>
@@ -325,9 +326,10 @@
                   <a:defRPr/>
                 </a:pPr>
                 <a:r>
-                  <a:rPr lang="hu-HU"/>
-                  <a:t>Number of processed projects</a:t>
+                  <a:rPr lang="hu-HU" dirty="0" smtClean="0"/>
+                  <a:t>Feldolgozott binárisok száma</a:t>
                 </a:r>
+                <a:endParaRPr lang="hu-HU" dirty="0"/>
               </a:p>
             </c:rich>
           </c:tx>
@@ -338,7 +340,7 @@
         <c:majorTickMark val="out"/>
         <c:minorTickMark val="none"/>
         <c:tickLblPos val="nextTo"/>
-        <c:crossAx val="164368320"/>
+        <c:crossAx val="38278784"/>
         <c:crosses val="autoZero"/>
         <c:auto val="0"/>
         <c:lblAlgn val="ctr"/>
@@ -348,7 +350,7 @@
         <c:noMultiLvlLbl val="0"/>
       </c:catAx>
       <c:valAx>
-        <c:axId val="164368320"/>
+        <c:axId val="38278784"/>
         <c:scaling>
           <c:orientation val="minMax"/>
         </c:scaling>
@@ -365,10 +367,10 @@
                   <a:defRPr/>
                 </a:pPr>
                 <a:r>
-                  <a:rPr lang="hu-HU"/>
-                  <a:t>seconds</a:t>
+                  <a:rPr lang="hu-HU" dirty="0" smtClean="0"/>
+                  <a:t>sec</a:t>
                 </a:r>
-                <a:endParaRPr lang="en-US"/>
+                <a:endParaRPr lang="en-US" dirty="0"/>
               </a:p>
             </c:rich>
           </c:tx>
@@ -379,7 +381,7 @@
         <c:majorTickMark val="out"/>
         <c:minorTickMark val="none"/>
         <c:tickLblPos val="nextTo"/>
-        <c:crossAx val="136214528"/>
+        <c:crossAx val="41062400"/>
         <c:crosses val="autoZero"/>
         <c:crossBetween val="between"/>
       </c:valAx>
@@ -418,12 +420,12 @@
               <a:defRPr/>
             </a:pPr>
             <a:r>
-              <a:rPr lang="hu-HU" dirty="0" smtClean="0"/>
-              <a:t>Modell-lekérdezések:</a:t>
-            </a:r>
-            <a:r>
               <a:rPr lang="hu-HU" baseline="0" dirty="0" smtClean="0"/>
-              <a:t> inicialiálási idő</a:t>
+              <a:t>Inicialiálási </a:t>
+            </a:r>
+            <a:r>
+              <a:rPr lang="hu-HU" baseline="0" dirty="0" smtClean="0"/>
+              <a:t>idő</a:t>
             </a:r>
             <a:endParaRPr lang="en-US" dirty="0"/>
           </a:p>
@@ -506,11 +508,11 @@
         </c:dLbls>
         <c:marker val="1"/>
         <c:smooth val="0"/>
-        <c:axId val="136435712"/>
-        <c:axId val="186344576"/>
+        <c:axId val="43144192"/>
+        <c:axId val="38280512"/>
       </c:lineChart>
       <c:catAx>
-        <c:axId val="136435712"/>
+        <c:axId val="43144192"/>
         <c:scaling>
           <c:orientation val="minMax"/>
         </c:scaling>
@@ -531,7 +533,11 @@
                 </a:r>
                 <a:r>
                   <a:rPr lang="hu-HU" baseline="0" dirty="0" smtClean="0"/>
-                  <a:t> mérete</a:t>
+                  <a:t> </a:t>
+                </a:r>
+                <a:r>
+                  <a:rPr lang="hu-HU" baseline="0" dirty="0" smtClean="0"/>
+                  <a:t>száma</a:t>
                 </a:r>
                 <a:endParaRPr lang="en-US" dirty="0"/>
               </a:p>
@@ -544,7 +550,7 @@
         <c:majorTickMark val="out"/>
         <c:minorTickMark val="none"/>
         <c:tickLblPos val="nextTo"/>
-        <c:crossAx val="186344576"/>
+        <c:crossAx val="38280512"/>
         <c:crosses val="autoZero"/>
         <c:auto val="1"/>
         <c:lblAlgn val="ctr"/>
@@ -552,7 +558,7 @@
         <c:noMultiLvlLbl val="0"/>
       </c:catAx>
       <c:valAx>
-        <c:axId val="186344576"/>
+        <c:axId val="38280512"/>
         <c:scaling>
           <c:orientation val="minMax"/>
         </c:scaling>
@@ -583,7 +589,7 @@
         <c:majorTickMark val="out"/>
         <c:minorTickMark val="none"/>
         <c:tickLblPos val="nextTo"/>
-        <c:crossAx val="136435712"/>
+        <c:crossAx val="43144192"/>
         <c:crosses val="autoZero"/>
         <c:crossBetween val="between"/>
       </c:valAx>
@@ -710,11 +716,11 @@
         </c:dLbls>
         <c:marker val="1"/>
         <c:smooth val="0"/>
-        <c:axId val="136436224"/>
-        <c:axId val="186347456"/>
+        <c:axId val="43144704"/>
+        <c:axId val="84337792"/>
       </c:lineChart>
       <c:catAx>
-        <c:axId val="136436224"/>
+        <c:axId val="43144704"/>
         <c:scaling>
           <c:orientation val="minMax"/>
         </c:scaling>
@@ -748,7 +754,7 @@
         <c:majorTickMark val="out"/>
         <c:minorTickMark val="none"/>
         <c:tickLblPos val="nextTo"/>
-        <c:crossAx val="186347456"/>
+        <c:crossAx val="84337792"/>
         <c:crosses val="autoZero"/>
         <c:auto val="1"/>
         <c:lblAlgn val="ctr"/>
@@ -756,7 +762,7 @@
         <c:noMultiLvlLbl val="0"/>
       </c:catAx>
       <c:valAx>
-        <c:axId val="186347456"/>
+        <c:axId val="84337792"/>
         <c:scaling>
           <c:orientation val="minMax"/>
         </c:scaling>
@@ -787,7 +793,7 @@
         <c:majorTickMark val="out"/>
         <c:minorTickMark val="none"/>
         <c:tickLblPos val="nextTo"/>
-        <c:crossAx val="136436224"/>
+        <c:crossAx val="43144704"/>
         <c:crosses val="autoZero"/>
         <c:crossBetween val="between"/>
       </c:valAx>
@@ -884,7 +890,7 @@
           <a:p>
             <a:fld id="{B6BB6350-B212-4879-B209-4DF49D0B4F10}" type="datetimeFigureOut">
               <a:rPr lang="en-US" smtClean="0"/>
-              <a:t>11/10/2012</a:t>
+              <a:t>11/11/2012</a:t>
             </a:fld>
             <a:endParaRPr lang="en-US"/>
           </a:p>
@@ -1236,6 +1242,174 @@
 </p:notes>
 </file>
 
+<file path=ppt/notesSlides/notesSlide10.xml><?xml version="1.0" encoding="utf-8"?>
+<p:notes xmlns:a="http://schemas.openxmlformats.org/drawingml/2006/main" xmlns:r="http://schemas.openxmlformats.org/officeDocument/2006/relationships" xmlns:p="http://schemas.openxmlformats.org/presentationml/2006/main">
+  <p:cSld>
+    <p:spTree>
+      <p:nvGrpSpPr>
+        <p:cNvPr id="1" name=""/>
+        <p:cNvGrpSpPr/>
+        <p:nvPr/>
+      </p:nvGrpSpPr>
+      <p:grpSpPr>
+        <a:xfrm>
+          <a:off x="0" y="0"/>
+          <a:ext cx="0" cy="0"/>
+          <a:chOff x="0" y="0"/>
+          <a:chExt cx="0" cy="0"/>
+        </a:xfrm>
+      </p:grpSpPr>
+      <p:sp>
+        <p:nvSpPr>
+          <p:cNvPr id="2" name="Slide Image Placeholder 1"/>
+          <p:cNvSpPr>
+            <a:spLocks noGrp="1" noRot="1" noChangeAspect="1"/>
+          </p:cNvSpPr>
+          <p:nvPr>
+            <p:ph type="sldImg"/>
+          </p:nvPr>
+        </p:nvSpPr>
+        <p:spPr/>
+      </p:sp>
+      <p:sp>
+        <p:nvSpPr>
+          <p:cNvPr id="3" name="Notes Placeholder 2"/>
+          <p:cNvSpPr>
+            <a:spLocks noGrp="1"/>
+          </p:cNvSpPr>
+          <p:nvPr>
+            <p:ph type="body" idx="1"/>
+          </p:nvPr>
+        </p:nvSpPr>
+        <p:spPr/>
+        <p:txBody>
+          <a:bodyPr/>
+          <a:lstStyle/>
+          <a:p>
+            <a:endParaRPr lang="en-US" dirty="0"/>
+          </a:p>
+        </p:txBody>
+      </p:sp>
+      <p:sp>
+        <p:nvSpPr>
+          <p:cNvPr id="4" name="Slide Number Placeholder 3"/>
+          <p:cNvSpPr>
+            <a:spLocks noGrp="1"/>
+          </p:cNvSpPr>
+          <p:nvPr>
+            <p:ph type="sldNum" sz="quarter" idx="10"/>
+          </p:nvPr>
+        </p:nvSpPr>
+        <p:spPr/>
+        <p:txBody>
+          <a:bodyPr/>
+          <a:lstStyle/>
+          <a:p>
+            <a:fld id="{660D7955-1178-45C7-88EB-DB10C946F729}" type="slidenum">
+              <a:rPr lang="en-US" smtClean="0"/>
+              <a:t>15</a:t>
+            </a:fld>
+            <a:endParaRPr lang="en-US"/>
+          </a:p>
+        </p:txBody>
+      </p:sp>
+    </p:spTree>
+    <p:extLst>
+      <p:ext uri="{BB962C8B-B14F-4D97-AF65-F5344CB8AC3E}">
+        <p14:creationId xmlns:p14="http://schemas.microsoft.com/office/powerpoint/2010/main" val="1319460358"/>
+      </p:ext>
+    </p:extLst>
+  </p:cSld>
+  <p:clrMapOvr>
+    <a:masterClrMapping/>
+  </p:clrMapOvr>
+</p:notes>
+</file>
+
+<file path=ppt/notesSlides/notesSlide11.xml><?xml version="1.0" encoding="utf-8"?>
+<p:notes xmlns:a="http://schemas.openxmlformats.org/drawingml/2006/main" xmlns:r="http://schemas.openxmlformats.org/officeDocument/2006/relationships" xmlns:p="http://schemas.openxmlformats.org/presentationml/2006/main">
+  <p:cSld>
+    <p:spTree>
+      <p:nvGrpSpPr>
+        <p:cNvPr id="1" name=""/>
+        <p:cNvGrpSpPr/>
+        <p:nvPr/>
+      </p:nvGrpSpPr>
+      <p:grpSpPr>
+        <a:xfrm>
+          <a:off x="0" y="0"/>
+          <a:ext cx="0" cy="0"/>
+          <a:chOff x="0" y="0"/>
+          <a:chExt cx="0" cy="0"/>
+        </a:xfrm>
+      </p:grpSpPr>
+      <p:sp>
+        <p:nvSpPr>
+          <p:cNvPr id="2" name="Slide Image Placeholder 1"/>
+          <p:cNvSpPr>
+            <a:spLocks noGrp="1" noRot="1" noChangeAspect="1"/>
+          </p:cNvSpPr>
+          <p:nvPr>
+            <p:ph type="sldImg"/>
+          </p:nvPr>
+        </p:nvSpPr>
+        <p:spPr/>
+      </p:sp>
+      <p:sp>
+        <p:nvSpPr>
+          <p:cNvPr id="3" name="Notes Placeholder 2"/>
+          <p:cNvSpPr>
+            <a:spLocks noGrp="1"/>
+          </p:cNvSpPr>
+          <p:nvPr>
+            <p:ph type="body" idx="1"/>
+          </p:nvPr>
+        </p:nvSpPr>
+        <p:spPr/>
+        <p:txBody>
+          <a:bodyPr/>
+          <a:lstStyle/>
+          <a:p>
+            <a:endParaRPr lang="en-US" dirty="0"/>
+          </a:p>
+        </p:txBody>
+      </p:sp>
+      <p:sp>
+        <p:nvSpPr>
+          <p:cNvPr id="4" name="Slide Number Placeholder 3"/>
+          <p:cNvSpPr>
+            <a:spLocks noGrp="1"/>
+          </p:cNvSpPr>
+          <p:nvPr>
+            <p:ph type="sldNum" sz="quarter" idx="10"/>
+          </p:nvPr>
+        </p:nvSpPr>
+        <p:spPr/>
+        <p:txBody>
+          <a:bodyPr/>
+          <a:lstStyle/>
+          <a:p>
+            <a:fld id="{660D7955-1178-45C7-88EB-DB10C946F729}" type="slidenum">
+              <a:rPr lang="en-US" smtClean="0"/>
+              <a:t>16</a:t>
+            </a:fld>
+            <a:endParaRPr lang="en-US"/>
+          </a:p>
+        </p:txBody>
+      </p:sp>
+    </p:spTree>
+    <p:extLst>
+      <p:ext uri="{BB962C8B-B14F-4D97-AF65-F5344CB8AC3E}">
+        <p14:creationId xmlns:p14="http://schemas.microsoft.com/office/powerpoint/2010/main" val="1319460358"/>
+      </p:ext>
+    </p:extLst>
+  </p:cSld>
+  <p:clrMapOvr>
+    <a:masterClrMapping/>
+  </p:clrMapOvr>
+</p:notes>
+</file>
+
 <file path=ppt/notesSlides/notesSlide2.xml><?xml version="1.0" encoding="utf-8"?>
 <p:notes xmlns:a="http://schemas.openxmlformats.org/drawingml/2006/main" xmlns:r="http://schemas.openxmlformats.org/officeDocument/2006/relationships" xmlns:p="http://schemas.openxmlformats.org/presentationml/2006/main">
   <p:cSld>
@@ -1301,7 +1475,7 @@
           <a:p>
             <a:fld id="{E7AA0654-642B-4EC6-9896-06614A0153EC}" type="slidenum">
               <a:rPr lang="en-US" smtClean="0"/>
-              <a:t>6</a:t>
+              <a:t>4</a:t>
             </a:fld>
             <a:endParaRPr lang="en-US"/>
           </a:p>
@@ -1310,7 +1484,7 @@
     </p:spTree>
     <p:extLst>
       <p:ext uri="{BB962C8B-B14F-4D97-AF65-F5344CB8AC3E}">
-        <p14:creationId xmlns:p14="http://schemas.microsoft.com/office/powerpoint/2010/main" val="1846358032"/>
+        <p14:creationId xmlns:p14="http://schemas.microsoft.com/office/powerpoint/2010/main" val="4172057294"/>
       </p:ext>
     </p:extLst>
   </p:cSld>
@@ -1383,9 +1557,9 @@
           <a:bodyPr/>
           <a:lstStyle/>
           <a:p>
-            <a:fld id="{660D7955-1178-45C7-88EB-DB10C946F729}" type="slidenum">
+            <a:fld id="{E7AA0654-642B-4EC6-9896-06614A0153EC}" type="slidenum">
               <a:rPr lang="en-US" smtClean="0"/>
-              <a:t>14</a:t>
+              <a:t>6</a:t>
             </a:fld>
             <a:endParaRPr lang="en-US"/>
           </a:p>
@@ -1394,7 +1568,7 @@
     </p:spTree>
     <p:extLst>
       <p:ext uri="{BB962C8B-B14F-4D97-AF65-F5344CB8AC3E}">
-        <p14:creationId xmlns:p14="http://schemas.microsoft.com/office/powerpoint/2010/main" val="1319460358"/>
+        <p14:creationId xmlns:p14="http://schemas.microsoft.com/office/powerpoint/2010/main" val="1846358032"/>
       </p:ext>
     </p:extLst>
   </p:cSld>
@@ -1448,7 +1622,44 @@
           <a:bodyPr/>
           <a:lstStyle/>
           <a:p>
-            <a:endParaRPr lang="en-US" dirty="0"/>
+            <a:pPr marL="0" marR="0" indent="0" algn="l" defTabSz="914400" rtl="0" eaLnBrk="1" fontAlgn="auto" latinLnBrk="0" hangingPunct="1">
+              <a:lnSpc>
+                <a:spcPct val="100000"/>
+              </a:lnSpc>
+              <a:spcBef>
+                <a:spcPts val="0"/>
+              </a:spcBef>
+              <a:spcAft>
+                <a:spcPts val="0"/>
+              </a:spcAft>
+              <a:buClrTx/>
+              <a:buSzTx/>
+              <a:buFontTx/>
+              <a:buNone/>
+              <a:tabLst/>
+              <a:defRPr/>
+            </a:pPr>
+            <a:r>
+              <a:rPr lang="hu-HU" sz="1200" kern="1200" dirty="0" smtClean="0">
+                <a:solidFill>
+                  <a:schemeClr val="tx1"/>
+                </a:solidFill>
+                <a:effectLst/>
+                <a:latin typeface="+mn-lt"/>
+                <a:ea typeface="+mn-ea"/>
+                <a:cs typeface="+mn-cs"/>
+              </a:rPr>
+              <a:t>- 9-es fólia: cím legyen inkrementális, hibrid függőségi analízis (hibrid=bináris és forráskód forrású adatokon)</a:t>
+            </a:r>
+            <a:endParaRPr lang="en-US" sz="1200" kern="1200" dirty="0" smtClean="0">
+              <a:solidFill>
+                <a:schemeClr val="tx1"/>
+              </a:solidFill>
+              <a:effectLst/>
+              <a:latin typeface="+mn-lt"/>
+              <a:ea typeface="+mn-ea"/>
+              <a:cs typeface="+mn-cs"/>
+            </a:endParaRPr>
           </a:p>
         </p:txBody>
       </p:sp>
@@ -1467,9 +1678,9 @@
           <a:bodyPr/>
           <a:lstStyle/>
           <a:p>
-            <a:fld id="{660D7955-1178-45C7-88EB-DB10C946F729}" type="slidenum">
+            <a:fld id="{E7AA0654-642B-4EC6-9896-06614A0153EC}" type="slidenum">
               <a:rPr lang="en-US" smtClean="0"/>
-              <a:t>15</a:t>
+              <a:t>9</a:t>
             </a:fld>
             <a:endParaRPr lang="en-US"/>
           </a:p>
@@ -1478,7 +1689,439 @@
     </p:spTree>
     <p:extLst>
       <p:ext uri="{BB962C8B-B14F-4D97-AF65-F5344CB8AC3E}">
-        <p14:creationId xmlns:p14="http://schemas.microsoft.com/office/powerpoint/2010/main" val="1319460358"/>
+        <p14:creationId xmlns:p14="http://schemas.microsoft.com/office/powerpoint/2010/main" val="212778437"/>
+      </p:ext>
+    </p:extLst>
+  </p:cSld>
+  <p:clrMapOvr>
+    <a:masterClrMapping/>
+  </p:clrMapOvr>
+</p:notes>
+</file>
+
+<file path=ppt/notesSlides/notesSlide5.xml><?xml version="1.0" encoding="utf-8"?>
+<p:notes xmlns:a="http://schemas.openxmlformats.org/drawingml/2006/main" xmlns:r="http://schemas.openxmlformats.org/officeDocument/2006/relationships" xmlns:p="http://schemas.openxmlformats.org/presentationml/2006/main">
+  <p:cSld>
+    <p:spTree>
+      <p:nvGrpSpPr>
+        <p:cNvPr id="1" name=""/>
+        <p:cNvGrpSpPr/>
+        <p:nvPr/>
+      </p:nvGrpSpPr>
+      <p:grpSpPr>
+        <a:xfrm>
+          <a:off x="0" y="0"/>
+          <a:ext cx="0" cy="0"/>
+          <a:chOff x="0" y="0"/>
+          <a:chExt cx="0" cy="0"/>
+        </a:xfrm>
+      </p:grpSpPr>
+      <p:sp>
+        <p:nvSpPr>
+          <p:cNvPr id="2" name="Slide Image Placeholder 1"/>
+          <p:cNvSpPr>
+            <a:spLocks noGrp="1" noRot="1" noChangeAspect="1"/>
+          </p:cNvSpPr>
+          <p:nvPr>
+            <p:ph type="sldImg"/>
+          </p:nvPr>
+        </p:nvSpPr>
+        <p:spPr/>
+      </p:sp>
+      <p:sp>
+        <p:nvSpPr>
+          <p:cNvPr id="3" name="Notes Placeholder 2"/>
+          <p:cNvSpPr>
+            <a:spLocks noGrp="1"/>
+          </p:cNvSpPr>
+          <p:nvPr>
+            <p:ph type="body" idx="1"/>
+          </p:nvPr>
+        </p:nvSpPr>
+        <p:spPr/>
+        <p:txBody>
+          <a:bodyPr/>
+          <a:lstStyle/>
+          <a:p>
+            <a:endParaRPr lang="en-US" dirty="0"/>
+          </a:p>
+        </p:txBody>
+      </p:sp>
+      <p:sp>
+        <p:nvSpPr>
+          <p:cNvPr id="4" name="Slide Number Placeholder 3"/>
+          <p:cNvSpPr>
+            <a:spLocks noGrp="1"/>
+          </p:cNvSpPr>
+          <p:nvPr>
+            <p:ph type="sldNum" sz="quarter" idx="10"/>
+          </p:nvPr>
+        </p:nvSpPr>
+        <p:spPr/>
+        <p:txBody>
+          <a:bodyPr/>
+          <a:lstStyle/>
+          <a:p>
+            <a:fld id="{E7AA0654-642B-4EC6-9896-06614A0153EC}" type="slidenum">
+              <a:rPr lang="en-US" smtClean="0"/>
+              <a:t>10</a:t>
+            </a:fld>
+            <a:endParaRPr lang="en-US"/>
+          </a:p>
+        </p:txBody>
+      </p:sp>
+    </p:spTree>
+    <p:extLst>
+      <p:ext uri="{BB962C8B-B14F-4D97-AF65-F5344CB8AC3E}">
+        <p14:creationId xmlns:p14="http://schemas.microsoft.com/office/powerpoint/2010/main" val="2696810295"/>
+      </p:ext>
+    </p:extLst>
+  </p:cSld>
+  <p:clrMapOvr>
+    <a:masterClrMapping/>
+  </p:clrMapOvr>
+</p:notes>
+</file>
+
+<file path=ppt/notesSlides/notesSlide6.xml><?xml version="1.0" encoding="utf-8"?>
+<p:notes xmlns:a="http://schemas.openxmlformats.org/drawingml/2006/main" xmlns:r="http://schemas.openxmlformats.org/officeDocument/2006/relationships" xmlns:p="http://schemas.openxmlformats.org/presentationml/2006/main">
+  <p:cSld>
+    <p:spTree>
+      <p:nvGrpSpPr>
+        <p:cNvPr id="1" name=""/>
+        <p:cNvGrpSpPr/>
+        <p:nvPr/>
+      </p:nvGrpSpPr>
+      <p:grpSpPr>
+        <a:xfrm>
+          <a:off x="0" y="0"/>
+          <a:ext cx="0" cy="0"/>
+          <a:chOff x="0" y="0"/>
+          <a:chExt cx="0" cy="0"/>
+        </a:xfrm>
+      </p:grpSpPr>
+      <p:sp>
+        <p:nvSpPr>
+          <p:cNvPr id="2" name="Slide Image Placeholder 1"/>
+          <p:cNvSpPr>
+            <a:spLocks noGrp="1" noRot="1" noChangeAspect="1"/>
+          </p:cNvSpPr>
+          <p:nvPr>
+            <p:ph type="sldImg"/>
+          </p:nvPr>
+        </p:nvSpPr>
+        <p:spPr/>
+      </p:sp>
+      <p:sp>
+        <p:nvSpPr>
+          <p:cNvPr id="3" name="Notes Placeholder 2"/>
+          <p:cNvSpPr>
+            <a:spLocks noGrp="1"/>
+          </p:cNvSpPr>
+          <p:nvPr>
+            <p:ph type="body" idx="1"/>
+          </p:nvPr>
+        </p:nvSpPr>
+        <p:spPr/>
+        <p:txBody>
+          <a:bodyPr/>
+          <a:lstStyle/>
+          <a:p>
+            <a:endParaRPr lang="en-US" dirty="0"/>
+          </a:p>
+        </p:txBody>
+      </p:sp>
+      <p:sp>
+        <p:nvSpPr>
+          <p:cNvPr id="4" name="Slide Number Placeholder 3"/>
+          <p:cNvSpPr>
+            <a:spLocks noGrp="1"/>
+          </p:cNvSpPr>
+          <p:nvPr>
+            <p:ph type="sldNum" sz="quarter" idx="10"/>
+          </p:nvPr>
+        </p:nvSpPr>
+        <p:spPr/>
+        <p:txBody>
+          <a:bodyPr/>
+          <a:lstStyle/>
+          <a:p>
+            <a:fld id="{E7AA0654-642B-4EC6-9896-06614A0153EC}" type="slidenum">
+              <a:rPr lang="en-US" smtClean="0"/>
+              <a:t>11</a:t>
+            </a:fld>
+            <a:endParaRPr lang="en-US"/>
+          </a:p>
+        </p:txBody>
+      </p:sp>
+    </p:spTree>
+    <p:extLst>
+      <p:ext uri="{BB962C8B-B14F-4D97-AF65-F5344CB8AC3E}">
+        <p14:creationId xmlns:p14="http://schemas.microsoft.com/office/powerpoint/2010/main" val="3679442458"/>
+      </p:ext>
+    </p:extLst>
+  </p:cSld>
+  <p:clrMapOvr>
+    <a:masterClrMapping/>
+  </p:clrMapOvr>
+</p:notes>
+</file>
+
+<file path=ppt/notesSlides/notesSlide7.xml><?xml version="1.0" encoding="utf-8"?>
+<p:notes xmlns:a="http://schemas.openxmlformats.org/drawingml/2006/main" xmlns:r="http://schemas.openxmlformats.org/officeDocument/2006/relationships" xmlns:p="http://schemas.openxmlformats.org/presentationml/2006/main">
+  <p:cSld>
+    <p:spTree>
+      <p:nvGrpSpPr>
+        <p:cNvPr id="1" name=""/>
+        <p:cNvGrpSpPr/>
+        <p:nvPr/>
+      </p:nvGrpSpPr>
+      <p:grpSpPr>
+        <a:xfrm>
+          <a:off x="0" y="0"/>
+          <a:ext cx="0" cy="0"/>
+          <a:chOff x="0" y="0"/>
+          <a:chExt cx="0" cy="0"/>
+        </a:xfrm>
+      </p:grpSpPr>
+      <p:sp>
+        <p:nvSpPr>
+          <p:cNvPr id="2" name="Slide Image Placeholder 1"/>
+          <p:cNvSpPr>
+            <a:spLocks noGrp="1" noRot="1" noChangeAspect="1"/>
+          </p:cNvSpPr>
+          <p:nvPr>
+            <p:ph type="sldImg"/>
+          </p:nvPr>
+        </p:nvSpPr>
+        <p:spPr/>
+      </p:sp>
+      <p:sp>
+        <p:nvSpPr>
+          <p:cNvPr id="3" name="Notes Placeholder 2"/>
+          <p:cNvSpPr>
+            <a:spLocks noGrp="1"/>
+          </p:cNvSpPr>
+          <p:nvPr>
+            <p:ph type="body" idx="1"/>
+          </p:nvPr>
+        </p:nvSpPr>
+        <p:spPr/>
+        <p:txBody>
+          <a:bodyPr/>
+          <a:lstStyle/>
+          <a:p>
+            <a:pPr lvl="1"/>
+            <a:r>
+              <a:rPr lang="hu-HU" dirty="0" smtClean="0"/>
+              <a:t>De:</a:t>
+            </a:r>
+            <a:r>
+              <a:rPr lang="hu-HU" baseline="0" dirty="0" smtClean="0"/>
+              <a:t> nincs adatelhagyás!</a:t>
+            </a:r>
+            <a:endParaRPr lang="hu-HU" dirty="0" smtClean="0"/>
+          </a:p>
+          <a:p>
+            <a:endParaRPr lang="en-US" dirty="0"/>
+          </a:p>
+        </p:txBody>
+      </p:sp>
+      <p:sp>
+        <p:nvSpPr>
+          <p:cNvPr id="4" name="Slide Number Placeholder 3"/>
+          <p:cNvSpPr>
+            <a:spLocks noGrp="1"/>
+          </p:cNvSpPr>
+          <p:nvPr>
+            <p:ph type="sldNum" sz="quarter" idx="10"/>
+          </p:nvPr>
+        </p:nvSpPr>
+        <p:spPr/>
+        <p:txBody>
+          <a:bodyPr/>
+          <a:lstStyle/>
+          <a:p>
+            <a:fld id="{660D7955-1178-45C7-88EB-DB10C946F729}" type="slidenum">
+              <a:rPr lang="en-US" smtClean="0"/>
+              <a:t>12</a:t>
+            </a:fld>
+            <a:endParaRPr lang="en-US"/>
+          </a:p>
+        </p:txBody>
+      </p:sp>
+    </p:spTree>
+    <p:extLst>
+      <p:ext uri="{BB962C8B-B14F-4D97-AF65-F5344CB8AC3E}">
+        <p14:creationId xmlns:p14="http://schemas.microsoft.com/office/powerpoint/2010/main" val="2603194435"/>
+      </p:ext>
+    </p:extLst>
+  </p:cSld>
+  <p:clrMapOvr>
+    <a:masterClrMapping/>
+  </p:clrMapOvr>
+</p:notes>
+</file>
+
+<file path=ppt/notesSlides/notesSlide8.xml><?xml version="1.0" encoding="utf-8"?>
+<p:notes xmlns:a="http://schemas.openxmlformats.org/drawingml/2006/main" xmlns:r="http://schemas.openxmlformats.org/officeDocument/2006/relationships" xmlns:p="http://schemas.openxmlformats.org/presentationml/2006/main">
+  <p:cSld>
+    <p:spTree>
+      <p:nvGrpSpPr>
+        <p:cNvPr id="1" name=""/>
+        <p:cNvGrpSpPr/>
+        <p:nvPr/>
+      </p:nvGrpSpPr>
+      <p:grpSpPr>
+        <a:xfrm>
+          <a:off x="0" y="0"/>
+          <a:ext cx="0" cy="0"/>
+          <a:chOff x="0" y="0"/>
+          <a:chExt cx="0" cy="0"/>
+        </a:xfrm>
+      </p:grpSpPr>
+      <p:sp>
+        <p:nvSpPr>
+          <p:cNvPr id="2" name="Slide Image Placeholder 1"/>
+          <p:cNvSpPr>
+            <a:spLocks noGrp="1" noRot="1" noChangeAspect="1"/>
+          </p:cNvSpPr>
+          <p:nvPr>
+            <p:ph type="sldImg"/>
+          </p:nvPr>
+        </p:nvSpPr>
+        <p:spPr/>
+      </p:sp>
+      <p:sp>
+        <p:nvSpPr>
+          <p:cNvPr id="3" name="Notes Placeholder 2"/>
+          <p:cNvSpPr>
+            <a:spLocks noGrp="1"/>
+          </p:cNvSpPr>
+          <p:nvPr>
+            <p:ph type="body" idx="1"/>
+          </p:nvPr>
+        </p:nvSpPr>
+        <p:spPr/>
+        <p:txBody>
+          <a:bodyPr/>
+          <a:lstStyle/>
+          <a:p>
+            <a:endParaRPr lang="en-US" dirty="0"/>
+          </a:p>
+        </p:txBody>
+      </p:sp>
+      <p:sp>
+        <p:nvSpPr>
+          <p:cNvPr id="4" name="Slide Number Placeholder 3"/>
+          <p:cNvSpPr>
+            <a:spLocks noGrp="1"/>
+          </p:cNvSpPr>
+          <p:nvPr>
+            <p:ph type="sldNum" sz="quarter" idx="10"/>
+          </p:nvPr>
+        </p:nvSpPr>
+        <p:spPr/>
+        <p:txBody>
+          <a:bodyPr/>
+          <a:lstStyle/>
+          <a:p>
+            <a:fld id="{E7AA0654-642B-4EC6-9896-06614A0153EC}" type="slidenum">
+              <a:rPr lang="en-US" smtClean="0"/>
+              <a:t>13</a:t>
+            </a:fld>
+            <a:endParaRPr lang="en-US"/>
+          </a:p>
+        </p:txBody>
+      </p:sp>
+    </p:spTree>
+    <p:extLst>
+      <p:ext uri="{BB962C8B-B14F-4D97-AF65-F5344CB8AC3E}">
+        <p14:creationId xmlns:p14="http://schemas.microsoft.com/office/powerpoint/2010/main" val="1350586827"/>
+      </p:ext>
+    </p:extLst>
+  </p:cSld>
+  <p:clrMapOvr>
+    <a:masterClrMapping/>
+  </p:clrMapOvr>
+</p:notes>
+</file>
+
+<file path=ppt/notesSlides/notesSlide9.xml><?xml version="1.0" encoding="utf-8"?>
+<p:notes xmlns:a="http://schemas.openxmlformats.org/drawingml/2006/main" xmlns:r="http://schemas.openxmlformats.org/officeDocument/2006/relationships" xmlns:p="http://schemas.openxmlformats.org/presentationml/2006/main">
+  <p:cSld>
+    <p:spTree>
+      <p:nvGrpSpPr>
+        <p:cNvPr id="1" name=""/>
+        <p:cNvGrpSpPr/>
+        <p:nvPr/>
+      </p:nvGrpSpPr>
+      <p:grpSpPr>
+        <a:xfrm>
+          <a:off x="0" y="0"/>
+          <a:ext cx="0" cy="0"/>
+          <a:chOff x="0" y="0"/>
+          <a:chExt cx="0" cy="0"/>
+        </a:xfrm>
+      </p:grpSpPr>
+      <p:sp>
+        <p:nvSpPr>
+          <p:cNvPr id="2" name="Slide Image Placeholder 1"/>
+          <p:cNvSpPr>
+            <a:spLocks noGrp="1" noRot="1" noChangeAspect="1"/>
+          </p:cNvSpPr>
+          <p:nvPr>
+            <p:ph type="sldImg"/>
+          </p:nvPr>
+        </p:nvSpPr>
+        <p:spPr/>
+      </p:sp>
+      <p:sp>
+        <p:nvSpPr>
+          <p:cNvPr id="3" name="Notes Placeholder 2"/>
+          <p:cNvSpPr>
+            <a:spLocks noGrp="1"/>
+          </p:cNvSpPr>
+          <p:nvPr>
+            <p:ph type="body" idx="1"/>
+          </p:nvPr>
+        </p:nvSpPr>
+        <p:spPr/>
+        <p:txBody>
+          <a:bodyPr/>
+          <a:lstStyle/>
+          <a:p>
+            <a:endParaRPr lang="en-US" dirty="0"/>
+          </a:p>
+        </p:txBody>
+      </p:sp>
+      <p:sp>
+        <p:nvSpPr>
+          <p:cNvPr id="4" name="Slide Number Placeholder 3"/>
+          <p:cNvSpPr>
+            <a:spLocks noGrp="1"/>
+          </p:cNvSpPr>
+          <p:nvPr>
+            <p:ph type="sldNum" sz="quarter" idx="10"/>
+          </p:nvPr>
+        </p:nvSpPr>
+        <p:spPr/>
+        <p:txBody>
+          <a:bodyPr/>
+          <a:lstStyle/>
+          <a:p>
+            <a:fld id="{E7AA0654-642B-4EC6-9896-06614A0153EC}" type="slidenum">
+              <a:rPr lang="en-US" smtClean="0"/>
+              <a:t>14</a:t>
+            </a:fld>
+            <a:endParaRPr lang="en-US"/>
+          </a:p>
+        </p:txBody>
+      </p:sp>
+    </p:spTree>
+    <p:extLst>
+      <p:ext uri="{BB962C8B-B14F-4D97-AF65-F5344CB8AC3E}">
+        <p14:creationId xmlns:p14="http://schemas.microsoft.com/office/powerpoint/2010/main" val="3832885243"/>
       </p:ext>
     </p:extLst>
   </p:cSld>
@@ -1669,7 +2312,7 @@
           <a:p>
             <a:fld id="{5F65F745-5CE3-40A0-8E26-13A5C6D55D00}" type="datetimeFigureOut">
               <a:rPr lang="en-US" smtClean="0"/>
-              <a:t>11/10/2012</a:t>
+              <a:t>11/11/2012</a:t>
             </a:fld>
             <a:endParaRPr lang="en-US"/>
           </a:p>
@@ -1839,7 +2482,7 @@
           <a:p>
             <a:fld id="{5F65F745-5CE3-40A0-8E26-13A5C6D55D00}" type="datetimeFigureOut">
               <a:rPr lang="en-US" smtClean="0"/>
-              <a:t>11/10/2012</a:t>
+              <a:t>11/11/2012</a:t>
             </a:fld>
             <a:endParaRPr lang="en-US"/>
           </a:p>
@@ -2019,7 +2662,7 @@
           <a:p>
             <a:fld id="{5F65F745-5CE3-40A0-8E26-13A5C6D55D00}" type="datetimeFigureOut">
               <a:rPr lang="en-US" smtClean="0"/>
-              <a:t>11/10/2012</a:t>
+              <a:t>11/11/2012</a:t>
             </a:fld>
             <a:endParaRPr lang="en-US"/>
           </a:p>
@@ -2189,7 +2832,7 @@
           <a:p>
             <a:fld id="{5F65F745-5CE3-40A0-8E26-13A5C6D55D00}" type="datetimeFigureOut">
               <a:rPr lang="en-US" smtClean="0"/>
-              <a:t>11/10/2012</a:t>
+              <a:t>11/11/2012</a:t>
             </a:fld>
             <a:endParaRPr lang="en-US"/>
           </a:p>
@@ -2435,7 +3078,7 @@
           <a:p>
             <a:fld id="{5F65F745-5CE3-40A0-8E26-13A5C6D55D00}" type="datetimeFigureOut">
               <a:rPr lang="en-US" smtClean="0"/>
-              <a:t>11/10/2012</a:t>
+              <a:t>11/11/2012</a:t>
             </a:fld>
             <a:endParaRPr lang="en-US"/>
           </a:p>
@@ -2723,7 +3366,7 @@
           <a:p>
             <a:fld id="{5F65F745-5CE3-40A0-8E26-13A5C6D55D00}" type="datetimeFigureOut">
               <a:rPr lang="en-US" smtClean="0"/>
-              <a:t>11/10/2012</a:t>
+              <a:t>11/11/2012</a:t>
             </a:fld>
             <a:endParaRPr lang="en-US"/>
           </a:p>
@@ -3145,7 +3788,7 @@
           <a:p>
             <a:fld id="{5F65F745-5CE3-40A0-8E26-13A5C6D55D00}" type="datetimeFigureOut">
               <a:rPr lang="en-US" smtClean="0"/>
-              <a:t>11/10/2012</a:t>
+              <a:t>11/11/2012</a:t>
             </a:fld>
             <a:endParaRPr lang="en-US"/>
           </a:p>
@@ -3263,7 +3906,7 @@
           <a:p>
             <a:fld id="{5F65F745-5CE3-40A0-8E26-13A5C6D55D00}" type="datetimeFigureOut">
               <a:rPr lang="en-US" smtClean="0"/>
-              <a:t>11/10/2012</a:t>
+              <a:t>11/11/2012</a:t>
             </a:fld>
             <a:endParaRPr lang="en-US"/>
           </a:p>
@@ -3358,7 +4001,7 @@
           <a:p>
             <a:fld id="{5F65F745-5CE3-40A0-8E26-13A5C6D55D00}" type="datetimeFigureOut">
               <a:rPr lang="en-US" smtClean="0"/>
-              <a:t>11/10/2012</a:t>
+              <a:t>11/11/2012</a:t>
             </a:fld>
             <a:endParaRPr lang="en-US"/>
           </a:p>
@@ -3635,7 +4278,7 @@
           <a:p>
             <a:fld id="{5F65F745-5CE3-40A0-8E26-13A5C6D55D00}" type="datetimeFigureOut">
               <a:rPr lang="en-US" smtClean="0"/>
-              <a:t>11/10/2012</a:t>
+              <a:t>11/11/2012</a:t>
             </a:fld>
             <a:endParaRPr lang="en-US"/>
           </a:p>
@@ -3888,7 +4531,7 @@
           <a:p>
             <a:fld id="{5F65F745-5CE3-40A0-8E26-13A5C6D55D00}" type="datetimeFigureOut">
               <a:rPr lang="en-US" smtClean="0"/>
-              <a:t>11/10/2012</a:t>
+              <a:t>11/11/2012</a:t>
             </a:fld>
             <a:endParaRPr lang="en-US"/>
           </a:p>
@@ -4122,7 +4765,7 @@
           <a:p>
             <a:fld id="{5F65F745-5CE3-40A0-8E26-13A5C6D55D00}" type="datetimeFigureOut">
               <a:rPr lang="en-US" smtClean="0"/>
-              <a:t>11/10/2012</a:t>
+              <a:t>11/11/2012</a:t>
             </a:fld>
             <a:endParaRPr lang="en-US"/>
           </a:p>
@@ -4539,7 +5182,13 @@
           <a:p>
             <a:r>
               <a:rPr lang="hu-HU" dirty="0" smtClean="0"/>
-              <a:t>Csikós Donát</a:t>
+              <a:t>Készítette: Csikós Donát</a:t>
+            </a:r>
+          </a:p>
+          <a:p>
+            <a:r>
+              <a:rPr lang="hu-HU" dirty="0" smtClean="0"/>
+              <a:t>Konzulens: Horváth Ákos, Ráth István</a:t>
             </a:r>
             <a:endParaRPr lang="en-US" dirty="0" smtClean="0"/>
           </a:p>
@@ -4599,7 +5248,7 @@
           <a:p>
             <a:r>
               <a:rPr lang="hu-HU" dirty="0" smtClean="0"/>
-              <a:t>Modell-lekérdezések</a:t>
+              <a:t>Kiterjesztés</a:t>
             </a:r>
             <a:endParaRPr lang="en-US" dirty="0"/>
           </a:p>
@@ -4618,80 +5267,86 @@
         <p:spPr/>
         <p:txBody>
           <a:bodyPr>
-            <a:normAutofit lnSpcReduction="10000"/>
+            <a:normAutofit/>
           </a:bodyPr>
           <a:lstStyle/>
           <a:p>
             <a:r>
               <a:rPr lang="hu-HU" dirty="0" smtClean="0"/>
-              <a:t>EMF-IncQuery technológia:</a:t>
+              <a:t>Alap implementáció</a:t>
             </a:r>
           </a:p>
           <a:p>
             <a:pPr lvl="1"/>
             <a:r>
               <a:rPr lang="hu-HU" dirty="0" smtClean="0"/>
-              <a:t>Deklaratív, inkrementális modell-lekérdezések.</a:t>
+              <a:t>Csak az adatbázisban tárolt adatok alapján</a:t>
+            </a:r>
+          </a:p>
+          <a:p>
+            <a:pPr lvl="1"/>
+            <a:r>
+              <a:rPr lang="hu-HU" dirty="0" smtClean="0"/>
+              <a:t>Egyetlen elemre</a:t>
+            </a:r>
+          </a:p>
+          <a:p>
+            <a:r>
+              <a:rPr lang="hu-HU" dirty="0" smtClean="0"/>
+              <a:t>Továbbfejlesztés</a:t>
+            </a:r>
+          </a:p>
+          <a:p>
+            <a:pPr lvl="1"/>
+            <a:r>
+              <a:rPr lang="hu-HU" dirty="0" smtClean="0"/>
+              <a:t>Forráskód és függőségi </a:t>
+            </a:r>
+            <a:r>
+              <a:rPr lang="hu-HU" dirty="0"/>
+              <a:t>adatbázis összekapcsolása</a:t>
             </a:r>
           </a:p>
           <a:p>
             <a:pPr lvl="2"/>
             <a:r>
               <a:rPr lang="hu-HU" dirty="0" smtClean="0"/>
-              <a:t>Lekérdezés = </a:t>
-            </a:r>
-            <a:r>
-              <a:rPr lang="hu-HU" dirty="0" smtClean="0"/>
-              <a:t>gráfminta.</a:t>
+              <a:t>Mi </a:t>
+            </a:r>
+            <a:r>
+              <a:rPr lang="hu-HU" dirty="0" smtClean="0"/>
+              <a:t>változott meg </a:t>
+            </a:r>
+            <a:r>
+              <a:rPr lang="hu-HU" dirty="0" smtClean="0"/>
+              <a:t>a fejlesztőkörnyezetben?</a:t>
+            </a:r>
+            <a:endParaRPr lang="hu-HU" dirty="0" smtClean="0"/>
+          </a:p>
+          <a:p>
+            <a:pPr lvl="2"/>
+            <a:r>
+              <a:rPr lang="hu-HU" dirty="0" smtClean="0"/>
+              <a:t>Milyen hatással van a ráépülő projektekre</a:t>
+            </a:r>
+            <a:r>
+              <a:rPr lang="hu-HU" dirty="0" smtClean="0"/>
+              <a:t>?</a:t>
             </a:r>
           </a:p>
           <a:p>
             <a:pPr lvl="1"/>
             <a:r>
               <a:rPr lang="hu-HU" dirty="0" smtClean="0"/>
-              <a:t>EMF példánymodellek felett.</a:t>
-            </a:r>
-          </a:p>
-          <a:p>
-            <a:r>
-              <a:rPr lang="hu-HU" dirty="0" smtClean="0"/>
-              <a:t>Cél:</a:t>
-            </a:r>
-          </a:p>
-          <a:p>
-            <a:pPr lvl="1"/>
-            <a:r>
-              <a:rPr lang="hu-HU" dirty="0" smtClean="0"/>
-              <a:t>Függőségi viszonyok azonnali megjelenítése.</a:t>
-            </a:r>
-            <a:endParaRPr lang="hu-HU" dirty="0" smtClean="0"/>
-          </a:p>
-          <a:p>
-            <a:pPr lvl="1"/>
-            <a:r>
-              <a:rPr lang="hu-HU" dirty="0" smtClean="0"/>
-              <a:t>Forráskód és függőségi adatbázis összekapcsolása.</a:t>
-            </a:r>
-          </a:p>
-          <a:p>
-            <a:pPr lvl="2"/>
-            <a:r>
-              <a:rPr lang="hu-HU" dirty="0" smtClean="0"/>
-              <a:t>Mi változott meg a workspace-ben?</a:t>
-            </a:r>
-          </a:p>
-          <a:p>
-            <a:pPr lvl="2"/>
-            <a:r>
-              <a:rPr lang="hu-HU" dirty="0" smtClean="0"/>
-              <a:t>Milyen hatással van a ráépülő projektekre?</a:t>
-            </a:r>
-          </a:p>
-          <a:p>
-            <a:pPr marL="0" indent="0">
+              <a:t>Folyamatos visszajelzés</a:t>
+            </a:r>
+            <a:endParaRPr lang="hu-HU" dirty="0"/>
+          </a:p>
+          <a:p>
+            <a:pPr marL="457200" lvl="1" indent="0">
               <a:buNone/>
             </a:pPr>
-            <a:endParaRPr lang="en-US" dirty="0"/>
+            <a:endParaRPr lang="hu-HU" dirty="0" smtClean="0"/>
           </a:p>
         </p:txBody>
       </p:sp>
@@ -4749,7 +5404,11 @@
           <a:p>
             <a:r>
               <a:rPr lang="hu-HU" dirty="0" smtClean="0"/>
-              <a:t>Az architektúra kiegészítése</a:t>
+              <a:t>Az architektúra </a:t>
+            </a:r>
+            <a:r>
+              <a:rPr lang="hu-HU" dirty="0" smtClean="0"/>
+              <a:t>kiegészítése</a:t>
             </a:r>
             <a:endParaRPr lang="en-US" dirty="0"/>
           </a:p>
@@ -5004,7 +5663,6 @@
               <a:rPr lang="hu-HU" dirty="0" smtClean="0"/>
               <a:t>Lekérdezések</a:t>
             </a:r>
-            <a:endParaRPr lang="hu-HU" dirty="0" smtClean="0"/>
           </a:p>
         </p:txBody>
       </p:sp>
@@ -5073,11 +5731,11 @@
             <p:nvPr/>
           </p:nvPicPr>
           <p:blipFill>
-            <a:blip r:embed="rId2" cstate="print">
+            <a:blip r:embed="rId3" cstate="print">
               <a:extLst>
                 <a:ext uri="{BEBA8EAE-BF5A-486C-A8C5-ECC9F3942E4B}">
                   <a14:imgProps xmlns:a14="http://schemas.microsoft.com/office/drawing/2010/main">
-                    <a14:imgLayer r:embed="rId3">
+                    <a14:imgLayer r:embed="rId4">
                       <a14:imgEffect>
                         <a14:backgroundRemoval t="0" b="99603" l="0" r="100000"/>
                       </a14:imgEffect>
@@ -5651,7 +6309,11 @@
           <a:p>
             <a:r>
               <a:rPr lang="hu-HU" dirty="0" smtClean="0"/>
-              <a:t>Tömörített EMF példánymodell</a:t>
+              <a:t>Tömörített EMF </a:t>
+            </a:r>
+            <a:r>
+              <a:rPr lang="hu-HU" dirty="0" smtClean="0"/>
+              <a:t>példánymodell</a:t>
             </a:r>
             <a:endParaRPr lang="hu-HU" dirty="0" smtClean="0"/>
           </a:p>
@@ -5659,19 +6321,19 @@
       </p:sp>
       <p:sp>
         <p:nvSpPr>
-          <p:cNvPr id="32" name="Rounded Rectangular Callout 31"/>
+          <p:cNvPr id="34" name="Rounded Rectangular Callout 33"/>
           <p:cNvSpPr/>
           <p:nvPr/>
         </p:nvSpPr>
         <p:spPr>
           <a:xfrm>
-            <a:off x="5090676" y="4114800"/>
-            <a:ext cx="3382247" cy="1066800"/>
+            <a:off x="2971800" y="4143200"/>
+            <a:ext cx="3279128" cy="761307"/>
           </a:xfrm>
           <a:prstGeom prst="wedgeRoundRectCallout">
             <a:avLst>
-              <a:gd name="adj1" fmla="val 1221"/>
-              <a:gd name="adj2" fmla="val -67424"/>
+              <a:gd name="adj1" fmla="val 40025"/>
+              <a:gd name="adj2" fmla="val -247673"/>
               <a:gd name="adj3" fmla="val 16667"/>
             </a:avLst>
           </a:prstGeom>
@@ -5700,7 +6362,11 @@
             </a:pPr>
             <a:r>
               <a:rPr lang="hu-HU" dirty="0" smtClean="0"/>
-              <a:t>Eclise projekteket leíró EMF példánymodell.</a:t>
+              <a:t>Modellek =&gt; </a:t>
+            </a:r>
+            <a:r>
+              <a:rPr lang="hu-HU" dirty="0" smtClean="0"/>
+              <a:t>EMF-IncQuery </a:t>
             </a:r>
             <a:endParaRPr lang="hu-HU" dirty="0" smtClean="0"/>
           </a:p>
@@ -5711,70 +6377,11 @@
             </a:pPr>
             <a:r>
               <a:rPr lang="hu-HU" dirty="0" smtClean="0"/>
-              <a:t>Inkrementális </a:t>
-            </a:r>
-            <a:r>
-              <a:rPr lang="hu-HU" dirty="0" smtClean="0"/>
-              <a:t>karbantartás.</a:t>
-            </a:r>
-            <a:endParaRPr lang="hu-HU" dirty="0" smtClean="0"/>
-          </a:p>
-        </p:txBody>
-      </p:sp>
-      <p:sp>
-        <p:nvSpPr>
-          <p:cNvPr id="34" name="Rounded Rectangular Callout 33"/>
-          <p:cNvSpPr/>
-          <p:nvPr/>
-        </p:nvSpPr>
-        <p:spPr>
-          <a:xfrm>
-            <a:off x="2971800" y="4143201"/>
-            <a:ext cx="3279128" cy="651130"/>
-          </a:xfrm>
-          <a:prstGeom prst="wedgeRoundRectCallout">
-            <a:avLst>
-              <a:gd name="adj1" fmla="val 38497"/>
-              <a:gd name="adj2" fmla="val -270708"/>
-              <a:gd name="adj3" fmla="val 16667"/>
-            </a:avLst>
-          </a:prstGeom>
-        </p:spPr>
-        <p:style>
-          <a:lnRef idx="1">
-            <a:schemeClr val="accent4"/>
-          </a:lnRef>
-          <a:fillRef idx="2">
-            <a:schemeClr val="accent4"/>
-          </a:fillRef>
-          <a:effectRef idx="1">
-            <a:schemeClr val="accent4"/>
-          </a:effectRef>
-          <a:fontRef idx="minor">
-            <a:schemeClr val="dk1"/>
-          </a:fontRef>
-        </p:style>
-        <p:txBody>
-          <a:bodyPr rtlCol="0" anchor="ctr"/>
-          <a:lstStyle/>
-          <a:p>
-            <a:pPr marL="285750" indent="-285750">
-              <a:buFont typeface="Arial" pitchFamily="34" charset="0"/>
-              <a:buChar char="•"/>
-            </a:pPr>
-            <a:r>
-              <a:rPr lang="hu-HU" dirty="0" smtClean="0"/>
-              <a:t>Modellek =&gt; EMF-IncQuery. </a:t>
-            </a:r>
-          </a:p>
-          <a:p>
-            <a:pPr marL="285750" indent="-285750">
-              <a:buFont typeface="Arial" pitchFamily="34" charset="0"/>
-              <a:buChar char="•"/>
-            </a:pPr>
-            <a:r>
-              <a:rPr lang="hu-HU" dirty="0" smtClean="0"/>
-              <a:t>Valós idejű kiértékelés.</a:t>
+              <a:t>Valós </a:t>
+            </a:r>
+            <a:r>
+              <a:rPr lang="hu-HU" dirty="0" smtClean="0"/>
+              <a:t>idejű, inkrementális kiértékelés</a:t>
             </a:r>
             <a:endParaRPr lang="hu-HU" dirty="0" smtClean="0"/>
           </a:p>
@@ -5819,7 +6426,11 @@
           <a:p>
             <a:r>
               <a:rPr lang="hu-HU" dirty="0" smtClean="0"/>
-              <a:t>Explicit lekérdezés megmarad.</a:t>
+              <a:t>Explicit lekérdezés </a:t>
+            </a:r>
+            <a:r>
+              <a:rPr lang="hu-HU" dirty="0" smtClean="0"/>
+              <a:t>megmarad</a:t>
             </a:r>
             <a:endParaRPr lang="hu-HU" dirty="0" smtClean="0"/>
           </a:p>
@@ -5878,8 +6489,91 @@
             </a:pPr>
             <a:r>
               <a:rPr lang="hu-HU" dirty="0" smtClean="0"/>
-              <a:t>Az összes elemre!</a:t>
-            </a:r>
+              <a:t>Az összes </a:t>
+            </a:r>
+            <a:r>
+              <a:rPr lang="hu-HU" dirty="0" smtClean="0"/>
+              <a:t>elemre</a:t>
+            </a:r>
+            <a:endParaRPr lang="hu-HU" dirty="0" smtClean="0"/>
+          </a:p>
+        </p:txBody>
+      </p:sp>
+      <p:sp>
+        <p:nvSpPr>
+          <p:cNvPr id="32" name="Rounded Rectangular Callout 31"/>
+          <p:cNvSpPr/>
+          <p:nvPr/>
+        </p:nvSpPr>
+        <p:spPr>
+          <a:xfrm>
+            <a:off x="5090676" y="4114800"/>
+            <a:ext cx="3382247" cy="1295400"/>
+          </a:xfrm>
+          <a:prstGeom prst="wedgeRoundRectCallout">
+            <a:avLst>
+              <a:gd name="adj1" fmla="val 1221"/>
+              <a:gd name="adj2" fmla="val -67424"/>
+              <a:gd name="adj3" fmla="val 16667"/>
+            </a:avLst>
+          </a:prstGeom>
+        </p:spPr>
+        <p:style>
+          <a:lnRef idx="1">
+            <a:schemeClr val="accent4"/>
+          </a:lnRef>
+          <a:fillRef idx="2">
+            <a:schemeClr val="accent4"/>
+          </a:fillRef>
+          <a:effectRef idx="1">
+            <a:schemeClr val="accent4"/>
+          </a:effectRef>
+          <a:fontRef idx="minor">
+            <a:schemeClr val="dk1"/>
+          </a:fontRef>
+        </p:style>
+        <p:txBody>
+          <a:bodyPr rtlCol="0" anchor="ctr"/>
+          <a:lstStyle/>
+          <a:p>
+            <a:pPr marL="285750" indent="-285750">
+              <a:buFont typeface="Arial" pitchFamily="34" charset="0"/>
+              <a:buChar char="•"/>
+            </a:pPr>
+            <a:r>
+              <a:rPr lang="hu-HU" dirty="0" smtClean="0"/>
+              <a:t>Eclise projekteket leíró EMF </a:t>
+            </a:r>
+            <a:r>
+              <a:rPr lang="hu-HU" dirty="0" smtClean="0"/>
+              <a:t>példánymodell</a:t>
+            </a:r>
+          </a:p>
+          <a:p>
+            <a:pPr marL="285750" indent="-285750">
+              <a:buFont typeface="Arial" pitchFamily="34" charset="0"/>
+              <a:buChar char="•"/>
+            </a:pPr>
+            <a:r>
+              <a:rPr lang="hu-HU" dirty="0" smtClean="0"/>
+              <a:t>Elemek 1-1 kapcsolatban  az Eclipse-el</a:t>
+            </a:r>
+            <a:endParaRPr lang="hu-HU" dirty="0" smtClean="0"/>
+          </a:p>
+          <a:p>
+            <a:pPr marL="285750" indent="-285750">
+              <a:buFont typeface="Arial" pitchFamily="34" charset="0"/>
+              <a:buChar char="•"/>
+            </a:pPr>
+            <a:r>
+              <a:rPr lang="hu-HU" dirty="0" smtClean="0"/>
+              <a:t>Inkrementális </a:t>
+            </a:r>
+            <a:r>
+              <a:rPr lang="hu-HU" dirty="0" smtClean="0"/>
+              <a:t>karbantartás</a:t>
+            </a:r>
+            <a:endParaRPr lang="hu-HU" dirty="0" smtClean="0"/>
           </a:p>
         </p:txBody>
       </p:sp>
@@ -6523,13 +7217,13 @@
       <p:bldP spid="30" grpId="0" animBg="1"/>
       <p:bldP spid="31" grpId="0" animBg="1"/>
       <p:bldP spid="31" grpId="1" animBg="1"/>
-      <p:bldP spid="32" grpId="0" animBg="1"/>
-      <p:bldP spid="32" grpId="1" animBg="1"/>
       <p:bldP spid="34" grpId="0" animBg="1"/>
       <p:bldP spid="34" grpId="1" animBg="1"/>
       <p:bldP spid="35" grpId="0" animBg="1"/>
       <p:bldP spid="35" grpId="1" animBg="1"/>
       <p:bldP spid="36" grpId="0" animBg="1"/>
+      <p:bldP spid="32" grpId="0" animBg="1"/>
+      <p:bldP spid="32" grpId="1" animBg="1"/>
     </p:bldLst>
   </p:timing>
 </p:sld>
@@ -6554,6 +7248,48 @@
       </p:grpSpPr>
       <p:sp>
         <p:nvSpPr>
+          <p:cNvPr id="24" name="Rectangle 23"/>
+          <p:cNvSpPr/>
+          <p:nvPr/>
+        </p:nvSpPr>
+        <p:spPr>
+          <a:xfrm>
+            <a:off x="6841867" y="4201733"/>
+            <a:ext cx="1644134" cy="533400"/>
+          </a:xfrm>
+          <a:prstGeom prst="rect">
+            <a:avLst/>
+          </a:prstGeom>
+        </p:spPr>
+        <p:style>
+          <a:lnRef idx="2">
+            <a:schemeClr val="accent5"/>
+          </a:lnRef>
+          <a:fillRef idx="1">
+            <a:schemeClr val="lt1"/>
+          </a:fillRef>
+          <a:effectRef idx="0">
+            <a:schemeClr val="accent5"/>
+          </a:effectRef>
+          <a:fontRef idx="minor">
+            <a:schemeClr val="dk1"/>
+          </a:fontRef>
+        </p:style>
+        <p:txBody>
+          <a:bodyPr rtlCol="0" anchor="ctr"/>
+          <a:lstStyle/>
+          <a:p>
+            <a:pPr algn="ctr"/>
+            <a:r>
+              <a:rPr lang="hu-HU" dirty="0" smtClean="0"/>
+              <a:t>NewClass</a:t>
+            </a:r>
+            <a:endParaRPr lang="en-US" dirty="0"/>
+          </a:p>
+        </p:txBody>
+      </p:sp>
+      <p:sp>
+        <p:nvSpPr>
           <p:cNvPr id="2" name="Title 1"/>
           <p:cNvSpPr>
             <a:spLocks noGrp="1"/>
@@ -6569,7 +7305,7 @@
           <a:p>
             <a:r>
               <a:rPr lang="hu-HU" dirty="0" smtClean="0"/>
-              <a:t>A modell-lekérdezések</a:t>
+              <a:t>Modell-lekérdezések</a:t>
             </a:r>
             <a:endParaRPr lang="en-US" dirty="0"/>
           </a:p>
@@ -6587,21 +7323,1268 @@
         </p:nvSpPr>
         <p:spPr/>
         <p:txBody>
-          <a:bodyPr/>
-          <a:lstStyle/>
-          <a:p>
-            <a:r>
-              <a:rPr lang="hu-HU" dirty="0" smtClean="0"/>
-              <a:t>Query explorer eredmény ide?</a:t>
+          <a:bodyPr>
+            <a:normAutofit/>
+          </a:bodyPr>
+          <a:lstStyle/>
+          <a:p>
+            <a:r>
+              <a:rPr lang="hu-HU" dirty="0" smtClean="0"/>
+              <a:t>Lekérdezések = gráfminták</a:t>
+            </a:r>
+            <a:endParaRPr lang="hu-HU" dirty="0" smtClean="0"/>
+          </a:p>
+          <a:p>
+            <a:pPr lvl="1"/>
+            <a:r>
+              <a:rPr lang="hu-HU" sz="2400" dirty="0" smtClean="0"/>
+              <a:t>IncQuery deklaratív lekérdező nyelvén </a:t>
+            </a:r>
+            <a:r>
+              <a:rPr lang="hu-HU" sz="2400" dirty="0" smtClean="0"/>
+              <a:t>megfogalmazva</a:t>
+            </a:r>
+            <a:r>
+              <a:rPr lang="hu-HU" sz="2400" dirty="0" smtClean="0"/>
+              <a:t>.</a:t>
+            </a:r>
+          </a:p>
+        </p:txBody>
+      </p:sp>
+      <p:sp>
+        <p:nvSpPr>
+          <p:cNvPr id="5" name="Rectangle 4"/>
+          <p:cNvSpPr/>
+          <p:nvPr/>
+        </p:nvSpPr>
+        <p:spPr>
+          <a:xfrm>
+            <a:off x="609600" y="2667000"/>
+            <a:ext cx="3842266" cy="3810000"/>
+          </a:xfrm>
+          <a:prstGeom prst="rect">
+            <a:avLst/>
+          </a:prstGeom>
+          <a:noFill/>
+          <a:ln w="9525">
+            <a:prstDash val="dash"/>
+          </a:ln>
+        </p:spPr>
+        <p:style>
+          <a:lnRef idx="2">
+            <a:schemeClr val="dk1"/>
+          </a:lnRef>
+          <a:fillRef idx="1">
+            <a:schemeClr val="lt1"/>
+          </a:fillRef>
+          <a:effectRef idx="0">
+            <a:schemeClr val="dk1"/>
+          </a:effectRef>
+          <a:fontRef idx="minor">
+            <a:schemeClr val="dk1"/>
+          </a:fontRef>
+        </p:style>
+        <p:txBody>
+          <a:bodyPr rtlCol="0" anchor="ctr"/>
+          <a:lstStyle/>
+          <a:p>
+            <a:pPr algn="ctr"/>
+            <a:endParaRPr lang="en-US"/>
+          </a:p>
+        </p:txBody>
+      </p:sp>
+      <p:sp>
+        <p:nvSpPr>
+          <p:cNvPr id="6" name="TextBox 5"/>
+          <p:cNvSpPr txBox="1"/>
+          <p:nvPr/>
+        </p:nvSpPr>
+        <p:spPr>
+          <a:xfrm>
+            <a:off x="609600" y="6107668"/>
+            <a:ext cx="3842265" cy="369332"/>
+          </a:xfrm>
+          <a:prstGeom prst="rect">
+            <a:avLst/>
+          </a:prstGeom>
+          <a:noFill/>
+        </p:spPr>
+        <p:txBody>
+          <a:bodyPr wrap="square" rtlCol="0">
+            <a:spAutoFit/>
+          </a:bodyPr>
+          <a:lstStyle/>
+          <a:p>
+            <a:pPr algn="ctr"/>
+            <a:r>
+              <a:rPr lang="hu-HU" dirty="0" smtClean="0"/>
+              <a:t>Függőségi példány</a:t>
+            </a:r>
+            <a:r>
+              <a:rPr lang="en-US" dirty="0" err="1" smtClean="0"/>
+              <a:t>modell</a:t>
             </a:r>
             <a:endParaRPr lang="en-US" dirty="0"/>
           </a:p>
         </p:txBody>
       </p:sp>
+      <p:sp>
+        <p:nvSpPr>
+          <p:cNvPr id="7" name="Rectangle 6"/>
+          <p:cNvSpPr/>
+          <p:nvPr/>
+        </p:nvSpPr>
+        <p:spPr>
+          <a:xfrm>
+            <a:off x="4800600" y="2667000"/>
+            <a:ext cx="3810000" cy="3810000"/>
+          </a:xfrm>
+          <a:prstGeom prst="rect">
+            <a:avLst/>
+          </a:prstGeom>
+          <a:noFill/>
+          <a:ln w="9525">
+            <a:prstDash val="dash"/>
+          </a:ln>
+        </p:spPr>
+        <p:style>
+          <a:lnRef idx="2">
+            <a:schemeClr val="dk1"/>
+          </a:lnRef>
+          <a:fillRef idx="1">
+            <a:schemeClr val="lt1"/>
+          </a:fillRef>
+          <a:effectRef idx="0">
+            <a:schemeClr val="dk1"/>
+          </a:effectRef>
+          <a:fontRef idx="minor">
+            <a:schemeClr val="dk1"/>
+          </a:fontRef>
+        </p:style>
+        <p:txBody>
+          <a:bodyPr rtlCol="0" anchor="ctr"/>
+          <a:lstStyle/>
+          <a:p>
+            <a:pPr algn="ctr"/>
+            <a:endParaRPr lang="en-US"/>
+          </a:p>
+        </p:txBody>
+      </p:sp>
+      <p:sp>
+        <p:nvSpPr>
+          <p:cNvPr id="8" name="Rectangle 7"/>
+          <p:cNvSpPr/>
+          <p:nvPr/>
+        </p:nvSpPr>
+        <p:spPr>
+          <a:xfrm>
+            <a:off x="1708666" y="2944433"/>
+            <a:ext cx="1644134" cy="533400"/>
+          </a:xfrm>
+          <a:prstGeom prst="rect">
+            <a:avLst/>
+          </a:prstGeom>
+        </p:spPr>
+        <p:style>
+          <a:lnRef idx="2">
+            <a:schemeClr val="accent1"/>
+          </a:lnRef>
+          <a:fillRef idx="1">
+            <a:schemeClr val="lt1"/>
+          </a:fillRef>
+          <a:effectRef idx="0">
+            <a:schemeClr val="accent1"/>
+          </a:effectRef>
+          <a:fontRef idx="minor">
+            <a:schemeClr val="dk1"/>
+          </a:fontRef>
+        </p:style>
+        <p:txBody>
+          <a:bodyPr rtlCol="0" anchor="ctr"/>
+          <a:lstStyle/>
+          <a:p>
+            <a:pPr algn="ctr"/>
+            <a:r>
+              <a:rPr lang="hu-HU" dirty="0" smtClean="0"/>
+              <a:t>ServiceJar</a:t>
+            </a:r>
+            <a:endParaRPr lang="en-US" dirty="0"/>
+          </a:p>
+        </p:txBody>
+      </p:sp>
+      <p:sp>
+        <p:nvSpPr>
+          <p:cNvPr id="9" name="Rectangle 8"/>
+          <p:cNvSpPr/>
+          <p:nvPr/>
+        </p:nvSpPr>
+        <p:spPr>
+          <a:xfrm>
+            <a:off x="762000" y="4148207"/>
+            <a:ext cx="1644134" cy="533400"/>
+          </a:xfrm>
+          <a:prstGeom prst="rect">
+            <a:avLst/>
+          </a:prstGeom>
+        </p:spPr>
+        <p:style>
+          <a:lnRef idx="2">
+            <a:schemeClr val="accent1"/>
+          </a:lnRef>
+          <a:fillRef idx="1">
+            <a:schemeClr val="lt1"/>
+          </a:fillRef>
+          <a:effectRef idx="0">
+            <a:schemeClr val="accent1"/>
+          </a:effectRef>
+          <a:fontRef idx="minor">
+            <a:schemeClr val="dk1"/>
+          </a:fontRef>
+        </p:style>
+        <p:txBody>
+          <a:bodyPr rtlCol="0" anchor="ctr"/>
+          <a:lstStyle/>
+          <a:p>
+            <a:pPr algn="ctr"/>
+            <a:r>
+              <a:rPr lang="hu-HU" dirty="0" smtClean="0"/>
+              <a:t>Service</a:t>
+            </a:r>
+            <a:endParaRPr lang="en-US" dirty="0"/>
+          </a:p>
+        </p:txBody>
+      </p:sp>
+      <p:sp>
+        <p:nvSpPr>
+          <p:cNvPr id="11" name="Rectangle 10"/>
+          <p:cNvSpPr/>
+          <p:nvPr/>
+        </p:nvSpPr>
+        <p:spPr>
+          <a:xfrm>
+            <a:off x="762000" y="5372100"/>
+            <a:ext cx="908565" cy="533400"/>
+          </a:xfrm>
+          <a:prstGeom prst="rect">
+            <a:avLst/>
+          </a:prstGeom>
+        </p:spPr>
+        <p:style>
+          <a:lnRef idx="2">
+            <a:schemeClr val="accent1"/>
+          </a:lnRef>
+          <a:fillRef idx="1">
+            <a:schemeClr val="lt1"/>
+          </a:fillRef>
+          <a:effectRef idx="0">
+            <a:schemeClr val="accent1"/>
+          </a:effectRef>
+          <a:fontRef idx="minor">
+            <a:schemeClr val="dk1"/>
+          </a:fontRef>
+        </p:style>
+        <p:txBody>
+          <a:bodyPr rtlCol="0" anchor="ctr"/>
+          <a:lstStyle/>
+          <a:p>
+            <a:pPr algn="ctr"/>
+            <a:r>
+              <a:rPr lang="hu-HU" dirty="0" smtClean="0"/>
+              <a:t>serve()</a:t>
+            </a:r>
+            <a:endParaRPr lang="en-US" dirty="0"/>
+          </a:p>
+        </p:txBody>
+      </p:sp>
+      <p:sp>
+        <p:nvSpPr>
+          <p:cNvPr id="12" name="Rectangle 11"/>
+          <p:cNvSpPr/>
+          <p:nvPr/>
+        </p:nvSpPr>
+        <p:spPr>
+          <a:xfrm>
+            <a:off x="2667000" y="5372100"/>
+            <a:ext cx="1066800" cy="533400"/>
+          </a:xfrm>
+          <a:prstGeom prst="rect">
+            <a:avLst/>
+          </a:prstGeom>
+        </p:spPr>
+        <p:style>
+          <a:lnRef idx="2">
+            <a:schemeClr val="accent1"/>
+          </a:lnRef>
+          <a:fillRef idx="1">
+            <a:schemeClr val="lt1"/>
+          </a:fillRef>
+          <a:effectRef idx="0">
+            <a:schemeClr val="accent1"/>
+          </a:effectRef>
+          <a:fontRef idx="minor">
+            <a:schemeClr val="dk1"/>
+          </a:fontRef>
+        </p:style>
+        <p:txBody>
+          <a:bodyPr rtlCol="0" anchor="ctr"/>
+          <a:lstStyle/>
+          <a:p>
+            <a:pPr algn="ctr"/>
+            <a:r>
+              <a:rPr lang="hu-HU" dirty="0" smtClean="0"/>
+              <a:t>doWork()</a:t>
+            </a:r>
+            <a:endParaRPr lang="en-US" dirty="0"/>
+          </a:p>
+        </p:txBody>
+      </p:sp>
+      <p:cxnSp>
+        <p:nvCxnSpPr>
+          <p:cNvPr id="17" name="Straight Arrow Connector 16"/>
+          <p:cNvCxnSpPr>
+            <a:stCxn id="8" idx="2"/>
+            <a:endCxn id="9" idx="0"/>
+          </p:cNvCxnSpPr>
+          <p:nvPr/>
+        </p:nvCxnSpPr>
+        <p:spPr>
+          <a:xfrm flipH="1">
+            <a:off x="1584067" y="3477833"/>
+            <a:ext cx="946666" cy="670374"/>
+          </a:xfrm>
+          <a:prstGeom prst="straightConnector1">
+            <a:avLst/>
+          </a:prstGeom>
+          <a:ln>
+            <a:tailEnd type="arrow"/>
+          </a:ln>
+        </p:spPr>
+        <p:style>
+          <a:lnRef idx="2">
+            <a:schemeClr val="accent1"/>
+          </a:lnRef>
+          <a:fillRef idx="1">
+            <a:schemeClr val="lt1"/>
+          </a:fillRef>
+          <a:effectRef idx="0">
+            <a:schemeClr val="accent1"/>
+          </a:effectRef>
+          <a:fontRef idx="minor">
+            <a:schemeClr val="dk1"/>
+          </a:fontRef>
+        </p:style>
+      </p:cxnSp>
+      <p:cxnSp>
+        <p:nvCxnSpPr>
+          <p:cNvPr id="21" name="Straight Arrow Connector 20"/>
+          <p:cNvCxnSpPr>
+            <a:stCxn id="12" idx="1"/>
+            <a:endCxn id="11" idx="3"/>
+          </p:cNvCxnSpPr>
+          <p:nvPr/>
+        </p:nvCxnSpPr>
+        <p:spPr>
+          <a:xfrm flipH="1">
+            <a:off x="1670565" y="5638800"/>
+            <a:ext cx="996435" cy="0"/>
+          </a:xfrm>
+          <a:prstGeom prst="straightConnector1">
+            <a:avLst/>
+          </a:prstGeom>
+          <a:ln>
+            <a:tailEnd type="arrow"/>
+          </a:ln>
+        </p:spPr>
+        <p:style>
+          <a:lnRef idx="2">
+            <a:schemeClr val="dk1"/>
+          </a:lnRef>
+          <a:fillRef idx="0">
+            <a:schemeClr val="dk1"/>
+          </a:fillRef>
+          <a:effectRef idx="1">
+            <a:schemeClr val="dk1"/>
+          </a:effectRef>
+          <a:fontRef idx="minor">
+            <a:schemeClr val="tx1"/>
+          </a:fontRef>
+        </p:style>
+      </p:cxnSp>
+      <p:sp>
+        <p:nvSpPr>
+          <p:cNvPr id="22" name="Rectangle 21"/>
+          <p:cNvSpPr/>
+          <p:nvPr/>
+        </p:nvSpPr>
+        <p:spPr>
+          <a:xfrm>
+            <a:off x="5883533" y="2993266"/>
+            <a:ext cx="1644134" cy="533400"/>
+          </a:xfrm>
+          <a:prstGeom prst="rect">
+            <a:avLst/>
+          </a:prstGeom>
+        </p:spPr>
+        <p:style>
+          <a:lnRef idx="2">
+            <a:schemeClr val="accent5"/>
+          </a:lnRef>
+          <a:fillRef idx="1">
+            <a:schemeClr val="lt1"/>
+          </a:fillRef>
+          <a:effectRef idx="0">
+            <a:schemeClr val="accent5"/>
+          </a:effectRef>
+          <a:fontRef idx="minor">
+            <a:schemeClr val="dk1"/>
+          </a:fontRef>
+        </p:style>
+        <p:txBody>
+          <a:bodyPr rtlCol="0" anchor="ctr"/>
+          <a:lstStyle/>
+          <a:p>
+            <a:pPr algn="ctr"/>
+            <a:r>
+              <a:rPr lang="hu-HU" dirty="0" smtClean="0"/>
+              <a:t>ServiceJar</a:t>
+            </a:r>
+            <a:endParaRPr lang="en-US" dirty="0"/>
+          </a:p>
+        </p:txBody>
+      </p:sp>
+      <p:sp>
+        <p:nvSpPr>
+          <p:cNvPr id="23" name="Rectangle 22"/>
+          <p:cNvSpPr/>
+          <p:nvPr/>
+        </p:nvSpPr>
+        <p:spPr>
+          <a:xfrm>
+            <a:off x="4936867" y="4197040"/>
+            <a:ext cx="1644134" cy="533400"/>
+          </a:xfrm>
+          <a:prstGeom prst="rect">
+            <a:avLst/>
+          </a:prstGeom>
+        </p:spPr>
+        <p:style>
+          <a:lnRef idx="2">
+            <a:schemeClr val="accent5"/>
+          </a:lnRef>
+          <a:fillRef idx="1">
+            <a:schemeClr val="lt1"/>
+          </a:fillRef>
+          <a:effectRef idx="0">
+            <a:schemeClr val="accent5"/>
+          </a:effectRef>
+          <a:fontRef idx="minor">
+            <a:schemeClr val="dk1"/>
+          </a:fontRef>
+        </p:style>
+        <p:txBody>
+          <a:bodyPr rtlCol="0" anchor="ctr"/>
+          <a:lstStyle/>
+          <a:p>
+            <a:pPr algn="ctr"/>
+            <a:r>
+              <a:rPr lang="hu-HU" dirty="0"/>
+              <a:t>Service</a:t>
+            </a:r>
+            <a:endParaRPr lang="en-US" dirty="0"/>
+          </a:p>
+        </p:txBody>
+      </p:sp>
+      <p:sp>
+        <p:nvSpPr>
+          <p:cNvPr id="25" name="Rectangle 24"/>
+          <p:cNvSpPr/>
+          <p:nvPr/>
+        </p:nvSpPr>
+        <p:spPr>
+          <a:xfrm>
+            <a:off x="5293667" y="5374332"/>
+            <a:ext cx="930533" cy="533400"/>
+          </a:xfrm>
+          <a:prstGeom prst="rect">
+            <a:avLst/>
+          </a:prstGeom>
+        </p:spPr>
+        <p:style>
+          <a:lnRef idx="2">
+            <a:schemeClr val="accent5"/>
+          </a:lnRef>
+          <a:fillRef idx="1">
+            <a:schemeClr val="lt1"/>
+          </a:fillRef>
+          <a:effectRef idx="0">
+            <a:schemeClr val="accent5"/>
+          </a:effectRef>
+          <a:fontRef idx="minor">
+            <a:schemeClr val="dk1"/>
+          </a:fontRef>
+        </p:style>
+        <p:txBody>
+          <a:bodyPr rtlCol="0" anchor="ctr"/>
+          <a:lstStyle/>
+          <a:p>
+            <a:pPr algn="ctr"/>
+            <a:r>
+              <a:rPr lang="hu-HU" dirty="0"/>
+              <a:t>serve()</a:t>
+            </a:r>
+            <a:endParaRPr lang="en-US" dirty="0"/>
+          </a:p>
+        </p:txBody>
+      </p:sp>
+      <p:cxnSp>
+        <p:nvCxnSpPr>
+          <p:cNvPr id="27" name="Straight Arrow Connector 26"/>
+          <p:cNvCxnSpPr>
+            <a:stCxn id="22" idx="2"/>
+            <a:endCxn id="23" idx="0"/>
+          </p:cNvCxnSpPr>
+          <p:nvPr/>
+        </p:nvCxnSpPr>
+        <p:spPr>
+          <a:xfrm flipH="1">
+            <a:off x="5758934" y="3526666"/>
+            <a:ext cx="946666" cy="670374"/>
+          </a:xfrm>
+          <a:prstGeom prst="straightConnector1">
+            <a:avLst/>
+          </a:prstGeom>
+          <a:ln>
+            <a:tailEnd type="arrow"/>
+          </a:ln>
+        </p:spPr>
+        <p:style>
+          <a:lnRef idx="2">
+            <a:schemeClr val="accent5"/>
+          </a:lnRef>
+          <a:fillRef idx="1">
+            <a:schemeClr val="lt1"/>
+          </a:fillRef>
+          <a:effectRef idx="0">
+            <a:schemeClr val="accent5"/>
+          </a:effectRef>
+          <a:fontRef idx="minor">
+            <a:schemeClr val="dk1"/>
+          </a:fontRef>
+        </p:style>
+      </p:cxnSp>
+      <p:cxnSp>
+        <p:nvCxnSpPr>
+          <p:cNvPr id="28" name="Straight Arrow Connector 27"/>
+          <p:cNvCxnSpPr>
+            <a:stCxn id="22" idx="2"/>
+            <a:endCxn id="24" idx="0"/>
+          </p:cNvCxnSpPr>
+          <p:nvPr/>
+        </p:nvCxnSpPr>
+        <p:spPr>
+          <a:xfrm>
+            <a:off x="6705600" y="3526666"/>
+            <a:ext cx="958334" cy="675067"/>
+          </a:xfrm>
+          <a:prstGeom prst="straightConnector1">
+            <a:avLst/>
+          </a:prstGeom>
+          <a:ln>
+            <a:tailEnd type="arrow"/>
+          </a:ln>
+        </p:spPr>
+        <p:style>
+          <a:lnRef idx="2">
+            <a:schemeClr val="accent5"/>
+          </a:lnRef>
+          <a:fillRef idx="1">
+            <a:schemeClr val="lt1"/>
+          </a:fillRef>
+          <a:effectRef idx="0">
+            <a:schemeClr val="accent5"/>
+          </a:effectRef>
+          <a:fontRef idx="minor">
+            <a:schemeClr val="dk1"/>
+          </a:fontRef>
+        </p:style>
+      </p:cxnSp>
+      <p:cxnSp>
+        <p:nvCxnSpPr>
+          <p:cNvPr id="30" name="Straight Arrow Connector 29"/>
+          <p:cNvCxnSpPr>
+            <a:stCxn id="9" idx="2"/>
+            <a:endCxn id="11" idx="0"/>
+          </p:cNvCxnSpPr>
+          <p:nvPr/>
+        </p:nvCxnSpPr>
+        <p:spPr>
+          <a:xfrm flipH="1">
+            <a:off x="1216283" y="4681607"/>
+            <a:ext cx="367784" cy="690493"/>
+          </a:xfrm>
+          <a:prstGeom prst="straightConnector1">
+            <a:avLst/>
+          </a:prstGeom>
+          <a:ln>
+            <a:tailEnd type="arrow"/>
+          </a:ln>
+        </p:spPr>
+        <p:style>
+          <a:lnRef idx="2">
+            <a:schemeClr val="accent1"/>
+          </a:lnRef>
+          <a:fillRef idx="1">
+            <a:schemeClr val="lt1"/>
+          </a:fillRef>
+          <a:effectRef idx="0">
+            <a:schemeClr val="accent1"/>
+          </a:effectRef>
+          <a:fontRef idx="minor">
+            <a:schemeClr val="dk1"/>
+          </a:fontRef>
+        </p:style>
+      </p:cxnSp>
+      <p:cxnSp>
+        <p:nvCxnSpPr>
+          <p:cNvPr id="33" name="Straight Arrow Connector 32"/>
+          <p:cNvCxnSpPr>
+            <a:stCxn id="23" idx="2"/>
+            <a:endCxn id="25" idx="0"/>
+          </p:cNvCxnSpPr>
+          <p:nvPr/>
+        </p:nvCxnSpPr>
+        <p:spPr>
+          <a:xfrm>
+            <a:off x="5758934" y="4730440"/>
+            <a:ext cx="0" cy="643892"/>
+          </a:xfrm>
+          <a:prstGeom prst="straightConnector1">
+            <a:avLst/>
+          </a:prstGeom>
+          <a:ln>
+            <a:tailEnd type="arrow"/>
+          </a:ln>
+        </p:spPr>
+        <p:style>
+          <a:lnRef idx="2">
+            <a:schemeClr val="accent5"/>
+          </a:lnRef>
+          <a:fillRef idx="1">
+            <a:schemeClr val="lt1"/>
+          </a:fillRef>
+          <a:effectRef idx="0">
+            <a:schemeClr val="accent5"/>
+          </a:effectRef>
+          <a:fontRef idx="minor">
+            <a:schemeClr val="dk1"/>
+          </a:fontRef>
+        </p:style>
+      </p:cxnSp>
+      <p:sp>
+        <p:nvSpPr>
+          <p:cNvPr id="37" name="TextBox 36"/>
+          <p:cNvSpPr txBox="1"/>
+          <p:nvPr/>
+        </p:nvSpPr>
+        <p:spPr>
+          <a:xfrm>
+            <a:off x="4800601" y="6107668"/>
+            <a:ext cx="3810000" cy="369332"/>
+          </a:xfrm>
+          <a:prstGeom prst="rect">
+            <a:avLst/>
+          </a:prstGeom>
+          <a:noFill/>
+        </p:spPr>
+        <p:txBody>
+          <a:bodyPr wrap="square" rtlCol="0">
+            <a:spAutoFit/>
+          </a:bodyPr>
+          <a:lstStyle/>
+          <a:p>
+            <a:pPr algn="ctr"/>
+            <a:r>
+              <a:rPr lang="hu-HU" dirty="0" smtClean="0"/>
+              <a:t>Forráskód példány</a:t>
+            </a:r>
+            <a:r>
+              <a:rPr lang="en-US" dirty="0" err="1" smtClean="0"/>
+              <a:t>modell</a:t>
+            </a:r>
+            <a:endParaRPr lang="en-US" dirty="0"/>
+          </a:p>
+        </p:txBody>
+      </p:sp>
+      <p:grpSp>
+        <p:nvGrpSpPr>
+          <p:cNvPr id="50" name="Group 49"/>
+          <p:cNvGrpSpPr/>
+          <p:nvPr/>
+        </p:nvGrpSpPr>
+        <p:grpSpPr>
+          <a:xfrm>
+            <a:off x="1524000" y="2743200"/>
+            <a:ext cx="6139934" cy="935866"/>
+            <a:chOff x="1524000" y="2797934"/>
+            <a:chExt cx="6139934" cy="935866"/>
+          </a:xfrm>
+        </p:grpSpPr>
+        <p:sp>
+          <p:nvSpPr>
+            <p:cNvPr id="38" name="Rectangle 37"/>
+            <p:cNvSpPr/>
+            <p:nvPr/>
+          </p:nvSpPr>
+          <p:spPr>
+            <a:xfrm>
+              <a:off x="1524000" y="2797934"/>
+              <a:ext cx="6139934" cy="935866"/>
+            </a:xfrm>
+            <a:prstGeom prst="rect">
+              <a:avLst/>
+            </a:prstGeom>
+            <a:noFill/>
+            <a:ln>
+              <a:solidFill>
+                <a:srgbClr val="FF0000"/>
+              </a:solidFill>
+            </a:ln>
+          </p:spPr>
+          <p:style>
+            <a:lnRef idx="2">
+              <a:schemeClr val="accent1">
+                <a:shade val="50000"/>
+              </a:schemeClr>
+            </a:lnRef>
+            <a:fillRef idx="1">
+              <a:schemeClr val="accent1"/>
+            </a:fillRef>
+            <a:effectRef idx="0">
+              <a:schemeClr val="accent1"/>
+            </a:effectRef>
+            <a:fontRef idx="minor">
+              <a:schemeClr val="lt1"/>
+            </a:fontRef>
+          </p:style>
+          <p:txBody>
+            <a:bodyPr rtlCol="0" anchor="ctr"/>
+            <a:lstStyle/>
+            <a:p>
+              <a:pPr algn="ctr"/>
+              <a:endParaRPr lang="en-US"/>
+            </a:p>
+          </p:txBody>
+        </p:sp>
+        <p:sp>
+          <p:nvSpPr>
+            <p:cNvPr id="39" name="Rectangle 38"/>
+            <p:cNvSpPr/>
+            <p:nvPr/>
+          </p:nvSpPr>
+          <p:spPr>
+            <a:xfrm>
+              <a:off x="1708665" y="2999167"/>
+              <a:ext cx="1644134" cy="533400"/>
+            </a:xfrm>
+            <a:prstGeom prst="rect">
+              <a:avLst/>
+            </a:prstGeom>
+            <a:noFill/>
+            <a:ln>
+              <a:solidFill>
+                <a:srgbClr val="FF0000"/>
+              </a:solidFill>
+            </a:ln>
+          </p:spPr>
+          <p:style>
+            <a:lnRef idx="2">
+              <a:schemeClr val="accent1"/>
+            </a:lnRef>
+            <a:fillRef idx="1">
+              <a:schemeClr val="lt1"/>
+            </a:fillRef>
+            <a:effectRef idx="0">
+              <a:schemeClr val="accent1"/>
+            </a:effectRef>
+            <a:fontRef idx="minor">
+              <a:schemeClr val="dk1"/>
+            </a:fontRef>
+          </p:style>
+          <p:txBody>
+            <a:bodyPr rtlCol="0" anchor="ctr"/>
+            <a:lstStyle/>
+            <a:p>
+              <a:pPr algn="ctr"/>
+              <a:endParaRPr lang="en-US" dirty="0"/>
+            </a:p>
+          </p:txBody>
+        </p:sp>
+        <p:sp>
+          <p:nvSpPr>
+            <p:cNvPr id="43" name="Rectangle 42"/>
+            <p:cNvSpPr/>
+            <p:nvPr/>
+          </p:nvSpPr>
+          <p:spPr>
+            <a:xfrm>
+              <a:off x="5883533" y="3048000"/>
+              <a:ext cx="1644134" cy="533400"/>
+            </a:xfrm>
+            <a:prstGeom prst="rect">
+              <a:avLst/>
+            </a:prstGeom>
+            <a:noFill/>
+            <a:ln>
+              <a:solidFill>
+                <a:srgbClr val="FF0000"/>
+              </a:solidFill>
+            </a:ln>
+          </p:spPr>
+          <p:style>
+            <a:lnRef idx="2">
+              <a:schemeClr val="accent1"/>
+            </a:lnRef>
+            <a:fillRef idx="1">
+              <a:schemeClr val="lt1"/>
+            </a:fillRef>
+            <a:effectRef idx="0">
+              <a:schemeClr val="accent1"/>
+            </a:effectRef>
+            <a:fontRef idx="minor">
+              <a:schemeClr val="dk1"/>
+            </a:fontRef>
+          </p:style>
+          <p:txBody>
+            <a:bodyPr rtlCol="0" anchor="ctr"/>
+            <a:lstStyle/>
+            <a:p>
+              <a:pPr algn="ctr"/>
+              <a:endParaRPr lang="en-US" dirty="0"/>
+            </a:p>
+          </p:txBody>
+        </p:sp>
+        <p:sp>
+          <p:nvSpPr>
+            <p:cNvPr id="49" name="TextBox 48"/>
+            <p:cNvSpPr txBox="1"/>
+            <p:nvPr/>
+          </p:nvSpPr>
+          <p:spPr>
+            <a:xfrm>
+              <a:off x="4064600" y="3442900"/>
+              <a:ext cx="1286217" cy="276999"/>
+            </a:xfrm>
+            <a:prstGeom prst="rect">
+              <a:avLst/>
+            </a:prstGeom>
+            <a:noFill/>
+          </p:spPr>
+          <p:txBody>
+            <a:bodyPr wrap="square" rtlCol="0">
+              <a:spAutoFit/>
+            </a:bodyPr>
+            <a:lstStyle/>
+            <a:p>
+              <a:pPr algn="just"/>
+              <a:r>
+                <a:rPr lang="hu-HU" sz="1200" dirty="0" smtClean="0">
+                  <a:solidFill>
+                    <a:srgbClr val="FF0000"/>
+                  </a:solidFill>
+                </a:rPr>
+                <a:t>joinProject</a:t>
+              </a:r>
+              <a:endParaRPr lang="en-US" dirty="0">
+                <a:solidFill>
+                  <a:srgbClr val="FF0000"/>
+                </a:solidFill>
+              </a:endParaRPr>
+            </a:p>
+          </p:txBody>
+        </p:sp>
+      </p:grpSp>
+      <p:grpSp>
+        <p:nvGrpSpPr>
+          <p:cNvPr id="51" name="Group 50"/>
+          <p:cNvGrpSpPr/>
+          <p:nvPr/>
+        </p:nvGrpSpPr>
+        <p:grpSpPr>
+          <a:xfrm>
+            <a:off x="2482932" y="3954083"/>
+            <a:ext cx="6139934" cy="959747"/>
+            <a:chOff x="1524000" y="2797934"/>
+            <a:chExt cx="6139934" cy="959747"/>
+          </a:xfrm>
+        </p:grpSpPr>
+        <p:sp>
+          <p:nvSpPr>
+            <p:cNvPr id="52" name="Rectangle 51"/>
+            <p:cNvSpPr/>
+            <p:nvPr/>
+          </p:nvSpPr>
+          <p:spPr>
+            <a:xfrm>
+              <a:off x="1524000" y="2797934"/>
+              <a:ext cx="6139934" cy="935866"/>
+            </a:xfrm>
+            <a:prstGeom prst="rect">
+              <a:avLst/>
+            </a:prstGeom>
+            <a:noFill/>
+            <a:ln>
+              <a:solidFill>
+                <a:srgbClr val="FF0000"/>
+              </a:solidFill>
+            </a:ln>
+          </p:spPr>
+          <p:style>
+            <a:lnRef idx="2">
+              <a:schemeClr val="accent1">
+                <a:shade val="50000"/>
+              </a:schemeClr>
+            </a:lnRef>
+            <a:fillRef idx="1">
+              <a:schemeClr val="accent1"/>
+            </a:fillRef>
+            <a:effectRef idx="0">
+              <a:schemeClr val="accent1"/>
+            </a:effectRef>
+            <a:fontRef idx="minor">
+              <a:schemeClr val="lt1"/>
+            </a:fontRef>
+          </p:style>
+          <p:txBody>
+            <a:bodyPr rtlCol="0" anchor="ctr"/>
+            <a:lstStyle/>
+            <a:p>
+              <a:pPr algn="ctr"/>
+              <a:endParaRPr lang="en-US"/>
+            </a:p>
+          </p:txBody>
+        </p:sp>
+        <p:sp>
+          <p:nvSpPr>
+            <p:cNvPr id="53" name="Rectangle 52"/>
+            <p:cNvSpPr/>
+            <p:nvPr/>
+          </p:nvSpPr>
+          <p:spPr>
+            <a:xfrm>
+              <a:off x="1708665" y="2999167"/>
+              <a:ext cx="1644134" cy="533400"/>
+            </a:xfrm>
+            <a:prstGeom prst="rect">
+              <a:avLst/>
+            </a:prstGeom>
+            <a:noFill/>
+            <a:ln>
+              <a:solidFill>
+                <a:srgbClr val="FF0000"/>
+              </a:solidFill>
+              <a:prstDash val="dash"/>
+            </a:ln>
+          </p:spPr>
+          <p:style>
+            <a:lnRef idx="2">
+              <a:schemeClr val="accent1"/>
+            </a:lnRef>
+            <a:fillRef idx="1">
+              <a:schemeClr val="lt1"/>
+            </a:fillRef>
+            <a:effectRef idx="0">
+              <a:schemeClr val="accent1"/>
+            </a:effectRef>
+            <a:fontRef idx="minor">
+              <a:schemeClr val="dk1"/>
+            </a:fontRef>
+          </p:style>
+          <p:txBody>
+            <a:bodyPr rtlCol="0" anchor="ctr"/>
+            <a:lstStyle/>
+            <a:p>
+              <a:pPr algn="ctr"/>
+              <a:endParaRPr lang="en-US" dirty="0"/>
+            </a:p>
+          </p:txBody>
+        </p:sp>
+        <p:sp>
+          <p:nvSpPr>
+            <p:cNvPr id="54" name="Rectangle 53"/>
+            <p:cNvSpPr/>
+            <p:nvPr/>
+          </p:nvSpPr>
+          <p:spPr>
+            <a:xfrm>
+              <a:off x="5883533" y="3048000"/>
+              <a:ext cx="1644134" cy="533400"/>
+            </a:xfrm>
+            <a:prstGeom prst="rect">
+              <a:avLst/>
+            </a:prstGeom>
+            <a:noFill/>
+            <a:ln>
+              <a:solidFill>
+                <a:srgbClr val="FF0000"/>
+              </a:solidFill>
+            </a:ln>
+          </p:spPr>
+          <p:style>
+            <a:lnRef idx="2">
+              <a:schemeClr val="accent1"/>
+            </a:lnRef>
+            <a:fillRef idx="1">
+              <a:schemeClr val="lt1"/>
+            </a:fillRef>
+            <a:effectRef idx="0">
+              <a:schemeClr val="accent1"/>
+            </a:effectRef>
+            <a:fontRef idx="minor">
+              <a:schemeClr val="dk1"/>
+            </a:fontRef>
+          </p:style>
+          <p:txBody>
+            <a:bodyPr rtlCol="0" anchor="ctr"/>
+            <a:lstStyle/>
+            <a:p>
+              <a:pPr algn="ctr"/>
+              <a:endParaRPr lang="en-US" dirty="0"/>
+            </a:p>
+          </p:txBody>
+        </p:sp>
+        <p:sp>
+          <p:nvSpPr>
+            <p:cNvPr id="55" name="TextBox 54"/>
+            <p:cNvSpPr txBox="1"/>
+            <p:nvPr/>
+          </p:nvSpPr>
+          <p:spPr>
+            <a:xfrm>
+              <a:off x="3266299" y="3480682"/>
+              <a:ext cx="1286217" cy="276999"/>
+            </a:xfrm>
+            <a:prstGeom prst="rect">
+              <a:avLst/>
+            </a:prstGeom>
+            <a:noFill/>
+          </p:spPr>
+          <p:txBody>
+            <a:bodyPr wrap="square" rtlCol="0">
+              <a:spAutoFit/>
+            </a:bodyPr>
+            <a:lstStyle/>
+            <a:p>
+              <a:pPr algn="just"/>
+              <a:r>
+                <a:rPr lang="hu-HU" sz="1200" dirty="0" smtClean="0">
+                  <a:solidFill>
+                    <a:srgbClr val="FF0000"/>
+                  </a:solidFill>
+                </a:rPr>
+                <a:t>addedClass</a:t>
+              </a:r>
+              <a:endParaRPr lang="en-US" dirty="0">
+                <a:solidFill>
+                  <a:srgbClr val="FF0000"/>
+                </a:solidFill>
+              </a:endParaRPr>
+            </a:p>
+          </p:txBody>
+        </p:sp>
+      </p:grpSp>
+      <p:grpSp>
+        <p:nvGrpSpPr>
+          <p:cNvPr id="56" name="Group 55"/>
+          <p:cNvGrpSpPr/>
+          <p:nvPr/>
+        </p:nvGrpSpPr>
+        <p:grpSpPr>
+          <a:xfrm>
+            <a:off x="701933" y="5154734"/>
+            <a:ext cx="6226431" cy="935866"/>
+            <a:chOff x="1524000" y="2797934"/>
+            <a:chExt cx="6226431" cy="935866"/>
+          </a:xfrm>
+        </p:grpSpPr>
+        <p:sp>
+          <p:nvSpPr>
+            <p:cNvPr id="57" name="Rectangle 56"/>
+            <p:cNvSpPr/>
+            <p:nvPr/>
+          </p:nvSpPr>
+          <p:spPr>
+            <a:xfrm>
+              <a:off x="1524000" y="2797934"/>
+              <a:ext cx="6139934" cy="935866"/>
+            </a:xfrm>
+            <a:prstGeom prst="rect">
+              <a:avLst/>
+            </a:prstGeom>
+            <a:noFill/>
+            <a:ln>
+              <a:solidFill>
+                <a:srgbClr val="FF0000"/>
+              </a:solidFill>
+            </a:ln>
+          </p:spPr>
+          <p:style>
+            <a:lnRef idx="2">
+              <a:schemeClr val="accent1">
+                <a:shade val="50000"/>
+              </a:schemeClr>
+            </a:lnRef>
+            <a:fillRef idx="1">
+              <a:schemeClr val="accent1"/>
+            </a:fillRef>
+            <a:effectRef idx="0">
+              <a:schemeClr val="accent1"/>
+            </a:effectRef>
+            <a:fontRef idx="minor">
+              <a:schemeClr val="lt1"/>
+            </a:fontRef>
+          </p:style>
+          <p:txBody>
+            <a:bodyPr rtlCol="0" anchor="ctr"/>
+            <a:lstStyle/>
+            <a:p>
+              <a:pPr algn="ctr"/>
+              <a:endParaRPr lang="en-US"/>
+            </a:p>
+          </p:txBody>
+        </p:sp>
+        <p:sp>
+          <p:nvSpPr>
+            <p:cNvPr id="58" name="Rectangle 57"/>
+            <p:cNvSpPr/>
+            <p:nvPr/>
+          </p:nvSpPr>
+          <p:spPr>
+            <a:xfrm>
+              <a:off x="3489067" y="3015299"/>
+              <a:ext cx="1066800" cy="533401"/>
+            </a:xfrm>
+            <a:prstGeom prst="rect">
+              <a:avLst/>
+            </a:prstGeom>
+            <a:noFill/>
+            <a:ln>
+              <a:solidFill>
+                <a:srgbClr val="FF0000"/>
+              </a:solidFill>
+              <a:prstDash val="solid"/>
+            </a:ln>
+          </p:spPr>
+          <p:style>
+            <a:lnRef idx="2">
+              <a:schemeClr val="accent1"/>
+            </a:lnRef>
+            <a:fillRef idx="1">
+              <a:schemeClr val="lt1"/>
+            </a:fillRef>
+            <a:effectRef idx="0">
+              <a:schemeClr val="accent1"/>
+            </a:effectRef>
+            <a:fontRef idx="minor">
+              <a:schemeClr val="dk1"/>
+            </a:fontRef>
+          </p:style>
+          <p:txBody>
+            <a:bodyPr rtlCol="0" anchor="ctr"/>
+            <a:lstStyle/>
+            <a:p>
+              <a:pPr algn="ctr"/>
+              <a:endParaRPr lang="en-US" dirty="0"/>
+            </a:p>
+          </p:txBody>
+        </p:sp>
+        <p:sp>
+          <p:nvSpPr>
+            <p:cNvPr id="59" name="Rectangle 58"/>
+            <p:cNvSpPr/>
+            <p:nvPr/>
+          </p:nvSpPr>
+          <p:spPr>
+            <a:xfrm>
+              <a:off x="6114275" y="3017532"/>
+              <a:ext cx="930533" cy="531168"/>
+            </a:xfrm>
+            <a:prstGeom prst="rect">
+              <a:avLst/>
+            </a:prstGeom>
+            <a:noFill/>
+            <a:ln>
+              <a:solidFill>
+                <a:srgbClr val="FF0000"/>
+              </a:solidFill>
+            </a:ln>
+          </p:spPr>
+          <p:style>
+            <a:lnRef idx="2">
+              <a:schemeClr val="accent1"/>
+            </a:lnRef>
+            <a:fillRef idx="1">
+              <a:schemeClr val="lt1"/>
+            </a:fillRef>
+            <a:effectRef idx="0">
+              <a:schemeClr val="accent1"/>
+            </a:effectRef>
+            <a:fontRef idx="minor">
+              <a:schemeClr val="dk1"/>
+            </a:fontRef>
+          </p:style>
+          <p:txBody>
+            <a:bodyPr rtlCol="0" anchor="ctr"/>
+            <a:lstStyle/>
+            <a:p>
+              <a:pPr algn="ctr"/>
+              <a:endParaRPr lang="en-US" dirty="0"/>
+            </a:p>
+          </p:txBody>
+        </p:sp>
+        <p:sp>
+          <p:nvSpPr>
+            <p:cNvPr id="60" name="TextBox 59"/>
+            <p:cNvSpPr txBox="1"/>
+            <p:nvPr/>
+          </p:nvSpPr>
+          <p:spPr>
+            <a:xfrm>
+              <a:off x="2492632" y="3456801"/>
+              <a:ext cx="5257799" cy="276999"/>
+            </a:xfrm>
+            <a:prstGeom prst="rect">
+              <a:avLst/>
+            </a:prstGeom>
+            <a:noFill/>
+          </p:spPr>
+          <p:txBody>
+            <a:bodyPr wrap="square" rtlCol="0">
+              <a:spAutoFit/>
+            </a:bodyPr>
+            <a:lstStyle/>
+            <a:p>
+              <a:pPr algn="ctr"/>
+              <a:r>
+                <a:rPr lang="hu-HU" sz="1200" dirty="0" smtClean="0">
+                  <a:solidFill>
+                    <a:srgbClr val="FF0000"/>
+                  </a:solidFill>
+                </a:rPr>
+                <a:t>incomingMCall</a:t>
+              </a:r>
+              <a:endParaRPr lang="en-US" sz="1200" dirty="0">
+                <a:solidFill>
+                  <a:srgbClr val="FF0000"/>
+                </a:solidFill>
+              </a:endParaRPr>
+            </a:p>
+          </p:txBody>
+        </p:sp>
+      </p:grpSp>
     </p:spTree>
     <p:extLst>
       <p:ext uri="{BB962C8B-B14F-4D97-AF65-F5344CB8AC3E}">
-        <p14:creationId xmlns:p14="http://schemas.microsoft.com/office/powerpoint/2010/main" val="663010118"/>
+        <p14:creationId xmlns:p14="http://schemas.microsoft.com/office/powerpoint/2010/main" val="1158459625"/>
       </p:ext>
     </p:extLst>
   </p:cSld>
@@ -6611,7 +8594,219 @@
   <p:timing>
     <p:tnLst>
       <p:par>
-        <p:cTn id="1" dur="indefinite" restart="never" nodeType="tmRoot"/>
+        <p:cTn id="1" dur="indefinite" restart="never" nodeType="tmRoot">
+          <p:childTnLst>
+            <p:seq concurrent="1" nextAc="seek">
+              <p:cTn id="2" dur="indefinite" nodeType="mainSeq">
+                <p:childTnLst>
+                  <p:par>
+                    <p:cTn id="3" fill="hold">
+                      <p:stCondLst>
+                        <p:cond delay="indefinite"/>
+                      </p:stCondLst>
+                      <p:childTnLst>
+                        <p:par>
+                          <p:cTn id="4" fill="hold">
+                            <p:stCondLst>
+                              <p:cond delay="0"/>
+                            </p:stCondLst>
+                            <p:childTnLst>
+                              <p:par>
+                                <p:cTn id="5" presetID="1" presetClass="entr" presetSubtype="0" fill="hold" nodeType="clickEffect">
+                                  <p:stCondLst>
+                                    <p:cond delay="0"/>
+                                  </p:stCondLst>
+                                  <p:childTnLst>
+                                    <p:set>
+                                      <p:cBhvr>
+                                        <p:cTn id="6" dur="1" fill="hold">
+                                          <p:stCondLst>
+                                            <p:cond delay="0"/>
+                                          </p:stCondLst>
+                                        </p:cTn>
+                                        <p:tgtEl>
+                                          <p:spTgt spid="50"/>
+                                        </p:tgtEl>
+                                        <p:attrNameLst>
+                                          <p:attrName>style.visibility</p:attrName>
+                                        </p:attrNameLst>
+                                      </p:cBhvr>
+                                      <p:to>
+                                        <p:strVal val="visible"/>
+                                      </p:to>
+                                    </p:set>
+                                  </p:childTnLst>
+                                </p:cTn>
+                              </p:par>
+                            </p:childTnLst>
+                          </p:cTn>
+                        </p:par>
+                      </p:childTnLst>
+                    </p:cTn>
+                  </p:par>
+                  <p:par>
+                    <p:cTn id="7" fill="hold">
+                      <p:stCondLst>
+                        <p:cond delay="indefinite"/>
+                      </p:stCondLst>
+                      <p:childTnLst>
+                        <p:par>
+                          <p:cTn id="8" fill="hold">
+                            <p:stCondLst>
+                              <p:cond delay="0"/>
+                            </p:stCondLst>
+                            <p:childTnLst>
+                              <p:par>
+                                <p:cTn id="9" presetID="1" presetClass="exit" presetSubtype="0" fill="hold" nodeType="clickEffect">
+                                  <p:stCondLst>
+                                    <p:cond delay="0"/>
+                                  </p:stCondLst>
+                                  <p:childTnLst>
+                                    <p:set>
+                                      <p:cBhvr>
+                                        <p:cTn id="10" dur="1" fill="hold">
+                                          <p:stCondLst>
+                                            <p:cond delay="0"/>
+                                          </p:stCondLst>
+                                        </p:cTn>
+                                        <p:tgtEl>
+                                          <p:spTgt spid="50"/>
+                                        </p:tgtEl>
+                                        <p:attrNameLst>
+                                          <p:attrName>style.visibility</p:attrName>
+                                        </p:attrNameLst>
+                                      </p:cBhvr>
+                                      <p:to>
+                                        <p:strVal val="hidden"/>
+                                      </p:to>
+                                    </p:set>
+                                  </p:childTnLst>
+                                </p:cTn>
+                              </p:par>
+                              <p:par>
+                                <p:cTn id="11" presetID="1" presetClass="entr" presetSubtype="0" fill="hold" nodeType="withEffect">
+                                  <p:stCondLst>
+                                    <p:cond delay="0"/>
+                                  </p:stCondLst>
+                                  <p:childTnLst>
+                                    <p:set>
+                                      <p:cBhvr>
+                                        <p:cTn id="12" dur="1" fill="hold">
+                                          <p:stCondLst>
+                                            <p:cond delay="0"/>
+                                          </p:stCondLst>
+                                        </p:cTn>
+                                        <p:tgtEl>
+                                          <p:spTgt spid="51"/>
+                                        </p:tgtEl>
+                                        <p:attrNameLst>
+                                          <p:attrName>style.visibility</p:attrName>
+                                        </p:attrNameLst>
+                                      </p:cBhvr>
+                                      <p:to>
+                                        <p:strVal val="visible"/>
+                                      </p:to>
+                                    </p:set>
+                                  </p:childTnLst>
+                                </p:cTn>
+                              </p:par>
+                            </p:childTnLst>
+                          </p:cTn>
+                        </p:par>
+                      </p:childTnLst>
+                    </p:cTn>
+                  </p:par>
+                  <p:par>
+                    <p:cTn id="13" fill="hold">
+                      <p:stCondLst>
+                        <p:cond delay="indefinite"/>
+                      </p:stCondLst>
+                      <p:childTnLst>
+                        <p:par>
+                          <p:cTn id="14" fill="hold">
+                            <p:stCondLst>
+                              <p:cond delay="0"/>
+                            </p:stCondLst>
+                            <p:childTnLst>
+                              <p:par>
+                                <p:cTn id="15" presetID="1" presetClass="exit" presetSubtype="0" fill="hold" nodeType="clickEffect">
+                                  <p:stCondLst>
+                                    <p:cond delay="0"/>
+                                  </p:stCondLst>
+                                  <p:childTnLst>
+                                    <p:set>
+                                      <p:cBhvr>
+                                        <p:cTn id="16" dur="1" fill="hold">
+                                          <p:stCondLst>
+                                            <p:cond delay="0"/>
+                                          </p:stCondLst>
+                                        </p:cTn>
+                                        <p:tgtEl>
+                                          <p:spTgt spid="51"/>
+                                        </p:tgtEl>
+                                        <p:attrNameLst>
+                                          <p:attrName>style.visibility</p:attrName>
+                                        </p:attrNameLst>
+                                      </p:cBhvr>
+                                      <p:to>
+                                        <p:strVal val="hidden"/>
+                                      </p:to>
+                                    </p:set>
+                                  </p:childTnLst>
+                                </p:cTn>
+                              </p:par>
+                              <p:par>
+                                <p:cTn id="17" presetID="1" presetClass="entr" presetSubtype="0" fill="hold" nodeType="withEffect">
+                                  <p:stCondLst>
+                                    <p:cond delay="0"/>
+                                  </p:stCondLst>
+                                  <p:childTnLst>
+                                    <p:set>
+                                      <p:cBhvr>
+                                        <p:cTn id="18" dur="1" fill="hold">
+                                          <p:stCondLst>
+                                            <p:cond delay="0"/>
+                                          </p:stCondLst>
+                                        </p:cTn>
+                                        <p:tgtEl>
+                                          <p:spTgt spid="56"/>
+                                        </p:tgtEl>
+                                        <p:attrNameLst>
+                                          <p:attrName>style.visibility</p:attrName>
+                                        </p:attrNameLst>
+                                      </p:cBhvr>
+                                      <p:to>
+                                        <p:strVal val="visible"/>
+                                      </p:to>
+                                    </p:set>
+                                  </p:childTnLst>
+                                </p:cTn>
+                              </p:par>
+                            </p:childTnLst>
+                          </p:cTn>
+                        </p:par>
+                      </p:childTnLst>
+                    </p:cTn>
+                  </p:par>
+                </p:childTnLst>
+              </p:cTn>
+              <p:prevCondLst>
+                <p:cond evt="onPrev" delay="0">
+                  <p:tgtEl>
+                    <p:sldTgt/>
+                  </p:tgtEl>
+                </p:cond>
+              </p:prevCondLst>
+              <p:nextCondLst>
+                <p:cond evt="onNext" delay="0">
+                  <p:tgtEl>
+                    <p:sldTgt/>
+                  </p:tgtEl>
+                </p:cond>
+              </p:nextCondLst>
+            </p:seq>
+          </p:childTnLst>
+        </p:cTn>
       </p:par>
     </p:tnLst>
   </p:timing>
@@ -6652,7 +8847,7 @@
           <a:p>
             <a:r>
               <a:rPr lang="hu-HU" dirty="0" smtClean="0"/>
-              <a:t>A rendszer teljesítménye</a:t>
+              <a:t>A modell-lekérdezések</a:t>
             </a:r>
             <a:endParaRPr lang="en-US" dirty="0"/>
           </a:p>
@@ -6660,31 +8855,426 @@
       </p:sp>
       <p:sp>
         <p:nvSpPr>
-          <p:cNvPr id="3" name="Text Placeholder 2"/>
+          <p:cNvPr id="8" name="Content Placeholder 7"/>
           <p:cNvSpPr>
             <a:spLocks noGrp="1"/>
           </p:cNvSpPr>
           <p:nvPr>
-            <p:ph type="body" idx="1"/>
+            <p:ph sz="half" idx="1"/>
           </p:nvPr>
         </p:nvSpPr>
         <p:spPr/>
         <p:txBody>
-          <a:bodyPr/>
-          <a:lstStyle/>
-          <a:p>
-            <a:r>
-              <a:rPr lang="hu-HU" dirty="0" smtClean="0"/>
-              <a:t>Teljesítményanalízis</a:t>
-            </a:r>
+          <a:bodyPr>
+            <a:normAutofit fontScale="62500" lnSpcReduction="20000"/>
+          </a:bodyPr>
+          <a:lstStyle/>
+          <a:p>
+            <a:r>
+              <a:rPr lang="hu-HU" dirty="0" smtClean="0"/>
+              <a:t>Lekérdezés lépései: </a:t>
+            </a:r>
+          </a:p>
+          <a:p>
+            <a:pPr marL="914400" lvl="1" indent="-457200">
+              <a:buFont typeface="+mj-lt"/>
+              <a:buAutoNum type="arabicPeriod"/>
+            </a:pPr>
+            <a:r>
+              <a:rPr lang="hu-HU" dirty="0" smtClean="0"/>
+              <a:t>Inicializálás (példánymodellek + lekérdezések)</a:t>
+            </a:r>
+          </a:p>
+          <a:p>
+            <a:pPr marL="914400" lvl="1" indent="-457200">
+              <a:buFont typeface="+mj-lt"/>
+              <a:buAutoNum type="arabicPeriod"/>
+            </a:pPr>
+            <a:r>
+              <a:rPr lang="hu-HU" dirty="0" smtClean="0"/>
+              <a:t>Kiértékelés</a:t>
+            </a:r>
+          </a:p>
+          <a:p>
+            <a:pPr marL="914400" lvl="1" indent="-457200">
+              <a:buFont typeface="+mj-lt"/>
+              <a:buAutoNum type="arabicPeriod"/>
+            </a:pPr>
+            <a:r>
+              <a:rPr lang="hu-HU" dirty="0" smtClean="0"/>
+              <a:t>Frissítés (forráskód=&gt;modell=&gt;eredmény automatikusan)</a:t>
+            </a:r>
+          </a:p>
+          <a:p>
+            <a:pPr marL="514350" indent="-457200"/>
+            <a:r>
+              <a:rPr lang="hu-HU" dirty="0" smtClean="0"/>
+              <a:t>Eredmény:</a:t>
+            </a:r>
+          </a:p>
+          <a:p>
+            <a:pPr marL="914400" lvl="1" indent="-457200"/>
+            <a:r>
+              <a:rPr lang="hu-HU" dirty="0" smtClean="0"/>
+              <a:t>Függőségi viszonyok az </a:t>
+            </a:r>
+            <a:r>
+              <a:rPr lang="hu-HU" b="1" dirty="0" smtClean="0"/>
+              <a:t>összes objektumra</a:t>
+            </a:r>
+          </a:p>
+          <a:p>
+            <a:pPr marL="914400" lvl="1" indent="-457200"/>
+            <a:r>
+              <a:rPr lang="hu-HU" dirty="0" smtClean="0"/>
+              <a:t>Automatikusan és gyorsan frissül</a:t>
+            </a:r>
+          </a:p>
+          <a:p>
+            <a:pPr marL="914400" lvl="1" indent="-457200"/>
+            <a:r>
+              <a:rPr lang="hu-HU" dirty="0" smtClean="0"/>
+              <a:t>Nem 100%-os precizitás</a:t>
+            </a:r>
+          </a:p>
+          <a:p>
+            <a:pPr marL="914400" lvl="1" indent="-457200"/>
+            <a:r>
+              <a:rPr lang="hu-HU" dirty="0" smtClean="0"/>
+              <a:t>Kimenet: EMF objektumok</a:t>
+            </a:r>
+          </a:p>
+          <a:p>
+            <a:pPr marL="914400" lvl="1" indent="-457200"/>
+            <a:endParaRPr lang="hu-HU" dirty="0" smtClean="0"/>
+          </a:p>
+          <a:p>
+            <a:pPr marL="514350" indent="-457200"/>
+            <a:r>
+              <a:rPr lang="hu-HU" dirty="0" smtClean="0"/>
+              <a:t>Hátralevő feladat: teljesebb Eclipse integráció</a:t>
+            </a:r>
+          </a:p>
+          <a:p>
+            <a:pPr marL="914400" lvl="1" indent="-457200"/>
+            <a:r>
+              <a:rPr lang="hu-HU" dirty="0" smtClean="0"/>
+              <a:t>Eredmények View-okban</a:t>
+            </a:r>
+          </a:p>
+          <a:p>
+            <a:pPr marL="914400" lvl="1" indent="-457200"/>
+            <a:r>
+              <a:rPr lang="hu-HU" dirty="0" smtClean="0"/>
+              <a:t>JDT validációk</a:t>
+            </a:r>
+          </a:p>
+        </p:txBody>
+      </p:sp>
+      <p:sp>
+        <p:nvSpPr>
+          <p:cNvPr id="9" name="Content Placeholder 8"/>
+          <p:cNvSpPr>
+            <a:spLocks noGrp="1"/>
+          </p:cNvSpPr>
+          <p:nvPr>
+            <p:ph sz="half" idx="2"/>
+          </p:nvPr>
+        </p:nvSpPr>
+        <p:spPr/>
+        <p:txBody>
+          <a:bodyPr>
+            <a:normAutofit fontScale="62500" lnSpcReduction="20000"/>
+          </a:bodyPr>
+          <a:lstStyle/>
+          <a:p>
+            <a:pPr marL="0" indent="0">
+              <a:buNone/>
+            </a:pPr>
             <a:endParaRPr lang="en-US" dirty="0"/>
           </a:p>
         </p:txBody>
       </p:sp>
+      <p:pic>
+        <p:nvPicPr>
+          <p:cNvPr id="1027" name="Picture 3"/>
+          <p:cNvPicPr>
+            <a:picLocks noChangeAspect="1" noChangeArrowheads="1"/>
+          </p:cNvPicPr>
+          <p:nvPr/>
+        </p:nvPicPr>
+        <p:blipFill rotWithShape="1">
+          <a:blip r:embed="rId3">
+            <a:extLst>
+              <a:ext uri="{28A0092B-C50C-407E-A947-70E740481C1C}">
+                <a14:useLocalDpi xmlns:a14="http://schemas.microsoft.com/office/drawing/2010/main" val="0"/>
+              </a:ext>
+            </a:extLst>
+          </a:blip>
+          <a:srcRect l="-1" t="-556" r="33175" b="556"/>
+          <a:stretch/>
+        </p:blipFill>
+        <p:spPr bwMode="auto">
+          <a:xfrm>
+            <a:off x="4667247" y="1600200"/>
+            <a:ext cx="4029075" cy="1714500"/>
+          </a:xfrm>
+          <a:prstGeom prst="rect">
+            <a:avLst/>
+          </a:prstGeom>
+          <a:noFill/>
+          <a:ln>
+            <a:noFill/>
+          </a:ln>
+          <a:effectLst/>
+          <a:extLst>
+            <a:ext uri="{909E8E84-426E-40DD-AFC4-6F175D3DCCD1}">
+              <a14:hiddenFill xmlns:a14="http://schemas.microsoft.com/office/drawing/2010/main">
+                <a:solidFill>
+                  <a:schemeClr val="accent1"/>
+                </a:solidFill>
+              </a14:hiddenFill>
+            </a:ext>
+            <a:ext uri="{91240B29-F687-4F45-9708-019B960494DF}">
+              <a14:hiddenLine xmlns:a14="http://schemas.microsoft.com/office/drawing/2010/main" w="9525">
+                <a:solidFill>
+                  <a:schemeClr val="tx1"/>
+                </a:solidFill>
+                <a:miter lim="800000"/>
+                <a:headEnd/>
+                <a:tailEnd/>
+              </a14:hiddenLine>
+            </a:ext>
+            <a:ext uri="{AF507438-7753-43E0-B8FC-AC1667EBCBE1}">
+              <a14:hiddenEffects xmlns:a14="http://schemas.microsoft.com/office/drawing/2010/main">
+                <a:effectLst>
+                  <a:outerShdw dist="35921" dir="2700000" algn="ctr" rotWithShape="0">
+                    <a:schemeClr val="bg2"/>
+                  </a:outerShdw>
+                </a:effectLst>
+              </a14:hiddenEffects>
+            </a:ext>
+          </a:extLst>
+        </p:spPr>
+      </p:pic>
+      <p:sp>
+        <p:nvSpPr>
+          <p:cNvPr id="13" name="Rectangle 12"/>
+          <p:cNvSpPr/>
+          <p:nvPr/>
+        </p:nvSpPr>
+        <p:spPr>
+          <a:xfrm>
+            <a:off x="6451600" y="2371724"/>
+            <a:ext cx="949325" cy="174625"/>
+          </a:xfrm>
+          <a:prstGeom prst="rect">
+            <a:avLst/>
+          </a:prstGeom>
+          <a:ln>
+            <a:tailEnd type="arrow"/>
+          </a:ln>
+        </p:spPr>
+        <p:style>
+          <a:lnRef idx="3">
+            <a:schemeClr val="accent2"/>
+          </a:lnRef>
+          <a:fillRef idx="0">
+            <a:schemeClr val="accent2"/>
+          </a:fillRef>
+          <a:effectRef idx="2">
+            <a:schemeClr val="accent2"/>
+          </a:effectRef>
+          <a:fontRef idx="minor">
+            <a:schemeClr val="tx1"/>
+          </a:fontRef>
+        </p:style>
+        <p:txBody>
+          <a:bodyPr rtlCol="0" anchor="ctr"/>
+          <a:lstStyle/>
+          <a:p>
+            <a:pPr algn="ctr"/>
+            <a:endParaRPr lang="en-US" dirty="0"/>
+          </a:p>
+        </p:txBody>
+      </p:sp>
+      <p:pic>
+        <p:nvPicPr>
+          <p:cNvPr id="1032" name="Picture 8"/>
+          <p:cNvPicPr>
+            <a:picLocks noChangeAspect="1" noChangeArrowheads="1"/>
+          </p:cNvPicPr>
+          <p:nvPr/>
+        </p:nvPicPr>
+        <p:blipFill>
+          <a:blip r:embed="rId4">
+            <a:extLst>
+              <a:ext uri="{28A0092B-C50C-407E-A947-70E740481C1C}">
+                <a14:useLocalDpi xmlns:a14="http://schemas.microsoft.com/office/drawing/2010/main" val="0"/>
+              </a:ext>
+            </a:extLst>
+          </a:blip>
+          <a:srcRect/>
+          <a:stretch>
+            <a:fillRect/>
+          </a:stretch>
+        </p:blipFill>
+        <p:spPr bwMode="auto">
+          <a:xfrm>
+            <a:off x="4722812" y="3886200"/>
+            <a:ext cx="4029075" cy="2247900"/>
+          </a:xfrm>
+          <a:prstGeom prst="rect">
+            <a:avLst/>
+          </a:prstGeom>
+          <a:noFill/>
+          <a:ln>
+            <a:noFill/>
+          </a:ln>
+          <a:effectLst/>
+          <a:extLst>
+            <a:ext uri="{909E8E84-426E-40DD-AFC4-6F175D3DCCD1}">
+              <a14:hiddenFill xmlns:a14="http://schemas.microsoft.com/office/drawing/2010/main">
+                <a:solidFill>
+                  <a:schemeClr val="accent1"/>
+                </a:solidFill>
+              </a14:hiddenFill>
+            </a:ext>
+            <a:ext uri="{91240B29-F687-4F45-9708-019B960494DF}">
+              <a14:hiddenLine xmlns:a14="http://schemas.microsoft.com/office/drawing/2010/main" w="9525">
+                <a:solidFill>
+                  <a:schemeClr val="tx1"/>
+                </a:solidFill>
+                <a:miter lim="800000"/>
+                <a:headEnd/>
+                <a:tailEnd/>
+              </a14:hiddenLine>
+            </a:ext>
+            <a:ext uri="{AF507438-7753-43E0-B8FC-AC1667EBCBE1}">
+              <a14:hiddenEffects xmlns:a14="http://schemas.microsoft.com/office/drawing/2010/main">
+                <a:effectLst>
+                  <a:outerShdw dist="35921" dir="2700000" algn="ctr" rotWithShape="0">
+                    <a:schemeClr val="bg2"/>
+                  </a:outerShdw>
+                </a:effectLst>
+              </a14:hiddenEffects>
+            </a:ext>
+          </a:extLst>
+        </p:spPr>
+      </p:pic>
+      <p:cxnSp>
+        <p:nvCxnSpPr>
+          <p:cNvPr id="14" name="Straight Arrow Connector 13"/>
+          <p:cNvCxnSpPr/>
+          <p:nvPr/>
+        </p:nvCxnSpPr>
+        <p:spPr>
+          <a:xfrm flipH="1">
+            <a:off x="5943600" y="2546349"/>
+            <a:ext cx="1219200" cy="2330451"/>
+          </a:xfrm>
+          <a:prstGeom prst="straightConnector1">
+            <a:avLst/>
+          </a:prstGeom>
+          <a:ln>
+            <a:tailEnd type="arrow"/>
+          </a:ln>
+        </p:spPr>
+        <p:style>
+          <a:lnRef idx="3">
+            <a:schemeClr val="accent2"/>
+          </a:lnRef>
+          <a:fillRef idx="0">
+            <a:schemeClr val="accent2"/>
+          </a:fillRef>
+          <a:effectRef idx="2">
+            <a:schemeClr val="accent2"/>
+          </a:effectRef>
+          <a:fontRef idx="minor">
+            <a:schemeClr val="tx1"/>
+          </a:fontRef>
+        </p:style>
+      </p:cxnSp>
+      <p:sp>
+        <p:nvSpPr>
+          <p:cNvPr id="23" name="Rectangle 22"/>
+          <p:cNvSpPr/>
+          <p:nvPr/>
+        </p:nvSpPr>
+        <p:spPr>
+          <a:xfrm>
+            <a:off x="5562600" y="2370137"/>
+            <a:ext cx="889000" cy="174625"/>
+          </a:xfrm>
+          <a:prstGeom prst="rect">
+            <a:avLst/>
+          </a:prstGeom>
+          <a:ln>
+            <a:tailEnd type="arrow"/>
+          </a:ln>
+        </p:spPr>
+        <p:style>
+          <a:lnRef idx="3">
+            <a:schemeClr val="accent2"/>
+          </a:lnRef>
+          <a:fillRef idx="0">
+            <a:schemeClr val="accent2"/>
+          </a:fillRef>
+          <a:effectRef idx="2">
+            <a:schemeClr val="accent2"/>
+          </a:effectRef>
+          <a:fontRef idx="minor">
+            <a:schemeClr val="tx1"/>
+          </a:fontRef>
+        </p:style>
+        <p:txBody>
+          <a:bodyPr rtlCol="0" anchor="ctr"/>
+          <a:lstStyle/>
+          <a:p>
+            <a:pPr algn="ctr"/>
+            <a:endParaRPr lang="en-US" dirty="0"/>
+          </a:p>
+        </p:txBody>
+      </p:sp>
+      <p:cxnSp>
+        <p:nvCxnSpPr>
+          <p:cNvPr id="24" name="Straight Arrow Connector 23"/>
+          <p:cNvCxnSpPr>
+            <a:stCxn id="23" idx="2"/>
+          </p:cNvCxnSpPr>
+          <p:nvPr/>
+        </p:nvCxnSpPr>
+        <p:spPr>
+          <a:xfrm>
+            <a:off x="6007100" y="2544762"/>
+            <a:ext cx="1460500" cy="2789238"/>
+          </a:xfrm>
+          <a:prstGeom prst="straightConnector1">
+            <a:avLst/>
+          </a:prstGeom>
+          <a:ln>
+            <a:tailEnd type="arrow"/>
+          </a:ln>
+        </p:spPr>
+        <p:style>
+          <a:lnRef idx="3">
+            <a:schemeClr val="accent2"/>
+          </a:lnRef>
+          <a:fillRef idx="0">
+            <a:schemeClr val="accent2"/>
+          </a:fillRef>
+          <a:effectRef idx="2">
+            <a:schemeClr val="accent2"/>
+          </a:effectRef>
+          <a:fontRef idx="minor">
+            <a:schemeClr val="tx1"/>
+          </a:fontRef>
+        </p:style>
+      </p:cxnSp>
     </p:spTree>
     <p:extLst>
       <p:ext uri="{BB962C8B-B14F-4D97-AF65-F5344CB8AC3E}">
-        <p14:creationId xmlns:p14="http://schemas.microsoft.com/office/powerpoint/2010/main" val="2388552978"/>
+        <p14:creationId xmlns:p14="http://schemas.microsoft.com/office/powerpoint/2010/main" val="663010118"/>
       </p:ext>
     </p:extLst>
   </p:cSld>
@@ -6730,6 +9320,89 @@
         </p:nvSpPr>
         <p:spPr/>
         <p:txBody>
+          <a:bodyPr/>
+          <a:lstStyle/>
+          <a:p>
+            <a:r>
+              <a:rPr lang="hu-HU" dirty="0" smtClean="0"/>
+              <a:t>A rendszer teljesítménye</a:t>
+            </a:r>
+            <a:endParaRPr lang="en-US" dirty="0"/>
+          </a:p>
+        </p:txBody>
+      </p:sp>
+      <p:sp>
+        <p:nvSpPr>
+          <p:cNvPr id="3" name="Text Placeholder 2"/>
+          <p:cNvSpPr>
+            <a:spLocks noGrp="1"/>
+          </p:cNvSpPr>
+          <p:nvPr>
+            <p:ph type="body" idx="1"/>
+          </p:nvPr>
+        </p:nvSpPr>
+        <p:spPr/>
+        <p:txBody>
+          <a:bodyPr/>
+          <a:lstStyle/>
+          <a:p>
+            <a:r>
+              <a:rPr lang="hu-HU" dirty="0" smtClean="0"/>
+              <a:t>Teljesítményanalízis</a:t>
+            </a:r>
+            <a:endParaRPr lang="en-US" dirty="0"/>
+          </a:p>
+        </p:txBody>
+      </p:sp>
+    </p:spTree>
+    <p:extLst>
+      <p:ext uri="{BB962C8B-B14F-4D97-AF65-F5344CB8AC3E}">
+        <p14:creationId xmlns:p14="http://schemas.microsoft.com/office/powerpoint/2010/main" val="2388552978"/>
+      </p:ext>
+    </p:extLst>
+  </p:cSld>
+  <p:clrMapOvr>
+    <a:masterClrMapping/>
+  </p:clrMapOvr>
+  <p:timing>
+    <p:tnLst>
+      <p:par>
+        <p:cTn id="1" dur="indefinite" restart="never" nodeType="tmRoot"/>
+      </p:par>
+    </p:tnLst>
+  </p:timing>
+</p:sld>
+</file>
+
+<file path=ppt/slides/slide15.xml><?xml version="1.0" encoding="utf-8"?>
+<p:sld xmlns:a="http://schemas.openxmlformats.org/drawingml/2006/main" xmlns:r="http://schemas.openxmlformats.org/officeDocument/2006/relationships" xmlns:p="http://schemas.openxmlformats.org/presentationml/2006/main">
+  <p:cSld>
+    <p:spTree>
+      <p:nvGrpSpPr>
+        <p:cNvPr id="1" name=""/>
+        <p:cNvGrpSpPr/>
+        <p:nvPr/>
+      </p:nvGrpSpPr>
+      <p:grpSpPr>
+        <a:xfrm>
+          <a:off x="0" y="0"/>
+          <a:ext cx="0" cy="0"/>
+          <a:chOff x="0" y="0"/>
+          <a:chExt cx="0" cy="0"/>
+        </a:xfrm>
+      </p:grpSpPr>
+      <p:sp>
+        <p:nvSpPr>
+          <p:cNvPr id="2" name="Title 1"/>
+          <p:cNvSpPr>
+            <a:spLocks noGrp="1"/>
+          </p:cNvSpPr>
+          <p:nvPr>
+            <p:ph type="title"/>
+          </p:nvPr>
+        </p:nvSpPr>
+        <p:spPr/>
+        <p:txBody>
           <a:bodyPr>
             <a:normAutofit/>
           </a:bodyPr>
@@ -6737,11 +9410,7 @@
           <a:p>
             <a:r>
               <a:rPr lang="hu-HU" dirty="0" smtClean="0"/>
-              <a:t>A függőségek </a:t>
-            </a:r>
-            <a:r>
-              <a:rPr lang="hu-HU" dirty="0" smtClean="0"/>
-              <a:t>feltérképezése</a:t>
+              <a:t>A függőségek feltérképezése</a:t>
             </a:r>
             <a:endParaRPr lang="en-US" dirty="0"/>
           </a:p>
@@ -6765,14 +9434,29 @@
         </p:spPr>
         <p:txBody>
           <a:bodyPr vert="horz" lIns="91440" tIns="45720" rIns="91440" bIns="45720" rtlCol="0">
-            <a:normAutofit lnSpcReduction="10000"/>
+            <a:normAutofit fontScale="92500" lnSpcReduction="20000"/>
           </a:bodyPr>
           <a:lstStyle/>
           <a:p>
             <a:r>
+              <a:rPr lang="hu-HU" dirty="0" smtClean="0"/>
+              <a:t>Bemenet: valós projektek</a:t>
+            </a:r>
+          </a:p>
+          <a:p>
+            <a:r>
+              <a:rPr lang="hu-HU" dirty="0" smtClean="0"/>
+              <a:t>Függőségi </a:t>
+            </a:r>
+            <a:r>
               <a:rPr lang="hu-HU" dirty="0"/>
-              <a:t>Függőségi viszonyok felderítése: ~0,5sec/jar.</a:t>
-            </a:r>
+              <a:t>viszonyok felderítése: ~</a:t>
+            </a:r>
+            <a:r>
+              <a:rPr lang="hu-HU" dirty="0" smtClean="0"/>
+              <a:t>0,5sec/jar</a:t>
+            </a:r>
+            <a:endParaRPr lang="hu-HU" dirty="0"/>
           </a:p>
           <a:p>
             <a:r>
@@ -6802,7 +9486,7 @@
             <a:pPr lvl="1"/>
             <a:r>
               <a:rPr lang="hu-HU" dirty="0" smtClean="0"/>
-              <a:t>Teljes </a:t>
+              <a:t>Teljes: </a:t>
             </a:r>
             <a:r>
               <a:rPr lang="hu-HU" dirty="0"/>
@@ -6810,8 +9494,9 @@
             </a:r>
             <a:r>
               <a:rPr lang="hu-HU" dirty="0" smtClean="0"/>
-              <a:t>600MiB.</a:t>
-            </a:r>
+              <a:t>600MiB</a:t>
+            </a:r>
+            <a:endParaRPr lang="hu-HU" dirty="0" smtClean="0"/>
           </a:p>
           <a:p>
             <a:pPr lvl="1"/>
@@ -6821,7 +9506,7 @@
             </a:r>
             <a:r>
               <a:rPr lang="hu-HU" dirty="0" smtClean="0"/>
-              <a:t>88MiB.</a:t>
+              <a:t>88MiB</a:t>
             </a:r>
             <a:endParaRPr lang="hu-HU" dirty="0"/>
           </a:p>
@@ -6840,7 +9525,7 @@
             <p:ph sz="half" idx="2"/>
             <p:extLst>
               <p:ext uri="{D42A27DB-BD31-4B8C-83A1-F6EECF244321}">
-                <p14:modId xmlns:p14="http://schemas.microsoft.com/office/powerpoint/2010/main" val="1159707120"/>
+                <p14:modId xmlns:p14="http://schemas.microsoft.com/office/powerpoint/2010/main" val="2060967379"/>
               </p:ext>
             </p:extLst>
           </p:nvPr>
@@ -6875,7 +9560,7 @@
 </p:sld>
 </file>
 
-<file path=ppt/slides/slide15.xml><?xml version="1.0" encoding="utf-8"?>
+<file path=ppt/slides/slide16.xml><?xml version="1.0" encoding="utf-8"?>
 <p:sld xmlns:a="http://schemas.openxmlformats.org/drawingml/2006/main" xmlns:r="http://schemas.openxmlformats.org/officeDocument/2006/relationships" xmlns:p="http://schemas.openxmlformats.org/presentationml/2006/main">
   <p:cSld>
     <p:spTree>
@@ -6925,7 +9610,7 @@
             <p:ph sz="half" idx="2"/>
             <p:extLst>
               <p:ext uri="{D42A27DB-BD31-4B8C-83A1-F6EECF244321}">
-                <p14:modId xmlns:p14="http://schemas.microsoft.com/office/powerpoint/2010/main" val="850014098"/>
+                <p14:modId xmlns:p14="http://schemas.microsoft.com/office/powerpoint/2010/main" val="2953014635"/>
               </p:ext>
             </p:extLst>
           </p:nvPr>
@@ -7057,13 +9742,8 @@
           <a:p>
             <a:r>
               <a:rPr lang="hu-HU" dirty="0" smtClean="0"/>
-              <a:t>Kiértékelés 1 változtatás esetén: ~1ms az összes </a:t>
-            </a:r>
-            <a:r>
-              <a:rPr lang="hu-HU" dirty="0" smtClean="0"/>
-              <a:t>elemre.</a:t>
-            </a:r>
-            <a:endParaRPr lang="hu-HU" dirty="0" smtClean="0"/>
+              <a:t>Kiértékelés 1 változtatás esetén: ~1ms az összes elemre.</a:t>
+            </a:r>
           </a:p>
         </p:txBody>
       </p:sp>
@@ -7071,89 +9751,6 @@
     <p:extLst>
       <p:ext uri="{BB962C8B-B14F-4D97-AF65-F5344CB8AC3E}">
         <p14:creationId xmlns:p14="http://schemas.microsoft.com/office/powerpoint/2010/main" val="2871537416"/>
-      </p:ext>
-    </p:extLst>
-  </p:cSld>
-  <p:clrMapOvr>
-    <a:masterClrMapping/>
-  </p:clrMapOvr>
-  <p:timing>
-    <p:tnLst>
-      <p:par>
-        <p:cTn id="1" dur="indefinite" restart="never" nodeType="tmRoot"/>
-      </p:par>
-    </p:tnLst>
-  </p:timing>
-</p:sld>
-</file>
-
-<file path=ppt/slides/slide16.xml><?xml version="1.0" encoding="utf-8"?>
-<p:sld xmlns:a="http://schemas.openxmlformats.org/drawingml/2006/main" xmlns:r="http://schemas.openxmlformats.org/officeDocument/2006/relationships" xmlns:p="http://schemas.openxmlformats.org/presentationml/2006/main">
-  <p:cSld>
-    <p:spTree>
-      <p:nvGrpSpPr>
-        <p:cNvPr id="1" name=""/>
-        <p:cNvGrpSpPr/>
-        <p:nvPr/>
-      </p:nvGrpSpPr>
-      <p:grpSpPr>
-        <a:xfrm>
-          <a:off x="0" y="0"/>
-          <a:ext cx="0" cy="0"/>
-          <a:chOff x="0" y="0"/>
-          <a:chExt cx="0" cy="0"/>
-        </a:xfrm>
-      </p:grpSpPr>
-      <p:sp>
-        <p:nvSpPr>
-          <p:cNvPr id="7" name="Title 6"/>
-          <p:cNvSpPr>
-            <a:spLocks noGrp="1"/>
-          </p:cNvSpPr>
-          <p:nvPr>
-            <p:ph type="title"/>
-          </p:nvPr>
-        </p:nvSpPr>
-        <p:spPr/>
-        <p:txBody>
-          <a:bodyPr/>
-          <a:lstStyle/>
-          <a:p>
-            <a:r>
-              <a:rPr lang="hu-HU" dirty="0" smtClean="0"/>
-              <a:t>Eredmények és távlati célok</a:t>
-            </a:r>
-            <a:endParaRPr lang="en-US" dirty="0"/>
-          </a:p>
-        </p:txBody>
-      </p:sp>
-      <p:sp>
-        <p:nvSpPr>
-          <p:cNvPr id="8" name="Text Placeholder 7"/>
-          <p:cNvSpPr>
-            <a:spLocks noGrp="1"/>
-          </p:cNvSpPr>
-          <p:nvPr>
-            <p:ph type="body" idx="1"/>
-          </p:nvPr>
-        </p:nvSpPr>
-        <p:spPr/>
-        <p:txBody>
-          <a:bodyPr/>
-          <a:lstStyle/>
-          <a:p>
-            <a:r>
-              <a:rPr lang="hu-HU" dirty="0" smtClean="0"/>
-              <a:t>Eredmények</a:t>
-            </a:r>
-            <a:endParaRPr lang="en-US" dirty="0"/>
-          </a:p>
-        </p:txBody>
-      </p:sp>
-    </p:spTree>
-    <p:extLst>
-      <p:ext uri="{BB962C8B-B14F-4D97-AF65-F5344CB8AC3E}">
-        <p14:creationId xmlns:p14="http://schemas.microsoft.com/office/powerpoint/2010/main" val="819375693"/>
       </p:ext>
     </p:extLst>
   </p:cSld>
@@ -7189,7 +9786,7 @@
       </p:grpSpPr>
       <p:sp>
         <p:nvSpPr>
-          <p:cNvPr id="4" name="Title 3"/>
+          <p:cNvPr id="7" name="Title 6"/>
           <p:cNvSpPr>
             <a:spLocks noGrp="1"/>
           </p:cNvSpPr>
@@ -7204,7 +9801,7 @@
           <a:p>
             <a:r>
               <a:rPr lang="hu-HU" dirty="0" smtClean="0"/>
-              <a:t>Eredmények</a:t>
+              <a:t>Eredmények és távlati célok</a:t>
             </a:r>
             <a:endParaRPr lang="en-US" dirty="0"/>
           </a:p>
@@ -7212,73 +9809,23 @@
       </p:sp>
       <p:sp>
         <p:nvSpPr>
-          <p:cNvPr id="5" name="Content Placeholder 4"/>
+          <p:cNvPr id="8" name="Text Placeholder 7"/>
           <p:cNvSpPr>
             <a:spLocks noGrp="1"/>
           </p:cNvSpPr>
           <p:nvPr>
-            <p:ph idx="1"/>
+            <p:ph type="body" idx="1"/>
           </p:nvPr>
         </p:nvSpPr>
         <p:spPr/>
         <p:txBody>
-          <a:bodyPr>
-            <a:normAutofit lnSpcReduction="10000"/>
-          </a:bodyPr>
-          <a:lstStyle/>
-          <a:p>
-            <a:r>
-              <a:rPr lang="hu-HU" dirty="0" smtClean="0"/>
-              <a:t>Eszköz java szoftverek függőségeinek feltárására.</a:t>
-            </a:r>
-          </a:p>
-          <a:p>
-            <a:pPr lvl="1"/>
-            <a:r>
-              <a:rPr lang="hu-HU" dirty="0" smtClean="0"/>
-              <a:t>Nagy mennyiségű bináris feldolgozása és lekérdezése.</a:t>
-            </a:r>
-          </a:p>
-          <a:p>
-            <a:pPr lvl="1"/>
-            <a:r>
-              <a:rPr lang="hu-HU" dirty="0" smtClean="0"/>
-              <a:t>Kiterjesztés: valós idejű függőségek megjelenítése Eclipse-ben. </a:t>
-            </a:r>
-          </a:p>
-          <a:p>
-            <a:r>
-              <a:rPr lang="hu-HU" dirty="0" smtClean="0"/>
-              <a:t>A rendszer jelenleg éles használatban van.</a:t>
-            </a:r>
-          </a:p>
-          <a:p>
-            <a:pPr lvl="1"/>
-            <a:r>
-              <a:rPr lang="hu-HU" dirty="0" smtClean="0"/>
-              <a:t>CERN Controls Systems.</a:t>
-            </a:r>
-          </a:p>
-          <a:p>
-            <a:pPr lvl="2"/>
-            <a:r>
-              <a:rPr lang="hu-HU" dirty="0"/>
-              <a:t>~</a:t>
-            </a:r>
-            <a:r>
-              <a:rPr lang="hu-HU" dirty="0" smtClean="0"/>
-              <a:t>1300 Java projekt, 24/7 üzemidő.</a:t>
-            </a:r>
-          </a:p>
-          <a:p>
-            <a:pPr lvl="2"/>
-            <a:r>
-              <a:rPr lang="hu-HU" dirty="0" smtClean="0"/>
-              <a:t> Adatgyűjtés, monitorozás, alarm system, stb.</a:t>
-            </a:r>
-          </a:p>
-          <a:p>
-            <a:pPr lvl="2"/>
+          <a:bodyPr/>
+          <a:lstStyle/>
+          <a:p>
+            <a:r>
+              <a:rPr lang="hu-HU" dirty="0" smtClean="0"/>
+              <a:t>Eredmények</a:t>
+            </a:r>
             <a:endParaRPr lang="en-US" dirty="0"/>
           </a:p>
         </p:txBody>
@@ -7286,7 +9833,7 @@
     </p:spTree>
     <p:extLst>
       <p:ext uri="{BB962C8B-B14F-4D97-AF65-F5344CB8AC3E}">
-        <p14:creationId xmlns:p14="http://schemas.microsoft.com/office/powerpoint/2010/main" val="833660359"/>
+        <p14:creationId xmlns:p14="http://schemas.microsoft.com/office/powerpoint/2010/main" val="819375693"/>
       </p:ext>
     </p:extLst>
   </p:cSld>
@@ -7322,6 +9869,185 @@
       </p:grpSpPr>
       <p:sp>
         <p:nvSpPr>
+          <p:cNvPr id="4" name="Title 3"/>
+          <p:cNvSpPr>
+            <a:spLocks noGrp="1"/>
+          </p:cNvSpPr>
+          <p:nvPr>
+            <p:ph type="title"/>
+          </p:nvPr>
+        </p:nvSpPr>
+        <p:spPr/>
+        <p:txBody>
+          <a:bodyPr/>
+          <a:lstStyle/>
+          <a:p>
+            <a:r>
+              <a:rPr lang="hu-HU" dirty="0" smtClean="0"/>
+              <a:t>Eredmények</a:t>
+            </a:r>
+            <a:endParaRPr lang="en-US" dirty="0"/>
+          </a:p>
+        </p:txBody>
+      </p:sp>
+      <p:sp>
+        <p:nvSpPr>
+          <p:cNvPr id="5" name="Content Placeholder 4"/>
+          <p:cNvSpPr>
+            <a:spLocks noGrp="1"/>
+          </p:cNvSpPr>
+          <p:nvPr>
+            <p:ph idx="1"/>
+          </p:nvPr>
+        </p:nvSpPr>
+        <p:spPr/>
+        <p:txBody>
+          <a:bodyPr>
+            <a:normAutofit fontScale="92500"/>
+          </a:bodyPr>
+          <a:lstStyle/>
+          <a:p>
+            <a:r>
+              <a:rPr lang="hu-HU" dirty="0" smtClean="0"/>
+              <a:t>Eszköz </a:t>
+            </a:r>
+            <a:r>
+              <a:rPr lang="hu-HU" dirty="0" smtClean="0"/>
+              <a:t>Java </a:t>
+            </a:r>
+            <a:r>
+              <a:rPr lang="hu-HU" dirty="0" smtClean="0"/>
+              <a:t>szoftverek függőségeinek </a:t>
+            </a:r>
+            <a:r>
+              <a:rPr lang="hu-HU" dirty="0" smtClean="0"/>
+              <a:t>feltárására</a:t>
+            </a:r>
+            <a:endParaRPr lang="hu-HU" dirty="0" smtClean="0"/>
+          </a:p>
+          <a:p>
+            <a:pPr lvl="1"/>
+            <a:r>
+              <a:rPr lang="hu-HU" dirty="0" smtClean="0"/>
+              <a:t>Nagy mennyiségű bináris feldolgozása és </a:t>
+            </a:r>
+            <a:r>
+              <a:rPr lang="hu-HU" dirty="0" smtClean="0"/>
+              <a:t>lekérdezése</a:t>
+            </a:r>
+            <a:endParaRPr lang="hu-HU" dirty="0" smtClean="0"/>
+          </a:p>
+          <a:p>
+            <a:pPr lvl="1"/>
+            <a:r>
+              <a:rPr lang="hu-HU" dirty="0" smtClean="0"/>
+              <a:t>Kiterjesztés: valós idejű </a:t>
+            </a:r>
+            <a:r>
+              <a:rPr lang="hu-HU" dirty="0" smtClean="0"/>
+              <a:t>függőségi lekérdezések</a:t>
+            </a:r>
+            <a:endParaRPr lang="hu-HU" dirty="0" smtClean="0"/>
+          </a:p>
+          <a:p>
+            <a:r>
+              <a:rPr lang="hu-HU" dirty="0" smtClean="0"/>
+              <a:t>A rendszer jelenleg éles használatban </a:t>
+            </a:r>
+            <a:r>
+              <a:rPr lang="hu-HU" dirty="0" smtClean="0"/>
+              <a:t>van</a:t>
+            </a:r>
+            <a:endParaRPr lang="hu-HU" dirty="0" smtClean="0"/>
+          </a:p>
+          <a:p>
+            <a:pPr lvl="1"/>
+            <a:r>
+              <a:rPr lang="hu-HU" dirty="0" smtClean="0"/>
+              <a:t>CERN </a:t>
+            </a:r>
+            <a:r>
+              <a:rPr lang="hu-HU" dirty="0" smtClean="0"/>
+              <a:t>Controls Systems:</a:t>
+            </a:r>
+          </a:p>
+          <a:p>
+            <a:pPr lvl="2"/>
+            <a:r>
+              <a:rPr lang="hu-HU" dirty="0" smtClean="0"/>
+              <a:t>Svájci kutatólaboratórium; részecskegyorsító irányítási rendszereinek szoftvereihez</a:t>
+            </a:r>
+            <a:endParaRPr lang="hu-HU" dirty="0" smtClean="0"/>
+          </a:p>
+          <a:p>
+            <a:pPr lvl="2"/>
+            <a:r>
+              <a:rPr lang="hu-HU" dirty="0"/>
+              <a:t>~</a:t>
+            </a:r>
+            <a:r>
+              <a:rPr lang="hu-HU" dirty="0" smtClean="0"/>
+              <a:t>1300 Java projekt, 24/7 </a:t>
+            </a:r>
+            <a:r>
+              <a:rPr lang="hu-HU" dirty="0" smtClean="0"/>
+              <a:t>üzemidő</a:t>
+            </a:r>
+            <a:endParaRPr lang="hu-HU" dirty="0" smtClean="0"/>
+          </a:p>
+          <a:p>
+            <a:pPr lvl="2"/>
+            <a:r>
+              <a:rPr lang="hu-HU" dirty="0" smtClean="0"/>
+              <a:t> Adatgyűjtés, monitorozás, alarm system, </a:t>
+            </a:r>
+            <a:r>
+              <a:rPr lang="hu-HU" dirty="0" smtClean="0"/>
+              <a:t>stb.</a:t>
+            </a:r>
+            <a:endParaRPr lang="hu-HU" dirty="0" smtClean="0"/>
+          </a:p>
+        </p:txBody>
+      </p:sp>
+    </p:spTree>
+    <p:extLst>
+      <p:ext uri="{BB962C8B-B14F-4D97-AF65-F5344CB8AC3E}">
+        <p14:creationId xmlns:p14="http://schemas.microsoft.com/office/powerpoint/2010/main" val="833660359"/>
+      </p:ext>
+    </p:extLst>
+  </p:cSld>
+  <p:clrMapOvr>
+    <a:masterClrMapping/>
+  </p:clrMapOvr>
+  <p:timing>
+    <p:tnLst>
+      <p:par>
+        <p:cTn id="1" dur="indefinite" restart="never" nodeType="tmRoot"/>
+      </p:par>
+    </p:tnLst>
+  </p:timing>
+</p:sld>
+</file>
+
+<file path=ppt/slides/slide19.xml><?xml version="1.0" encoding="utf-8"?>
+<p:sld xmlns:a="http://schemas.openxmlformats.org/drawingml/2006/main" xmlns:r="http://schemas.openxmlformats.org/officeDocument/2006/relationships" xmlns:p="http://schemas.openxmlformats.org/presentationml/2006/main">
+  <p:cSld>
+    <p:spTree>
+      <p:nvGrpSpPr>
+        <p:cNvPr id="1" name=""/>
+        <p:cNvGrpSpPr/>
+        <p:nvPr/>
+      </p:nvGrpSpPr>
+      <p:grpSpPr>
+        <a:xfrm>
+          <a:off x="0" y="0"/>
+          <a:ext cx="0" cy="0"/>
+          <a:chOff x="0" y="0"/>
+          <a:chExt cx="0" cy="0"/>
+        </a:xfrm>
+      </p:grpSpPr>
+      <p:sp>
+        <p:nvSpPr>
           <p:cNvPr id="2" name="Title 1"/>
           <p:cNvSpPr>
             <a:spLocks noGrp="1"/>
@@ -7360,26 +10086,46 @@
           <a:p>
             <a:r>
               <a:rPr lang="hu-HU" dirty="0" smtClean="0"/>
-              <a:t>Jobb felhasználói felület integráció.</a:t>
-            </a:r>
-          </a:p>
-          <a:p>
-            <a:r>
-              <a:rPr lang="hu-HU" dirty="0" smtClean="0"/>
-              <a:t>Kiterjeszés C/C++ szoftverekre.</a:t>
-            </a:r>
-          </a:p>
-          <a:p>
-            <a:r>
-              <a:rPr lang="hu-HU" dirty="0" smtClean="0"/>
-              <a:t>Lekérdezés-alapú metrikák érvényesítése.</a:t>
-            </a:r>
-          </a:p>
-          <a:p>
-            <a:r>
-              <a:rPr lang="hu-HU" dirty="0" smtClean="0"/>
-              <a:t>Szélesebb körű függőségek felderítése.</a:t>
-            </a:r>
+              <a:t>Jobb felhasználói felület </a:t>
+            </a:r>
+            <a:r>
+              <a:rPr lang="hu-HU" dirty="0" smtClean="0"/>
+              <a:t>integráció</a:t>
+            </a:r>
+            <a:endParaRPr lang="hu-HU" dirty="0" smtClean="0"/>
+          </a:p>
+          <a:p>
+            <a:r>
+              <a:rPr lang="hu-HU" dirty="0" smtClean="0"/>
+              <a:t>Kiterjeszés C/C++ </a:t>
+            </a:r>
+            <a:r>
+              <a:rPr lang="hu-HU" dirty="0" smtClean="0"/>
+              <a:t>szoftverekre</a:t>
+            </a:r>
+            <a:endParaRPr lang="hu-HU" dirty="0" smtClean="0"/>
+          </a:p>
+          <a:p>
+            <a:r>
+              <a:rPr lang="hu-HU" dirty="0" smtClean="0"/>
+              <a:t>Lekérdezés-alapú metrikák </a:t>
+            </a:r>
+            <a:r>
+              <a:rPr lang="hu-HU" dirty="0" smtClean="0"/>
+              <a:t>érvényesítése</a:t>
+            </a:r>
+            <a:endParaRPr lang="hu-HU" dirty="0" smtClean="0"/>
+          </a:p>
+          <a:p>
+            <a:r>
+              <a:rPr lang="hu-HU" dirty="0" smtClean="0"/>
+              <a:t>Szélesebb körű függőségek </a:t>
+            </a:r>
+            <a:r>
+              <a:rPr lang="hu-HU" dirty="0" smtClean="0"/>
+              <a:t>felderítése</a:t>
+            </a:r>
+            <a:endParaRPr lang="hu-HU" dirty="0" smtClean="0"/>
           </a:p>
           <a:p>
             <a:endParaRPr lang="en-US" dirty="0"/>
@@ -9094,48 +11840,97 @@
         </p:nvSpPr>
         <p:spPr/>
         <p:txBody>
-          <a:bodyPr/>
-          <a:lstStyle/>
-          <a:p>
-            <a:r>
-              <a:rPr lang="hu-HU" dirty="0" smtClean="0"/>
-              <a:t>Nagyszámú szoftver, bonyolult függőségek.</a:t>
-            </a:r>
-          </a:p>
-          <a:p>
-            <a:r>
-              <a:rPr lang="hu-HU" dirty="0" smtClean="0"/>
-              <a:t>Nagy rendelkezésre állás.</a:t>
-            </a:r>
-          </a:p>
-          <a:p>
-            <a:r>
-              <a:rPr lang="hu-HU" dirty="0" smtClean="0"/>
-              <a:t>Hibajavítás, új funkció.</a:t>
+          <a:bodyPr>
+            <a:normAutofit fontScale="85000" lnSpcReduction="20000"/>
+          </a:bodyPr>
+          <a:lstStyle/>
+          <a:p>
+            <a:r>
+              <a:rPr lang="hu-HU" dirty="0" smtClean="0"/>
+              <a:t>Nagyszámú szoftver (1000+)</a:t>
+            </a:r>
+          </a:p>
+          <a:p>
+            <a:r>
+              <a:rPr lang="hu-HU" dirty="0" smtClean="0"/>
+              <a:t>OO szoftverek: sokféle függőség</a:t>
             </a:r>
           </a:p>
           <a:p>
             <a:pPr lvl="1"/>
             <a:r>
               <a:rPr lang="hu-HU" dirty="0" smtClean="0"/>
-              <a:t>Elvárás: ráépülő szoftverekben ne okozzon hibát (smooth upgrades). </a:t>
-            </a:r>
-          </a:p>
-          <a:p>
+              <a:t>Öröklés, függvény-felüldefiniálás, reflektív hívások</a:t>
+            </a:r>
             <a:endParaRPr lang="hu-HU" dirty="0" smtClean="0"/>
           </a:p>
           <a:p>
             <a:r>
               <a:rPr lang="hu-HU" dirty="0" smtClean="0"/>
-              <a:t>Megoldás: Bejövő függőségek ismerete.</a:t>
-            </a:r>
+              <a:t>Nagy rendelkezésre </a:t>
+            </a:r>
+            <a:r>
+              <a:rPr lang="hu-HU" dirty="0" smtClean="0"/>
+              <a:t>állás         hibajavítás</a:t>
+            </a:r>
+            <a:r>
+              <a:rPr lang="hu-HU" dirty="0" smtClean="0"/>
+              <a:t>, új </a:t>
+            </a:r>
+            <a:r>
+              <a:rPr lang="hu-HU" dirty="0" smtClean="0"/>
+              <a:t>funkció</a:t>
+            </a:r>
+            <a:endParaRPr lang="hu-HU" dirty="0" smtClean="0"/>
           </a:p>
           <a:p>
             <a:pPr lvl="1"/>
             <a:r>
               <a:rPr lang="hu-HU" dirty="0" smtClean="0"/>
-              <a:t>Elkészített eszköz segítségével lekérdezhető.</a:t>
-            </a:r>
+              <a:t>Elvárás: ráépülő szoftverekben ne okozzon hibát (smooth upgrades</a:t>
+            </a:r>
+            <a:r>
+              <a:rPr lang="hu-HU" dirty="0" smtClean="0"/>
+              <a:t>)</a:t>
+            </a:r>
+            <a:endParaRPr lang="hu-HU" dirty="0" smtClean="0"/>
+          </a:p>
+          <a:p>
+            <a:endParaRPr lang="hu-HU" dirty="0" smtClean="0"/>
+          </a:p>
+          <a:p>
+            <a:r>
+              <a:rPr lang="hu-HU" dirty="0" smtClean="0"/>
+              <a:t>Szükséges: függőségi viszonyok ismerete</a:t>
+            </a:r>
+          </a:p>
+          <a:p>
+            <a:pPr lvl="1"/>
+            <a:r>
+              <a:rPr lang="hu-HU" dirty="0" smtClean="0"/>
+              <a:t>Mit változtathatunk meg</a:t>
+            </a:r>
+            <a:endParaRPr lang="hu-HU" dirty="0" smtClean="0"/>
+          </a:p>
+          <a:p>
+            <a:pPr lvl="1"/>
+            <a:r>
+              <a:rPr lang="hu-HU" dirty="0" smtClean="0"/>
+              <a:t>Változások potenciális hatása</a:t>
+            </a:r>
+            <a:endParaRPr lang="hu-HU" dirty="0" smtClean="0"/>
+          </a:p>
+          <a:p>
+            <a:pPr lvl="1"/>
+            <a:r>
+              <a:rPr lang="hu-HU" dirty="0" smtClean="0"/>
+              <a:t>Elkészített eszköz segítségével </a:t>
+            </a:r>
+            <a:r>
+              <a:rPr lang="hu-HU" dirty="0" smtClean="0"/>
+              <a:t>lekérdezhető</a:t>
+            </a:r>
+            <a:endParaRPr lang="hu-HU" dirty="0" smtClean="0"/>
           </a:p>
           <a:p>
             <a:endParaRPr lang="en-US" dirty="0"/>
@@ -9150,7 +11945,7 @@
         </p:nvSpPr>
         <p:spPr>
           <a:xfrm rot="5400000">
-            <a:off x="4229100" y="4267200"/>
+            <a:off x="4295775" y="3629025"/>
             <a:ext cx="685800" cy="685800"/>
           </a:xfrm>
           <a:prstGeom prst="rightArrow">
@@ -9158,19 +11953,55 @@
           </a:prstGeom>
         </p:spPr>
         <p:style>
-          <a:lnRef idx="2">
-            <a:schemeClr val="accent1">
-              <a:shade val="50000"/>
-            </a:schemeClr>
+          <a:lnRef idx="1">
+            <a:schemeClr val="dk1"/>
           </a:lnRef>
-          <a:fillRef idx="1">
-            <a:schemeClr val="accent1"/>
+          <a:fillRef idx="2">
+            <a:schemeClr val="dk1"/>
           </a:fillRef>
-          <a:effectRef idx="0">
-            <a:schemeClr val="accent1"/>
+          <a:effectRef idx="1">
+            <a:schemeClr val="dk1"/>
           </a:effectRef>
           <a:fontRef idx="minor">
-            <a:schemeClr val="lt1"/>
+            <a:schemeClr val="dk1"/>
+          </a:fontRef>
+        </p:style>
+        <p:txBody>
+          <a:bodyPr rtlCol="0" anchor="ctr"/>
+          <a:lstStyle/>
+          <a:p>
+            <a:pPr algn="ctr"/>
+            <a:endParaRPr lang="en-US"/>
+          </a:p>
+        </p:txBody>
+      </p:sp>
+      <p:sp>
+        <p:nvSpPr>
+          <p:cNvPr id="5" name="Left-Right Arrow 4"/>
+          <p:cNvSpPr/>
+          <p:nvPr/>
+        </p:nvSpPr>
+        <p:spPr>
+          <a:xfrm>
+            <a:off x="4352925" y="2876550"/>
+            <a:ext cx="571500" cy="228600"/>
+          </a:xfrm>
+          <a:prstGeom prst="leftRightArrow">
+            <a:avLst/>
+          </a:prstGeom>
+        </p:spPr>
+        <p:style>
+          <a:lnRef idx="1">
+            <a:schemeClr val="dk1"/>
+          </a:lnRef>
+          <a:fillRef idx="2">
+            <a:schemeClr val="dk1"/>
+          </a:fillRef>
+          <a:effectRef idx="1">
+            <a:schemeClr val="dk1"/>
+          </a:effectRef>
+          <a:fontRef idx="minor">
+            <a:schemeClr val="dk1"/>
           </a:fontRef>
         </p:style>
         <p:txBody>
@@ -9232,21 +12063,22 @@
         <p:spPr/>
         <p:txBody>
           <a:bodyPr>
-            <a:normAutofit fontScale="90000"/>
+            <a:normAutofit/>
           </a:bodyPr>
           <a:lstStyle/>
           <a:p>
             <a:r>
               <a:rPr lang="hu-HU" dirty="0" smtClean="0"/>
-              <a:t>Bejövő függőségek explicit lekérdezése</a:t>
-            </a:r>
-            <a:r>
-              <a:rPr lang="en-US" dirty="0" smtClean="0"/>
-              <a:t/>
-            </a:r>
-            <a:br>
-              <a:rPr lang="en-US" dirty="0" smtClean="0"/>
-            </a:br>
+              <a:t>függőségek </a:t>
+            </a:r>
+            <a:r>
+              <a:rPr lang="hu-HU" dirty="0" smtClean="0"/>
+              <a:t>explicit </a:t>
+            </a:r>
+            <a:r>
+              <a:rPr lang="hu-HU" dirty="0" smtClean="0"/>
+              <a:t>lekérdezése</a:t>
+            </a:r>
             <a:endParaRPr lang="en-US" dirty="0"/>
           </a:p>
         </p:txBody>
@@ -9414,7 +12246,7 @@
           <a:p>
             <a:pPr algn="ctr"/>
             <a:r>
-              <a:rPr lang="hu-HU" dirty="0">
+              <a:rPr lang="hu-HU" smtClean="0">
                 <a:solidFill>
                   <a:schemeClr val="dk1"/>
                 </a:solidFill>
@@ -9583,7 +12415,6 @@
               <a:rPr lang="hu-HU" dirty="0" smtClean="0"/>
               <a:t>Lekérdezések</a:t>
             </a:r>
-            <a:endParaRPr lang="hu-HU" dirty="0" smtClean="0"/>
           </a:p>
         </p:txBody>
       </p:sp>
@@ -9847,7 +12678,7 @@
             </a:r>
             <a:r>
               <a:rPr lang="hu-HU" dirty="0" smtClean="0"/>
-              <a:t>tárolóban.</a:t>
+              <a:t>tárolóban</a:t>
             </a:r>
             <a:endParaRPr lang="hu-HU" dirty="0" smtClean="0"/>
           </a:p>
@@ -9855,19 +12686,19 @@
       </p:sp>
       <p:sp>
         <p:nvSpPr>
-          <p:cNvPr id="46" name="Rounded Rectangular Callout 45"/>
+          <p:cNvPr id="47" name="Rounded Rectangular Callout 46"/>
           <p:cNvSpPr/>
           <p:nvPr/>
         </p:nvSpPr>
         <p:spPr>
           <a:xfrm>
-            <a:off x="5381024" y="4504384"/>
-            <a:ext cx="2966205" cy="565607"/>
+            <a:off x="4114800" y="5813195"/>
+            <a:ext cx="2585205" cy="565607"/>
           </a:xfrm>
           <a:prstGeom prst="wedgeRoundRectCallout">
             <a:avLst>
-              <a:gd name="adj1" fmla="val -38977"/>
-              <a:gd name="adj2" fmla="val 116086"/>
+              <a:gd name="adj1" fmla="val 59221"/>
+              <a:gd name="adj2" fmla="val -90649"/>
               <a:gd name="adj3" fmla="val 16667"/>
             </a:avLst>
           </a:prstGeom>
@@ -9890,47 +12721,28 @@
           <a:bodyPr rtlCol="0" anchor="ctr"/>
           <a:lstStyle/>
           <a:p>
-            <a:pPr marL="285750" indent="-285750">
-              <a:buFont typeface="Arial" pitchFamily="34" charset="0"/>
-              <a:buChar char="•"/>
-            </a:pPr>
-            <a:r>
-              <a:rPr lang="hu-HU" dirty="0" smtClean="0"/>
-              <a:t>Függőségi </a:t>
-            </a:r>
-            <a:r>
-              <a:rPr lang="hu-HU" dirty="0" smtClean="0"/>
-              <a:t>analízis</a:t>
-            </a:r>
-          </a:p>
-          <a:p>
-            <a:pPr marL="285750" indent="-285750">
-              <a:buFont typeface="Arial" pitchFamily="34" charset="0"/>
-              <a:buChar char="•"/>
-            </a:pPr>
-            <a:r>
-              <a:rPr lang="hu-HU" dirty="0" smtClean="0"/>
-              <a:t>Interfész az adatokhoz</a:t>
-            </a:r>
-            <a:endParaRPr lang="hu-HU" dirty="0" smtClean="0"/>
-          </a:p>
-        </p:txBody>
-      </p:sp>
-      <p:sp>
-        <p:nvSpPr>
-          <p:cNvPr id="47" name="Rounded Rectangular Callout 46"/>
+            <a:r>
+              <a:rPr lang="hu-HU" dirty="0" smtClean="0"/>
+              <a:t>Jar állományok struktúrája + függőségei</a:t>
+            </a:r>
+          </a:p>
+        </p:txBody>
+      </p:sp>
+      <p:sp>
+        <p:nvSpPr>
+          <p:cNvPr id="48" name="Rounded Rectangular Callout 47"/>
           <p:cNvSpPr/>
           <p:nvPr/>
         </p:nvSpPr>
         <p:spPr>
           <a:xfrm>
-            <a:off x="3815595" y="6096000"/>
-            <a:ext cx="2585205" cy="565607"/>
+            <a:off x="1704179" y="1258633"/>
+            <a:ext cx="1896504" cy="798766"/>
           </a:xfrm>
           <a:prstGeom prst="wedgeRoundRectCallout">
             <a:avLst>
-              <a:gd name="adj1" fmla="val 73757"/>
-              <a:gd name="adj2" fmla="val -108365"/>
+              <a:gd name="adj1" fmla="val -3941"/>
+              <a:gd name="adj2" fmla="val 118250"/>
               <a:gd name="adj3" fmla="val 16667"/>
             </a:avLst>
           </a:prstGeom>
@@ -9955,7 +12767,11 @@
           <a:p>
             <a:r>
               <a:rPr lang="hu-HU" dirty="0" smtClean="0"/>
-              <a:t>Jar állományok struktúrája + függőségei</a:t>
+              <a:t>Lekérdezés a </a:t>
+            </a:r>
+            <a:r>
+              <a:rPr lang="hu-HU" dirty="0" smtClean="0"/>
+              <a:t>forráskód szerkesztőből</a:t>
             </a:r>
             <a:endParaRPr lang="hu-HU" dirty="0" smtClean="0"/>
           </a:p>
@@ -9963,19 +12779,19 @@
       </p:sp>
       <p:sp>
         <p:nvSpPr>
-          <p:cNvPr id="48" name="Rounded Rectangular Callout 47"/>
+          <p:cNvPr id="49" name="Rounded Rectangular Callout 48"/>
           <p:cNvSpPr/>
           <p:nvPr/>
         </p:nvSpPr>
         <p:spPr>
           <a:xfrm>
-            <a:off x="1704179" y="1359574"/>
-            <a:ext cx="1896504" cy="596884"/>
+            <a:off x="4821000" y="3837823"/>
+            <a:ext cx="2796411" cy="596884"/>
           </a:xfrm>
           <a:prstGeom prst="wedgeRoundRectCallout">
             <a:avLst>
-              <a:gd name="adj1" fmla="val 5702"/>
-              <a:gd name="adj2" fmla="val 154501"/>
+              <a:gd name="adj1" fmla="val -60129"/>
+              <a:gd name="adj2" fmla="val -95021"/>
               <a:gd name="adj3" fmla="val 16667"/>
             </a:avLst>
           </a:prstGeom>
@@ -10000,54 +12816,8 @@
           <a:p>
             <a:r>
               <a:rPr lang="hu-HU" dirty="0" smtClean="0"/>
-              <a:t>Lekérdezés a forráskódból.</a:t>
-            </a:r>
-            <a:endParaRPr lang="hu-HU" dirty="0" smtClean="0"/>
-          </a:p>
-        </p:txBody>
-      </p:sp>
-      <p:sp>
-        <p:nvSpPr>
-          <p:cNvPr id="49" name="Rounded Rectangular Callout 48"/>
-          <p:cNvSpPr/>
-          <p:nvPr/>
-        </p:nvSpPr>
-        <p:spPr>
-          <a:xfrm>
-            <a:off x="4821000" y="3837823"/>
-            <a:ext cx="2796411" cy="596884"/>
-          </a:xfrm>
-          <a:prstGeom prst="wedgeRoundRectCallout">
-            <a:avLst>
-              <a:gd name="adj1" fmla="val -56822"/>
-              <a:gd name="adj2" fmla="val -96425"/>
-              <a:gd name="adj3" fmla="val 16667"/>
-            </a:avLst>
-          </a:prstGeom>
-        </p:spPr>
-        <p:style>
-          <a:lnRef idx="1">
-            <a:schemeClr val="accent4"/>
-          </a:lnRef>
-          <a:fillRef idx="2">
-            <a:schemeClr val="accent4"/>
-          </a:fillRef>
-          <a:effectRef idx="1">
-            <a:schemeClr val="accent4"/>
-          </a:effectRef>
-          <a:fontRef idx="minor">
-            <a:schemeClr val="dk1"/>
-          </a:fontRef>
-        </p:style>
-        <p:txBody>
-          <a:bodyPr rtlCol="0" anchor="ctr"/>
-          <a:lstStyle/>
-          <a:p>
-            <a:r>
-              <a:rPr lang="hu-HU" dirty="0" smtClean="0"/>
               <a:t>Kapcsolat: RMI interfészen</a:t>
             </a:r>
-            <a:endParaRPr lang="hu-HU" dirty="0" smtClean="0"/>
           </a:p>
         </p:txBody>
       </p:sp>
@@ -10094,8 +12864,13 @@
             </a:pPr>
             <a:r>
               <a:rPr lang="hu-HU" dirty="0" smtClean="0"/>
-              <a:t>Lekérdezés kezdeményezése.</a:t>
-            </a:r>
+              <a:t>Lekérdezés </a:t>
+            </a:r>
+            <a:r>
+              <a:rPr lang="hu-HU" dirty="0" smtClean="0"/>
+              <a:t>kezdeményezése</a:t>
+            </a:r>
+            <a:endParaRPr lang="hu-HU" dirty="0" smtClean="0"/>
           </a:p>
           <a:p>
             <a:pPr marL="285750" indent="-285750">
@@ -10104,7 +12879,80 @@
             </a:pPr>
             <a:r>
               <a:rPr lang="hu-HU" dirty="0" smtClean="0"/>
-              <a:t>Eredmények megjelenítése.</a:t>
+              <a:t>Eredmények </a:t>
+            </a:r>
+            <a:r>
+              <a:rPr lang="hu-HU" dirty="0" smtClean="0"/>
+              <a:t>megjelenítése</a:t>
+            </a:r>
+            <a:endParaRPr lang="hu-HU" dirty="0" smtClean="0"/>
+          </a:p>
+        </p:txBody>
+      </p:sp>
+      <p:sp>
+        <p:nvSpPr>
+          <p:cNvPr id="46" name="Rounded Rectangular Callout 45"/>
+          <p:cNvSpPr/>
+          <p:nvPr/>
+        </p:nvSpPr>
+        <p:spPr>
+          <a:xfrm>
+            <a:off x="4840307" y="3870307"/>
+            <a:ext cx="3152100" cy="1065996"/>
+          </a:xfrm>
+          <a:prstGeom prst="wedgeRoundRectCallout">
+            <a:avLst>
+              <a:gd name="adj1" fmla="val -44149"/>
+              <a:gd name="adj2" fmla="val 80684"/>
+              <a:gd name="adj3" fmla="val 16667"/>
+            </a:avLst>
+          </a:prstGeom>
+        </p:spPr>
+        <p:style>
+          <a:lnRef idx="1">
+            <a:schemeClr val="accent4"/>
+          </a:lnRef>
+          <a:fillRef idx="2">
+            <a:schemeClr val="accent4"/>
+          </a:fillRef>
+          <a:effectRef idx="1">
+            <a:schemeClr val="accent4"/>
+          </a:effectRef>
+          <a:fontRef idx="minor">
+            <a:schemeClr val="dk1"/>
+          </a:fontRef>
+        </p:style>
+        <p:txBody>
+          <a:bodyPr rtlCol="0" anchor="ctr"/>
+          <a:lstStyle/>
+          <a:p>
+            <a:pPr marL="285750" indent="-285750">
+              <a:buFont typeface="Arial" pitchFamily="34" charset="0"/>
+              <a:buChar char="•"/>
+            </a:pPr>
+            <a:r>
+              <a:rPr lang="hu-HU" dirty="0" smtClean="0"/>
+              <a:t>Függőségi analízis</a:t>
+            </a:r>
+          </a:p>
+          <a:p>
+            <a:pPr marL="742950" lvl="1" indent="-285750">
+              <a:buFont typeface="Arial" pitchFamily="34" charset="0"/>
+              <a:buChar char="•"/>
+            </a:pPr>
+            <a:r>
+              <a:rPr lang="hu-HU" dirty="0" smtClean="0"/>
+              <a:t>Java binárisokon</a:t>
+            </a:r>
+          </a:p>
+          <a:p>
+            <a:pPr marL="742950" lvl="1" indent="-285750">
+              <a:buFont typeface="Arial" pitchFamily="34" charset="0"/>
+              <a:buChar char="•"/>
+            </a:pPr>
+            <a:r>
+              <a:rPr lang="hu-HU" dirty="0" smtClean="0"/>
+              <a:t>Bemenet méretétől függetlenül</a:t>
             </a:r>
             <a:endParaRPr lang="hu-HU" dirty="0" smtClean="0"/>
           </a:p>
@@ -10331,6 +13179,33 @@
                                   </p:childTnLst>
                                 </p:cTn>
                               </p:par>
+                              <p:par>
+                                <p:cTn id="11" presetID="1" presetClass="exit" presetSubtype="0" fill="hold" grpId="1" nodeType="withEffect">
+                                  <p:stCondLst>
+                                    <p:cond delay="0"/>
+                                  </p:stCondLst>
+                                  <p:childTnLst>
+                                    <p:set>
+                                      <p:cBhvr>
+                                        <p:cTn id="12" dur="1" fill="hold">
+                                          <p:stCondLst>
+                                            <p:cond delay="0"/>
+                                          </p:stCondLst>
+                                        </p:cTn>
+                                        <p:tgtEl>
+                                          <p:spTgt spid="45"/>
+                                        </p:tgtEl>
+                                        <p:attrNameLst>
+                                          <p:attrName>style.visibility</p:attrName>
+                                        </p:attrNameLst>
+                                      </p:cBhvr>
+                                      <p:to>
+                                        <p:strVal val="hidden"/>
+                                      </p:to>
+                                    </p:set>
+                                  </p:childTnLst>
+                                </p:cTn>
+                              </p:par>
                             </p:childTnLst>
                           </p:cTn>
                         </p:par>
@@ -10338,26 +13213,26 @@
                     </p:cTn>
                   </p:par>
                   <p:par>
-                    <p:cTn id="11" fill="hold">
+                    <p:cTn id="13" fill="hold">
                       <p:stCondLst>
                         <p:cond delay="indefinite"/>
                       </p:stCondLst>
                       <p:childTnLst>
                         <p:par>
-                          <p:cTn id="12" fill="hold">
+                          <p:cTn id="14" fill="hold">
                             <p:stCondLst>
                               <p:cond delay="0"/>
                             </p:stCondLst>
                             <p:childTnLst>
                               <p:par>
-                                <p:cTn id="13" presetID="1" presetClass="entr" presetSubtype="0" fill="hold" grpId="0" nodeType="clickEffect">
+                                <p:cTn id="15" presetID="1" presetClass="entr" presetSubtype="0" fill="hold" grpId="0" nodeType="clickEffect">
                                   <p:stCondLst>
                                     <p:cond delay="0"/>
                                   </p:stCondLst>
                                   <p:childTnLst>
                                     <p:set>
                                       <p:cBhvr>
-                                        <p:cTn id="14" dur="1" fill="hold">
+                                        <p:cTn id="16" dur="1" fill="hold">
                                           <p:stCondLst>
                                             <p:cond delay="0"/>
                                           </p:stCondLst>
@@ -10376,26 +13251,8 @@
                                   </p:childTnLst>
                                 </p:cTn>
                               </p:par>
-                            </p:childTnLst>
-                          </p:cTn>
-                        </p:par>
-                      </p:childTnLst>
-                    </p:cTn>
-                  </p:par>
-                  <p:par>
-                    <p:cTn id="15" fill="hold">
-                      <p:stCondLst>
-                        <p:cond delay="indefinite"/>
-                      </p:stCondLst>
-                      <p:childTnLst>
-                        <p:par>
-                          <p:cTn id="16" fill="hold">
-                            <p:stCondLst>
-                              <p:cond delay="0"/>
-                            </p:stCondLst>
-                            <p:childTnLst>
                               <p:par>
-                                <p:cTn id="17" presetID="1" presetClass="entr" presetSubtype="0" fill="hold" grpId="0" nodeType="clickEffect">
+                                <p:cTn id="17" presetID="1" presetClass="exit" presetSubtype="0" fill="hold" grpId="1" nodeType="withEffect">
                                   <p:stCondLst>
                                     <p:cond delay="0"/>
                                   </p:stCondLst>
@@ -10408,14 +13265,14 @@
                                           </p:stCondLst>
                                         </p:cTn>
                                         <p:tgtEl>
-                                          <p:spTgt spid="49"/>
+                                          <p:spTgt spid="46"/>
                                         </p:tgtEl>
                                         <p:attrNameLst>
                                           <p:attrName>style.visibility</p:attrName>
                                         </p:attrNameLst>
                                       </p:cBhvr>
                                       <p:to>
-                                        <p:strVal val="visible"/>
+                                        <p:strVal val="hidden"/>
                                       </p:to>
                                     </p:set>
                                   </p:childTnLst>
@@ -10453,6 +13310,78 @@
                                           </p:stCondLst>
                                         </p:cTn>
                                         <p:tgtEl>
+                                          <p:spTgt spid="49"/>
+                                        </p:tgtEl>
+                                        <p:attrNameLst>
+                                          <p:attrName>style.visibility</p:attrName>
+                                        </p:attrNameLst>
+                                      </p:cBhvr>
+                                      <p:to>
+                                        <p:strVal val="visible"/>
+                                      </p:to>
+                                    </p:set>
+                                  </p:childTnLst>
+                                </p:cTn>
+                              </p:par>
+                              <p:par>
+                                <p:cTn id="23" presetID="1" presetClass="exit" presetSubtype="0" fill="hold" grpId="1" nodeType="withEffect">
+                                  <p:stCondLst>
+                                    <p:cond delay="0"/>
+                                  </p:stCondLst>
+                                  <p:childTnLst>
+                                    <p:set>
+                                      <p:cBhvr>
+                                        <p:cTn id="24" dur="1" fill="hold">
+                                          <p:stCondLst>
+                                            <p:cond delay="0"/>
+                                          </p:stCondLst>
+                                        </p:cTn>
+                                        <p:tgtEl>
+                                          <p:spTgt spid="47"/>
+                                        </p:tgtEl>
+                                        <p:attrNameLst>
+                                          <p:attrName>style.visibility</p:attrName>
+                                        </p:attrNameLst>
+                                      </p:cBhvr>
+                                      <p:to>
+                                        <p:strVal val="hidden"/>
+                                      </p:to>
+                                    </p:set>
+                                  </p:childTnLst>
+                                </p:cTn>
+                              </p:par>
+                            </p:childTnLst>
+                          </p:cTn>
+                        </p:par>
+                      </p:childTnLst>
+                    </p:cTn>
+                  </p:par>
+                  <p:par>
+                    <p:cTn id="25" fill="hold">
+                      <p:stCondLst>
+                        <p:cond delay="indefinite"/>
+                      </p:stCondLst>
+                      <p:childTnLst>
+                        <p:par>
+                          <p:cTn id="26" fill="hold">
+                            <p:stCondLst>
+                              <p:cond delay="0"/>
+                            </p:stCondLst>
+                            <p:childTnLst>
+                              <p:par>
+                                <p:cTn id="27" presetID="1" presetClass="entr" presetSubtype="0" fill="hold" grpId="0" nodeType="clickEffect">
+                                  <p:stCondLst>
+                                    <p:cond delay="0"/>
+                                  </p:stCondLst>
+                                  <p:childTnLst>
+                                    <p:set>
+                                      <p:cBhvr>
+                                        <p:cTn id="28" dur="1" fill="hold">
+                                          <p:stCondLst>
+                                            <p:cond delay="0"/>
+                                          </p:stCondLst>
+                                        </p:cTn>
+                                        <p:tgtEl>
                                           <p:spTgt spid="51"/>
                                         </p:tgtEl>
                                         <p:attrNameLst>
@@ -10466,6 +13395,33 @@
                                   </p:childTnLst>
                                 </p:cTn>
                               </p:par>
+                              <p:par>
+                                <p:cTn id="29" presetID="1" presetClass="exit" presetSubtype="0" fill="hold" grpId="1" nodeType="withEffect">
+                                  <p:stCondLst>
+                                    <p:cond delay="0"/>
+                                  </p:stCondLst>
+                                  <p:childTnLst>
+                                    <p:set>
+                                      <p:cBhvr>
+                                        <p:cTn id="30" dur="1" fill="hold">
+                                          <p:stCondLst>
+                                            <p:cond delay="0"/>
+                                          </p:stCondLst>
+                                        </p:cTn>
+                                        <p:tgtEl>
+                                          <p:spTgt spid="49"/>
+                                        </p:tgtEl>
+                                        <p:attrNameLst>
+                                          <p:attrName>style.visibility</p:attrName>
+                                        </p:attrNameLst>
+                                      </p:cBhvr>
+                                      <p:to>
+                                        <p:strVal val="hidden"/>
+                                      </p:to>
+                                    </p:set>
+                                  </p:childTnLst>
+                                </p:cTn>
+                              </p:par>
                             </p:childTnLst>
                           </p:cTn>
                         </p:par>
@@ -10473,26 +13429,26 @@
                     </p:cTn>
                   </p:par>
                   <p:par>
-                    <p:cTn id="23" fill="hold">
+                    <p:cTn id="31" fill="hold">
                       <p:stCondLst>
                         <p:cond delay="indefinite"/>
                       </p:stCondLst>
                       <p:childTnLst>
                         <p:par>
-                          <p:cTn id="24" fill="hold">
+                          <p:cTn id="32" fill="hold">
                             <p:stCondLst>
                               <p:cond delay="0"/>
                             </p:stCondLst>
                             <p:childTnLst>
                               <p:par>
-                                <p:cTn id="25" presetID="1" presetClass="entr" presetSubtype="0" fill="hold" grpId="0" nodeType="clickEffect">
+                                <p:cTn id="33" presetID="1" presetClass="entr" presetSubtype="0" fill="hold" grpId="0" nodeType="clickEffect">
                                   <p:stCondLst>
                                     <p:cond delay="0"/>
                                   </p:stCondLst>
                                   <p:childTnLst>
                                     <p:set>
                                       <p:cBhvr>
-                                        <p:cTn id="26" dur="1" fill="hold">
+                                        <p:cTn id="34" dur="1" fill="hold">
                                           <p:stCondLst>
                                             <p:cond delay="0"/>
                                           </p:stCondLst>
@@ -10506,6 +13462,33 @@
                                       </p:cBhvr>
                                       <p:to>
                                         <p:strVal val="visible"/>
+                                      </p:to>
+                                    </p:set>
+                                  </p:childTnLst>
+                                </p:cTn>
+                              </p:par>
+                              <p:par>
+                                <p:cTn id="35" presetID="1" presetClass="exit" presetSubtype="0" fill="hold" grpId="1" nodeType="withEffect">
+                                  <p:stCondLst>
+                                    <p:cond delay="0"/>
+                                  </p:stCondLst>
+                                  <p:childTnLst>
+                                    <p:set>
+                                      <p:cBhvr>
+                                        <p:cTn id="36" dur="1" fill="hold">
+                                          <p:stCondLst>
+                                            <p:cond delay="0"/>
+                                          </p:stCondLst>
+                                        </p:cTn>
+                                        <p:tgtEl>
+                                          <p:spTgt spid="51"/>
+                                        </p:tgtEl>
+                                        <p:attrNameLst>
+                                          <p:attrName>style.visibility</p:attrName>
+                                        </p:attrNameLst>
+                                      </p:cBhvr>
+                                      <p:to>
+                                        <p:strVal val="hidden"/>
                                       </p:to>
                                     </p:set>
                                   </p:childTnLst>
@@ -10540,11 +13523,16 @@
     </p:tnLst>
     <p:bldLst>
       <p:bldP spid="45" grpId="0" animBg="1"/>
-      <p:bldP spid="46" grpId="0" animBg="1"/>
+      <p:bldP spid="45" grpId="1" animBg="1"/>
       <p:bldP spid="47" grpId="0" animBg="1"/>
+      <p:bldP spid="47" grpId="1" animBg="1"/>
       <p:bldP spid="48" grpId="0" animBg="1"/>
       <p:bldP spid="49" grpId="0" animBg="1"/>
+      <p:bldP spid="49" grpId="1" animBg="1"/>
       <p:bldP spid="51" grpId="0" animBg="1"/>
+      <p:bldP spid="51" grpId="1" animBg="1"/>
+      <p:bldP spid="46" grpId="0" animBg="1"/>
+      <p:bldP spid="46" grpId="1" animBg="1"/>
     </p:bldLst>
   </p:timing>
 </p:sld>
@@ -10788,8 +13776,13 @@
             </a:pPr>
             <a:r>
               <a:rPr lang="hu-HU" dirty="0" smtClean="0"/>
-              <a:t>Elem kiválasztása a szerkesztőben.</a:t>
-            </a:r>
+              <a:t>Elem kiválasztása a </a:t>
+            </a:r>
+            <a:r>
+              <a:rPr lang="hu-HU" dirty="0" smtClean="0"/>
+              <a:t>szerkesztőben</a:t>
+            </a:r>
+            <a:endParaRPr lang="hu-HU" dirty="0" smtClean="0"/>
           </a:p>
           <a:p>
             <a:pPr marL="857250" lvl="2" indent="-457200">
@@ -10798,8 +13791,13 @@
             </a:pPr>
             <a:r>
               <a:rPr lang="hu-HU" dirty="0" smtClean="0"/>
-              <a:t>Elem nevének feloldása.</a:t>
-            </a:r>
+              <a:t>Elem nevének </a:t>
+            </a:r>
+            <a:r>
+              <a:rPr lang="hu-HU" dirty="0" smtClean="0"/>
+              <a:t>feloldása</a:t>
+            </a:r>
+            <a:endParaRPr lang="hu-HU" dirty="0" smtClean="0"/>
           </a:p>
           <a:p>
             <a:pPr marL="857250" lvl="2" indent="-457200">
@@ -10808,8 +13806,13 @@
             </a:pPr>
             <a:r>
               <a:rPr lang="hu-HU" dirty="0" smtClean="0"/>
-              <a:t>Lekérdezés küldése.</a:t>
-            </a:r>
+              <a:t>Lekérdezés </a:t>
+            </a:r>
+            <a:r>
+              <a:rPr lang="hu-HU" dirty="0" smtClean="0"/>
+              <a:t>küldése</a:t>
+            </a:r>
+            <a:endParaRPr lang="hu-HU" dirty="0" smtClean="0"/>
           </a:p>
           <a:p>
             <a:pPr marL="857250" lvl="2" indent="-457200">
@@ -10829,8 +13832,13 @@
             <a:pPr marL="1314450" lvl="3" indent="-457200"/>
             <a:r>
               <a:rPr lang="hu-HU" dirty="0" smtClean="0"/>
-              <a:t>A kiválasztott elem bejövő függőségei.</a:t>
-            </a:r>
+              <a:t>A kiválasztott elem </a:t>
+            </a:r>
+            <a:r>
+              <a:rPr lang="hu-HU" dirty="0" smtClean="0"/>
+              <a:t>függőségei</a:t>
+            </a:r>
+            <a:endParaRPr lang="hu-HU" dirty="0" smtClean="0"/>
           </a:p>
           <a:p>
             <a:pPr marL="742950" lvl="2" indent="-342900"/>
@@ -11229,7 +14237,6 @@
               <a:rPr lang="hu-HU" dirty="0" smtClean="0"/>
               <a:t>Lekérdezések</a:t>
             </a:r>
-            <a:endParaRPr lang="hu-HU" dirty="0" smtClean="0"/>
           </a:p>
         </p:txBody>
       </p:sp>
@@ -11775,11 +14782,11 @@
   <p:clrMapOvr>
     <a:masterClrMapping/>
   </p:clrMapOvr>
-  <mc:AlternateContent xmlns:mc="http://schemas.openxmlformats.org/markup-compatibility/2006">
-    <mc:Choice xmlns:p14="http://schemas.microsoft.com/office/powerpoint/2010/main" Requires="p14">
+  <mc:AlternateContent xmlns:mc="http://schemas.openxmlformats.org/markup-compatibility/2006" xmlns:p14="http://schemas.microsoft.com/office/powerpoint/2010/main">
+    <mc:Choice Requires="p14">
       <p:transition spd="slow" p14:dur="2000"/>
     </mc:Choice>
-    <mc:Fallback>
+    <mc:Fallback xmlns="">
       <p:transition spd="slow"/>
     </mc:Fallback>
   </mc:AlternateContent>
@@ -11820,24 +14827,30 @@
             <p:ph type="title"/>
           </p:nvPr>
         </p:nvSpPr>
-        <p:spPr/>
+        <p:spPr>
+          <a:xfrm>
+            <a:off x="762000" y="4419600"/>
+            <a:ext cx="7772400" cy="1362075"/>
+          </a:xfrm>
+        </p:spPr>
         <p:txBody>
           <a:bodyPr>
-            <a:normAutofit fontScale="90000"/>
+            <a:normAutofit/>
           </a:bodyPr>
           <a:lstStyle/>
           <a:p>
             <a:r>
-              <a:rPr lang="hu-HU" sz="3900" dirty="0" smtClean="0"/>
-              <a:t>Inkrementális modell-lekérdezésEK</a:t>
-            </a:r>
-            <a:r>
-              <a:rPr lang="en-US" dirty="0" smtClean="0"/>
-              <a:t/>
-            </a:r>
-            <a:br>
-              <a:rPr lang="en-US" dirty="0" smtClean="0"/>
-            </a:br>
+              <a:rPr lang="hu-HU" dirty="0" smtClean="0"/>
+              <a:t>Inkrementális </a:t>
+            </a:r>
+            <a:r>
+              <a:rPr lang="hu-HU" dirty="0" smtClean="0"/>
+              <a:t>hibrid </a:t>
+            </a:r>
+            <a:r>
+              <a:rPr lang="hu-HU" dirty="0" smtClean="0"/>
+              <a:t>Függőségi analízis</a:t>
+            </a:r>
             <a:endParaRPr lang="en-US" dirty="0"/>
           </a:p>
         </p:txBody>
@@ -11859,7 +14872,11 @@
           <a:p>
             <a:r>
               <a:rPr lang="hu-HU" dirty="0" smtClean="0"/>
-              <a:t>Az eszköz Kiegészítése</a:t>
+              <a:t>Az eszköz </a:t>
+            </a:r>
+            <a:r>
+              <a:rPr lang="hu-HU" dirty="0" smtClean="0"/>
+              <a:t>kiegészítése</a:t>
             </a:r>
             <a:endParaRPr lang="en-US" dirty="0"/>
           </a:p>

--- a/incquery-deps-documentation/presentation/tdk_pres_hu_v2.pptx
+++ b/incquery-deps-documentation/presentation/tdk_pres_hu_v2.pptx
@@ -5,7 +5,7 @@
     <p:sldMasterId id="2147483648" r:id="rId1"/>
   </p:sldMasterIdLst>
   <p:notesMasterIdLst>
-    <p:notesMasterId r:id="rId20"/>
+    <p:notesMasterId r:id="rId21"/>
   </p:notesMasterIdLst>
   <p:sldIdLst>
     <p:sldId id="256" r:id="rId2"/>
@@ -19,13 +19,14 @@
     <p:sldId id="262" r:id="rId10"/>
     <p:sldId id="267" r:id="rId11"/>
     <p:sldId id="270" r:id="rId12"/>
-    <p:sldId id="274" r:id="rId13"/>
-    <p:sldId id="263" r:id="rId14"/>
-    <p:sldId id="268" r:id="rId15"/>
-    <p:sldId id="269" r:id="rId16"/>
-    <p:sldId id="271" r:id="rId17"/>
-    <p:sldId id="272" r:id="rId18"/>
-    <p:sldId id="273" r:id="rId19"/>
+    <p:sldId id="275" r:id="rId13"/>
+    <p:sldId id="274" r:id="rId14"/>
+    <p:sldId id="263" r:id="rId15"/>
+    <p:sldId id="268" r:id="rId16"/>
+    <p:sldId id="269" r:id="rId17"/>
+    <p:sldId id="271" r:id="rId18"/>
+    <p:sldId id="272" r:id="rId19"/>
+    <p:sldId id="273" r:id="rId20"/>
   </p:sldIdLst>
   <p:sldSz cx="9144000" cy="6858000" type="screen4x3"/>
   <p:notesSz cx="6858000" cy="9144000"/>
@@ -305,11 +306,11 @@
         </c:dLbls>
         <c:marker val="1"/>
         <c:smooth val="0"/>
-        <c:axId val="136214528"/>
-        <c:axId val="164368320"/>
+        <c:axId val="47009792"/>
+        <c:axId val="43490048"/>
       </c:lineChart>
       <c:catAx>
-        <c:axId val="136214528"/>
+        <c:axId val="47009792"/>
         <c:scaling>
           <c:orientation val="minMax"/>
         </c:scaling>
@@ -338,7 +339,7 @@
         <c:majorTickMark val="out"/>
         <c:minorTickMark val="none"/>
         <c:tickLblPos val="nextTo"/>
-        <c:crossAx val="164368320"/>
+        <c:crossAx val="43490048"/>
         <c:crosses val="autoZero"/>
         <c:auto val="0"/>
         <c:lblAlgn val="ctr"/>
@@ -348,7 +349,7 @@
         <c:noMultiLvlLbl val="0"/>
       </c:catAx>
       <c:valAx>
-        <c:axId val="164368320"/>
+        <c:axId val="43490048"/>
         <c:scaling>
           <c:orientation val="minMax"/>
         </c:scaling>
@@ -379,7 +380,7 @@
         <c:majorTickMark val="out"/>
         <c:minorTickMark val="none"/>
         <c:tickLblPos val="nextTo"/>
-        <c:crossAx val="136214528"/>
+        <c:crossAx val="47009792"/>
         <c:crosses val="autoZero"/>
         <c:crossBetween val="between"/>
       </c:valAx>
@@ -506,11 +507,11 @@
         </c:dLbls>
         <c:marker val="1"/>
         <c:smooth val="0"/>
-        <c:axId val="136435712"/>
-        <c:axId val="186344576"/>
+        <c:axId val="65319936"/>
+        <c:axId val="44810816"/>
       </c:lineChart>
       <c:catAx>
-        <c:axId val="136435712"/>
+        <c:axId val="65319936"/>
         <c:scaling>
           <c:orientation val="minMax"/>
         </c:scaling>
@@ -544,7 +545,7 @@
         <c:majorTickMark val="out"/>
         <c:minorTickMark val="none"/>
         <c:tickLblPos val="nextTo"/>
-        <c:crossAx val="186344576"/>
+        <c:crossAx val="44810816"/>
         <c:crosses val="autoZero"/>
         <c:auto val="1"/>
         <c:lblAlgn val="ctr"/>
@@ -552,7 +553,7 @@
         <c:noMultiLvlLbl val="0"/>
       </c:catAx>
       <c:valAx>
-        <c:axId val="186344576"/>
+        <c:axId val="44810816"/>
         <c:scaling>
           <c:orientation val="minMax"/>
         </c:scaling>
@@ -583,7 +584,7 @@
         <c:majorTickMark val="out"/>
         <c:minorTickMark val="none"/>
         <c:tickLblPos val="nextTo"/>
-        <c:crossAx val="136435712"/>
+        <c:crossAx val="65319936"/>
         <c:crosses val="autoZero"/>
         <c:crossBetween val="between"/>
       </c:valAx>
@@ -710,11 +711,11 @@
         </c:dLbls>
         <c:marker val="1"/>
         <c:smooth val="0"/>
-        <c:axId val="136436224"/>
-        <c:axId val="186347456"/>
+        <c:axId val="65320448"/>
+        <c:axId val="44812544"/>
       </c:lineChart>
       <c:catAx>
-        <c:axId val="136436224"/>
+        <c:axId val="65320448"/>
         <c:scaling>
           <c:orientation val="minMax"/>
         </c:scaling>
@@ -748,7 +749,7 @@
         <c:majorTickMark val="out"/>
         <c:minorTickMark val="none"/>
         <c:tickLblPos val="nextTo"/>
-        <c:crossAx val="186347456"/>
+        <c:crossAx val="44812544"/>
         <c:crosses val="autoZero"/>
         <c:auto val="1"/>
         <c:lblAlgn val="ctr"/>
@@ -756,7 +757,7 @@
         <c:noMultiLvlLbl val="0"/>
       </c:catAx>
       <c:valAx>
-        <c:axId val="186347456"/>
+        <c:axId val="44812544"/>
         <c:scaling>
           <c:orientation val="minMax"/>
         </c:scaling>
@@ -787,7 +788,7 @@
         <c:majorTickMark val="out"/>
         <c:minorTickMark val="none"/>
         <c:tickLblPos val="nextTo"/>
-        <c:crossAx val="136436224"/>
+        <c:crossAx val="65320448"/>
         <c:crosses val="autoZero"/>
         <c:crossBetween val="between"/>
       </c:valAx>
@@ -884,7 +885,7 @@
           <a:p>
             <a:fld id="{B6BB6350-B212-4879-B209-4DF49D0B4F10}" type="datetimeFigureOut">
               <a:rPr lang="en-US" smtClean="0"/>
-              <a:t>11/10/2012</a:t>
+              <a:t>11/12/2012</a:t>
             </a:fld>
             <a:endParaRPr lang="en-US"/>
           </a:p>
@@ -1236,6 +1237,174 @@
 </p:notes>
 </file>
 
+<file path=ppt/notesSlides/notesSlide10.xml><?xml version="1.0" encoding="utf-8"?>
+<p:notes xmlns:a="http://schemas.openxmlformats.org/drawingml/2006/main" xmlns:r="http://schemas.openxmlformats.org/officeDocument/2006/relationships" xmlns:p="http://schemas.openxmlformats.org/presentationml/2006/main">
+  <p:cSld>
+    <p:spTree>
+      <p:nvGrpSpPr>
+        <p:cNvPr id="1" name=""/>
+        <p:cNvGrpSpPr/>
+        <p:nvPr/>
+      </p:nvGrpSpPr>
+      <p:grpSpPr>
+        <a:xfrm>
+          <a:off x="0" y="0"/>
+          <a:ext cx="0" cy="0"/>
+          <a:chOff x="0" y="0"/>
+          <a:chExt cx="0" cy="0"/>
+        </a:xfrm>
+      </p:grpSpPr>
+      <p:sp>
+        <p:nvSpPr>
+          <p:cNvPr id="2" name="Slide Image Placeholder 1"/>
+          <p:cNvSpPr>
+            <a:spLocks noGrp="1" noRot="1" noChangeAspect="1"/>
+          </p:cNvSpPr>
+          <p:nvPr>
+            <p:ph type="sldImg"/>
+          </p:nvPr>
+        </p:nvSpPr>
+        <p:spPr/>
+      </p:sp>
+      <p:sp>
+        <p:nvSpPr>
+          <p:cNvPr id="3" name="Notes Placeholder 2"/>
+          <p:cNvSpPr>
+            <a:spLocks noGrp="1"/>
+          </p:cNvSpPr>
+          <p:nvPr>
+            <p:ph type="body" idx="1"/>
+          </p:nvPr>
+        </p:nvSpPr>
+        <p:spPr/>
+        <p:txBody>
+          <a:bodyPr/>
+          <a:lstStyle/>
+          <a:p>
+            <a:endParaRPr lang="en-US" dirty="0"/>
+          </a:p>
+        </p:txBody>
+      </p:sp>
+      <p:sp>
+        <p:nvSpPr>
+          <p:cNvPr id="4" name="Slide Number Placeholder 3"/>
+          <p:cNvSpPr>
+            <a:spLocks noGrp="1"/>
+          </p:cNvSpPr>
+          <p:nvPr>
+            <p:ph type="sldNum" sz="quarter" idx="10"/>
+          </p:nvPr>
+        </p:nvSpPr>
+        <p:spPr/>
+        <p:txBody>
+          <a:bodyPr/>
+          <a:lstStyle/>
+          <a:p>
+            <a:fld id="{660D7955-1178-45C7-88EB-DB10C946F729}" type="slidenum">
+              <a:rPr lang="en-US" smtClean="0"/>
+              <a:t>15</a:t>
+            </a:fld>
+            <a:endParaRPr lang="en-US"/>
+          </a:p>
+        </p:txBody>
+      </p:sp>
+    </p:spTree>
+    <p:extLst>
+      <p:ext uri="{BB962C8B-B14F-4D97-AF65-F5344CB8AC3E}">
+        <p14:creationId xmlns:p14="http://schemas.microsoft.com/office/powerpoint/2010/main" val="1319460358"/>
+      </p:ext>
+    </p:extLst>
+  </p:cSld>
+  <p:clrMapOvr>
+    <a:masterClrMapping/>
+  </p:clrMapOvr>
+</p:notes>
+</file>
+
+<file path=ppt/notesSlides/notesSlide11.xml><?xml version="1.0" encoding="utf-8"?>
+<p:notes xmlns:a="http://schemas.openxmlformats.org/drawingml/2006/main" xmlns:r="http://schemas.openxmlformats.org/officeDocument/2006/relationships" xmlns:p="http://schemas.openxmlformats.org/presentationml/2006/main">
+  <p:cSld>
+    <p:spTree>
+      <p:nvGrpSpPr>
+        <p:cNvPr id="1" name=""/>
+        <p:cNvGrpSpPr/>
+        <p:nvPr/>
+      </p:nvGrpSpPr>
+      <p:grpSpPr>
+        <a:xfrm>
+          <a:off x="0" y="0"/>
+          <a:ext cx="0" cy="0"/>
+          <a:chOff x="0" y="0"/>
+          <a:chExt cx="0" cy="0"/>
+        </a:xfrm>
+      </p:grpSpPr>
+      <p:sp>
+        <p:nvSpPr>
+          <p:cNvPr id="2" name="Slide Image Placeholder 1"/>
+          <p:cNvSpPr>
+            <a:spLocks noGrp="1" noRot="1" noChangeAspect="1"/>
+          </p:cNvSpPr>
+          <p:nvPr>
+            <p:ph type="sldImg"/>
+          </p:nvPr>
+        </p:nvSpPr>
+        <p:spPr/>
+      </p:sp>
+      <p:sp>
+        <p:nvSpPr>
+          <p:cNvPr id="3" name="Notes Placeholder 2"/>
+          <p:cNvSpPr>
+            <a:spLocks noGrp="1"/>
+          </p:cNvSpPr>
+          <p:nvPr>
+            <p:ph type="body" idx="1"/>
+          </p:nvPr>
+        </p:nvSpPr>
+        <p:spPr/>
+        <p:txBody>
+          <a:bodyPr/>
+          <a:lstStyle/>
+          <a:p>
+            <a:endParaRPr lang="en-US" dirty="0"/>
+          </a:p>
+        </p:txBody>
+      </p:sp>
+      <p:sp>
+        <p:nvSpPr>
+          <p:cNvPr id="4" name="Slide Number Placeholder 3"/>
+          <p:cNvSpPr>
+            <a:spLocks noGrp="1"/>
+          </p:cNvSpPr>
+          <p:nvPr>
+            <p:ph type="sldNum" sz="quarter" idx="10"/>
+          </p:nvPr>
+        </p:nvSpPr>
+        <p:spPr/>
+        <p:txBody>
+          <a:bodyPr/>
+          <a:lstStyle/>
+          <a:p>
+            <a:fld id="{660D7955-1178-45C7-88EB-DB10C946F729}" type="slidenum">
+              <a:rPr lang="en-US" smtClean="0"/>
+              <a:t>16</a:t>
+            </a:fld>
+            <a:endParaRPr lang="en-US"/>
+          </a:p>
+        </p:txBody>
+      </p:sp>
+    </p:spTree>
+    <p:extLst>
+      <p:ext uri="{BB962C8B-B14F-4D97-AF65-F5344CB8AC3E}">
+        <p14:creationId xmlns:p14="http://schemas.microsoft.com/office/powerpoint/2010/main" val="1319460358"/>
+      </p:ext>
+    </p:extLst>
+  </p:cSld>
+  <p:clrMapOvr>
+    <a:masterClrMapping/>
+  </p:clrMapOvr>
+</p:notes>
+</file>
+
 <file path=ppt/notesSlides/notesSlide2.xml><?xml version="1.0" encoding="utf-8"?>
 <p:notes xmlns:a="http://schemas.openxmlformats.org/drawingml/2006/main" xmlns:r="http://schemas.openxmlformats.org/officeDocument/2006/relationships" xmlns:p="http://schemas.openxmlformats.org/presentationml/2006/main">
   <p:cSld>
@@ -1301,7 +1470,7 @@
           <a:p>
             <a:fld id="{E7AA0654-642B-4EC6-9896-06614A0153EC}" type="slidenum">
               <a:rPr lang="en-US" smtClean="0"/>
-              <a:t>6</a:t>
+              <a:t>4</a:t>
             </a:fld>
             <a:endParaRPr lang="en-US"/>
           </a:p>
@@ -1310,7 +1479,7 @@
     </p:spTree>
     <p:extLst>
       <p:ext uri="{BB962C8B-B14F-4D97-AF65-F5344CB8AC3E}">
-        <p14:creationId xmlns:p14="http://schemas.microsoft.com/office/powerpoint/2010/main" val="1846358032"/>
+        <p14:creationId xmlns:p14="http://schemas.microsoft.com/office/powerpoint/2010/main" val="4172057294"/>
       </p:ext>
     </p:extLst>
   </p:cSld>
@@ -1383,9 +1552,9 @@
           <a:bodyPr/>
           <a:lstStyle/>
           <a:p>
-            <a:fld id="{660D7955-1178-45C7-88EB-DB10C946F729}" type="slidenum">
+            <a:fld id="{E7AA0654-642B-4EC6-9896-06614A0153EC}" type="slidenum">
               <a:rPr lang="en-US" smtClean="0"/>
-              <a:t>14</a:t>
+              <a:t>6</a:t>
             </a:fld>
             <a:endParaRPr lang="en-US"/>
           </a:p>
@@ -1394,7 +1563,7 @@
     </p:spTree>
     <p:extLst>
       <p:ext uri="{BB962C8B-B14F-4D97-AF65-F5344CB8AC3E}">
-        <p14:creationId xmlns:p14="http://schemas.microsoft.com/office/powerpoint/2010/main" val="1319460358"/>
+        <p14:creationId xmlns:p14="http://schemas.microsoft.com/office/powerpoint/2010/main" val="1846358032"/>
       </p:ext>
     </p:extLst>
   </p:cSld>
@@ -1448,7 +1617,44 @@
           <a:bodyPr/>
           <a:lstStyle/>
           <a:p>
-            <a:endParaRPr lang="en-US" dirty="0"/>
+            <a:pPr marL="0" marR="0" indent="0" algn="l" defTabSz="914400" rtl="0" eaLnBrk="1" fontAlgn="auto" latinLnBrk="0" hangingPunct="1">
+              <a:lnSpc>
+                <a:spcPct val="100000"/>
+              </a:lnSpc>
+              <a:spcBef>
+                <a:spcPts val="0"/>
+              </a:spcBef>
+              <a:spcAft>
+                <a:spcPts val="0"/>
+              </a:spcAft>
+              <a:buClrTx/>
+              <a:buSzTx/>
+              <a:buFontTx/>
+              <a:buNone/>
+              <a:tabLst/>
+              <a:defRPr/>
+            </a:pPr>
+            <a:r>
+              <a:rPr lang="hu-HU" sz="1200" kern="1200" dirty="0" smtClean="0">
+                <a:solidFill>
+                  <a:schemeClr val="tx1"/>
+                </a:solidFill>
+                <a:effectLst/>
+                <a:latin typeface="+mn-lt"/>
+                <a:ea typeface="+mn-ea"/>
+                <a:cs typeface="+mn-cs"/>
+              </a:rPr>
+              <a:t>- 9-es fólia: cím legyen inkrementális, hibrid függőségi analízis (hibrid=bináris és forráskód forrású adatokon)</a:t>
+            </a:r>
+            <a:endParaRPr lang="en-US" sz="1200" kern="1200" dirty="0" smtClean="0">
+              <a:solidFill>
+                <a:schemeClr val="tx1"/>
+              </a:solidFill>
+              <a:effectLst/>
+              <a:latin typeface="+mn-lt"/>
+              <a:ea typeface="+mn-ea"/>
+              <a:cs typeface="+mn-cs"/>
+            </a:endParaRPr>
           </a:p>
         </p:txBody>
       </p:sp>
@@ -1467,9 +1673,9 @@
           <a:bodyPr/>
           <a:lstStyle/>
           <a:p>
-            <a:fld id="{660D7955-1178-45C7-88EB-DB10C946F729}" type="slidenum">
+            <a:fld id="{E7AA0654-642B-4EC6-9896-06614A0153EC}" type="slidenum">
               <a:rPr lang="en-US" smtClean="0"/>
-              <a:t>15</a:t>
+              <a:t>9</a:t>
             </a:fld>
             <a:endParaRPr lang="en-US"/>
           </a:p>
@@ -1478,7 +1684,466 @@
     </p:spTree>
     <p:extLst>
       <p:ext uri="{BB962C8B-B14F-4D97-AF65-F5344CB8AC3E}">
-        <p14:creationId xmlns:p14="http://schemas.microsoft.com/office/powerpoint/2010/main" val="1319460358"/>
+        <p14:creationId xmlns:p14="http://schemas.microsoft.com/office/powerpoint/2010/main" val="212778437"/>
+      </p:ext>
+    </p:extLst>
+  </p:cSld>
+  <p:clrMapOvr>
+    <a:masterClrMapping/>
+  </p:clrMapOvr>
+</p:notes>
+</file>
+
+<file path=ppt/notesSlides/notesSlide5.xml><?xml version="1.0" encoding="utf-8"?>
+<p:notes xmlns:a="http://schemas.openxmlformats.org/drawingml/2006/main" xmlns:r="http://schemas.openxmlformats.org/officeDocument/2006/relationships" xmlns:p="http://schemas.openxmlformats.org/presentationml/2006/main">
+  <p:cSld>
+    <p:spTree>
+      <p:nvGrpSpPr>
+        <p:cNvPr id="1" name=""/>
+        <p:cNvGrpSpPr/>
+        <p:nvPr/>
+      </p:nvGrpSpPr>
+      <p:grpSpPr>
+        <a:xfrm>
+          <a:off x="0" y="0"/>
+          <a:ext cx="0" cy="0"/>
+          <a:chOff x="0" y="0"/>
+          <a:chExt cx="0" cy="0"/>
+        </a:xfrm>
+      </p:grpSpPr>
+      <p:sp>
+        <p:nvSpPr>
+          <p:cNvPr id="2" name="Slide Image Placeholder 1"/>
+          <p:cNvSpPr>
+            <a:spLocks noGrp="1" noRot="1" noChangeAspect="1"/>
+          </p:cNvSpPr>
+          <p:nvPr>
+            <p:ph type="sldImg"/>
+          </p:nvPr>
+        </p:nvSpPr>
+        <p:spPr/>
+      </p:sp>
+      <p:sp>
+        <p:nvSpPr>
+          <p:cNvPr id="3" name="Notes Placeholder 2"/>
+          <p:cNvSpPr>
+            <a:spLocks noGrp="1"/>
+          </p:cNvSpPr>
+          <p:nvPr>
+            <p:ph type="body" idx="1"/>
+          </p:nvPr>
+        </p:nvSpPr>
+        <p:spPr/>
+        <p:txBody>
+          <a:bodyPr/>
+          <a:lstStyle/>
+          <a:p>
+            <a:r>
+              <a:rPr lang="hu-HU" dirty="0" smtClean="0"/>
+              <a:t>EMF-IncQuery technológia:</a:t>
+            </a:r>
+          </a:p>
+          <a:p>
+            <a:pPr lvl="1"/>
+            <a:r>
+              <a:rPr lang="hu-HU" dirty="0" smtClean="0"/>
+              <a:t>Deklaratív, inkrementális modell-lekérdezések</a:t>
+            </a:r>
+          </a:p>
+          <a:p>
+            <a:pPr lvl="2"/>
+            <a:r>
+              <a:rPr lang="hu-HU" dirty="0" smtClean="0"/>
+              <a:t>Lekérdezés = gráfminta</a:t>
+            </a:r>
+          </a:p>
+          <a:p>
+            <a:pPr lvl="1"/>
+            <a:r>
+              <a:rPr lang="hu-HU" dirty="0" smtClean="0"/>
+              <a:t>EMF példánymodellek felett</a:t>
+            </a:r>
+          </a:p>
+          <a:p>
+            <a:endParaRPr lang="en-US" dirty="0"/>
+          </a:p>
+        </p:txBody>
+      </p:sp>
+      <p:sp>
+        <p:nvSpPr>
+          <p:cNvPr id="4" name="Slide Number Placeholder 3"/>
+          <p:cNvSpPr>
+            <a:spLocks noGrp="1"/>
+          </p:cNvSpPr>
+          <p:nvPr>
+            <p:ph type="sldNum" sz="quarter" idx="10"/>
+          </p:nvPr>
+        </p:nvSpPr>
+        <p:spPr/>
+        <p:txBody>
+          <a:bodyPr/>
+          <a:lstStyle/>
+          <a:p>
+            <a:fld id="{E7AA0654-642B-4EC6-9896-06614A0153EC}" type="slidenum">
+              <a:rPr lang="en-US" smtClean="0"/>
+              <a:t>10</a:t>
+            </a:fld>
+            <a:endParaRPr lang="en-US"/>
+          </a:p>
+        </p:txBody>
+      </p:sp>
+    </p:spTree>
+    <p:extLst>
+      <p:ext uri="{BB962C8B-B14F-4D97-AF65-F5344CB8AC3E}">
+        <p14:creationId xmlns:p14="http://schemas.microsoft.com/office/powerpoint/2010/main" val="2696810295"/>
+      </p:ext>
+    </p:extLst>
+  </p:cSld>
+  <p:clrMapOvr>
+    <a:masterClrMapping/>
+  </p:clrMapOvr>
+</p:notes>
+</file>
+
+<file path=ppt/notesSlides/notesSlide6.xml><?xml version="1.0" encoding="utf-8"?>
+<p:notes xmlns:a="http://schemas.openxmlformats.org/drawingml/2006/main" xmlns:r="http://schemas.openxmlformats.org/officeDocument/2006/relationships" xmlns:p="http://schemas.openxmlformats.org/presentationml/2006/main">
+  <p:cSld>
+    <p:spTree>
+      <p:nvGrpSpPr>
+        <p:cNvPr id="1" name=""/>
+        <p:cNvGrpSpPr/>
+        <p:nvPr/>
+      </p:nvGrpSpPr>
+      <p:grpSpPr>
+        <a:xfrm>
+          <a:off x="0" y="0"/>
+          <a:ext cx="0" cy="0"/>
+          <a:chOff x="0" y="0"/>
+          <a:chExt cx="0" cy="0"/>
+        </a:xfrm>
+      </p:grpSpPr>
+      <p:sp>
+        <p:nvSpPr>
+          <p:cNvPr id="2" name="Slide Image Placeholder 1"/>
+          <p:cNvSpPr>
+            <a:spLocks noGrp="1" noRot="1" noChangeAspect="1"/>
+          </p:cNvSpPr>
+          <p:nvPr>
+            <p:ph type="sldImg"/>
+          </p:nvPr>
+        </p:nvSpPr>
+        <p:spPr/>
+      </p:sp>
+      <p:sp>
+        <p:nvSpPr>
+          <p:cNvPr id="3" name="Notes Placeholder 2"/>
+          <p:cNvSpPr>
+            <a:spLocks noGrp="1"/>
+          </p:cNvSpPr>
+          <p:nvPr>
+            <p:ph type="body" idx="1"/>
+          </p:nvPr>
+        </p:nvSpPr>
+        <p:spPr/>
+        <p:txBody>
+          <a:bodyPr/>
+          <a:lstStyle/>
+          <a:p>
+            <a:endParaRPr lang="en-US" dirty="0"/>
+          </a:p>
+        </p:txBody>
+      </p:sp>
+      <p:sp>
+        <p:nvSpPr>
+          <p:cNvPr id="4" name="Slide Number Placeholder 3"/>
+          <p:cNvSpPr>
+            <a:spLocks noGrp="1"/>
+          </p:cNvSpPr>
+          <p:nvPr>
+            <p:ph type="sldNum" sz="quarter" idx="10"/>
+          </p:nvPr>
+        </p:nvSpPr>
+        <p:spPr/>
+        <p:txBody>
+          <a:bodyPr/>
+          <a:lstStyle/>
+          <a:p>
+            <a:fld id="{E7AA0654-642B-4EC6-9896-06614A0153EC}" type="slidenum">
+              <a:rPr lang="en-US" smtClean="0"/>
+              <a:t>11</a:t>
+            </a:fld>
+            <a:endParaRPr lang="en-US"/>
+          </a:p>
+        </p:txBody>
+      </p:sp>
+    </p:spTree>
+    <p:extLst>
+      <p:ext uri="{BB962C8B-B14F-4D97-AF65-F5344CB8AC3E}">
+        <p14:creationId xmlns:p14="http://schemas.microsoft.com/office/powerpoint/2010/main" val="3679442458"/>
+      </p:ext>
+    </p:extLst>
+  </p:cSld>
+  <p:clrMapOvr>
+    <a:masterClrMapping/>
+  </p:clrMapOvr>
+</p:notes>
+</file>
+
+<file path=ppt/notesSlides/notesSlide7.xml><?xml version="1.0" encoding="utf-8"?>
+<p:notes xmlns:a="http://schemas.openxmlformats.org/drawingml/2006/main" xmlns:r="http://schemas.openxmlformats.org/officeDocument/2006/relationships" xmlns:p="http://schemas.openxmlformats.org/presentationml/2006/main">
+  <p:cSld>
+    <p:spTree>
+      <p:nvGrpSpPr>
+        <p:cNvPr id="1" name=""/>
+        <p:cNvGrpSpPr/>
+        <p:nvPr/>
+      </p:nvGrpSpPr>
+      <p:grpSpPr>
+        <a:xfrm>
+          <a:off x="0" y="0"/>
+          <a:ext cx="0" cy="0"/>
+          <a:chOff x="0" y="0"/>
+          <a:chExt cx="0" cy="0"/>
+        </a:xfrm>
+      </p:grpSpPr>
+      <p:sp>
+        <p:nvSpPr>
+          <p:cNvPr id="2" name="Slide Image Placeholder 1"/>
+          <p:cNvSpPr>
+            <a:spLocks noGrp="1" noRot="1" noChangeAspect="1"/>
+          </p:cNvSpPr>
+          <p:nvPr>
+            <p:ph type="sldImg"/>
+          </p:nvPr>
+        </p:nvSpPr>
+        <p:spPr/>
+      </p:sp>
+      <p:sp>
+        <p:nvSpPr>
+          <p:cNvPr id="3" name="Notes Placeholder 2"/>
+          <p:cNvSpPr>
+            <a:spLocks noGrp="1"/>
+          </p:cNvSpPr>
+          <p:nvPr>
+            <p:ph type="body" idx="1"/>
+          </p:nvPr>
+        </p:nvSpPr>
+        <p:spPr/>
+        <p:txBody>
+          <a:bodyPr/>
+          <a:lstStyle/>
+          <a:p>
+            <a:pPr lvl="1"/>
+            <a:r>
+              <a:rPr lang="hu-HU" dirty="0" smtClean="0"/>
+              <a:t>De:</a:t>
+            </a:r>
+            <a:r>
+              <a:rPr lang="hu-HU" baseline="0" dirty="0" smtClean="0"/>
+              <a:t> nincs adatelhagyás!</a:t>
+            </a:r>
+            <a:endParaRPr lang="hu-HU" dirty="0" smtClean="0"/>
+          </a:p>
+          <a:p>
+            <a:endParaRPr lang="en-US" dirty="0"/>
+          </a:p>
+        </p:txBody>
+      </p:sp>
+      <p:sp>
+        <p:nvSpPr>
+          <p:cNvPr id="4" name="Slide Number Placeholder 3"/>
+          <p:cNvSpPr>
+            <a:spLocks noGrp="1"/>
+          </p:cNvSpPr>
+          <p:nvPr>
+            <p:ph type="sldNum" sz="quarter" idx="10"/>
+          </p:nvPr>
+        </p:nvSpPr>
+        <p:spPr/>
+        <p:txBody>
+          <a:bodyPr/>
+          <a:lstStyle/>
+          <a:p>
+            <a:fld id="{660D7955-1178-45C7-88EB-DB10C946F729}" type="slidenum">
+              <a:rPr lang="en-US" smtClean="0"/>
+              <a:t>12</a:t>
+            </a:fld>
+            <a:endParaRPr lang="en-US"/>
+          </a:p>
+        </p:txBody>
+      </p:sp>
+    </p:spTree>
+    <p:extLst>
+      <p:ext uri="{BB962C8B-B14F-4D97-AF65-F5344CB8AC3E}">
+        <p14:creationId xmlns:p14="http://schemas.microsoft.com/office/powerpoint/2010/main" val="2603194435"/>
+      </p:ext>
+    </p:extLst>
+  </p:cSld>
+  <p:clrMapOvr>
+    <a:masterClrMapping/>
+  </p:clrMapOvr>
+</p:notes>
+</file>
+
+<file path=ppt/notesSlides/notesSlide8.xml><?xml version="1.0" encoding="utf-8"?>
+<p:notes xmlns:a="http://schemas.openxmlformats.org/drawingml/2006/main" xmlns:r="http://schemas.openxmlformats.org/officeDocument/2006/relationships" xmlns:p="http://schemas.openxmlformats.org/presentationml/2006/main">
+  <p:cSld>
+    <p:spTree>
+      <p:nvGrpSpPr>
+        <p:cNvPr id="1" name=""/>
+        <p:cNvGrpSpPr/>
+        <p:nvPr/>
+      </p:nvGrpSpPr>
+      <p:grpSpPr>
+        <a:xfrm>
+          <a:off x="0" y="0"/>
+          <a:ext cx="0" cy="0"/>
+          <a:chOff x="0" y="0"/>
+          <a:chExt cx="0" cy="0"/>
+        </a:xfrm>
+      </p:grpSpPr>
+      <p:sp>
+        <p:nvSpPr>
+          <p:cNvPr id="2" name="Slide Image Placeholder 1"/>
+          <p:cNvSpPr>
+            <a:spLocks noGrp="1" noRot="1" noChangeAspect="1"/>
+          </p:cNvSpPr>
+          <p:nvPr>
+            <p:ph type="sldImg"/>
+          </p:nvPr>
+        </p:nvSpPr>
+        <p:spPr/>
+      </p:sp>
+      <p:sp>
+        <p:nvSpPr>
+          <p:cNvPr id="3" name="Notes Placeholder 2"/>
+          <p:cNvSpPr>
+            <a:spLocks noGrp="1"/>
+          </p:cNvSpPr>
+          <p:nvPr>
+            <p:ph type="body" idx="1"/>
+          </p:nvPr>
+        </p:nvSpPr>
+        <p:spPr/>
+        <p:txBody>
+          <a:bodyPr/>
+          <a:lstStyle/>
+          <a:p>
+            <a:endParaRPr lang="en-US" dirty="0"/>
+          </a:p>
+        </p:txBody>
+      </p:sp>
+      <p:sp>
+        <p:nvSpPr>
+          <p:cNvPr id="4" name="Slide Number Placeholder 3"/>
+          <p:cNvSpPr>
+            <a:spLocks noGrp="1"/>
+          </p:cNvSpPr>
+          <p:nvPr>
+            <p:ph type="sldNum" sz="quarter" idx="10"/>
+          </p:nvPr>
+        </p:nvSpPr>
+        <p:spPr/>
+        <p:txBody>
+          <a:bodyPr/>
+          <a:lstStyle/>
+          <a:p>
+            <a:fld id="{E7AA0654-642B-4EC6-9896-06614A0153EC}" type="slidenum">
+              <a:rPr lang="en-US" smtClean="0"/>
+              <a:t>13</a:t>
+            </a:fld>
+            <a:endParaRPr lang="en-US"/>
+          </a:p>
+        </p:txBody>
+      </p:sp>
+    </p:spTree>
+    <p:extLst>
+      <p:ext uri="{BB962C8B-B14F-4D97-AF65-F5344CB8AC3E}">
+        <p14:creationId xmlns:p14="http://schemas.microsoft.com/office/powerpoint/2010/main" val="1350586827"/>
+      </p:ext>
+    </p:extLst>
+  </p:cSld>
+  <p:clrMapOvr>
+    <a:masterClrMapping/>
+  </p:clrMapOvr>
+</p:notes>
+</file>
+
+<file path=ppt/notesSlides/notesSlide9.xml><?xml version="1.0" encoding="utf-8"?>
+<p:notes xmlns:a="http://schemas.openxmlformats.org/drawingml/2006/main" xmlns:r="http://schemas.openxmlformats.org/officeDocument/2006/relationships" xmlns:p="http://schemas.openxmlformats.org/presentationml/2006/main">
+  <p:cSld>
+    <p:spTree>
+      <p:nvGrpSpPr>
+        <p:cNvPr id="1" name=""/>
+        <p:cNvGrpSpPr/>
+        <p:nvPr/>
+      </p:nvGrpSpPr>
+      <p:grpSpPr>
+        <a:xfrm>
+          <a:off x="0" y="0"/>
+          <a:ext cx="0" cy="0"/>
+          <a:chOff x="0" y="0"/>
+          <a:chExt cx="0" cy="0"/>
+        </a:xfrm>
+      </p:grpSpPr>
+      <p:sp>
+        <p:nvSpPr>
+          <p:cNvPr id="2" name="Slide Image Placeholder 1"/>
+          <p:cNvSpPr>
+            <a:spLocks noGrp="1" noRot="1" noChangeAspect="1"/>
+          </p:cNvSpPr>
+          <p:nvPr>
+            <p:ph type="sldImg"/>
+          </p:nvPr>
+        </p:nvSpPr>
+        <p:spPr/>
+      </p:sp>
+      <p:sp>
+        <p:nvSpPr>
+          <p:cNvPr id="3" name="Notes Placeholder 2"/>
+          <p:cNvSpPr>
+            <a:spLocks noGrp="1"/>
+          </p:cNvSpPr>
+          <p:nvPr>
+            <p:ph type="body" idx="1"/>
+          </p:nvPr>
+        </p:nvSpPr>
+        <p:spPr/>
+        <p:txBody>
+          <a:bodyPr/>
+          <a:lstStyle/>
+          <a:p>
+            <a:endParaRPr lang="en-US" dirty="0"/>
+          </a:p>
+        </p:txBody>
+      </p:sp>
+      <p:sp>
+        <p:nvSpPr>
+          <p:cNvPr id="4" name="Slide Number Placeholder 3"/>
+          <p:cNvSpPr>
+            <a:spLocks noGrp="1"/>
+          </p:cNvSpPr>
+          <p:nvPr>
+            <p:ph type="sldNum" sz="quarter" idx="10"/>
+          </p:nvPr>
+        </p:nvSpPr>
+        <p:spPr/>
+        <p:txBody>
+          <a:bodyPr/>
+          <a:lstStyle/>
+          <a:p>
+            <a:fld id="{E7AA0654-642B-4EC6-9896-06614A0153EC}" type="slidenum">
+              <a:rPr lang="en-US" smtClean="0"/>
+              <a:t>14</a:t>
+            </a:fld>
+            <a:endParaRPr lang="en-US"/>
+          </a:p>
+        </p:txBody>
+      </p:sp>
+    </p:spTree>
+    <p:extLst>
+      <p:ext uri="{BB962C8B-B14F-4D97-AF65-F5344CB8AC3E}">
+        <p14:creationId xmlns:p14="http://schemas.microsoft.com/office/powerpoint/2010/main" val="3832885243"/>
       </p:ext>
     </p:extLst>
   </p:cSld>
@@ -1669,7 +2334,7 @@
           <a:p>
             <a:fld id="{5F65F745-5CE3-40A0-8E26-13A5C6D55D00}" type="datetimeFigureOut">
               <a:rPr lang="en-US" smtClean="0"/>
-              <a:t>11/10/2012</a:t>
+              <a:t>11/12/2012</a:t>
             </a:fld>
             <a:endParaRPr lang="en-US"/>
           </a:p>
@@ -1839,7 +2504,7 @@
           <a:p>
             <a:fld id="{5F65F745-5CE3-40A0-8E26-13A5C6D55D00}" type="datetimeFigureOut">
               <a:rPr lang="en-US" smtClean="0"/>
-              <a:t>11/10/2012</a:t>
+              <a:t>11/12/2012</a:t>
             </a:fld>
             <a:endParaRPr lang="en-US"/>
           </a:p>
@@ -2019,7 +2684,7 @@
           <a:p>
             <a:fld id="{5F65F745-5CE3-40A0-8E26-13A5C6D55D00}" type="datetimeFigureOut">
               <a:rPr lang="en-US" smtClean="0"/>
-              <a:t>11/10/2012</a:t>
+              <a:t>11/12/2012</a:t>
             </a:fld>
             <a:endParaRPr lang="en-US"/>
           </a:p>
@@ -2189,7 +2854,7 @@
           <a:p>
             <a:fld id="{5F65F745-5CE3-40A0-8E26-13A5C6D55D00}" type="datetimeFigureOut">
               <a:rPr lang="en-US" smtClean="0"/>
-              <a:t>11/10/2012</a:t>
+              <a:t>11/12/2012</a:t>
             </a:fld>
             <a:endParaRPr lang="en-US"/>
           </a:p>
@@ -2435,7 +3100,7 @@
           <a:p>
             <a:fld id="{5F65F745-5CE3-40A0-8E26-13A5C6D55D00}" type="datetimeFigureOut">
               <a:rPr lang="en-US" smtClean="0"/>
-              <a:t>11/10/2012</a:t>
+              <a:t>11/12/2012</a:t>
             </a:fld>
             <a:endParaRPr lang="en-US"/>
           </a:p>
@@ -2723,7 +3388,7 @@
           <a:p>
             <a:fld id="{5F65F745-5CE3-40A0-8E26-13A5C6D55D00}" type="datetimeFigureOut">
               <a:rPr lang="en-US" smtClean="0"/>
-              <a:t>11/10/2012</a:t>
+              <a:t>11/12/2012</a:t>
             </a:fld>
             <a:endParaRPr lang="en-US"/>
           </a:p>
@@ -3145,7 +3810,7 @@
           <a:p>
             <a:fld id="{5F65F745-5CE3-40A0-8E26-13A5C6D55D00}" type="datetimeFigureOut">
               <a:rPr lang="en-US" smtClean="0"/>
-              <a:t>11/10/2012</a:t>
+              <a:t>11/12/2012</a:t>
             </a:fld>
             <a:endParaRPr lang="en-US"/>
           </a:p>
@@ -3263,7 +3928,7 @@
           <a:p>
             <a:fld id="{5F65F745-5CE3-40A0-8E26-13A5C6D55D00}" type="datetimeFigureOut">
               <a:rPr lang="en-US" smtClean="0"/>
-              <a:t>11/10/2012</a:t>
+              <a:t>11/12/2012</a:t>
             </a:fld>
             <a:endParaRPr lang="en-US"/>
           </a:p>
@@ -3358,7 +4023,7 @@
           <a:p>
             <a:fld id="{5F65F745-5CE3-40A0-8E26-13A5C6D55D00}" type="datetimeFigureOut">
               <a:rPr lang="en-US" smtClean="0"/>
-              <a:t>11/10/2012</a:t>
+              <a:t>11/12/2012</a:t>
             </a:fld>
             <a:endParaRPr lang="en-US"/>
           </a:p>
@@ -3635,7 +4300,7 @@
           <a:p>
             <a:fld id="{5F65F745-5CE3-40A0-8E26-13A5C6D55D00}" type="datetimeFigureOut">
               <a:rPr lang="en-US" smtClean="0"/>
-              <a:t>11/10/2012</a:t>
+              <a:t>11/12/2012</a:t>
             </a:fld>
             <a:endParaRPr lang="en-US"/>
           </a:p>
@@ -3888,7 +4553,7 @@
           <a:p>
             <a:fld id="{5F65F745-5CE3-40A0-8E26-13A5C6D55D00}" type="datetimeFigureOut">
               <a:rPr lang="en-US" smtClean="0"/>
-              <a:t>11/10/2012</a:t>
+              <a:t>11/12/2012</a:t>
             </a:fld>
             <a:endParaRPr lang="en-US"/>
           </a:p>
@@ -4122,7 +4787,7 @@
           <a:p>
             <a:fld id="{5F65F745-5CE3-40A0-8E26-13A5C6D55D00}" type="datetimeFigureOut">
               <a:rPr lang="en-US" smtClean="0"/>
-              <a:t>11/10/2012</a:t>
+              <a:t>11/12/2012</a:t>
             </a:fld>
             <a:endParaRPr lang="en-US"/>
           </a:p>
@@ -4599,7 +5264,7 @@
           <a:p>
             <a:r>
               <a:rPr lang="hu-HU" dirty="0" smtClean="0"/>
-              <a:t>Modell-lekérdezések</a:t>
+              <a:t>Kiterjesztés</a:t>
             </a:r>
             <a:endParaRPr lang="en-US" dirty="0"/>
           </a:p>
@@ -4618,66 +5283,44 @@
         <p:spPr/>
         <p:txBody>
           <a:bodyPr>
-            <a:normAutofit lnSpcReduction="10000"/>
+            <a:normAutofit/>
           </a:bodyPr>
           <a:lstStyle/>
           <a:p>
             <a:r>
               <a:rPr lang="hu-HU" dirty="0" smtClean="0"/>
-              <a:t>EMF-IncQuery technológia:</a:t>
+              <a:t>Alap implementáció</a:t>
             </a:r>
           </a:p>
           <a:p>
             <a:pPr lvl="1"/>
             <a:r>
               <a:rPr lang="hu-HU" dirty="0" smtClean="0"/>
-              <a:t>Deklaratív, inkrementális modell-lekérdezések.</a:t>
+              <a:t>Csak az adatbázisban tárolt adatok alapján</a:t>
+            </a:r>
+          </a:p>
+          <a:p>
+            <a:r>
+              <a:rPr lang="hu-HU" dirty="0" smtClean="0"/>
+              <a:t>Továbbfejlesztés</a:t>
+            </a:r>
+          </a:p>
+          <a:p>
+            <a:pPr lvl="1"/>
+            <a:r>
+              <a:rPr lang="hu-HU" dirty="0" smtClean="0"/>
+              <a:t>Forráskód és függőségi </a:t>
+            </a:r>
+            <a:r>
+              <a:rPr lang="hu-HU" dirty="0"/>
+              <a:t>adatbázis összekapcsolása</a:t>
             </a:r>
           </a:p>
           <a:p>
             <a:pPr lvl="2"/>
             <a:r>
               <a:rPr lang="hu-HU" dirty="0" smtClean="0"/>
-              <a:t>Lekérdezés = </a:t>
-            </a:r>
-            <a:r>
-              <a:rPr lang="hu-HU" dirty="0" smtClean="0"/>
-              <a:t>gráfminta.</a:t>
-            </a:r>
-          </a:p>
-          <a:p>
-            <a:pPr lvl="1"/>
-            <a:r>
-              <a:rPr lang="hu-HU" dirty="0" smtClean="0"/>
-              <a:t>EMF példánymodellek felett.</a:t>
-            </a:r>
-          </a:p>
-          <a:p>
-            <a:r>
-              <a:rPr lang="hu-HU" dirty="0" smtClean="0"/>
-              <a:t>Cél:</a:t>
-            </a:r>
-          </a:p>
-          <a:p>
-            <a:pPr lvl="1"/>
-            <a:r>
-              <a:rPr lang="hu-HU" dirty="0" smtClean="0"/>
-              <a:t>Függőségi viszonyok azonnali megjelenítése.</a:t>
-            </a:r>
-            <a:endParaRPr lang="hu-HU" dirty="0" smtClean="0"/>
-          </a:p>
-          <a:p>
-            <a:pPr lvl="1"/>
-            <a:r>
-              <a:rPr lang="hu-HU" dirty="0" smtClean="0"/>
-              <a:t>Forráskód és függőségi adatbázis összekapcsolása.</a:t>
-            </a:r>
-          </a:p>
-          <a:p>
-            <a:pPr lvl="2"/>
-            <a:r>
-              <a:rPr lang="hu-HU" dirty="0" smtClean="0"/>
-              <a:t>Mi változott meg a workspace-ben?</a:t>
+              <a:t>Mi változott meg a fejlesztőkörnyezetben?</a:t>
             </a:r>
           </a:p>
           <a:p>
@@ -4688,10 +5331,17 @@
             </a:r>
           </a:p>
           <a:p>
-            <a:pPr marL="0" indent="0">
+            <a:pPr lvl="1"/>
+            <a:r>
+              <a:rPr lang="hu-HU" dirty="0"/>
+              <a:t>Valós idejű lekérdezések</a:t>
+            </a:r>
+          </a:p>
+          <a:p>
+            <a:pPr marL="457200" lvl="1" indent="0">
               <a:buNone/>
             </a:pPr>
-            <a:endParaRPr lang="en-US" dirty="0"/>
+            <a:endParaRPr lang="hu-HU" dirty="0" smtClean="0"/>
           </a:p>
         </p:txBody>
       </p:sp>
@@ -5004,7 +5654,6 @@
               <a:rPr lang="hu-HU" dirty="0" smtClean="0"/>
               <a:t>Lekérdezések</a:t>
             </a:r>
-            <a:endParaRPr lang="hu-HU" dirty="0" smtClean="0"/>
           </a:p>
         </p:txBody>
       </p:sp>
@@ -5073,11 +5722,11 @@
             <p:nvPr/>
           </p:nvPicPr>
           <p:blipFill>
-            <a:blip r:embed="rId2" cstate="print">
+            <a:blip r:embed="rId3" cstate="print">
               <a:extLst>
                 <a:ext uri="{BEBA8EAE-BF5A-486C-A8C5-ECC9F3942E4B}">
                   <a14:imgProps xmlns:a14="http://schemas.microsoft.com/office/drawing/2010/main">
-                    <a14:imgLayer r:embed="rId3">
+                    <a14:imgLayer r:embed="rId4">
                       <a14:imgEffect>
                         <a14:backgroundRemoval t="0" b="99603" l="0" r="100000"/>
                       </a14:imgEffect>
@@ -5653,25 +6302,24 @@
               <a:rPr lang="hu-HU" dirty="0" smtClean="0"/>
               <a:t>Tömörített EMF példánymodell</a:t>
             </a:r>
-            <a:endParaRPr lang="hu-HU" dirty="0" smtClean="0"/>
-          </a:p>
-        </p:txBody>
-      </p:sp>
-      <p:sp>
-        <p:nvSpPr>
-          <p:cNvPr id="32" name="Rounded Rectangular Callout 31"/>
+          </a:p>
+        </p:txBody>
+      </p:sp>
+      <p:sp>
+        <p:nvSpPr>
+          <p:cNvPr id="34" name="Rounded Rectangular Callout 33"/>
           <p:cNvSpPr/>
           <p:nvPr/>
         </p:nvSpPr>
         <p:spPr>
           <a:xfrm>
-            <a:off x="5090676" y="4114800"/>
-            <a:ext cx="3382247" cy="1066800"/>
+            <a:off x="2971800" y="4143200"/>
+            <a:ext cx="3279128" cy="761307"/>
           </a:xfrm>
           <a:prstGeom prst="wedgeRoundRectCallout">
             <a:avLst>
-              <a:gd name="adj1" fmla="val 1221"/>
-              <a:gd name="adj2" fmla="val -67424"/>
+              <a:gd name="adj1" fmla="val 40025"/>
+              <a:gd name="adj2" fmla="val -247673"/>
               <a:gd name="adj3" fmla="val 16667"/>
             </a:avLst>
           </a:prstGeom>
@@ -5700,9 +6348,8 @@
             </a:pPr>
             <a:r>
               <a:rPr lang="hu-HU" dirty="0" smtClean="0"/>
-              <a:t>Eclise projekteket leíró EMF példánymodell.</a:t>
-            </a:r>
-            <a:endParaRPr lang="hu-HU" dirty="0" smtClean="0"/>
+              <a:t>Modellek =&gt; EMF-IncQuery </a:t>
+            </a:r>
           </a:p>
           <a:p>
             <a:pPr marL="285750" indent="-285750">
@@ -5711,72 +6358,8 @@
             </a:pPr>
             <a:r>
               <a:rPr lang="hu-HU" dirty="0" smtClean="0"/>
-              <a:t>Inkrementális </a:t>
-            </a:r>
-            <a:r>
-              <a:rPr lang="hu-HU" dirty="0" smtClean="0"/>
-              <a:t>karbantartás.</a:t>
-            </a:r>
-            <a:endParaRPr lang="hu-HU" dirty="0" smtClean="0"/>
-          </a:p>
-        </p:txBody>
-      </p:sp>
-      <p:sp>
-        <p:nvSpPr>
-          <p:cNvPr id="34" name="Rounded Rectangular Callout 33"/>
-          <p:cNvSpPr/>
-          <p:nvPr/>
-        </p:nvSpPr>
-        <p:spPr>
-          <a:xfrm>
-            <a:off x="2971800" y="4143201"/>
-            <a:ext cx="3279128" cy="651130"/>
-          </a:xfrm>
-          <a:prstGeom prst="wedgeRoundRectCallout">
-            <a:avLst>
-              <a:gd name="adj1" fmla="val 38497"/>
-              <a:gd name="adj2" fmla="val -270708"/>
-              <a:gd name="adj3" fmla="val 16667"/>
-            </a:avLst>
-          </a:prstGeom>
-        </p:spPr>
-        <p:style>
-          <a:lnRef idx="1">
-            <a:schemeClr val="accent4"/>
-          </a:lnRef>
-          <a:fillRef idx="2">
-            <a:schemeClr val="accent4"/>
-          </a:fillRef>
-          <a:effectRef idx="1">
-            <a:schemeClr val="accent4"/>
-          </a:effectRef>
-          <a:fontRef idx="minor">
-            <a:schemeClr val="dk1"/>
-          </a:fontRef>
-        </p:style>
-        <p:txBody>
-          <a:bodyPr rtlCol="0" anchor="ctr"/>
-          <a:lstStyle/>
-          <a:p>
-            <a:pPr marL="285750" indent="-285750">
-              <a:buFont typeface="Arial" pitchFamily="34" charset="0"/>
-              <a:buChar char="•"/>
-            </a:pPr>
-            <a:r>
-              <a:rPr lang="hu-HU" dirty="0" smtClean="0"/>
-              <a:t>Modellek =&gt; EMF-IncQuery. </a:t>
-            </a:r>
-          </a:p>
-          <a:p>
-            <a:pPr marL="285750" indent="-285750">
-              <a:buFont typeface="Arial" pitchFamily="34" charset="0"/>
-              <a:buChar char="•"/>
-            </a:pPr>
-            <a:r>
-              <a:rPr lang="hu-HU" dirty="0" smtClean="0"/>
-              <a:t>Valós idejű kiértékelés.</a:t>
-            </a:r>
-            <a:endParaRPr lang="hu-HU" dirty="0" smtClean="0"/>
+              <a:t>Valós idejű, inkrementális kiértékelés</a:t>
+            </a:r>
           </a:p>
         </p:txBody>
       </p:sp>
@@ -5819,9 +6402,8 @@
           <a:p>
             <a:r>
               <a:rPr lang="hu-HU" dirty="0" smtClean="0"/>
-              <a:t>Explicit lekérdezés megmarad.</a:t>
-            </a:r>
-            <a:endParaRPr lang="hu-HU" dirty="0" smtClean="0"/>
+              <a:t>Explicit lekérdezés megmarad</a:t>
+            </a:r>
           </a:p>
         </p:txBody>
       </p:sp>
@@ -5878,7 +6460,75 @@
             </a:pPr>
             <a:r>
               <a:rPr lang="hu-HU" dirty="0" smtClean="0"/>
-              <a:t>Az összes elemre!</a:t>
+              <a:t>Az összes elemre</a:t>
+            </a:r>
+          </a:p>
+        </p:txBody>
+      </p:sp>
+      <p:sp>
+        <p:nvSpPr>
+          <p:cNvPr id="32" name="Rounded Rectangular Callout 31"/>
+          <p:cNvSpPr/>
+          <p:nvPr/>
+        </p:nvSpPr>
+        <p:spPr>
+          <a:xfrm>
+            <a:off x="5090676" y="4114800"/>
+            <a:ext cx="3382247" cy="1295400"/>
+          </a:xfrm>
+          <a:prstGeom prst="wedgeRoundRectCallout">
+            <a:avLst>
+              <a:gd name="adj1" fmla="val 1221"/>
+              <a:gd name="adj2" fmla="val -67424"/>
+              <a:gd name="adj3" fmla="val 16667"/>
+            </a:avLst>
+          </a:prstGeom>
+        </p:spPr>
+        <p:style>
+          <a:lnRef idx="1">
+            <a:schemeClr val="accent4"/>
+          </a:lnRef>
+          <a:fillRef idx="2">
+            <a:schemeClr val="accent4"/>
+          </a:fillRef>
+          <a:effectRef idx="1">
+            <a:schemeClr val="accent4"/>
+          </a:effectRef>
+          <a:fontRef idx="minor">
+            <a:schemeClr val="dk1"/>
+          </a:fontRef>
+        </p:style>
+        <p:txBody>
+          <a:bodyPr rtlCol="0" anchor="ctr"/>
+          <a:lstStyle/>
+          <a:p>
+            <a:pPr marL="285750" indent="-285750">
+              <a:buFont typeface="Arial" pitchFamily="34" charset="0"/>
+              <a:buChar char="•"/>
+            </a:pPr>
+            <a:r>
+              <a:rPr lang="hu-HU" dirty="0" smtClean="0"/>
+              <a:t>Eclise projekteket leíró EMF példánymodell</a:t>
+            </a:r>
+          </a:p>
+          <a:p>
+            <a:pPr marL="285750" indent="-285750">
+              <a:buFont typeface="Arial" pitchFamily="34" charset="0"/>
+              <a:buChar char="•"/>
+            </a:pPr>
+            <a:r>
+              <a:rPr lang="hu-HU" dirty="0" smtClean="0"/>
+              <a:t>Elemek 1-1 kapcsolatban  az Eclipse-el</a:t>
+            </a:r>
+          </a:p>
+          <a:p>
+            <a:pPr marL="285750" indent="-285750">
+              <a:buFont typeface="Arial" pitchFamily="34" charset="0"/>
+              <a:buChar char="•"/>
+            </a:pPr>
+            <a:r>
+              <a:rPr lang="hu-HU" dirty="0" smtClean="0"/>
+              <a:t>Inkrementális karbantartás</a:t>
             </a:r>
           </a:p>
         </p:txBody>
@@ -6523,13 +7173,13 @@
       <p:bldP spid="30" grpId="0" animBg="1"/>
       <p:bldP spid="31" grpId="0" animBg="1"/>
       <p:bldP spid="31" grpId="1" animBg="1"/>
-      <p:bldP spid="32" grpId="0" animBg="1"/>
-      <p:bldP spid="32" grpId="1" animBg="1"/>
       <p:bldP spid="34" grpId="0" animBg="1"/>
       <p:bldP spid="34" grpId="1" animBg="1"/>
       <p:bldP spid="35" grpId="0" animBg="1"/>
       <p:bldP spid="35" grpId="1" animBg="1"/>
       <p:bldP spid="36" grpId="0" animBg="1"/>
+      <p:bldP spid="32" grpId="0" animBg="1"/>
+      <p:bldP spid="32" grpId="1" animBg="1"/>
     </p:bldLst>
   </p:timing>
 </p:sld>
@@ -6554,6 +7204,48 @@
       </p:grpSpPr>
       <p:sp>
         <p:nvSpPr>
+          <p:cNvPr id="24" name="Rectangle 23"/>
+          <p:cNvSpPr/>
+          <p:nvPr/>
+        </p:nvSpPr>
+        <p:spPr>
+          <a:xfrm>
+            <a:off x="6841867" y="4201733"/>
+            <a:ext cx="1644134" cy="533400"/>
+          </a:xfrm>
+          <a:prstGeom prst="rect">
+            <a:avLst/>
+          </a:prstGeom>
+        </p:spPr>
+        <p:style>
+          <a:lnRef idx="2">
+            <a:schemeClr val="accent5"/>
+          </a:lnRef>
+          <a:fillRef idx="1">
+            <a:schemeClr val="lt1"/>
+          </a:fillRef>
+          <a:effectRef idx="0">
+            <a:schemeClr val="accent5"/>
+          </a:effectRef>
+          <a:fontRef idx="minor">
+            <a:schemeClr val="dk1"/>
+          </a:fontRef>
+        </p:style>
+        <p:txBody>
+          <a:bodyPr rtlCol="0" anchor="ctr"/>
+          <a:lstStyle/>
+          <a:p>
+            <a:pPr algn="ctr"/>
+            <a:r>
+              <a:rPr lang="hu-HU" dirty="0" smtClean="0"/>
+              <a:t>NewClass</a:t>
+            </a:r>
+            <a:endParaRPr lang="en-US" dirty="0"/>
+          </a:p>
+        </p:txBody>
+      </p:sp>
+      <p:sp>
+        <p:nvSpPr>
           <p:cNvPr id="2" name="Title 1"/>
           <p:cNvSpPr>
             <a:spLocks noGrp="1"/>
@@ -6569,7 +7261,7 @@
           <a:p>
             <a:r>
               <a:rPr lang="hu-HU" dirty="0" smtClean="0"/>
-              <a:t>A modell-lekérdezések</a:t>
+              <a:t>Modell-lekérdezések</a:t>
             </a:r>
             <a:endParaRPr lang="en-US" dirty="0"/>
           </a:p>
@@ -6587,21 +7279,1283 @@
         </p:nvSpPr>
         <p:spPr/>
         <p:txBody>
-          <a:bodyPr/>
+          <a:bodyPr>
+            <a:normAutofit/>
+          </a:bodyPr>
           <a:lstStyle/>
           <a:p>
             <a:r>
               <a:rPr lang="hu-HU" dirty="0" smtClean="0"/>
-              <a:t>Query explorer eredmény ide?</a:t>
+              <a:t>Lekérdezések = gráfminták</a:t>
+            </a:r>
+          </a:p>
+          <a:p>
+            <a:pPr lvl="1"/>
+            <a:r>
+              <a:rPr lang="hu-HU" sz="2400" dirty="0" smtClean="0"/>
+              <a:t>IncQuery deklaratív lekérdező nyelvén megfogalmazva.</a:t>
+            </a:r>
+          </a:p>
+        </p:txBody>
+      </p:sp>
+      <p:sp>
+        <p:nvSpPr>
+          <p:cNvPr id="5" name="Rectangle 4"/>
+          <p:cNvSpPr/>
+          <p:nvPr/>
+        </p:nvSpPr>
+        <p:spPr>
+          <a:xfrm>
+            <a:off x="609600" y="2667000"/>
+            <a:ext cx="3842266" cy="3810000"/>
+          </a:xfrm>
+          <a:prstGeom prst="rect">
+            <a:avLst/>
+          </a:prstGeom>
+          <a:noFill/>
+          <a:ln w="9525">
+            <a:prstDash val="dash"/>
+          </a:ln>
+        </p:spPr>
+        <p:style>
+          <a:lnRef idx="2">
+            <a:schemeClr val="dk1"/>
+          </a:lnRef>
+          <a:fillRef idx="1">
+            <a:schemeClr val="lt1"/>
+          </a:fillRef>
+          <a:effectRef idx="0">
+            <a:schemeClr val="dk1"/>
+          </a:effectRef>
+          <a:fontRef idx="minor">
+            <a:schemeClr val="dk1"/>
+          </a:fontRef>
+        </p:style>
+        <p:txBody>
+          <a:bodyPr rtlCol="0" anchor="ctr"/>
+          <a:lstStyle/>
+          <a:p>
+            <a:pPr algn="ctr"/>
+            <a:endParaRPr lang="en-US"/>
+          </a:p>
+        </p:txBody>
+      </p:sp>
+      <p:sp>
+        <p:nvSpPr>
+          <p:cNvPr id="6" name="TextBox 5"/>
+          <p:cNvSpPr txBox="1"/>
+          <p:nvPr/>
+        </p:nvSpPr>
+        <p:spPr>
+          <a:xfrm>
+            <a:off x="609600" y="6107668"/>
+            <a:ext cx="3842265" cy="369332"/>
+          </a:xfrm>
+          <a:prstGeom prst="rect">
+            <a:avLst/>
+          </a:prstGeom>
+          <a:noFill/>
+        </p:spPr>
+        <p:txBody>
+          <a:bodyPr wrap="square" rtlCol="0">
+            <a:spAutoFit/>
+          </a:bodyPr>
+          <a:lstStyle/>
+          <a:p>
+            <a:pPr algn="ctr"/>
+            <a:r>
+              <a:rPr lang="en-US" dirty="0" err="1" smtClean="0"/>
+              <a:t>Szerver</a:t>
+            </a:r>
+            <a:r>
+              <a:rPr lang="en-US" dirty="0" smtClean="0"/>
+              <a:t> </a:t>
+            </a:r>
+            <a:r>
+              <a:rPr lang="en-US" dirty="0" err="1" smtClean="0"/>
+              <a:t>oldali</a:t>
+            </a:r>
+            <a:r>
+              <a:rPr lang="en-US" dirty="0" smtClean="0"/>
+              <a:t> </a:t>
+            </a:r>
+            <a:r>
+              <a:rPr lang="en-US" dirty="0" err="1" smtClean="0"/>
+              <a:t>modell</a:t>
             </a:r>
             <a:endParaRPr lang="en-US" dirty="0"/>
           </a:p>
         </p:txBody>
       </p:sp>
+      <p:sp>
+        <p:nvSpPr>
+          <p:cNvPr id="7" name="Rectangle 6"/>
+          <p:cNvSpPr/>
+          <p:nvPr/>
+        </p:nvSpPr>
+        <p:spPr>
+          <a:xfrm>
+            <a:off x="4800600" y="2667000"/>
+            <a:ext cx="3810000" cy="3810000"/>
+          </a:xfrm>
+          <a:prstGeom prst="rect">
+            <a:avLst/>
+          </a:prstGeom>
+          <a:noFill/>
+          <a:ln w="9525">
+            <a:prstDash val="dash"/>
+          </a:ln>
+        </p:spPr>
+        <p:style>
+          <a:lnRef idx="2">
+            <a:schemeClr val="dk1"/>
+          </a:lnRef>
+          <a:fillRef idx="1">
+            <a:schemeClr val="lt1"/>
+          </a:fillRef>
+          <a:effectRef idx="0">
+            <a:schemeClr val="dk1"/>
+          </a:effectRef>
+          <a:fontRef idx="minor">
+            <a:schemeClr val="dk1"/>
+          </a:fontRef>
+        </p:style>
+        <p:txBody>
+          <a:bodyPr rtlCol="0" anchor="ctr"/>
+          <a:lstStyle/>
+          <a:p>
+            <a:pPr algn="ctr"/>
+            <a:endParaRPr lang="en-US"/>
+          </a:p>
+        </p:txBody>
+      </p:sp>
+      <p:sp>
+        <p:nvSpPr>
+          <p:cNvPr id="8" name="Rectangle 7"/>
+          <p:cNvSpPr/>
+          <p:nvPr/>
+        </p:nvSpPr>
+        <p:spPr>
+          <a:xfrm>
+            <a:off x="1708666" y="2944433"/>
+            <a:ext cx="1644134" cy="533400"/>
+          </a:xfrm>
+          <a:prstGeom prst="rect">
+            <a:avLst/>
+          </a:prstGeom>
+        </p:spPr>
+        <p:style>
+          <a:lnRef idx="2">
+            <a:schemeClr val="accent1"/>
+          </a:lnRef>
+          <a:fillRef idx="1">
+            <a:schemeClr val="lt1"/>
+          </a:fillRef>
+          <a:effectRef idx="0">
+            <a:schemeClr val="accent1"/>
+          </a:effectRef>
+          <a:fontRef idx="minor">
+            <a:schemeClr val="dk1"/>
+          </a:fontRef>
+        </p:style>
+        <p:txBody>
+          <a:bodyPr rtlCol="0" anchor="ctr"/>
+          <a:lstStyle/>
+          <a:p>
+            <a:pPr algn="ctr"/>
+            <a:r>
+              <a:rPr lang="hu-HU" dirty="0" smtClean="0"/>
+              <a:t>ServiceJar</a:t>
+            </a:r>
+            <a:endParaRPr lang="en-US" dirty="0"/>
+          </a:p>
+        </p:txBody>
+      </p:sp>
+      <p:sp>
+        <p:nvSpPr>
+          <p:cNvPr id="9" name="Rectangle 8"/>
+          <p:cNvSpPr/>
+          <p:nvPr/>
+        </p:nvSpPr>
+        <p:spPr>
+          <a:xfrm>
+            <a:off x="762000" y="4148207"/>
+            <a:ext cx="1644134" cy="533400"/>
+          </a:xfrm>
+          <a:prstGeom prst="rect">
+            <a:avLst/>
+          </a:prstGeom>
+        </p:spPr>
+        <p:style>
+          <a:lnRef idx="2">
+            <a:schemeClr val="accent1"/>
+          </a:lnRef>
+          <a:fillRef idx="1">
+            <a:schemeClr val="lt1"/>
+          </a:fillRef>
+          <a:effectRef idx="0">
+            <a:schemeClr val="accent1"/>
+          </a:effectRef>
+          <a:fontRef idx="minor">
+            <a:schemeClr val="dk1"/>
+          </a:fontRef>
+        </p:style>
+        <p:txBody>
+          <a:bodyPr rtlCol="0" anchor="ctr"/>
+          <a:lstStyle/>
+          <a:p>
+            <a:pPr algn="ctr"/>
+            <a:r>
+              <a:rPr lang="hu-HU" dirty="0" smtClean="0"/>
+              <a:t>Service</a:t>
+            </a:r>
+            <a:endParaRPr lang="en-US" dirty="0"/>
+          </a:p>
+        </p:txBody>
+      </p:sp>
+      <p:sp>
+        <p:nvSpPr>
+          <p:cNvPr id="11" name="Rectangle 10"/>
+          <p:cNvSpPr/>
+          <p:nvPr/>
+        </p:nvSpPr>
+        <p:spPr>
+          <a:xfrm>
+            <a:off x="762000" y="5372100"/>
+            <a:ext cx="908565" cy="533400"/>
+          </a:xfrm>
+          <a:prstGeom prst="rect">
+            <a:avLst/>
+          </a:prstGeom>
+        </p:spPr>
+        <p:style>
+          <a:lnRef idx="2">
+            <a:schemeClr val="accent1"/>
+          </a:lnRef>
+          <a:fillRef idx="1">
+            <a:schemeClr val="lt1"/>
+          </a:fillRef>
+          <a:effectRef idx="0">
+            <a:schemeClr val="accent1"/>
+          </a:effectRef>
+          <a:fontRef idx="minor">
+            <a:schemeClr val="dk1"/>
+          </a:fontRef>
+        </p:style>
+        <p:txBody>
+          <a:bodyPr rtlCol="0" anchor="ctr"/>
+          <a:lstStyle/>
+          <a:p>
+            <a:pPr algn="ctr"/>
+            <a:r>
+              <a:rPr lang="hu-HU" dirty="0" smtClean="0"/>
+              <a:t>serve()</a:t>
+            </a:r>
+            <a:endParaRPr lang="en-US" dirty="0"/>
+          </a:p>
+        </p:txBody>
+      </p:sp>
+      <p:sp>
+        <p:nvSpPr>
+          <p:cNvPr id="12" name="Rectangle 11"/>
+          <p:cNvSpPr/>
+          <p:nvPr/>
+        </p:nvSpPr>
+        <p:spPr>
+          <a:xfrm>
+            <a:off x="2667000" y="5372100"/>
+            <a:ext cx="1066800" cy="533400"/>
+          </a:xfrm>
+          <a:prstGeom prst="rect">
+            <a:avLst/>
+          </a:prstGeom>
+        </p:spPr>
+        <p:style>
+          <a:lnRef idx="2">
+            <a:schemeClr val="accent1"/>
+          </a:lnRef>
+          <a:fillRef idx="1">
+            <a:schemeClr val="lt1"/>
+          </a:fillRef>
+          <a:effectRef idx="0">
+            <a:schemeClr val="accent1"/>
+          </a:effectRef>
+          <a:fontRef idx="minor">
+            <a:schemeClr val="dk1"/>
+          </a:fontRef>
+        </p:style>
+        <p:txBody>
+          <a:bodyPr rtlCol="0" anchor="ctr"/>
+          <a:lstStyle/>
+          <a:p>
+            <a:pPr algn="ctr"/>
+            <a:r>
+              <a:rPr lang="hu-HU" dirty="0" smtClean="0"/>
+              <a:t>doWork()</a:t>
+            </a:r>
+            <a:endParaRPr lang="en-US" dirty="0"/>
+          </a:p>
+        </p:txBody>
+      </p:sp>
+      <p:cxnSp>
+        <p:nvCxnSpPr>
+          <p:cNvPr id="17" name="Straight Arrow Connector 16"/>
+          <p:cNvCxnSpPr>
+            <a:stCxn id="8" idx="2"/>
+            <a:endCxn id="9" idx="0"/>
+          </p:cNvCxnSpPr>
+          <p:nvPr/>
+        </p:nvCxnSpPr>
+        <p:spPr>
+          <a:xfrm flipH="1">
+            <a:off x="1584067" y="3477833"/>
+            <a:ext cx="946666" cy="670374"/>
+          </a:xfrm>
+          <a:prstGeom prst="straightConnector1">
+            <a:avLst/>
+          </a:prstGeom>
+          <a:ln>
+            <a:tailEnd type="arrow"/>
+          </a:ln>
+        </p:spPr>
+        <p:style>
+          <a:lnRef idx="2">
+            <a:schemeClr val="accent1"/>
+          </a:lnRef>
+          <a:fillRef idx="1">
+            <a:schemeClr val="lt1"/>
+          </a:fillRef>
+          <a:effectRef idx="0">
+            <a:schemeClr val="accent1"/>
+          </a:effectRef>
+          <a:fontRef idx="minor">
+            <a:schemeClr val="dk1"/>
+          </a:fontRef>
+        </p:style>
+      </p:cxnSp>
+      <p:cxnSp>
+        <p:nvCxnSpPr>
+          <p:cNvPr id="21" name="Straight Arrow Connector 20"/>
+          <p:cNvCxnSpPr>
+            <a:stCxn id="12" idx="1"/>
+            <a:endCxn id="11" idx="3"/>
+          </p:cNvCxnSpPr>
+          <p:nvPr/>
+        </p:nvCxnSpPr>
+        <p:spPr>
+          <a:xfrm flipH="1">
+            <a:off x="1670565" y="5638800"/>
+            <a:ext cx="996435" cy="0"/>
+          </a:xfrm>
+          <a:prstGeom prst="straightConnector1">
+            <a:avLst/>
+          </a:prstGeom>
+          <a:ln>
+            <a:tailEnd type="arrow"/>
+          </a:ln>
+        </p:spPr>
+        <p:style>
+          <a:lnRef idx="2">
+            <a:schemeClr val="dk1"/>
+          </a:lnRef>
+          <a:fillRef idx="0">
+            <a:schemeClr val="dk1"/>
+          </a:fillRef>
+          <a:effectRef idx="1">
+            <a:schemeClr val="dk1"/>
+          </a:effectRef>
+          <a:fontRef idx="minor">
+            <a:schemeClr val="tx1"/>
+          </a:fontRef>
+        </p:style>
+      </p:cxnSp>
+      <p:sp>
+        <p:nvSpPr>
+          <p:cNvPr id="22" name="Rectangle 21"/>
+          <p:cNvSpPr/>
+          <p:nvPr/>
+        </p:nvSpPr>
+        <p:spPr>
+          <a:xfrm>
+            <a:off x="5883533" y="2993266"/>
+            <a:ext cx="1644134" cy="533400"/>
+          </a:xfrm>
+          <a:prstGeom prst="rect">
+            <a:avLst/>
+          </a:prstGeom>
+        </p:spPr>
+        <p:style>
+          <a:lnRef idx="2">
+            <a:schemeClr val="accent5"/>
+          </a:lnRef>
+          <a:fillRef idx="1">
+            <a:schemeClr val="lt1"/>
+          </a:fillRef>
+          <a:effectRef idx="0">
+            <a:schemeClr val="accent5"/>
+          </a:effectRef>
+          <a:fontRef idx="minor">
+            <a:schemeClr val="dk1"/>
+          </a:fontRef>
+        </p:style>
+        <p:txBody>
+          <a:bodyPr rtlCol="0" anchor="ctr"/>
+          <a:lstStyle/>
+          <a:p>
+            <a:pPr algn="ctr"/>
+            <a:r>
+              <a:rPr lang="hu-HU" dirty="0" smtClean="0"/>
+              <a:t>ServiceJar</a:t>
+            </a:r>
+            <a:endParaRPr lang="en-US" dirty="0"/>
+          </a:p>
+        </p:txBody>
+      </p:sp>
+      <p:sp>
+        <p:nvSpPr>
+          <p:cNvPr id="23" name="Rectangle 22"/>
+          <p:cNvSpPr/>
+          <p:nvPr/>
+        </p:nvSpPr>
+        <p:spPr>
+          <a:xfrm>
+            <a:off x="4936867" y="4197040"/>
+            <a:ext cx="1644134" cy="533400"/>
+          </a:xfrm>
+          <a:prstGeom prst="rect">
+            <a:avLst/>
+          </a:prstGeom>
+        </p:spPr>
+        <p:style>
+          <a:lnRef idx="2">
+            <a:schemeClr val="accent5"/>
+          </a:lnRef>
+          <a:fillRef idx="1">
+            <a:schemeClr val="lt1"/>
+          </a:fillRef>
+          <a:effectRef idx="0">
+            <a:schemeClr val="accent5"/>
+          </a:effectRef>
+          <a:fontRef idx="minor">
+            <a:schemeClr val="dk1"/>
+          </a:fontRef>
+        </p:style>
+        <p:txBody>
+          <a:bodyPr rtlCol="0" anchor="ctr"/>
+          <a:lstStyle/>
+          <a:p>
+            <a:pPr algn="ctr"/>
+            <a:r>
+              <a:rPr lang="hu-HU" dirty="0"/>
+              <a:t>Service</a:t>
+            </a:r>
+            <a:endParaRPr lang="en-US" dirty="0"/>
+          </a:p>
+        </p:txBody>
+      </p:sp>
+      <p:sp>
+        <p:nvSpPr>
+          <p:cNvPr id="25" name="Rectangle 24"/>
+          <p:cNvSpPr/>
+          <p:nvPr/>
+        </p:nvSpPr>
+        <p:spPr>
+          <a:xfrm>
+            <a:off x="5293667" y="5374332"/>
+            <a:ext cx="930533" cy="533400"/>
+          </a:xfrm>
+          <a:prstGeom prst="rect">
+            <a:avLst/>
+          </a:prstGeom>
+        </p:spPr>
+        <p:style>
+          <a:lnRef idx="2">
+            <a:schemeClr val="accent5"/>
+          </a:lnRef>
+          <a:fillRef idx="1">
+            <a:schemeClr val="lt1"/>
+          </a:fillRef>
+          <a:effectRef idx="0">
+            <a:schemeClr val="accent5"/>
+          </a:effectRef>
+          <a:fontRef idx="minor">
+            <a:schemeClr val="dk1"/>
+          </a:fontRef>
+        </p:style>
+        <p:txBody>
+          <a:bodyPr rtlCol="0" anchor="ctr"/>
+          <a:lstStyle/>
+          <a:p>
+            <a:pPr algn="ctr"/>
+            <a:r>
+              <a:rPr lang="hu-HU" dirty="0"/>
+              <a:t>serve()</a:t>
+            </a:r>
+            <a:endParaRPr lang="en-US" dirty="0"/>
+          </a:p>
+        </p:txBody>
+      </p:sp>
+      <p:cxnSp>
+        <p:nvCxnSpPr>
+          <p:cNvPr id="27" name="Straight Arrow Connector 26"/>
+          <p:cNvCxnSpPr>
+            <a:stCxn id="22" idx="2"/>
+            <a:endCxn id="23" idx="0"/>
+          </p:cNvCxnSpPr>
+          <p:nvPr/>
+        </p:nvCxnSpPr>
+        <p:spPr>
+          <a:xfrm flipH="1">
+            <a:off x="5758934" y="3526666"/>
+            <a:ext cx="946666" cy="670374"/>
+          </a:xfrm>
+          <a:prstGeom prst="straightConnector1">
+            <a:avLst/>
+          </a:prstGeom>
+          <a:ln>
+            <a:tailEnd type="arrow"/>
+          </a:ln>
+        </p:spPr>
+        <p:style>
+          <a:lnRef idx="2">
+            <a:schemeClr val="accent5"/>
+          </a:lnRef>
+          <a:fillRef idx="1">
+            <a:schemeClr val="lt1"/>
+          </a:fillRef>
+          <a:effectRef idx="0">
+            <a:schemeClr val="accent5"/>
+          </a:effectRef>
+          <a:fontRef idx="minor">
+            <a:schemeClr val="dk1"/>
+          </a:fontRef>
+        </p:style>
+      </p:cxnSp>
+      <p:cxnSp>
+        <p:nvCxnSpPr>
+          <p:cNvPr id="28" name="Straight Arrow Connector 27"/>
+          <p:cNvCxnSpPr>
+            <a:stCxn id="22" idx="2"/>
+            <a:endCxn id="24" idx="0"/>
+          </p:cNvCxnSpPr>
+          <p:nvPr/>
+        </p:nvCxnSpPr>
+        <p:spPr>
+          <a:xfrm>
+            <a:off x="6705600" y="3526666"/>
+            <a:ext cx="958334" cy="675067"/>
+          </a:xfrm>
+          <a:prstGeom prst="straightConnector1">
+            <a:avLst/>
+          </a:prstGeom>
+          <a:ln>
+            <a:tailEnd type="arrow"/>
+          </a:ln>
+        </p:spPr>
+        <p:style>
+          <a:lnRef idx="2">
+            <a:schemeClr val="accent5"/>
+          </a:lnRef>
+          <a:fillRef idx="1">
+            <a:schemeClr val="lt1"/>
+          </a:fillRef>
+          <a:effectRef idx="0">
+            <a:schemeClr val="accent5"/>
+          </a:effectRef>
+          <a:fontRef idx="minor">
+            <a:schemeClr val="dk1"/>
+          </a:fontRef>
+        </p:style>
+      </p:cxnSp>
+      <p:cxnSp>
+        <p:nvCxnSpPr>
+          <p:cNvPr id="30" name="Straight Arrow Connector 29"/>
+          <p:cNvCxnSpPr>
+            <a:stCxn id="9" idx="2"/>
+            <a:endCxn id="11" idx="0"/>
+          </p:cNvCxnSpPr>
+          <p:nvPr/>
+        </p:nvCxnSpPr>
+        <p:spPr>
+          <a:xfrm flipH="1">
+            <a:off x="1216283" y="4681607"/>
+            <a:ext cx="367784" cy="690493"/>
+          </a:xfrm>
+          <a:prstGeom prst="straightConnector1">
+            <a:avLst/>
+          </a:prstGeom>
+          <a:ln>
+            <a:tailEnd type="arrow"/>
+          </a:ln>
+        </p:spPr>
+        <p:style>
+          <a:lnRef idx="2">
+            <a:schemeClr val="accent1"/>
+          </a:lnRef>
+          <a:fillRef idx="1">
+            <a:schemeClr val="lt1"/>
+          </a:fillRef>
+          <a:effectRef idx="0">
+            <a:schemeClr val="accent1"/>
+          </a:effectRef>
+          <a:fontRef idx="minor">
+            <a:schemeClr val="dk1"/>
+          </a:fontRef>
+        </p:style>
+      </p:cxnSp>
+      <p:cxnSp>
+        <p:nvCxnSpPr>
+          <p:cNvPr id="33" name="Straight Arrow Connector 32"/>
+          <p:cNvCxnSpPr>
+            <a:stCxn id="23" idx="2"/>
+            <a:endCxn id="25" idx="0"/>
+          </p:cNvCxnSpPr>
+          <p:nvPr/>
+        </p:nvCxnSpPr>
+        <p:spPr>
+          <a:xfrm>
+            <a:off x="5758934" y="4730440"/>
+            <a:ext cx="0" cy="643892"/>
+          </a:xfrm>
+          <a:prstGeom prst="straightConnector1">
+            <a:avLst/>
+          </a:prstGeom>
+          <a:ln>
+            <a:tailEnd type="arrow"/>
+          </a:ln>
+        </p:spPr>
+        <p:style>
+          <a:lnRef idx="2">
+            <a:schemeClr val="accent5"/>
+          </a:lnRef>
+          <a:fillRef idx="1">
+            <a:schemeClr val="lt1"/>
+          </a:fillRef>
+          <a:effectRef idx="0">
+            <a:schemeClr val="accent5"/>
+          </a:effectRef>
+          <a:fontRef idx="minor">
+            <a:schemeClr val="dk1"/>
+          </a:fontRef>
+        </p:style>
+      </p:cxnSp>
+      <p:sp>
+        <p:nvSpPr>
+          <p:cNvPr id="37" name="TextBox 36"/>
+          <p:cNvSpPr txBox="1"/>
+          <p:nvPr/>
+        </p:nvSpPr>
+        <p:spPr>
+          <a:xfrm>
+            <a:off x="4800601" y="6107668"/>
+            <a:ext cx="3810000" cy="369332"/>
+          </a:xfrm>
+          <a:prstGeom prst="rect">
+            <a:avLst/>
+          </a:prstGeom>
+          <a:noFill/>
+        </p:spPr>
+        <p:txBody>
+          <a:bodyPr wrap="square" rtlCol="0">
+            <a:spAutoFit/>
+          </a:bodyPr>
+          <a:lstStyle/>
+          <a:p>
+            <a:pPr algn="ctr"/>
+            <a:r>
+              <a:rPr lang="en-US" dirty="0" err="1" smtClean="0"/>
+              <a:t>Kliens</a:t>
+            </a:r>
+            <a:r>
+              <a:rPr lang="en-US" dirty="0" smtClean="0"/>
+              <a:t> </a:t>
+            </a:r>
+            <a:r>
+              <a:rPr lang="en-US" dirty="0" err="1" smtClean="0"/>
+              <a:t>oldali</a:t>
+            </a:r>
+            <a:r>
+              <a:rPr lang="en-US" dirty="0" smtClean="0"/>
+              <a:t> </a:t>
+            </a:r>
+            <a:r>
+              <a:rPr lang="en-US" dirty="0" err="1" smtClean="0"/>
+              <a:t>modell</a:t>
+            </a:r>
+            <a:endParaRPr lang="en-US" dirty="0"/>
+          </a:p>
+        </p:txBody>
+      </p:sp>
+      <p:grpSp>
+        <p:nvGrpSpPr>
+          <p:cNvPr id="50" name="Group 49"/>
+          <p:cNvGrpSpPr/>
+          <p:nvPr/>
+        </p:nvGrpSpPr>
+        <p:grpSpPr>
+          <a:xfrm>
+            <a:off x="1524000" y="2743200"/>
+            <a:ext cx="6139934" cy="935866"/>
+            <a:chOff x="1524000" y="2797934"/>
+            <a:chExt cx="6139934" cy="935866"/>
+          </a:xfrm>
+        </p:grpSpPr>
+        <p:sp>
+          <p:nvSpPr>
+            <p:cNvPr id="38" name="Rectangle 37"/>
+            <p:cNvSpPr/>
+            <p:nvPr/>
+          </p:nvSpPr>
+          <p:spPr>
+            <a:xfrm>
+              <a:off x="1524000" y="2797934"/>
+              <a:ext cx="6139934" cy="935866"/>
+            </a:xfrm>
+            <a:prstGeom prst="rect">
+              <a:avLst/>
+            </a:prstGeom>
+            <a:noFill/>
+            <a:ln>
+              <a:solidFill>
+                <a:srgbClr val="FF0000"/>
+              </a:solidFill>
+            </a:ln>
+          </p:spPr>
+          <p:style>
+            <a:lnRef idx="2">
+              <a:schemeClr val="accent1">
+                <a:shade val="50000"/>
+              </a:schemeClr>
+            </a:lnRef>
+            <a:fillRef idx="1">
+              <a:schemeClr val="accent1"/>
+            </a:fillRef>
+            <a:effectRef idx="0">
+              <a:schemeClr val="accent1"/>
+            </a:effectRef>
+            <a:fontRef idx="minor">
+              <a:schemeClr val="lt1"/>
+            </a:fontRef>
+          </p:style>
+          <p:txBody>
+            <a:bodyPr rtlCol="0" anchor="ctr"/>
+            <a:lstStyle/>
+            <a:p>
+              <a:pPr algn="ctr"/>
+              <a:endParaRPr lang="en-US"/>
+            </a:p>
+          </p:txBody>
+        </p:sp>
+        <p:sp>
+          <p:nvSpPr>
+            <p:cNvPr id="39" name="Rectangle 38"/>
+            <p:cNvSpPr/>
+            <p:nvPr/>
+          </p:nvSpPr>
+          <p:spPr>
+            <a:xfrm>
+              <a:off x="1708665" y="2999167"/>
+              <a:ext cx="1644134" cy="533400"/>
+            </a:xfrm>
+            <a:prstGeom prst="rect">
+              <a:avLst/>
+            </a:prstGeom>
+            <a:noFill/>
+            <a:ln>
+              <a:solidFill>
+                <a:srgbClr val="FF0000"/>
+              </a:solidFill>
+            </a:ln>
+          </p:spPr>
+          <p:style>
+            <a:lnRef idx="2">
+              <a:schemeClr val="accent1"/>
+            </a:lnRef>
+            <a:fillRef idx="1">
+              <a:schemeClr val="lt1"/>
+            </a:fillRef>
+            <a:effectRef idx="0">
+              <a:schemeClr val="accent1"/>
+            </a:effectRef>
+            <a:fontRef idx="minor">
+              <a:schemeClr val="dk1"/>
+            </a:fontRef>
+          </p:style>
+          <p:txBody>
+            <a:bodyPr rtlCol="0" anchor="ctr"/>
+            <a:lstStyle/>
+            <a:p>
+              <a:pPr algn="ctr"/>
+              <a:endParaRPr lang="en-US" dirty="0"/>
+            </a:p>
+          </p:txBody>
+        </p:sp>
+        <p:sp>
+          <p:nvSpPr>
+            <p:cNvPr id="43" name="Rectangle 42"/>
+            <p:cNvSpPr/>
+            <p:nvPr/>
+          </p:nvSpPr>
+          <p:spPr>
+            <a:xfrm>
+              <a:off x="5883533" y="3048000"/>
+              <a:ext cx="1644134" cy="533400"/>
+            </a:xfrm>
+            <a:prstGeom prst="rect">
+              <a:avLst/>
+            </a:prstGeom>
+            <a:noFill/>
+            <a:ln>
+              <a:solidFill>
+                <a:srgbClr val="FF0000"/>
+              </a:solidFill>
+            </a:ln>
+          </p:spPr>
+          <p:style>
+            <a:lnRef idx="2">
+              <a:schemeClr val="accent1"/>
+            </a:lnRef>
+            <a:fillRef idx="1">
+              <a:schemeClr val="lt1"/>
+            </a:fillRef>
+            <a:effectRef idx="0">
+              <a:schemeClr val="accent1"/>
+            </a:effectRef>
+            <a:fontRef idx="minor">
+              <a:schemeClr val="dk1"/>
+            </a:fontRef>
+          </p:style>
+          <p:txBody>
+            <a:bodyPr rtlCol="0" anchor="ctr"/>
+            <a:lstStyle/>
+            <a:p>
+              <a:pPr algn="ctr"/>
+              <a:endParaRPr lang="en-US" dirty="0"/>
+            </a:p>
+          </p:txBody>
+        </p:sp>
+        <p:sp>
+          <p:nvSpPr>
+            <p:cNvPr id="49" name="TextBox 48"/>
+            <p:cNvSpPr txBox="1"/>
+            <p:nvPr/>
+          </p:nvSpPr>
+          <p:spPr>
+            <a:xfrm>
+              <a:off x="4064600" y="3442900"/>
+              <a:ext cx="1286217" cy="276999"/>
+            </a:xfrm>
+            <a:prstGeom prst="rect">
+              <a:avLst/>
+            </a:prstGeom>
+            <a:noFill/>
+          </p:spPr>
+          <p:txBody>
+            <a:bodyPr wrap="square" rtlCol="0">
+              <a:spAutoFit/>
+            </a:bodyPr>
+            <a:lstStyle/>
+            <a:p>
+              <a:pPr algn="just"/>
+              <a:r>
+                <a:rPr lang="hu-HU" sz="1200" dirty="0" smtClean="0">
+                  <a:solidFill>
+                    <a:srgbClr val="FF0000"/>
+                  </a:solidFill>
+                </a:rPr>
+                <a:t>joinProject</a:t>
+              </a:r>
+              <a:endParaRPr lang="en-US" dirty="0">
+                <a:solidFill>
+                  <a:srgbClr val="FF0000"/>
+                </a:solidFill>
+              </a:endParaRPr>
+            </a:p>
+          </p:txBody>
+        </p:sp>
+      </p:grpSp>
+      <p:grpSp>
+        <p:nvGrpSpPr>
+          <p:cNvPr id="51" name="Group 50"/>
+          <p:cNvGrpSpPr/>
+          <p:nvPr/>
+        </p:nvGrpSpPr>
+        <p:grpSpPr>
+          <a:xfrm>
+            <a:off x="2482932" y="3954083"/>
+            <a:ext cx="6139934" cy="959747"/>
+            <a:chOff x="1524000" y="2797934"/>
+            <a:chExt cx="6139934" cy="959747"/>
+          </a:xfrm>
+        </p:grpSpPr>
+        <p:sp>
+          <p:nvSpPr>
+            <p:cNvPr id="52" name="Rectangle 51"/>
+            <p:cNvSpPr/>
+            <p:nvPr/>
+          </p:nvSpPr>
+          <p:spPr>
+            <a:xfrm>
+              <a:off x="1524000" y="2797934"/>
+              <a:ext cx="6139934" cy="935866"/>
+            </a:xfrm>
+            <a:prstGeom prst="rect">
+              <a:avLst/>
+            </a:prstGeom>
+            <a:noFill/>
+            <a:ln>
+              <a:solidFill>
+                <a:srgbClr val="FF0000"/>
+              </a:solidFill>
+            </a:ln>
+          </p:spPr>
+          <p:style>
+            <a:lnRef idx="2">
+              <a:schemeClr val="accent1">
+                <a:shade val="50000"/>
+              </a:schemeClr>
+            </a:lnRef>
+            <a:fillRef idx="1">
+              <a:schemeClr val="accent1"/>
+            </a:fillRef>
+            <a:effectRef idx="0">
+              <a:schemeClr val="accent1"/>
+            </a:effectRef>
+            <a:fontRef idx="minor">
+              <a:schemeClr val="lt1"/>
+            </a:fontRef>
+          </p:style>
+          <p:txBody>
+            <a:bodyPr rtlCol="0" anchor="ctr"/>
+            <a:lstStyle/>
+            <a:p>
+              <a:pPr algn="ctr"/>
+              <a:endParaRPr lang="en-US"/>
+            </a:p>
+          </p:txBody>
+        </p:sp>
+        <p:sp>
+          <p:nvSpPr>
+            <p:cNvPr id="53" name="Rectangle 52"/>
+            <p:cNvSpPr/>
+            <p:nvPr/>
+          </p:nvSpPr>
+          <p:spPr>
+            <a:xfrm>
+              <a:off x="1708665" y="2999167"/>
+              <a:ext cx="1644134" cy="533400"/>
+            </a:xfrm>
+            <a:prstGeom prst="rect">
+              <a:avLst/>
+            </a:prstGeom>
+            <a:noFill/>
+            <a:ln>
+              <a:solidFill>
+                <a:srgbClr val="FF0000"/>
+              </a:solidFill>
+              <a:prstDash val="dash"/>
+            </a:ln>
+          </p:spPr>
+          <p:style>
+            <a:lnRef idx="2">
+              <a:schemeClr val="accent1"/>
+            </a:lnRef>
+            <a:fillRef idx="1">
+              <a:schemeClr val="lt1"/>
+            </a:fillRef>
+            <a:effectRef idx="0">
+              <a:schemeClr val="accent1"/>
+            </a:effectRef>
+            <a:fontRef idx="minor">
+              <a:schemeClr val="dk1"/>
+            </a:fontRef>
+          </p:style>
+          <p:txBody>
+            <a:bodyPr rtlCol="0" anchor="ctr"/>
+            <a:lstStyle/>
+            <a:p>
+              <a:pPr algn="ctr"/>
+              <a:endParaRPr lang="en-US" dirty="0"/>
+            </a:p>
+          </p:txBody>
+        </p:sp>
+        <p:sp>
+          <p:nvSpPr>
+            <p:cNvPr id="54" name="Rectangle 53"/>
+            <p:cNvSpPr/>
+            <p:nvPr/>
+          </p:nvSpPr>
+          <p:spPr>
+            <a:xfrm>
+              <a:off x="5883533" y="3048000"/>
+              <a:ext cx="1644134" cy="533400"/>
+            </a:xfrm>
+            <a:prstGeom prst="rect">
+              <a:avLst/>
+            </a:prstGeom>
+            <a:noFill/>
+            <a:ln>
+              <a:solidFill>
+                <a:srgbClr val="FF0000"/>
+              </a:solidFill>
+            </a:ln>
+          </p:spPr>
+          <p:style>
+            <a:lnRef idx="2">
+              <a:schemeClr val="accent1"/>
+            </a:lnRef>
+            <a:fillRef idx="1">
+              <a:schemeClr val="lt1"/>
+            </a:fillRef>
+            <a:effectRef idx="0">
+              <a:schemeClr val="accent1"/>
+            </a:effectRef>
+            <a:fontRef idx="minor">
+              <a:schemeClr val="dk1"/>
+            </a:fontRef>
+          </p:style>
+          <p:txBody>
+            <a:bodyPr rtlCol="0" anchor="ctr"/>
+            <a:lstStyle/>
+            <a:p>
+              <a:pPr algn="ctr"/>
+              <a:endParaRPr lang="en-US" dirty="0"/>
+            </a:p>
+          </p:txBody>
+        </p:sp>
+        <p:sp>
+          <p:nvSpPr>
+            <p:cNvPr id="55" name="TextBox 54"/>
+            <p:cNvSpPr txBox="1"/>
+            <p:nvPr/>
+          </p:nvSpPr>
+          <p:spPr>
+            <a:xfrm>
+              <a:off x="3266299" y="3480682"/>
+              <a:ext cx="1286217" cy="276999"/>
+            </a:xfrm>
+            <a:prstGeom prst="rect">
+              <a:avLst/>
+            </a:prstGeom>
+            <a:noFill/>
+          </p:spPr>
+          <p:txBody>
+            <a:bodyPr wrap="square" rtlCol="0">
+              <a:spAutoFit/>
+            </a:bodyPr>
+            <a:lstStyle/>
+            <a:p>
+              <a:pPr algn="just"/>
+              <a:r>
+                <a:rPr lang="hu-HU" sz="1200" dirty="0" smtClean="0">
+                  <a:solidFill>
+                    <a:srgbClr val="FF0000"/>
+                  </a:solidFill>
+                </a:rPr>
+                <a:t>addedClass</a:t>
+              </a:r>
+              <a:endParaRPr lang="en-US" dirty="0">
+                <a:solidFill>
+                  <a:srgbClr val="FF0000"/>
+                </a:solidFill>
+              </a:endParaRPr>
+            </a:p>
+          </p:txBody>
+        </p:sp>
+      </p:grpSp>
+      <p:grpSp>
+        <p:nvGrpSpPr>
+          <p:cNvPr id="56" name="Group 55"/>
+          <p:cNvGrpSpPr/>
+          <p:nvPr/>
+        </p:nvGrpSpPr>
+        <p:grpSpPr>
+          <a:xfrm>
+            <a:off x="701933" y="5154734"/>
+            <a:ext cx="6226431" cy="935866"/>
+            <a:chOff x="1524000" y="2797934"/>
+            <a:chExt cx="6226431" cy="935866"/>
+          </a:xfrm>
+        </p:grpSpPr>
+        <p:sp>
+          <p:nvSpPr>
+            <p:cNvPr id="57" name="Rectangle 56"/>
+            <p:cNvSpPr/>
+            <p:nvPr/>
+          </p:nvSpPr>
+          <p:spPr>
+            <a:xfrm>
+              <a:off x="1524000" y="2797934"/>
+              <a:ext cx="6139934" cy="935866"/>
+            </a:xfrm>
+            <a:prstGeom prst="rect">
+              <a:avLst/>
+            </a:prstGeom>
+            <a:noFill/>
+            <a:ln>
+              <a:solidFill>
+                <a:srgbClr val="FF0000"/>
+              </a:solidFill>
+            </a:ln>
+          </p:spPr>
+          <p:style>
+            <a:lnRef idx="2">
+              <a:schemeClr val="accent1">
+                <a:shade val="50000"/>
+              </a:schemeClr>
+            </a:lnRef>
+            <a:fillRef idx="1">
+              <a:schemeClr val="accent1"/>
+            </a:fillRef>
+            <a:effectRef idx="0">
+              <a:schemeClr val="accent1"/>
+            </a:effectRef>
+            <a:fontRef idx="minor">
+              <a:schemeClr val="lt1"/>
+            </a:fontRef>
+          </p:style>
+          <p:txBody>
+            <a:bodyPr rtlCol="0" anchor="ctr"/>
+            <a:lstStyle/>
+            <a:p>
+              <a:pPr algn="ctr"/>
+              <a:endParaRPr lang="en-US"/>
+            </a:p>
+          </p:txBody>
+        </p:sp>
+        <p:sp>
+          <p:nvSpPr>
+            <p:cNvPr id="58" name="Rectangle 57"/>
+            <p:cNvSpPr/>
+            <p:nvPr/>
+          </p:nvSpPr>
+          <p:spPr>
+            <a:xfrm>
+              <a:off x="3489067" y="3015299"/>
+              <a:ext cx="1066800" cy="533401"/>
+            </a:xfrm>
+            <a:prstGeom prst="rect">
+              <a:avLst/>
+            </a:prstGeom>
+            <a:noFill/>
+            <a:ln>
+              <a:solidFill>
+                <a:srgbClr val="FF0000"/>
+              </a:solidFill>
+              <a:prstDash val="solid"/>
+            </a:ln>
+          </p:spPr>
+          <p:style>
+            <a:lnRef idx="2">
+              <a:schemeClr val="accent1"/>
+            </a:lnRef>
+            <a:fillRef idx="1">
+              <a:schemeClr val="lt1"/>
+            </a:fillRef>
+            <a:effectRef idx="0">
+              <a:schemeClr val="accent1"/>
+            </a:effectRef>
+            <a:fontRef idx="minor">
+              <a:schemeClr val="dk1"/>
+            </a:fontRef>
+          </p:style>
+          <p:txBody>
+            <a:bodyPr rtlCol="0" anchor="ctr"/>
+            <a:lstStyle/>
+            <a:p>
+              <a:pPr algn="ctr"/>
+              <a:endParaRPr lang="en-US" dirty="0"/>
+            </a:p>
+          </p:txBody>
+        </p:sp>
+        <p:sp>
+          <p:nvSpPr>
+            <p:cNvPr id="59" name="Rectangle 58"/>
+            <p:cNvSpPr/>
+            <p:nvPr/>
+          </p:nvSpPr>
+          <p:spPr>
+            <a:xfrm>
+              <a:off x="6114275" y="3017532"/>
+              <a:ext cx="930533" cy="531168"/>
+            </a:xfrm>
+            <a:prstGeom prst="rect">
+              <a:avLst/>
+            </a:prstGeom>
+            <a:noFill/>
+            <a:ln>
+              <a:solidFill>
+                <a:srgbClr val="FF0000"/>
+              </a:solidFill>
+            </a:ln>
+          </p:spPr>
+          <p:style>
+            <a:lnRef idx="2">
+              <a:schemeClr val="accent1"/>
+            </a:lnRef>
+            <a:fillRef idx="1">
+              <a:schemeClr val="lt1"/>
+            </a:fillRef>
+            <a:effectRef idx="0">
+              <a:schemeClr val="accent1"/>
+            </a:effectRef>
+            <a:fontRef idx="minor">
+              <a:schemeClr val="dk1"/>
+            </a:fontRef>
+          </p:style>
+          <p:txBody>
+            <a:bodyPr rtlCol="0" anchor="ctr"/>
+            <a:lstStyle/>
+            <a:p>
+              <a:pPr algn="ctr"/>
+              <a:endParaRPr lang="en-US" dirty="0"/>
+            </a:p>
+          </p:txBody>
+        </p:sp>
+        <p:sp>
+          <p:nvSpPr>
+            <p:cNvPr id="60" name="TextBox 59"/>
+            <p:cNvSpPr txBox="1"/>
+            <p:nvPr/>
+          </p:nvSpPr>
+          <p:spPr>
+            <a:xfrm>
+              <a:off x="2492632" y="3456801"/>
+              <a:ext cx="5257799" cy="276999"/>
+            </a:xfrm>
+            <a:prstGeom prst="rect">
+              <a:avLst/>
+            </a:prstGeom>
+            <a:noFill/>
+          </p:spPr>
+          <p:txBody>
+            <a:bodyPr wrap="square" rtlCol="0">
+              <a:spAutoFit/>
+            </a:bodyPr>
+            <a:lstStyle/>
+            <a:p>
+              <a:pPr algn="ctr"/>
+              <a:r>
+                <a:rPr lang="hu-HU" sz="1200" dirty="0" smtClean="0">
+                  <a:solidFill>
+                    <a:srgbClr val="FF0000"/>
+                  </a:solidFill>
+                </a:rPr>
+                <a:t>incomingMCall</a:t>
+              </a:r>
+              <a:endParaRPr lang="en-US" sz="1200" dirty="0">
+                <a:solidFill>
+                  <a:srgbClr val="FF0000"/>
+                </a:solidFill>
+              </a:endParaRPr>
+            </a:p>
+          </p:txBody>
+        </p:sp>
+      </p:grpSp>
     </p:spTree>
     <p:extLst>
       <p:ext uri="{BB962C8B-B14F-4D97-AF65-F5344CB8AC3E}">
-        <p14:creationId xmlns:p14="http://schemas.microsoft.com/office/powerpoint/2010/main" val="663010118"/>
+        <p14:creationId xmlns:p14="http://schemas.microsoft.com/office/powerpoint/2010/main" val="1158459625"/>
       </p:ext>
     </p:extLst>
   </p:cSld>
@@ -6611,7 +8565,219 @@
   <p:timing>
     <p:tnLst>
       <p:par>
-        <p:cTn id="1" dur="indefinite" restart="never" nodeType="tmRoot"/>
+        <p:cTn id="1" dur="indefinite" restart="never" nodeType="tmRoot">
+          <p:childTnLst>
+            <p:seq concurrent="1" nextAc="seek">
+              <p:cTn id="2" dur="indefinite" nodeType="mainSeq">
+                <p:childTnLst>
+                  <p:par>
+                    <p:cTn id="3" fill="hold">
+                      <p:stCondLst>
+                        <p:cond delay="indefinite"/>
+                      </p:stCondLst>
+                      <p:childTnLst>
+                        <p:par>
+                          <p:cTn id="4" fill="hold">
+                            <p:stCondLst>
+                              <p:cond delay="0"/>
+                            </p:stCondLst>
+                            <p:childTnLst>
+                              <p:par>
+                                <p:cTn id="5" presetID="1" presetClass="entr" presetSubtype="0" fill="hold" nodeType="clickEffect">
+                                  <p:stCondLst>
+                                    <p:cond delay="0"/>
+                                  </p:stCondLst>
+                                  <p:childTnLst>
+                                    <p:set>
+                                      <p:cBhvr>
+                                        <p:cTn id="6" dur="1" fill="hold">
+                                          <p:stCondLst>
+                                            <p:cond delay="0"/>
+                                          </p:stCondLst>
+                                        </p:cTn>
+                                        <p:tgtEl>
+                                          <p:spTgt spid="50"/>
+                                        </p:tgtEl>
+                                        <p:attrNameLst>
+                                          <p:attrName>style.visibility</p:attrName>
+                                        </p:attrNameLst>
+                                      </p:cBhvr>
+                                      <p:to>
+                                        <p:strVal val="visible"/>
+                                      </p:to>
+                                    </p:set>
+                                  </p:childTnLst>
+                                </p:cTn>
+                              </p:par>
+                            </p:childTnLst>
+                          </p:cTn>
+                        </p:par>
+                      </p:childTnLst>
+                    </p:cTn>
+                  </p:par>
+                  <p:par>
+                    <p:cTn id="7" fill="hold">
+                      <p:stCondLst>
+                        <p:cond delay="indefinite"/>
+                      </p:stCondLst>
+                      <p:childTnLst>
+                        <p:par>
+                          <p:cTn id="8" fill="hold">
+                            <p:stCondLst>
+                              <p:cond delay="0"/>
+                            </p:stCondLst>
+                            <p:childTnLst>
+                              <p:par>
+                                <p:cTn id="9" presetID="1" presetClass="exit" presetSubtype="0" fill="hold" nodeType="clickEffect">
+                                  <p:stCondLst>
+                                    <p:cond delay="0"/>
+                                  </p:stCondLst>
+                                  <p:childTnLst>
+                                    <p:set>
+                                      <p:cBhvr>
+                                        <p:cTn id="10" dur="1" fill="hold">
+                                          <p:stCondLst>
+                                            <p:cond delay="0"/>
+                                          </p:stCondLst>
+                                        </p:cTn>
+                                        <p:tgtEl>
+                                          <p:spTgt spid="50"/>
+                                        </p:tgtEl>
+                                        <p:attrNameLst>
+                                          <p:attrName>style.visibility</p:attrName>
+                                        </p:attrNameLst>
+                                      </p:cBhvr>
+                                      <p:to>
+                                        <p:strVal val="hidden"/>
+                                      </p:to>
+                                    </p:set>
+                                  </p:childTnLst>
+                                </p:cTn>
+                              </p:par>
+                              <p:par>
+                                <p:cTn id="11" presetID="1" presetClass="entr" presetSubtype="0" fill="hold" nodeType="withEffect">
+                                  <p:stCondLst>
+                                    <p:cond delay="0"/>
+                                  </p:stCondLst>
+                                  <p:childTnLst>
+                                    <p:set>
+                                      <p:cBhvr>
+                                        <p:cTn id="12" dur="1" fill="hold">
+                                          <p:stCondLst>
+                                            <p:cond delay="0"/>
+                                          </p:stCondLst>
+                                        </p:cTn>
+                                        <p:tgtEl>
+                                          <p:spTgt spid="51"/>
+                                        </p:tgtEl>
+                                        <p:attrNameLst>
+                                          <p:attrName>style.visibility</p:attrName>
+                                        </p:attrNameLst>
+                                      </p:cBhvr>
+                                      <p:to>
+                                        <p:strVal val="visible"/>
+                                      </p:to>
+                                    </p:set>
+                                  </p:childTnLst>
+                                </p:cTn>
+                              </p:par>
+                            </p:childTnLst>
+                          </p:cTn>
+                        </p:par>
+                      </p:childTnLst>
+                    </p:cTn>
+                  </p:par>
+                  <p:par>
+                    <p:cTn id="13" fill="hold">
+                      <p:stCondLst>
+                        <p:cond delay="indefinite"/>
+                      </p:stCondLst>
+                      <p:childTnLst>
+                        <p:par>
+                          <p:cTn id="14" fill="hold">
+                            <p:stCondLst>
+                              <p:cond delay="0"/>
+                            </p:stCondLst>
+                            <p:childTnLst>
+                              <p:par>
+                                <p:cTn id="15" presetID="1" presetClass="exit" presetSubtype="0" fill="hold" nodeType="clickEffect">
+                                  <p:stCondLst>
+                                    <p:cond delay="0"/>
+                                  </p:stCondLst>
+                                  <p:childTnLst>
+                                    <p:set>
+                                      <p:cBhvr>
+                                        <p:cTn id="16" dur="1" fill="hold">
+                                          <p:stCondLst>
+                                            <p:cond delay="0"/>
+                                          </p:stCondLst>
+                                        </p:cTn>
+                                        <p:tgtEl>
+                                          <p:spTgt spid="51"/>
+                                        </p:tgtEl>
+                                        <p:attrNameLst>
+                                          <p:attrName>style.visibility</p:attrName>
+                                        </p:attrNameLst>
+                                      </p:cBhvr>
+                                      <p:to>
+                                        <p:strVal val="hidden"/>
+                                      </p:to>
+                                    </p:set>
+                                  </p:childTnLst>
+                                </p:cTn>
+                              </p:par>
+                              <p:par>
+                                <p:cTn id="17" presetID="1" presetClass="entr" presetSubtype="0" fill="hold" nodeType="withEffect">
+                                  <p:stCondLst>
+                                    <p:cond delay="0"/>
+                                  </p:stCondLst>
+                                  <p:childTnLst>
+                                    <p:set>
+                                      <p:cBhvr>
+                                        <p:cTn id="18" dur="1" fill="hold">
+                                          <p:stCondLst>
+                                            <p:cond delay="0"/>
+                                          </p:stCondLst>
+                                        </p:cTn>
+                                        <p:tgtEl>
+                                          <p:spTgt spid="56"/>
+                                        </p:tgtEl>
+                                        <p:attrNameLst>
+                                          <p:attrName>style.visibility</p:attrName>
+                                        </p:attrNameLst>
+                                      </p:cBhvr>
+                                      <p:to>
+                                        <p:strVal val="visible"/>
+                                      </p:to>
+                                    </p:set>
+                                  </p:childTnLst>
+                                </p:cTn>
+                              </p:par>
+                            </p:childTnLst>
+                          </p:cTn>
+                        </p:par>
+                      </p:childTnLst>
+                    </p:cTn>
+                  </p:par>
+                </p:childTnLst>
+              </p:cTn>
+              <p:prevCondLst>
+                <p:cond evt="onPrev" delay="0">
+                  <p:tgtEl>
+                    <p:sldTgt/>
+                  </p:tgtEl>
+                </p:cond>
+              </p:prevCondLst>
+              <p:nextCondLst>
+                <p:cond evt="onNext" delay="0">
+                  <p:tgtEl>
+                    <p:sldTgt/>
+                  </p:tgtEl>
+                </p:cond>
+              </p:nextCondLst>
+            </p:seq>
+          </p:childTnLst>
+        </p:cTn>
       </p:par>
     </p:tnLst>
   </p:timing>
@@ -6652,7 +8818,7 @@
           <a:p>
             <a:r>
               <a:rPr lang="hu-HU" dirty="0" smtClean="0"/>
-              <a:t>A rendszer teljesítménye</a:t>
+              <a:t>A modell-lekérdezések</a:t>
             </a:r>
             <a:endParaRPr lang="en-US" dirty="0"/>
           </a:p>
@@ -6660,31 +8826,426 @@
       </p:sp>
       <p:sp>
         <p:nvSpPr>
-          <p:cNvPr id="3" name="Text Placeholder 2"/>
+          <p:cNvPr id="8" name="Content Placeholder 7"/>
           <p:cNvSpPr>
             <a:spLocks noGrp="1"/>
           </p:cNvSpPr>
           <p:nvPr>
-            <p:ph type="body" idx="1"/>
+            <p:ph sz="half" idx="1"/>
           </p:nvPr>
         </p:nvSpPr>
         <p:spPr/>
         <p:txBody>
-          <a:bodyPr/>
+          <a:bodyPr>
+            <a:normAutofit fontScale="62500" lnSpcReduction="20000"/>
+          </a:bodyPr>
           <a:lstStyle/>
           <a:p>
             <a:r>
               <a:rPr lang="hu-HU" dirty="0" smtClean="0"/>
-              <a:t>Teljesítményanalízis</a:t>
-            </a:r>
+              <a:t>Lekérdezés lépései: </a:t>
+            </a:r>
+          </a:p>
+          <a:p>
+            <a:pPr marL="914400" lvl="1" indent="-457200">
+              <a:buFont typeface="+mj-lt"/>
+              <a:buAutoNum type="arabicPeriod"/>
+            </a:pPr>
+            <a:r>
+              <a:rPr lang="hu-HU" dirty="0" smtClean="0"/>
+              <a:t>Inicializálás (példánymodellek + lekérdezések)</a:t>
+            </a:r>
+          </a:p>
+          <a:p>
+            <a:pPr marL="914400" lvl="1" indent="-457200">
+              <a:buFont typeface="+mj-lt"/>
+              <a:buAutoNum type="arabicPeriod"/>
+            </a:pPr>
+            <a:r>
+              <a:rPr lang="hu-HU" dirty="0" smtClean="0"/>
+              <a:t>Kiértékelés</a:t>
+            </a:r>
+          </a:p>
+          <a:p>
+            <a:pPr marL="914400" lvl="1" indent="-457200">
+              <a:buFont typeface="+mj-lt"/>
+              <a:buAutoNum type="arabicPeriod"/>
+            </a:pPr>
+            <a:r>
+              <a:rPr lang="hu-HU" dirty="0" smtClean="0"/>
+              <a:t>Frissítés (forráskód=&gt;modell=&gt;eredmény automatikusan)</a:t>
+            </a:r>
+          </a:p>
+          <a:p>
+            <a:pPr marL="514350" indent="-457200"/>
+            <a:r>
+              <a:rPr lang="hu-HU" dirty="0" smtClean="0"/>
+              <a:t>Eredmény:</a:t>
+            </a:r>
+          </a:p>
+          <a:p>
+            <a:pPr marL="914400" lvl="1" indent="-457200"/>
+            <a:r>
+              <a:rPr lang="hu-HU" dirty="0" smtClean="0"/>
+              <a:t>Függőségi viszony az </a:t>
+            </a:r>
+            <a:r>
+              <a:rPr lang="hu-HU" b="1" dirty="0" smtClean="0"/>
+              <a:t>összes objektumra</a:t>
+            </a:r>
+          </a:p>
+          <a:p>
+            <a:pPr marL="914400" lvl="1" indent="-457200"/>
+            <a:r>
+              <a:rPr lang="hu-HU" dirty="0" smtClean="0"/>
+              <a:t>Automatikusan és gyorsan frissül</a:t>
+            </a:r>
+          </a:p>
+          <a:p>
+            <a:pPr marL="914400" lvl="1" indent="-457200"/>
+            <a:r>
+              <a:rPr lang="hu-HU" dirty="0" smtClean="0"/>
+              <a:t>Nem 100%-os precizitás</a:t>
+            </a:r>
+          </a:p>
+          <a:p>
+            <a:pPr marL="914400" lvl="1" indent="-457200"/>
+            <a:r>
+              <a:rPr lang="hu-HU" dirty="0" smtClean="0"/>
+              <a:t>Kimenet: EMF objektumok</a:t>
+            </a:r>
+          </a:p>
+          <a:p>
+            <a:pPr marL="914400" lvl="1" indent="-457200"/>
+            <a:endParaRPr lang="hu-HU" dirty="0" smtClean="0"/>
+          </a:p>
+          <a:p>
+            <a:pPr marL="514350" indent="-457200"/>
+            <a:r>
+              <a:rPr lang="hu-HU" dirty="0" smtClean="0"/>
+              <a:t>Hátralevő feladat: teljesebb Eclipse integráció</a:t>
+            </a:r>
+          </a:p>
+          <a:p>
+            <a:pPr marL="914400" lvl="1" indent="-457200"/>
+            <a:r>
+              <a:rPr lang="hu-HU" dirty="0" smtClean="0"/>
+              <a:t>Eredmények View-okban</a:t>
+            </a:r>
+          </a:p>
+          <a:p>
+            <a:pPr marL="914400" lvl="1" indent="-457200"/>
+            <a:r>
+              <a:rPr lang="hu-HU" dirty="0" smtClean="0"/>
+              <a:t>JDT validációk</a:t>
+            </a:r>
+          </a:p>
+        </p:txBody>
+      </p:sp>
+      <p:sp>
+        <p:nvSpPr>
+          <p:cNvPr id="9" name="Content Placeholder 8"/>
+          <p:cNvSpPr>
+            <a:spLocks noGrp="1"/>
+          </p:cNvSpPr>
+          <p:nvPr>
+            <p:ph sz="half" idx="2"/>
+          </p:nvPr>
+        </p:nvSpPr>
+        <p:spPr/>
+        <p:txBody>
+          <a:bodyPr>
+            <a:normAutofit fontScale="62500" lnSpcReduction="20000"/>
+          </a:bodyPr>
+          <a:lstStyle/>
+          <a:p>
+            <a:pPr marL="0" indent="0">
+              <a:buNone/>
+            </a:pPr>
             <a:endParaRPr lang="en-US" dirty="0"/>
           </a:p>
         </p:txBody>
       </p:sp>
+      <p:pic>
+        <p:nvPicPr>
+          <p:cNvPr id="1027" name="Picture 3"/>
+          <p:cNvPicPr>
+            <a:picLocks noChangeAspect="1" noChangeArrowheads="1"/>
+          </p:cNvPicPr>
+          <p:nvPr/>
+        </p:nvPicPr>
+        <p:blipFill rotWithShape="1">
+          <a:blip r:embed="rId3">
+            <a:extLst>
+              <a:ext uri="{28A0092B-C50C-407E-A947-70E740481C1C}">
+                <a14:useLocalDpi xmlns:a14="http://schemas.microsoft.com/office/drawing/2010/main" val="0"/>
+              </a:ext>
+            </a:extLst>
+          </a:blip>
+          <a:srcRect l="-1" t="-556" r="33175" b="556"/>
+          <a:stretch/>
+        </p:blipFill>
+        <p:spPr bwMode="auto">
+          <a:xfrm>
+            <a:off x="4667247" y="1600200"/>
+            <a:ext cx="4029075" cy="1714500"/>
+          </a:xfrm>
+          <a:prstGeom prst="rect">
+            <a:avLst/>
+          </a:prstGeom>
+          <a:noFill/>
+          <a:ln>
+            <a:noFill/>
+          </a:ln>
+          <a:effectLst/>
+          <a:extLst>
+            <a:ext uri="{909E8E84-426E-40DD-AFC4-6F175D3DCCD1}">
+              <a14:hiddenFill xmlns:a14="http://schemas.microsoft.com/office/drawing/2010/main">
+                <a:solidFill>
+                  <a:schemeClr val="accent1"/>
+                </a:solidFill>
+              </a14:hiddenFill>
+            </a:ext>
+            <a:ext uri="{91240B29-F687-4F45-9708-019B960494DF}">
+              <a14:hiddenLine xmlns:a14="http://schemas.microsoft.com/office/drawing/2010/main" w="9525">
+                <a:solidFill>
+                  <a:schemeClr val="tx1"/>
+                </a:solidFill>
+                <a:miter lim="800000"/>
+                <a:headEnd/>
+                <a:tailEnd/>
+              </a14:hiddenLine>
+            </a:ext>
+            <a:ext uri="{AF507438-7753-43E0-B8FC-AC1667EBCBE1}">
+              <a14:hiddenEffects xmlns:a14="http://schemas.microsoft.com/office/drawing/2010/main">
+                <a:effectLst>
+                  <a:outerShdw dist="35921" dir="2700000" algn="ctr" rotWithShape="0">
+                    <a:schemeClr val="bg2"/>
+                  </a:outerShdw>
+                </a:effectLst>
+              </a14:hiddenEffects>
+            </a:ext>
+          </a:extLst>
+        </p:spPr>
+      </p:pic>
+      <p:sp>
+        <p:nvSpPr>
+          <p:cNvPr id="13" name="Rectangle 12"/>
+          <p:cNvSpPr/>
+          <p:nvPr/>
+        </p:nvSpPr>
+        <p:spPr>
+          <a:xfrm>
+            <a:off x="6451600" y="2371724"/>
+            <a:ext cx="949325" cy="174625"/>
+          </a:xfrm>
+          <a:prstGeom prst="rect">
+            <a:avLst/>
+          </a:prstGeom>
+          <a:ln>
+            <a:tailEnd type="arrow"/>
+          </a:ln>
+        </p:spPr>
+        <p:style>
+          <a:lnRef idx="3">
+            <a:schemeClr val="accent2"/>
+          </a:lnRef>
+          <a:fillRef idx="0">
+            <a:schemeClr val="accent2"/>
+          </a:fillRef>
+          <a:effectRef idx="2">
+            <a:schemeClr val="accent2"/>
+          </a:effectRef>
+          <a:fontRef idx="minor">
+            <a:schemeClr val="tx1"/>
+          </a:fontRef>
+        </p:style>
+        <p:txBody>
+          <a:bodyPr rtlCol="0" anchor="ctr"/>
+          <a:lstStyle/>
+          <a:p>
+            <a:pPr algn="ctr"/>
+            <a:endParaRPr lang="en-US" dirty="0"/>
+          </a:p>
+        </p:txBody>
+      </p:sp>
+      <p:pic>
+        <p:nvPicPr>
+          <p:cNvPr id="1032" name="Picture 8"/>
+          <p:cNvPicPr>
+            <a:picLocks noChangeAspect="1" noChangeArrowheads="1"/>
+          </p:cNvPicPr>
+          <p:nvPr/>
+        </p:nvPicPr>
+        <p:blipFill>
+          <a:blip r:embed="rId4">
+            <a:extLst>
+              <a:ext uri="{28A0092B-C50C-407E-A947-70E740481C1C}">
+                <a14:useLocalDpi xmlns:a14="http://schemas.microsoft.com/office/drawing/2010/main" val="0"/>
+              </a:ext>
+            </a:extLst>
+          </a:blip>
+          <a:srcRect/>
+          <a:stretch>
+            <a:fillRect/>
+          </a:stretch>
+        </p:blipFill>
+        <p:spPr bwMode="auto">
+          <a:xfrm>
+            <a:off x="4722812" y="3886200"/>
+            <a:ext cx="4029075" cy="2247900"/>
+          </a:xfrm>
+          <a:prstGeom prst="rect">
+            <a:avLst/>
+          </a:prstGeom>
+          <a:noFill/>
+          <a:ln>
+            <a:noFill/>
+          </a:ln>
+          <a:effectLst/>
+          <a:extLst>
+            <a:ext uri="{909E8E84-426E-40DD-AFC4-6F175D3DCCD1}">
+              <a14:hiddenFill xmlns:a14="http://schemas.microsoft.com/office/drawing/2010/main">
+                <a:solidFill>
+                  <a:schemeClr val="accent1"/>
+                </a:solidFill>
+              </a14:hiddenFill>
+            </a:ext>
+            <a:ext uri="{91240B29-F687-4F45-9708-019B960494DF}">
+              <a14:hiddenLine xmlns:a14="http://schemas.microsoft.com/office/drawing/2010/main" w="9525">
+                <a:solidFill>
+                  <a:schemeClr val="tx1"/>
+                </a:solidFill>
+                <a:miter lim="800000"/>
+                <a:headEnd/>
+                <a:tailEnd/>
+              </a14:hiddenLine>
+            </a:ext>
+            <a:ext uri="{AF507438-7753-43E0-B8FC-AC1667EBCBE1}">
+              <a14:hiddenEffects xmlns:a14="http://schemas.microsoft.com/office/drawing/2010/main">
+                <a:effectLst>
+                  <a:outerShdw dist="35921" dir="2700000" algn="ctr" rotWithShape="0">
+                    <a:schemeClr val="bg2"/>
+                  </a:outerShdw>
+                </a:effectLst>
+              </a14:hiddenEffects>
+            </a:ext>
+          </a:extLst>
+        </p:spPr>
+      </p:pic>
+      <p:cxnSp>
+        <p:nvCxnSpPr>
+          <p:cNvPr id="14" name="Straight Arrow Connector 13"/>
+          <p:cNvCxnSpPr/>
+          <p:nvPr/>
+        </p:nvCxnSpPr>
+        <p:spPr>
+          <a:xfrm flipH="1">
+            <a:off x="5943600" y="2546349"/>
+            <a:ext cx="1219200" cy="2330451"/>
+          </a:xfrm>
+          <a:prstGeom prst="straightConnector1">
+            <a:avLst/>
+          </a:prstGeom>
+          <a:ln>
+            <a:tailEnd type="arrow"/>
+          </a:ln>
+        </p:spPr>
+        <p:style>
+          <a:lnRef idx="3">
+            <a:schemeClr val="accent2"/>
+          </a:lnRef>
+          <a:fillRef idx="0">
+            <a:schemeClr val="accent2"/>
+          </a:fillRef>
+          <a:effectRef idx="2">
+            <a:schemeClr val="accent2"/>
+          </a:effectRef>
+          <a:fontRef idx="minor">
+            <a:schemeClr val="tx1"/>
+          </a:fontRef>
+        </p:style>
+      </p:cxnSp>
+      <p:sp>
+        <p:nvSpPr>
+          <p:cNvPr id="23" name="Rectangle 22"/>
+          <p:cNvSpPr/>
+          <p:nvPr/>
+        </p:nvSpPr>
+        <p:spPr>
+          <a:xfrm>
+            <a:off x="5562600" y="2370137"/>
+            <a:ext cx="889000" cy="174625"/>
+          </a:xfrm>
+          <a:prstGeom prst="rect">
+            <a:avLst/>
+          </a:prstGeom>
+          <a:ln>
+            <a:tailEnd type="arrow"/>
+          </a:ln>
+        </p:spPr>
+        <p:style>
+          <a:lnRef idx="3">
+            <a:schemeClr val="accent2"/>
+          </a:lnRef>
+          <a:fillRef idx="0">
+            <a:schemeClr val="accent2"/>
+          </a:fillRef>
+          <a:effectRef idx="2">
+            <a:schemeClr val="accent2"/>
+          </a:effectRef>
+          <a:fontRef idx="minor">
+            <a:schemeClr val="tx1"/>
+          </a:fontRef>
+        </p:style>
+        <p:txBody>
+          <a:bodyPr rtlCol="0" anchor="ctr"/>
+          <a:lstStyle/>
+          <a:p>
+            <a:pPr algn="ctr"/>
+            <a:endParaRPr lang="en-US" dirty="0"/>
+          </a:p>
+        </p:txBody>
+      </p:sp>
+      <p:cxnSp>
+        <p:nvCxnSpPr>
+          <p:cNvPr id="24" name="Straight Arrow Connector 23"/>
+          <p:cNvCxnSpPr>
+            <a:stCxn id="23" idx="2"/>
+          </p:cNvCxnSpPr>
+          <p:nvPr/>
+        </p:nvCxnSpPr>
+        <p:spPr>
+          <a:xfrm>
+            <a:off x="6007100" y="2544762"/>
+            <a:ext cx="1460500" cy="2789238"/>
+          </a:xfrm>
+          <a:prstGeom prst="straightConnector1">
+            <a:avLst/>
+          </a:prstGeom>
+          <a:ln>
+            <a:tailEnd type="arrow"/>
+          </a:ln>
+        </p:spPr>
+        <p:style>
+          <a:lnRef idx="3">
+            <a:schemeClr val="accent2"/>
+          </a:lnRef>
+          <a:fillRef idx="0">
+            <a:schemeClr val="accent2"/>
+          </a:fillRef>
+          <a:effectRef idx="2">
+            <a:schemeClr val="accent2"/>
+          </a:effectRef>
+          <a:fontRef idx="minor">
+            <a:schemeClr val="tx1"/>
+          </a:fontRef>
+        </p:style>
+      </p:cxnSp>
     </p:spTree>
     <p:extLst>
       <p:ext uri="{BB962C8B-B14F-4D97-AF65-F5344CB8AC3E}">
-        <p14:creationId xmlns:p14="http://schemas.microsoft.com/office/powerpoint/2010/main" val="2388552978"/>
+        <p14:creationId xmlns:p14="http://schemas.microsoft.com/office/powerpoint/2010/main" val="663010118"/>
       </p:ext>
     </p:extLst>
   </p:cSld>
@@ -6730,6 +9291,89 @@
         </p:nvSpPr>
         <p:spPr/>
         <p:txBody>
+          <a:bodyPr/>
+          <a:lstStyle/>
+          <a:p>
+            <a:r>
+              <a:rPr lang="hu-HU" dirty="0" smtClean="0"/>
+              <a:t>A rendszer teljesítménye</a:t>
+            </a:r>
+            <a:endParaRPr lang="en-US" dirty="0"/>
+          </a:p>
+        </p:txBody>
+      </p:sp>
+      <p:sp>
+        <p:nvSpPr>
+          <p:cNvPr id="3" name="Text Placeholder 2"/>
+          <p:cNvSpPr>
+            <a:spLocks noGrp="1"/>
+          </p:cNvSpPr>
+          <p:nvPr>
+            <p:ph type="body" idx="1"/>
+          </p:nvPr>
+        </p:nvSpPr>
+        <p:spPr/>
+        <p:txBody>
+          <a:bodyPr/>
+          <a:lstStyle/>
+          <a:p>
+            <a:r>
+              <a:rPr lang="hu-HU" dirty="0" smtClean="0"/>
+              <a:t>Teljesítményanalízis</a:t>
+            </a:r>
+            <a:endParaRPr lang="en-US" dirty="0"/>
+          </a:p>
+        </p:txBody>
+      </p:sp>
+    </p:spTree>
+    <p:extLst>
+      <p:ext uri="{BB962C8B-B14F-4D97-AF65-F5344CB8AC3E}">
+        <p14:creationId xmlns:p14="http://schemas.microsoft.com/office/powerpoint/2010/main" val="2388552978"/>
+      </p:ext>
+    </p:extLst>
+  </p:cSld>
+  <p:clrMapOvr>
+    <a:masterClrMapping/>
+  </p:clrMapOvr>
+  <p:timing>
+    <p:tnLst>
+      <p:par>
+        <p:cTn id="1" dur="indefinite" restart="never" nodeType="tmRoot"/>
+      </p:par>
+    </p:tnLst>
+  </p:timing>
+</p:sld>
+</file>
+
+<file path=ppt/slides/slide15.xml><?xml version="1.0" encoding="utf-8"?>
+<p:sld xmlns:a="http://schemas.openxmlformats.org/drawingml/2006/main" xmlns:r="http://schemas.openxmlformats.org/officeDocument/2006/relationships" xmlns:p="http://schemas.openxmlformats.org/presentationml/2006/main">
+  <p:cSld>
+    <p:spTree>
+      <p:nvGrpSpPr>
+        <p:cNvPr id="1" name=""/>
+        <p:cNvGrpSpPr/>
+        <p:nvPr/>
+      </p:nvGrpSpPr>
+      <p:grpSpPr>
+        <a:xfrm>
+          <a:off x="0" y="0"/>
+          <a:ext cx="0" cy="0"/>
+          <a:chOff x="0" y="0"/>
+          <a:chExt cx="0" cy="0"/>
+        </a:xfrm>
+      </p:grpSpPr>
+      <p:sp>
+        <p:nvSpPr>
+          <p:cNvPr id="2" name="Title 1"/>
+          <p:cNvSpPr>
+            <a:spLocks noGrp="1"/>
+          </p:cNvSpPr>
+          <p:nvPr>
+            <p:ph type="title"/>
+          </p:nvPr>
+        </p:nvSpPr>
+        <p:spPr/>
+        <p:txBody>
           <a:bodyPr>
             <a:normAutofit/>
           </a:bodyPr>
@@ -6737,11 +9381,7 @@
           <a:p>
             <a:r>
               <a:rPr lang="hu-HU" dirty="0" smtClean="0"/>
-              <a:t>A függőségek </a:t>
-            </a:r>
-            <a:r>
-              <a:rPr lang="hu-HU" dirty="0" smtClean="0"/>
-              <a:t>feltérképezése</a:t>
+              <a:t>A függőségek feltérképezése</a:t>
             </a:r>
             <a:endParaRPr lang="en-US" dirty="0"/>
           </a:p>
@@ -6771,8 +9411,13 @@
           <a:p>
             <a:r>
               <a:rPr lang="hu-HU" dirty="0"/>
-              <a:t>Függőségi viszonyok felderítése: ~0,5sec/jar.</a:t>
-            </a:r>
+              <a:t>Függőségi viszonyok felderítése: ~</a:t>
+            </a:r>
+            <a:r>
+              <a:rPr lang="hu-HU" dirty="0" smtClean="0"/>
+              <a:t>0,5sec/jar</a:t>
+            </a:r>
+            <a:endParaRPr lang="hu-HU" dirty="0"/>
           </a:p>
           <a:p>
             <a:r>
@@ -6802,7 +9447,7 @@
             <a:pPr lvl="1"/>
             <a:r>
               <a:rPr lang="hu-HU" dirty="0" smtClean="0"/>
-              <a:t>Teljes </a:t>
+              <a:t>Teljes: </a:t>
             </a:r>
             <a:r>
               <a:rPr lang="hu-HU" dirty="0"/>
@@ -6810,18 +9455,14 @@
             </a:r>
             <a:r>
               <a:rPr lang="hu-HU" dirty="0" smtClean="0"/>
-              <a:t>600MiB.</a:t>
+              <a:t>600MiB</a:t>
             </a:r>
           </a:p>
           <a:p>
             <a:pPr lvl="1"/>
             <a:r>
               <a:rPr lang="hu-HU" dirty="0" smtClean="0"/>
-              <a:t>Tömörített: </a:t>
-            </a:r>
-            <a:r>
-              <a:rPr lang="hu-HU" dirty="0" smtClean="0"/>
-              <a:t>88MiB.</a:t>
+              <a:t>Tömörített: 88MiB</a:t>
             </a:r>
             <a:endParaRPr lang="hu-HU" dirty="0"/>
           </a:p>
@@ -6875,7 +9516,7 @@
 </p:sld>
 </file>
 
-<file path=ppt/slides/slide15.xml><?xml version="1.0" encoding="utf-8"?>
+<file path=ppt/slides/slide16.xml><?xml version="1.0" encoding="utf-8"?>
 <p:sld xmlns:a="http://schemas.openxmlformats.org/drawingml/2006/main" xmlns:r="http://schemas.openxmlformats.org/officeDocument/2006/relationships" xmlns:p="http://schemas.openxmlformats.org/presentationml/2006/main">
   <p:cSld>
     <p:spTree>
@@ -7057,13 +9698,8 @@
           <a:p>
             <a:r>
               <a:rPr lang="hu-HU" dirty="0" smtClean="0"/>
-              <a:t>Kiértékelés 1 változtatás esetén: ~1ms az összes </a:t>
-            </a:r>
-            <a:r>
-              <a:rPr lang="hu-HU" dirty="0" smtClean="0"/>
-              <a:t>elemre.</a:t>
-            </a:r>
-            <a:endParaRPr lang="hu-HU" dirty="0" smtClean="0"/>
+              <a:t>Kiértékelés 1 változtatás esetén: ~1ms az összes elemre.</a:t>
+            </a:r>
           </a:p>
         </p:txBody>
       </p:sp>
@@ -7071,89 +9707,6 @@
     <p:extLst>
       <p:ext uri="{BB962C8B-B14F-4D97-AF65-F5344CB8AC3E}">
         <p14:creationId xmlns:p14="http://schemas.microsoft.com/office/powerpoint/2010/main" val="2871537416"/>
-      </p:ext>
-    </p:extLst>
-  </p:cSld>
-  <p:clrMapOvr>
-    <a:masterClrMapping/>
-  </p:clrMapOvr>
-  <p:timing>
-    <p:tnLst>
-      <p:par>
-        <p:cTn id="1" dur="indefinite" restart="never" nodeType="tmRoot"/>
-      </p:par>
-    </p:tnLst>
-  </p:timing>
-</p:sld>
-</file>
-
-<file path=ppt/slides/slide16.xml><?xml version="1.0" encoding="utf-8"?>
-<p:sld xmlns:a="http://schemas.openxmlformats.org/drawingml/2006/main" xmlns:r="http://schemas.openxmlformats.org/officeDocument/2006/relationships" xmlns:p="http://schemas.openxmlformats.org/presentationml/2006/main">
-  <p:cSld>
-    <p:spTree>
-      <p:nvGrpSpPr>
-        <p:cNvPr id="1" name=""/>
-        <p:cNvGrpSpPr/>
-        <p:nvPr/>
-      </p:nvGrpSpPr>
-      <p:grpSpPr>
-        <a:xfrm>
-          <a:off x="0" y="0"/>
-          <a:ext cx="0" cy="0"/>
-          <a:chOff x="0" y="0"/>
-          <a:chExt cx="0" cy="0"/>
-        </a:xfrm>
-      </p:grpSpPr>
-      <p:sp>
-        <p:nvSpPr>
-          <p:cNvPr id="7" name="Title 6"/>
-          <p:cNvSpPr>
-            <a:spLocks noGrp="1"/>
-          </p:cNvSpPr>
-          <p:nvPr>
-            <p:ph type="title"/>
-          </p:nvPr>
-        </p:nvSpPr>
-        <p:spPr/>
-        <p:txBody>
-          <a:bodyPr/>
-          <a:lstStyle/>
-          <a:p>
-            <a:r>
-              <a:rPr lang="hu-HU" dirty="0" smtClean="0"/>
-              <a:t>Eredmények és távlati célok</a:t>
-            </a:r>
-            <a:endParaRPr lang="en-US" dirty="0"/>
-          </a:p>
-        </p:txBody>
-      </p:sp>
-      <p:sp>
-        <p:nvSpPr>
-          <p:cNvPr id="8" name="Text Placeholder 7"/>
-          <p:cNvSpPr>
-            <a:spLocks noGrp="1"/>
-          </p:cNvSpPr>
-          <p:nvPr>
-            <p:ph type="body" idx="1"/>
-          </p:nvPr>
-        </p:nvSpPr>
-        <p:spPr/>
-        <p:txBody>
-          <a:bodyPr/>
-          <a:lstStyle/>
-          <a:p>
-            <a:r>
-              <a:rPr lang="hu-HU" dirty="0" smtClean="0"/>
-              <a:t>Eredmények</a:t>
-            </a:r>
-            <a:endParaRPr lang="en-US" dirty="0"/>
-          </a:p>
-        </p:txBody>
-      </p:sp>
-    </p:spTree>
-    <p:extLst>
-      <p:ext uri="{BB962C8B-B14F-4D97-AF65-F5344CB8AC3E}">
-        <p14:creationId xmlns:p14="http://schemas.microsoft.com/office/powerpoint/2010/main" val="819375693"/>
       </p:ext>
     </p:extLst>
   </p:cSld>
@@ -7189,7 +9742,7 @@
       </p:grpSpPr>
       <p:sp>
         <p:nvSpPr>
-          <p:cNvPr id="4" name="Title 3"/>
+          <p:cNvPr id="7" name="Title 6"/>
           <p:cNvSpPr>
             <a:spLocks noGrp="1"/>
           </p:cNvSpPr>
@@ -7204,7 +9757,7 @@
           <a:p>
             <a:r>
               <a:rPr lang="hu-HU" dirty="0" smtClean="0"/>
-              <a:t>Eredmények</a:t>
+              <a:t>Eredmények és távlati célok</a:t>
             </a:r>
             <a:endParaRPr lang="en-US" dirty="0"/>
           </a:p>
@@ -7212,73 +9765,23 @@
       </p:sp>
       <p:sp>
         <p:nvSpPr>
-          <p:cNvPr id="5" name="Content Placeholder 4"/>
+          <p:cNvPr id="8" name="Text Placeholder 7"/>
           <p:cNvSpPr>
             <a:spLocks noGrp="1"/>
           </p:cNvSpPr>
           <p:nvPr>
-            <p:ph idx="1"/>
+            <p:ph type="body" idx="1"/>
           </p:nvPr>
         </p:nvSpPr>
         <p:spPr/>
         <p:txBody>
-          <a:bodyPr>
-            <a:normAutofit lnSpcReduction="10000"/>
-          </a:bodyPr>
+          <a:bodyPr/>
           <a:lstStyle/>
           <a:p>
             <a:r>
               <a:rPr lang="hu-HU" dirty="0" smtClean="0"/>
-              <a:t>Eszköz java szoftverek függőségeinek feltárására.</a:t>
-            </a:r>
-          </a:p>
-          <a:p>
-            <a:pPr lvl="1"/>
-            <a:r>
-              <a:rPr lang="hu-HU" dirty="0" smtClean="0"/>
-              <a:t>Nagy mennyiségű bináris feldolgozása és lekérdezése.</a:t>
-            </a:r>
-          </a:p>
-          <a:p>
-            <a:pPr lvl="1"/>
-            <a:r>
-              <a:rPr lang="hu-HU" dirty="0" smtClean="0"/>
-              <a:t>Kiterjesztés: valós idejű függőségek megjelenítése Eclipse-ben. </a:t>
-            </a:r>
-          </a:p>
-          <a:p>
-            <a:r>
-              <a:rPr lang="hu-HU" dirty="0" smtClean="0"/>
-              <a:t>A rendszer jelenleg éles használatban van.</a:t>
-            </a:r>
-          </a:p>
-          <a:p>
-            <a:pPr lvl="1"/>
-            <a:r>
-              <a:rPr lang="hu-HU" dirty="0" smtClean="0"/>
-              <a:t>CERN Controls Systems.</a:t>
-            </a:r>
-          </a:p>
-          <a:p>
-            <a:pPr lvl="2"/>
-            <a:r>
-              <a:rPr lang="hu-HU" dirty="0"/>
-              <a:t>~</a:t>
-            </a:r>
-            <a:r>
-              <a:rPr lang="hu-HU" dirty="0" smtClean="0"/>
-              <a:t>1300 Java projekt, 24/7 üzemidő.</a:t>
-            </a:r>
-          </a:p>
-          <a:p>
-            <a:pPr lvl="2"/>
-            <a:r>
-              <a:rPr lang="hu-HU" dirty="0" smtClean="0"/>
-              <a:t> Adatgyűjtés, monitorozás, alarm system, stb.</a:t>
-            </a:r>
-          </a:p>
-          <a:p>
-            <a:pPr lvl="2"/>
+              <a:t>Eredmények</a:t>
+            </a:r>
             <a:endParaRPr lang="en-US" dirty="0"/>
           </a:p>
         </p:txBody>
@@ -7286,7 +9789,7 @@
     </p:spTree>
     <p:extLst>
       <p:ext uri="{BB962C8B-B14F-4D97-AF65-F5344CB8AC3E}">
-        <p14:creationId xmlns:p14="http://schemas.microsoft.com/office/powerpoint/2010/main" val="833660359"/>
+        <p14:creationId xmlns:p14="http://schemas.microsoft.com/office/powerpoint/2010/main" val="819375693"/>
       </p:ext>
     </p:extLst>
   </p:cSld>
@@ -7322,6 +9825,142 @@
       </p:grpSpPr>
       <p:sp>
         <p:nvSpPr>
+          <p:cNvPr id="4" name="Title 3"/>
+          <p:cNvSpPr>
+            <a:spLocks noGrp="1"/>
+          </p:cNvSpPr>
+          <p:nvPr>
+            <p:ph type="title"/>
+          </p:nvPr>
+        </p:nvSpPr>
+        <p:spPr/>
+        <p:txBody>
+          <a:bodyPr/>
+          <a:lstStyle/>
+          <a:p>
+            <a:r>
+              <a:rPr lang="hu-HU" dirty="0" smtClean="0"/>
+              <a:t>Eredmények</a:t>
+            </a:r>
+            <a:endParaRPr lang="en-US" dirty="0"/>
+          </a:p>
+        </p:txBody>
+      </p:sp>
+      <p:sp>
+        <p:nvSpPr>
+          <p:cNvPr id="5" name="Content Placeholder 4"/>
+          <p:cNvSpPr>
+            <a:spLocks noGrp="1"/>
+          </p:cNvSpPr>
+          <p:nvPr>
+            <p:ph idx="1"/>
+          </p:nvPr>
+        </p:nvSpPr>
+        <p:spPr/>
+        <p:txBody>
+          <a:bodyPr>
+            <a:normAutofit fontScale="92500"/>
+          </a:bodyPr>
+          <a:lstStyle/>
+          <a:p>
+            <a:r>
+              <a:rPr lang="hu-HU" dirty="0" smtClean="0"/>
+              <a:t>Eszköz java szoftverek függőségeinek feltárására</a:t>
+            </a:r>
+          </a:p>
+          <a:p>
+            <a:pPr lvl="1"/>
+            <a:r>
+              <a:rPr lang="hu-HU" dirty="0" smtClean="0"/>
+              <a:t>Nagy mennyiségű bináris feldolgozása és lekérdezése</a:t>
+            </a:r>
+          </a:p>
+          <a:p>
+            <a:pPr lvl="1"/>
+            <a:r>
+              <a:rPr lang="hu-HU" dirty="0" smtClean="0"/>
+              <a:t>Kiterjesztés: valós idejű függőségek megjelenítése Eclipse-ben </a:t>
+            </a:r>
+          </a:p>
+          <a:p>
+            <a:r>
+              <a:rPr lang="hu-HU" dirty="0" smtClean="0"/>
+              <a:t>A rendszer jelenleg éles használatban van</a:t>
+            </a:r>
+          </a:p>
+          <a:p>
+            <a:pPr lvl="1"/>
+            <a:r>
+              <a:rPr lang="hu-HU" dirty="0" smtClean="0"/>
+              <a:t>CERN Controls Systems:</a:t>
+            </a:r>
+          </a:p>
+          <a:p>
+            <a:pPr lvl="2"/>
+            <a:r>
+              <a:rPr lang="hu-HU" dirty="0" smtClean="0"/>
+              <a:t>Svájci kutatólaboratórium; részecskegyorsító irányítási rendszereinek szoftvereihez</a:t>
+            </a:r>
+          </a:p>
+          <a:p>
+            <a:pPr lvl="2"/>
+            <a:r>
+              <a:rPr lang="hu-HU" dirty="0"/>
+              <a:t>~</a:t>
+            </a:r>
+            <a:r>
+              <a:rPr lang="hu-HU" dirty="0" smtClean="0"/>
+              <a:t>1300 Java projekt, 24/7 üzemidő</a:t>
+            </a:r>
+          </a:p>
+          <a:p>
+            <a:pPr lvl="2"/>
+            <a:r>
+              <a:rPr lang="hu-HU" dirty="0" smtClean="0"/>
+              <a:t> Adatgyűjtés, monitorozás, alarm system, stb.</a:t>
+            </a:r>
+          </a:p>
+        </p:txBody>
+      </p:sp>
+    </p:spTree>
+    <p:extLst>
+      <p:ext uri="{BB962C8B-B14F-4D97-AF65-F5344CB8AC3E}">
+        <p14:creationId xmlns:p14="http://schemas.microsoft.com/office/powerpoint/2010/main" val="833660359"/>
+      </p:ext>
+    </p:extLst>
+  </p:cSld>
+  <p:clrMapOvr>
+    <a:masterClrMapping/>
+  </p:clrMapOvr>
+  <p:timing>
+    <p:tnLst>
+      <p:par>
+        <p:cTn id="1" dur="indefinite" restart="never" nodeType="tmRoot"/>
+      </p:par>
+    </p:tnLst>
+  </p:timing>
+</p:sld>
+</file>
+
+<file path=ppt/slides/slide19.xml><?xml version="1.0" encoding="utf-8"?>
+<p:sld xmlns:a="http://schemas.openxmlformats.org/drawingml/2006/main" xmlns:r="http://schemas.openxmlformats.org/officeDocument/2006/relationships" xmlns:p="http://schemas.openxmlformats.org/presentationml/2006/main">
+  <p:cSld>
+    <p:spTree>
+      <p:nvGrpSpPr>
+        <p:cNvPr id="1" name=""/>
+        <p:cNvGrpSpPr/>
+        <p:nvPr/>
+      </p:nvGrpSpPr>
+      <p:grpSpPr>
+        <a:xfrm>
+          <a:off x="0" y="0"/>
+          <a:ext cx="0" cy="0"/>
+          <a:chOff x="0" y="0"/>
+          <a:chExt cx="0" cy="0"/>
+        </a:xfrm>
+      </p:grpSpPr>
+      <p:sp>
+        <p:nvSpPr>
           <p:cNvPr id="2" name="Title 1"/>
           <p:cNvSpPr>
             <a:spLocks noGrp="1"/>
@@ -7360,25 +9999,25 @@
           <a:p>
             <a:r>
               <a:rPr lang="hu-HU" dirty="0" smtClean="0"/>
-              <a:t>Jobb felhasználói felület integráció.</a:t>
+              <a:t>Jobb felhasználói felület integráció</a:t>
             </a:r>
           </a:p>
           <a:p>
             <a:r>
               <a:rPr lang="hu-HU" dirty="0" smtClean="0"/>
-              <a:t>Kiterjeszés C/C++ szoftverekre.</a:t>
+              <a:t>Kiterjeszés C/C++ szoftverekre</a:t>
             </a:r>
           </a:p>
           <a:p>
             <a:r>
               <a:rPr lang="hu-HU" dirty="0" smtClean="0"/>
-              <a:t>Lekérdezés-alapú metrikák érvényesítése.</a:t>
+              <a:t>Lekérdezés-alapú metrikák érvényesítése</a:t>
             </a:r>
           </a:p>
           <a:p>
             <a:r>
               <a:rPr lang="hu-HU" dirty="0" smtClean="0"/>
-              <a:t>Szélesebb körű függőségek felderítése.</a:t>
+              <a:t>Szélesebb körű függőségek felderítése</a:t>
             </a:r>
           </a:p>
           <a:p>
@@ -9094,31 +11733,54 @@
         </p:nvSpPr>
         <p:spPr/>
         <p:txBody>
-          <a:bodyPr/>
+          <a:bodyPr>
+            <a:normAutofit fontScale="77500" lnSpcReduction="20000"/>
+          </a:bodyPr>
           <a:lstStyle/>
           <a:p>
             <a:r>
               <a:rPr lang="hu-HU" dirty="0" smtClean="0"/>
-              <a:t>Nagyszámú szoftver, bonyolult függőségek.</a:t>
+              <a:t>Nagyszámú szoftver (1000+)</a:t>
             </a:r>
           </a:p>
           <a:p>
             <a:r>
               <a:rPr lang="hu-HU" dirty="0" smtClean="0"/>
-              <a:t>Nagy rendelkezésre állás.</a:t>
-            </a:r>
-          </a:p>
-          <a:p>
+              <a:t>OO szoftverek =&gt; </a:t>
+            </a:r>
+            <a:r>
+              <a:rPr lang="hu-HU" dirty="0"/>
+              <a:t>s</a:t>
+            </a:r>
             <a:r>
               <a:rPr lang="hu-HU" dirty="0" smtClean="0"/>
-              <a:t>Hibajavítás, új funkció.</a:t>
+              <a:t>okféle függőség:</a:t>
             </a:r>
           </a:p>
           <a:p>
             <a:pPr lvl="1"/>
             <a:r>
               <a:rPr lang="hu-HU" dirty="0" smtClean="0"/>
-              <a:t>Elvárás: ráépülő szoftverekben ne okozzon hibát (smooth upgrades). </a:t>
+              <a:t>Öröklés, függvény-felüldefiniálás, reflektív hívások</a:t>
+            </a:r>
+          </a:p>
+          <a:p>
+            <a:r>
+              <a:rPr lang="hu-HU" dirty="0" smtClean="0"/>
+              <a:t>Nagy rendelkezésre állás</a:t>
+            </a:r>
+          </a:p>
+          <a:p>
+            <a:r>
+              <a:rPr lang="hu-HU" dirty="0" smtClean="0"/>
+              <a:t>Hibajavítás, új funkció</a:t>
+            </a:r>
+          </a:p>
+          <a:p>
+            <a:pPr lvl="1"/>
+            <a:r>
+              <a:rPr lang="hu-HU" dirty="0" smtClean="0"/>
+              <a:t>Elvárás: ráépülő szoftverekben ne okozzon hibát (smooth upgrades)</a:t>
             </a:r>
           </a:p>
           <a:p>
@@ -9127,14 +11789,28 @@
           <a:p>
             <a:r>
               <a:rPr lang="hu-HU" dirty="0" smtClean="0"/>
-              <a:t>Megoldás: Bejövő függőségek ismerete.</a:t>
+              <a:t>Szükséges: függőségi viszonyok ismerete</a:t>
             </a:r>
           </a:p>
           <a:p>
             <a:pPr lvl="1"/>
             <a:r>
               <a:rPr lang="hu-HU" dirty="0" smtClean="0"/>
-              <a:t>Elkészített eszköz segítségével lekérdezhető.</a:t>
+              <a:t>Mit változtathatunk meg</a:t>
+            </a:r>
+          </a:p>
+          <a:p>
+            <a:pPr lvl="1"/>
+            <a:r>
+              <a:rPr lang="hu-HU" dirty="0" smtClean="0"/>
+              <a:t>Változások potenciális hatása</a:t>
+            </a:r>
+          </a:p>
+          <a:p>
+            <a:pPr lvl="1"/>
+            <a:r>
+              <a:rPr lang="hu-HU" dirty="0" smtClean="0"/>
+              <a:t>Elkészített eszköz segítségével lekérdezhető</a:t>
             </a:r>
           </a:p>
           <a:p>
@@ -9150,7 +11826,7 @@
         </p:nvSpPr>
         <p:spPr>
           <a:xfrm rot="5400000">
-            <a:off x="4229100" y="4267200"/>
+            <a:off x="4229100" y="3810000"/>
             <a:ext cx="685800" cy="685800"/>
           </a:xfrm>
           <a:prstGeom prst="rightArrow">
@@ -9232,21 +11908,14 @@
         <p:spPr/>
         <p:txBody>
           <a:bodyPr>
-            <a:normAutofit fontScale="90000"/>
+            <a:normAutofit/>
           </a:bodyPr>
           <a:lstStyle/>
           <a:p>
             <a:r>
               <a:rPr lang="hu-HU" dirty="0" smtClean="0"/>
-              <a:t>Bejövő függőségek explicit lekérdezése</a:t>
-            </a:r>
-            <a:r>
-              <a:rPr lang="en-US" dirty="0" smtClean="0"/>
-              <a:t/>
-            </a:r>
-            <a:br>
-              <a:rPr lang="en-US" dirty="0" smtClean="0"/>
-            </a:br>
+              <a:t>függőségek explicit lekérdezése</a:t>
+            </a:r>
             <a:endParaRPr lang="en-US" dirty="0"/>
           </a:p>
         </p:txBody>
@@ -9414,7 +12083,7 @@
           <a:p>
             <a:pPr algn="ctr"/>
             <a:r>
-              <a:rPr lang="hu-HU" dirty="0">
+              <a:rPr lang="hu-HU" smtClean="0">
                 <a:solidFill>
                   <a:schemeClr val="dk1"/>
                 </a:solidFill>
@@ -9583,7 +12252,6 @@
               <a:rPr lang="hu-HU" dirty="0" smtClean="0"/>
               <a:t>Lekérdezések</a:t>
             </a:r>
-            <a:endParaRPr lang="hu-HU" dirty="0" smtClean="0"/>
           </a:p>
         </p:txBody>
       </p:sp>
@@ -9843,31 +12511,26 @@
           <a:p>
             <a:r>
               <a:rPr lang="hu-HU" dirty="0" smtClean="0"/>
-              <a:t>Összes vizsgálandó jar egy központi </a:t>
-            </a:r>
-            <a:r>
-              <a:rPr lang="hu-HU" dirty="0" smtClean="0"/>
-              <a:t>tárolóban.</a:t>
-            </a:r>
-            <a:endParaRPr lang="hu-HU" dirty="0" smtClean="0"/>
-          </a:p>
-        </p:txBody>
-      </p:sp>
-      <p:sp>
-        <p:nvSpPr>
-          <p:cNvPr id="46" name="Rounded Rectangular Callout 45"/>
+              <a:t>Összes vizsgálandó jar egy központi tárolóban</a:t>
+            </a:r>
+          </a:p>
+        </p:txBody>
+      </p:sp>
+      <p:sp>
+        <p:nvSpPr>
+          <p:cNvPr id="47" name="Rounded Rectangular Callout 46"/>
           <p:cNvSpPr/>
           <p:nvPr/>
         </p:nvSpPr>
         <p:spPr>
           <a:xfrm>
-            <a:off x="5381024" y="4504384"/>
-            <a:ext cx="2966205" cy="565607"/>
+            <a:off x="4114800" y="5813195"/>
+            <a:ext cx="2585205" cy="565607"/>
           </a:xfrm>
           <a:prstGeom prst="wedgeRoundRectCallout">
             <a:avLst>
-              <a:gd name="adj1" fmla="val -38977"/>
-              <a:gd name="adj2" fmla="val 116086"/>
+              <a:gd name="adj1" fmla="val 59221"/>
+              <a:gd name="adj2" fmla="val -90649"/>
               <a:gd name="adj3" fmla="val 16667"/>
             </a:avLst>
           </a:prstGeom>
@@ -9890,47 +12553,28 @@
           <a:bodyPr rtlCol="0" anchor="ctr"/>
           <a:lstStyle/>
           <a:p>
-            <a:pPr marL="285750" indent="-285750">
-              <a:buFont typeface="Arial" pitchFamily="34" charset="0"/>
-              <a:buChar char="•"/>
-            </a:pPr>
             <a:r>
               <a:rPr lang="hu-HU" dirty="0" smtClean="0"/>
-              <a:t>Függőségi </a:t>
-            </a:r>
-            <a:r>
-              <a:rPr lang="hu-HU" dirty="0" smtClean="0"/>
-              <a:t>analízis</a:t>
-            </a:r>
-          </a:p>
-          <a:p>
-            <a:pPr marL="285750" indent="-285750">
-              <a:buFont typeface="Arial" pitchFamily="34" charset="0"/>
-              <a:buChar char="•"/>
-            </a:pPr>
-            <a:r>
-              <a:rPr lang="hu-HU" dirty="0" smtClean="0"/>
-              <a:t>Interfész az adatokhoz</a:t>
-            </a:r>
-            <a:endParaRPr lang="hu-HU" dirty="0" smtClean="0"/>
-          </a:p>
-        </p:txBody>
-      </p:sp>
-      <p:sp>
-        <p:nvSpPr>
-          <p:cNvPr id="47" name="Rounded Rectangular Callout 46"/>
+              <a:t>Jar állományok struktúrája + függőségei</a:t>
+            </a:r>
+          </a:p>
+        </p:txBody>
+      </p:sp>
+      <p:sp>
+        <p:nvSpPr>
+          <p:cNvPr id="48" name="Rounded Rectangular Callout 47"/>
           <p:cNvSpPr/>
           <p:nvPr/>
         </p:nvSpPr>
         <p:spPr>
           <a:xfrm>
-            <a:off x="3815595" y="6096000"/>
-            <a:ext cx="2585205" cy="565607"/>
+            <a:off x="1704179" y="1258633"/>
+            <a:ext cx="1896504" cy="798766"/>
           </a:xfrm>
           <a:prstGeom prst="wedgeRoundRectCallout">
             <a:avLst>
-              <a:gd name="adj1" fmla="val 73757"/>
-              <a:gd name="adj2" fmla="val -108365"/>
+              <a:gd name="adj1" fmla="val -3941"/>
+              <a:gd name="adj2" fmla="val 118250"/>
               <a:gd name="adj3" fmla="val 16667"/>
             </a:avLst>
           </a:prstGeom>
@@ -9955,27 +12599,26 @@
           <a:p>
             <a:r>
               <a:rPr lang="hu-HU" dirty="0" smtClean="0"/>
-              <a:t>Jar állományok struktúrája + függőségei</a:t>
-            </a:r>
-            <a:endParaRPr lang="hu-HU" dirty="0" smtClean="0"/>
-          </a:p>
-        </p:txBody>
-      </p:sp>
-      <p:sp>
-        <p:nvSpPr>
-          <p:cNvPr id="48" name="Rounded Rectangular Callout 47"/>
+              <a:t>Lekérdezés a forráskód szerkesztőből</a:t>
+            </a:r>
+          </a:p>
+        </p:txBody>
+      </p:sp>
+      <p:sp>
+        <p:nvSpPr>
+          <p:cNvPr id="49" name="Rounded Rectangular Callout 48"/>
           <p:cNvSpPr/>
           <p:nvPr/>
         </p:nvSpPr>
         <p:spPr>
           <a:xfrm>
-            <a:off x="1704179" y="1359574"/>
-            <a:ext cx="1896504" cy="596884"/>
+            <a:off x="4821000" y="3837823"/>
+            <a:ext cx="2796411" cy="596884"/>
           </a:xfrm>
           <a:prstGeom prst="wedgeRoundRectCallout">
             <a:avLst>
-              <a:gd name="adj1" fmla="val 5702"/>
-              <a:gd name="adj2" fmla="val 154501"/>
+              <a:gd name="adj1" fmla="val -60129"/>
+              <a:gd name="adj2" fmla="val -95021"/>
               <a:gd name="adj3" fmla="val 16667"/>
             </a:avLst>
           </a:prstGeom>
@@ -10000,54 +12643,8 @@
           <a:p>
             <a:r>
               <a:rPr lang="hu-HU" dirty="0" smtClean="0"/>
-              <a:t>Lekérdezés a forráskódból.</a:t>
-            </a:r>
-            <a:endParaRPr lang="hu-HU" dirty="0" smtClean="0"/>
-          </a:p>
-        </p:txBody>
-      </p:sp>
-      <p:sp>
-        <p:nvSpPr>
-          <p:cNvPr id="49" name="Rounded Rectangular Callout 48"/>
-          <p:cNvSpPr/>
-          <p:nvPr/>
-        </p:nvSpPr>
-        <p:spPr>
-          <a:xfrm>
-            <a:off x="4821000" y="3837823"/>
-            <a:ext cx="2796411" cy="596884"/>
-          </a:xfrm>
-          <a:prstGeom prst="wedgeRoundRectCallout">
-            <a:avLst>
-              <a:gd name="adj1" fmla="val -56822"/>
-              <a:gd name="adj2" fmla="val -96425"/>
-              <a:gd name="adj3" fmla="val 16667"/>
-            </a:avLst>
-          </a:prstGeom>
-        </p:spPr>
-        <p:style>
-          <a:lnRef idx="1">
-            <a:schemeClr val="accent4"/>
-          </a:lnRef>
-          <a:fillRef idx="2">
-            <a:schemeClr val="accent4"/>
-          </a:fillRef>
-          <a:effectRef idx="1">
-            <a:schemeClr val="accent4"/>
-          </a:effectRef>
-          <a:fontRef idx="minor">
-            <a:schemeClr val="dk1"/>
-          </a:fontRef>
-        </p:style>
-        <p:txBody>
-          <a:bodyPr rtlCol="0" anchor="ctr"/>
-          <a:lstStyle/>
-          <a:p>
-            <a:r>
-              <a:rPr lang="hu-HU" dirty="0" smtClean="0"/>
               <a:t>Kapcsolat: RMI interfészen</a:t>
             </a:r>
-            <a:endParaRPr lang="hu-HU" dirty="0" smtClean="0"/>
           </a:p>
         </p:txBody>
       </p:sp>
@@ -10094,7 +12691,7 @@
             </a:pPr>
             <a:r>
               <a:rPr lang="hu-HU" dirty="0" smtClean="0"/>
-              <a:t>Lekérdezés kezdeményezése.</a:t>
+              <a:t>Lekérdezés kezdeményezése</a:t>
             </a:r>
           </a:p>
           <a:p>
@@ -10104,9 +12701,76 @@
             </a:pPr>
             <a:r>
               <a:rPr lang="hu-HU" dirty="0" smtClean="0"/>
-              <a:t>Eredmények megjelenítése.</a:t>
-            </a:r>
-            <a:endParaRPr lang="hu-HU" dirty="0" smtClean="0"/>
+              <a:t>Eredmények megjelenítése</a:t>
+            </a:r>
+          </a:p>
+        </p:txBody>
+      </p:sp>
+      <p:sp>
+        <p:nvSpPr>
+          <p:cNvPr id="46" name="Rounded Rectangular Callout 45"/>
+          <p:cNvSpPr/>
+          <p:nvPr/>
+        </p:nvSpPr>
+        <p:spPr>
+          <a:xfrm>
+            <a:off x="4840307" y="3870307"/>
+            <a:ext cx="3152100" cy="1065996"/>
+          </a:xfrm>
+          <a:prstGeom prst="wedgeRoundRectCallout">
+            <a:avLst>
+              <a:gd name="adj1" fmla="val -44149"/>
+              <a:gd name="adj2" fmla="val 80684"/>
+              <a:gd name="adj3" fmla="val 16667"/>
+            </a:avLst>
+          </a:prstGeom>
+        </p:spPr>
+        <p:style>
+          <a:lnRef idx="1">
+            <a:schemeClr val="accent4"/>
+          </a:lnRef>
+          <a:fillRef idx="2">
+            <a:schemeClr val="accent4"/>
+          </a:fillRef>
+          <a:effectRef idx="1">
+            <a:schemeClr val="accent4"/>
+          </a:effectRef>
+          <a:fontRef idx="minor">
+            <a:schemeClr val="dk1"/>
+          </a:fontRef>
+        </p:style>
+        <p:txBody>
+          <a:bodyPr rtlCol="0" anchor="ctr"/>
+          <a:lstStyle/>
+          <a:p>
+            <a:pPr marL="285750" indent="-285750">
+              <a:buFont typeface="Arial" pitchFamily="34" charset="0"/>
+              <a:buChar char="•"/>
+            </a:pPr>
+            <a:r>
+              <a:rPr lang="hu-HU" dirty="0" smtClean="0"/>
+              <a:t>Függőségi analízis</a:t>
+            </a:r>
+          </a:p>
+          <a:p>
+            <a:pPr marL="742950" lvl="1" indent="-285750">
+              <a:buFont typeface="Arial" pitchFamily="34" charset="0"/>
+              <a:buChar char="•"/>
+            </a:pPr>
+            <a:r>
+              <a:rPr lang="hu-HU" dirty="0" smtClean="0"/>
+              <a:t>Java binárisokon</a:t>
+            </a:r>
+          </a:p>
+          <a:p>
+            <a:pPr marL="742950" lvl="1" indent="-285750">
+              <a:buFont typeface="Arial" pitchFamily="34" charset="0"/>
+              <a:buChar char="•"/>
+            </a:pPr>
+            <a:r>
+              <a:rPr lang="hu-HU" dirty="0" smtClean="0"/>
+              <a:t>Bemenet méretétől függetlenül</a:t>
+            </a:r>
           </a:p>
         </p:txBody>
       </p:sp>
@@ -10331,6 +12995,33 @@
                                   </p:childTnLst>
                                 </p:cTn>
                               </p:par>
+                              <p:par>
+                                <p:cTn id="11" presetID="1" presetClass="exit" presetSubtype="0" fill="hold" grpId="1" nodeType="withEffect">
+                                  <p:stCondLst>
+                                    <p:cond delay="0"/>
+                                  </p:stCondLst>
+                                  <p:childTnLst>
+                                    <p:set>
+                                      <p:cBhvr>
+                                        <p:cTn id="12" dur="1" fill="hold">
+                                          <p:stCondLst>
+                                            <p:cond delay="0"/>
+                                          </p:stCondLst>
+                                        </p:cTn>
+                                        <p:tgtEl>
+                                          <p:spTgt spid="45"/>
+                                        </p:tgtEl>
+                                        <p:attrNameLst>
+                                          <p:attrName>style.visibility</p:attrName>
+                                        </p:attrNameLst>
+                                      </p:cBhvr>
+                                      <p:to>
+                                        <p:strVal val="hidden"/>
+                                      </p:to>
+                                    </p:set>
+                                  </p:childTnLst>
+                                </p:cTn>
+                              </p:par>
                             </p:childTnLst>
                           </p:cTn>
                         </p:par>
@@ -10338,26 +13029,26 @@
                     </p:cTn>
                   </p:par>
                   <p:par>
-                    <p:cTn id="11" fill="hold">
+                    <p:cTn id="13" fill="hold">
                       <p:stCondLst>
                         <p:cond delay="indefinite"/>
                       </p:stCondLst>
                       <p:childTnLst>
                         <p:par>
-                          <p:cTn id="12" fill="hold">
+                          <p:cTn id="14" fill="hold">
                             <p:stCondLst>
                               <p:cond delay="0"/>
                             </p:stCondLst>
                             <p:childTnLst>
                               <p:par>
-                                <p:cTn id="13" presetID="1" presetClass="entr" presetSubtype="0" fill="hold" grpId="0" nodeType="clickEffect">
+                                <p:cTn id="15" presetID="1" presetClass="entr" presetSubtype="0" fill="hold" grpId="0" nodeType="clickEffect">
                                   <p:stCondLst>
                                     <p:cond delay="0"/>
                                   </p:stCondLst>
                                   <p:childTnLst>
                                     <p:set>
                                       <p:cBhvr>
-                                        <p:cTn id="14" dur="1" fill="hold">
+                                        <p:cTn id="16" dur="1" fill="hold">
                                           <p:stCondLst>
                                             <p:cond delay="0"/>
                                           </p:stCondLst>
@@ -10376,26 +13067,8 @@
                                   </p:childTnLst>
                                 </p:cTn>
                               </p:par>
-                            </p:childTnLst>
-                          </p:cTn>
-                        </p:par>
-                      </p:childTnLst>
-                    </p:cTn>
-                  </p:par>
-                  <p:par>
-                    <p:cTn id="15" fill="hold">
-                      <p:stCondLst>
-                        <p:cond delay="indefinite"/>
-                      </p:stCondLst>
-                      <p:childTnLst>
-                        <p:par>
-                          <p:cTn id="16" fill="hold">
-                            <p:stCondLst>
-                              <p:cond delay="0"/>
-                            </p:stCondLst>
-                            <p:childTnLst>
                               <p:par>
-                                <p:cTn id="17" presetID="1" presetClass="entr" presetSubtype="0" fill="hold" grpId="0" nodeType="clickEffect">
+                                <p:cTn id="17" presetID="1" presetClass="exit" presetSubtype="0" fill="hold" grpId="1" nodeType="withEffect">
                                   <p:stCondLst>
                                     <p:cond delay="0"/>
                                   </p:stCondLst>
@@ -10408,14 +13081,14 @@
                                           </p:stCondLst>
                                         </p:cTn>
                                         <p:tgtEl>
-                                          <p:spTgt spid="49"/>
+                                          <p:spTgt spid="46"/>
                                         </p:tgtEl>
                                         <p:attrNameLst>
                                           <p:attrName>style.visibility</p:attrName>
                                         </p:attrNameLst>
                                       </p:cBhvr>
                                       <p:to>
-                                        <p:strVal val="visible"/>
+                                        <p:strVal val="hidden"/>
                                       </p:to>
                                     </p:set>
                                   </p:childTnLst>
@@ -10453,6 +13126,78 @@
                                           </p:stCondLst>
                                         </p:cTn>
                                         <p:tgtEl>
+                                          <p:spTgt spid="49"/>
+                                        </p:tgtEl>
+                                        <p:attrNameLst>
+                                          <p:attrName>style.visibility</p:attrName>
+                                        </p:attrNameLst>
+                                      </p:cBhvr>
+                                      <p:to>
+                                        <p:strVal val="visible"/>
+                                      </p:to>
+                                    </p:set>
+                                  </p:childTnLst>
+                                </p:cTn>
+                              </p:par>
+                              <p:par>
+                                <p:cTn id="23" presetID="1" presetClass="exit" presetSubtype="0" fill="hold" grpId="1" nodeType="withEffect">
+                                  <p:stCondLst>
+                                    <p:cond delay="0"/>
+                                  </p:stCondLst>
+                                  <p:childTnLst>
+                                    <p:set>
+                                      <p:cBhvr>
+                                        <p:cTn id="24" dur="1" fill="hold">
+                                          <p:stCondLst>
+                                            <p:cond delay="0"/>
+                                          </p:stCondLst>
+                                        </p:cTn>
+                                        <p:tgtEl>
+                                          <p:spTgt spid="47"/>
+                                        </p:tgtEl>
+                                        <p:attrNameLst>
+                                          <p:attrName>style.visibility</p:attrName>
+                                        </p:attrNameLst>
+                                      </p:cBhvr>
+                                      <p:to>
+                                        <p:strVal val="hidden"/>
+                                      </p:to>
+                                    </p:set>
+                                  </p:childTnLst>
+                                </p:cTn>
+                              </p:par>
+                            </p:childTnLst>
+                          </p:cTn>
+                        </p:par>
+                      </p:childTnLst>
+                    </p:cTn>
+                  </p:par>
+                  <p:par>
+                    <p:cTn id="25" fill="hold">
+                      <p:stCondLst>
+                        <p:cond delay="indefinite"/>
+                      </p:stCondLst>
+                      <p:childTnLst>
+                        <p:par>
+                          <p:cTn id="26" fill="hold">
+                            <p:stCondLst>
+                              <p:cond delay="0"/>
+                            </p:stCondLst>
+                            <p:childTnLst>
+                              <p:par>
+                                <p:cTn id="27" presetID="1" presetClass="entr" presetSubtype="0" fill="hold" grpId="0" nodeType="clickEffect">
+                                  <p:stCondLst>
+                                    <p:cond delay="0"/>
+                                  </p:stCondLst>
+                                  <p:childTnLst>
+                                    <p:set>
+                                      <p:cBhvr>
+                                        <p:cTn id="28" dur="1" fill="hold">
+                                          <p:stCondLst>
+                                            <p:cond delay="0"/>
+                                          </p:stCondLst>
+                                        </p:cTn>
+                                        <p:tgtEl>
                                           <p:spTgt spid="51"/>
                                         </p:tgtEl>
                                         <p:attrNameLst>
@@ -10466,6 +13211,33 @@
                                   </p:childTnLst>
                                 </p:cTn>
                               </p:par>
+                              <p:par>
+                                <p:cTn id="29" presetID="1" presetClass="exit" presetSubtype="0" fill="hold" grpId="1" nodeType="withEffect">
+                                  <p:stCondLst>
+                                    <p:cond delay="0"/>
+                                  </p:stCondLst>
+                                  <p:childTnLst>
+                                    <p:set>
+                                      <p:cBhvr>
+                                        <p:cTn id="30" dur="1" fill="hold">
+                                          <p:stCondLst>
+                                            <p:cond delay="0"/>
+                                          </p:stCondLst>
+                                        </p:cTn>
+                                        <p:tgtEl>
+                                          <p:spTgt spid="49"/>
+                                        </p:tgtEl>
+                                        <p:attrNameLst>
+                                          <p:attrName>style.visibility</p:attrName>
+                                        </p:attrNameLst>
+                                      </p:cBhvr>
+                                      <p:to>
+                                        <p:strVal val="hidden"/>
+                                      </p:to>
+                                    </p:set>
+                                  </p:childTnLst>
+                                </p:cTn>
+                              </p:par>
                             </p:childTnLst>
                           </p:cTn>
                         </p:par>
@@ -10473,26 +13245,26 @@
                     </p:cTn>
                   </p:par>
                   <p:par>
-                    <p:cTn id="23" fill="hold">
+                    <p:cTn id="31" fill="hold">
                       <p:stCondLst>
                         <p:cond delay="indefinite"/>
                       </p:stCondLst>
                       <p:childTnLst>
                         <p:par>
-                          <p:cTn id="24" fill="hold">
+                          <p:cTn id="32" fill="hold">
                             <p:stCondLst>
                               <p:cond delay="0"/>
                             </p:stCondLst>
                             <p:childTnLst>
                               <p:par>
-                                <p:cTn id="25" presetID="1" presetClass="entr" presetSubtype="0" fill="hold" grpId="0" nodeType="clickEffect">
+                                <p:cTn id="33" presetID="1" presetClass="entr" presetSubtype="0" fill="hold" grpId="0" nodeType="clickEffect">
                                   <p:stCondLst>
                                     <p:cond delay="0"/>
                                   </p:stCondLst>
                                   <p:childTnLst>
                                     <p:set>
                                       <p:cBhvr>
-                                        <p:cTn id="26" dur="1" fill="hold">
+                                        <p:cTn id="34" dur="1" fill="hold">
                                           <p:stCondLst>
                                             <p:cond delay="0"/>
                                           </p:stCondLst>
@@ -10506,6 +13278,33 @@
                                       </p:cBhvr>
                                       <p:to>
                                         <p:strVal val="visible"/>
+                                      </p:to>
+                                    </p:set>
+                                  </p:childTnLst>
+                                </p:cTn>
+                              </p:par>
+                              <p:par>
+                                <p:cTn id="35" presetID="1" presetClass="exit" presetSubtype="0" fill="hold" grpId="1" nodeType="withEffect">
+                                  <p:stCondLst>
+                                    <p:cond delay="0"/>
+                                  </p:stCondLst>
+                                  <p:childTnLst>
+                                    <p:set>
+                                      <p:cBhvr>
+                                        <p:cTn id="36" dur="1" fill="hold">
+                                          <p:stCondLst>
+                                            <p:cond delay="0"/>
+                                          </p:stCondLst>
+                                        </p:cTn>
+                                        <p:tgtEl>
+                                          <p:spTgt spid="51"/>
+                                        </p:tgtEl>
+                                        <p:attrNameLst>
+                                          <p:attrName>style.visibility</p:attrName>
+                                        </p:attrNameLst>
+                                      </p:cBhvr>
+                                      <p:to>
+                                        <p:strVal val="hidden"/>
                                       </p:to>
                                     </p:set>
                                   </p:childTnLst>
@@ -10540,11 +13339,16 @@
     </p:tnLst>
     <p:bldLst>
       <p:bldP spid="45" grpId="0" animBg="1"/>
-      <p:bldP spid="46" grpId="0" animBg="1"/>
+      <p:bldP spid="45" grpId="1" animBg="1"/>
       <p:bldP spid="47" grpId="0" animBg="1"/>
+      <p:bldP spid="47" grpId="1" animBg="1"/>
       <p:bldP spid="48" grpId="0" animBg="1"/>
       <p:bldP spid="49" grpId="0" animBg="1"/>
+      <p:bldP spid="49" grpId="1" animBg="1"/>
       <p:bldP spid="51" grpId="0" animBg="1"/>
+      <p:bldP spid="51" grpId="1" animBg="1"/>
+      <p:bldP spid="46" grpId="0" animBg="1"/>
+      <p:bldP spid="46" grpId="1" animBg="1"/>
     </p:bldLst>
   </p:timing>
 </p:sld>
@@ -10788,7 +13592,7 @@
             </a:pPr>
             <a:r>
               <a:rPr lang="hu-HU" dirty="0" smtClean="0"/>
-              <a:t>Elem kiválasztása a szerkesztőben.</a:t>
+              <a:t>Elem kiválasztása a szerkesztőben</a:t>
             </a:r>
           </a:p>
           <a:p>
@@ -10798,7 +13602,7 @@
             </a:pPr>
             <a:r>
               <a:rPr lang="hu-HU" dirty="0" smtClean="0"/>
-              <a:t>Elem nevének feloldása.</a:t>
+              <a:t>Elem nevének feloldása</a:t>
             </a:r>
           </a:p>
           <a:p>
@@ -10808,7 +13612,7 @@
             </a:pPr>
             <a:r>
               <a:rPr lang="hu-HU" dirty="0" smtClean="0"/>
-              <a:t>Lekérdezés küldése.</a:t>
+              <a:t>Lekérdezés küldése</a:t>
             </a:r>
           </a:p>
           <a:p>
@@ -10829,7 +13633,7 @@
             <a:pPr marL="1314450" lvl="3" indent="-457200"/>
             <a:r>
               <a:rPr lang="hu-HU" dirty="0" smtClean="0"/>
-              <a:t>A kiválasztott elem bejövő függőségei.</a:t>
+              <a:t>A kiválasztott elem függőségei</a:t>
             </a:r>
           </a:p>
           <a:p>
@@ -11229,7 +14033,6 @@
               <a:rPr lang="hu-HU" dirty="0" smtClean="0"/>
               <a:t>Lekérdezések</a:t>
             </a:r>
-            <a:endParaRPr lang="hu-HU" dirty="0" smtClean="0"/>
           </a:p>
         </p:txBody>
       </p:sp>
@@ -11775,11 +14578,11 @@
   <p:clrMapOvr>
     <a:masterClrMapping/>
   </p:clrMapOvr>
-  <mc:AlternateContent xmlns:mc="http://schemas.openxmlformats.org/markup-compatibility/2006">
-    <mc:Choice xmlns:p14="http://schemas.microsoft.com/office/powerpoint/2010/main" Requires="p14">
+  <mc:AlternateContent xmlns:mc="http://schemas.openxmlformats.org/markup-compatibility/2006" xmlns:p14="http://schemas.microsoft.com/office/powerpoint/2010/main">
+    <mc:Choice Requires="p14">
       <p:transition spd="slow" p14:dur="2000"/>
     </mc:Choice>
-    <mc:Fallback>
+    <mc:Fallback xmlns="">
       <p:transition spd="slow"/>
     </mc:Fallback>
   </mc:AlternateContent>
@@ -11820,24 +14623,22 @@
             <p:ph type="title"/>
           </p:nvPr>
         </p:nvSpPr>
-        <p:spPr/>
+        <p:spPr>
+          <a:xfrm>
+            <a:off x="762000" y="4419600"/>
+            <a:ext cx="7772400" cy="1362075"/>
+          </a:xfrm>
+        </p:spPr>
         <p:txBody>
           <a:bodyPr>
-            <a:normAutofit fontScale="90000"/>
+            <a:normAutofit/>
           </a:bodyPr>
           <a:lstStyle/>
           <a:p>
             <a:r>
-              <a:rPr lang="hu-HU" sz="3900" dirty="0" smtClean="0"/>
-              <a:t>Inkrementális modell-lekérdezésEK</a:t>
-            </a:r>
-            <a:r>
-              <a:rPr lang="en-US" dirty="0" smtClean="0"/>
-              <a:t/>
-            </a:r>
-            <a:br>
-              <a:rPr lang="en-US" dirty="0" smtClean="0"/>
-            </a:br>
+              <a:rPr lang="hu-HU" dirty="0" smtClean="0"/>
+              <a:t>Inkrementális hibrid Függőségi analízis</a:t>
+            </a:r>
             <a:endParaRPr lang="en-US" dirty="0"/>
           </a:p>
         </p:txBody>
@@ -11859,7 +14660,7 @@
           <a:p>
             <a:r>
               <a:rPr lang="hu-HU" dirty="0" smtClean="0"/>
-              <a:t>Az eszköz Kiegészítése</a:t>
+              <a:t>Az eszköz kiegészítése</a:t>
             </a:r>
             <a:endParaRPr lang="en-US" dirty="0"/>
           </a:p>

--- a/incquery-deps-documentation/presentation/tdk_pres_hu_v2.pptx
+++ b/incquery-deps-documentation/presentation/tdk_pres_hu_v2.pptx
@@ -152,8 +152,8 @@
               <a:defRPr/>
             </a:pPr>
             <a:r>
-              <a:rPr lang="hu-HU" dirty="0"/>
-              <a:t>Discovery process time</a:t>
+              <a:rPr lang="hu-HU" dirty="0" smtClean="0"/>
+              <a:t>Függőségi analízis ideje</a:t>
             </a:r>
             <a:endParaRPr lang="en-US" dirty="0"/>
           </a:p>
@@ -326,9 +326,14 @@
                   <a:defRPr/>
                 </a:pPr>
                 <a:r>
-                  <a:rPr lang="hu-HU"/>
-                  <a:t>Number of processed projects</a:t>
+                  <a:rPr lang="hu-HU" dirty="0" smtClean="0"/>
+                  <a:t>Feldolgozott</a:t>
                 </a:r>
+                <a:r>
+                  <a:rPr lang="hu-HU" baseline="0" dirty="0" smtClean="0"/>
+                  <a:t> projektek száma</a:t>
+                </a:r>
+                <a:endParaRPr lang="hu-HU" dirty="0"/>
               </a:p>
             </c:rich>
           </c:tx>
@@ -366,10 +371,10 @@
                   <a:defRPr/>
                 </a:pPr>
                 <a:r>
-                  <a:rPr lang="hu-HU"/>
-                  <a:t>seconds</a:t>
+                  <a:rPr lang="hu-HU" dirty="0" smtClean="0"/>
+                  <a:t>sec</a:t>
                 </a:r>
-                <a:endParaRPr lang="en-US"/>
+                <a:endParaRPr lang="en-US" dirty="0"/>
               </a:p>
             </c:rich>
           </c:tx>
@@ -419,12 +424,12 @@
               <a:defRPr/>
             </a:pPr>
             <a:r>
-              <a:rPr lang="hu-HU" dirty="0" smtClean="0"/>
-              <a:t>Modell-lekérdezések:</a:t>
-            </a:r>
-            <a:r>
               <a:rPr lang="hu-HU" baseline="0" dirty="0" smtClean="0"/>
-              <a:t> inicialiálási idő</a:t>
+              <a:t>Inicialiálási </a:t>
+            </a:r>
+            <a:r>
+              <a:rPr lang="hu-HU" baseline="0" dirty="0" smtClean="0"/>
+              <a:t>idő</a:t>
             </a:r>
             <a:endParaRPr lang="en-US" dirty="0"/>
           </a:p>
@@ -528,11 +533,15 @@
                 </a:pPr>
                 <a:r>
                   <a:rPr lang="hu-HU" dirty="0" smtClean="0"/>
-                  <a:t>Betöltött projektek</a:t>
+                  <a:t>Betöltött </a:t>
+                </a:r>
+                <a:r>
+                  <a:rPr lang="hu-HU" dirty="0" smtClean="0"/>
+                  <a:t>projektek</a:t>
                 </a:r>
                 <a:r>
                   <a:rPr lang="hu-HU" baseline="0" dirty="0" smtClean="0"/>
-                  <a:t> mérete</a:t>
+                  <a:t> száma</a:t>
                 </a:r>
                 <a:endParaRPr lang="en-US" dirty="0"/>
               </a:p>
@@ -570,8 +579,8 @@
                   <a:defRPr/>
                 </a:pPr>
                 <a:r>
-                  <a:rPr lang="hu-HU" dirty="0"/>
-                  <a:t>seconds</a:t>
+                  <a:rPr lang="hu-HU" dirty="0" smtClean="0"/>
+                  <a:t>sec</a:t>
                 </a:r>
                 <a:endParaRPr lang="en-US" dirty="0"/>
               </a:p>
@@ -736,7 +745,11 @@
                 </a:r>
                 <a:r>
                   <a:rPr lang="hu-HU" baseline="0" dirty="0" smtClean="0"/>
-                  <a:t> mérete</a:t>
+                  <a:t> </a:t>
+                </a:r>
+                <a:r>
+                  <a:rPr lang="hu-HU" baseline="0" dirty="0" smtClean="0"/>
+                  <a:t>száma</a:t>
                 </a:r>
                 <a:endParaRPr lang="en-US" dirty="0"/>
               </a:p>
@@ -1634,18 +1647,6 @@
               <a:tabLst/>
               <a:defRPr/>
             </a:pPr>
-            <a:r>
-              <a:rPr lang="hu-HU" sz="1200" kern="1200" dirty="0" smtClean="0">
-                <a:solidFill>
-                  <a:schemeClr val="tx1"/>
-                </a:solidFill>
-                <a:effectLst/>
-                <a:latin typeface="+mn-lt"/>
-                <a:ea typeface="+mn-ea"/>
-                <a:cs typeface="+mn-cs"/>
-              </a:rPr>
-              <a:t>- 9-es fólia: cím legyen inkrementális, hibrid függőségi analízis (hibrid=bináris és forráskód forrású adatokon)</a:t>
-            </a:r>
             <a:endParaRPr lang="en-US" sz="1200" kern="1200" dirty="0" smtClean="0">
               <a:solidFill>
                 <a:schemeClr val="tx1"/>
@@ -1737,33 +1738,6 @@
         <p:txBody>
           <a:bodyPr/>
           <a:lstStyle/>
-          <a:p>
-            <a:r>
-              <a:rPr lang="hu-HU" dirty="0" smtClean="0"/>
-              <a:t>EMF-IncQuery technológia:</a:t>
-            </a:r>
-          </a:p>
-          <a:p>
-            <a:pPr lvl="1"/>
-            <a:r>
-              <a:rPr lang="hu-HU" dirty="0" smtClean="0"/>
-              <a:t>Deklaratív, inkrementális modell-lekérdezések</a:t>
-            </a:r>
-          </a:p>
-          <a:p>
-            <a:pPr lvl="2"/>
-            <a:r>
-              <a:rPr lang="hu-HU" dirty="0" smtClean="0"/>
-              <a:t>Lekérdezés = gráfminta</a:t>
-            </a:r>
-          </a:p>
-          <a:p>
-            <a:pPr lvl="1"/>
-            <a:r>
-              <a:rPr lang="hu-HU" dirty="0" smtClean="0"/>
-              <a:t>EMF példánymodellek felett</a:t>
-            </a:r>
-          </a:p>
           <a:p>
             <a:endParaRPr lang="en-US" dirty="0"/>
           </a:p>
@@ -4624,7 +4598,7 @@
             <a:gs pos="0">
               <a:srgbClr val="9AB5E4"/>
             </a:gs>
-            <a:gs pos="25000">
+            <a:gs pos="27000">
               <a:schemeClr val="accent1">
                 <a:lumMod val="20000"/>
                 <a:lumOff val="80000"/>
@@ -7293,8 +7267,13 @@
             <a:pPr lvl="1"/>
             <a:r>
               <a:rPr lang="hu-HU" sz="2400" dirty="0" smtClean="0"/>
-              <a:t>IncQuery deklaratív lekérdező nyelvén megfogalmazva.</a:t>
-            </a:r>
+              <a:t>IncQuery deklaratív lekérdező nyelvén </a:t>
+            </a:r>
+            <a:r>
+              <a:rPr lang="hu-HU" sz="2400" dirty="0" smtClean="0"/>
+              <a:t>megfogalmazva</a:t>
+            </a:r>
+            <a:endParaRPr lang="hu-HU" sz="2400" dirty="0" smtClean="0"/>
           </a:p>
         </p:txBody>
       </p:sp>
@@ -8887,7 +8866,15 @@
             <a:pPr marL="914400" lvl="1" indent="-457200"/>
             <a:r>
               <a:rPr lang="hu-HU" dirty="0" smtClean="0"/>
-              <a:t>Függőségi viszony az </a:t>
+              <a:t>Függőségi </a:t>
+            </a:r>
+            <a:r>
+              <a:rPr lang="hu-HU" dirty="0" smtClean="0"/>
+              <a:t>viszonyok </a:t>
+            </a:r>
+            <a:r>
+              <a:rPr lang="hu-HU" dirty="0" smtClean="0"/>
+              <a:t>az </a:t>
             </a:r>
             <a:r>
               <a:rPr lang="hu-HU" b="1" dirty="0" smtClean="0"/>
@@ -8930,8 +8917,13 @@
             <a:pPr marL="914400" lvl="1" indent="-457200"/>
             <a:r>
               <a:rPr lang="hu-HU" dirty="0" smtClean="0"/>
-              <a:t>Eredmények View-okban</a:t>
-            </a:r>
+              <a:t>Eredmények </a:t>
+            </a:r>
+            <a:r>
+              <a:rPr lang="hu-HU" dirty="0" smtClean="0"/>
+              <a:t>view-kban</a:t>
+            </a:r>
+            <a:endParaRPr lang="hu-HU" dirty="0" smtClean="0"/>
           </a:p>
           <a:p>
             <a:pPr marL="914400" lvl="1" indent="-457200"/>
@@ -9381,7 +9373,7 @@
           <a:p>
             <a:r>
               <a:rPr lang="hu-HU" dirty="0" smtClean="0"/>
-              <a:t>A függőségek feltérképezése</a:t>
+              <a:t>Függőségi analízis sebessége</a:t>
             </a:r>
             <a:endParaRPr lang="en-US" dirty="0"/>
           </a:p>
@@ -9405,13 +9397,24 @@
         </p:spPr>
         <p:txBody>
           <a:bodyPr vert="horz" lIns="91440" tIns="45720" rIns="91440" bIns="45720" rtlCol="0">
-            <a:normAutofit lnSpcReduction="10000"/>
+            <a:normAutofit fontScale="92500" lnSpcReduction="20000"/>
           </a:bodyPr>
           <a:lstStyle/>
           <a:p>
             <a:r>
+              <a:rPr lang="hu-HU" dirty="0" smtClean="0"/>
+              <a:t>Mérések valós projektekkel</a:t>
+            </a:r>
+            <a:endParaRPr lang="hu-HU" dirty="0" smtClean="0"/>
+          </a:p>
+          <a:p>
+            <a:r>
+              <a:rPr lang="hu-HU" dirty="0" smtClean="0"/>
+              <a:t>Függőségi </a:t>
+            </a:r>
+            <a:r>
               <a:rPr lang="hu-HU" dirty="0"/>
-              <a:t>Függőségi viszonyok felderítése: ~</a:t>
+              <a:t>viszonyok felderítése: ~</a:t>
             </a:r>
             <a:r>
               <a:rPr lang="hu-HU" dirty="0" smtClean="0"/>
@@ -9436,12 +9439,13 @@
             </a:r>
             <a:r>
               <a:rPr lang="hu-HU" dirty="0"/>
-              <a:t>példánymodell mérete</a:t>
+              <a:t>példánymodell </a:t>
             </a:r>
             <a:r>
               <a:rPr lang="hu-HU" dirty="0" smtClean="0"/>
-              <a:t>:</a:t>
-            </a:r>
+              <a:t>mérete (1312 projektre):</a:t>
+            </a:r>
+            <a:endParaRPr lang="hu-HU" dirty="0" smtClean="0"/>
           </a:p>
           <a:p>
             <a:pPr lvl="1"/>
@@ -9481,7 +9485,7 @@
             <p:ph sz="half" idx="2"/>
             <p:extLst>
               <p:ext uri="{D42A27DB-BD31-4B8C-83A1-F6EECF244321}">
-                <p14:modId xmlns:p14="http://schemas.microsoft.com/office/powerpoint/2010/main" val="1159707120"/>
+                <p14:modId xmlns:p14="http://schemas.microsoft.com/office/powerpoint/2010/main" val="3030879372"/>
               </p:ext>
             </p:extLst>
           </p:nvPr>
@@ -9550,7 +9554,7 @@
           <a:p>
             <a:r>
               <a:rPr lang="hu-HU" dirty="0" smtClean="0"/>
-              <a:t>Modell-lekérdezések</a:t>
+              <a:t>Modell-lekérdezések tulajdonságai</a:t>
             </a:r>
             <a:endParaRPr lang="en-US" dirty="0"/>
           </a:p>
@@ -9566,7 +9570,7 @@
             <p:ph sz="half" idx="2"/>
             <p:extLst>
               <p:ext uri="{D42A27DB-BD31-4B8C-83A1-F6EECF244321}">
-                <p14:modId xmlns:p14="http://schemas.microsoft.com/office/powerpoint/2010/main" val="850014098"/>
+                <p14:modId xmlns:p14="http://schemas.microsoft.com/office/powerpoint/2010/main" val="3255633567"/>
               </p:ext>
             </p:extLst>
           </p:nvPr>
@@ -9591,7 +9595,7 @@
             <p:ph sz="quarter" idx="4"/>
             <p:extLst>
               <p:ext uri="{D42A27DB-BD31-4B8C-83A1-F6EECF244321}">
-                <p14:modId xmlns:p14="http://schemas.microsoft.com/office/powerpoint/2010/main" val="1779444642"/>
+                <p14:modId xmlns:p14="http://schemas.microsoft.com/office/powerpoint/2010/main" val="3817174890"/>
               </p:ext>
             </p:extLst>
           </p:nvPr>
@@ -9698,8 +9702,13 @@
           <a:p>
             <a:r>
               <a:rPr lang="hu-HU" dirty="0" smtClean="0"/>
-              <a:t>Kiértékelés 1 változtatás esetén: ~1ms az összes elemre.</a:t>
-            </a:r>
+              <a:t>Kiértékelés 1 változtatás esetén: ~1ms az összes </a:t>
+            </a:r>
+            <a:r>
+              <a:rPr lang="hu-HU" dirty="0" smtClean="0"/>
+              <a:t>elemre</a:t>
+            </a:r>
+            <a:endParaRPr lang="hu-HU" dirty="0" smtClean="0"/>
           </a:p>
         </p:txBody>
       </p:sp>
@@ -9780,7 +9789,7 @@
           <a:p>
             <a:r>
               <a:rPr lang="hu-HU" dirty="0" smtClean="0"/>
-              <a:t>Eredmények</a:t>
+              <a:t>Értékelés</a:t>
             </a:r>
             <a:endParaRPr lang="en-US" dirty="0"/>
           </a:p>
@@ -9879,7 +9888,11 @@
             <a:pPr lvl="1"/>
             <a:r>
               <a:rPr lang="hu-HU" dirty="0" smtClean="0"/>
-              <a:t>Kiterjesztés: valós idejű függőségek megjelenítése Eclipse-ben </a:t>
+              <a:t>Kiterjesztés: valós idejű függőségek </a:t>
+            </a:r>
+            <a:r>
+              <a:rPr lang="hu-HU" dirty="0" smtClean="0"/>
+              <a:t>megjelenítése </a:t>
             </a:r>
           </a:p>
           <a:p>
@@ -9892,7 +9905,11 @@
             <a:pPr lvl="1"/>
             <a:r>
               <a:rPr lang="hu-HU" dirty="0" smtClean="0"/>
-              <a:t>CERN Controls Systems:</a:t>
+              <a:t>CERN </a:t>
+            </a:r>
+            <a:r>
+              <a:rPr lang="hu-HU" dirty="0" smtClean="0"/>
+              <a:t>Controls Systems:</a:t>
             </a:r>
           </a:p>
           <a:p>
@@ -11740,13 +11757,21 @@
           <a:p>
             <a:r>
               <a:rPr lang="hu-HU" dirty="0" smtClean="0"/>
-              <a:t>Nagyszámú szoftver (1000+)</a:t>
-            </a:r>
-          </a:p>
-          <a:p>
+              <a:t>Nagyszámú Java </a:t>
+            </a:r>
             <a:r>
               <a:rPr lang="hu-HU" dirty="0" smtClean="0"/>
-              <a:t>OO szoftverek =&gt; </a:t>
+              <a:t>szoftver (1000+)</a:t>
+            </a:r>
+          </a:p>
+          <a:p>
+            <a:r>
+              <a:rPr lang="hu-HU" dirty="0" smtClean="0"/>
+              <a:t>OO </a:t>
+            </a:r>
+            <a:r>
+              <a:rPr lang="hu-HU" dirty="0" smtClean="0"/>
+              <a:t>=&gt; </a:t>
             </a:r>
             <a:r>
               <a:rPr lang="hu-HU" dirty="0"/>
@@ -11761,8 +11786,13 @@
             <a:pPr lvl="1"/>
             <a:r>
               <a:rPr lang="hu-HU" dirty="0" smtClean="0"/>
-              <a:t>Öröklés, függvény-felüldefiniálás, reflektív hívások</a:t>
-            </a:r>
+              <a:t>Öröklés, függvény-felüldefiniálás, reflektív </a:t>
+            </a:r>
+            <a:r>
+              <a:rPr lang="hu-HU" dirty="0" smtClean="0"/>
+              <a:t>hívások, stb.</a:t>
+            </a:r>
+            <a:endParaRPr lang="hu-HU" dirty="0" smtClean="0"/>
           </a:p>
           <a:p>
             <a:r>
@@ -13706,7 +13736,7 @@
         </p:blipFill>
         <p:spPr bwMode="auto">
           <a:xfrm>
-            <a:off x="4648200" y="4038600"/>
+            <a:off x="4648200" y="3791857"/>
             <a:ext cx="4031343" cy="1999343"/>
           </a:xfrm>
           <a:prstGeom prst="rect">
@@ -14637,7 +14667,11 @@
           <a:p>
             <a:r>
               <a:rPr lang="hu-HU" dirty="0" smtClean="0"/>
-              <a:t>Inkrementális hibrid Függőségi analízis</a:t>
+              <a:t>Inkrementális, </a:t>
+            </a:r>
+            <a:r>
+              <a:rPr lang="hu-HU" dirty="0" smtClean="0"/>
+              <a:t>hibrid Függőségi analízis</a:t>
             </a:r>
             <a:endParaRPr lang="en-US" dirty="0"/>
           </a:p>

--- a/incquery-deps-documentation/presentation/tdk_pres_hu_v2.pptx
+++ b/incquery-deps-documentation/presentation/tdk_pres_hu_v2.pptx
@@ -1,6 +1,6 @@
 
 <file path=ppt/presentation.xml><?xml version="1.0" encoding="utf-8"?>
-<p:presentation xmlns:a="http://schemas.openxmlformats.org/drawingml/2006/main" xmlns:r="http://schemas.openxmlformats.org/officeDocument/2006/relationships" xmlns:p="http://schemas.openxmlformats.org/presentationml/2006/main" saveSubsetFonts="1">
+<p:presentation xmlns:a="http://schemas.openxmlformats.org/drawingml/2006/main" xmlns:r="http://schemas.openxmlformats.org/officeDocument/2006/relationships" xmlns:p="http://schemas.openxmlformats.org/presentationml/2006/main" serverZoom="30672" saveSubsetFonts="1">
   <p:sldMasterIdLst>
     <p:sldMasterId id="2147483648" r:id="rId1"/>
   </p:sldMasterIdLst>
@@ -306,11 +306,11 @@
         </c:dLbls>
         <c:marker val="1"/>
         <c:smooth val="0"/>
-        <c:axId val="47009792"/>
-        <c:axId val="43490048"/>
+        <c:axId val="37675520"/>
+        <c:axId val="34297472"/>
       </c:lineChart>
       <c:catAx>
-        <c:axId val="47009792"/>
+        <c:axId val="37675520"/>
         <c:scaling>
           <c:orientation val="minMax"/>
         </c:scaling>
@@ -344,7 +344,7 @@
         <c:majorTickMark val="out"/>
         <c:minorTickMark val="none"/>
         <c:tickLblPos val="nextTo"/>
-        <c:crossAx val="43490048"/>
+        <c:crossAx val="34297472"/>
         <c:crosses val="autoZero"/>
         <c:auto val="0"/>
         <c:lblAlgn val="ctr"/>
@@ -354,7 +354,7 @@
         <c:noMultiLvlLbl val="0"/>
       </c:catAx>
       <c:valAx>
-        <c:axId val="43490048"/>
+        <c:axId val="34297472"/>
         <c:scaling>
           <c:orientation val="minMax"/>
         </c:scaling>
@@ -385,7 +385,7 @@
         <c:majorTickMark val="out"/>
         <c:minorTickMark val="none"/>
         <c:tickLblPos val="nextTo"/>
-        <c:crossAx val="47009792"/>
+        <c:crossAx val="37675520"/>
         <c:crosses val="autoZero"/>
         <c:crossBetween val="between"/>
       </c:valAx>
@@ -425,11 +425,7 @@
             </a:pPr>
             <a:r>
               <a:rPr lang="hu-HU" baseline="0" dirty="0" smtClean="0"/>
-              <a:t>Inicialiálási </a:t>
-            </a:r>
-            <a:r>
-              <a:rPr lang="hu-HU" baseline="0" dirty="0" smtClean="0"/>
-              <a:t>idő</a:t>
+              <a:t>Inicialiálási idő</a:t>
             </a:r>
             <a:endParaRPr lang="en-US" dirty="0"/>
           </a:p>
@@ -512,11 +508,11 @@
         </c:dLbls>
         <c:marker val="1"/>
         <c:smooth val="0"/>
-        <c:axId val="65319936"/>
-        <c:axId val="44810816"/>
+        <c:axId val="38651392"/>
+        <c:axId val="34299200"/>
       </c:lineChart>
       <c:catAx>
-        <c:axId val="65319936"/>
+        <c:axId val="38651392"/>
         <c:scaling>
           <c:orientation val="minMax"/>
         </c:scaling>
@@ -533,11 +529,7 @@
                 </a:pPr>
                 <a:r>
                   <a:rPr lang="hu-HU" dirty="0" smtClean="0"/>
-                  <a:t>Betöltött </a:t>
-                </a:r>
-                <a:r>
-                  <a:rPr lang="hu-HU" dirty="0" smtClean="0"/>
-                  <a:t>projektek</a:t>
+                  <a:t>Betöltött projektek</a:t>
                 </a:r>
                 <a:r>
                   <a:rPr lang="hu-HU" baseline="0" dirty="0" smtClean="0"/>
@@ -554,7 +546,7 @@
         <c:majorTickMark val="out"/>
         <c:minorTickMark val="none"/>
         <c:tickLblPos val="nextTo"/>
-        <c:crossAx val="44810816"/>
+        <c:crossAx val="34299200"/>
         <c:crosses val="autoZero"/>
         <c:auto val="1"/>
         <c:lblAlgn val="ctr"/>
@@ -562,7 +554,7 @@
         <c:noMultiLvlLbl val="0"/>
       </c:catAx>
       <c:valAx>
-        <c:axId val="44810816"/>
+        <c:axId val="34299200"/>
         <c:scaling>
           <c:orientation val="minMax"/>
         </c:scaling>
@@ -593,7 +585,7 @@
         <c:majorTickMark val="out"/>
         <c:minorTickMark val="none"/>
         <c:tickLblPos val="nextTo"/>
-        <c:crossAx val="65319936"/>
+        <c:crossAx val="38651392"/>
         <c:crosses val="autoZero"/>
         <c:crossBetween val="between"/>
       </c:valAx>
@@ -720,11 +712,11 @@
         </c:dLbls>
         <c:marker val="1"/>
         <c:smooth val="0"/>
-        <c:axId val="65320448"/>
-        <c:axId val="44812544"/>
+        <c:axId val="38651904"/>
+        <c:axId val="37479552"/>
       </c:lineChart>
       <c:catAx>
-        <c:axId val="65320448"/>
+        <c:axId val="38651904"/>
         <c:scaling>
           <c:orientation val="minMax"/>
         </c:scaling>
@@ -745,11 +737,7 @@
                 </a:r>
                 <a:r>
                   <a:rPr lang="hu-HU" baseline="0" dirty="0" smtClean="0"/>
-                  <a:t> </a:t>
-                </a:r>
-                <a:r>
-                  <a:rPr lang="hu-HU" baseline="0" dirty="0" smtClean="0"/>
-                  <a:t>száma</a:t>
+                  <a:t> száma</a:t>
                 </a:r>
                 <a:endParaRPr lang="en-US" dirty="0"/>
               </a:p>
@@ -762,7 +750,7 @@
         <c:majorTickMark val="out"/>
         <c:minorTickMark val="none"/>
         <c:tickLblPos val="nextTo"/>
-        <c:crossAx val="44812544"/>
+        <c:crossAx val="37479552"/>
         <c:crosses val="autoZero"/>
         <c:auto val="1"/>
         <c:lblAlgn val="ctr"/>
@@ -770,7 +758,7 @@
         <c:noMultiLvlLbl val="0"/>
       </c:catAx>
       <c:valAx>
-        <c:axId val="44812544"/>
+        <c:axId val="37479552"/>
         <c:scaling>
           <c:orientation val="minMax"/>
         </c:scaling>
@@ -801,7 +789,7 @@
         <c:majorTickMark val="out"/>
         <c:minorTickMark val="none"/>
         <c:tickLblPos val="nextTo"/>
-        <c:crossAx val="65320448"/>
+        <c:crossAx val="38651904"/>
         <c:crosses val="autoZero"/>
         <c:crossBetween val="between"/>
       </c:valAx>
@@ -1910,11 +1898,11 @@
             <a:pPr lvl="1"/>
             <a:r>
               <a:rPr lang="hu-HU" dirty="0" smtClean="0"/>
-              <a:t>De:</a:t>
+              <a:t>Esetleg:</a:t>
             </a:r>
             <a:r>
               <a:rPr lang="hu-HU" baseline="0" dirty="0" smtClean="0"/>
-              <a:t> nincs adatelhagyás!</a:t>
+              <a:t> függőségi modell és forráskód modell alulra!</a:t>
             </a:r>
             <a:endParaRPr lang="hu-HU" dirty="0" smtClean="0"/>
           </a:p>
@@ -5154,8 +5142,16 @@
           <a:lstStyle/>
           <a:p>
             <a:r>
+              <a:rPr lang="hu-HU" smtClean="0"/>
+              <a:t>Nagy </a:t>
+            </a:r>
+            <a:r>
+              <a:rPr lang="hu-HU" smtClean="0"/>
+              <a:t>szoftverinfrastruktúra </a:t>
+            </a:r>
+            <a:r>
               <a:rPr lang="hu-HU" dirty="0" smtClean="0"/>
-              <a:t>Nagy szoftverinfrastruktúra feletti inkrementális modell-analízis</a:t>
+              <a:t>feletti inkrementális modell-analízis</a:t>
             </a:r>
             <a:endParaRPr lang="en-US" dirty="0"/>
           </a:p>
@@ -5372,8 +5368,12 @@
           <a:lstStyle/>
           <a:p>
             <a:r>
+              <a:rPr lang="hu-HU" dirty="0"/>
+              <a:t>A kiegészített </a:t>
+            </a:r>
+            <a:r>
               <a:rPr lang="hu-HU" dirty="0" smtClean="0"/>
-              <a:t>Az architektúra kiegészítése</a:t>
+              <a:t>architektúra</a:t>
             </a:r>
             <a:endParaRPr lang="en-US" dirty="0"/>
           </a:p>
@@ -7235,7 +7235,7 @@
           <a:p>
             <a:r>
               <a:rPr lang="hu-HU" dirty="0" smtClean="0"/>
-              <a:t>Modell-lekérdezések</a:t>
+              <a:t>A lekérdezések szerkezete</a:t>
             </a:r>
             <a:endParaRPr lang="en-US" dirty="0"/>
           </a:p>
@@ -7267,13 +7267,8 @@
             <a:pPr lvl="1"/>
             <a:r>
               <a:rPr lang="hu-HU" sz="2400" dirty="0" smtClean="0"/>
-              <a:t>IncQuery deklaratív lekérdező nyelvén </a:t>
-            </a:r>
-            <a:r>
-              <a:rPr lang="hu-HU" sz="2400" dirty="0" smtClean="0"/>
-              <a:t>megfogalmazva</a:t>
-            </a:r>
-            <a:endParaRPr lang="hu-HU" sz="2400" dirty="0" smtClean="0"/>
+              <a:t>IncQuery deklaratív lekérdező nyelvén megfogalmazva</a:t>
+            </a:r>
           </a:p>
         </p:txBody>
       </p:sp>
@@ -8797,7 +8792,7 @@
           <a:p>
             <a:r>
               <a:rPr lang="hu-HU" dirty="0" smtClean="0"/>
-              <a:t>A modell-lekérdezések</a:t>
+              <a:t>A lekérdezések végrehajtása</a:t>
             </a:r>
             <a:endParaRPr lang="en-US" dirty="0"/>
           </a:p>
@@ -8866,15 +8861,7 @@
             <a:pPr marL="914400" lvl="1" indent="-457200"/>
             <a:r>
               <a:rPr lang="hu-HU" dirty="0" smtClean="0"/>
-              <a:t>Függőségi </a:t>
-            </a:r>
-            <a:r>
-              <a:rPr lang="hu-HU" dirty="0" smtClean="0"/>
-              <a:t>viszonyok </a:t>
-            </a:r>
-            <a:r>
-              <a:rPr lang="hu-HU" dirty="0" smtClean="0"/>
-              <a:t>az </a:t>
+              <a:t>Függőségi viszonyok az </a:t>
             </a:r>
             <a:r>
               <a:rPr lang="hu-HU" b="1" dirty="0" smtClean="0"/>
@@ -8917,13 +8904,8 @@
             <a:pPr marL="914400" lvl="1" indent="-457200"/>
             <a:r>
               <a:rPr lang="hu-HU" dirty="0" smtClean="0"/>
-              <a:t>Eredmények </a:t>
-            </a:r>
-            <a:r>
-              <a:rPr lang="hu-HU" dirty="0" smtClean="0"/>
-              <a:t>view-kban</a:t>
-            </a:r>
-            <a:endParaRPr lang="hu-HU" dirty="0" smtClean="0"/>
+              <a:t>Eredmények view-kban</a:t>
+            </a:r>
           </a:p>
           <a:p>
             <a:pPr marL="914400" lvl="1" indent="-457200"/>
@@ -9405,7 +9387,6 @@
               <a:rPr lang="hu-HU" dirty="0" smtClean="0"/>
               <a:t>Mérések valós projektekkel</a:t>
             </a:r>
-            <a:endParaRPr lang="hu-HU" dirty="0" smtClean="0"/>
           </a:p>
           <a:p>
             <a:r>
@@ -9445,7 +9426,6 @@
               <a:rPr lang="hu-HU" dirty="0" smtClean="0"/>
               <a:t>mérete (1312 projektre):</a:t>
             </a:r>
-            <a:endParaRPr lang="hu-HU" dirty="0" smtClean="0"/>
           </a:p>
           <a:p>
             <a:pPr lvl="1"/>
@@ -9702,13 +9682,16 @@
           <a:p>
             <a:r>
               <a:rPr lang="hu-HU" dirty="0" smtClean="0"/>
-              <a:t>Kiértékelés 1 változtatás esetén: ~1ms az összes </a:t>
+              <a:t>Kiértékelés </a:t>
             </a:r>
             <a:r>
               <a:rPr lang="hu-HU" dirty="0" smtClean="0"/>
-              <a:t>elemre</a:t>
-            </a:r>
-            <a:endParaRPr lang="hu-HU" dirty="0" smtClean="0"/>
+              <a:t>egy </a:t>
+            </a:r>
+            <a:r>
+              <a:rPr lang="hu-HU" dirty="0" smtClean="0"/>
+              <a:t>változtatás esetén: ~1ms az összes elemre</a:t>
+            </a:r>
           </a:p>
         </p:txBody>
       </p:sp>
@@ -9888,11 +9871,7 @@
             <a:pPr lvl="1"/>
             <a:r>
               <a:rPr lang="hu-HU" dirty="0" smtClean="0"/>
-              <a:t>Kiterjesztés: valós idejű függőségek </a:t>
-            </a:r>
-            <a:r>
-              <a:rPr lang="hu-HU" dirty="0" smtClean="0"/>
-              <a:t>megjelenítése </a:t>
+              <a:t>Kiterjesztés: valós idejű függőségek megjelenítése </a:t>
             </a:r>
           </a:p>
           <a:p>
@@ -9905,11 +9884,7 @@
             <a:pPr lvl="1"/>
             <a:r>
               <a:rPr lang="hu-HU" dirty="0" smtClean="0"/>
-              <a:t>CERN </a:t>
-            </a:r>
-            <a:r>
-              <a:rPr lang="hu-HU" dirty="0" smtClean="0"/>
-              <a:t>Controls Systems:</a:t>
+              <a:t>CERN Controls Systems:</a:t>
             </a:r>
           </a:p>
           <a:p>
@@ -10949,7 +10924,11 @@
           <a:p>
             <a:r>
               <a:rPr lang="hu-HU" sz="1600" dirty="0" smtClean="0"/>
-              <a:t>Nem tudni, kik használják: kit érint a változtatás?</a:t>
+              <a:t>Változtatás </a:t>
+            </a:r>
+            <a:r>
+              <a:rPr lang="hu-HU" sz="1600" smtClean="0"/>
+              <a:t>=&gt; kit érint?</a:t>
             </a:r>
           </a:p>
         </p:txBody>
@@ -11757,21 +11736,13 @@
           <a:p>
             <a:r>
               <a:rPr lang="hu-HU" dirty="0" smtClean="0"/>
-              <a:t>Nagyszámú Java </a:t>
-            </a:r>
+              <a:t>Nagyszámú Java szoftver (1000+)</a:t>
+            </a:r>
+          </a:p>
+          <a:p>
             <a:r>
               <a:rPr lang="hu-HU" dirty="0" smtClean="0"/>
-              <a:t>szoftver (1000+)</a:t>
-            </a:r>
-          </a:p>
-          <a:p>
-            <a:r>
-              <a:rPr lang="hu-HU" dirty="0" smtClean="0"/>
-              <a:t>OO </a:t>
-            </a:r>
-            <a:r>
-              <a:rPr lang="hu-HU" dirty="0" smtClean="0"/>
-              <a:t>=&gt; </a:t>
+              <a:t>OO =&gt; </a:t>
             </a:r>
             <a:r>
               <a:rPr lang="hu-HU" dirty="0"/>
@@ -11786,13 +11757,8 @@
             <a:pPr lvl="1"/>
             <a:r>
               <a:rPr lang="hu-HU" dirty="0" smtClean="0"/>
-              <a:t>Öröklés, függvény-felüldefiniálás, reflektív </a:t>
-            </a:r>
-            <a:r>
-              <a:rPr lang="hu-HU" dirty="0" smtClean="0"/>
-              <a:t>hívások, stb.</a:t>
-            </a:r>
-            <a:endParaRPr lang="hu-HU" dirty="0" smtClean="0"/>
+              <a:t>Öröklés, függvény-felüldefiniálás, reflektív hívások, stb.</a:t>
+            </a:r>
           </a:p>
           <a:p>
             <a:r>
@@ -14667,11 +14633,7 @@
           <a:p>
             <a:r>
               <a:rPr lang="hu-HU" dirty="0" smtClean="0"/>
-              <a:t>Inkrementális, </a:t>
-            </a:r>
-            <a:r>
-              <a:rPr lang="hu-HU" dirty="0" smtClean="0"/>
-              <a:t>hibrid Függőségi analízis</a:t>
+              <a:t>Inkrementális, hibrid Függőségi analízis</a:t>
             </a:r>
             <a:endParaRPr lang="en-US" dirty="0"/>
           </a:p>

--- a/incquery-deps-documentation/presentation/tdk_pres_hu_v2.pptx
+++ b/incquery-deps-documentation/presentation/tdk_pres_hu_v2.pptx
@@ -306,11 +306,11 @@
         </c:dLbls>
         <c:marker val="1"/>
         <c:smooth val="0"/>
-        <c:axId val="37675520"/>
-        <c:axId val="34297472"/>
+        <c:axId val="83555328"/>
+        <c:axId val="83918848"/>
       </c:lineChart>
       <c:catAx>
-        <c:axId val="37675520"/>
+        <c:axId val="83555328"/>
         <c:scaling>
           <c:orientation val="minMax"/>
         </c:scaling>
@@ -344,7 +344,7 @@
         <c:majorTickMark val="out"/>
         <c:minorTickMark val="none"/>
         <c:tickLblPos val="nextTo"/>
-        <c:crossAx val="34297472"/>
+        <c:crossAx val="83918848"/>
         <c:crosses val="autoZero"/>
         <c:auto val="0"/>
         <c:lblAlgn val="ctr"/>
@@ -354,7 +354,7 @@
         <c:noMultiLvlLbl val="0"/>
       </c:catAx>
       <c:valAx>
-        <c:axId val="34297472"/>
+        <c:axId val="83918848"/>
         <c:scaling>
           <c:orientation val="minMax"/>
         </c:scaling>
@@ -385,7 +385,7 @@
         <c:majorTickMark val="out"/>
         <c:minorTickMark val="none"/>
         <c:tickLblPos val="nextTo"/>
-        <c:crossAx val="37675520"/>
+        <c:crossAx val="83555328"/>
         <c:crosses val="autoZero"/>
         <c:crossBetween val="between"/>
       </c:valAx>
@@ -425,7 +425,11 @@
             </a:pPr>
             <a:r>
               <a:rPr lang="hu-HU" baseline="0" dirty="0" smtClean="0"/>
-              <a:t>Inicialiálási idő</a:t>
+              <a:t>Inicializálási </a:t>
+            </a:r>
+            <a:r>
+              <a:rPr lang="hu-HU" baseline="0" dirty="0" smtClean="0"/>
+              <a:t>idő</a:t>
             </a:r>
             <a:endParaRPr lang="en-US" dirty="0"/>
           </a:p>
@@ -508,11 +512,11 @@
         </c:dLbls>
         <c:marker val="1"/>
         <c:smooth val="0"/>
-        <c:axId val="38651392"/>
-        <c:axId val="34299200"/>
+        <c:axId val="46936064"/>
+        <c:axId val="83925760"/>
       </c:lineChart>
       <c:catAx>
-        <c:axId val="38651392"/>
+        <c:axId val="46936064"/>
         <c:scaling>
           <c:orientation val="minMax"/>
         </c:scaling>
@@ -546,7 +550,7 @@
         <c:majorTickMark val="out"/>
         <c:minorTickMark val="none"/>
         <c:tickLblPos val="nextTo"/>
-        <c:crossAx val="34299200"/>
+        <c:crossAx val="83925760"/>
         <c:crosses val="autoZero"/>
         <c:auto val="1"/>
         <c:lblAlgn val="ctr"/>
@@ -554,7 +558,7 @@
         <c:noMultiLvlLbl val="0"/>
       </c:catAx>
       <c:valAx>
-        <c:axId val="34299200"/>
+        <c:axId val="83925760"/>
         <c:scaling>
           <c:orientation val="minMax"/>
         </c:scaling>
@@ -585,7 +589,7 @@
         <c:majorTickMark val="out"/>
         <c:minorTickMark val="none"/>
         <c:tickLblPos val="nextTo"/>
-        <c:crossAx val="38651392"/>
+        <c:crossAx val="46936064"/>
         <c:crosses val="autoZero"/>
         <c:crossBetween val="between"/>
       </c:valAx>
@@ -712,11 +716,11 @@
         </c:dLbls>
         <c:marker val="1"/>
         <c:smooth val="0"/>
-        <c:axId val="38651904"/>
-        <c:axId val="37479552"/>
+        <c:axId val="46936576"/>
+        <c:axId val="45228608"/>
       </c:lineChart>
       <c:catAx>
-        <c:axId val="38651904"/>
+        <c:axId val="46936576"/>
         <c:scaling>
           <c:orientation val="minMax"/>
         </c:scaling>
@@ -750,7 +754,7 @@
         <c:majorTickMark val="out"/>
         <c:minorTickMark val="none"/>
         <c:tickLblPos val="nextTo"/>
-        <c:crossAx val="37479552"/>
+        <c:crossAx val="45228608"/>
         <c:crosses val="autoZero"/>
         <c:auto val="1"/>
         <c:lblAlgn val="ctr"/>
@@ -758,7 +762,7 @@
         <c:noMultiLvlLbl val="0"/>
       </c:catAx>
       <c:valAx>
-        <c:axId val="37479552"/>
+        <c:axId val="45228608"/>
         <c:scaling>
           <c:orientation val="minMax"/>
         </c:scaling>
@@ -789,7 +793,7 @@
         <c:majorTickMark val="out"/>
         <c:minorTickMark val="none"/>
         <c:tickLblPos val="nextTo"/>
-        <c:crossAx val="38651904"/>
+        <c:crossAx val="46936576"/>
         <c:crosses val="autoZero"/>
         <c:crossBetween val="between"/>
       </c:valAx>
@@ -5143,11 +5147,7 @@
           <a:p>
             <a:r>
               <a:rPr lang="hu-HU" smtClean="0"/>
-              <a:t>Nagy </a:t>
-            </a:r>
-            <a:r>
-              <a:rPr lang="hu-HU" smtClean="0"/>
-              <a:t>szoftverinfrastruktúra </a:t>
+              <a:t>Nagy szoftverinfrastruktúra </a:t>
             </a:r>
             <a:r>
               <a:rPr lang="hu-HU" dirty="0" smtClean="0"/>
@@ -6448,7 +6448,7 @@
         <p:spPr>
           <a:xfrm>
             <a:off x="5090676" y="4114800"/>
-            <a:ext cx="3382247" cy="1295400"/>
+            <a:ext cx="3519924" cy="1371600"/>
           </a:xfrm>
           <a:prstGeom prst="wedgeRoundRectCallout">
             <a:avLst>
@@ -6482,7 +6482,11 @@
             </a:pPr>
             <a:r>
               <a:rPr lang="hu-HU" dirty="0" smtClean="0"/>
-              <a:t>Eclise projekteket leíró EMF példánymodell</a:t>
+              <a:t>Eclipse </a:t>
+            </a:r>
+            <a:r>
+              <a:rPr lang="hu-HU" dirty="0" smtClean="0"/>
+              <a:t>projekteket leíró EMF példánymodell</a:t>
             </a:r>
           </a:p>
           <a:p>
@@ -6492,8 +6496,9 @@
             </a:pPr>
             <a:r>
               <a:rPr lang="hu-HU" dirty="0" smtClean="0"/>
-              <a:t>Elemek 1-1 kapcsolatban  az Eclipse-el</a:t>
-            </a:r>
+              <a:t>Elemek 1-1 kapcsolatban  </a:t>
+            </a:r>
+            <a:endParaRPr lang="hu-HU" dirty="0"/>
           </a:p>
           <a:p>
             <a:pPr marL="285750" indent="-285750">
@@ -6502,7 +6507,11 @@
             </a:pPr>
             <a:r>
               <a:rPr lang="hu-HU" dirty="0" smtClean="0"/>
-              <a:t>Inkrementális karbantartás</a:t>
+              <a:t>Inkrementális </a:t>
+            </a:r>
+            <a:r>
+              <a:rPr lang="hu-HU" dirty="0" smtClean="0"/>
+              <a:t>karbantartás</a:t>
             </a:r>
           </a:p>
         </p:txBody>
@@ -9534,7 +9543,11 @@
           <a:p>
             <a:r>
               <a:rPr lang="hu-HU" dirty="0" smtClean="0"/>
-              <a:t>Modell-lekérdezések tulajdonságai</a:t>
+              <a:t>Modell-lekérdezések </a:t>
+            </a:r>
+            <a:r>
+              <a:rPr lang="hu-HU" dirty="0" smtClean="0"/>
+              <a:t>teljesítménye</a:t>
             </a:r>
             <a:endParaRPr lang="en-US" dirty="0"/>
           </a:p>
@@ -9550,7 +9563,7 @@
             <p:ph sz="half" idx="2"/>
             <p:extLst>
               <p:ext uri="{D42A27DB-BD31-4B8C-83A1-F6EECF244321}">
-                <p14:modId xmlns:p14="http://schemas.microsoft.com/office/powerpoint/2010/main" val="3255633567"/>
+                <p14:modId xmlns:p14="http://schemas.microsoft.com/office/powerpoint/2010/main" val="3525939238"/>
               </p:ext>
             </p:extLst>
           </p:nvPr>
@@ -9682,15 +9695,7 @@
           <a:p>
             <a:r>
               <a:rPr lang="hu-HU" dirty="0" smtClean="0"/>
-              <a:t>Kiértékelés </a:t>
-            </a:r>
-            <a:r>
-              <a:rPr lang="hu-HU" dirty="0" smtClean="0"/>
-              <a:t>egy </a:t>
-            </a:r>
-            <a:r>
-              <a:rPr lang="hu-HU" dirty="0" smtClean="0"/>
-              <a:t>változtatás esetén: ~1ms az összes elemre</a:t>
+              <a:t>Kiértékelés egy változtatás esetén: ~1ms az összes elemre</a:t>
             </a:r>
           </a:p>
         </p:txBody>
@@ -10071,7 +10076,11 @@
           <a:p>
             <a:r>
               <a:rPr lang="hu-HU" dirty="0" smtClean="0"/>
-              <a:t>Komplex szoftverrendszerek</a:t>
+              <a:t>Komplex </a:t>
+            </a:r>
+            <a:r>
+              <a:rPr lang="hu-HU" dirty="0" smtClean="0"/>
+              <a:t>szoftverrendszerek Fejlesztése</a:t>
             </a:r>
             <a:endParaRPr lang="en-US" dirty="0"/>
           </a:p>
@@ -10306,7 +10315,11 @@
           <a:p>
             <a:r>
               <a:rPr lang="hu-HU" dirty="0" smtClean="0"/>
-              <a:t>Kiindulás: bejövő függőségek</a:t>
+              <a:t>Alapprobléma: </a:t>
+            </a:r>
+            <a:r>
+              <a:rPr lang="hu-HU" dirty="0" smtClean="0"/>
+              <a:t>bejövő függőségek</a:t>
             </a:r>
             <a:endParaRPr lang="en-US" dirty="0"/>
           </a:p>
@@ -11763,20 +11776,42 @@
           <a:p>
             <a:r>
               <a:rPr lang="hu-HU" dirty="0" smtClean="0"/>
-              <a:t>Nagy rendelkezésre állás</a:t>
-            </a:r>
-          </a:p>
-          <a:p>
+              <a:t>Hibajavítás</a:t>
+            </a:r>
             <a:r>
               <a:rPr lang="hu-HU" dirty="0" smtClean="0"/>
-              <a:t>Hibajavítás, új funkció</a:t>
+              <a:t>, új </a:t>
+            </a:r>
+            <a:r>
+              <a:rPr lang="hu-HU" dirty="0" smtClean="0"/>
+              <a:t>funkció</a:t>
             </a:r>
           </a:p>
           <a:p>
             <a:pPr lvl="1"/>
             <a:r>
               <a:rPr lang="hu-HU" dirty="0" smtClean="0"/>
-              <a:t>Elvárás: ráépülő szoftverekben ne okozzon hibát (smooth upgrades)</a:t>
+              <a:t>Tároló konzisztenciája, nagy </a:t>
+            </a:r>
+            <a:r>
+              <a:rPr lang="hu-HU" dirty="0"/>
+              <a:t>rendelkezésre </a:t>
+            </a:r>
+            <a:r>
+              <a:rPr lang="hu-HU" dirty="0" smtClean="0"/>
+              <a:t>állás</a:t>
+            </a:r>
+            <a:endParaRPr lang="hu-HU" dirty="0" smtClean="0"/>
+          </a:p>
+          <a:p>
+            <a:pPr lvl="1"/>
+            <a:r>
+              <a:rPr lang="hu-HU" dirty="0" smtClean="0"/>
+              <a:t>Elvárás</a:t>
+            </a:r>
+            <a:r>
+              <a:rPr lang="hu-HU" dirty="0" smtClean="0"/>
+              <a:t>: ráépülő szoftverekben ne okozzon hibát (smooth upgrades)</a:t>
             </a:r>
           </a:p>
           <a:p>
@@ -12745,8 +12780,13 @@
             </a:pPr>
             <a:r>
               <a:rPr lang="hu-HU" dirty="0" smtClean="0"/>
-              <a:t>Függőségi analízis</a:t>
-            </a:r>
+              <a:t>Függőségi </a:t>
+            </a:r>
+            <a:r>
+              <a:rPr lang="hu-HU" dirty="0" smtClean="0"/>
+              <a:t>elemzés</a:t>
+            </a:r>
+            <a:endParaRPr lang="hu-HU" dirty="0" smtClean="0"/>
           </a:p>
           <a:p>
             <a:pPr marL="742950" lvl="1" indent="-285750">
@@ -12755,8 +12795,9 @@
             </a:pPr>
             <a:r>
               <a:rPr lang="hu-HU" dirty="0" smtClean="0"/>
-              <a:t>Java binárisokon</a:t>
-            </a:r>
+              <a:t>Bytekód analízis</a:t>
+            </a:r>
+            <a:endParaRPr lang="hu-HU" dirty="0" smtClean="0"/>
           </a:p>
           <a:p>
             <a:pPr marL="742950" lvl="1" indent="-285750">

--- a/incquery-deps-documentation/presentation/tdk_pres_hu_v2.pptx
+++ b/incquery-deps-documentation/presentation/tdk_pres_hu_v2.pptx
@@ -5,28 +5,30 @@
     <p:sldMasterId id="2147483648" r:id="rId1"/>
   </p:sldMasterIdLst>
   <p:notesMasterIdLst>
-    <p:notesMasterId r:id="rId21"/>
+    <p:notesMasterId r:id="rId23"/>
   </p:notesMasterIdLst>
   <p:sldIdLst>
     <p:sldId id="256" r:id="rId2"/>
     <p:sldId id="257" r:id="rId3"/>
     <p:sldId id="258" r:id="rId4"/>
     <p:sldId id="259" r:id="rId5"/>
-    <p:sldId id="261" r:id="rId6"/>
-    <p:sldId id="264" r:id="rId7"/>
-    <p:sldId id="266" r:id="rId8"/>
-    <p:sldId id="265" r:id="rId9"/>
-    <p:sldId id="262" r:id="rId10"/>
-    <p:sldId id="267" r:id="rId11"/>
-    <p:sldId id="270" r:id="rId12"/>
-    <p:sldId id="275" r:id="rId13"/>
-    <p:sldId id="274" r:id="rId14"/>
-    <p:sldId id="263" r:id="rId15"/>
-    <p:sldId id="268" r:id="rId16"/>
-    <p:sldId id="269" r:id="rId17"/>
-    <p:sldId id="271" r:id="rId18"/>
-    <p:sldId id="272" r:id="rId19"/>
-    <p:sldId id="273" r:id="rId20"/>
+    <p:sldId id="277" r:id="rId6"/>
+    <p:sldId id="261" r:id="rId7"/>
+    <p:sldId id="264" r:id="rId8"/>
+    <p:sldId id="266" r:id="rId9"/>
+    <p:sldId id="265" r:id="rId10"/>
+    <p:sldId id="262" r:id="rId11"/>
+    <p:sldId id="267" r:id="rId12"/>
+    <p:sldId id="270" r:id="rId13"/>
+    <p:sldId id="275" r:id="rId14"/>
+    <p:sldId id="274" r:id="rId15"/>
+    <p:sldId id="263" r:id="rId16"/>
+    <p:sldId id="276" r:id="rId17"/>
+    <p:sldId id="268" r:id="rId18"/>
+    <p:sldId id="269" r:id="rId19"/>
+    <p:sldId id="271" r:id="rId20"/>
+    <p:sldId id="272" r:id="rId21"/>
+    <p:sldId id="273" r:id="rId22"/>
   </p:sldIdLst>
   <p:sldSz cx="9144000" cy="6858000" type="screen4x3"/>
   <p:notesSz cx="6858000" cy="9144000"/>
@@ -306,11 +308,11 @@
         </c:dLbls>
         <c:marker val="1"/>
         <c:smooth val="0"/>
-        <c:axId val="83555328"/>
-        <c:axId val="83918848"/>
+        <c:axId val="69007360"/>
+        <c:axId val="105224960"/>
       </c:lineChart>
       <c:catAx>
-        <c:axId val="83555328"/>
+        <c:axId val="69007360"/>
         <c:scaling>
           <c:orientation val="minMax"/>
         </c:scaling>
@@ -344,7 +346,7 @@
         <c:majorTickMark val="out"/>
         <c:minorTickMark val="none"/>
         <c:tickLblPos val="nextTo"/>
-        <c:crossAx val="83918848"/>
+        <c:crossAx val="105224960"/>
         <c:crosses val="autoZero"/>
         <c:auto val="0"/>
         <c:lblAlgn val="ctr"/>
@@ -354,7 +356,7 @@
         <c:noMultiLvlLbl val="0"/>
       </c:catAx>
       <c:valAx>
-        <c:axId val="83918848"/>
+        <c:axId val="105224960"/>
         <c:scaling>
           <c:orientation val="minMax"/>
         </c:scaling>
@@ -385,7 +387,7 @@
         <c:majorTickMark val="out"/>
         <c:minorTickMark val="none"/>
         <c:tickLblPos val="nextTo"/>
-        <c:crossAx val="83555328"/>
+        <c:crossAx val="69007360"/>
         <c:crosses val="autoZero"/>
         <c:crossBetween val="between"/>
       </c:valAx>
@@ -425,11 +427,7 @@
             </a:pPr>
             <a:r>
               <a:rPr lang="hu-HU" baseline="0" dirty="0" smtClean="0"/>
-              <a:t>Inicializálási </a:t>
-            </a:r>
-            <a:r>
-              <a:rPr lang="hu-HU" baseline="0" dirty="0" smtClean="0"/>
-              <a:t>idő</a:t>
+              <a:t>Inicializálási idő</a:t>
             </a:r>
             <a:endParaRPr lang="en-US" dirty="0"/>
           </a:p>
@@ -512,11 +510,11 @@
         </c:dLbls>
         <c:marker val="1"/>
         <c:smooth val="0"/>
-        <c:axId val="46936064"/>
-        <c:axId val="83925760"/>
+        <c:axId val="105671680"/>
+        <c:axId val="105226816"/>
       </c:lineChart>
       <c:catAx>
-        <c:axId val="46936064"/>
+        <c:axId val="105671680"/>
         <c:scaling>
           <c:orientation val="minMax"/>
         </c:scaling>
@@ -550,7 +548,7 @@
         <c:majorTickMark val="out"/>
         <c:minorTickMark val="none"/>
         <c:tickLblPos val="nextTo"/>
-        <c:crossAx val="83925760"/>
+        <c:crossAx val="105226816"/>
         <c:crosses val="autoZero"/>
         <c:auto val="1"/>
         <c:lblAlgn val="ctr"/>
@@ -558,7 +556,7 @@
         <c:noMultiLvlLbl val="0"/>
       </c:catAx>
       <c:valAx>
-        <c:axId val="83925760"/>
+        <c:axId val="105226816"/>
         <c:scaling>
           <c:orientation val="minMax"/>
         </c:scaling>
@@ -589,7 +587,7 @@
         <c:majorTickMark val="out"/>
         <c:minorTickMark val="none"/>
         <c:tickLblPos val="nextTo"/>
-        <c:crossAx val="46936064"/>
+        <c:crossAx val="105671680"/>
         <c:crosses val="autoZero"/>
         <c:crossBetween val="between"/>
       </c:valAx>
@@ -628,12 +626,8 @@
               <a:defRPr/>
             </a:pPr>
             <a:r>
-              <a:rPr lang="hu-HU" dirty="0" smtClean="0"/>
-              <a:t>Teljes</a:t>
-            </a:r>
-            <a:r>
               <a:rPr lang="hu-HU" baseline="0" dirty="0" smtClean="0"/>
-              <a:t> memóriafoglalás mérete</a:t>
+              <a:t>Teljes memóriafoglalás</a:t>
             </a:r>
             <a:endParaRPr lang="en-US" dirty="0"/>
           </a:p>
@@ -716,11 +710,11 @@
         </c:dLbls>
         <c:marker val="1"/>
         <c:smooth val="0"/>
-        <c:axId val="46936576"/>
-        <c:axId val="45228608"/>
+        <c:axId val="105672192"/>
+        <c:axId val="105228544"/>
       </c:lineChart>
       <c:catAx>
-        <c:axId val="46936576"/>
+        <c:axId val="105672192"/>
         <c:scaling>
           <c:orientation val="minMax"/>
         </c:scaling>
@@ -754,7 +748,7 @@
         <c:majorTickMark val="out"/>
         <c:minorTickMark val="none"/>
         <c:tickLblPos val="nextTo"/>
-        <c:crossAx val="45228608"/>
+        <c:crossAx val="105228544"/>
         <c:crosses val="autoZero"/>
         <c:auto val="1"/>
         <c:lblAlgn val="ctr"/>
@@ -762,7 +756,7 @@
         <c:noMultiLvlLbl val="0"/>
       </c:catAx>
       <c:valAx>
-        <c:axId val="45228608"/>
+        <c:axId val="105228544"/>
         <c:scaling>
           <c:orientation val="minMax"/>
         </c:scaling>
@@ -793,7 +787,7 @@
         <c:majorTickMark val="out"/>
         <c:minorTickMark val="none"/>
         <c:tickLblPos val="nextTo"/>
-        <c:crossAx val="46936576"/>
+        <c:crossAx val="105672192"/>
         <c:crosses val="autoZero"/>
         <c:crossBetween val="between"/>
       </c:valAx>
@@ -1202,6 +1196,12 @@
           <a:bodyPr/>
           <a:lstStyle/>
           <a:p>
+            <a:r>
+              <a:rPr lang="hu-HU" dirty="0" smtClean="0"/>
+              <a:t>Hangsúlyozni: Java  alkalmazások.</a:t>
+            </a:r>
+          </a:p>
+          <a:p>
             <a:endParaRPr lang="en-US" dirty="0"/>
           </a:p>
         </p:txBody>
@@ -1305,7 +1305,7 @@
           <a:bodyPr/>
           <a:lstStyle/>
           <a:p>
-            <a:fld id="{660D7955-1178-45C7-88EB-DB10C946F729}" type="slidenum">
+            <a:fld id="{E7AA0654-642B-4EC6-9896-06614A0153EC}" type="slidenum">
               <a:rPr lang="en-US" smtClean="0"/>
               <a:t>15</a:t>
             </a:fld>
@@ -1316,7 +1316,7 @@
     </p:spTree>
     <p:extLst>
       <p:ext uri="{BB962C8B-B14F-4D97-AF65-F5344CB8AC3E}">
-        <p14:creationId xmlns:p14="http://schemas.microsoft.com/office/powerpoint/2010/main" val="1319460358"/>
+        <p14:creationId xmlns:p14="http://schemas.microsoft.com/office/powerpoint/2010/main" val="3832885243"/>
       </p:ext>
     </p:extLst>
   </p:cSld>
@@ -1391,7 +1391,91 @@
           <a:p>
             <a:fld id="{660D7955-1178-45C7-88EB-DB10C946F729}" type="slidenum">
               <a:rPr lang="en-US" smtClean="0"/>
-              <a:t>16</a:t>
+              <a:t>17</a:t>
+            </a:fld>
+            <a:endParaRPr lang="en-US"/>
+          </a:p>
+        </p:txBody>
+      </p:sp>
+    </p:spTree>
+    <p:extLst>
+      <p:ext uri="{BB962C8B-B14F-4D97-AF65-F5344CB8AC3E}">
+        <p14:creationId xmlns:p14="http://schemas.microsoft.com/office/powerpoint/2010/main" val="1319460358"/>
+      </p:ext>
+    </p:extLst>
+  </p:cSld>
+  <p:clrMapOvr>
+    <a:masterClrMapping/>
+  </p:clrMapOvr>
+</p:notes>
+</file>
+
+<file path=ppt/notesSlides/notesSlide12.xml><?xml version="1.0" encoding="utf-8"?>
+<p:notes xmlns:a="http://schemas.openxmlformats.org/drawingml/2006/main" xmlns:r="http://schemas.openxmlformats.org/officeDocument/2006/relationships" xmlns:p="http://schemas.openxmlformats.org/presentationml/2006/main">
+  <p:cSld>
+    <p:spTree>
+      <p:nvGrpSpPr>
+        <p:cNvPr id="1" name=""/>
+        <p:cNvGrpSpPr/>
+        <p:nvPr/>
+      </p:nvGrpSpPr>
+      <p:grpSpPr>
+        <a:xfrm>
+          <a:off x="0" y="0"/>
+          <a:ext cx="0" cy="0"/>
+          <a:chOff x="0" y="0"/>
+          <a:chExt cx="0" cy="0"/>
+        </a:xfrm>
+      </p:grpSpPr>
+      <p:sp>
+        <p:nvSpPr>
+          <p:cNvPr id="2" name="Slide Image Placeholder 1"/>
+          <p:cNvSpPr>
+            <a:spLocks noGrp="1" noRot="1" noChangeAspect="1"/>
+          </p:cNvSpPr>
+          <p:nvPr>
+            <p:ph type="sldImg"/>
+          </p:nvPr>
+        </p:nvSpPr>
+        <p:spPr/>
+      </p:sp>
+      <p:sp>
+        <p:nvSpPr>
+          <p:cNvPr id="3" name="Notes Placeholder 2"/>
+          <p:cNvSpPr>
+            <a:spLocks noGrp="1"/>
+          </p:cNvSpPr>
+          <p:nvPr>
+            <p:ph type="body" idx="1"/>
+          </p:nvPr>
+        </p:nvSpPr>
+        <p:spPr/>
+        <p:txBody>
+          <a:bodyPr/>
+          <a:lstStyle/>
+          <a:p>
+            <a:endParaRPr lang="en-US" dirty="0"/>
+          </a:p>
+        </p:txBody>
+      </p:sp>
+      <p:sp>
+        <p:nvSpPr>
+          <p:cNvPr id="4" name="Slide Number Placeholder 3"/>
+          <p:cNvSpPr>
+            <a:spLocks noGrp="1"/>
+          </p:cNvSpPr>
+          <p:nvPr>
+            <p:ph type="sldNum" sz="quarter" idx="10"/>
+          </p:nvPr>
+        </p:nvSpPr>
+        <p:spPr/>
+        <p:txBody>
+          <a:bodyPr/>
+          <a:lstStyle/>
+          <a:p>
+            <a:fld id="{660D7955-1178-45C7-88EB-DB10C946F729}" type="slidenum">
+              <a:rPr lang="en-US" smtClean="0"/>
+              <a:t>18</a:t>
             </a:fld>
             <a:endParaRPr lang="en-US"/>
           </a:p>
@@ -1454,7 +1538,66 @@
           <a:bodyPr/>
           <a:lstStyle/>
           <a:p>
-            <a:endParaRPr lang="en-US" dirty="0"/>
+            <a:r>
+              <a:rPr lang="hu-HU" dirty="0" smtClean="0"/>
+              <a:t>Több</a:t>
+            </a:r>
+            <a:r>
+              <a:rPr lang="hu-HU" baseline="0" dirty="0" smtClean="0"/>
+              <a:t> diára bontani </a:t>
+            </a:r>
+          </a:p>
+          <a:p>
+            <a:r>
+              <a:rPr lang="hu-HU" dirty="0" smtClean="0"/>
+              <a:t>Szerver-kliens</a:t>
+            </a:r>
+            <a:r>
+              <a:rPr lang="hu-HU" baseline="0" dirty="0" smtClean="0"/>
+              <a:t> hangsúlyozni: elkülönül, miért</a:t>
+            </a:r>
+          </a:p>
+          <a:p>
+            <a:r>
+              <a:rPr lang="hu-HU" baseline="0" dirty="0" smtClean="0"/>
+              <a:t> szerver nagy tejlesítmény</a:t>
+            </a:r>
+          </a:p>
+          <a:p>
+            <a:r>
+              <a:rPr lang="hu-HU" baseline="0" dirty="0" smtClean="0"/>
+              <a:t> kliens: korlátos erőforrások</a:t>
+            </a:r>
+          </a:p>
+          <a:p>
+            <a:r>
+              <a:rPr lang="hu-HU" baseline="0" dirty="0" smtClean="0"/>
+              <a:t>Esettleg ábra</a:t>
+            </a:r>
+          </a:p>
+          <a:p>
+            <a:r>
+              <a:rPr lang="hu-HU" baseline="0" dirty="0" smtClean="0"/>
+              <a:t>Szétszedni a diát 2-3ra </a:t>
+            </a:r>
+          </a:p>
+          <a:p>
+            <a:endParaRPr lang="hu-HU" baseline="0" dirty="0" smtClean="0"/>
+          </a:p>
+          <a:p>
+            <a:endParaRPr lang="hu-HU" baseline="0" dirty="0" smtClean="0"/>
+          </a:p>
+          <a:p>
+            <a:r>
+              <a:rPr lang="hu-HU" baseline="0" dirty="0" smtClean="0"/>
+              <a:t> build.</a:t>
+            </a:r>
+          </a:p>
+          <a:p>
+            <a:r>
+              <a:rPr lang="hu-HU" baseline="0" dirty="0" smtClean="0"/>
+              <a:t>Kihívás: Gyorsabb kell, mintha mindent lebuidelnénk és lefuttatnűnk az összs intergrációs tesztet. </a:t>
+            </a:r>
           </a:p>
         </p:txBody>
       </p:sp>
@@ -1559,7 +1702,7 @@
           <a:p>
             <a:fld id="{E7AA0654-642B-4EC6-9896-06614A0153EC}" type="slidenum">
               <a:rPr lang="en-US" smtClean="0"/>
-              <a:t>6</a:t>
+              <a:t>7</a:t>
             </a:fld>
             <a:endParaRPr lang="en-US"/>
           </a:p>
@@ -1622,6 +1765,98 @@
           <a:bodyPr/>
           <a:lstStyle/>
           <a:p>
+            <a:r>
+              <a:rPr lang="hu-HU" dirty="0" smtClean="0"/>
+              <a:t>Csak 1</a:t>
+            </a:r>
+            <a:r>
+              <a:rPr lang="hu-HU" baseline="0" dirty="0" smtClean="0"/>
+              <a:t> mondatban elmondani: menü, megjelenik, csókolom</a:t>
+            </a:r>
+            <a:endParaRPr lang="en-US" dirty="0"/>
+          </a:p>
+        </p:txBody>
+      </p:sp>
+      <p:sp>
+        <p:nvSpPr>
+          <p:cNvPr id="4" name="Slide Number Placeholder 3"/>
+          <p:cNvSpPr>
+            <a:spLocks noGrp="1"/>
+          </p:cNvSpPr>
+          <p:nvPr>
+            <p:ph type="sldNum" sz="quarter" idx="10"/>
+          </p:nvPr>
+        </p:nvSpPr>
+        <p:spPr/>
+        <p:txBody>
+          <a:bodyPr/>
+          <a:lstStyle/>
+          <a:p>
+            <a:fld id="{E7AA0654-642B-4EC6-9896-06614A0153EC}" type="slidenum">
+              <a:rPr lang="en-US" smtClean="0"/>
+              <a:t>8</a:t>
+            </a:fld>
+            <a:endParaRPr lang="en-US"/>
+          </a:p>
+        </p:txBody>
+      </p:sp>
+    </p:spTree>
+    <p:extLst>
+      <p:ext uri="{BB962C8B-B14F-4D97-AF65-F5344CB8AC3E}">
+        <p14:creationId xmlns:p14="http://schemas.microsoft.com/office/powerpoint/2010/main" val="2862743830"/>
+      </p:ext>
+    </p:extLst>
+  </p:cSld>
+  <p:clrMapOvr>
+    <a:masterClrMapping/>
+  </p:clrMapOvr>
+</p:notes>
+</file>
+
+<file path=ppt/notesSlides/notesSlide5.xml><?xml version="1.0" encoding="utf-8"?>
+<p:notes xmlns:a="http://schemas.openxmlformats.org/drawingml/2006/main" xmlns:r="http://schemas.openxmlformats.org/officeDocument/2006/relationships" xmlns:p="http://schemas.openxmlformats.org/presentationml/2006/main">
+  <p:cSld>
+    <p:spTree>
+      <p:nvGrpSpPr>
+        <p:cNvPr id="1" name=""/>
+        <p:cNvGrpSpPr/>
+        <p:nvPr/>
+      </p:nvGrpSpPr>
+      <p:grpSpPr>
+        <a:xfrm>
+          <a:off x="0" y="0"/>
+          <a:ext cx="0" cy="0"/>
+          <a:chOff x="0" y="0"/>
+          <a:chExt cx="0" cy="0"/>
+        </a:xfrm>
+      </p:grpSpPr>
+      <p:sp>
+        <p:nvSpPr>
+          <p:cNvPr id="2" name="Slide Image Placeholder 1"/>
+          <p:cNvSpPr>
+            <a:spLocks noGrp="1" noRot="1" noChangeAspect="1"/>
+          </p:cNvSpPr>
+          <p:nvPr>
+            <p:ph type="sldImg"/>
+          </p:nvPr>
+        </p:nvSpPr>
+        <p:spPr/>
+      </p:sp>
+      <p:sp>
+        <p:nvSpPr>
+          <p:cNvPr id="3" name="Notes Placeholder 2"/>
+          <p:cNvSpPr>
+            <a:spLocks noGrp="1"/>
+          </p:cNvSpPr>
+          <p:nvPr>
+            <p:ph type="body" idx="1"/>
+          </p:nvPr>
+        </p:nvSpPr>
+        <p:spPr/>
+        <p:txBody>
+          <a:bodyPr/>
+          <a:lstStyle/>
+          <a:p>
             <a:pPr marL="0" marR="0" indent="0" algn="l" defTabSz="914400" rtl="0" eaLnBrk="1" fontAlgn="auto" latinLnBrk="0" hangingPunct="1">
               <a:lnSpc>
                 <a:spcPct val="100000"/>
@@ -1668,7 +1903,7 @@
           <a:p>
             <a:fld id="{E7AA0654-642B-4EC6-9896-06614A0153EC}" type="slidenum">
               <a:rPr lang="en-US" smtClean="0"/>
-              <a:t>9</a:t>
+              <a:t>10</a:t>
             </a:fld>
             <a:endParaRPr lang="en-US"/>
           </a:p>
@@ -1678,90 +1913,6 @@
     <p:extLst>
       <p:ext uri="{BB962C8B-B14F-4D97-AF65-F5344CB8AC3E}">
         <p14:creationId xmlns:p14="http://schemas.microsoft.com/office/powerpoint/2010/main" val="212778437"/>
-      </p:ext>
-    </p:extLst>
-  </p:cSld>
-  <p:clrMapOvr>
-    <a:masterClrMapping/>
-  </p:clrMapOvr>
-</p:notes>
-</file>
-
-<file path=ppt/notesSlides/notesSlide5.xml><?xml version="1.0" encoding="utf-8"?>
-<p:notes xmlns:a="http://schemas.openxmlformats.org/drawingml/2006/main" xmlns:r="http://schemas.openxmlformats.org/officeDocument/2006/relationships" xmlns:p="http://schemas.openxmlformats.org/presentationml/2006/main">
-  <p:cSld>
-    <p:spTree>
-      <p:nvGrpSpPr>
-        <p:cNvPr id="1" name=""/>
-        <p:cNvGrpSpPr/>
-        <p:nvPr/>
-      </p:nvGrpSpPr>
-      <p:grpSpPr>
-        <a:xfrm>
-          <a:off x="0" y="0"/>
-          <a:ext cx="0" cy="0"/>
-          <a:chOff x="0" y="0"/>
-          <a:chExt cx="0" cy="0"/>
-        </a:xfrm>
-      </p:grpSpPr>
-      <p:sp>
-        <p:nvSpPr>
-          <p:cNvPr id="2" name="Slide Image Placeholder 1"/>
-          <p:cNvSpPr>
-            <a:spLocks noGrp="1" noRot="1" noChangeAspect="1"/>
-          </p:cNvSpPr>
-          <p:nvPr>
-            <p:ph type="sldImg"/>
-          </p:nvPr>
-        </p:nvSpPr>
-        <p:spPr/>
-      </p:sp>
-      <p:sp>
-        <p:nvSpPr>
-          <p:cNvPr id="3" name="Notes Placeholder 2"/>
-          <p:cNvSpPr>
-            <a:spLocks noGrp="1"/>
-          </p:cNvSpPr>
-          <p:nvPr>
-            <p:ph type="body" idx="1"/>
-          </p:nvPr>
-        </p:nvSpPr>
-        <p:spPr/>
-        <p:txBody>
-          <a:bodyPr/>
-          <a:lstStyle/>
-          <a:p>
-            <a:endParaRPr lang="en-US" dirty="0"/>
-          </a:p>
-        </p:txBody>
-      </p:sp>
-      <p:sp>
-        <p:nvSpPr>
-          <p:cNvPr id="4" name="Slide Number Placeholder 3"/>
-          <p:cNvSpPr>
-            <a:spLocks noGrp="1"/>
-          </p:cNvSpPr>
-          <p:nvPr>
-            <p:ph type="sldNum" sz="quarter" idx="10"/>
-          </p:nvPr>
-        </p:nvSpPr>
-        <p:spPr/>
-        <p:txBody>
-          <a:bodyPr/>
-          <a:lstStyle/>
-          <a:p>
-            <a:fld id="{E7AA0654-642B-4EC6-9896-06614A0153EC}" type="slidenum">
-              <a:rPr lang="en-US" smtClean="0"/>
-              <a:t>10</a:t>
-            </a:fld>
-            <a:endParaRPr lang="en-US"/>
-          </a:p>
-        </p:txBody>
-      </p:sp>
-    </p:spTree>
-    <p:extLst>
-      <p:ext uri="{BB962C8B-B14F-4D97-AF65-F5344CB8AC3E}">
-        <p14:creationId xmlns:p14="http://schemas.microsoft.com/office/powerpoint/2010/main" val="2696810295"/>
       </p:ext>
     </p:extLst>
   </p:cSld>
@@ -1845,7 +1996,7 @@
     </p:spTree>
     <p:extLst>
       <p:ext uri="{BB962C8B-B14F-4D97-AF65-F5344CB8AC3E}">
-        <p14:creationId xmlns:p14="http://schemas.microsoft.com/office/powerpoint/2010/main" val="3679442458"/>
+        <p14:creationId xmlns:p14="http://schemas.microsoft.com/office/powerpoint/2010/main" val="2696810295"/>
       </p:ext>
     </p:extLst>
   </p:cSld>
@@ -1899,16 +2050,14 @@
           <a:bodyPr/>
           <a:lstStyle/>
           <a:p>
-            <a:pPr lvl="1"/>
-            <a:r>
-              <a:rPr lang="hu-HU" dirty="0" smtClean="0"/>
-              <a:t>Esetleg:</a:t>
+            <a:r>
+              <a:rPr lang="hu-HU" dirty="0" smtClean="0"/>
+              <a:t>Ami boldface,</a:t>
             </a:r>
             <a:r>
               <a:rPr lang="hu-HU" baseline="0" dirty="0" smtClean="0"/>
-              <a:t> függőségi modell és forráskód modell alulra!</a:t>
-            </a:r>
-            <a:endParaRPr lang="hu-HU" dirty="0" smtClean="0"/>
+              <a:t> azt hangsúlyozni is!!!</a:t>
+            </a:r>
           </a:p>
           <a:p>
             <a:endParaRPr lang="en-US" dirty="0"/>
@@ -1930,7 +2079,7 @@
           <a:bodyPr/>
           <a:lstStyle/>
           <a:p>
-            <a:fld id="{660D7955-1178-45C7-88EB-DB10C946F729}" type="slidenum">
+            <a:fld id="{E7AA0654-642B-4EC6-9896-06614A0153EC}" type="slidenum">
               <a:rPr lang="en-US" smtClean="0"/>
               <a:t>12</a:t>
             </a:fld>
@@ -1941,7 +2090,7 @@
     </p:spTree>
     <p:extLst>
       <p:ext uri="{BB962C8B-B14F-4D97-AF65-F5344CB8AC3E}">
-        <p14:creationId xmlns:p14="http://schemas.microsoft.com/office/powerpoint/2010/main" val="2603194435"/>
+        <p14:creationId xmlns:p14="http://schemas.microsoft.com/office/powerpoint/2010/main" val="3679442458"/>
       </p:ext>
     </p:extLst>
   </p:cSld>
@@ -1995,6 +2144,18 @@
           <a:bodyPr/>
           <a:lstStyle/>
           <a:p>
+            <a:pPr lvl="1"/>
+            <a:r>
+              <a:rPr lang="hu-HU" dirty="0" smtClean="0"/>
+              <a:t>Esetleg:</a:t>
+            </a:r>
+            <a:r>
+              <a:rPr lang="hu-HU" baseline="0" dirty="0" smtClean="0"/>
+              <a:t> függőségi modell és forráskód modell alulra!</a:t>
+            </a:r>
+            <a:endParaRPr lang="hu-HU" dirty="0" smtClean="0"/>
+          </a:p>
+          <a:p>
             <a:endParaRPr lang="en-US" dirty="0"/>
           </a:p>
         </p:txBody>
@@ -2014,7 +2175,7 @@
           <a:bodyPr/>
           <a:lstStyle/>
           <a:p>
-            <a:fld id="{E7AA0654-642B-4EC6-9896-06614A0153EC}" type="slidenum">
+            <a:fld id="{660D7955-1178-45C7-88EB-DB10C946F729}" type="slidenum">
               <a:rPr lang="en-US" smtClean="0"/>
               <a:t>13</a:t>
             </a:fld>
@@ -2025,7 +2186,7 @@
     </p:spTree>
     <p:extLst>
       <p:ext uri="{BB962C8B-B14F-4D97-AF65-F5344CB8AC3E}">
-        <p14:creationId xmlns:p14="http://schemas.microsoft.com/office/powerpoint/2010/main" val="1350586827"/>
+        <p14:creationId xmlns:p14="http://schemas.microsoft.com/office/powerpoint/2010/main" val="2603194435"/>
       </p:ext>
     </p:extLst>
   </p:cSld>
@@ -2079,7 +2240,146 @@
           <a:bodyPr/>
           <a:lstStyle/>
           <a:p>
-            <a:endParaRPr lang="en-US" dirty="0"/>
+            <a:r>
+              <a:rPr lang="hu-HU" sz="2000" dirty="0" smtClean="0"/>
+              <a:t>Lekérdezés kiértékelésének lépései: </a:t>
+            </a:r>
+          </a:p>
+          <a:p>
+            <a:pPr marL="914400" lvl="1" indent="-457200">
+              <a:buFont typeface="+mj-lt"/>
+              <a:buAutoNum type="arabicPeriod"/>
+            </a:pPr>
+            <a:r>
+              <a:rPr lang="hu-HU" sz="1600" dirty="0" smtClean="0"/>
+              <a:t>Inicializálás (példánymodelleken)</a:t>
+            </a:r>
+          </a:p>
+          <a:p>
+            <a:pPr marL="914400" lvl="1" indent="-457200">
+              <a:buFont typeface="+mj-lt"/>
+              <a:buAutoNum type="arabicPeriod"/>
+            </a:pPr>
+            <a:r>
+              <a:rPr lang="hu-HU" sz="1600" dirty="0" smtClean="0"/>
+              <a:t>Kiértékelés</a:t>
+            </a:r>
+          </a:p>
+          <a:p>
+            <a:pPr marL="914400" lvl="1" indent="-457200">
+              <a:buFont typeface="+mj-lt"/>
+              <a:buAutoNum type="arabicPeriod"/>
+            </a:pPr>
+            <a:r>
+              <a:rPr lang="hu-HU" sz="1600" dirty="0" smtClean="0"/>
+              <a:t>Automatikus frissítés a modellváltozások alapján</a:t>
+            </a:r>
+            <a:br>
+              <a:rPr lang="hu-HU" sz="1600" dirty="0" smtClean="0"/>
+            </a:br>
+            <a:r>
+              <a:rPr lang="hu-HU" sz="1600" dirty="0" smtClean="0"/>
+              <a:t>(forráskód=&gt;modell=&gt;eredmény)</a:t>
+            </a:r>
+          </a:p>
+          <a:p>
+            <a:pPr marL="514350" indent="-457200"/>
+            <a:r>
+              <a:rPr lang="hu-HU" sz="2000" dirty="0" smtClean="0"/>
+              <a:t>Eredmény:</a:t>
+            </a:r>
+          </a:p>
+          <a:p>
+            <a:pPr marL="914400" lvl="1" indent="-457200"/>
+            <a:r>
+              <a:rPr lang="hu-HU" sz="1600" dirty="0" smtClean="0"/>
+              <a:t>Függőségi viszonyok az </a:t>
+            </a:r>
+            <a:r>
+              <a:rPr lang="hu-HU" sz="1600" b="1" dirty="0" smtClean="0"/>
+              <a:t>összes objektumra</a:t>
+            </a:r>
+          </a:p>
+          <a:p>
+            <a:pPr marL="914400" lvl="1" indent="-457200"/>
+            <a:r>
+              <a:rPr lang="hu-HU" sz="1600" dirty="0" smtClean="0"/>
+              <a:t>Automatikusan és gyorsan frissül</a:t>
+            </a:r>
+          </a:p>
+          <a:p>
+            <a:pPr marL="914400" lvl="1" indent="-457200"/>
+            <a:endParaRPr lang="hu-HU" sz="1600" dirty="0" smtClean="0"/>
+          </a:p>
+          <a:p>
+            <a:pPr marL="914400" lvl="1" indent="-457200"/>
+            <a:r>
+              <a:rPr lang="hu-HU" sz="1600" dirty="0" smtClean="0"/>
+              <a:t>SMARTART</a:t>
+            </a:r>
+          </a:p>
+          <a:p>
+            <a:pPr marL="514350" indent="-457200"/>
+            <a:endParaRPr lang="hu-HU" sz="2000" dirty="0" smtClean="0"/>
+          </a:p>
+          <a:p>
+            <a:pPr marL="514350" indent="-457200"/>
+            <a:endParaRPr lang="hu-HU" sz="2000" dirty="0" smtClean="0"/>
+          </a:p>
+          <a:p>
+            <a:pPr marL="514350" indent="-457200"/>
+            <a:endParaRPr lang="hu-HU" sz="2000" dirty="0" smtClean="0"/>
+          </a:p>
+          <a:p>
+            <a:pPr marL="514350" indent="-457200"/>
+            <a:endParaRPr lang="hu-HU" sz="2000" dirty="0" smtClean="0"/>
+          </a:p>
+          <a:p>
+            <a:pPr marL="514350" indent="-457200"/>
+            <a:r>
+              <a:rPr lang="hu-HU" sz="2000" dirty="0" smtClean="0"/>
+              <a:t>Fejlesztési lehetőségek: teljesebb Eclipse integráció</a:t>
+            </a:r>
+          </a:p>
+          <a:p>
+            <a:pPr marL="914400" lvl="1" indent="-457200"/>
+            <a:r>
+              <a:rPr lang="hu-HU" sz="1600" dirty="0" smtClean="0"/>
+              <a:t>Eredmények view-kban</a:t>
+            </a:r>
+          </a:p>
+          <a:p>
+            <a:pPr marL="914400" lvl="1" indent="-457200"/>
+            <a:r>
+              <a:rPr lang="hu-HU" sz="1600" dirty="0" smtClean="0"/>
+              <a:t>JDT validációk</a:t>
+            </a:r>
+          </a:p>
+          <a:p>
+            <a:endParaRPr lang="hu-HU" dirty="0" smtClean="0"/>
+          </a:p>
+          <a:p>
+            <a:endParaRPr lang="hu-HU" dirty="0" smtClean="0"/>
+          </a:p>
+          <a:p>
+            <a:endParaRPr lang="hu-HU" dirty="0" smtClean="0"/>
+          </a:p>
+          <a:p>
+            <a:r>
+              <a:rPr lang="hu-HU" dirty="0" smtClean="0"/>
+              <a:t>TODO</a:t>
+            </a:r>
+          </a:p>
+          <a:p>
+            <a:r>
+              <a:rPr lang="hu-HU" dirty="0" smtClean="0"/>
+              <a:t>Forráskód</a:t>
+            </a:r>
+            <a:r>
+              <a:rPr lang="hu-HU" baseline="0" dirty="0" smtClean="0"/>
+              <a:t> =&gt; modell =&gt; eredmény hangsúlyozni</a:t>
+            </a:r>
+            <a:endParaRPr lang="hu-HU" baseline="0" dirty="0"/>
           </a:p>
         </p:txBody>
       </p:sp>
@@ -2109,7 +2409,7 @@
     </p:spTree>
     <p:extLst>
       <p:ext uri="{BB962C8B-B14F-4D97-AF65-F5344CB8AC3E}">
-        <p14:creationId xmlns:p14="http://schemas.microsoft.com/office/powerpoint/2010/main" val="3832885243"/>
+        <p14:creationId xmlns:p14="http://schemas.microsoft.com/office/powerpoint/2010/main" val="1350586827"/>
       </p:ext>
     </p:extLst>
   </p:cSld>
@@ -5174,7 +5474,13 @@
           <a:p>
             <a:r>
               <a:rPr lang="hu-HU" dirty="0" smtClean="0"/>
-              <a:t>Csikós Donát</a:t>
+              <a:t>Készítette: Csikós Donát</a:t>
+            </a:r>
+          </a:p>
+          <a:p>
+            <a:r>
+              <a:rPr lang="hu-HU" dirty="0" smtClean="0"/>
+              <a:t>Konzulens: Horváth Ákos, Ráth István</a:t>
             </a:r>
             <a:endParaRPr lang="en-US" dirty="0" smtClean="0"/>
           </a:p>
@@ -5219,7 +5525,7 @@
       </p:grpSpPr>
       <p:sp>
         <p:nvSpPr>
-          <p:cNvPr id="4" name="Title 3"/>
+          <p:cNvPr id="5" name="Title 4"/>
           <p:cNvSpPr>
             <a:spLocks noGrp="1"/>
           </p:cNvSpPr>
@@ -5227,14 +5533,21 @@
             <p:ph type="title"/>
           </p:nvPr>
         </p:nvSpPr>
-        <p:spPr/>
-        <p:txBody>
-          <a:bodyPr/>
-          <a:lstStyle/>
-          <a:p>
-            <a:r>
-              <a:rPr lang="hu-HU" dirty="0" smtClean="0"/>
-              <a:t>Kiterjesztés</a:t>
+        <p:spPr>
+          <a:xfrm>
+            <a:off x="762000" y="4419600"/>
+            <a:ext cx="7772400" cy="1362075"/>
+          </a:xfrm>
+        </p:spPr>
+        <p:txBody>
+          <a:bodyPr>
+            <a:normAutofit/>
+          </a:bodyPr>
+          <a:lstStyle/>
+          <a:p>
+            <a:r>
+              <a:rPr lang="hu-HU" dirty="0" smtClean="0"/>
+              <a:t>Inkrementális, hibrid Függőségi analízis</a:t>
             </a:r>
             <a:endParaRPr lang="en-US" dirty="0"/>
           </a:p>
@@ -5242,83 +5555,27 @@
       </p:sp>
       <p:sp>
         <p:nvSpPr>
-          <p:cNvPr id="5" name="Content Placeholder 4"/>
+          <p:cNvPr id="6" name="Text Placeholder 5"/>
           <p:cNvSpPr>
             <a:spLocks noGrp="1"/>
           </p:cNvSpPr>
           <p:nvPr>
-            <p:ph idx="1"/>
+            <p:ph type="body" idx="1"/>
           </p:nvPr>
         </p:nvSpPr>
         <p:spPr/>
         <p:txBody>
-          <a:bodyPr>
-            <a:normAutofit/>
-          </a:bodyPr>
-          <a:lstStyle/>
-          <a:p>
-            <a:r>
-              <a:rPr lang="hu-HU" dirty="0" smtClean="0"/>
-              <a:t>Alap implementáció</a:t>
-            </a:r>
-          </a:p>
-          <a:p>
-            <a:pPr lvl="1"/>
-            <a:r>
-              <a:rPr lang="hu-HU" dirty="0" smtClean="0"/>
-              <a:t>Csak az adatbázisban tárolt adatok alapján</a:t>
-            </a:r>
-          </a:p>
-          <a:p>
-            <a:r>
-              <a:rPr lang="hu-HU" dirty="0" smtClean="0"/>
-              <a:t>Továbbfejlesztés</a:t>
-            </a:r>
-          </a:p>
-          <a:p>
-            <a:pPr lvl="1"/>
-            <a:r>
-              <a:rPr lang="hu-HU" dirty="0" smtClean="0"/>
-              <a:t>Forráskód és függőségi </a:t>
-            </a:r>
-            <a:r>
-              <a:rPr lang="hu-HU" dirty="0"/>
-              <a:t>adatbázis összekapcsolása</a:t>
-            </a:r>
-          </a:p>
-          <a:p>
-            <a:pPr lvl="2"/>
-            <a:r>
-              <a:rPr lang="hu-HU" dirty="0" smtClean="0"/>
-              <a:t>Mi változott meg a fejlesztőkörnyezetben?</a:t>
-            </a:r>
-          </a:p>
-          <a:p>
-            <a:pPr lvl="2"/>
-            <a:r>
-              <a:rPr lang="hu-HU" dirty="0" smtClean="0"/>
-              <a:t>Milyen hatással van a ráépülő projektekre?</a:t>
-            </a:r>
-          </a:p>
-          <a:p>
-            <a:pPr lvl="1"/>
-            <a:r>
-              <a:rPr lang="hu-HU" dirty="0"/>
-              <a:t>Valós idejű lekérdezések</a:t>
-            </a:r>
-          </a:p>
-          <a:p>
-            <a:pPr marL="457200" lvl="1" indent="0">
-              <a:buNone/>
-            </a:pPr>
-            <a:endParaRPr lang="hu-HU" dirty="0" smtClean="0"/>
+          <a:bodyPr/>
+          <a:lstStyle/>
+          <a:p>
+            <a:endParaRPr lang="en-US" dirty="0"/>
           </a:p>
         </p:txBody>
       </p:sp>
     </p:spTree>
     <p:extLst>
       <p:ext uri="{BB962C8B-B14F-4D97-AF65-F5344CB8AC3E}">
-        <p14:creationId xmlns:p14="http://schemas.microsoft.com/office/powerpoint/2010/main" val="2653287153"/>
+        <p14:creationId xmlns:p14="http://schemas.microsoft.com/office/powerpoint/2010/main" val="2033946797"/>
       </p:ext>
     </p:extLst>
   </p:cSld>
@@ -5352,6 +5609,306 @@
           <a:chExt cx="0" cy="0"/>
         </a:xfrm>
       </p:grpSpPr>
+      <p:sp>
+        <p:nvSpPr>
+          <p:cNvPr id="4" name="Title 3"/>
+          <p:cNvSpPr>
+            <a:spLocks noGrp="1"/>
+          </p:cNvSpPr>
+          <p:nvPr>
+            <p:ph type="title"/>
+          </p:nvPr>
+        </p:nvSpPr>
+        <p:spPr/>
+        <p:txBody>
+          <a:bodyPr/>
+          <a:lstStyle/>
+          <a:p>
+            <a:r>
+              <a:rPr lang="hu-HU" dirty="0" smtClean="0"/>
+              <a:t>A rendszer kiterjesztése</a:t>
+            </a:r>
+            <a:endParaRPr lang="en-US" dirty="0"/>
+          </a:p>
+        </p:txBody>
+      </p:sp>
+      <p:sp>
+        <p:nvSpPr>
+          <p:cNvPr id="5" name="Content Placeholder 4"/>
+          <p:cNvSpPr>
+            <a:spLocks noGrp="1"/>
+          </p:cNvSpPr>
+          <p:nvPr>
+            <p:ph idx="1"/>
+          </p:nvPr>
+        </p:nvSpPr>
+        <p:spPr/>
+        <p:txBody>
+          <a:bodyPr>
+            <a:normAutofit fontScale="85000" lnSpcReduction="20000"/>
+          </a:bodyPr>
+          <a:lstStyle/>
+          <a:p>
+            <a:r>
+              <a:rPr lang="hu-HU" dirty="0" smtClean="0"/>
+              <a:t>Kiindulási alap: </a:t>
+            </a:r>
+          </a:p>
+          <a:p>
+            <a:pPr lvl="1"/>
+            <a:r>
+              <a:rPr lang="hu-HU" dirty="0" smtClean="0"/>
+              <a:t>Csak </a:t>
+            </a:r>
+            <a:r>
+              <a:rPr lang="hu-HU" dirty="0" smtClean="0"/>
+              <a:t>az adatbázisban tárolt </a:t>
+            </a:r>
+            <a:r>
+              <a:rPr lang="hu-HU" dirty="0" smtClean="0"/>
+              <a:t>adatok (=éles használatban lévő verziók) alapján</a:t>
+            </a:r>
+          </a:p>
+          <a:p>
+            <a:pPr lvl="1"/>
+            <a:r>
+              <a:rPr lang="hu-HU" dirty="0" smtClean="0"/>
+              <a:t>Lekérdezés csak </a:t>
+            </a:r>
+            <a:r>
+              <a:rPr lang="hu-HU" b="1" dirty="0" smtClean="0"/>
+              <a:t>egy</a:t>
+            </a:r>
+            <a:r>
+              <a:rPr lang="hu-HU" dirty="0" smtClean="0"/>
+              <a:t> elem függőségeire</a:t>
+            </a:r>
+            <a:endParaRPr lang="hu-HU" dirty="0" smtClean="0"/>
+          </a:p>
+          <a:p>
+            <a:r>
+              <a:rPr lang="hu-HU" dirty="0" smtClean="0"/>
+              <a:t>Továbbfejlesztés motivációja</a:t>
+            </a:r>
+          </a:p>
+          <a:p>
+            <a:pPr lvl="1"/>
+            <a:r>
+              <a:rPr lang="hu-HU" dirty="0" smtClean="0"/>
+              <a:t>Mi </a:t>
+            </a:r>
+            <a:r>
+              <a:rPr lang="hu-HU" dirty="0"/>
+              <a:t>változott meg a </a:t>
+            </a:r>
+            <a:r>
+              <a:rPr lang="hu-HU" dirty="0" smtClean="0"/>
+              <a:t>fejlesztőkörnyezetben?</a:t>
+            </a:r>
+            <a:endParaRPr lang="hu-HU" dirty="0"/>
+          </a:p>
+          <a:p>
+            <a:pPr lvl="1"/>
+            <a:r>
+              <a:rPr lang="hu-HU" dirty="0"/>
+              <a:t>Milyen hatással van </a:t>
+            </a:r>
+            <a:r>
+              <a:rPr lang="hu-HU" dirty="0" smtClean="0"/>
+              <a:t>a változás a </a:t>
+            </a:r>
+            <a:r>
+              <a:rPr lang="hu-HU" dirty="0"/>
+              <a:t>ráépülő projektekre?</a:t>
+            </a:r>
+          </a:p>
+          <a:p>
+            <a:r>
+              <a:rPr lang="hu-HU" dirty="0" smtClean="0"/>
+              <a:t>Javasolt architektúra</a:t>
+            </a:r>
+            <a:endParaRPr lang="hu-HU" dirty="0" smtClean="0"/>
+          </a:p>
+          <a:p>
+            <a:pPr lvl="1"/>
+            <a:r>
+              <a:rPr lang="hu-HU" dirty="0" smtClean="0"/>
+              <a:t>Forráskód és függőségi </a:t>
+            </a:r>
+            <a:r>
+              <a:rPr lang="hu-HU" dirty="0"/>
+              <a:t>adatbázis összekapcsolása</a:t>
+            </a:r>
+          </a:p>
+          <a:p>
+            <a:pPr lvl="1"/>
+            <a:r>
+              <a:rPr lang="hu-HU" dirty="0" smtClean="0"/>
+              <a:t>Valós </a:t>
+            </a:r>
+            <a:r>
+              <a:rPr lang="hu-HU" dirty="0"/>
+              <a:t>idejű </a:t>
+            </a:r>
+            <a:r>
+              <a:rPr lang="hu-HU" dirty="0" smtClean="0"/>
+              <a:t>lekérdezések az </a:t>
+            </a:r>
+            <a:r>
+              <a:rPr lang="hu-HU" b="1" dirty="0" smtClean="0"/>
+              <a:t>összes</a:t>
+            </a:r>
+            <a:r>
+              <a:rPr lang="hu-HU" dirty="0" smtClean="0"/>
+              <a:t> elem függőségeire</a:t>
+            </a:r>
+          </a:p>
+          <a:p>
+            <a:pPr lvl="2"/>
+            <a:r>
+              <a:rPr lang="hu-HU" dirty="0" smtClean="0"/>
+              <a:t>A függőségi analízis eredményét a kód átírását követően azonnal meg tudjuk mutatni a felhasználónak!</a:t>
+            </a:r>
+            <a:endParaRPr lang="hu-HU" dirty="0"/>
+          </a:p>
+          <a:p>
+            <a:pPr marL="457200" lvl="1" indent="0">
+              <a:buNone/>
+            </a:pPr>
+            <a:endParaRPr lang="hu-HU" dirty="0" smtClean="0"/>
+          </a:p>
+        </p:txBody>
+      </p:sp>
+    </p:spTree>
+    <p:extLst>
+      <p:ext uri="{BB962C8B-B14F-4D97-AF65-F5344CB8AC3E}">
+        <p14:creationId xmlns:p14="http://schemas.microsoft.com/office/powerpoint/2010/main" val="2653287153"/>
+      </p:ext>
+    </p:extLst>
+  </p:cSld>
+  <p:clrMapOvr>
+    <a:masterClrMapping/>
+  </p:clrMapOvr>
+  <p:timing>
+    <p:tnLst>
+      <p:par>
+        <p:cTn id="1" dur="indefinite" restart="never" nodeType="tmRoot"/>
+      </p:par>
+    </p:tnLst>
+  </p:timing>
+</p:sld>
+</file>
+
+<file path=ppt/slides/slide12.xml><?xml version="1.0" encoding="utf-8"?>
+<p:sld xmlns:a="http://schemas.openxmlformats.org/drawingml/2006/main" xmlns:r="http://schemas.openxmlformats.org/officeDocument/2006/relationships" xmlns:p="http://schemas.openxmlformats.org/presentationml/2006/main">
+  <p:cSld>
+    <p:spTree>
+      <p:nvGrpSpPr>
+        <p:cNvPr id="1" name=""/>
+        <p:cNvGrpSpPr/>
+        <p:nvPr/>
+      </p:nvGrpSpPr>
+      <p:grpSpPr>
+        <a:xfrm>
+          <a:off x="0" y="0"/>
+          <a:ext cx="0" cy="0"/>
+          <a:chOff x="0" y="0"/>
+          <a:chExt cx="0" cy="0"/>
+        </a:xfrm>
+      </p:grpSpPr>
+      <p:cxnSp>
+        <p:nvCxnSpPr>
+          <p:cNvPr id="29" name="Straight Connector 28"/>
+          <p:cNvCxnSpPr/>
+          <p:nvPr/>
+        </p:nvCxnSpPr>
+        <p:spPr>
+          <a:xfrm>
+            <a:off x="152400" y="4531068"/>
+            <a:ext cx="8763000" cy="0"/>
+          </a:xfrm>
+          <a:prstGeom prst="line">
+            <a:avLst/>
+          </a:prstGeom>
+          <a:ln>
+            <a:prstDash val="dash"/>
+          </a:ln>
+        </p:spPr>
+        <p:style>
+          <a:lnRef idx="3">
+            <a:schemeClr val="dk1"/>
+          </a:lnRef>
+          <a:fillRef idx="0">
+            <a:schemeClr val="dk1"/>
+          </a:fillRef>
+          <a:effectRef idx="2">
+            <a:schemeClr val="dk1"/>
+          </a:effectRef>
+          <a:fontRef idx="minor">
+            <a:schemeClr val="tx1"/>
+          </a:fontRef>
+        </p:style>
+      </p:cxnSp>
+      <p:sp>
+        <p:nvSpPr>
+          <p:cNvPr id="33" name="TextBox 32"/>
+          <p:cNvSpPr txBox="1"/>
+          <p:nvPr/>
+        </p:nvSpPr>
+        <p:spPr>
+          <a:xfrm>
+            <a:off x="190500" y="4142490"/>
+            <a:ext cx="2362200" cy="369332"/>
+          </a:xfrm>
+          <a:prstGeom prst="rect">
+            <a:avLst/>
+          </a:prstGeom>
+          <a:noFill/>
+        </p:spPr>
+        <p:txBody>
+          <a:bodyPr wrap="square" rtlCol="0">
+            <a:spAutoFit/>
+          </a:bodyPr>
+          <a:lstStyle/>
+          <a:p>
+            <a:r>
+              <a:rPr lang="hu-HU" dirty="0" smtClean="0"/>
+              <a:t>Kliens</a:t>
+            </a:r>
+            <a:endParaRPr lang="en-US" dirty="0"/>
+          </a:p>
+        </p:txBody>
+      </p:sp>
+      <p:sp>
+        <p:nvSpPr>
+          <p:cNvPr id="37" name="TextBox 36"/>
+          <p:cNvSpPr txBox="1"/>
+          <p:nvPr/>
+        </p:nvSpPr>
+        <p:spPr>
+          <a:xfrm>
+            <a:off x="190500" y="4553347"/>
+            <a:ext cx="2362200" cy="369332"/>
+          </a:xfrm>
+          <a:prstGeom prst="rect">
+            <a:avLst/>
+          </a:prstGeom>
+          <a:noFill/>
+        </p:spPr>
+        <p:txBody>
+          <a:bodyPr wrap="square" rtlCol="0">
+            <a:spAutoFit/>
+          </a:bodyPr>
+          <a:lstStyle/>
+          <a:p>
+            <a:r>
+              <a:rPr lang="hu-HU" dirty="0" smtClean="0"/>
+              <a:t>Szerver</a:t>
+            </a:r>
+            <a:endParaRPr lang="en-US" dirty="0"/>
+          </a:p>
+        </p:txBody>
+      </p:sp>
       <p:sp>
         <p:nvSpPr>
           <p:cNvPr id="2" name="Title 1"/>
@@ -5840,16 +6397,13 @@
       <p:cxnSp>
         <p:nvCxnSpPr>
           <p:cNvPr id="15" name="Egyenes összekötő nyíllal 41"/>
-          <p:cNvCxnSpPr>
-            <a:stCxn id="11" idx="3"/>
-            <a:endCxn id="8" idx="1"/>
-          </p:cNvCxnSpPr>
+          <p:cNvCxnSpPr/>
           <p:nvPr/>
         </p:nvCxnSpPr>
         <p:spPr>
-          <a:xfrm flipV="1">
+          <a:xfrm>
             <a:off x="1660768" y="2538317"/>
-            <a:ext cx="1920632" cy="131438"/>
+            <a:ext cx="1539632" cy="0"/>
           </a:xfrm>
           <a:prstGeom prst="straightConnector1">
             <a:avLst/>
@@ -5876,15 +6430,13 @@
       <p:cxnSp>
         <p:nvCxnSpPr>
           <p:cNvPr id="16" name="Egyenes összekötő nyíllal 41"/>
-          <p:cNvCxnSpPr>
-            <a:stCxn id="11" idx="3"/>
-          </p:cNvCxnSpPr>
+          <p:cNvCxnSpPr/>
           <p:nvPr/>
         </p:nvCxnSpPr>
         <p:spPr>
-          <a:xfrm>
-            <a:off x="1660768" y="2669755"/>
-            <a:ext cx="1539632" cy="880149"/>
+          <a:xfrm flipH="1">
+            <a:off x="1600200" y="2669755"/>
+            <a:ext cx="1600200" cy="0"/>
           </a:xfrm>
           <a:prstGeom prst="straightConnector1">
             <a:avLst/>
@@ -6287,13 +6839,13 @@
         </p:nvSpPr>
         <p:spPr>
           <a:xfrm>
-            <a:off x="2971800" y="4143200"/>
-            <a:ext cx="3279128" cy="761307"/>
+            <a:off x="2971800" y="4125028"/>
+            <a:ext cx="3279128" cy="797652"/>
           </a:xfrm>
           <a:prstGeom prst="wedgeRoundRectCallout">
             <a:avLst>
-              <a:gd name="adj1" fmla="val 40025"/>
-              <a:gd name="adj2" fmla="val -247673"/>
+              <a:gd name="adj1" fmla="val 41768"/>
+              <a:gd name="adj2" fmla="val -229761"/>
               <a:gd name="adj3" fmla="val 16667"/>
             </a:avLst>
           </a:prstGeom>
@@ -6345,13 +6897,13 @@
         </p:nvSpPr>
         <p:spPr>
           <a:xfrm>
-            <a:off x="124933" y="3766189"/>
-            <a:ext cx="3047757" cy="370076"/>
+            <a:off x="1" y="3661597"/>
+            <a:ext cx="2400300" cy="633312"/>
           </a:xfrm>
           <a:prstGeom prst="wedgeRoundRectCallout">
             <a:avLst>
-              <a:gd name="adj1" fmla="val 40580"/>
-              <a:gd name="adj2" fmla="val -346639"/>
+              <a:gd name="adj1" fmla="val 57250"/>
+              <a:gd name="adj2" fmla="val -237684"/>
               <a:gd name="adj3" fmla="val 16667"/>
             </a:avLst>
           </a:prstGeom>
@@ -6376,8 +6928,9 @@
           <a:p>
             <a:r>
               <a:rPr lang="hu-HU" dirty="0" smtClean="0"/>
-              <a:t>Explicit lekérdezés megmarad</a:t>
-            </a:r>
+              <a:t>Forráskód szerkesztés</a:t>
+            </a:r>
+            <a:endParaRPr lang="hu-HU" dirty="0" smtClean="0"/>
           </a:p>
         </p:txBody>
       </p:sp>
@@ -6389,13 +6942,13 @@
         </p:nvSpPr>
         <p:spPr>
           <a:xfrm>
-            <a:off x="7628" y="4424254"/>
+            <a:off x="295519" y="3996019"/>
             <a:ext cx="3047757" cy="833546"/>
           </a:xfrm>
           <a:prstGeom prst="wedgeRoundRectCallout">
             <a:avLst>
-              <a:gd name="adj1" fmla="val 25329"/>
-              <a:gd name="adj2" fmla="val -214040"/>
+              <a:gd name="adj1" fmla="val 28142"/>
+              <a:gd name="adj2" fmla="val -209469"/>
               <a:gd name="adj3" fmla="val 16667"/>
             </a:avLst>
           </a:prstGeom>
@@ -6424,8 +6977,9 @@
             </a:pPr>
             <a:r>
               <a:rPr lang="hu-HU" dirty="0" smtClean="0"/>
-              <a:t>Automatikus kiértékelés (mentéskor)</a:t>
-            </a:r>
+              <a:t>Automatikus,  azonnali eredmény</a:t>
+            </a:r>
+            <a:endParaRPr lang="hu-HU" dirty="0" smtClean="0"/>
           </a:p>
           <a:p>
             <a:pPr marL="285750" indent="-285750">
@@ -6482,11 +7036,7 @@
             </a:pPr>
             <a:r>
               <a:rPr lang="hu-HU" dirty="0" smtClean="0"/>
-              <a:t>Eclipse </a:t>
-            </a:r>
-            <a:r>
-              <a:rPr lang="hu-HU" dirty="0" smtClean="0"/>
-              <a:t>projekteket leíró EMF példánymodell</a:t>
+              <a:t>Eclipse projekteket leíró EMF példánymodell</a:t>
             </a:r>
           </a:p>
           <a:p>
@@ -6495,24 +7045,14 @@
               <a:buChar char="•"/>
             </a:pPr>
             <a:r>
-              <a:rPr lang="hu-HU" dirty="0" smtClean="0"/>
-              <a:t>Elemek 1-1 kapcsolatban  </a:t>
-            </a:r>
-            <a:endParaRPr lang="hu-HU" dirty="0"/>
-          </a:p>
-          <a:p>
-            <a:pPr marL="285750" indent="-285750">
-              <a:buFont typeface="Arial" pitchFamily="34" charset="0"/>
-              <a:buChar char="•"/>
-            </a:pPr>
-            <a:r>
-              <a:rPr lang="hu-HU" dirty="0" smtClean="0"/>
-              <a:t>Inkrementális </a:t>
-            </a:r>
-            <a:r>
-              <a:rPr lang="hu-HU" dirty="0" smtClean="0"/>
-              <a:t>karbantartás</a:t>
-            </a:r>
+              <a:rPr lang="hu-HU" b="1" dirty="0" smtClean="0"/>
+              <a:t>Folyamantos és Inkrementális</a:t>
+            </a:r>
+            <a:r>
+              <a:rPr lang="hu-HU" dirty="0" smtClean="0"/>
+              <a:t> szinkornizáció</a:t>
+            </a:r>
+            <a:endParaRPr lang="hu-HU" dirty="0" smtClean="0"/>
           </a:p>
         </p:txBody>
       </p:sp>
@@ -7168,7 +7708,7 @@
 </p:sld>
 </file>
 
-<file path=ppt/slides/slide12.xml><?xml version="1.0" encoding="utf-8"?>
+<file path=ppt/slides/slide13.xml><?xml version="1.0" encoding="utf-8"?>
 <p:sld xmlns:a="http://schemas.openxmlformats.org/drawingml/2006/main" xmlns:r="http://schemas.openxmlformats.org/officeDocument/2006/relationships" xmlns:p="http://schemas.openxmlformats.org/presentationml/2006/main">
   <p:cSld>
     <p:spTree>
@@ -7221,7 +7761,14 @@
             <a:pPr algn="ctr"/>
             <a:r>
               <a:rPr lang="hu-HU" dirty="0" smtClean="0"/>
-              <a:t>NewClass</a:t>
+              <a:t>NewClass:</a:t>
+            </a:r>
+          </a:p>
+          <a:p>
+            <a:pPr algn="ctr"/>
+            <a:r>
+              <a:rPr lang="hu-HU" dirty="0" smtClean="0"/>
+              <a:t>SClass</a:t>
             </a:r>
             <a:endParaRPr lang="en-US" dirty="0"/>
           </a:p>
@@ -7239,12 +7786,25 @@
         </p:nvSpPr>
         <p:spPr/>
         <p:txBody>
-          <a:bodyPr/>
-          <a:lstStyle/>
-          <a:p>
-            <a:r>
-              <a:rPr lang="hu-HU" dirty="0" smtClean="0"/>
-              <a:t>A lekérdezések szerkezete</a:t>
+          <a:bodyPr>
+            <a:normAutofit fontScale="90000"/>
+          </a:bodyPr>
+          <a:lstStyle/>
+          <a:p>
+            <a:r>
+              <a:rPr lang="hu-HU" dirty="0" smtClean="0"/>
+              <a:t>Inkrementális l</a:t>
+            </a:r>
+            <a:r>
+              <a:rPr lang="hu-HU" dirty="0" smtClean="0"/>
+              <a:t>ekérdezések</a:t>
+            </a:r>
+            <a:br>
+              <a:rPr lang="hu-HU" dirty="0" smtClean="0"/>
+            </a:br>
+            <a:r>
+              <a:rPr lang="hu-HU" dirty="0" smtClean="0"/>
+              <a:t>gráfminták alapján</a:t>
             </a:r>
             <a:endParaRPr lang="en-US" dirty="0"/>
           </a:p>
@@ -7268,16 +7828,16 @@
           <a:lstStyle/>
           <a:p>
             <a:r>
-              <a:rPr lang="hu-HU" dirty="0" smtClean="0"/>
-              <a:t>Lekérdezések = gráfminták</a:t>
-            </a:r>
-          </a:p>
-          <a:p>
-            <a:pPr lvl="1"/>
-            <a:r>
               <a:rPr lang="hu-HU" sz="2400" dirty="0" smtClean="0"/>
-              <a:t>IncQuery deklaratív lekérdező nyelvén megfogalmazva</a:t>
-            </a:r>
+              <a:t>EMF-IncQuery deklaratív modell-lekérdezések</a:t>
+            </a:r>
+          </a:p>
+          <a:p>
+            <a:r>
+              <a:rPr lang="hu-HU" sz="2400" dirty="0" smtClean="0"/>
+              <a:t>A függőségi- és forráskód modellek összekapcsolásával</a:t>
+            </a:r>
+            <a:endParaRPr lang="hu-HU" sz="2400" dirty="0" smtClean="0"/>
           </a:p>
         </p:txBody>
       </p:sp>
@@ -7347,20 +7907,8 @@
           <a:p>
             <a:pPr algn="ctr"/>
             <a:r>
-              <a:rPr lang="en-US" dirty="0" err="1" smtClean="0"/>
-              <a:t>Szerver</a:t>
-            </a:r>
-            <a:r>
-              <a:rPr lang="en-US" dirty="0" smtClean="0"/>
-              <a:t> </a:t>
-            </a:r>
-            <a:r>
-              <a:rPr lang="en-US" dirty="0" err="1" smtClean="0"/>
-              <a:t>oldali</a:t>
-            </a:r>
-            <a:r>
-              <a:rPr lang="en-US" dirty="0" smtClean="0"/>
-              <a:t> </a:t>
+              <a:rPr lang="hu-HU" dirty="0" smtClean="0"/>
+              <a:t>Függőségi </a:t>
             </a:r>
             <a:r>
               <a:rPr lang="en-US" dirty="0" err="1" smtClean="0"/>
@@ -7448,7 +7996,14 @@
             <a:pPr algn="ctr"/>
             <a:r>
               <a:rPr lang="hu-HU" dirty="0" smtClean="0"/>
-              <a:t>ServiceJar</a:t>
+              <a:t>Service:</a:t>
+            </a:r>
+          </a:p>
+          <a:p>
+            <a:pPr algn="ctr"/>
+            <a:r>
+              <a:rPr lang="hu-HU" dirty="0" smtClean="0"/>
+              <a:t>DJar</a:t>
             </a:r>
             <a:endParaRPr lang="en-US" dirty="0"/>
           </a:p>
@@ -7490,7 +8045,14 @@
             <a:pPr algn="ctr"/>
             <a:r>
               <a:rPr lang="hu-HU" dirty="0" smtClean="0"/>
-              <a:t>Service</a:t>
+              <a:t>Service: </a:t>
+            </a:r>
+          </a:p>
+          <a:p>
+            <a:pPr algn="ctr"/>
+            <a:r>
+              <a:rPr lang="hu-HU" dirty="0" smtClean="0"/>
+              <a:t>DClass</a:t>
             </a:r>
             <a:endParaRPr lang="en-US" dirty="0"/>
           </a:p>
@@ -7505,7 +8067,7 @@
         <p:spPr>
           <a:xfrm>
             <a:off x="762000" y="5372100"/>
-            <a:ext cx="908565" cy="533400"/>
+            <a:ext cx="1143000" cy="533400"/>
           </a:xfrm>
           <a:prstGeom prst="rect">
             <a:avLst/>
@@ -7532,7 +8094,11 @@
             <a:pPr algn="ctr"/>
             <a:r>
               <a:rPr lang="hu-HU" dirty="0" smtClean="0"/>
-              <a:t>serve()</a:t>
+              <a:t>Serve</a:t>
+            </a:r>
+            <a:r>
+              <a:rPr lang="hu-HU" dirty="0" smtClean="0"/>
+              <a:t>: DMethod</a:t>
             </a:r>
             <a:endParaRPr lang="en-US" dirty="0"/>
           </a:p>
@@ -7547,7 +8113,7 @@
         <p:spPr>
           <a:xfrm>
             <a:off x="2667000" y="5372100"/>
-            <a:ext cx="1066800" cy="533400"/>
+            <a:ext cx="1143000" cy="533400"/>
           </a:xfrm>
           <a:prstGeom prst="rect">
             <a:avLst/>
@@ -7574,7 +8140,7 @@
             <a:pPr algn="ctr"/>
             <a:r>
               <a:rPr lang="hu-HU" dirty="0" smtClean="0"/>
-              <a:t>doWork()</a:t>
+              <a:t>doWork: DMethod</a:t>
             </a:r>
             <a:endParaRPr lang="en-US" dirty="0"/>
           </a:p>
@@ -7627,8 +8193,8 @@
         </p:nvCxnSpPr>
         <p:spPr>
           <a:xfrm flipH="1">
-            <a:off x="1670565" y="5638800"/>
-            <a:ext cx="996435" cy="0"/>
+            <a:off x="1905000" y="5638800"/>
+            <a:ext cx="762000" cy="0"/>
           </a:xfrm>
           <a:prstGeom prst="straightConnector1">
             <a:avLst/>
@@ -7688,7 +8254,14 @@
             <a:pPr algn="ctr"/>
             <a:r>
               <a:rPr lang="hu-HU" dirty="0" smtClean="0"/>
-              <a:t>ServiceJar</a:t>
+              <a:t>Service:</a:t>
+            </a:r>
+          </a:p>
+          <a:p>
+            <a:pPr algn="ctr"/>
+            <a:r>
+              <a:rPr lang="hu-HU" dirty="0" smtClean="0"/>
+              <a:t>SJar</a:t>
             </a:r>
             <a:endParaRPr lang="en-US" dirty="0"/>
           </a:p>
@@ -7729,8 +8302,15 @@
           <a:p>
             <a:pPr algn="ctr"/>
             <a:r>
-              <a:rPr lang="hu-HU" dirty="0"/>
-              <a:t>Service</a:t>
+              <a:rPr lang="hu-HU" dirty="0" smtClean="0"/>
+              <a:t>Service:</a:t>
+            </a:r>
+          </a:p>
+          <a:p>
+            <a:pPr algn="ctr"/>
+            <a:r>
+              <a:rPr lang="hu-HU" dirty="0" smtClean="0"/>
+              <a:t>SClass</a:t>
             </a:r>
             <a:endParaRPr lang="en-US" dirty="0"/>
           </a:p>
@@ -7745,7 +8325,7 @@
         <p:spPr>
           <a:xfrm>
             <a:off x="5293667" y="5374332"/>
-            <a:ext cx="930533" cy="533400"/>
+            <a:ext cx="1183333" cy="533400"/>
           </a:xfrm>
           <a:prstGeom prst="rect">
             <a:avLst/>
@@ -7771,8 +8351,15 @@
           <a:p>
             <a:pPr algn="ctr"/>
             <a:r>
-              <a:rPr lang="hu-HU" dirty="0"/>
-              <a:t>serve()</a:t>
+              <a:rPr lang="hu-HU" dirty="0" smtClean="0"/>
+              <a:t>Serve:</a:t>
+            </a:r>
+          </a:p>
+          <a:p>
+            <a:pPr algn="ctr"/>
+            <a:r>
+              <a:rPr lang="hu-HU" dirty="0" smtClean="0"/>
+              <a:t>SMethod</a:t>
             </a:r>
             <a:endParaRPr lang="en-US" dirty="0"/>
           </a:p>
@@ -7861,8 +8448,8 @@
         </p:nvCxnSpPr>
         <p:spPr>
           <a:xfrm flipH="1">
-            <a:off x="1216283" y="4681607"/>
-            <a:ext cx="367784" cy="690493"/>
+            <a:off x="1333500" y="4681607"/>
+            <a:ext cx="250567" cy="690493"/>
           </a:xfrm>
           <a:prstGeom prst="straightConnector1">
             <a:avLst/>
@@ -7898,7 +8485,7 @@
         <p:spPr>
           <a:xfrm>
             <a:off x="5758934" y="4730440"/>
-            <a:ext cx="0" cy="643892"/>
+            <a:ext cx="126400" cy="643892"/>
           </a:xfrm>
           <a:prstGeom prst="straightConnector1">
             <a:avLst/>
@@ -7946,16 +8533,8 @@
           <a:p>
             <a:pPr algn="ctr"/>
             <a:r>
-              <a:rPr lang="en-US" dirty="0" err="1" smtClean="0"/>
-              <a:t>Kliens</a:t>
-            </a:r>
-            <a:r>
-              <a:rPr lang="en-US" dirty="0" smtClean="0"/>
-              <a:t> </a:t>
-            </a:r>
-            <a:r>
-              <a:rPr lang="en-US" dirty="0" err="1" smtClean="0"/>
-              <a:t>oldali</a:t>
+              <a:rPr lang="hu-HU" dirty="0" smtClean="0"/>
+              <a:t>Forráskód</a:t>
             </a:r>
             <a:r>
               <a:rPr lang="en-US" dirty="0" smtClean="0"/>
@@ -8415,7 +8994,7 @@
           <p:spPr>
             <a:xfrm>
               <a:off x="3489067" y="3015299"/>
-              <a:ext cx="1066800" cy="533401"/>
+              <a:ext cx="1143000" cy="533401"/>
             </a:xfrm>
             <a:prstGeom prst="rect">
               <a:avLst/>
@@ -8460,7 +9039,7 @@
           <p:spPr>
             <a:xfrm>
               <a:off x="6114275" y="3017532"/>
-              <a:ext cx="930533" cy="531168"/>
+              <a:ext cx="1184792" cy="531168"/>
             </a:xfrm>
             <a:prstGeom prst="rect">
               <a:avLst/>
@@ -8767,7 +9346,7 @@
 </p:sld>
 </file>
 
-<file path=ppt/slides/slide13.xml><?xml version="1.0" encoding="utf-8"?>
+<file path=ppt/slides/slide14.xml><?xml version="1.0" encoding="utf-8"?>
 <p:sld xmlns:a="http://schemas.openxmlformats.org/drawingml/2006/main" xmlns:r="http://schemas.openxmlformats.org/officeDocument/2006/relationships" xmlns:p="http://schemas.openxmlformats.org/presentationml/2006/main">
   <p:cSld>
     <p:spTree>
@@ -8820,108 +9399,119 @@
         <p:spPr/>
         <p:txBody>
           <a:bodyPr>
-            <a:normAutofit fontScale="62500" lnSpcReduction="20000"/>
+            <a:noAutofit/>
           </a:bodyPr>
           <a:lstStyle/>
           <a:p>
-            <a:r>
-              <a:rPr lang="hu-HU" dirty="0" smtClean="0"/>
-              <a:t>Lekérdezés lépései: </a:t>
-            </a:r>
-          </a:p>
-          <a:p>
-            <a:pPr marL="914400" lvl="1" indent="-457200">
+            <a:pPr marL="342900" lvl="1" indent="-342900">
               <a:buFont typeface="+mj-lt"/>
               <a:buAutoNum type="arabicPeriod"/>
             </a:pPr>
             <a:r>
-              <a:rPr lang="hu-HU" dirty="0" smtClean="0"/>
-              <a:t>Inicializálás (példánymodellek + lekérdezések)</a:t>
-            </a:r>
-          </a:p>
-          <a:p>
-            <a:pPr marL="914400" lvl="1" indent="-457200">
+              <a:rPr lang="hu-HU" sz="2000" dirty="0"/>
+              <a:t>Inicializálás (példánymodelleken</a:t>
+            </a:r>
+            <a:r>
+              <a:rPr lang="hu-HU" sz="2000" dirty="0" smtClean="0"/>
+              <a:t>)</a:t>
+            </a:r>
+          </a:p>
+          <a:p>
+            <a:pPr marL="742950" lvl="2" indent="-342900"/>
+            <a:r>
+              <a:rPr lang="hu-HU" sz="1600" dirty="0" smtClean="0"/>
+              <a:t>Példánymodellek és</a:t>
+            </a:r>
+          </a:p>
+          <a:p>
+            <a:pPr marL="742950" lvl="2" indent="-342900"/>
+            <a:r>
+              <a:rPr lang="hu-HU" sz="1600" dirty="0" smtClean="0"/>
+              <a:t>Lekérdezések betöltése</a:t>
+            </a:r>
+          </a:p>
+          <a:p>
+            <a:pPr marL="342900" lvl="1" indent="-342900">
               <a:buFont typeface="+mj-lt"/>
               <a:buAutoNum type="arabicPeriod"/>
             </a:pPr>
             <a:r>
-              <a:rPr lang="hu-HU" dirty="0" smtClean="0"/>
-              <a:t>Kiértékelés</a:t>
-            </a:r>
-          </a:p>
-          <a:p>
-            <a:pPr marL="914400" lvl="1" indent="-457200">
+              <a:rPr lang="hu-HU" sz="2000" dirty="0" smtClean="0"/>
+              <a:t>Eredmények folyamatos frissítése</a:t>
+            </a:r>
+          </a:p>
+          <a:p>
+            <a:pPr marL="742950" lvl="2" indent="-342900"/>
+            <a:r>
+              <a:rPr lang="hu-HU" sz="1600" dirty="0" smtClean="0"/>
+              <a:t>Forráskód módosításakor</a:t>
+            </a:r>
+          </a:p>
+          <a:p>
+            <a:pPr marL="742950" lvl="2" indent="-342900"/>
+            <a:r>
+              <a:rPr lang="en-US" sz="1600" dirty="0" err="1" smtClean="0"/>
+              <a:t>Forr</a:t>
+            </a:r>
+            <a:r>
+              <a:rPr lang="hu-HU" sz="1600" dirty="0" smtClean="0"/>
+              <a:t>áskód modell  automatikusan , inkrementálisan frissül</a:t>
+            </a:r>
+          </a:p>
+          <a:p>
+            <a:pPr marL="742950" lvl="2" indent="-342900"/>
+            <a:r>
+              <a:rPr lang="hu-HU" sz="1600" dirty="0" smtClean="0"/>
+              <a:t>Output: </a:t>
+            </a:r>
+          </a:p>
+          <a:p>
+            <a:pPr marL="914400" lvl="1" indent="-457200"/>
+            <a:r>
+              <a:rPr lang="hu-HU" sz="1600" dirty="0"/>
+              <a:t>Függőségi viszonyok az </a:t>
+            </a:r>
+            <a:r>
+              <a:rPr lang="hu-HU" sz="1600" b="1" dirty="0"/>
+              <a:t>összes objektumra</a:t>
+            </a:r>
+          </a:p>
+          <a:p>
+            <a:pPr marL="914400" lvl="1" indent="-457200"/>
+            <a:r>
+              <a:rPr lang="hu-HU" sz="1600" dirty="0"/>
+              <a:t>Automatikusan és gyorsan </a:t>
+            </a:r>
+            <a:r>
+              <a:rPr lang="hu-HU" sz="1600" dirty="0" smtClean="0"/>
+              <a:t>frissül</a:t>
+            </a:r>
+          </a:p>
+          <a:p>
+            <a:pPr marL="914400" lvl="1" indent="-457200"/>
+            <a:r>
+              <a:rPr lang="hu-HU" sz="1600" dirty="0" smtClean="0"/>
+              <a:t>Eclipse view-ban megjelenítve</a:t>
+            </a:r>
+            <a:endParaRPr lang="en-US" sz="2000" dirty="0" smtClean="0"/>
+          </a:p>
+          <a:p>
+            <a:pPr marL="742950" lvl="2" indent="-342900"/>
+            <a:endParaRPr lang="hu-HU" sz="1200" dirty="0" smtClean="0"/>
+          </a:p>
+          <a:p>
+            <a:pPr marL="342900" lvl="1" indent="-342900">
               <a:buFont typeface="+mj-lt"/>
               <a:buAutoNum type="arabicPeriod"/>
             </a:pPr>
-            <a:r>
-              <a:rPr lang="hu-HU" dirty="0" smtClean="0"/>
-              <a:t>Frissítés (forráskód=&gt;modell=&gt;eredmény automatikusan)</a:t>
-            </a:r>
-          </a:p>
-          <a:p>
-            <a:pPr marL="514350" indent="-457200"/>
-            <a:r>
-              <a:rPr lang="hu-HU" dirty="0" smtClean="0"/>
-              <a:t>Eredmény:</a:t>
-            </a:r>
-          </a:p>
-          <a:p>
-            <a:pPr marL="914400" lvl="1" indent="-457200"/>
-            <a:r>
-              <a:rPr lang="hu-HU" dirty="0" smtClean="0"/>
-              <a:t>Függőségi viszonyok az </a:t>
-            </a:r>
-            <a:r>
-              <a:rPr lang="hu-HU" b="1" dirty="0" smtClean="0"/>
-              <a:t>összes objektumra</a:t>
-            </a:r>
-          </a:p>
-          <a:p>
-            <a:pPr marL="914400" lvl="1" indent="-457200"/>
-            <a:r>
-              <a:rPr lang="hu-HU" dirty="0" smtClean="0"/>
-              <a:t>Automatikusan és gyorsan frissül</a:t>
-            </a:r>
-          </a:p>
-          <a:p>
-            <a:pPr marL="914400" lvl="1" indent="-457200"/>
-            <a:r>
-              <a:rPr lang="hu-HU" dirty="0" smtClean="0"/>
-              <a:t>Nem 100%-os precizitás</a:t>
-            </a:r>
-          </a:p>
-          <a:p>
-            <a:pPr marL="914400" lvl="1" indent="-457200"/>
-            <a:r>
-              <a:rPr lang="hu-HU" dirty="0" smtClean="0"/>
-              <a:t>Kimenet: EMF objektumok</a:t>
-            </a:r>
-          </a:p>
-          <a:p>
-            <a:pPr marL="914400" lvl="1" indent="-457200"/>
-            <a:endParaRPr lang="hu-HU" dirty="0" smtClean="0"/>
-          </a:p>
-          <a:p>
-            <a:pPr marL="514350" indent="-457200"/>
-            <a:r>
-              <a:rPr lang="hu-HU" dirty="0" smtClean="0"/>
-              <a:t>Hátralevő feladat: teljesebb Eclipse integráció</a:t>
-            </a:r>
-          </a:p>
-          <a:p>
-            <a:pPr marL="914400" lvl="1" indent="-457200"/>
-            <a:r>
-              <a:rPr lang="hu-HU" dirty="0" smtClean="0"/>
-              <a:t>Eredmények view-kban</a:t>
-            </a:r>
-          </a:p>
-          <a:p>
-            <a:pPr marL="914400" lvl="1" indent="-457200"/>
-            <a:r>
-              <a:rPr lang="hu-HU" dirty="0" smtClean="0"/>
-              <a:t>JDT validációk</a:t>
-            </a:r>
+            <a:endParaRPr lang="hu-HU" sz="1600" dirty="0"/>
+          </a:p>
+          <a:p>
+            <a:pPr>
+              <a:buFont typeface="+mj-lt"/>
+              <a:buAutoNum type="arabicPeriod"/>
+            </a:pPr>
+            <a:endParaRPr lang="hu-HU" sz="1600" dirty="0" smtClean="0"/>
           </a:p>
         </p:txBody>
       </p:sp>
@@ -8938,7 +9528,7 @@
         <p:spPr/>
         <p:txBody>
           <a:bodyPr>
-            <a:normAutofit fontScale="62500" lnSpcReduction="20000"/>
+            <a:normAutofit fontScale="70000" lnSpcReduction="20000"/>
           </a:bodyPr>
           <a:lstStyle/>
           <a:p>
@@ -9225,93 +9815,72 @@
           </a:fontRef>
         </p:style>
       </p:cxnSp>
+      <p:sp>
+        <p:nvSpPr>
+          <p:cNvPr id="3" name="Rounded Rectangular Callout 2"/>
+          <p:cNvSpPr/>
+          <p:nvPr/>
+        </p:nvSpPr>
+        <p:spPr>
+          <a:xfrm>
+            <a:off x="6926262" y="5486400"/>
+            <a:ext cx="2635250" cy="1181100"/>
+          </a:xfrm>
+          <a:prstGeom prst="wedgeRoundRectCallout">
+            <a:avLst>
+              <a:gd name="adj1" fmla="val -71673"/>
+              <a:gd name="adj2" fmla="val -95115"/>
+              <a:gd name="adj3" fmla="val 16667"/>
+            </a:avLst>
+          </a:prstGeom>
+        </p:spPr>
+        <p:style>
+          <a:lnRef idx="2">
+            <a:schemeClr val="accent1">
+              <a:shade val="50000"/>
+            </a:schemeClr>
+          </a:lnRef>
+          <a:fillRef idx="1">
+            <a:schemeClr val="accent1"/>
+          </a:fillRef>
+          <a:effectRef idx="0">
+            <a:schemeClr val="accent1"/>
+          </a:effectRef>
+          <a:fontRef idx="minor">
+            <a:schemeClr val="lt1"/>
+          </a:fontRef>
+        </p:style>
+        <p:txBody>
+          <a:bodyPr rtlCol="0" anchor="ctr"/>
+          <a:lstStyle/>
+          <a:p>
+            <a:pPr algn="ctr"/>
+            <a:r>
+              <a:rPr lang="hu-HU" dirty="0" smtClean="0"/>
+              <a:t>In-editor validation</a:t>
+            </a:r>
+          </a:p>
+          <a:p>
+            <a:pPr algn="ctr"/>
+            <a:r>
+              <a:rPr lang="hu-HU" dirty="0" smtClean="0"/>
+              <a:t>Hover feedback</a:t>
+            </a:r>
+          </a:p>
+          <a:p>
+            <a:pPr algn="ctr"/>
+            <a:r>
+              <a:rPr lang="hu-HU" dirty="0" smtClean="0"/>
+              <a:t>Jface viewer</a:t>
+            </a:r>
+            <a:endParaRPr lang="en-US" dirty="0"/>
+          </a:p>
+        </p:txBody>
+      </p:sp>
     </p:spTree>
     <p:extLst>
       <p:ext uri="{BB962C8B-B14F-4D97-AF65-F5344CB8AC3E}">
         <p14:creationId xmlns:p14="http://schemas.microsoft.com/office/powerpoint/2010/main" val="663010118"/>
-      </p:ext>
-    </p:extLst>
-  </p:cSld>
-  <p:clrMapOvr>
-    <a:masterClrMapping/>
-  </p:clrMapOvr>
-  <p:timing>
-    <p:tnLst>
-      <p:par>
-        <p:cTn id="1" dur="indefinite" restart="never" nodeType="tmRoot"/>
-      </p:par>
-    </p:tnLst>
-  </p:timing>
-</p:sld>
-</file>
-
-<file path=ppt/slides/slide14.xml><?xml version="1.0" encoding="utf-8"?>
-<p:sld xmlns:a="http://schemas.openxmlformats.org/drawingml/2006/main" xmlns:r="http://schemas.openxmlformats.org/officeDocument/2006/relationships" xmlns:p="http://schemas.openxmlformats.org/presentationml/2006/main">
-  <p:cSld>
-    <p:spTree>
-      <p:nvGrpSpPr>
-        <p:cNvPr id="1" name=""/>
-        <p:cNvGrpSpPr/>
-        <p:nvPr/>
-      </p:nvGrpSpPr>
-      <p:grpSpPr>
-        <a:xfrm>
-          <a:off x="0" y="0"/>
-          <a:ext cx="0" cy="0"/>
-          <a:chOff x="0" y="0"/>
-          <a:chExt cx="0" cy="0"/>
-        </a:xfrm>
-      </p:grpSpPr>
-      <p:sp>
-        <p:nvSpPr>
-          <p:cNvPr id="2" name="Title 1"/>
-          <p:cNvSpPr>
-            <a:spLocks noGrp="1"/>
-          </p:cNvSpPr>
-          <p:nvPr>
-            <p:ph type="title"/>
-          </p:nvPr>
-        </p:nvSpPr>
-        <p:spPr/>
-        <p:txBody>
-          <a:bodyPr/>
-          <a:lstStyle/>
-          <a:p>
-            <a:r>
-              <a:rPr lang="hu-HU" dirty="0" smtClean="0"/>
-              <a:t>A rendszer teljesítménye</a:t>
-            </a:r>
-            <a:endParaRPr lang="en-US" dirty="0"/>
-          </a:p>
-        </p:txBody>
-      </p:sp>
-      <p:sp>
-        <p:nvSpPr>
-          <p:cNvPr id="3" name="Text Placeholder 2"/>
-          <p:cNvSpPr>
-            <a:spLocks noGrp="1"/>
-          </p:cNvSpPr>
-          <p:nvPr>
-            <p:ph type="body" idx="1"/>
-          </p:nvPr>
-        </p:nvSpPr>
-        <p:spPr/>
-        <p:txBody>
-          <a:bodyPr/>
-          <a:lstStyle/>
-          <a:p>
-            <a:r>
-              <a:rPr lang="hu-HU" dirty="0" smtClean="0"/>
-              <a:t>Teljesítményanalízis</a:t>
-            </a:r>
-            <a:endParaRPr lang="en-US" dirty="0"/>
-          </a:p>
-        </p:txBody>
-      </p:sp>
-    </p:spTree>
-    <p:extLst>
-      <p:ext uri="{BB962C8B-B14F-4D97-AF65-F5344CB8AC3E}">
-        <p14:creationId xmlns:p14="http://schemas.microsoft.com/office/powerpoint/2010/main" val="2388552978"/>
       </p:ext>
     </p:extLst>
   </p:cSld>
@@ -9357,14 +9926,12 @@
         </p:nvSpPr>
         <p:spPr/>
         <p:txBody>
-          <a:bodyPr>
-            <a:normAutofit/>
-          </a:bodyPr>
-          <a:lstStyle/>
-          <a:p>
-            <a:r>
-              <a:rPr lang="hu-HU" dirty="0" smtClean="0"/>
-              <a:t>Függőségi analízis sebessége</a:t>
+          <a:bodyPr/>
+          <a:lstStyle/>
+          <a:p>
+            <a:r>
+              <a:rPr lang="hu-HU" dirty="0" smtClean="0"/>
+              <a:t>A rendszer teljesítménye</a:t>
             </a:r>
             <a:endParaRPr lang="en-US" dirty="0"/>
           </a:p>
@@ -9372,127 +9939,31 @@
       </p:sp>
       <p:sp>
         <p:nvSpPr>
-          <p:cNvPr id="6" name="Content Placeholder 5"/>
+          <p:cNvPr id="3" name="Text Placeholder 2"/>
           <p:cNvSpPr>
             <a:spLocks noGrp="1"/>
           </p:cNvSpPr>
           <p:nvPr>
-            <p:ph sz="half" idx="1"/>
+            <p:ph type="body" idx="1"/>
           </p:nvPr>
         </p:nvSpPr>
-        <p:spPr>
-          <a:xfrm>
-            <a:off x="457200" y="4267200"/>
-            <a:ext cx="7772400" cy="2362200"/>
-          </a:xfrm>
-        </p:spPr>
-        <p:txBody>
-          <a:bodyPr vert="horz" lIns="91440" tIns="45720" rIns="91440" bIns="45720" rtlCol="0">
-            <a:normAutofit fontScale="92500" lnSpcReduction="20000"/>
-          </a:bodyPr>
-          <a:lstStyle/>
-          <a:p>
-            <a:r>
-              <a:rPr lang="hu-HU" dirty="0" smtClean="0"/>
-              <a:t>Mérések valós projektekkel</a:t>
-            </a:r>
-          </a:p>
-          <a:p>
-            <a:r>
-              <a:rPr lang="hu-HU" dirty="0" smtClean="0"/>
-              <a:t>Függőségi </a:t>
-            </a:r>
-            <a:r>
-              <a:rPr lang="hu-HU" dirty="0"/>
-              <a:t>viszonyok felderítése: ~</a:t>
-            </a:r>
-            <a:r>
-              <a:rPr lang="hu-HU" dirty="0" smtClean="0"/>
-              <a:t>0,5sec/jar</a:t>
-            </a:r>
-            <a:endParaRPr lang="hu-HU" dirty="0"/>
-          </a:p>
-          <a:p>
-            <a:r>
-              <a:rPr lang="hu-HU" dirty="0" smtClean="0"/>
-              <a:t>Explicit lekérdezés ideje 1 elemre: </a:t>
-            </a:r>
-            <a:r>
-              <a:rPr lang="hu-HU" dirty="0"/>
-              <a:t>~200ms</a:t>
-            </a:r>
-          </a:p>
-          <a:p>
-            <a:r>
-              <a:rPr lang="hu-HU" dirty="0" smtClean="0"/>
-              <a:t>EMF </a:t>
-            </a:r>
-            <a:r>
-              <a:rPr lang="hu-HU" dirty="0"/>
-              <a:t>példánymodell </a:t>
-            </a:r>
-            <a:r>
-              <a:rPr lang="hu-HU" dirty="0" smtClean="0"/>
-              <a:t>mérete (1312 projektre):</a:t>
-            </a:r>
-          </a:p>
-          <a:p>
-            <a:pPr lvl="1"/>
-            <a:r>
-              <a:rPr lang="hu-HU" dirty="0" smtClean="0"/>
-              <a:t>Teljes: </a:t>
-            </a:r>
-            <a:r>
-              <a:rPr lang="hu-HU" dirty="0"/>
-              <a:t>~</a:t>
-            </a:r>
-            <a:r>
-              <a:rPr lang="hu-HU" dirty="0" smtClean="0"/>
-              <a:t>600MiB</a:t>
-            </a:r>
-          </a:p>
-          <a:p>
-            <a:pPr lvl="1"/>
-            <a:r>
-              <a:rPr lang="hu-HU" dirty="0" smtClean="0"/>
-              <a:t>Tömörített: 88MiB</a:t>
-            </a:r>
-            <a:endParaRPr lang="hu-HU" dirty="0"/>
-          </a:p>
-          <a:p>
+        <p:spPr/>
+        <p:txBody>
+          <a:bodyPr/>
+          <a:lstStyle/>
+          <a:p>
+            <a:r>
+              <a:rPr lang="hu-HU" dirty="0" smtClean="0"/>
+              <a:t>Teljesítményanalízis</a:t>
+            </a:r>
             <a:endParaRPr lang="en-US" dirty="0"/>
           </a:p>
         </p:txBody>
       </p:sp>
-      <p:graphicFrame>
-        <p:nvGraphicFramePr>
-          <p:cNvPr id="8" name="Content Placeholder 7"/>
-          <p:cNvGraphicFramePr>
-            <a:graphicFrameLocks noGrp="1"/>
-          </p:cNvGraphicFramePr>
-          <p:nvPr>
-            <p:ph sz="half" idx="2"/>
-            <p:extLst>
-              <p:ext uri="{D42A27DB-BD31-4B8C-83A1-F6EECF244321}">
-                <p14:modId xmlns:p14="http://schemas.microsoft.com/office/powerpoint/2010/main" val="3030879372"/>
-              </p:ext>
-            </p:extLst>
-          </p:nvPr>
-        </p:nvGraphicFramePr>
-        <p:xfrm>
-          <a:off x="457200" y="1600200"/>
-          <a:ext cx="8153400" cy="2362200"/>
-        </p:xfrm>
-        <a:graphic>
-          <a:graphicData uri="http://schemas.openxmlformats.org/drawingml/2006/chart">
-            <c:chart xmlns:c="http://schemas.openxmlformats.org/drawingml/2006/chart" xmlns:r="http://schemas.openxmlformats.org/officeDocument/2006/relationships" r:id="rId3"/>
-          </a:graphicData>
-        </a:graphic>
-      </p:graphicFrame>
     </p:spTree>
     <p:extLst>
       <p:ext uri="{BB962C8B-B14F-4D97-AF65-F5344CB8AC3E}">
-        <p14:creationId xmlns:p14="http://schemas.microsoft.com/office/powerpoint/2010/main" val="3923761561"/>
+        <p14:creationId xmlns:p14="http://schemas.microsoft.com/office/powerpoint/2010/main" val="2388552978"/>
       </p:ext>
     </p:extLst>
   </p:cSld>
@@ -9528,6 +9999,130 @@
       </p:grpSpPr>
       <p:sp>
         <p:nvSpPr>
+          <p:cNvPr id="4" name="Title 3"/>
+          <p:cNvSpPr>
+            <a:spLocks noGrp="1"/>
+          </p:cNvSpPr>
+          <p:nvPr>
+            <p:ph type="title"/>
+          </p:nvPr>
+        </p:nvSpPr>
+        <p:spPr/>
+        <p:txBody>
+          <a:bodyPr/>
+          <a:lstStyle/>
+          <a:p>
+            <a:r>
+              <a:rPr lang="hu-HU" dirty="0" smtClean="0"/>
+              <a:t>Hatékonyság mérése – miért?</a:t>
+            </a:r>
+            <a:endParaRPr lang="en-US" dirty="0"/>
+          </a:p>
+        </p:txBody>
+      </p:sp>
+      <p:sp>
+        <p:nvSpPr>
+          <p:cNvPr id="5" name="Content Placeholder 4"/>
+          <p:cNvSpPr>
+            <a:spLocks noGrp="1"/>
+          </p:cNvSpPr>
+          <p:nvPr>
+            <p:ph idx="1"/>
+          </p:nvPr>
+        </p:nvSpPr>
+        <p:spPr/>
+        <p:txBody>
+          <a:bodyPr/>
+          <a:lstStyle/>
+          <a:p>
+            <a:r>
+              <a:rPr lang="hu-HU" dirty="0" smtClean="0"/>
+              <a:t>Éles alkalmazásba szánt eszköz</a:t>
+            </a:r>
+          </a:p>
+          <a:p>
+            <a:r>
+              <a:rPr lang="hu-HU" dirty="0" smtClean="0"/>
+              <a:t>Célok</a:t>
+            </a:r>
+          </a:p>
+          <a:p>
+            <a:pPr lvl="1"/>
+            <a:r>
+              <a:rPr lang="hu-HU" dirty="0" smtClean="0"/>
+              <a:t>Build szerver:</a:t>
+            </a:r>
+          </a:p>
+          <a:p>
+            <a:pPr lvl="2"/>
+            <a:r>
+              <a:rPr lang="hu-HU" dirty="0" smtClean="0"/>
+              <a:t>Bináris függőségi analízis gyors legyen</a:t>
+            </a:r>
+          </a:p>
+          <a:p>
+            <a:pPr lvl="2"/>
+            <a:r>
+              <a:rPr lang="hu-HU" dirty="0" smtClean="0"/>
+              <a:t>Függőségek lekérdezése gyors legyen</a:t>
+            </a:r>
+          </a:p>
+          <a:p>
+            <a:pPr lvl="1"/>
+            <a:r>
+              <a:rPr lang="hu-HU" dirty="0" smtClean="0"/>
+              <a:t>Fejlesztőeszköz:</a:t>
+            </a:r>
+          </a:p>
+          <a:p>
+            <a:pPr lvl="2"/>
+            <a:r>
+              <a:rPr lang="hu-HU" dirty="0" smtClean="0"/>
+              <a:t>Azonnali függőségi analízis visszacsatolás a forráskód módosításával a teljes szoftverinfrastruktúrára!</a:t>
+            </a:r>
+            <a:endParaRPr lang="en-US" dirty="0"/>
+          </a:p>
+        </p:txBody>
+      </p:sp>
+    </p:spTree>
+    <p:extLst>
+      <p:ext uri="{BB962C8B-B14F-4D97-AF65-F5344CB8AC3E}">
+        <p14:creationId xmlns:p14="http://schemas.microsoft.com/office/powerpoint/2010/main" val="1618283345"/>
+      </p:ext>
+    </p:extLst>
+  </p:cSld>
+  <p:clrMapOvr>
+    <a:masterClrMapping/>
+  </p:clrMapOvr>
+  <p:timing>
+    <p:tnLst>
+      <p:par>
+        <p:cTn id="1" dur="indefinite" restart="never" nodeType="tmRoot"/>
+      </p:par>
+    </p:tnLst>
+  </p:timing>
+</p:sld>
+</file>
+
+<file path=ppt/slides/slide17.xml><?xml version="1.0" encoding="utf-8"?>
+<p:sld xmlns:a="http://schemas.openxmlformats.org/drawingml/2006/main" xmlns:r="http://schemas.openxmlformats.org/officeDocument/2006/relationships" xmlns:p="http://schemas.openxmlformats.org/presentationml/2006/main">
+  <p:cSld>
+    <p:spTree>
+      <p:nvGrpSpPr>
+        <p:cNvPr id="1" name=""/>
+        <p:cNvGrpSpPr/>
+        <p:nvPr/>
+      </p:nvGrpSpPr>
+      <p:grpSpPr>
+        <a:xfrm>
+          <a:off x="0" y="0"/>
+          <a:ext cx="0" cy="0"/>
+          <a:chOff x="0" y="0"/>
+          <a:chExt cx="0" cy="0"/>
+        </a:xfrm>
+      </p:grpSpPr>
+      <p:sp>
+        <p:nvSpPr>
           <p:cNvPr id="2" name="Title 1"/>
           <p:cNvSpPr>
             <a:spLocks noGrp="1"/>
@@ -9538,17 +10133,72 @@
         </p:nvSpPr>
         <p:spPr/>
         <p:txBody>
-          <a:bodyPr/>
-          <a:lstStyle/>
-          <a:p>
-            <a:r>
-              <a:rPr lang="hu-HU" dirty="0" smtClean="0"/>
-              <a:t>Modell-lekérdezések </a:t>
-            </a:r>
-            <a:r>
-              <a:rPr lang="hu-HU" dirty="0" smtClean="0"/>
-              <a:t>teljesítménye</a:t>
-            </a:r>
+          <a:bodyPr>
+            <a:normAutofit/>
+          </a:bodyPr>
+          <a:lstStyle/>
+          <a:p>
+            <a:r>
+              <a:rPr lang="hu-HU" dirty="0" smtClean="0"/>
+              <a:t>Függőségi analízis sebessége</a:t>
+            </a:r>
+            <a:endParaRPr lang="en-US" dirty="0"/>
+          </a:p>
+        </p:txBody>
+      </p:sp>
+      <p:sp>
+        <p:nvSpPr>
+          <p:cNvPr id="6" name="Content Placeholder 5"/>
+          <p:cNvSpPr>
+            <a:spLocks noGrp="1"/>
+          </p:cNvSpPr>
+          <p:nvPr>
+            <p:ph sz="half" idx="1"/>
+          </p:nvPr>
+        </p:nvSpPr>
+        <p:spPr>
+          <a:xfrm>
+            <a:off x="533400" y="4932218"/>
+            <a:ext cx="7772400" cy="1905000"/>
+          </a:xfrm>
+        </p:spPr>
+        <p:txBody>
+          <a:bodyPr vert="horz" lIns="91440" tIns="45720" rIns="91440" bIns="45720" rtlCol="0">
+            <a:normAutofit/>
+          </a:bodyPr>
+          <a:lstStyle/>
+          <a:p>
+            <a:r>
+              <a:rPr lang="hu-HU" dirty="0" smtClean="0"/>
+              <a:t>Mérések valós projektekkel</a:t>
+            </a:r>
+          </a:p>
+          <a:p>
+            <a:r>
+              <a:rPr lang="hu-HU" dirty="0" smtClean="0"/>
+              <a:t>Függőségi </a:t>
+            </a:r>
+            <a:r>
+              <a:rPr lang="hu-HU" dirty="0"/>
+              <a:t>viszonyok felderítése: ~</a:t>
+            </a:r>
+            <a:r>
+              <a:rPr lang="hu-HU" dirty="0" smtClean="0"/>
+              <a:t>0,5sec/jar</a:t>
+            </a:r>
+            <a:endParaRPr lang="hu-HU" dirty="0"/>
+          </a:p>
+          <a:p>
+            <a:r>
+              <a:rPr lang="hu-HU" dirty="0" smtClean="0"/>
+              <a:t>Explicit lekérdezés ideje 1 elemre: </a:t>
+            </a:r>
+            <a:r>
+              <a:rPr lang="hu-HU" dirty="0"/>
+              <a:t>~200ms</a:t>
+            </a:r>
+          </a:p>
+          <a:p>
             <a:endParaRPr lang="en-US" dirty="0"/>
           </a:p>
         </p:txBody>
@@ -9563,14 +10213,99 @@
             <p:ph sz="half" idx="2"/>
             <p:extLst>
               <p:ext uri="{D42A27DB-BD31-4B8C-83A1-F6EECF244321}">
-                <p14:modId xmlns:p14="http://schemas.microsoft.com/office/powerpoint/2010/main" val="3525939238"/>
+                <p14:modId xmlns:p14="http://schemas.microsoft.com/office/powerpoint/2010/main" val="2479239848"/>
               </p:ext>
             </p:extLst>
           </p:nvPr>
         </p:nvGraphicFramePr>
         <p:xfrm>
-          <a:off x="457200" y="1524000"/>
-          <a:ext cx="4040188" cy="3124200"/>
+          <a:off x="457200" y="1219200"/>
+          <a:ext cx="8153400" cy="3352800"/>
+        </p:xfrm>
+        <a:graphic>
+          <a:graphicData uri="http://schemas.openxmlformats.org/drawingml/2006/chart">
+            <c:chart xmlns:c="http://schemas.openxmlformats.org/drawingml/2006/chart" xmlns:r="http://schemas.openxmlformats.org/officeDocument/2006/relationships" r:id="rId3"/>
+          </a:graphicData>
+        </a:graphic>
+      </p:graphicFrame>
+    </p:spTree>
+    <p:extLst>
+      <p:ext uri="{BB962C8B-B14F-4D97-AF65-F5344CB8AC3E}">
+        <p14:creationId xmlns:p14="http://schemas.microsoft.com/office/powerpoint/2010/main" val="3923761561"/>
+      </p:ext>
+    </p:extLst>
+  </p:cSld>
+  <p:clrMapOvr>
+    <a:masterClrMapping/>
+  </p:clrMapOvr>
+  <p:timing>
+    <p:tnLst>
+      <p:par>
+        <p:cTn id="1" dur="indefinite" restart="never" nodeType="tmRoot"/>
+      </p:par>
+    </p:tnLst>
+  </p:timing>
+</p:sld>
+</file>
+
+<file path=ppt/slides/slide18.xml><?xml version="1.0" encoding="utf-8"?>
+<p:sld xmlns:a="http://schemas.openxmlformats.org/drawingml/2006/main" xmlns:r="http://schemas.openxmlformats.org/officeDocument/2006/relationships" xmlns:p="http://schemas.openxmlformats.org/presentationml/2006/main">
+  <p:cSld>
+    <p:spTree>
+      <p:nvGrpSpPr>
+        <p:cNvPr id="1" name=""/>
+        <p:cNvGrpSpPr/>
+        <p:nvPr/>
+      </p:nvGrpSpPr>
+      <p:grpSpPr>
+        <a:xfrm>
+          <a:off x="0" y="0"/>
+          <a:ext cx="0" cy="0"/>
+          <a:chOff x="0" y="0"/>
+          <a:chExt cx="0" cy="0"/>
+        </a:xfrm>
+      </p:grpSpPr>
+      <p:sp>
+        <p:nvSpPr>
+          <p:cNvPr id="2" name="Title 1"/>
+          <p:cNvSpPr>
+            <a:spLocks noGrp="1"/>
+          </p:cNvSpPr>
+          <p:nvPr>
+            <p:ph type="title"/>
+          </p:nvPr>
+        </p:nvSpPr>
+        <p:spPr/>
+        <p:txBody>
+          <a:bodyPr/>
+          <a:lstStyle/>
+          <a:p>
+            <a:r>
+              <a:rPr lang="hu-HU" dirty="0" smtClean="0"/>
+              <a:t>Modell-lekérdezések teljesítménye</a:t>
+            </a:r>
+            <a:endParaRPr lang="en-US" dirty="0"/>
+          </a:p>
+        </p:txBody>
+      </p:sp>
+      <p:graphicFrame>
+        <p:nvGraphicFramePr>
+          <p:cNvPr id="8" name="Content Placeholder 7"/>
+          <p:cNvGraphicFramePr>
+            <a:graphicFrameLocks noGrp="1"/>
+          </p:cNvGraphicFramePr>
+          <p:nvPr>
+            <p:ph sz="half" idx="2"/>
+            <p:extLst>
+              <p:ext uri="{D42A27DB-BD31-4B8C-83A1-F6EECF244321}">
+                <p14:modId xmlns:p14="http://schemas.microsoft.com/office/powerpoint/2010/main" val="1964225322"/>
+              </p:ext>
+            </p:extLst>
+          </p:nvPr>
+        </p:nvGraphicFramePr>
+        <p:xfrm>
+          <a:off x="76200" y="1524000"/>
+          <a:ext cx="4421188" cy="3810000"/>
         </p:xfrm>
         <a:graphic>
           <a:graphicData uri="http://schemas.openxmlformats.org/drawingml/2006/chart">
@@ -9588,14 +10323,14 @@
             <p:ph sz="quarter" idx="4"/>
             <p:extLst>
               <p:ext uri="{D42A27DB-BD31-4B8C-83A1-F6EECF244321}">
-                <p14:modId xmlns:p14="http://schemas.microsoft.com/office/powerpoint/2010/main" val="3817174890"/>
+                <p14:modId xmlns:p14="http://schemas.microsoft.com/office/powerpoint/2010/main" val="499649482"/>
               </p:ext>
             </p:extLst>
           </p:nvPr>
         </p:nvGraphicFramePr>
         <p:xfrm>
           <a:off x="4648200" y="1524000"/>
-          <a:ext cx="4041775" cy="3200400"/>
+          <a:ext cx="4495800" cy="3810000"/>
         </p:xfrm>
         <a:graphic>
           <a:graphicData uri="http://schemas.openxmlformats.org/drawingml/2006/chart">
@@ -9613,7 +10348,7 @@
         </p:nvSpPr>
         <p:spPr>
           <a:xfrm>
-            <a:off x="609600" y="4724400"/>
+            <a:off x="637309" y="5529190"/>
             <a:ext cx="8077200" cy="1554163"/>
           </a:xfrm>
           <a:prstGeom prst="rect">
@@ -9695,8 +10430,25 @@
           <a:p>
             <a:r>
               <a:rPr lang="hu-HU" dirty="0" smtClean="0"/>
-              <a:t>Kiértékelés egy változtatás esetén: ~1ms az összes elemre</a:t>
-            </a:r>
+              <a:t>Kiértékelés egy változtatás esetén: ~1ms az összes </a:t>
+            </a:r>
+            <a:r>
+              <a:rPr lang="hu-HU" dirty="0" smtClean="0"/>
+              <a:t>elemre </a:t>
+            </a:r>
+            <a:r>
+              <a:rPr lang="hu-HU" dirty="0" smtClean="0">
+                <a:sym typeface="Wingdings" pitchFamily="2" charset="2"/>
+              </a:rPr>
+              <a:t> azonnali visszacsatolás</a:t>
+            </a:r>
+            <a:endParaRPr lang="hu-HU" dirty="0" smtClean="0"/>
+          </a:p>
+          <a:p>
+            <a:pPr marL="0" indent="0">
+              <a:buNone/>
+            </a:pPr>
+            <a:endParaRPr lang="hu-HU" dirty="0" smtClean="0"/>
           </a:p>
         </p:txBody>
       </p:sp>
@@ -9704,225 +10456,6 @@
     <p:extLst>
       <p:ext uri="{BB962C8B-B14F-4D97-AF65-F5344CB8AC3E}">
         <p14:creationId xmlns:p14="http://schemas.microsoft.com/office/powerpoint/2010/main" val="2871537416"/>
-      </p:ext>
-    </p:extLst>
-  </p:cSld>
-  <p:clrMapOvr>
-    <a:masterClrMapping/>
-  </p:clrMapOvr>
-  <p:timing>
-    <p:tnLst>
-      <p:par>
-        <p:cTn id="1" dur="indefinite" restart="never" nodeType="tmRoot"/>
-      </p:par>
-    </p:tnLst>
-  </p:timing>
-</p:sld>
-</file>
-
-<file path=ppt/slides/slide17.xml><?xml version="1.0" encoding="utf-8"?>
-<p:sld xmlns:a="http://schemas.openxmlformats.org/drawingml/2006/main" xmlns:r="http://schemas.openxmlformats.org/officeDocument/2006/relationships" xmlns:p="http://schemas.openxmlformats.org/presentationml/2006/main">
-  <p:cSld>
-    <p:spTree>
-      <p:nvGrpSpPr>
-        <p:cNvPr id="1" name=""/>
-        <p:cNvGrpSpPr/>
-        <p:nvPr/>
-      </p:nvGrpSpPr>
-      <p:grpSpPr>
-        <a:xfrm>
-          <a:off x="0" y="0"/>
-          <a:ext cx="0" cy="0"/>
-          <a:chOff x="0" y="0"/>
-          <a:chExt cx="0" cy="0"/>
-        </a:xfrm>
-      </p:grpSpPr>
-      <p:sp>
-        <p:nvSpPr>
-          <p:cNvPr id="7" name="Title 6"/>
-          <p:cNvSpPr>
-            <a:spLocks noGrp="1"/>
-          </p:cNvSpPr>
-          <p:nvPr>
-            <p:ph type="title"/>
-          </p:nvPr>
-        </p:nvSpPr>
-        <p:spPr/>
-        <p:txBody>
-          <a:bodyPr/>
-          <a:lstStyle/>
-          <a:p>
-            <a:r>
-              <a:rPr lang="hu-HU" dirty="0" smtClean="0"/>
-              <a:t>Eredmények és távlati célok</a:t>
-            </a:r>
-            <a:endParaRPr lang="en-US" dirty="0"/>
-          </a:p>
-        </p:txBody>
-      </p:sp>
-      <p:sp>
-        <p:nvSpPr>
-          <p:cNvPr id="8" name="Text Placeholder 7"/>
-          <p:cNvSpPr>
-            <a:spLocks noGrp="1"/>
-          </p:cNvSpPr>
-          <p:nvPr>
-            <p:ph type="body" idx="1"/>
-          </p:nvPr>
-        </p:nvSpPr>
-        <p:spPr/>
-        <p:txBody>
-          <a:bodyPr/>
-          <a:lstStyle/>
-          <a:p>
-            <a:r>
-              <a:rPr lang="hu-HU" dirty="0" smtClean="0"/>
-              <a:t>Értékelés</a:t>
-            </a:r>
-            <a:endParaRPr lang="en-US" dirty="0"/>
-          </a:p>
-        </p:txBody>
-      </p:sp>
-    </p:spTree>
-    <p:extLst>
-      <p:ext uri="{BB962C8B-B14F-4D97-AF65-F5344CB8AC3E}">
-        <p14:creationId xmlns:p14="http://schemas.microsoft.com/office/powerpoint/2010/main" val="819375693"/>
-      </p:ext>
-    </p:extLst>
-  </p:cSld>
-  <p:clrMapOvr>
-    <a:masterClrMapping/>
-  </p:clrMapOvr>
-  <p:timing>
-    <p:tnLst>
-      <p:par>
-        <p:cTn id="1" dur="indefinite" restart="never" nodeType="tmRoot"/>
-      </p:par>
-    </p:tnLst>
-  </p:timing>
-</p:sld>
-</file>
-
-<file path=ppt/slides/slide18.xml><?xml version="1.0" encoding="utf-8"?>
-<p:sld xmlns:a="http://schemas.openxmlformats.org/drawingml/2006/main" xmlns:r="http://schemas.openxmlformats.org/officeDocument/2006/relationships" xmlns:p="http://schemas.openxmlformats.org/presentationml/2006/main">
-  <p:cSld>
-    <p:spTree>
-      <p:nvGrpSpPr>
-        <p:cNvPr id="1" name=""/>
-        <p:cNvGrpSpPr/>
-        <p:nvPr/>
-      </p:nvGrpSpPr>
-      <p:grpSpPr>
-        <a:xfrm>
-          <a:off x="0" y="0"/>
-          <a:ext cx="0" cy="0"/>
-          <a:chOff x="0" y="0"/>
-          <a:chExt cx="0" cy="0"/>
-        </a:xfrm>
-      </p:grpSpPr>
-      <p:sp>
-        <p:nvSpPr>
-          <p:cNvPr id="4" name="Title 3"/>
-          <p:cNvSpPr>
-            <a:spLocks noGrp="1"/>
-          </p:cNvSpPr>
-          <p:nvPr>
-            <p:ph type="title"/>
-          </p:nvPr>
-        </p:nvSpPr>
-        <p:spPr/>
-        <p:txBody>
-          <a:bodyPr/>
-          <a:lstStyle/>
-          <a:p>
-            <a:r>
-              <a:rPr lang="hu-HU" dirty="0" smtClean="0"/>
-              <a:t>Eredmények</a:t>
-            </a:r>
-            <a:endParaRPr lang="en-US" dirty="0"/>
-          </a:p>
-        </p:txBody>
-      </p:sp>
-      <p:sp>
-        <p:nvSpPr>
-          <p:cNvPr id="5" name="Content Placeholder 4"/>
-          <p:cNvSpPr>
-            <a:spLocks noGrp="1"/>
-          </p:cNvSpPr>
-          <p:nvPr>
-            <p:ph idx="1"/>
-          </p:nvPr>
-        </p:nvSpPr>
-        <p:spPr/>
-        <p:txBody>
-          <a:bodyPr>
-            <a:normAutofit fontScale="92500"/>
-          </a:bodyPr>
-          <a:lstStyle/>
-          <a:p>
-            <a:r>
-              <a:rPr lang="hu-HU" dirty="0" smtClean="0"/>
-              <a:t>Eszköz java szoftverek függőségeinek feltárására</a:t>
-            </a:r>
-          </a:p>
-          <a:p>
-            <a:pPr lvl="1"/>
-            <a:r>
-              <a:rPr lang="hu-HU" dirty="0" smtClean="0"/>
-              <a:t>Nagy mennyiségű bináris feldolgozása és lekérdezése</a:t>
-            </a:r>
-          </a:p>
-          <a:p>
-            <a:pPr lvl="1"/>
-            <a:r>
-              <a:rPr lang="hu-HU" dirty="0" smtClean="0"/>
-              <a:t>Kiterjesztés: valós idejű függőségek megjelenítése </a:t>
-            </a:r>
-          </a:p>
-          <a:p>
-            <a:r>
-              <a:rPr lang="hu-HU" dirty="0" smtClean="0"/>
-              <a:t>A rendszer jelenleg éles használatban van</a:t>
-            </a:r>
-          </a:p>
-          <a:p>
-            <a:pPr lvl="1"/>
-            <a:r>
-              <a:rPr lang="hu-HU" dirty="0" smtClean="0"/>
-              <a:t>CERN Controls Systems:</a:t>
-            </a:r>
-          </a:p>
-          <a:p>
-            <a:pPr lvl="2"/>
-            <a:r>
-              <a:rPr lang="hu-HU" dirty="0" smtClean="0"/>
-              <a:t>Svájci kutatólaboratórium; részecskegyorsító irányítási rendszereinek szoftvereihez</a:t>
-            </a:r>
-          </a:p>
-          <a:p>
-            <a:pPr lvl="2"/>
-            <a:r>
-              <a:rPr lang="hu-HU" dirty="0"/>
-              <a:t>~</a:t>
-            </a:r>
-            <a:r>
-              <a:rPr lang="hu-HU" dirty="0" smtClean="0"/>
-              <a:t>1300 Java projekt, 24/7 üzemidő</a:t>
-            </a:r>
-          </a:p>
-          <a:p>
-            <a:pPr lvl="2"/>
-            <a:r>
-              <a:rPr lang="hu-HU" dirty="0" smtClean="0"/>
-              <a:t> Adatgyűjtés, monitorozás, alarm system, stb.</a:t>
-            </a:r>
-          </a:p>
-        </p:txBody>
-      </p:sp>
-    </p:spTree>
-    <p:extLst>
-      <p:ext uri="{BB962C8B-B14F-4D97-AF65-F5344CB8AC3E}">
-        <p14:creationId xmlns:p14="http://schemas.microsoft.com/office/powerpoint/2010/main" val="833660359"/>
       </p:ext>
     </p:extLst>
   </p:cSld>
@@ -9958,7 +10491,7 @@
       </p:grpSpPr>
       <p:sp>
         <p:nvSpPr>
-          <p:cNvPr id="2" name="Title 1"/>
+          <p:cNvPr id="7" name="Title 6"/>
           <p:cNvSpPr>
             <a:spLocks noGrp="1"/>
           </p:cNvSpPr>
@@ -9973,7 +10506,7 @@
           <a:p>
             <a:r>
               <a:rPr lang="hu-HU" dirty="0" smtClean="0"/>
-              <a:t>További célok</a:t>
+              <a:t>Eredmények és távlati célok</a:t>
             </a:r>
             <a:endParaRPr lang="en-US" dirty="0"/>
           </a:p>
@@ -9981,12 +10514,12 @@
       </p:sp>
       <p:sp>
         <p:nvSpPr>
-          <p:cNvPr id="3" name="Content Placeholder 2"/>
+          <p:cNvPr id="8" name="Text Placeholder 7"/>
           <p:cNvSpPr>
             <a:spLocks noGrp="1"/>
           </p:cNvSpPr>
           <p:nvPr>
-            <p:ph idx="1"/>
+            <p:ph type="body" idx="1"/>
           </p:nvPr>
         </p:nvSpPr>
         <p:spPr/>
@@ -9996,28 +10529,8 @@
           <a:p>
             <a:r>
               <a:rPr lang="hu-HU" dirty="0" smtClean="0"/>
-              <a:t>Jobb felhasználói felület integráció</a:t>
-            </a:r>
-          </a:p>
-          <a:p>
-            <a:r>
-              <a:rPr lang="hu-HU" dirty="0" smtClean="0"/>
-              <a:t>Kiterjeszés C/C++ szoftverekre</a:t>
-            </a:r>
-          </a:p>
-          <a:p>
-            <a:r>
-              <a:rPr lang="hu-HU" dirty="0" smtClean="0"/>
-              <a:t>Lekérdezés-alapú metrikák érvényesítése</a:t>
-            </a:r>
-          </a:p>
-          <a:p>
-            <a:r>
-              <a:rPr lang="hu-HU" dirty="0" smtClean="0"/>
-              <a:t>Szélesebb körű függőségek felderítése</a:t>
-            </a:r>
-          </a:p>
-          <a:p>
+              <a:t>Értékelés</a:t>
+            </a:r>
             <a:endParaRPr lang="en-US" dirty="0"/>
           </a:p>
         </p:txBody>
@@ -10025,7 +10538,7 @@
     </p:spTree>
     <p:extLst>
       <p:ext uri="{BB962C8B-B14F-4D97-AF65-F5344CB8AC3E}">
-        <p14:creationId xmlns:p14="http://schemas.microsoft.com/office/powerpoint/2010/main" val="1048539272"/>
+        <p14:creationId xmlns:p14="http://schemas.microsoft.com/office/powerpoint/2010/main" val="819375693"/>
       </p:ext>
     </p:extLst>
   </p:cSld>
@@ -10076,11 +10589,7 @@
           <a:p>
             <a:r>
               <a:rPr lang="hu-HU" dirty="0" smtClean="0"/>
-              <a:t>Komplex </a:t>
-            </a:r>
-            <a:r>
-              <a:rPr lang="hu-HU" dirty="0" smtClean="0"/>
-              <a:t>szoftverrendszerek Fejlesztése</a:t>
+              <a:t>Komplex szoftverrendszerek Fejlesztése</a:t>
             </a:r>
             <a:endParaRPr lang="en-US" dirty="0"/>
           </a:p>
@@ -10113,6 +10622,269 @@
     <p:extLst>
       <p:ext uri="{BB962C8B-B14F-4D97-AF65-F5344CB8AC3E}">
         <p14:creationId xmlns:p14="http://schemas.microsoft.com/office/powerpoint/2010/main" val="1418554254"/>
+      </p:ext>
+    </p:extLst>
+  </p:cSld>
+  <p:clrMapOvr>
+    <a:masterClrMapping/>
+  </p:clrMapOvr>
+  <p:timing>
+    <p:tnLst>
+      <p:par>
+        <p:cTn id="1" dur="indefinite" restart="never" nodeType="tmRoot"/>
+      </p:par>
+    </p:tnLst>
+  </p:timing>
+</p:sld>
+</file>
+
+<file path=ppt/slides/slide20.xml><?xml version="1.0" encoding="utf-8"?>
+<p:sld xmlns:a="http://schemas.openxmlformats.org/drawingml/2006/main" xmlns:r="http://schemas.openxmlformats.org/officeDocument/2006/relationships" xmlns:p="http://schemas.openxmlformats.org/presentationml/2006/main">
+  <p:cSld>
+    <p:spTree>
+      <p:nvGrpSpPr>
+        <p:cNvPr id="1" name=""/>
+        <p:cNvGrpSpPr/>
+        <p:nvPr/>
+      </p:nvGrpSpPr>
+      <p:grpSpPr>
+        <a:xfrm>
+          <a:off x="0" y="0"/>
+          <a:ext cx="0" cy="0"/>
+          <a:chOff x="0" y="0"/>
+          <a:chExt cx="0" cy="0"/>
+        </a:xfrm>
+      </p:grpSpPr>
+      <p:sp>
+        <p:nvSpPr>
+          <p:cNvPr id="4" name="Title 3"/>
+          <p:cNvSpPr>
+            <a:spLocks noGrp="1"/>
+          </p:cNvSpPr>
+          <p:nvPr>
+            <p:ph type="title"/>
+          </p:nvPr>
+        </p:nvSpPr>
+        <p:spPr/>
+        <p:txBody>
+          <a:bodyPr/>
+          <a:lstStyle/>
+          <a:p>
+            <a:r>
+              <a:rPr lang="hu-HU" dirty="0" smtClean="0"/>
+              <a:t>Eredmények</a:t>
+            </a:r>
+            <a:endParaRPr lang="en-US" dirty="0"/>
+          </a:p>
+        </p:txBody>
+      </p:sp>
+      <p:sp>
+        <p:nvSpPr>
+          <p:cNvPr id="5" name="Content Placeholder 4"/>
+          <p:cNvSpPr>
+            <a:spLocks noGrp="1"/>
+          </p:cNvSpPr>
+          <p:nvPr>
+            <p:ph idx="1"/>
+          </p:nvPr>
+        </p:nvSpPr>
+        <p:spPr/>
+        <p:txBody>
+          <a:bodyPr>
+            <a:normAutofit fontScale="77500" lnSpcReduction="20000"/>
+          </a:bodyPr>
+          <a:lstStyle/>
+          <a:p>
+            <a:r>
+              <a:rPr lang="hu-HU" dirty="0" smtClean="0"/>
+              <a:t>Kész eszköz nagyméretű Java szoftver infrastruktúra </a:t>
+            </a:r>
+            <a:r>
+              <a:rPr lang="hu-HU" dirty="0" smtClean="0"/>
+              <a:t>függőségeinek feltárására</a:t>
+            </a:r>
+          </a:p>
+          <a:p>
+            <a:pPr lvl="1"/>
+            <a:r>
+              <a:rPr lang="hu-HU" dirty="0" smtClean="0"/>
+              <a:t>Nagy mennyiségű </a:t>
+            </a:r>
+            <a:r>
+              <a:rPr lang="hu-HU" dirty="0" smtClean="0"/>
+              <a:t>bináris komponens hatékony </a:t>
+            </a:r>
+            <a:r>
+              <a:rPr lang="hu-HU" dirty="0" smtClean="0"/>
+              <a:t>feldolgozása és lekérdezése</a:t>
+            </a:r>
+          </a:p>
+          <a:p>
+            <a:r>
+              <a:rPr lang="hu-HU" dirty="0" smtClean="0"/>
+              <a:t>Kiterjesztés valós idejű, hibrid függőségi analízisre</a:t>
+            </a:r>
+          </a:p>
+          <a:p>
+            <a:pPr lvl="1"/>
+            <a:r>
+              <a:rPr lang="hu-HU" dirty="0" smtClean="0"/>
+              <a:t>Bináris függőségi modellek és inkrementálisan szinkronizált forráskódmodellek összekapcsolásával</a:t>
+            </a:r>
+          </a:p>
+          <a:p>
+            <a:pPr lvl="1"/>
+            <a:r>
+              <a:rPr lang="hu-HU" dirty="0" smtClean="0"/>
+              <a:t>Azonnali visszajelzés inkrementális gráfmintaillesztés alapján</a:t>
+            </a:r>
+            <a:endParaRPr lang="hu-HU" dirty="0" smtClean="0"/>
+          </a:p>
+          <a:p>
+            <a:r>
+              <a:rPr lang="hu-HU" dirty="0" smtClean="0"/>
+              <a:t>A rendszer jelenleg éles használatban van</a:t>
+            </a:r>
+          </a:p>
+          <a:p>
+            <a:pPr lvl="1"/>
+            <a:r>
+              <a:rPr lang="hu-HU" dirty="0" smtClean="0"/>
+              <a:t>CERN Controls Systems:</a:t>
+            </a:r>
+          </a:p>
+          <a:p>
+            <a:pPr lvl="2"/>
+            <a:r>
+              <a:rPr lang="hu-HU" dirty="0" smtClean="0"/>
+              <a:t>Svájci kutatólaboratórium; részecskegyorsító irányítási rendszereinek szoftvereihez</a:t>
+            </a:r>
+          </a:p>
+          <a:p>
+            <a:pPr lvl="2"/>
+            <a:r>
+              <a:rPr lang="hu-HU" dirty="0"/>
+              <a:t>~</a:t>
+            </a:r>
+            <a:r>
+              <a:rPr lang="hu-HU" dirty="0" smtClean="0"/>
+              <a:t>1300 Java projekt, 24/7 </a:t>
+            </a:r>
+            <a:r>
+              <a:rPr lang="hu-HU" dirty="0" smtClean="0"/>
+              <a:t>üzemidő</a:t>
+            </a:r>
+            <a:endParaRPr lang="hu-HU" dirty="0" smtClean="0"/>
+          </a:p>
+        </p:txBody>
+      </p:sp>
+    </p:spTree>
+    <p:extLst>
+      <p:ext uri="{BB962C8B-B14F-4D97-AF65-F5344CB8AC3E}">
+        <p14:creationId xmlns:p14="http://schemas.microsoft.com/office/powerpoint/2010/main" val="833660359"/>
+      </p:ext>
+    </p:extLst>
+  </p:cSld>
+  <p:clrMapOvr>
+    <a:masterClrMapping/>
+  </p:clrMapOvr>
+  <p:timing>
+    <p:tnLst>
+      <p:par>
+        <p:cTn id="1" dur="indefinite" restart="never" nodeType="tmRoot"/>
+      </p:par>
+    </p:tnLst>
+  </p:timing>
+</p:sld>
+</file>
+
+<file path=ppt/slides/slide21.xml><?xml version="1.0" encoding="utf-8"?>
+<p:sld xmlns:a="http://schemas.openxmlformats.org/drawingml/2006/main" xmlns:r="http://schemas.openxmlformats.org/officeDocument/2006/relationships" xmlns:p="http://schemas.openxmlformats.org/presentationml/2006/main">
+  <p:cSld>
+    <p:spTree>
+      <p:nvGrpSpPr>
+        <p:cNvPr id="1" name=""/>
+        <p:cNvGrpSpPr/>
+        <p:nvPr/>
+      </p:nvGrpSpPr>
+      <p:grpSpPr>
+        <a:xfrm>
+          <a:off x="0" y="0"/>
+          <a:ext cx="0" cy="0"/>
+          <a:chOff x="0" y="0"/>
+          <a:chExt cx="0" cy="0"/>
+        </a:xfrm>
+      </p:grpSpPr>
+      <p:sp>
+        <p:nvSpPr>
+          <p:cNvPr id="2" name="Title 1"/>
+          <p:cNvSpPr>
+            <a:spLocks noGrp="1"/>
+          </p:cNvSpPr>
+          <p:nvPr>
+            <p:ph type="title"/>
+          </p:nvPr>
+        </p:nvSpPr>
+        <p:spPr/>
+        <p:txBody>
+          <a:bodyPr/>
+          <a:lstStyle/>
+          <a:p>
+            <a:r>
+              <a:rPr lang="hu-HU" dirty="0" smtClean="0"/>
+              <a:t>További célok</a:t>
+            </a:r>
+            <a:endParaRPr lang="en-US" dirty="0"/>
+          </a:p>
+        </p:txBody>
+      </p:sp>
+      <p:sp>
+        <p:nvSpPr>
+          <p:cNvPr id="3" name="Content Placeholder 2"/>
+          <p:cNvSpPr>
+            <a:spLocks noGrp="1"/>
+          </p:cNvSpPr>
+          <p:nvPr>
+            <p:ph idx="1"/>
+          </p:nvPr>
+        </p:nvSpPr>
+        <p:spPr/>
+        <p:txBody>
+          <a:bodyPr/>
+          <a:lstStyle/>
+          <a:p>
+            <a:r>
+              <a:rPr lang="hu-HU" dirty="0" smtClean="0"/>
+              <a:t>Jobb felhasználói felület integráció</a:t>
+            </a:r>
+          </a:p>
+          <a:p>
+            <a:r>
+              <a:rPr lang="hu-HU" dirty="0" smtClean="0"/>
+              <a:t>Kiterjeszés C/C++ szoftverekre</a:t>
+            </a:r>
+          </a:p>
+          <a:p>
+            <a:r>
+              <a:rPr lang="hu-HU" dirty="0" smtClean="0"/>
+              <a:t>Lekérdezés-alapú metrikák érvényesítése</a:t>
+            </a:r>
+          </a:p>
+          <a:p>
+            <a:r>
+              <a:rPr lang="hu-HU" dirty="0" smtClean="0"/>
+              <a:t>Szélesebb körű függőségek felderítése</a:t>
+            </a:r>
+          </a:p>
+          <a:p>
+            <a:endParaRPr lang="en-US" dirty="0"/>
+          </a:p>
+        </p:txBody>
+      </p:sp>
+    </p:spTree>
+    <p:extLst>
+      <p:ext uri="{BB962C8B-B14F-4D97-AF65-F5344CB8AC3E}">
+        <p14:creationId xmlns:p14="http://schemas.microsoft.com/office/powerpoint/2010/main" val="1048539272"/>
       </p:ext>
     </p:extLst>
   </p:cSld>
@@ -10315,11 +11087,7 @@
           <a:p>
             <a:r>
               <a:rPr lang="hu-HU" dirty="0" smtClean="0"/>
-              <a:t>Alapprobléma: </a:t>
-            </a:r>
-            <a:r>
-              <a:rPr lang="hu-HU" dirty="0" smtClean="0"/>
-              <a:t>bejövő függőségek</a:t>
+              <a:t>Alapprobléma: bejövő függőségek</a:t>
             </a:r>
             <a:endParaRPr lang="en-US" dirty="0"/>
           </a:p>
@@ -11743,14 +12511,26 @@
         <p:spPr/>
         <p:txBody>
           <a:bodyPr>
-            <a:normAutofit fontScale="77500" lnSpcReduction="20000"/>
+            <a:normAutofit fontScale="70000" lnSpcReduction="20000"/>
           </a:bodyPr>
           <a:lstStyle/>
           <a:p>
             <a:r>
               <a:rPr lang="hu-HU" dirty="0" smtClean="0"/>
-              <a:t>Nagyszámú Java szoftver (1000+)</a:t>
-            </a:r>
+              <a:t>Nagyszámú Java szoftver (1000</a:t>
+            </a:r>
+            <a:r>
+              <a:rPr lang="hu-HU" dirty="0" smtClean="0"/>
+              <a:t>+)</a:t>
+            </a:r>
+          </a:p>
+          <a:p>
+            <a:pPr lvl="1"/>
+            <a:r>
+              <a:rPr lang="hu-HU" dirty="0" smtClean="0"/>
+              <a:t>Tisztán forráskód alapú analízis nem működőképes</a:t>
+            </a:r>
+            <a:endParaRPr lang="hu-HU" dirty="0" smtClean="0"/>
           </a:p>
           <a:p>
             <a:r>
@@ -11770,36 +12550,85 @@
             <a:pPr lvl="1"/>
             <a:r>
               <a:rPr lang="hu-HU" dirty="0" smtClean="0"/>
-              <a:t>Öröklés, függvény-felüldefiniálás, reflektív hívások, stb.</a:t>
-            </a:r>
-          </a:p>
-          <a:p>
-            <a:r>
-              <a:rPr lang="hu-HU" dirty="0" smtClean="0"/>
-              <a:t>Hibajavítás</a:t>
-            </a:r>
-            <a:r>
-              <a:rPr lang="hu-HU" dirty="0" smtClean="0"/>
-              <a:t>, új </a:t>
-            </a:r>
-            <a:r>
-              <a:rPr lang="hu-HU" dirty="0" smtClean="0"/>
-              <a:t>funkció</a:t>
+              <a:t>Függvényhívás, ö</a:t>
+            </a:r>
+            <a:r>
+              <a:rPr lang="hu-HU" dirty="0" smtClean="0"/>
+              <a:t>röklés</a:t>
+            </a:r>
+            <a:r>
+              <a:rPr lang="hu-HU" dirty="0" smtClean="0"/>
+              <a:t>, függvény-felüldefiniálás, </a:t>
+            </a:r>
+            <a:r>
+              <a:rPr lang="hu-HU" dirty="0" smtClean="0"/>
+              <a:t>tagváltozó-hozzáférés, osztálybetöltés. </a:t>
+            </a:r>
+            <a:endParaRPr lang="hu-HU" dirty="0" smtClean="0"/>
+          </a:p>
+          <a:p>
+            <a:r>
+              <a:rPr lang="hu-HU" dirty="0" smtClean="0"/>
+              <a:t>Szoftver életciklus: gyakori hibajavítások, új funkciók</a:t>
             </a:r>
           </a:p>
           <a:p>
             <a:pPr lvl="1"/>
             <a:r>
               <a:rPr lang="hu-HU" dirty="0" smtClean="0"/>
-              <a:t>Tároló konzisztenciája, nagy </a:t>
-            </a:r>
+              <a:t>Szoftververziók konzisztenciáját garantálni kell</a:t>
+            </a:r>
+            <a:endParaRPr lang="hu-HU" dirty="0" smtClean="0"/>
+          </a:p>
+          <a:p>
+            <a:pPr lvl="1"/>
+            <a:r>
+              <a:rPr lang="hu-HU" dirty="0" smtClean="0"/>
+              <a:t>Elvárás: </a:t>
+            </a:r>
+            <a:r>
+              <a:rPr lang="hu-HU" dirty="0" smtClean="0"/>
+              <a:t>egy módosítás az érintett komponensre épülő </a:t>
+            </a:r>
+            <a:r>
+              <a:rPr lang="hu-HU" dirty="0" smtClean="0"/>
+              <a:t>szoftverekben ne okozzon hibát (</a:t>
+            </a:r>
+            <a:r>
+              <a:rPr lang="hu-HU" b="1" dirty="0" smtClean="0"/>
+              <a:t>smooth </a:t>
+            </a:r>
+            <a:r>
+              <a:rPr lang="hu-HU" b="1" dirty="0" smtClean="0"/>
+              <a:t>upgrade</a:t>
+            </a:r>
+            <a:r>
+              <a:rPr lang="hu-HU" dirty="0" smtClean="0"/>
+              <a:t>)</a:t>
+            </a:r>
+            <a:endParaRPr lang="hu-HU" dirty="0" smtClean="0"/>
+          </a:p>
+          <a:p>
+            <a:endParaRPr lang="hu-HU" dirty="0" smtClean="0"/>
+          </a:p>
+          <a:p>
+            <a:endParaRPr lang="hu-HU" dirty="0" smtClean="0"/>
+          </a:p>
+          <a:p>
+            <a:r>
+              <a:rPr lang="hu-HU" dirty="0" smtClean="0"/>
+              <a:t>Szükséges: függőségi viszonyok ismerete</a:t>
+            </a:r>
+          </a:p>
+          <a:p>
+            <a:pPr lvl="1"/>
             <a:r>
               <a:rPr lang="hu-HU" dirty="0"/>
-              <a:t>rendelkezésre </a:t>
-            </a:r>
-            <a:r>
-              <a:rPr lang="hu-HU" dirty="0" smtClean="0"/>
-              <a:t>állás</a:t>
+              <a:t>Változások potenciális </a:t>
+            </a:r>
+            <a:r>
+              <a:rPr lang="hu-HU" dirty="0" smtClean="0"/>
+              <a:t>hatása</a:t>
             </a:r>
             <a:endParaRPr lang="hu-HU" dirty="0" smtClean="0"/>
           </a:p>
@@ -11807,42 +12636,17 @@
             <a:pPr lvl="1"/>
             <a:r>
               <a:rPr lang="hu-HU" dirty="0" smtClean="0"/>
-              <a:t>Elvárás</a:t>
-            </a:r>
-            <a:r>
-              <a:rPr lang="hu-HU" dirty="0" smtClean="0"/>
-              <a:t>: ráépülő szoftverekben ne okozzon hibát (smooth upgrades)</a:t>
-            </a:r>
-          </a:p>
-          <a:p>
+              <a:t>Mit </a:t>
+            </a:r>
+            <a:r>
+              <a:rPr lang="hu-HU" dirty="0" smtClean="0"/>
+              <a:t>változtathatunk </a:t>
+            </a:r>
+            <a:r>
+              <a:rPr lang="hu-HU" dirty="0" smtClean="0"/>
+              <a:t>meg és hogyan</a:t>
+            </a:r>
             <a:endParaRPr lang="hu-HU" dirty="0" smtClean="0"/>
-          </a:p>
-          <a:p>
-            <a:r>
-              <a:rPr lang="hu-HU" dirty="0" smtClean="0"/>
-              <a:t>Szükséges: függőségi viszonyok ismerete</a:t>
-            </a:r>
-          </a:p>
-          <a:p>
-            <a:pPr lvl="1"/>
-            <a:r>
-              <a:rPr lang="hu-HU" dirty="0" smtClean="0"/>
-              <a:t>Mit változtathatunk meg</a:t>
-            </a:r>
-          </a:p>
-          <a:p>
-            <a:pPr lvl="1"/>
-            <a:r>
-              <a:rPr lang="hu-HU" dirty="0" smtClean="0"/>
-              <a:t>Változások potenciális hatása</a:t>
-            </a:r>
-          </a:p>
-          <a:p>
-            <a:pPr lvl="1"/>
-            <a:r>
-              <a:rPr lang="hu-HU" dirty="0" smtClean="0"/>
-              <a:t>Elkészített eszköz segítségével lekérdezhető</a:t>
-            </a:r>
           </a:p>
           <a:p>
             <a:endParaRPr lang="en-US" dirty="0"/>
@@ -11857,7 +12661,7 @@
         </p:nvSpPr>
         <p:spPr>
           <a:xfrm rot="5400000">
-            <a:off x="4229100" y="3810000"/>
+            <a:off x="4236027" y="4343400"/>
             <a:ext cx="685800" cy="685800"/>
           </a:xfrm>
           <a:prstGeom prst="rightArrow">
@@ -11938,14 +12742,12 @@
         </p:nvSpPr>
         <p:spPr/>
         <p:txBody>
-          <a:bodyPr>
-            <a:normAutofit/>
-          </a:bodyPr>
-          <a:lstStyle/>
-          <a:p>
-            <a:r>
-              <a:rPr lang="hu-HU" dirty="0" smtClean="0"/>
-              <a:t>függőségek explicit lekérdezése</a:t>
+          <a:bodyPr/>
+          <a:lstStyle/>
+          <a:p>
+            <a:r>
+              <a:rPr lang="hu-HU" dirty="0" smtClean="0"/>
+              <a:t>Kihívások</a:t>
             </a:r>
             <a:endParaRPr lang="en-US" dirty="0"/>
           </a:p>
@@ -11953,23 +12755,92 @@
       </p:sp>
       <p:sp>
         <p:nvSpPr>
-          <p:cNvPr id="3" name="Text Placeholder 2"/>
+          <p:cNvPr id="3" name="Content Placeholder 2"/>
           <p:cNvSpPr>
             <a:spLocks noGrp="1"/>
           </p:cNvSpPr>
           <p:nvPr>
-            <p:ph type="body" idx="1"/>
+            <p:ph idx="1"/>
           </p:nvPr>
         </p:nvSpPr>
         <p:spPr/>
         <p:txBody>
-          <a:bodyPr/>
-          <a:lstStyle/>
-          <a:p>
-            <a:r>
-              <a:rPr lang="hu-HU" dirty="0" smtClean="0"/>
-              <a:t>Az elkészült eszköz</a:t>
-            </a:r>
+          <a:bodyPr>
+            <a:normAutofit lnSpcReduction="10000"/>
+          </a:bodyPr>
+          <a:lstStyle/>
+          <a:p>
+            <a:pPr marL="285750" indent="-285750"/>
+            <a:r>
+              <a:rPr lang="hu-HU" dirty="0"/>
+              <a:t>Probléma mérete: </a:t>
+            </a:r>
+          </a:p>
+          <a:p>
+            <a:pPr lvl="1">
+              <a:buFont typeface="Arial" pitchFamily="34" charset="0"/>
+              <a:buChar char="•"/>
+            </a:pPr>
+            <a:r>
+              <a:rPr lang="hu-HU" dirty="0"/>
+              <a:t>sok szoftver ÉS </a:t>
+            </a:r>
+          </a:p>
+          <a:p>
+            <a:pPr lvl="1">
+              <a:buFont typeface="Arial" pitchFamily="34" charset="0"/>
+              <a:buChar char="•"/>
+            </a:pPr>
+            <a:r>
+              <a:rPr lang="hu-HU" dirty="0"/>
+              <a:t>bonyolult függőségek </a:t>
+            </a:r>
+            <a:r>
+              <a:rPr lang="hu-HU" dirty="0">
+                <a:sym typeface="Wingdings" pitchFamily="2" charset="2"/>
+              </a:rPr>
+              <a:t> kliens-szerver architektúra!</a:t>
+            </a:r>
+            <a:endParaRPr lang="hu-HU" dirty="0"/>
+          </a:p>
+          <a:p>
+            <a:pPr marL="285750" indent="-285750"/>
+            <a:r>
+              <a:rPr lang="hu-HU" dirty="0"/>
+              <a:t>Hatékonyság: </a:t>
+            </a:r>
+          </a:p>
+          <a:p>
+            <a:pPr lvl="1">
+              <a:buFont typeface="Arial" pitchFamily="34" charset="0"/>
+              <a:buChar char="•"/>
+            </a:pPr>
+            <a:r>
+              <a:rPr lang="hu-HU" dirty="0"/>
+              <a:t>Szerver: gyors bináris analízis</a:t>
+            </a:r>
+          </a:p>
+          <a:p>
+            <a:pPr lvl="1">
+              <a:buFont typeface="Arial" pitchFamily="34" charset="0"/>
+              <a:buChar char="•"/>
+            </a:pPr>
+            <a:r>
+              <a:rPr lang="hu-HU" dirty="0"/>
+              <a:t>Kliens: gyors lekérdezés </a:t>
+            </a:r>
+          </a:p>
+          <a:p>
+            <a:endParaRPr lang="hu-HU" dirty="0" smtClean="0"/>
+          </a:p>
+          <a:p>
+            <a:r>
+              <a:rPr lang="hu-HU" dirty="0" smtClean="0"/>
+              <a:t>Korlátos erőforrások a fejlesztői állomásokon</a:t>
+            </a:r>
+          </a:p>
+          <a:p>
+            <a:pPr lvl="1"/>
             <a:endParaRPr lang="en-US" dirty="0"/>
           </a:p>
         </p:txBody>
@@ -11977,7 +12848,7 @@
     </p:spTree>
     <p:extLst>
       <p:ext uri="{BB962C8B-B14F-4D97-AF65-F5344CB8AC3E}">
-        <p14:creationId xmlns:p14="http://schemas.microsoft.com/office/powerpoint/2010/main" val="3676821003"/>
+        <p14:creationId xmlns:p14="http://schemas.microsoft.com/office/powerpoint/2010/main" val="1491464899"/>
       </p:ext>
     </p:extLst>
   </p:cSld>
@@ -12011,6 +12882,124 @@
           <a:chExt cx="0" cy="0"/>
         </a:xfrm>
       </p:grpSpPr>
+      <p:sp>
+        <p:nvSpPr>
+          <p:cNvPr id="2" name="Title 1"/>
+          <p:cNvSpPr>
+            <a:spLocks noGrp="1"/>
+          </p:cNvSpPr>
+          <p:nvPr>
+            <p:ph type="title"/>
+          </p:nvPr>
+        </p:nvSpPr>
+        <p:spPr/>
+        <p:txBody>
+          <a:bodyPr>
+            <a:normAutofit/>
+          </a:bodyPr>
+          <a:lstStyle/>
+          <a:p>
+            <a:r>
+              <a:rPr lang="hu-HU" dirty="0" smtClean="0"/>
+              <a:t>függőségek explicit lekérdezése</a:t>
+            </a:r>
+            <a:endParaRPr lang="en-US" dirty="0"/>
+          </a:p>
+        </p:txBody>
+      </p:sp>
+      <p:sp>
+        <p:nvSpPr>
+          <p:cNvPr id="3" name="Text Placeholder 2"/>
+          <p:cNvSpPr>
+            <a:spLocks noGrp="1"/>
+          </p:cNvSpPr>
+          <p:nvPr>
+            <p:ph type="body" idx="1"/>
+          </p:nvPr>
+        </p:nvSpPr>
+        <p:spPr/>
+        <p:txBody>
+          <a:bodyPr/>
+          <a:lstStyle/>
+          <a:p>
+            <a:r>
+              <a:rPr lang="hu-HU" dirty="0" smtClean="0"/>
+              <a:t>Az elkészült eszköz</a:t>
+            </a:r>
+            <a:endParaRPr lang="en-US" dirty="0"/>
+          </a:p>
+        </p:txBody>
+      </p:sp>
+    </p:spTree>
+    <p:extLst>
+      <p:ext uri="{BB962C8B-B14F-4D97-AF65-F5344CB8AC3E}">
+        <p14:creationId xmlns:p14="http://schemas.microsoft.com/office/powerpoint/2010/main" val="3676821003"/>
+      </p:ext>
+    </p:extLst>
+  </p:cSld>
+  <p:clrMapOvr>
+    <a:masterClrMapping/>
+  </p:clrMapOvr>
+  <p:timing>
+    <p:tnLst>
+      <p:par>
+        <p:cTn id="1" dur="indefinite" restart="never" nodeType="tmRoot"/>
+      </p:par>
+    </p:tnLst>
+  </p:timing>
+</p:sld>
+</file>
+
+<file path=ppt/slides/slide7.xml><?xml version="1.0" encoding="utf-8"?>
+<p:sld xmlns:a="http://schemas.openxmlformats.org/drawingml/2006/main" xmlns:r="http://schemas.openxmlformats.org/officeDocument/2006/relationships" xmlns:p="http://schemas.openxmlformats.org/presentationml/2006/main">
+  <p:cSld>
+    <p:spTree>
+      <p:nvGrpSpPr>
+        <p:cNvPr id="1" name=""/>
+        <p:cNvGrpSpPr/>
+        <p:nvPr/>
+      </p:nvGrpSpPr>
+      <p:grpSpPr>
+        <a:xfrm>
+          <a:off x="0" y="0"/>
+          <a:ext cx="0" cy="0"/>
+          <a:chOff x="0" y="0"/>
+          <a:chExt cx="0" cy="0"/>
+        </a:xfrm>
+      </p:grpSpPr>
+      <p:cxnSp>
+        <p:nvCxnSpPr>
+          <p:cNvPr id="3" name="Straight Connector 2"/>
+          <p:cNvCxnSpPr/>
+          <p:nvPr/>
+        </p:nvCxnSpPr>
+        <p:spPr>
+          <a:xfrm>
+            <a:off x="152400" y="4531068"/>
+            <a:ext cx="8763000" cy="0"/>
+          </a:xfrm>
+          <a:prstGeom prst="line">
+            <a:avLst/>
+          </a:prstGeom>
+          <a:ln>
+            <a:prstDash val="dash"/>
+          </a:ln>
+        </p:spPr>
+        <p:style>
+          <a:lnRef idx="3">
+            <a:schemeClr val="dk1"/>
+          </a:lnRef>
+          <a:fillRef idx="0">
+            <a:schemeClr val="dk1"/>
+          </a:fillRef>
+          <a:effectRef idx="2">
+            <a:schemeClr val="dk1"/>
+          </a:effectRef>
+          <a:fontRef idx="minor">
+            <a:schemeClr val="tx1"/>
+          </a:fontRef>
+        </p:style>
+      </p:cxnSp>
       <p:sp>
         <p:nvSpPr>
           <p:cNvPr id="4" name="Title 3"/>
@@ -12505,50 +13494,6 @@
       </p:sp>
       <p:sp>
         <p:nvSpPr>
-          <p:cNvPr id="45" name="Rounded Rectangular Callout 44"/>
-          <p:cNvSpPr/>
-          <p:nvPr/>
-        </p:nvSpPr>
-        <p:spPr>
-          <a:xfrm>
-            <a:off x="770089" y="3817695"/>
-            <a:ext cx="2835033" cy="793908"/>
-          </a:xfrm>
-          <a:prstGeom prst="wedgeRoundRectCallout">
-            <a:avLst>
-              <a:gd name="adj1" fmla="val -30458"/>
-              <a:gd name="adj2" fmla="val 112617"/>
-              <a:gd name="adj3" fmla="val 16667"/>
-            </a:avLst>
-          </a:prstGeom>
-        </p:spPr>
-        <p:style>
-          <a:lnRef idx="1">
-            <a:schemeClr val="accent4"/>
-          </a:lnRef>
-          <a:fillRef idx="2">
-            <a:schemeClr val="accent4"/>
-          </a:fillRef>
-          <a:effectRef idx="1">
-            <a:schemeClr val="accent4"/>
-          </a:effectRef>
-          <a:fontRef idx="minor">
-            <a:schemeClr val="dk1"/>
-          </a:fontRef>
-        </p:style>
-        <p:txBody>
-          <a:bodyPr rtlCol="0" anchor="ctr"/>
-          <a:lstStyle/>
-          <a:p>
-            <a:r>
-              <a:rPr lang="hu-HU" dirty="0" smtClean="0"/>
-              <a:t>Összes vizsgálandó jar egy központi tárolóban</a:t>
-            </a:r>
-          </a:p>
-        </p:txBody>
-      </p:sp>
-      <p:sp>
-        <p:nvSpPr>
           <p:cNvPr id="47" name="Rounded Rectangular Callout 46"/>
           <p:cNvSpPr/>
           <p:nvPr/>
@@ -12637,50 +13582,6 @@
       </p:sp>
       <p:sp>
         <p:nvSpPr>
-          <p:cNvPr id="49" name="Rounded Rectangular Callout 48"/>
-          <p:cNvSpPr/>
-          <p:nvPr/>
-        </p:nvSpPr>
-        <p:spPr>
-          <a:xfrm>
-            <a:off x="4821000" y="3837823"/>
-            <a:ext cx="2796411" cy="596884"/>
-          </a:xfrm>
-          <a:prstGeom prst="wedgeRoundRectCallout">
-            <a:avLst>
-              <a:gd name="adj1" fmla="val -60129"/>
-              <a:gd name="adj2" fmla="val -95021"/>
-              <a:gd name="adj3" fmla="val 16667"/>
-            </a:avLst>
-          </a:prstGeom>
-        </p:spPr>
-        <p:style>
-          <a:lnRef idx="1">
-            <a:schemeClr val="accent4"/>
-          </a:lnRef>
-          <a:fillRef idx="2">
-            <a:schemeClr val="accent4"/>
-          </a:fillRef>
-          <a:effectRef idx="1">
-            <a:schemeClr val="accent4"/>
-          </a:effectRef>
-          <a:fontRef idx="minor">
-            <a:schemeClr val="dk1"/>
-          </a:fontRef>
-        </p:style>
-        <p:txBody>
-          <a:bodyPr rtlCol="0" anchor="ctr"/>
-          <a:lstStyle/>
-          <a:p>
-            <a:r>
-              <a:rPr lang="hu-HU" dirty="0" smtClean="0"/>
-              <a:t>Kapcsolat: RMI interfészen</a:t>
-            </a:r>
-          </a:p>
-        </p:txBody>
-      </p:sp>
-      <p:sp>
-        <p:nvSpPr>
           <p:cNvPr id="51" name="Rounded Rectangular Callout 50"/>
           <p:cNvSpPr/>
           <p:nvPr/>
@@ -12745,8 +13646,8 @@
         </p:nvSpPr>
         <p:spPr>
           <a:xfrm>
-            <a:off x="4840307" y="3870307"/>
-            <a:ext cx="3152100" cy="1065996"/>
+            <a:off x="4840307" y="3870306"/>
+            <a:ext cx="3204626" cy="1539893"/>
           </a:xfrm>
           <a:prstGeom prst="wedgeRoundRectCallout">
             <a:avLst>
@@ -12780,13 +13681,8 @@
             </a:pPr>
             <a:r>
               <a:rPr lang="hu-HU" dirty="0" smtClean="0"/>
-              <a:t>Függőségi </a:t>
-            </a:r>
-            <a:r>
-              <a:rPr lang="hu-HU" dirty="0" smtClean="0"/>
-              <a:t>elemzés</a:t>
-            </a:r>
-            <a:endParaRPr lang="hu-HU" dirty="0" smtClean="0"/>
+              <a:t>Bytekód analízis</a:t>
+            </a:r>
           </a:p>
           <a:p>
             <a:pPr marL="742950" lvl="1" indent="-285750">
@@ -12794,10 +13690,17 @@
               <a:buChar char="•"/>
             </a:pPr>
             <a:r>
-              <a:rPr lang="hu-HU" dirty="0" smtClean="0"/>
-              <a:t>Bytekód analízis</a:t>
-            </a:r>
-            <a:endParaRPr lang="hu-HU" dirty="0" smtClean="0"/>
+              <a:rPr lang="hu-HU" b="1" dirty="0" smtClean="0"/>
+              <a:t>Bemenet </a:t>
+            </a:r>
+            <a:r>
+              <a:rPr lang="hu-HU" b="1" dirty="0" smtClean="0"/>
+              <a:t>méretétől </a:t>
+            </a:r>
+            <a:r>
+              <a:rPr lang="hu-HU" b="1" dirty="0" smtClean="0"/>
+              <a:t>függetlenül</a:t>
+            </a:r>
           </a:p>
           <a:p>
             <a:pPr marL="742950" lvl="1" indent="-285750">
@@ -12805,9 +13708,10 @@
               <a:buChar char="•"/>
             </a:pPr>
             <a:r>
-              <a:rPr lang="hu-HU" dirty="0" smtClean="0"/>
-              <a:t>Bemenet méretétől függetlenül</a:t>
-            </a:r>
+              <a:rPr lang="hu-HU" b="1" dirty="0" smtClean="0"/>
+              <a:t>Adatbázis lekérdezések alapján</a:t>
+            </a:r>
+            <a:endParaRPr lang="hu-HU" b="1" dirty="0" smtClean="0"/>
           </a:p>
         </p:txBody>
       </p:sp>
@@ -12930,6 +13834,110 @@
           </p:txBody>
         </p:sp>
       </p:grpSp>
+      <p:sp>
+        <p:nvSpPr>
+          <p:cNvPr id="5" name="TextBox 4"/>
+          <p:cNvSpPr txBox="1"/>
+          <p:nvPr/>
+        </p:nvSpPr>
+        <p:spPr>
+          <a:xfrm>
+            <a:off x="190500" y="4142490"/>
+            <a:ext cx="2362200" cy="369332"/>
+          </a:xfrm>
+          <a:prstGeom prst="rect">
+            <a:avLst/>
+          </a:prstGeom>
+          <a:noFill/>
+        </p:spPr>
+        <p:txBody>
+          <a:bodyPr wrap="square" rtlCol="0">
+            <a:spAutoFit/>
+          </a:bodyPr>
+          <a:lstStyle/>
+          <a:p>
+            <a:r>
+              <a:rPr lang="hu-HU" dirty="0" smtClean="0"/>
+              <a:t>Kliens</a:t>
+            </a:r>
+            <a:endParaRPr lang="en-US" dirty="0"/>
+          </a:p>
+        </p:txBody>
+      </p:sp>
+      <p:sp>
+        <p:nvSpPr>
+          <p:cNvPr id="31" name="TextBox 30"/>
+          <p:cNvSpPr txBox="1"/>
+          <p:nvPr/>
+        </p:nvSpPr>
+        <p:spPr>
+          <a:xfrm>
+            <a:off x="190500" y="4553347"/>
+            <a:ext cx="2362200" cy="369332"/>
+          </a:xfrm>
+          <a:prstGeom prst="rect">
+            <a:avLst/>
+          </a:prstGeom>
+          <a:noFill/>
+        </p:spPr>
+        <p:txBody>
+          <a:bodyPr wrap="square" rtlCol="0">
+            <a:spAutoFit/>
+          </a:bodyPr>
+          <a:lstStyle/>
+          <a:p>
+            <a:r>
+              <a:rPr lang="hu-HU" dirty="0" smtClean="0"/>
+              <a:t>Szerver</a:t>
+            </a:r>
+            <a:endParaRPr lang="en-US" dirty="0"/>
+          </a:p>
+        </p:txBody>
+      </p:sp>
+      <p:sp>
+        <p:nvSpPr>
+          <p:cNvPr id="45" name="Rounded Rectangular Callout 44"/>
+          <p:cNvSpPr/>
+          <p:nvPr/>
+        </p:nvSpPr>
+        <p:spPr>
+          <a:xfrm>
+            <a:off x="1197528" y="3817694"/>
+            <a:ext cx="2835033" cy="793908"/>
+          </a:xfrm>
+          <a:prstGeom prst="wedgeRoundRectCallout">
+            <a:avLst>
+              <a:gd name="adj1" fmla="val -45510"/>
+              <a:gd name="adj2" fmla="val 106858"/>
+              <a:gd name="adj3" fmla="val 16667"/>
+            </a:avLst>
+          </a:prstGeom>
+        </p:spPr>
+        <p:style>
+          <a:lnRef idx="1">
+            <a:schemeClr val="accent4"/>
+          </a:lnRef>
+          <a:fillRef idx="2">
+            <a:schemeClr val="accent4"/>
+          </a:fillRef>
+          <a:effectRef idx="1">
+            <a:schemeClr val="accent4"/>
+          </a:effectRef>
+          <a:fontRef idx="minor">
+            <a:schemeClr val="dk1"/>
+          </a:fontRef>
+        </p:style>
+        <p:txBody>
+          <a:bodyPr rtlCol="0" anchor="ctr"/>
+          <a:lstStyle/>
+          <a:p>
+            <a:r>
+              <a:rPr lang="hu-HU" dirty="0" smtClean="0"/>
+              <a:t>Összes vizsgálandó jar egy központi tárolóban</a:t>
+            </a:r>
+          </a:p>
+        </p:txBody>
+      </p:sp>
     </p:spTree>
     <p:extLst>
       <p:ext uri="{BB962C8B-B14F-4D97-AF65-F5344CB8AC3E}">
@@ -13131,60 +14139,15 @@
                                   </p:childTnLst>
                                 </p:cTn>
                               </p:par>
-                            </p:childTnLst>
-                          </p:cTn>
-                        </p:par>
-                      </p:childTnLst>
-                    </p:cTn>
-                  </p:par>
-                  <p:par>
-                    <p:cTn id="19" fill="hold">
-                      <p:stCondLst>
-                        <p:cond delay="indefinite"/>
-                      </p:stCondLst>
-                      <p:childTnLst>
-                        <p:par>
-                          <p:cTn id="20" fill="hold">
-                            <p:stCondLst>
-                              <p:cond delay="0"/>
-                            </p:stCondLst>
-                            <p:childTnLst>
                               <p:par>
-                                <p:cTn id="21" presetID="1" presetClass="entr" presetSubtype="0" fill="hold" grpId="0" nodeType="clickEffect">
+                                <p:cTn id="19" presetID="1" presetClass="exit" presetSubtype="0" fill="hold" grpId="1" nodeType="withEffect">
                                   <p:stCondLst>
                                     <p:cond delay="0"/>
                                   </p:stCondLst>
                                   <p:childTnLst>
                                     <p:set>
                                       <p:cBhvr>
-                                        <p:cTn id="22" dur="1" fill="hold">
-                                          <p:stCondLst>
-                                            <p:cond delay="0"/>
-                                          </p:stCondLst>
-                                        </p:cTn>
-                                        <p:tgtEl>
-                                          <p:spTgt spid="49"/>
-                                        </p:tgtEl>
-                                        <p:attrNameLst>
-                                          <p:attrName>style.visibility</p:attrName>
-                                        </p:attrNameLst>
-                                      </p:cBhvr>
-                                      <p:to>
-                                        <p:strVal val="visible"/>
-                                      </p:to>
-                                    </p:set>
-                                  </p:childTnLst>
-                                </p:cTn>
-                              </p:par>
-                              <p:par>
-                                <p:cTn id="23" presetID="1" presetClass="exit" presetSubtype="0" fill="hold" grpId="1" nodeType="withEffect">
-                                  <p:stCondLst>
-                                    <p:cond delay="0"/>
-                                  </p:stCondLst>
-                                  <p:childTnLst>
-                                    <p:set>
-                                      <p:cBhvr>
-                                        <p:cTn id="24" dur="1" fill="hold">
+                                        <p:cTn id="20" dur="1" fill="hold">
                                           <p:stCondLst>
                                             <p:cond delay="0"/>
                                           </p:stCondLst>
@@ -13198,6 +14161,51 @@
                                       </p:cBhvr>
                                       <p:to>
                                         <p:strVal val="hidden"/>
+                                      </p:to>
+                                    </p:set>
+                                  </p:childTnLst>
+                                </p:cTn>
+                              </p:par>
+                            </p:childTnLst>
+                          </p:cTn>
+                        </p:par>
+                      </p:childTnLst>
+                    </p:cTn>
+                  </p:par>
+                  <p:par>
+                    <p:cTn id="21" fill="hold">
+                      <p:stCondLst>
+                        <p:cond delay="indefinite"/>
+                      </p:stCondLst>
+                      <p:childTnLst>
+                        <p:par>
+                          <p:cTn id="22" fill="hold">
+                            <p:stCondLst>
+                              <p:cond delay="0"/>
+                            </p:stCondLst>
+                            <p:childTnLst>
+                              <p:par>
+                                <p:cTn id="23" presetID="1" presetClass="entr" presetSubtype="0" fill="hold" grpId="0" nodeType="clickEffect">
+                                  <p:stCondLst>
+                                    <p:cond delay="0"/>
+                                  </p:stCondLst>
+                                  <p:childTnLst>
+                                    <p:set>
+                                      <p:cBhvr>
+                                        <p:cTn id="24" dur="1" fill="hold">
+                                          <p:stCondLst>
+                                            <p:cond delay="0"/>
+                                          </p:stCondLst>
+                                        </p:cTn>
+                                        <p:tgtEl>
+                                          <p:spTgt spid="51"/>
+                                        </p:tgtEl>
+                                        <p:attrNameLst>
+                                          <p:attrName>style.visibility</p:attrName>
+                                        </p:attrNameLst>
+                                      </p:cBhvr>
+                                      <p:to>
+                                        <p:strVal val="visible"/>
                                       </p:to>
                                     </p:set>
                                   </p:childTnLst>
@@ -13235,7 +14243,7 @@
                                           </p:stCondLst>
                                         </p:cTn>
                                         <p:tgtEl>
-                                          <p:spTgt spid="51"/>
+                                          <p:spTgt spid="48"/>
                                         </p:tgtEl>
                                         <p:attrNameLst>
                                           <p:attrName>style.visibility</p:attrName>
@@ -13257,78 +14265,6 @@
                                     <p:set>
                                       <p:cBhvr>
                                         <p:cTn id="30" dur="1" fill="hold">
-                                          <p:stCondLst>
-                                            <p:cond delay="0"/>
-                                          </p:stCondLst>
-                                        </p:cTn>
-                                        <p:tgtEl>
-                                          <p:spTgt spid="49"/>
-                                        </p:tgtEl>
-                                        <p:attrNameLst>
-                                          <p:attrName>style.visibility</p:attrName>
-                                        </p:attrNameLst>
-                                      </p:cBhvr>
-                                      <p:to>
-                                        <p:strVal val="hidden"/>
-                                      </p:to>
-                                    </p:set>
-                                  </p:childTnLst>
-                                </p:cTn>
-                              </p:par>
-                            </p:childTnLst>
-                          </p:cTn>
-                        </p:par>
-                      </p:childTnLst>
-                    </p:cTn>
-                  </p:par>
-                  <p:par>
-                    <p:cTn id="31" fill="hold">
-                      <p:stCondLst>
-                        <p:cond delay="indefinite"/>
-                      </p:stCondLst>
-                      <p:childTnLst>
-                        <p:par>
-                          <p:cTn id="32" fill="hold">
-                            <p:stCondLst>
-                              <p:cond delay="0"/>
-                            </p:stCondLst>
-                            <p:childTnLst>
-                              <p:par>
-                                <p:cTn id="33" presetID="1" presetClass="entr" presetSubtype="0" fill="hold" grpId="0" nodeType="clickEffect">
-                                  <p:stCondLst>
-                                    <p:cond delay="0"/>
-                                  </p:stCondLst>
-                                  <p:childTnLst>
-                                    <p:set>
-                                      <p:cBhvr>
-                                        <p:cTn id="34" dur="1" fill="hold">
-                                          <p:stCondLst>
-                                            <p:cond delay="0"/>
-                                          </p:stCondLst>
-                                        </p:cTn>
-                                        <p:tgtEl>
-                                          <p:spTgt spid="48"/>
-                                        </p:tgtEl>
-                                        <p:attrNameLst>
-                                          <p:attrName>style.visibility</p:attrName>
-                                        </p:attrNameLst>
-                                      </p:cBhvr>
-                                      <p:to>
-                                        <p:strVal val="visible"/>
-                                      </p:to>
-                                    </p:set>
-                                  </p:childTnLst>
-                                </p:cTn>
-                              </p:par>
-                              <p:par>
-                                <p:cTn id="35" presetID="1" presetClass="exit" presetSubtype="0" fill="hold" grpId="1" nodeType="withEffect">
-                                  <p:stCondLst>
-                                    <p:cond delay="0"/>
-                                  </p:stCondLst>
-                                  <p:childTnLst>
-                                    <p:set>
-                                      <p:cBhvr>
-                                        <p:cTn id="36" dur="1" fill="hold">
                                           <p:stCondLst>
                                             <p:cond delay="0"/>
                                           </p:stCondLst>
@@ -13375,23 +14311,21 @@
       </p:par>
     </p:tnLst>
     <p:bldLst>
-      <p:bldP spid="45" grpId="0" animBg="1"/>
-      <p:bldP spid="45" grpId="1" animBg="1"/>
       <p:bldP spid="47" grpId="0" animBg="1"/>
       <p:bldP spid="47" grpId="1" animBg="1"/>
       <p:bldP spid="48" grpId="0" animBg="1"/>
-      <p:bldP spid="49" grpId="0" animBg="1"/>
-      <p:bldP spid="49" grpId="1" animBg="1"/>
       <p:bldP spid="51" grpId="0" animBg="1"/>
       <p:bldP spid="51" grpId="1" animBg="1"/>
       <p:bldP spid="46" grpId="0" animBg="1"/>
       <p:bldP spid="46" grpId="1" animBg="1"/>
+      <p:bldP spid="45" grpId="0" animBg="1"/>
+      <p:bldP spid="45" grpId="1" animBg="1"/>
     </p:bldLst>
   </p:timing>
 </p:sld>
 </file>
 
-<file path=ppt/slides/slide7.xml><?xml version="1.0" encoding="utf-8"?>
+<file path=ppt/slides/slide8.xml><?xml version="1.0" encoding="utf-8"?>
 <p:sld xmlns:a="http://schemas.openxmlformats.org/drawingml/2006/main" xmlns:r="http://schemas.openxmlformats.org/officeDocument/2006/relationships" xmlns:p="http://schemas.openxmlformats.org/presentationml/2006/main">
   <p:cSld>
     <p:spTree>
@@ -13658,19 +14592,12 @@
               <a:buAutoNum type="arabicPeriod"/>
             </a:pPr>
             <a:r>
-              <a:rPr lang="hu-HU" dirty="0"/>
-              <a:t>Az eredmény</a:t>
-            </a:r>
-            <a:r>
-              <a:rPr lang="hu-HU" dirty="0" smtClean="0"/>
-              <a:t>:</a:t>
-            </a:r>
-          </a:p>
-          <a:p>
-            <a:pPr marL="1314450" lvl="3" indent="-457200"/>
-            <a:r>
-              <a:rPr lang="hu-HU" dirty="0" smtClean="0"/>
-              <a:t>A kiválasztott elem függőségei</a:t>
+              <a:rPr lang="hu-HU" dirty="0" smtClean="0"/>
+              <a:t>Eredmény: a </a:t>
+            </a:r>
+            <a:r>
+              <a:rPr lang="hu-HU" dirty="0" smtClean="0"/>
+              <a:t>kiválasztott elem függőségei</a:t>
             </a:r>
           </a:p>
           <a:p>
@@ -13692,7 +14619,7 @@
           <p:nvPr/>
         </p:nvPicPr>
         <p:blipFill rotWithShape="1">
-          <a:blip r:embed="rId2">
+          <a:blip r:embed="rId3">
             <a:extLst>
               <a:ext uri="{28A0092B-C50C-407E-A947-70E740481C1C}">
                 <a14:useLocalDpi xmlns:a14="http://schemas.microsoft.com/office/drawing/2010/main" val="0"/>
@@ -13731,7 +14658,7 @@
           <p:nvPr/>
         </p:nvPicPr>
         <p:blipFill rotWithShape="1">
-          <a:blip r:embed="rId3">
+          <a:blip r:embed="rId4">
             <a:extLst>
               <a:ext uri="{28A0092B-C50C-407E-A947-70E740481C1C}">
                 <a14:useLocalDpi xmlns:a14="http://schemas.microsoft.com/office/drawing/2010/main" val="0"/>
@@ -13781,7 +14708,7 @@
 </p:sld>
 </file>
 
-<file path=ppt/slides/slide8.xml><?xml version="1.0" encoding="utf-8"?>
+<file path=ppt/slides/slide9.xml><?xml version="1.0" encoding="utf-8"?>
 <p:sld xmlns:a="http://schemas.openxmlformats.org/drawingml/2006/main" xmlns:r="http://schemas.openxmlformats.org/officeDocument/2006/relationships" xmlns:p="http://schemas.openxmlformats.org/presentationml/2006/main" show="0">
   <p:cSld>
     <p:spTree>
@@ -14623,96 +15550,6 @@
       <p:transition spd="slow"/>
     </mc:Fallback>
   </mc:AlternateContent>
-  <p:timing>
-    <p:tnLst>
-      <p:par>
-        <p:cTn id="1" dur="indefinite" restart="never" nodeType="tmRoot"/>
-      </p:par>
-    </p:tnLst>
-  </p:timing>
-</p:sld>
-</file>
-
-<file path=ppt/slides/slide9.xml><?xml version="1.0" encoding="utf-8"?>
-<p:sld xmlns:a="http://schemas.openxmlformats.org/drawingml/2006/main" xmlns:r="http://schemas.openxmlformats.org/officeDocument/2006/relationships" xmlns:p="http://schemas.openxmlformats.org/presentationml/2006/main">
-  <p:cSld>
-    <p:spTree>
-      <p:nvGrpSpPr>
-        <p:cNvPr id="1" name=""/>
-        <p:cNvGrpSpPr/>
-        <p:nvPr/>
-      </p:nvGrpSpPr>
-      <p:grpSpPr>
-        <a:xfrm>
-          <a:off x="0" y="0"/>
-          <a:ext cx="0" cy="0"/>
-          <a:chOff x="0" y="0"/>
-          <a:chExt cx="0" cy="0"/>
-        </a:xfrm>
-      </p:grpSpPr>
-      <p:sp>
-        <p:nvSpPr>
-          <p:cNvPr id="5" name="Title 4"/>
-          <p:cNvSpPr>
-            <a:spLocks noGrp="1"/>
-          </p:cNvSpPr>
-          <p:nvPr>
-            <p:ph type="title"/>
-          </p:nvPr>
-        </p:nvSpPr>
-        <p:spPr>
-          <a:xfrm>
-            <a:off x="762000" y="4419600"/>
-            <a:ext cx="7772400" cy="1362075"/>
-          </a:xfrm>
-        </p:spPr>
-        <p:txBody>
-          <a:bodyPr>
-            <a:normAutofit/>
-          </a:bodyPr>
-          <a:lstStyle/>
-          <a:p>
-            <a:r>
-              <a:rPr lang="hu-HU" dirty="0" smtClean="0"/>
-              <a:t>Inkrementális, hibrid Függőségi analízis</a:t>
-            </a:r>
-            <a:endParaRPr lang="en-US" dirty="0"/>
-          </a:p>
-        </p:txBody>
-      </p:sp>
-      <p:sp>
-        <p:nvSpPr>
-          <p:cNvPr id="6" name="Text Placeholder 5"/>
-          <p:cNvSpPr>
-            <a:spLocks noGrp="1"/>
-          </p:cNvSpPr>
-          <p:nvPr>
-            <p:ph type="body" idx="1"/>
-          </p:nvPr>
-        </p:nvSpPr>
-        <p:spPr/>
-        <p:txBody>
-          <a:bodyPr/>
-          <a:lstStyle/>
-          <a:p>
-            <a:r>
-              <a:rPr lang="hu-HU" dirty="0" smtClean="0"/>
-              <a:t>Az eszköz kiegészítése</a:t>
-            </a:r>
-            <a:endParaRPr lang="en-US" dirty="0"/>
-          </a:p>
-        </p:txBody>
-      </p:sp>
-    </p:spTree>
-    <p:extLst>
-      <p:ext uri="{BB962C8B-B14F-4D97-AF65-F5344CB8AC3E}">
-        <p14:creationId xmlns:p14="http://schemas.microsoft.com/office/powerpoint/2010/main" val="2033946797"/>
-      </p:ext>
-    </p:extLst>
-  </p:cSld>
-  <p:clrMapOvr>
-    <a:masterClrMapping/>
-  </p:clrMapOvr>
   <p:timing>
     <p:tnLst>
       <p:par>

--- a/incquery-deps-documentation/presentation/tdk_pres_hu_v2.pptx
+++ b/incquery-deps-documentation/presentation/tdk_pres_hu_v2.pptx
@@ -21,7 +21,7 @@
     <p:sldId id="267" r:id="rId12"/>
     <p:sldId id="270" r:id="rId13"/>
     <p:sldId id="275" r:id="rId14"/>
-    <p:sldId id="274" r:id="rId15"/>
+    <p:sldId id="278" r:id="rId15"/>
     <p:sldId id="263" r:id="rId16"/>
     <p:sldId id="276" r:id="rId17"/>
     <p:sldId id="268" r:id="rId18"/>
@@ -308,11 +308,11 @@
         </c:dLbls>
         <c:marker val="1"/>
         <c:smooth val="0"/>
-        <c:axId val="69007360"/>
-        <c:axId val="105224960"/>
+        <c:axId val="109581824"/>
+        <c:axId val="108024896"/>
       </c:lineChart>
       <c:catAx>
-        <c:axId val="69007360"/>
+        <c:axId val="109581824"/>
         <c:scaling>
           <c:orientation val="minMax"/>
         </c:scaling>
@@ -346,7 +346,7 @@
         <c:majorTickMark val="out"/>
         <c:minorTickMark val="none"/>
         <c:tickLblPos val="nextTo"/>
-        <c:crossAx val="105224960"/>
+        <c:crossAx val="108024896"/>
         <c:crosses val="autoZero"/>
         <c:auto val="0"/>
         <c:lblAlgn val="ctr"/>
@@ -356,7 +356,7 @@
         <c:noMultiLvlLbl val="0"/>
       </c:catAx>
       <c:valAx>
-        <c:axId val="105224960"/>
+        <c:axId val="108024896"/>
         <c:scaling>
           <c:orientation val="minMax"/>
         </c:scaling>
@@ -387,7 +387,7 @@
         <c:majorTickMark val="out"/>
         <c:minorTickMark val="none"/>
         <c:tickLblPos val="nextTo"/>
-        <c:crossAx val="69007360"/>
+        <c:crossAx val="109581824"/>
         <c:crosses val="autoZero"/>
         <c:crossBetween val="between"/>
       </c:valAx>
@@ -510,11 +510,11 @@
         </c:dLbls>
         <c:marker val="1"/>
         <c:smooth val="0"/>
-        <c:axId val="105671680"/>
-        <c:axId val="105226816"/>
+        <c:axId val="112506368"/>
+        <c:axId val="108026624"/>
       </c:lineChart>
       <c:catAx>
-        <c:axId val="105671680"/>
+        <c:axId val="112506368"/>
         <c:scaling>
           <c:orientation val="minMax"/>
         </c:scaling>
@@ -548,7 +548,7 @@
         <c:majorTickMark val="out"/>
         <c:minorTickMark val="none"/>
         <c:tickLblPos val="nextTo"/>
-        <c:crossAx val="105226816"/>
+        <c:crossAx val="108026624"/>
         <c:crosses val="autoZero"/>
         <c:auto val="1"/>
         <c:lblAlgn val="ctr"/>
@@ -556,7 +556,7 @@
         <c:noMultiLvlLbl val="0"/>
       </c:catAx>
       <c:valAx>
-        <c:axId val="105226816"/>
+        <c:axId val="108026624"/>
         <c:scaling>
           <c:orientation val="minMax"/>
         </c:scaling>
@@ -587,7 +587,7 @@
         <c:majorTickMark val="out"/>
         <c:minorTickMark val="none"/>
         <c:tickLblPos val="nextTo"/>
-        <c:crossAx val="105671680"/>
+        <c:crossAx val="112506368"/>
         <c:crosses val="autoZero"/>
         <c:crossBetween val="between"/>
       </c:valAx>
@@ -710,11 +710,11 @@
         </c:dLbls>
         <c:marker val="1"/>
         <c:smooth val="0"/>
-        <c:axId val="105672192"/>
-        <c:axId val="105228544"/>
+        <c:axId val="112506880"/>
+        <c:axId val="111665728"/>
       </c:lineChart>
       <c:catAx>
-        <c:axId val="105672192"/>
+        <c:axId val="112506880"/>
         <c:scaling>
           <c:orientation val="minMax"/>
         </c:scaling>
@@ -748,7 +748,7 @@
         <c:majorTickMark val="out"/>
         <c:minorTickMark val="none"/>
         <c:tickLblPos val="nextTo"/>
-        <c:crossAx val="105228544"/>
+        <c:crossAx val="111665728"/>
         <c:crosses val="autoZero"/>
         <c:auto val="1"/>
         <c:lblAlgn val="ctr"/>
@@ -756,7 +756,7 @@
         <c:noMultiLvlLbl val="0"/>
       </c:catAx>
       <c:valAx>
-        <c:axId val="105228544"/>
+        <c:axId val="111665728"/>
         <c:scaling>
           <c:orientation val="minMax"/>
         </c:scaling>
@@ -787,7 +787,7 @@
         <c:majorTickMark val="out"/>
         <c:minorTickMark val="none"/>
         <c:tickLblPos val="nextTo"/>
-        <c:crossAx val="105672192"/>
+        <c:crossAx val="112506880"/>
         <c:crosses val="autoZero"/>
         <c:crossBetween val="between"/>
       </c:valAx>
@@ -884,7 +884,7 @@
           <a:p>
             <a:fld id="{B6BB6350-B212-4879-B209-4DF49D0B4F10}" type="datetimeFigureOut">
               <a:rPr lang="en-US" smtClean="0"/>
-              <a:t>11/12/2012</a:t>
+              <a:t>11/13/2012</a:t>
             </a:fld>
             <a:endParaRPr lang="en-US"/>
           </a:p>
@@ -1966,6 +1966,32 @@
           <a:bodyPr/>
           <a:lstStyle/>
           <a:p>
+            <a:pPr marL="0" marR="0" lvl="2" indent="0" algn="l" defTabSz="914400" rtl="0" eaLnBrk="1" fontAlgn="auto" latinLnBrk="0" hangingPunct="1">
+              <a:lnSpc>
+                <a:spcPct val="100000"/>
+              </a:lnSpc>
+              <a:spcBef>
+                <a:spcPts val="0"/>
+              </a:spcBef>
+              <a:spcAft>
+                <a:spcPts val="0"/>
+              </a:spcAft>
+              <a:buClrTx/>
+              <a:buSzTx/>
+              <a:buFontTx/>
+              <a:buNone/>
+              <a:tabLst/>
+              <a:defRPr/>
+            </a:pPr>
+            <a:r>
+              <a:rPr lang="hu-HU" dirty="0" smtClean="0"/>
+              <a:t>A függőségi analízis eredményét a kód átírását követően azonnal meg tudjuk mutatni a felhasználónak!</a:t>
+            </a:r>
+          </a:p>
+          <a:p>
+            <a:endParaRPr lang="hu-HU" dirty="0" smtClean="0"/>
+          </a:p>
+          <a:p>
             <a:endParaRPr lang="en-US" dirty="0"/>
           </a:p>
         </p:txBody>
@@ -2241,144 +2267,59 @@
           <a:lstStyle/>
           <a:p>
             <a:r>
-              <a:rPr lang="hu-HU" sz="2000" dirty="0" smtClean="0"/>
-              <a:t>Lekérdezés kiértékelésének lépései: </a:t>
-            </a:r>
-          </a:p>
-          <a:p>
-            <a:pPr marL="914400" lvl="1" indent="-457200">
-              <a:buFont typeface="+mj-lt"/>
-              <a:buAutoNum type="arabicPeriod"/>
-            </a:pPr>
-            <a:r>
-              <a:rPr lang="hu-HU" sz="1600" dirty="0" smtClean="0"/>
-              <a:t>Inicializálás (példánymodelleken)</a:t>
-            </a:r>
-          </a:p>
-          <a:p>
-            <a:pPr marL="914400" lvl="1" indent="-457200">
-              <a:buFont typeface="+mj-lt"/>
-              <a:buAutoNum type="arabicPeriod"/>
-            </a:pPr>
-            <a:r>
-              <a:rPr lang="hu-HU" sz="1600" dirty="0" smtClean="0"/>
-              <a:t>Kiértékelés</a:t>
-            </a:r>
-          </a:p>
-          <a:p>
-            <a:pPr marL="914400" lvl="1" indent="-457200">
-              <a:buFont typeface="+mj-lt"/>
-              <a:buAutoNum type="arabicPeriod"/>
-            </a:pPr>
-            <a:r>
-              <a:rPr lang="hu-HU" sz="1600" dirty="0" smtClean="0"/>
-              <a:t>Automatikus frissítés a modellváltozások alapján</a:t>
-            </a:r>
-            <a:br>
-              <a:rPr lang="hu-HU" sz="1600" dirty="0" smtClean="0"/>
-            </a:br>
-            <a:r>
-              <a:rPr lang="hu-HU" sz="1600" dirty="0" smtClean="0"/>
-              <a:t>(forráskód=&gt;modell=&gt;eredmény)</a:t>
-            </a:r>
-          </a:p>
-          <a:p>
-            <a:pPr marL="514350" indent="-457200"/>
-            <a:r>
-              <a:rPr lang="hu-HU" sz="2000" dirty="0" smtClean="0"/>
-              <a:t>Eredmény:</a:t>
-            </a:r>
-          </a:p>
-          <a:p>
-            <a:pPr marL="914400" lvl="1" indent="-457200"/>
-            <a:r>
-              <a:rPr lang="hu-HU" sz="1600" dirty="0" smtClean="0"/>
-              <a:t>Függőségi viszonyok az </a:t>
-            </a:r>
-            <a:r>
-              <a:rPr lang="hu-HU" sz="1600" b="1" dirty="0" smtClean="0"/>
-              <a:t>összes objektumra</a:t>
-            </a:r>
-          </a:p>
-          <a:p>
-            <a:pPr marL="914400" lvl="1" indent="-457200"/>
-            <a:r>
-              <a:rPr lang="hu-HU" sz="1600" dirty="0" smtClean="0"/>
+              <a:rPr lang="hu-HU" baseline="0" dirty="0" smtClean="0"/>
+              <a:t>Példánymodellek és</a:t>
+            </a:r>
+          </a:p>
+          <a:p>
+            <a:r>
+              <a:rPr lang="hu-HU" baseline="0" dirty="0" smtClean="0"/>
+              <a:t>Lekérdezések betöltése</a:t>
+            </a:r>
+          </a:p>
+          <a:p>
+            <a:r>
+              <a:rPr lang="hu-HU" baseline="0" dirty="0" smtClean="0"/>
+              <a:t>Eredmények folyamatos frissítése</a:t>
+            </a:r>
+          </a:p>
+          <a:p>
+            <a:r>
+              <a:rPr lang="hu-HU" baseline="0" dirty="0" smtClean="0"/>
+              <a:t>Forráskód módosításakor</a:t>
+            </a:r>
+          </a:p>
+          <a:p>
+            <a:r>
+              <a:rPr lang="hu-HU" baseline="0" dirty="0" smtClean="0"/>
+              <a:t>Forráskód modell automatikusan , inkrementálisan frissül</a:t>
+            </a:r>
+          </a:p>
+          <a:p>
+            <a:r>
+              <a:rPr lang="hu-HU" baseline="0" dirty="0" smtClean="0"/>
+              <a:t>Output: </a:t>
+            </a:r>
+          </a:p>
+          <a:p>
+            <a:r>
+              <a:rPr lang="hu-HU" baseline="0" dirty="0" smtClean="0"/>
+              <a:t>Függoségi viszonyok az összes objektumra</a:t>
+            </a:r>
+          </a:p>
+          <a:p>
+            <a:r>
+              <a:rPr lang="hu-HU" baseline="0" dirty="0" smtClean="0"/>
               <a:t>Automatikusan és gyorsan frissül</a:t>
             </a:r>
           </a:p>
           <a:p>
-            <a:pPr marL="914400" lvl="1" indent="-457200"/>
-            <a:endParaRPr lang="hu-HU" sz="1600" dirty="0" smtClean="0"/>
-          </a:p>
-          <a:p>
-            <a:pPr marL="914400" lvl="1" indent="-457200"/>
-            <a:r>
-              <a:rPr lang="hu-HU" sz="1600" dirty="0" smtClean="0"/>
-              <a:t>SMARTART</a:t>
-            </a:r>
-          </a:p>
-          <a:p>
-            <a:pPr marL="514350" indent="-457200"/>
-            <a:endParaRPr lang="hu-HU" sz="2000" dirty="0" smtClean="0"/>
-          </a:p>
-          <a:p>
-            <a:pPr marL="514350" indent="-457200"/>
-            <a:endParaRPr lang="hu-HU" sz="2000" dirty="0" smtClean="0"/>
-          </a:p>
-          <a:p>
-            <a:pPr marL="514350" indent="-457200"/>
-            <a:endParaRPr lang="hu-HU" sz="2000" dirty="0" smtClean="0"/>
-          </a:p>
-          <a:p>
-            <a:pPr marL="514350" indent="-457200"/>
-            <a:endParaRPr lang="hu-HU" sz="2000" dirty="0" smtClean="0"/>
-          </a:p>
-          <a:p>
-            <a:pPr marL="514350" indent="-457200"/>
-            <a:r>
-              <a:rPr lang="hu-HU" sz="2000" dirty="0" smtClean="0"/>
-              <a:t>Fejlesztési lehetőségek: teljesebb Eclipse integráció</a:t>
-            </a:r>
-          </a:p>
-          <a:p>
-            <a:pPr marL="914400" lvl="1" indent="-457200"/>
-            <a:r>
-              <a:rPr lang="hu-HU" sz="1600" dirty="0" smtClean="0"/>
-              <a:t>Eredmények view-kban</a:t>
-            </a:r>
-          </a:p>
-          <a:p>
-            <a:pPr marL="914400" lvl="1" indent="-457200"/>
-            <a:r>
-              <a:rPr lang="hu-HU" sz="1600" dirty="0" smtClean="0"/>
-              <a:t>JDT validációk</a:t>
-            </a:r>
-          </a:p>
-          <a:p>
-            <a:endParaRPr lang="hu-HU" dirty="0" smtClean="0"/>
-          </a:p>
-          <a:p>
-            <a:endParaRPr lang="hu-HU" dirty="0" smtClean="0"/>
-          </a:p>
-          <a:p>
-            <a:endParaRPr lang="hu-HU" dirty="0" smtClean="0"/>
-          </a:p>
-          <a:p>
-            <a:r>
-              <a:rPr lang="hu-HU" dirty="0" smtClean="0"/>
-              <a:t>TODO</a:t>
-            </a:r>
-          </a:p>
-          <a:p>
-            <a:r>
-              <a:rPr lang="hu-HU" dirty="0" smtClean="0"/>
-              <a:t>Forráskód</a:t>
-            </a:r>
             <a:r>
               <a:rPr lang="hu-HU" baseline="0" dirty="0" smtClean="0"/>
-              <a:t> =&gt; modell =&gt; eredmény hangsúlyozni</a:t>
-            </a:r>
+              <a:t>Eclipse view-ban megjelenítve</a:t>
+            </a:r>
+          </a:p>
+          <a:p>
             <a:endParaRPr lang="hu-HU" baseline="0" dirty="0"/>
           </a:p>
         </p:txBody>
@@ -2576,9 +2517,28 @@
           </a:lstStyle>
           <a:p>
             <a:r>
-              <a:rPr lang="en-US" smtClean="0"/>
+              <a:rPr lang="en-US" dirty="0" smtClean="0"/>
               <a:t>Click to edit Master subtitle style</a:t>
             </a:r>
+            <a:endParaRPr lang="en-US" dirty="0"/>
+          </a:p>
+        </p:txBody>
+      </p:sp>
+      <p:sp>
+        <p:nvSpPr>
+          <p:cNvPr id="5" name="Footer Placeholder 4"/>
+          <p:cNvSpPr>
+            <a:spLocks noGrp="1"/>
+          </p:cNvSpPr>
+          <p:nvPr>
+            <p:ph type="ftr" sz="quarter" idx="11"/>
+          </p:nvPr>
+        </p:nvSpPr>
+        <p:spPr/>
+        <p:txBody>
+          <a:bodyPr/>
+          <a:lstStyle/>
+          <a:p>
             <a:endParaRPr lang="en-US"/>
           </a:p>
         </p:txBody>
@@ -2593,35 +2553,26 @@
             <p:ph type="dt" sz="half" idx="10"/>
           </p:nvPr>
         </p:nvSpPr>
-        <p:spPr/>
+        <p:spPr>
+          <a:xfrm>
+            <a:off x="3505200" y="5638800"/>
+            <a:ext cx="2133600" cy="365125"/>
+          </a:xfrm>
+        </p:spPr>
         <p:txBody>
           <a:bodyPr/>
-          <a:lstStyle/>
-          <a:p>
-            <a:fld id="{5F65F745-5CE3-40A0-8E26-13A5C6D55D00}" type="datetimeFigureOut">
-              <a:rPr lang="en-US" smtClean="0"/>
-              <a:t>11/12/2012</a:t>
+          <a:lstStyle>
+            <a:lvl1pPr algn="ctr">
+              <a:defRPr sz="2400"/>
+            </a:lvl1pPr>
+          </a:lstStyle>
+          <a:p>
+            <a:fld id="{988E2377-5A2B-4430-898A-9BDF4D4B2C89}" type="datetime1">
+              <a:rPr lang="hu-HU" smtClean="0"/>
+              <a:pPr/>
+              <a:t>2012.11.13.</a:t>
             </a:fld>
-            <a:endParaRPr lang="en-US"/>
-          </a:p>
-        </p:txBody>
-      </p:sp>
-      <p:sp>
-        <p:nvSpPr>
-          <p:cNvPr id="5" name="Footer Placeholder 4"/>
-          <p:cNvSpPr>
-            <a:spLocks noGrp="1"/>
-          </p:cNvSpPr>
-          <p:nvPr>
-            <p:ph type="ftr" sz="quarter" idx="11"/>
-          </p:nvPr>
-        </p:nvSpPr>
-        <p:spPr/>
-        <p:txBody>
-          <a:bodyPr/>
-          <a:lstStyle/>
-          <a:p>
-            <a:endParaRPr lang="en-US"/>
+            <a:endParaRPr lang="en-US" dirty="0"/>
           </a:p>
         </p:txBody>
       </p:sp>
@@ -2658,6 +2609,14 @@
   <p:clrMapOvr>
     <a:masterClrMapping/>
   </p:clrMapOvr>
+  <p:timing>
+    <p:tnLst>
+      <p:par>
+        <p:cTn id="1" dur="indefinite" restart="never" nodeType="tmRoot"/>
+      </p:par>
+    </p:tnLst>
+  </p:timing>
+  <p:hf hdr="0" ftr="0"/>
 </p:sldLayout>
 </file>
 
@@ -2768,9 +2727,9 @@
           <a:bodyPr/>
           <a:lstStyle/>
           <a:p>
-            <a:fld id="{5F65F745-5CE3-40A0-8E26-13A5C6D55D00}" type="datetimeFigureOut">
+            <a:fld id="{EBB51852-6F03-4A13-AA91-55B0596808AB}" type="datetime1">
               <a:rPr lang="en-US" smtClean="0"/>
-              <a:t>11/12/2012</a:t>
+              <a:t>11/13/2012</a:t>
             </a:fld>
             <a:endParaRPr lang="en-US"/>
           </a:p>
@@ -2948,9 +2907,9 @@
           <a:bodyPr/>
           <a:lstStyle/>
           <a:p>
-            <a:fld id="{5F65F745-5CE3-40A0-8E26-13A5C6D55D00}" type="datetimeFigureOut">
+            <a:fld id="{AEC4224A-B86D-480C-80D3-0B1F736D6B50}" type="datetime1">
               <a:rPr lang="en-US" smtClean="0"/>
-              <a:t>11/12/2012</a:t>
+              <a:t>11/13/2012</a:t>
             </a:fld>
             <a:endParaRPr lang="en-US"/>
           </a:p>
@@ -3118,9 +3077,9 @@
           <a:bodyPr/>
           <a:lstStyle/>
           <a:p>
-            <a:fld id="{5F65F745-5CE3-40A0-8E26-13A5C6D55D00}" type="datetimeFigureOut">
+            <a:fld id="{FC89F6FF-6983-47B6-896B-DFAD3FEC5404}" type="datetime1">
               <a:rPr lang="en-US" smtClean="0"/>
-              <a:t>11/12/2012</a:t>
+              <a:t>11/13/2012</a:t>
             </a:fld>
             <a:endParaRPr lang="en-US"/>
           </a:p>
@@ -3364,9 +3323,9 @@
           <a:bodyPr/>
           <a:lstStyle/>
           <a:p>
-            <a:fld id="{5F65F745-5CE3-40A0-8E26-13A5C6D55D00}" type="datetimeFigureOut">
+            <a:fld id="{4FD5BFFF-D6A7-404D-B75B-FD402B77D341}" type="datetime1">
               <a:rPr lang="en-US" smtClean="0"/>
-              <a:t>11/12/2012</a:t>
+              <a:t>11/13/2012</a:t>
             </a:fld>
             <a:endParaRPr lang="en-US"/>
           </a:p>
@@ -3652,9 +3611,9 @@
           <a:bodyPr/>
           <a:lstStyle/>
           <a:p>
-            <a:fld id="{5F65F745-5CE3-40A0-8E26-13A5C6D55D00}" type="datetimeFigureOut">
+            <a:fld id="{675379F5-84BC-483B-951E-F251080202DB}" type="datetime1">
               <a:rPr lang="en-US" smtClean="0"/>
-              <a:t>11/12/2012</a:t>
+              <a:t>11/13/2012</a:t>
             </a:fld>
             <a:endParaRPr lang="en-US"/>
           </a:p>
@@ -4074,9 +4033,9 @@
           <a:bodyPr/>
           <a:lstStyle/>
           <a:p>
-            <a:fld id="{5F65F745-5CE3-40A0-8E26-13A5C6D55D00}" type="datetimeFigureOut">
+            <a:fld id="{7C24BFC6-6DC7-44C8-975D-44F36F89785D}" type="datetime1">
               <a:rPr lang="en-US" smtClean="0"/>
-              <a:t>11/12/2012</a:t>
+              <a:t>11/13/2012</a:t>
             </a:fld>
             <a:endParaRPr lang="en-US"/>
           </a:p>
@@ -4192,9 +4151,9 @@
           <a:bodyPr/>
           <a:lstStyle/>
           <a:p>
-            <a:fld id="{5F65F745-5CE3-40A0-8E26-13A5C6D55D00}" type="datetimeFigureOut">
+            <a:fld id="{D603358A-7423-4A08-AD10-C1AABD3EC89A}" type="datetime1">
               <a:rPr lang="en-US" smtClean="0"/>
-              <a:t>11/12/2012</a:t>
+              <a:t>11/13/2012</a:t>
             </a:fld>
             <a:endParaRPr lang="en-US"/>
           </a:p>
@@ -4287,9 +4246,9 @@
           <a:bodyPr/>
           <a:lstStyle/>
           <a:p>
-            <a:fld id="{5F65F745-5CE3-40A0-8E26-13A5C6D55D00}" type="datetimeFigureOut">
+            <a:fld id="{7C8EBF4A-BDC5-4ACC-A8F9-3185B72C1A00}" type="datetime1">
               <a:rPr lang="en-US" smtClean="0"/>
-              <a:t>11/12/2012</a:t>
+              <a:t>11/13/2012</a:t>
             </a:fld>
             <a:endParaRPr lang="en-US"/>
           </a:p>
@@ -4564,9 +4523,9 @@
           <a:bodyPr/>
           <a:lstStyle/>
           <a:p>
-            <a:fld id="{5F65F745-5CE3-40A0-8E26-13A5C6D55D00}" type="datetimeFigureOut">
+            <a:fld id="{381D60EE-3D79-455C-ACAD-DB08D31B7304}" type="datetime1">
               <a:rPr lang="en-US" smtClean="0"/>
-              <a:t>11/12/2012</a:t>
+              <a:t>11/13/2012</a:t>
             </a:fld>
             <a:endParaRPr lang="en-US"/>
           </a:p>
@@ -4817,9 +4776,9 @@
           <a:bodyPr/>
           <a:lstStyle/>
           <a:p>
-            <a:fld id="{5F65F745-5CE3-40A0-8E26-13A5C6D55D00}" type="datetimeFigureOut">
+            <a:fld id="{7B864028-9744-478B-88E3-26F084497025}" type="datetime1">
               <a:rPr lang="en-US" smtClean="0"/>
-              <a:t>11/12/2012</a:t>
+              <a:t>11/13/2012</a:t>
             </a:fld>
             <a:endParaRPr lang="en-US"/>
           </a:p>
@@ -5051,9 +5010,9 @@
             </a:lvl1pPr>
           </a:lstStyle>
           <a:p>
-            <a:fld id="{5F65F745-5CE3-40A0-8E26-13A5C6D55D00}" type="datetimeFigureOut">
+            <a:fld id="{9C3E8280-08C7-4D0C-A667-EBCDF03AF467}" type="datetime1">
               <a:rPr lang="en-US" smtClean="0"/>
-              <a:t>11/12/2012</a:t>
+              <a:t>11/13/2012</a:t>
             </a:fld>
             <a:endParaRPr lang="en-US"/>
           </a:p>
@@ -5158,6 +5117,7 @@
     <p:sldLayoutId id="2147483658" r:id="rId10"/>
     <p:sldLayoutId id="2147483659" r:id="rId11"/>
   </p:sldLayoutIdLst>
+  <p:hf hdr="0" ftr="0" dt="0"/>
   <p:txStyles>
     <p:titleStyle>
       <a:lvl1pPr algn="ctr" defTabSz="914400" rtl="0" eaLnBrk="1" latinLnBrk="0" hangingPunct="1">
@@ -5446,12 +5406,8 @@
           <a:lstStyle/>
           <a:p>
             <a:r>
-              <a:rPr lang="hu-HU" smtClean="0"/>
-              <a:t>Nagy szoftverinfrastruktúra </a:t>
-            </a:r>
-            <a:r>
               <a:rPr lang="hu-HU" dirty="0" smtClean="0"/>
-              <a:t>feletti inkrementális modell-analízis</a:t>
+              <a:t>Nagy szoftverinfrastruktúra feletti inkrementális modell-analízis</a:t>
             </a:r>
             <a:endParaRPr lang="en-US" dirty="0"/>
           </a:p>
@@ -5483,6 +5439,29 @@
               <a:t>Konzulens: Horváth Ákos, Ráth István</a:t>
             </a:r>
             <a:endParaRPr lang="en-US" dirty="0" smtClean="0"/>
+          </a:p>
+        </p:txBody>
+      </p:sp>
+      <p:sp>
+        <p:nvSpPr>
+          <p:cNvPr id="5" name="Date Placeholder 4"/>
+          <p:cNvSpPr>
+            <a:spLocks noGrp="1"/>
+          </p:cNvSpPr>
+          <p:nvPr>
+            <p:ph type="dt" sz="half" idx="10"/>
+          </p:nvPr>
+        </p:nvSpPr>
+        <p:spPr/>
+        <p:txBody>
+          <a:bodyPr/>
+          <a:lstStyle/>
+          <a:p>
+            <a:fld id="{69502636-3651-4D64-AD56-5443027FFC3F}" type="datetime1">
+              <a:rPr lang="hu-HU" smtClean="0"/>
+              <a:t>2012.11.13.</a:t>
+            </a:fld>
+            <a:endParaRPr lang="en-US"/>
           </a:p>
         </p:txBody>
       </p:sp>
@@ -5572,6 +5551,29 @@
           </a:p>
         </p:txBody>
       </p:sp>
+      <p:sp>
+        <p:nvSpPr>
+          <p:cNvPr id="2" name="Slide Number Placeholder 1"/>
+          <p:cNvSpPr>
+            <a:spLocks noGrp="1"/>
+          </p:cNvSpPr>
+          <p:nvPr>
+            <p:ph type="sldNum" sz="quarter" idx="12"/>
+          </p:nvPr>
+        </p:nvSpPr>
+        <p:spPr/>
+        <p:txBody>
+          <a:bodyPr/>
+          <a:lstStyle/>
+          <a:p>
+            <a:fld id="{E5B09FA9-A177-4256-9C7F-5CF31ABA7234}" type="slidenum">
+              <a:rPr lang="en-US" smtClean="0"/>
+              <a:t>10</a:t>
+            </a:fld>
+            <a:endParaRPr lang="en-US"/>
+          </a:p>
+        </p:txBody>
+      </p:sp>
     </p:spTree>
     <p:extLst>
       <p:ext uri="{BB962C8B-B14F-4D97-AF65-F5344CB8AC3E}">
@@ -5645,7 +5647,7 @@
         <p:spPr/>
         <p:txBody>
           <a:bodyPr>
-            <a:normAutofit fontScale="85000" lnSpcReduction="20000"/>
+            <a:normAutofit fontScale="92500" lnSpcReduction="20000"/>
           </a:bodyPr>
           <a:lstStyle/>
           <a:p>
@@ -5658,15 +5660,7 @@
             <a:pPr lvl="1"/>
             <a:r>
               <a:rPr lang="hu-HU" dirty="0" smtClean="0"/>
-              <a:t>Csak </a:t>
-            </a:r>
-            <a:r>
-              <a:rPr lang="hu-HU" dirty="0" smtClean="0"/>
-              <a:t>az adatbázisban tárolt </a:t>
-            </a:r>
-            <a:r>
-              <a:rPr lang="hu-HU" dirty="0" smtClean="0"/>
-              <a:t>adatok (=éles használatban lévő verziók) alapján</a:t>
+              <a:t>Csak az adatbázisban tárolt adatok (=éles használatban lévő verziók) alapján</a:t>
             </a:r>
           </a:p>
           <a:p>
@@ -5683,7 +5677,6 @@
               <a:rPr lang="hu-HU" dirty="0" smtClean="0"/>
               <a:t> elem függőségeire</a:t>
             </a:r>
-            <a:endParaRPr lang="hu-HU" dirty="0" smtClean="0"/>
           </a:p>
           <a:p>
             <a:r>
@@ -5727,7 +5720,6 @@
               <a:rPr lang="hu-HU" dirty="0" smtClean="0"/>
               <a:t>Javasolt architektúra</a:t>
             </a:r>
-            <a:endParaRPr lang="hu-HU" dirty="0" smtClean="0"/>
           </a:p>
           <a:p>
             <a:pPr lvl="1"/>
@@ -5760,22 +5752,49 @@
             </a:r>
             <a:r>
               <a:rPr lang="hu-HU" dirty="0" smtClean="0"/>
-              <a:t> elem függőségeire</a:t>
+              <a:t> elem </a:t>
+            </a:r>
+            <a:r>
+              <a:rPr lang="hu-HU" dirty="0" smtClean="0"/>
+              <a:t>függőségeire</a:t>
             </a:r>
           </a:p>
           <a:p>
             <a:pPr lvl="2"/>
             <a:r>
               <a:rPr lang="hu-HU" dirty="0" smtClean="0"/>
-              <a:t>A függőségi analízis eredményét a kód átírását követően azonnal meg tudjuk mutatni a felhasználónak!</a:t>
-            </a:r>
-            <a:endParaRPr lang="hu-HU" dirty="0"/>
+              <a:t>Azonnali visszacsatolás</a:t>
+            </a:r>
+            <a:endParaRPr lang="hu-HU" dirty="0" smtClean="0"/>
           </a:p>
           <a:p>
             <a:pPr marL="457200" lvl="1" indent="0">
               <a:buNone/>
             </a:pPr>
             <a:endParaRPr lang="hu-HU" dirty="0" smtClean="0"/>
+          </a:p>
+        </p:txBody>
+      </p:sp>
+      <p:sp>
+        <p:nvSpPr>
+          <p:cNvPr id="2" name="Slide Number Placeholder 1"/>
+          <p:cNvSpPr>
+            <a:spLocks noGrp="1"/>
+          </p:cNvSpPr>
+          <p:nvPr>
+            <p:ph type="sldNum" sz="quarter" idx="12"/>
+          </p:nvPr>
+        </p:nvSpPr>
+        <p:spPr/>
+        <p:txBody>
+          <a:bodyPr/>
+          <a:lstStyle/>
+          <a:p>
+            <a:fld id="{E5B09FA9-A177-4256-9C7F-5CF31ABA7234}" type="slidenum">
+              <a:rPr lang="en-US" smtClean="0"/>
+              <a:t>11</a:t>
+            </a:fld>
+            <a:endParaRPr lang="en-US"/>
           </a:p>
         </p:txBody>
       </p:sp>
@@ -6874,7 +6893,21 @@
             </a:pPr>
             <a:r>
               <a:rPr lang="hu-HU" dirty="0" smtClean="0"/>
-              <a:t>Modellek =&gt; EMF-IncQuery </a:t>
+              <a:t>Modellek </a:t>
+            </a:r>
+            <a:r>
+              <a:rPr lang="hu-HU" dirty="0">
+                <a:sym typeface="Wingdings" pitchFamily="2" charset="2"/>
+              </a:rPr>
+              <a:t></a:t>
+            </a:r>
+            <a:r>
+              <a:rPr lang="hu-HU" dirty="0" smtClean="0"/>
+              <a:t> </a:t>
+            </a:r>
+            <a:r>
+              <a:rPr lang="hu-HU" dirty="0" smtClean="0"/>
+              <a:t>EMF-IncQuery </a:t>
             </a:r>
           </a:p>
           <a:p>
@@ -6930,7 +6963,6 @@
               <a:rPr lang="hu-HU" dirty="0" smtClean="0"/>
               <a:t>Forráskód szerkesztés</a:t>
             </a:r>
-            <a:endParaRPr lang="hu-HU" dirty="0" smtClean="0"/>
           </a:p>
         </p:txBody>
       </p:sp>
@@ -6979,7 +7011,6 @@
               <a:rPr lang="hu-HU" dirty="0" smtClean="0"/>
               <a:t>Automatikus,  azonnali eredmény</a:t>
             </a:r>
-            <a:endParaRPr lang="hu-HU" dirty="0" smtClean="0"/>
           </a:p>
           <a:p>
             <a:pPr marL="285750" indent="-285750">
@@ -7052,7 +7083,29 @@
               <a:rPr lang="hu-HU" dirty="0" smtClean="0"/>
               <a:t> szinkornizáció</a:t>
             </a:r>
-            <a:endParaRPr lang="hu-HU" dirty="0" smtClean="0"/>
+          </a:p>
+        </p:txBody>
+      </p:sp>
+      <p:sp>
+        <p:nvSpPr>
+          <p:cNvPr id="3" name="Slide Number Placeholder 2"/>
+          <p:cNvSpPr>
+            <a:spLocks noGrp="1"/>
+          </p:cNvSpPr>
+          <p:nvPr>
+            <p:ph type="sldNum" sz="quarter" idx="12"/>
+          </p:nvPr>
+        </p:nvSpPr>
+        <p:spPr/>
+        <p:txBody>
+          <a:bodyPr/>
+          <a:lstStyle/>
+          <a:p>
+            <a:fld id="{E5B09FA9-A177-4256-9C7F-5CF31ABA7234}" type="slidenum">
+              <a:rPr lang="en-US" smtClean="0"/>
+              <a:t>12</a:t>
+            </a:fld>
+            <a:endParaRPr lang="en-US"/>
           </a:p>
         </p:txBody>
       </p:sp>
@@ -7793,11 +7846,7 @@
           <a:p>
             <a:r>
               <a:rPr lang="hu-HU" dirty="0" smtClean="0"/>
-              <a:t>Inkrementális l</a:t>
-            </a:r>
-            <a:r>
-              <a:rPr lang="hu-HU" dirty="0" smtClean="0"/>
-              <a:t>ekérdezések</a:t>
+              <a:t>Inkrementális lekérdezések</a:t>
             </a:r>
             <a:br>
               <a:rPr lang="hu-HU" dirty="0" smtClean="0"/>
@@ -7837,7 +7886,6 @@
               <a:rPr lang="hu-HU" sz="2400" dirty="0" smtClean="0"/>
               <a:t>A függőségi- és forráskód modellek összekapcsolásával</a:t>
             </a:r>
-            <a:endParaRPr lang="hu-HU" sz="2400" dirty="0" smtClean="0"/>
           </a:p>
         </p:txBody>
       </p:sp>
@@ -7995,9 +8043,14 @@
           <a:p>
             <a:pPr algn="ctr"/>
             <a:r>
+              <a:rPr lang="en-US" dirty="0" smtClean="0"/>
+              <a:t>A</a:t>
+            </a:r>
+            <a:r>
               <a:rPr lang="hu-HU" dirty="0" smtClean="0"/>
-              <a:t>Service:</a:t>
-            </a:r>
+              <a:t>:</a:t>
+            </a:r>
+            <a:endParaRPr lang="hu-HU" dirty="0" smtClean="0"/>
           </a:p>
           <a:p>
             <a:pPr algn="ctr"/>
@@ -8094,11 +8147,7 @@
             <a:pPr algn="ctr"/>
             <a:r>
               <a:rPr lang="hu-HU" dirty="0" smtClean="0"/>
-              <a:t>Serve</a:t>
-            </a:r>
-            <a:r>
-              <a:rPr lang="hu-HU" dirty="0" smtClean="0"/>
-              <a:t>: DMethod</a:t>
+              <a:t>Serve: DMethod</a:t>
             </a:r>
             <a:endParaRPr lang="en-US" dirty="0"/>
           </a:p>
@@ -8253,9 +8302,14 @@
           <a:p>
             <a:pPr algn="ctr"/>
             <a:r>
+              <a:rPr lang="en-US" dirty="0" smtClean="0"/>
+              <a:t>A</a:t>
+            </a:r>
+            <a:r>
               <a:rPr lang="hu-HU" dirty="0" smtClean="0"/>
-              <a:t>Service:</a:t>
-            </a:r>
+              <a:t>:</a:t>
+            </a:r>
+            <a:endParaRPr lang="hu-HU" dirty="0" smtClean="0"/>
           </a:p>
           <a:p>
             <a:pPr algn="ctr"/>
@@ -8704,8 +8758,8 @@
           </p:nvSpPr>
           <p:spPr>
             <a:xfrm>
-              <a:off x="4064600" y="3442900"/>
-              <a:ext cx="1286217" cy="276999"/>
+              <a:off x="4157491" y="3414082"/>
+              <a:ext cx="1286217" cy="307777"/>
             </a:xfrm>
             <a:prstGeom prst="rect">
               <a:avLst/>
@@ -8720,14 +8774,14 @@
             <a:p>
               <a:pPr algn="just"/>
               <a:r>
-                <a:rPr lang="hu-HU" sz="1200" dirty="0" smtClean="0">
+                <a:rPr lang="hu-HU" sz="1400" dirty="0" smtClean="0">
                   <a:solidFill>
                     <a:srgbClr val="FF0000"/>
                   </a:solidFill>
                 </a:rPr>
                 <a:t>joinProject</a:t>
               </a:r>
-              <a:endParaRPr lang="en-US" dirty="0">
+              <a:endParaRPr lang="en-US" sz="2000" dirty="0">
                 <a:solidFill>
                   <a:srgbClr val="FF0000"/>
                 </a:solidFill>
@@ -8745,9 +8799,9 @@
         <p:grpSpPr>
           <a:xfrm>
             <a:off x="2482932" y="3954083"/>
-            <a:ext cx="6139934" cy="959747"/>
+            <a:ext cx="6139934" cy="1004029"/>
             <a:chOff x="1524000" y="2797934"/>
-            <a:chExt cx="6139934" cy="959747"/>
+            <a:chExt cx="6139934" cy="1004029"/>
           </a:xfrm>
         </p:grpSpPr>
         <p:sp>
@@ -8893,8 +8947,8 @@
           </p:nvSpPr>
           <p:spPr>
             <a:xfrm>
-              <a:off x="3266299" y="3480682"/>
-              <a:ext cx="1286217" cy="276999"/>
+              <a:off x="3155868" y="3494186"/>
+              <a:ext cx="1286217" cy="307777"/>
             </a:xfrm>
             <a:prstGeom prst="rect">
               <a:avLst/>
@@ -8909,7 +8963,7 @@
             <a:p>
               <a:pPr algn="just"/>
               <a:r>
-                <a:rPr lang="hu-HU" sz="1200" dirty="0" smtClean="0">
+                <a:rPr lang="hu-HU" sz="1400" dirty="0" smtClean="0">
                   <a:solidFill>
                     <a:srgbClr val="FF0000"/>
                   </a:solidFill>
@@ -8934,9 +8988,9 @@
         <p:grpSpPr>
           <a:xfrm>
             <a:off x="701933" y="5154734"/>
-            <a:ext cx="6226431" cy="935866"/>
+            <a:ext cx="6139934" cy="1007940"/>
             <a:chOff x="1524000" y="2797934"/>
-            <a:chExt cx="6226431" cy="935866"/>
+            <a:chExt cx="6139934" cy="1007940"/>
           </a:xfrm>
         </p:grpSpPr>
         <p:sp>
@@ -9082,8 +9136,8 @@
           </p:nvSpPr>
           <p:spPr>
             <a:xfrm>
-              <a:off x="2492632" y="3456801"/>
-              <a:ext cx="5257799" cy="276999"/>
+              <a:off x="4311731" y="3498097"/>
+              <a:ext cx="2127763" cy="307777"/>
             </a:xfrm>
             <a:prstGeom prst="rect">
               <a:avLst/>
@@ -9098,14 +9152,30 @@
             <a:p>
               <a:pPr algn="ctr"/>
               <a:r>
-                <a:rPr lang="hu-HU" sz="1200" dirty="0" smtClean="0">
+                <a:rPr lang="hu-HU" sz="1400" dirty="0" smtClean="0">
                   <a:solidFill>
                     <a:srgbClr val="FF0000"/>
                   </a:solidFill>
                 </a:rPr>
-                <a:t>incomingMCall</a:t>
+                <a:t>incomingM</a:t>
               </a:r>
-              <a:endParaRPr lang="en-US" sz="1200" dirty="0">
+              <a:r>
+                <a:rPr lang="en-US" sz="1400" dirty="0" err="1" smtClean="0">
+                  <a:solidFill>
+                    <a:srgbClr val="FF0000"/>
+                  </a:solidFill>
+                </a:rPr>
+                <a:t>ethod</a:t>
+              </a:r>
+              <a:r>
+                <a:rPr lang="hu-HU" sz="1400" dirty="0" smtClean="0">
+                  <a:solidFill>
+                    <a:srgbClr val="FF0000"/>
+                  </a:solidFill>
+                </a:rPr>
+                <a:t>Call</a:t>
+              </a:r>
+              <a:endParaRPr lang="en-US" sz="1400" dirty="0">
                 <a:solidFill>
                   <a:srgbClr val="FF0000"/>
                 </a:solidFill>
@@ -9114,6 +9184,29 @@
           </p:txBody>
         </p:sp>
       </p:grpSp>
+      <p:sp>
+        <p:nvSpPr>
+          <p:cNvPr id="4" name="Slide Number Placeholder 3"/>
+          <p:cNvSpPr>
+            <a:spLocks noGrp="1"/>
+          </p:cNvSpPr>
+          <p:nvPr>
+            <p:ph type="sldNum" sz="quarter" idx="12"/>
+          </p:nvPr>
+        </p:nvSpPr>
+        <p:spPr/>
+        <p:txBody>
+          <a:bodyPr/>
+          <a:lstStyle/>
+          <a:p>
+            <a:fld id="{E5B09FA9-A177-4256-9C7F-5CF31ABA7234}" type="slidenum">
+              <a:rPr lang="en-US" smtClean="0"/>
+              <a:t>13</a:t>
+            </a:fld>
+            <a:endParaRPr lang="en-US"/>
+          </a:p>
+        </p:txBody>
+      </p:sp>
     </p:spTree>
     <p:extLst>
       <p:ext uri="{BB962C8B-B14F-4D97-AF65-F5344CB8AC3E}">
@@ -9403,121 +9496,128 @@
           </a:bodyPr>
           <a:lstStyle/>
           <a:p>
-            <a:pPr marL="342900" lvl="1" indent="-342900">
+            <a:pPr marL="514350" indent="-514350">
               <a:buFont typeface="+mj-lt"/>
               <a:buAutoNum type="arabicPeriod"/>
             </a:pPr>
             <a:r>
-              <a:rPr lang="hu-HU" sz="2000" dirty="0"/>
-              <a:t>Inicializálás (példánymodelleken</a:t>
-            </a:r>
-            <a:r>
-              <a:rPr lang="hu-HU" sz="2000" dirty="0" smtClean="0"/>
-              <a:t>)</a:t>
-            </a:r>
-          </a:p>
-          <a:p>
-            <a:pPr marL="742950" lvl="2" indent="-342900"/>
-            <a:r>
-              <a:rPr lang="hu-HU" sz="1600" dirty="0" smtClean="0"/>
+              <a:rPr lang="hu-HU" dirty="0" smtClean="0"/>
+              <a:t>Inicializálás</a:t>
+            </a:r>
+          </a:p>
+          <a:p>
+            <a:pPr marL="914400" lvl="1" indent="-514350"/>
+            <a:r>
+              <a:rPr lang="hu-HU" dirty="0" smtClean="0"/>
               <a:t>Példánymodellek és</a:t>
             </a:r>
           </a:p>
           <a:p>
-            <a:pPr marL="742950" lvl="2" indent="-342900"/>
-            <a:r>
-              <a:rPr lang="hu-HU" sz="1600" dirty="0" smtClean="0"/>
-              <a:t>Lekérdezések betöltése</a:t>
-            </a:r>
-          </a:p>
-          <a:p>
-            <a:pPr marL="342900" lvl="1" indent="-342900">
+            <a:pPr marL="914400" lvl="1" indent="-514350"/>
+            <a:r>
+              <a:rPr lang="hu-HU" dirty="0" smtClean="0"/>
+              <a:t>lekérdezések betöltése</a:t>
+            </a:r>
+          </a:p>
+          <a:p>
+            <a:pPr marL="514350" indent="-514350">
               <a:buFont typeface="+mj-lt"/>
               <a:buAutoNum type="arabicPeriod"/>
             </a:pPr>
             <a:r>
-              <a:rPr lang="hu-HU" sz="2000" dirty="0" smtClean="0"/>
-              <a:t>Eredmények folyamatos frissítése</a:t>
-            </a:r>
-          </a:p>
-          <a:p>
-            <a:pPr marL="742950" lvl="2" indent="-342900"/>
-            <a:r>
-              <a:rPr lang="hu-HU" sz="1600" dirty="0" smtClean="0"/>
-              <a:t>Forráskód módosításakor</a:t>
-            </a:r>
-          </a:p>
-          <a:p>
-            <a:pPr marL="742950" lvl="2" indent="-342900"/>
-            <a:r>
-              <a:rPr lang="en-US" sz="1600" dirty="0" err="1" smtClean="0"/>
-              <a:t>Forr</a:t>
-            </a:r>
-            <a:r>
-              <a:rPr lang="hu-HU" sz="1600" dirty="0" smtClean="0"/>
-              <a:t>áskód modell  automatikusan , inkrementálisan frissül</a:t>
-            </a:r>
-          </a:p>
-          <a:p>
-            <a:pPr marL="742950" lvl="2" indent="-342900"/>
-            <a:r>
-              <a:rPr lang="hu-HU" sz="1600" dirty="0" smtClean="0"/>
-              <a:t>Output: </a:t>
-            </a:r>
-          </a:p>
-          <a:p>
-            <a:pPr marL="914400" lvl="1" indent="-457200"/>
-            <a:r>
-              <a:rPr lang="hu-HU" sz="1600" dirty="0"/>
+              <a:rPr lang="hu-HU" dirty="0" smtClean="0"/>
+              <a:t>Eredmények folyamatos, automatikus frissítése</a:t>
+            </a:r>
+          </a:p>
+          <a:p>
+            <a:pPr marL="914400" lvl="1" indent="-514350"/>
+            <a:r>
+              <a:rPr lang="hu-HU" dirty="0" smtClean="0"/>
+              <a:t>Forráskód </a:t>
+            </a:r>
+            <a:r>
+              <a:rPr lang="hu-HU" dirty="0">
+                <a:sym typeface="Wingdings" pitchFamily="2" charset="2"/>
+              </a:rPr>
+              <a:t></a:t>
+            </a:r>
+            <a:r>
+              <a:rPr lang="en-US" dirty="0" smtClean="0"/>
+              <a:t> </a:t>
+            </a:r>
+            <a:r>
+              <a:rPr lang="hu-HU" dirty="0" smtClean="0"/>
+              <a:t>Forráskód modell </a:t>
+            </a:r>
+            <a:r>
+              <a:rPr lang="hu-HU" dirty="0">
+                <a:sym typeface="Wingdings" pitchFamily="2" charset="2"/>
+              </a:rPr>
+              <a:t> </a:t>
+            </a:r>
+            <a:r>
+              <a:rPr lang="en-US" dirty="0" err="1" smtClean="0">
+                <a:sym typeface="Wingdings" pitchFamily="2" charset="2"/>
+              </a:rPr>
+              <a:t>megjelen</a:t>
+            </a:r>
+            <a:r>
+              <a:rPr lang="hu-HU" dirty="0" smtClean="0">
+                <a:sym typeface="Wingdings" pitchFamily="2" charset="2"/>
+              </a:rPr>
+              <a:t>ítés</a:t>
+            </a:r>
+          </a:p>
+          <a:p>
+            <a:pPr marL="914400" lvl="1" indent="-514350"/>
+            <a:r>
+              <a:rPr lang="hu-HU" dirty="0" smtClean="0"/>
+              <a:t>Kimenet: </a:t>
+            </a:r>
+            <a:r>
+              <a:rPr lang="hu-HU" dirty="0"/>
               <a:t>Függőségi viszonyok az </a:t>
             </a:r>
             <a:r>
-              <a:rPr lang="hu-HU" sz="1600" b="1" dirty="0"/>
+              <a:rPr lang="hu-HU" b="1" dirty="0" smtClean="0"/>
               <a:t>összes objektumra</a:t>
             </a:r>
-          </a:p>
-          <a:p>
-            <a:pPr marL="914400" lvl="1" indent="-457200"/>
-            <a:r>
-              <a:rPr lang="hu-HU" sz="1600" dirty="0"/>
-              <a:t>Automatikusan és gyorsan </a:t>
-            </a:r>
-            <a:r>
-              <a:rPr lang="hu-HU" sz="1600" dirty="0" smtClean="0"/>
-              <a:t>frissül</a:t>
-            </a:r>
-          </a:p>
-          <a:p>
-            <a:pPr marL="914400" lvl="1" indent="-457200"/>
-            <a:r>
-              <a:rPr lang="hu-HU" sz="1600" dirty="0" smtClean="0"/>
-              <a:t>Eclipse view-ban megjelenítve</a:t>
-            </a:r>
-            <a:endParaRPr lang="en-US" sz="2000" dirty="0" smtClean="0"/>
-          </a:p>
-          <a:p>
-            <a:pPr marL="742950" lvl="2" indent="-342900"/>
+            <a:endParaRPr lang="hu-HU" b="1" dirty="0"/>
+          </a:p>
+          <a:p>
+            <a:pPr marL="914400" lvl="1" indent="-514350"/>
+            <a:endParaRPr lang="hu-HU" dirty="0" smtClean="0"/>
+          </a:p>
+          <a:p>
+            <a:pPr marL="1314450" lvl="2" indent="-514350">
+              <a:buFont typeface="+mj-lt"/>
+              <a:buAutoNum type="romanUcPeriod"/>
+            </a:pPr>
+            <a:endParaRPr lang="hu-HU" dirty="0" smtClean="0"/>
+          </a:p>
+          <a:p>
+            <a:endParaRPr lang="hu-HU" dirty="0" smtClean="0"/>
+          </a:p>
+          <a:p>
+            <a:endParaRPr lang="hu-HU" dirty="0"/>
+          </a:p>
+          <a:p>
+            <a:pPr marL="857250" lvl="3" indent="0">
+              <a:buNone/>
+            </a:pPr>
+            <a:endParaRPr lang="hu-HU" sz="2600" dirty="0"/>
+          </a:p>
+          <a:p>
+            <a:pPr marL="400050" lvl="2" indent="0">
+              <a:buNone/>
+            </a:pPr>
             <a:endParaRPr lang="hu-HU" sz="1200" dirty="0" smtClean="0"/>
           </a:p>
-          <a:p>
-            <a:pPr marL="342900" lvl="1" indent="-342900">
-              <a:buFont typeface="+mj-lt"/>
-              <a:buAutoNum type="arabicPeriod"/>
-            </a:pPr>
-            <a:endParaRPr lang="hu-HU" sz="1600" dirty="0"/>
-          </a:p>
-          <a:p>
-            <a:pPr>
-              <a:buFont typeface="+mj-lt"/>
-              <a:buAutoNum type="arabicPeriod"/>
-            </a:pPr>
-            <a:endParaRPr lang="hu-HU" sz="1600" dirty="0" smtClean="0"/>
-          </a:p>
-        </p:txBody>
-      </p:sp>
-      <p:sp>
-        <p:nvSpPr>
-          <p:cNvPr id="9" name="Content Placeholder 8"/>
+        </p:txBody>
+      </p:sp>
+      <p:sp>
+        <p:nvSpPr>
+          <p:cNvPr id="7" name="Content Placeholder 6"/>
           <p:cNvSpPr>
             <a:spLocks noGrp="1"/>
           </p:cNvSpPr>
@@ -9527,21 +9627,39 @@
         </p:nvSpPr>
         <p:spPr/>
         <p:txBody>
-          <a:bodyPr>
-            <a:normAutofit fontScale="70000" lnSpcReduction="20000"/>
-          </a:bodyPr>
-          <a:lstStyle/>
-          <a:p>
-            <a:pPr marL="0" indent="0">
-              <a:buNone/>
-            </a:pPr>
+          <a:bodyPr/>
+          <a:lstStyle/>
+          <a:p>
             <a:endParaRPr lang="en-US" dirty="0"/>
+          </a:p>
+        </p:txBody>
+      </p:sp>
+      <p:sp>
+        <p:nvSpPr>
+          <p:cNvPr id="4" name="Slide Number Placeholder 3"/>
+          <p:cNvSpPr>
+            <a:spLocks noGrp="1"/>
+          </p:cNvSpPr>
+          <p:nvPr>
+            <p:ph type="sldNum" sz="quarter" idx="12"/>
+          </p:nvPr>
+        </p:nvSpPr>
+        <p:spPr/>
+        <p:txBody>
+          <a:bodyPr/>
+          <a:lstStyle/>
+          <a:p>
+            <a:fld id="{E5B09FA9-A177-4256-9C7F-5CF31ABA7234}" type="slidenum">
+              <a:rPr lang="en-US" smtClean="0"/>
+              <a:t>14</a:t>
+            </a:fld>
+            <a:endParaRPr lang="en-US"/>
           </a:p>
         </p:txBody>
       </p:sp>
       <p:pic>
         <p:nvPicPr>
-          <p:cNvPr id="1027" name="Picture 3"/>
+          <p:cNvPr id="16" name="Picture 3"/>
           <p:cNvPicPr>
             <a:picLocks noChangeAspect="1" noChangeArrowheads="1"/>
           </p:cNvPicPr>
@@ -9555,13 +9673,13 @@
               </a:ext>
             </a:extLst>
           </a:blip>
-          <a:srcRect l="-1" t="-556" r="33175" b="556"/>
+          <a:srcRect l="-1" t="-556" r="32851" b="556"/>
           <a:stretch/>
         </p:blipFill>
         <p:spPr bwMode="auto">
           <a:xfrm>
-            <a:off x="4667247" y="1600200"/>
-            <a:ext cx="4029075" cy="1714500"/>
+            <a:off x="4638219" y="1600200"/>
+            <a:ext cx="4048581" cy="1714500"/>
           </a:xfrm>
           <a:prstGeom prst="rect">
             <a:avLst/>
@@ -9601,50 +9719,9 @@
           </a:extLst>
         </p:spPr>
       </p:pic>
-      <p:sp>
-        <p:nvSpPr>
-          <p:cNvPr id="13" name="Rectangle 12"/>
-          <p:cNvSpPr/>
-          <p:nvPr/>
-        </p:nvSpPr>
-        <p:spPr>
-          <a:xfrm>
-            <a:off x="6451600" y="2371724"/>
-            <a:ext cx="949325" cy="174625"/>
-          </a:xfrm>
-          <a:prstGeom prst="rect">
-            <a:avLst/>
-          </a:prstGeom>
-          <a:ln>
-            <a:tailEnd type="arrow"/>
-          </a:ln>
-        </p:spPr>
-        <p:style>
-          <a:lnRef idx="3">
-            <a:schemeClr val="accent2"/>
-          </a:lnRef>
-          <a:fillRef idx="0">
-            <a:schemeClr val="accent2"/>
-          </a:fillRef>
-          <a:effectRef idx="2">
-            <a:schemeClr val="accent2"/>
-          </a:effectRef>
-          <a:fontRef idx="minor">
-            <a:schemeClr val="tx1"/>
-          </a:fontRef>
-        </p:style>
-        <p:txBody>
-          <a:bodyPr rtlCol="0" anchor="ctr"/>
-          <a:lstStyle/>
-          <a:p>
-            <a:pPr algn="ctr"/>
-            <a:endParaRPr lang="en-US" dirty="0"/>
-          </a:p>
-        </p:txBody>
-      </p:sp>
       <p:pic>
         <p:nvPicPr>
-          <p:cNvPr id="1032" name="Picture 8"/>
+          <p:cNvPr id="17" name="Picture 2"/>
           <p:cNvPicPr>
             <a:picLocks noChangeAspect="1" noChangeArrowheads="1"/>
           </p:cNvPicPr>
@@ -9665,7 +9742,7 @@
         </p:blipFill>
         <p:spPr bwMode="auto">
           <a:xfrm>
-            <a:off x="4722812" y="3886200"/>
+            <a:off x="4638219" y="3848100"/>
             <a:ext cx="4029075" cy="2247900"/>
           </a:xfrm>
           <a:prstGeom prst="rect">
@@ -9706,49 +9783,106 @@
           </a:extLst>
         </p:spPr>
       </p:pic>
-      <p:cxnSp>
-        <p:nvCxnSpPr>
-          <p:cNvPr id="14" name="Straight Arrow Connector 13"/>
-          <p:cNvCxnSpPr/>
+      <p:sp>
+        <p:nvSpPr>
+          <p:cNvPr id="19" name="Rounded Rectangular Callout 18"/>
+          <p:cNvSpPr/>
           <p:nvPr/>
-        </p:nvCxnSpPr>
+        </p:nvSpPr>
         <p:spPr>
-          <a:xfrm flipH="1">
-            <a:off x="5943600" y="2546349"/>
-            <a:ext cx="1219200" cy="2330451"/>
+          <a:xfrm>
+            <a:off x="5166983" y="5240565"/>
+            <a:ext cx="1233924" cy="1215572"/>
           </a:xfrm>
-          <a:prstGeom prst="straightConnector1">
-            <a:avLst/>
+          <a:prstGeom prst="wedgeRoundRectCallout">
+            <a:avLst>
+              <a:gd name="adj1" fmla="val -75236"/>
+              <a:gd name="adj2" fmla="val -75783"/>
+              <a:gd name="adj3" fmla="val 16667"/>
+            </a:avLst>
           </a:prstGeom>
-          <a:ln>
-            <a:tailEnd type="arrow"/>
-          </a:ln>
         </p:spPr>
         <p:style>
-          <a:lnRef idx="3">
-            <a:schemeClr val="accent2"/>
+          <a:lnRef idx="1">
+            <a:schemeClr val="accent4"/>
           </a:lnRef>
-          <a:fillRef idx="0">
-            <a:schemeClr val="accent2"/>
+          <a:fillRef idx="2">
+            <a:schemeClr val="accent4"/>
           </a:fillRef>
-          <a:effectRef idx="2">
-            <a:schemeClr val="accent2"/>
+          <a:effectRef idx="1">
+            <a:schemeClr val="accent4"/>
           </a:effectRef>
           <a:fontRef idx="minor">
-            <a:schemeClr val="tx1"/>
+            <a:schemeClr val="dk1"/>
           </a:fontRef>
         </p:style>
-      </p:cxnSp>
-      <p:sp>
-        <p:nvSpPr>
-          <p:cNvPr id="23" name="Rectangle 22"/>
+        <p:txBody>
+          <a:bodyPr rtlCol="0" anchor="ctr"/>
+          <a:lstStyle/>
+          <a:p>
+            <a:r>
+              <a:rPr lang="hu-HU" dirty="0" smtClean="0"/>
+              <a:t>Validációs szabályok</a:t>
+            </a:r>
+            <a:endParaRPr lang="hu-HU" dirty="0" smtClean="0"/>
+          </a:p>
+        </p:txBody>
+      </p:sp>
+      <p:sp>
+        <p:nvSpPr>
+          <p:cNvPr id="20" name="Rounded Rectangular Callout 19"/>
           <p:cNvSpPr/>
           <p:nvPr/>
         </p:nvSpPr>
         <p:spPr>
           <a:xfrm>
-            <a:off x="5562600" y="2370137"/>
-            <a:ext cx="889000" cy="174625"/>
+            <a:off x="6662508" y="4979307"/>
+            <a:ext cx="2329091" cy="1215572"/>
+          </a:xfrm>
+          <a:prstGeom prst="wedgeRoundRectCallout">
+            <a:avLst>
+              <a:gd name="adj1" fmla="val -65188"/>
+              <a:gd name="adj2" fmla="val -56678"/>
+              <a:gd name="adj3" fmla="val 16667"/>
+            </a:avLst>
+          </a:prstGeom>
+        </p:spPr>
+        <p:style>
+          <a:lnRef idx="1">
+            <a:schemeClr val="accent4"/>
+          </a:lnRef>
+          <a:fillRef idx="2">
+            <a:schemeClr val="accent4"/>
+          </a:fillRef>
+          <a:effectRef idx="1">
+            <a:schemeClr val="accent4"/>
+          </a:effectRef>
+          <a:fontRef idx="minor">
+            <a:schemeClr val="dk1"/>
+          </a:fontRef>
+        </p:style>
+        <p:txBody>
+          <a:bodyPr rtlCol="0" anchor="ctr"/>
+          <a:lstStyle/>
+          <a:p>
+            <a:r>
+              <a:rPr lang="hu-HU" dirty="0" smtClean="0"/>
+              <a:t>Content assist jellegű visszajelzés</a:t>
+            </a:r>
+            <a:endParaRPr lang="hu-HU" dirty="0" smtClean="0"/>
+          </a:p>
+        </p:txBody>
+      </p:sp>
+      <p:sp>
+        <p:nvSpPr>
+          <p:cNvPr id="21" name="Rectangle 20"/>
+          <p:cNvSpPr/>
+          <p:nvPr/>
+        </p:nvSpPr>
+        <p:spPr>
+          <a:xfrm>
+            <a:off x="6451600" y="2371724"/>
+            <a:ext cx="949325" cy="174625"/>
           </a:xfrm>
           <a:prstGeom prst="rect">
             <a:avLst/>
@@ -9780,20 +9914,18 @@
           </a:p>
         </p:txBody>
       </p:sp>
-      <p:cxnSp>
-        <p:nvCxnSpPr>
-          <p:cNvPr id="24" name="Straight Arrow Connector 23"/>
-          <p:cNvCxnSpPr>
-            <a:stCxn id="23" idx="2"/>
-          </p:cNvCxnSpPr>
+      <p:sp>
+        <p:nvSpPr>
+          <p:cNvPr id="22" name="Rectangle 21"/>
+          <p:cNvSpPr/>
           <p:nvPr/>
-        </p:nvCxnSpPr>
+        </p:nvSpPr>
         <p:spPr>
           <a:xfrm>
-            <a:off x="6007100" y="2544762"/>
-            <a:ext cx="1460500" cy="2789238"/>
+            <a:off x="5502275" y="2365373"/>
+            <a:ext cx="949325" cy="174625"/>
           </a:xfrm>
-          <a:prstGeom prst="straightConnector1">
+          <a:prstGeom prst="rect">
             <a:avLst/>
           </a:prstGeom>
           <a:ln>
@@ -9814,65 +9946,11 @@
             <a:schemeClr val="tx1"/>
           </a:fontRef>
         </p:style>
-      </p:cxnSp>
-      <p:sp>
-        <p:nvSpPr>
-          <p:cNvPr id="3" name="Rounded Rectangular Callout 2"/>
-          <p:cNvSpPr/>
-          <p:nvPr/>
-        </p:nvSpPr>
-        <p:spPr>
-          <a:xfrm>
-            <a:off x="6926262" y="5486400"/>
-            <a:ext cx="2635250" cy="1181100"/>
-          </a:xfrm>
-          <a:prstGeom prst="wedgeRoundRectCallout">
-            <a:avLst>
-              <a:gd name="adj1" fmla="val -71673"/>
-              <a:gd name="adj2" fmla="val -95115"/>
-              <a:gd name="adj3" fmla="val 16667"/>
-            </a:avLst>
-          </a:prstGeom>
-        </p:spPr>
-        <p:style>
-          <a:lnRef idx="2">
-            <a:schemeClr val="accent1">
-              <a:shade val="50000"/>
-            </a:schemeClr>
-          </a:lnRef>
-          <a:fillRef idx="1">
-            <a:schemeClr val="accent1"/>
-          </a:fillRef>
-          <a:effectRef idx="0">
-            <a:schemeClr val="accent1"/>
-          </a:effectRef>
-          <a:fontRef idx="minor">
-            <a:schemeClr val="lt1"/>
-          </a:fontRef>
-        </p:style>
         <p:txBody>
           <a:bodyPr rtlCol="0" anchor="ctr"/>
           <a:lstStyle/>
           <a:p>
             <a:pPr algn="ctr"/>
-            <a:r>
-              <a:rPr lang="hu-HU" dirty="0" smtClean="0"/>
-              <a:t>In-editor validation</a:t>
-            </a:r>
-          </a:p>
-          <a:p>
-            <a:pPr algn="ctr"/>
-            <a:r>
-              <a:rPr lang="hu-HU" dirty="0" smtClean="0"/>
-              <a:t>Hover feedback</a:t>
-            </a:r>
-          </a:p>
-          <a:p>
-            <a:pPr algn="ctr"/>
-            <a:r>
-              <a:rPr lang="hu-HU" dirty="0" smtClean="0"/>
-              <a:t>Jface viewer</a:t>
-            </a:r>
             <a:endParaRPr lang="en-US" dirty="0"/>
           </a:p>
         </p:txBody>
@@ -9880,7 +9958,7 @@
     </p:spTree>
     <p:extLst>
       <p:ext uri="{BB962C8B-B14F-4D97-AF65-F5344CB8AC3E}">
-        <p14:creationId xmlns:p14="http://schemas.microsoft.com/office/powerpoint/2010/main" val="663010118"/>
+        <p14:creationId xmlns:p14="http://schemas.microsoft.com/office/powerpoint/2010/main" val="1402349981"/>
       </p:ext>
     </p:extLst>
   </p:cSld>
@@ -9890,9 +9968,191 @@
   <p:timing>
     <p:tnLst>
       <p:par>
-        <p:cTn id="1" dur="indefinite" restart="never" nodeType="tmRoot"/>
+        <p:cTn id="1" dur="indefinite" restart="never" nodeType="tmRoot">
+          <p:childTnLst>
+            <p:seq concurrent="1" nextAc="seek">
+              <p:cTn id="2" dur="indefinite" nodeType="mainSeq">
+                <p:childTnLst>
+                  <p:par>
+                    <p:cTn id="3" fill="hold">
+                      <p:stCondLst>
+                        <p:cond delay="indefinite"/>
+                      </p:stCondLst>
+                      <p:childTnLst>
+                        <p:par>
+                          <p:cTn id="4" fill="hold">
+                            <p:stCondLst>
+                              <p:cond delay="0"/>
+                            </p:stCondLst>
+                            <p:childTnLst>
+                              <p:par>
+                                <p:cTn id="5" presetID="1" presetClass="entr" presetSubtype="0" fill="hold" grpId="0" nodeType="clickEffect">
+                                  <p:stCondLst>
+                                    <p:cond delay="0"/>
+                                  </p:stCondLst>
+                                  <p:childTnLst>
+                                    <p:set>
+                                      <p:cBhvr>
+                                        <p:cTn id="6" dur="1" fill="hold">
+                                          <p:stCondLst>
+                                            <p:cond delay="0"/>
+                                          </p:stCondLst>
+                                        </p:cTn>
+                                        <p:tgtEl>
+                                          <p:spTgt spid="22"/>
+                                        </p:tgtEl>
+                                        <p:attrNameLst>
+                                          <p:attrName>style.visibility</p:attrName>
+                                        </p:attrNameLst>
+                                      </p:cBhvr>
+                                      <p:to>
+                                        <p:strVal val="visible"/>
+                                      </p:to>
+                                    </p:set>
+                                  </p:childTnLst>
+                                </p:cTn>
+                              </p:par>
+                              <p:par>
+                                <p:cTn id="7" presetID="1" presetClass="entr" presetSubtype="0" fill="hold" grpId="0" nodeType="withEffect">
+                                  <p:stCondLst>
+                                    <p:cond delay="0"/>
+                                  </p:stCondLst>
+                                  <p:childTnLst>
+                                    <p:set>
+                                      <p:cBhvr>
+                                        <p:cTn id="8" dur="1" fill="hold">
+                                          <p:stCondLst>
+                                            <p:cond delay="0"/>
+                                          </p:stCondLst>
+                                        </p:cTn>
+                                        <p:tgtEl>
+                                          <p:spTgt spid="21"/>
+                                        </p:tgtEl>
+                                        <p:attrNameLst>
+                                          <p:attrName>style.visibility</p:attrName>
+                                        </p:attrNameLst>
+                                      </p:cBhvr>
+                                      <p:to>
+                                        <p:strVal val="visible"/>
+                                      </p:to>
+                                    </p:set>
+                                  </p:childTnLst>
+                                </p:cTn>
+                              </p:par>
+                              <p:par>
+                                <p:cTn id="9" presetID="1" presetClass="entr" presetSubtype="0" fill="hold" nodeType="withEffect">
+                                  <p:stCondLst>
+                                    <p:cond delay="0"/>
+                                  </p:stCondLst>
+                                  <p:childTnLst>
+                                    <p:set>
+                                      <p:cBhvr>
+                                        <p:cTn id="10" dur="1" fill="hold">
+                                          <p:stCondLst>
+                                            <p:cond delay="0"/>
+                                          </p:stCondLst>
+                                        </p:cTn>
+                                        <p:tgtEl>
+                                          <p:spTgt spid="17"/>
+                                        </p:tgtEl>
+                                        <p:attrNameLst>
+                                          <p:attrName>style.visibility</p:attrName>
+                                        </p:attrNameLst>
+                                      </p:cBhvr>
+                                      <p:to>
+                                        <p:strVal val="visible"/>
+                                      </p:to>
+                                    </p:set>
+                                  </p:childTnLst>
+                                </p:cTn>
+                              </p:par>
+                              <p:par>
+                                <p:cTn id="11" presetID="1" presetClass="entr" presetSubtype="0" fill="hold" grpId="0" nodeType="withEffect">
+                                  <p:stCondLst>
+                                    <p:cond delay="0"/>
+                                  </p:stCondLst>
+                                  <p:childTnLst>
+                                    <p:set>
+                                      <p:cBhvr>
+                                        <p:cTn id="12" dur="1" fill="hold">
+                                          <p:stCondLst>
+                                            <p:cond delay="0"/>
+                                          </p:stCondLst>
+                                        </p:cTn>
+                                        <p:tgtEl>
+                                          <p:spTgt spid="19"/>
+                                        </p:tgtEl>
+                                        <p:attrNameLst>
+                                          <p:attrName>style.visibility</p:attrName>
+                                        </p:attrNameLst>
+                                      </p:cBhvr>
+                                      <p:to>
+                                        <p:strVal val="visible"/>
+                                      </p:to>
+                                    </p:set>
+                                  </p:childTnLst>
+                                </p:cTn>
+                              </p:par>
+                              <p:par>
+                                <p:cTn id="13" presetID="1" presetClass="entr" presetSubtype="0" fill="hold" grpId="0" nodeType="withEffect">
+                                  <p:stCondLst>
+                                    <p:cond delay="0"/>
+                                  </p:stCondLst>
+                                  <p:childTnLst>
+                                    <p:set>
+                                      <p:cBhvr>
+                                        <p:cTn id="14" dur="1" fill="hold">
+                                          <p:stCondLst>
+                                            <p:cond delay="0"/>
+                                          </p:stCondLst>
+                                        </p:cTn>
+                                        <p:tgtEl>
+                                          <p:spTgt spid="20"/>
+                                        </p:tgtEl>
+                                        <p:attrNameLst>
+                                          <p:attrName>style.visibility</p:attrName>
+                                        </p:attrNameLst>
+                                      </p:cBhvr>
+                                      <p:to>
+                                        <p:strVal val="visible"/>
+                                      </p:to>
+                                    </p:set>
+                                  </p:childTnLst>
+                                </p:cTn>
+                              </p:par>
+                            </p:childTnLst>
+                          </p:cTn>
+                        </p:par>
+                      </p:childTnLst>
+                    </p:cTn>
+                  </p:par>
+                </p:childTnLst>
+              </p:cTn>
+              <p:prevCondLst>
+                <p:cond evt="onPrev" delay="0">
+                  <p:tgtEl>
+                    <p:sldTgt/>
+                  </p:tgtEl>
+                </p:cond>
+              </p:prevCondLst>
+              <p:nextCondLst>
+                <p:cond evt="onNext" delay="0">
+                  <p:tgtEl>
+                    <p:sldTgt/>
+                  </p:tgtEl>
+                </p:cond>
+              </p:nextCondLst>
+            </p:seq>
+          </p:childTnLst>
+        </p:cTn>
       </p:par>
     </p:tnLst>
+    <p:bldLst>
+      <p:bldP spid="19" grpId="0" animBg="1"/>
+      <p:bldP spid="20" grpId="0" animBg="1"/>
+      <p:bldP spid="21" grpId="0" animBg="1"/>
+      <p:bldP spid="22" grpId="0" animBg="1"/>
+    </p:bldLst>
   </p:timing>
 </p:sld>
 </file>
@@ -9957,6 +10217,29 @@
               <a:t>Teljesítményanalízis</a:t>
             </a:r>
             <a:endParaRPr lang="en-US" dirty="0"/>
+          </a:p>
+        </p:txBody>
+      </p:sp>
+      <p:sp>
+        <p:nvSpPr>
+          <p:cNvPr id="4" name="Slide Number Placeholder 3"/>
+          <p:cNvSpPr>
+            <a:spLocks noGrp="1"/>
+          </p:cNvSpPr>
+          <p:nvPr>
+            <p:ph type="sldNum" sz="quarter" idx="12"/>
+          </p:nvPr>
+        </p:nvSpPr>
+        <p:spPr/>
+        <p:txBody>
+          <a:bodyPr/>
+          <a:lstStyle/>
+          <a:p>
+            <a:fld id="{E5B09FA9-A177-4256-9C7F-5CF31ABA7234}" type="slidenum">
+              <a:rPr lang="en-US" smtClean="0"/>
+              <a:t>15</a:t>
+            </a:fld>
+            <a:endParaRPr lang="en-US"/>
           </a:p>
         </p:txBody>
       </p:sp>
@@ -10084,6 +10367,29 @@
           </a:p>
         </p:txBody>
       </p:sp>
+      <p:sp>
+        <p:nvSpPr>
+          <p:cNvPr id="2" name="Slide Number Placeholder 1"/>
+          <p:cNvSpPr>
+            <a:spLocks noGrp="1"/>
+          </p:cNvSpPr>
+          <p:nvPr>
+            <p:ph type="sldNum" sz="quarter" idx="12"/>
+          </p:nvPr>
+        </p:nvSpPr>
+        <p:spPr/>
+        <p:txBody>
+          <a:bodyPr/>
+          <a:lstStyle/>
+          <a:p>
+            <a:fld id="{E5B09FA9-A177-4256-9C7F-5CF31ABA7234}" type="slidenum">
+              <a:rPr lang="en-US" smtClean="0"/>
+              <a:t>16</a:t>
+            </a:fld>
+            <a:endParaRPr lang="en-US"/>
+          </a:p>
+        </p:txBody>
+      </p:sp>
     </p:spTree>
     <p:extLst>
       <p:ext uri="{BB962C8B-B14F-4D97-AF65-F5344CB8AC3E}">
@@ -10228,6 +10534,29 @@
           </a:graphicData>
         </a:graphic>
       </p:graphicFrame>
+      <p:sp>
+        <p:nvSpPr>
+          <p:cNvPr id="3" name="Slide Number Placeholder 2"/>
+          <p:cNvSpPr>
+            <a:spLocks noGrp="1"/>
+          </p:cNvSpPr>
+          <p:nvPr>
+            <p:ph type="sldNum" sz="quarter" idx="12"/>
+          </p:nvPr>
+        </p:nvSpPr>
+        <p:spPr/>
+        <p:txBody>
+          <a:bodyPr/>
+          <a:lstStyle/>
+          <a:p>
+            <a:fld id="{E5B09FA9-A177-4256-9C7F-5CF31ABA7234}" type="slidenum">
+              <a:rPr lang="en-US" smtClean="0"/>
+              <a:t>17</a:t>
+            </a:fld>
+            <a:endParaRPr lang="en-US"/>
+          </a:p>
+        </p:txBody>
+      </p:sp>
     </p:spTree>
     <p:extLst>
       <p:ext uri="{BB962C8B-B14F-4D97-AF65-F5344CB8AC3E}">
@@ -10430,11 +10759,7 @@
           <a:p>
             <a:r>
               <a:rPr lang="hu-HU" dirty="0" smtClean="0"/>
-              <a:t>Kiértékelés egy változtatás esetén: ~1ms az összes </a:t>
-            </a:r>
-            <a:r>
-              <a:rPr lang="hu-HU" dirty="0" smtClean="0"/>
-              <a:t>elemre </a:t>
+              <a:t>Kiértékelés egy változtatás esetén: ~1ms az összes elemre </a:t>
             </a:r>
             <a:r>
               <a:rPr lang="hu-HU" dirty="0" smtClean="0">
@@ -10449,6 +10774,29 @@
               <a:buNone/>
             </a:pPr>
             <a:endParaRPr lang="hu-HU" dirty="0" smtClean="0"/>
+          </a:p>
+        </p:txBody>
+      </p:sp>
+      <p:sp>
+        <p:nvSpPr>
+          <p:cNvPr id="3" name="Slide Number Placeholder 2"/>
+          <p:cNvSpPr>
+            <a:spLocks noGrp="1"/>
+          </p:cNvSpPr>
+          <p:nvPr>
+            <p:ph type="sldNum" sz="quarter" idx="12"/>
+          </p:nvPr>
+        </p:nvSpPr>
+        <p:spPr/>
+        <p:txBody>
+          <a:bodyPr/>
+          <a:lstStyle/>
+          <a:p>
+            <a:fld id="{E5B09FA9-A177-4256-9C7F-5CF31ABA7234}" type="slidenum">
+              <a:rPr lang="en-US" smtClean="0"/>
+              <a:t>18</a:t>
+            </a:fld>
+            <a:endParaRPr lang="en-US"/>
           </a:p>
         </p:txBody>
       </p:sp>
@@ -10535,6 +10883,29 @@
           </a:p>
         </p:txBody>
       </p:sp>
+      <p:sp>
+        <p:nvSpPr>
+          <p:cNvPr id="2" name="Slide Number Placeholder 1"/>
+          <p:cNvSpPr>
+            <a:spLocks noGrp="1"/>
+          </p:cNvSpPr>
+          <p:nvPr>
+            <p:ph type="sldNum" sz="quarter" idx="12"/>
+          </p:nvPr>
+        </p:nvSpPr>
+        <p:spPr/>
+        <p:txBody>
+          <a:bodyPr/>
+          <a:lstStyle/>
+          <a:p>
+            <a:fld id="{E5B09FA9-A177-4256-9C7F-5CF31ABA7234}" type="slidenum">
+              <a:rPr lang="en-US" smtClean="0"/>
+              <a:t>19</a:t>
+            </a:fld>
+            <a:endParaRPr lang="en-US"/>
+          </a:p>
+        </p:txBody>
+      </p:sp>
     </p:spTree>
     <p:extLst>
       <p:ext uri="{BB962C8B-B14F-4D97-AF65-F5344CB8AC3E}">
@@ -10618,6 +10989,29 @@
           </a:p>
         </p:txBody>
       </p:sp>
+      <p:sp>
+        <p:nvSpPr>
+          <p:cNvPr id="6" name="Slide Number Placeholder 5"/>
+          <p:cNvSpPr>
+            <a:spLocks noGrp="1"/>
+          </p:cNvSpPr>
+          <p:nvPr>
+            <p:ph type="sldNum" sz="quarter" idx="12"/>
+          </p:nvPr>
+        </p:nvSpPr>
+        <p:spPr/>
+        <p:txBody>
+          <a:bodyPr/>
+          <a:lstStyle/>
+          <a:p>
+            <a:fld id="{E5B09FA9-A177-4256-9C7F-5CF31ABA7234}" type="slidenum">
+              <a:rPr lang="en-US" smtClean="0"/>
+              <a:t>2</a:t>
+            </a:fld>
+            <a:endParaRPr lang="en-US"/>
+          </a:p>
+        </p:txBody>
+      </p:sp>
     </p:spTree>
     <p:extLst>
       <p:ext uri="{BB962C8B-B14F-4D97-AF65-F5344CB8AC3E}">
@@ -10697,26 +11091,14 @@
           <a:p>
             <a:r>
               <a:rPr lang="hu-HU" dirty="0" smtClean="0"/>
-              <a:t>Kész eszköz nagyméretű Java szoftver infrastruktúra </a:t>
-            </a:r>
+              <a:t>Kész eszköz nagyméretű Java szoftver infrastruktúra függőségeinek feltárására</a:t>
+            </a:r>
+          </a:p>
+          <a:p>
+            <a:pPr lvl="1"/>
             <a:r>
               <a:rPr lang="hu-HU" dirty="0" smtClean="0"/>
-              <a:t>függőségeinek feltárására</a:t>
-            </a:r>
-          </a:p>
-          <a:p>
-            <a:pPr lvl="1"/>
-            <a:r>
-              <a:rPr lang="hu-HU" dirty="0" smtClean="0"/>
-              <a:t>Nagy mennyiségű </a:t>
-            </a:r>
-            <a:r>
-              <a:rPr lang="hu-HU" dirty="0" smtClean="0"/>
-              <a:t>bináris komponens hatékony </a:t>
-            </a:r>
-            <a:r>
-              <a:rPr lang="hu-HU" dirty="0" smtClean="0"/>
-              <a:t>feldolgozása és lekérdezése</a:t>
+              <a:t>Nagy mennyiségű bináris komponens hatékony feldolgozása és lekérdezése</a:t>
             </a:r>
           </a:p>
           <a:p>
@@ -10738,7 +11120,6 @@
               <a:rPr lang="hu-HU" dirty="0" smtClean="0"/>
               <a:t>Azonnali visszajelzés inkrementális gráfmintaillesztés alapján</a:t>
             </a:r>
-            <a:endParaRPr lang="hu-HU" dirty="0" smtClean="0"/>
           </a:p>
           <a:p>
             <a:r>
@@ -10768,13 +11149,31 @@
             </a:r>
             <a:r>
               <a:rPr lang="hu-HU" dirty="0" smtClean="0"/>
-              <a:t>1300 Java projekt, 24/7 </a:t>
-            </a:r>
-            <a:r>
-              <a:rPr lang="hu-HU" dirty="0" smtClean="0"/>
-              <a:t>üzemidő</a:t>
-            </a:r>
-            <a:endParaRPr lang="hu-HU" dirty="0" smtClean="0"/>
+              <a:t>1300 Java projekt, 24/7 üzemidő</a:t>
+            </a:r>
+          </a:p>
+        </p:txBody>
+      </p:sp>
+      <p:sp>
+        <p:nvSpPr>
+          <p:cNvPr id="2" name="Slide Number Placeholder 1"/>
+          <p:cNvSpPr>
+            <a:spLocks noGrp="1"/>
+          </p:cNvSpPr>
+          <p:nvPr>
+            <p:ph type="sldNum" sz="quarter" idx="12"/>
+          </p:nvPr>
+        </p:nvSpPr>
+        <p:spPr/>
+        <p:txBody>
+          <a:bodyPr/>
+          <a:lstStyle/>
+          <a:p>
+            <a:fld id="{E5B09FA9-A177-4256-9C7F-5CF31ABA7234}" type="slidenum">
+              <a:rPr lang="en-US" smtClean="0"/>
+              <a:t>20</a:t>
+            </a:fld>
+            <a:endParaRPr lang="en-US"/>
           </a:p>
         </p:txBody>
       </p:sp>
@@ -10881,6 +11280,29 @@
           </a:p>
         </p:txBody>
       </p:sp>
+      <p:sp>
+        <p:nvSpPr>
+          <p:cNvPr id="4" name="Slide Number Placeholder 3"/>
+          <p:cNvSpPr>
+            <a:spLocks noGrp="1"/>
+          </p:cNvSpPr>
+          <p:nvPr>
+            <p:ph type="sldNum" sz="quarter" idx="12"/>
+          </p:nvPr>
+        </p:nvSpPr>
+        <p:spPr/>
+        <p:txBody>
+          <a:bodyPr/>
+          <a:lstStyle/>
+          <a:p>
+            <a:fld id="{E5B09FA9-A177-4256-9C7F-5CF31ABA7234}" type="slidenum">
+              <a:rPr lang="en-US" smtClean="0"/>
+              <a:t>21</a:t>
+            </a:fld>
+            <a:endParaRPr lang="en-US"/>
+          </a:p>
+        </p:txBody>
+      </p:sp>
     </p:spTree>
     <p:extLst>
       <p:ext uri="{BB962C8B-B14F-4D97-AF65-F5344CB8AC3E}">
@@ -10954,8 +11376,9 @@
             <a:pPr algn="ctr"/>
             <a:r>
               <a:rPr lang="hu-HU" dirty="0" smtClean="0"/>
-              <a:t>service.jar</a:t>
-            </a:r>
+              <a:t>Projekt A</a:t>
+            </a:r>
+            <a:endParaRPr lang="hu-HU" dirty="0" smtClean="0"/>
           </a:p>
           <a:p>
             <a:pPr algn="ctr"/>
@@ -11129,8 +11552,9 @@
             <a:pPr algn="ctr"/>
             <a:r>
               <a:rPr lang="hu-HU" dirty="0" smtClean="0"/>
-              <a:t>client.jar</a:t>
-            </a:r>
+              <a:t>Projekt B</a:t>
+            </a:r>
+            <a:endParaRPr lang="hu-HU" dirty="0" smtClean="0"/>
           </a:p>
           <a:p>
             <a:pPr algn="ctr"/>
@@ -11843,6 +12267,29 @@
               <a:rPr lang="hu-HU" sz="1600" dirty="0" smtClean="0"/>
               <a:t>”</a:t>
             </a:r>
+          </a:p>
+        </p:txBody>
+      </p:sp>
+      <p:sp>
+        <p:nvSpPr>
+          <p:cNvPr id="2" name="Slide Number Placeholder 1"/>
+          <p:cNvSpPr>
+            <a:spLocks noGrp="1"/>
+          </p:cNvSpPr>
+          <p:nvPr>
+            <p:ph type="sldNum" sz="quarter" idx="12"/>
+          </p:nvPr>
+        </p:nvSpPr>
+        <p:spPr/>
+        <p:txBody>
+          <a:bodyPr/>
+          <a:lstStyle/>
+          <a:p>
+            <a:fld id="{E5B09FA9-A177-4256-9C7F-5CF31ABA7234}" type="slidenum">
+              <a:rPr lang="en-US" smtClean="0"/>
+              <a:t>3</a:t>
+            </a:fld>
+            <a:endParaRPr lang="en-US"/>
           </a:p>
         </p:txBody>
       </p:sp>
@@ -12508,7 +12955,12 @@
             <p:ph idx="1"/>
           </p:nvPr>
         </p:nvSpPr>
-        <p:spPr/>
+        <p:spPr>
+          <a:xfrm>
+            <a:off x="464127" y="1600200"/>
+            <a:ext cx="8229600" cy="4525963"/>
+          </a:xfrm>
+        </p:spPr>
         <p:txBody>
           <a:bodyPr>
             <a:normAutofit fontScale="70000" lnSpcReduction="20000"/>
@@ -12517,11 +12969,7 @@
           <a:p>
             <a:r>
               <a:rPr lang="hu-HU" dirty="0" smtClean="0"/>
-              <a:t>Nagyszámú Java szoftver (1000</a:t>
-            </a:r>
-            <a:r>
-              <a:rPr lang="hu-HU" dirty="0" smtClean="0"/>
-              <a:t>+)</a:t>
+              <a:t>Nagyszámú Java szoftver (1000+)</a:t>
             </a:r>
           </a:p>
           <a:p>
@@ -12530,12 +12978,21 @@
               <a:rPr lang="hu-HU" dirty="0" smtClean="0"/>
               <a:t>Tisztán forráskód alapú analízis nem működőképes</a:t>
             </a:r>
-            <a:endParaRPr lang="hu-HU" dirty="0" smtClean="0"/>
           </a:p>
           <a:p>
             <a:r>
               <a:rPr lang="hu-HU" dirty="0" smtClean="0"/>
-              <a:t>OO =&gt; </a:t>
+              <a:t>OO </a:t>
+            </a:r>
+            <a:r>
+              <a:rPr lang="hu-HU" dirty="0">
+                <a:sym typeface="Wingdings" pitchFamily="2" charset="2"/>
+              </a:rPr>
+              <a:t></a:t>
+            </a:r>
+            <a:r>
+              <a:rPr lang="hu-HU" dirty="0" smtClean="0"/>
+              <a:t> </a:t>
             </a:r>
             <a:r>
               <a:rPr lang="hu-HU" dirty="0"/>
@@ -12550,21 +13007,8 @@
             <a:pPr lvl="1"/>
             <a:r>
               <a:rPr lang="hu-HU" dirty="0" smtClean="0"/>
-              <a:t>Függvényhívás, ö</a:t>
-            </a:r>
-            <a:r>
-              <a:rPr lang="hu-HU" dirty="0" smtClean="0"/>
-              <a:t>röklés</a:t>
-            </a:r>
-            <a:r>
-              <a:rPr lang="hu-HU" dirty="0" smtClean="0"/>
-              <a:t>, függvény-felüldefiniálás, </a:t>
-            </a:r>
-            <a:r>
-              <a:rPr lang="hu-HU" dirty="0" smtClean="0"/>
-              <a:t>tagváltozó-hozzáférés, osztálybetöltés. </a:t>
-            </a:r>
-            <a:endParaRPr lang="hu-HU" dirty="0" smtClean="0"/>
+              <a:t>Függvényhívás, öröklés, függvény-felüldefiniálás, tagváltozó-hozzáférés, osztálybetöltés. </a:t>
+            </a:r>
           </a:p>
           <a:p>
             <a:r>
@@ -12578,35 +13022,21 @@
               <a:rPr lang="hu-HU" dirty="0" smtClean="0"/>
               <a:t>Szoftververziók konzisztenciáját garantálni kell</a:t>
             </a:r>
-            <a:endParaRPr lang="hu-HU" dirty="0" smtClean="0"/>
           </a:p>
           <a:p>
             <a:pPr lvl="1"/>
             <a:r>
               <a:rPr lang="hu-HU" dirty="0" smtClean="0"/>
-              <a:t>Elvárás: </a:t>
-            </a:r>
-            <a:r>
-              <a:rPr lang="hu-HU" dirty="0" smtClean="0"/>
-              <a:t>egy módosítás az érintett komponensre épülő </a:t>
-            </a:r>
-            <a:r>
-              <a:rPr lang="hu-HU" dirty="0" smtClean="0"/>
-              <a:t>szoftverekben ne okozzon hibát (</a:t>
+              <a:t>Elvárás: egy módosítás az érintett komponensre épülő szoftverekben ne okozzon hibát (</a:t>
             </a:r>
             <a:r>
               <a:rPr lang="hu-HU" b="1" dirty="0" smtClean="0"/>
-              <a:t>smooth </a:t>
-            </a:r>
-            <a:r>
-              <a:rPr lang="hu-HU" b="1" dirty="0" smtClean="0"/>
-              <a:t>upgrade</a:t>
+              <a:t>smooth upgrade</a:t>
             </a:r>
             <a:r>
               <a:rPr lang="hu-HU" dirty="0" smtClean="0"/>
               <a:t>)</a:t>
             </a:r>
-            <a:endParaRPr lang="hu-HU" dirty="0" smtClean="0"/>
           </a:p>
           <a:p>
             <a:endParaRPr lang="hu-HU" dirty="0" smtClean="0"/>
@@ -12630,23 +13060,13 @@
               <a:rPr lang="hu-HU" dirty="0" smtClean="0"/>
               <a:t>hatása</a:t>
             </a:r>
-            <a:endParaRPr lang="hu-HU" dirty="0" smtClean="0"/>
           </a:p>
           <a:p>
             <a:pPr lvl="1"/>
             <a:r>
               <a:rPr lang="hu-HU" dirty="0" smtClean="0"/>
-              <a:t>Mit </a:t>
-            </a:r>
-            <a:r>
-              <a:rPr lang="hu-HU" dirty="0" smtClean="0"/>
-              <a:t>változtathatunk </a:t>
-            </a:r>
-            <a:r>
-              <a:rPr lang="hu-HU" dirty="0" smtClean="0"/>
-              <a:t>meg és hogyan</a:t>
-            </a:r>
-            <a:endParaRPr lang="hu-HU" dirty="0" smtClean="0"/>
+              <a:t>Mit változtathatunk meg és hogyan</a:t>
+            </a:r>
           </a:p>
           <a:p>
             <a:endParaRPr lang="en-US" dirty="0"/>
@@ -12689,6 +13109,29 @@
           <a:lstStyle/>
           <a:p>
             <a:pPr algn="ctr"/>
+            <a:endParaRPr lang="en-US"/>
+          </a:p>
+        </p:txBody>
+      </p:sp>
+      <p:sp>
+        <p:nvSpPr>
+          <p:cNvPr id="5" name="Slide Number Placeholder 4"/>
+          <p:cNvSpPr>
+            <a:spLocks noGrp="1"/>
+          </p:cNvSpPr>
+          <p:nvPr>
+            <p:ph type="sldNum" sz="quarter" idx="12"/>
+          </p:nvPr>
+        </p:nvSpPr>
+        <p:spPr/>
+        <p:txBody>
+          <a:bodyPr/>
+          <a:lstStyle/>
+          <a:p>
+            <a:fld id="{E5B09FA9-A177-4256-9C7F-5CF31ABA7234}" type="slidenum">
+              <a:rPr lang="en-US" smtClean="0"/>
+              <a:t>4</a:t>
+            </a:fld>
             <a:endParaRPr lang="en-US"/>
           </a:p>
         </p:txBody>
@@ -12845,6 +13288,29 @@
           </a:p>
         </p:txBody>
       </p:sp>
+      <p:sp>
+        <p:nvSpPr>
+          <p:cNvPr id="4" name="Slide Number Placeholder 3"/>
+          <p:cNvSpPr>
+            <a:spLocks noGrp="1"/>
+          </p:cNvSpPr>
+          <p:nvPr>
+            <p:ph type="sldNum" sz="quarter" idx="12"/>
+          </p:nvPr>
+        </p:nvSpPr>
+        <p:spPr/>
+        <p:txBody>
+          <a:bodyPr/>
+          <a:lstStyle/>
+          <a:p>
+            <a:fld id="{E5B09FA9-A177-4256-9C7F-5CF31ABA7234}" type="slidenum">
+              <a:rPr lang="en-US" smtClean="0"/>
+              <a:t>5</a:t>
+            </a:fld>
+            <a:endParaRPr lang="en-US"/>
+          </a:p>
+        </p:txBody>
+      </p:sp>
     </p:spTree>
     <p:extLst>
       <p:ext uri="{BB962C8B-B14F-4D97-AF65-F5344CB8AC3E}">
@@ -12927,6 +13393,29 @@
               <a:t>Az elkészült eszköz</a:t>
             </a:r>
             <a:endParaRPr lang="en-US" dirty="0"/>
+          </a:p>
+        </p:txBody>
+      </p:sp>
+      <p:sp>
+        <p:nvSpPr>
+          <p:cNvPr id="4" name="Slide Number Placeholder 3"/>
+          <p:cNvSpPr>
+            <a:spLocks noGrp="1"/>
+          </p:cNvSpPr>
+          <p:nvPr>
+            <p:ph type="sldNum" sz="quarter" idx="12"/>
+          </p:nvPr>
+        </p:nvSpPr>
+        <p:spPr/>
+        <p:txBody>
+          <a:bodyPr/>
+          <a:lstStyle/>
+          <a:p>
+            <a:fld id="{E5B09FA9-A177-4256-9C7F-5CF31ABA7234}" type="slidenum">
+              <a:rPr lang="en-US" smtClean="0"/>
+              <a:t>6</a:t>
+            </a:fld>
+            <a:endParaRPr lang="en-US"/>
           </a:p>
         </p:txBody>
       </p:sp>
@@ -13691,15 +14180,7 @@
             </a:pPr>
             <a:r>
               <a:rPr lang="hu-HU" b="1" dirty="0" smtClean="0"/>
-              <a:t>Bemenet </a:t>
-            </a:r>
-            <a:r>
-              <a:rPr lang="hu-HU" b="1" dirty="0" smtClean="0"/>
-              <a:t>méretétől </a:t>
-            </a:r>
-            <a:r>
-              <a:rPr lang="hu-HU" b="1" dirty="0" smtClean="0"/>
-              <a:t>függetlenül</a:t>
+              <a:t>Bemenet méretétől függetlenül</a:t>
             </a:r>
           </a:p>
           <a:p>
@@ -13711,7 +14192,6 @@
               <a:rPr lang="hu-HU" b="1" dirty="0" smtClean="0"/>
               <a:t>Adatbázis lekérdezések alapján</a:t>
             </a:r>
-            <a:endParaRPr lang="hu-HU" b="1" dirty="0" smtClean="0"/>
           </a:p>
         </p:txBody>
       </p:sp>
@@ -13935,6 +14415,29 @@
               <a:rPr lang="hu-HU" dirty="0" smtClean="0"/>
               <a:t>Összes vizsgálandó jar egy központi tárolóban</a:t>
             </a:r>
+          </a:p>
+        </p:txBody>
+      </p:sp>
+      <p:sp>
+        <p:nvSpPr>
+          <p:cNvPr id="2" name="Slide Number Placeholder 1"/>
+          <p:cNvSpPr>
+            <a:spLocks noGrp="1"/>
+          </p:cNvSpPr>
+          <p:nvPr>
+            <p:ph type="sldNum" sz="quarter" idx="12"/>
+          </p:nvPr>
+        </p:nvSpPr>
+        <p:spPr/>
+        <p:txBody>
+          <a:bodyPr/>
+          <a:lstStyle/>
+          <a:p>
+            <a:fld id="{E5B09FA9-A177-4256-9C7F-5CF31ABA7234}" type="slidenum">
+              <a:rPr lang="en-US" smtClean="0"/>
+              <a:t>7</a:t>
+            </a:fld>
+            <a:endParaRPr lang="en-US"/>
           </a:p>
         </p:txBody>
       </p:sp>
@@ -14139,15 +14642,60 @@
                                   </p:childTnLst>
                                 </p:cTn>
                               </p:par>
+                            </p:childTnLst>
+                          </p:cTn>
+                        </p:par>
+                      </p:childTnLst>
+                    </p:cTn>
+                  </p:par>
+                  <p:par>
+                    <p:cTn id="19" fill="hold">
+                      <p:stCondLst>
+                        <p:cond delay="indefinite"/>
+                      </p:stCondLst>
+                      <p:childTnLst>
+                        <p:par>
+                          <p:cTn id="20" fill="hold">
+                            <p:stCondLst>
+                              <p:cond delay="0"/>
+                            </p:stCondLst>
+                            <p:childTnLst>
                               <p:par>
-                                <p:cTn id="19" presetID="1" presetClass="exit" presetSubtype="0" fill="hold" grpId="1" nodeType="withEffect">
+                                <p:cTn id="21" presetID="1" presetClass="entr" presetSubtype="0" fill="hold" grpId="0" nodeType="clickEffect">
                                   <p:stCondLst>
                                     <p:cond delay="0"/>
                                   </p:stCondLst>
                                   <p:childTnLst>
                                     <p:set>
                                       <p:cBhvr>
-                                        <p:cTn id="20" dur="1" fill="hold">
+                                        <p:cTn id="22" dur="1" fill="hold">
+                                          <p:stCondLst>
+                                            <p:cond delay="0"/>
+                                          </p:stCondLst>
+                                        </p:cTn>
+                                        <p:tgtEl>
+                                          <p:spTgt spid="51"/>
+                                        </p:tgtEl>
+                                        <p:attrNameLst>
+                                          <p:attrName>style.visibility</p:attrName>
+                                        </p:attrNameLst>
+                                      </p:cBhvr>
+                                      <p:to>
+                                        <p:strVal val="visible"/>
+                                      </p:to>
+                                    </p:set>
+                                  </p:childTnLst>
+                                </p:cTn>
+                              </p:par>
+                              <p:par>
+                                <p:cTn id="23" presetID="1" presetClass="exit" presetSubtype="0" fill="hold" grpId="1" nodeType="withEffect">
+                                  <p:stCondLst>
+                                    <p:cond delay="0"/>
+                                  </p:stCondLst>
+                                  <p:childTnLst>
+                                    <p:set>
+                                      <p:cBhvr>
+                                        <p:cTn id="24" dur="1" fill="hold">
                                           <p:stCondLst>
                                             <p:cond delay="0"/>
                                           </p:stCondLst>
@@ -14161,51 +14709,6 @@
                                       </p:cBhvr>
                                       <p:to>
                                         <p:strVal val="hidden"/>
-                                      </p:to>
-                                    </p:set>
-                                  </p:childTnLst>
-                                </p:cTn>
-                              </p:par>
-                            </p:childTnLst>
-                          </p:cTn>
-                        </p:par>
-                      </p:childTnLst>
-                    </p:cTn>
-                  </p:par>
-                  <p:par>
-                    <p:cTn id="21" fill="hold">
-                      <p:stCondLst>
-                        <p:cond delay="indefinite"/>
-                      </p:stCondLst>
-                      <p:childTnLst>
-                        <p:par>
-                          <p:cTn id="22" fill="hold">
-                            <p:stCondLst>
-                              <p:cond delay="0"/>
-                            </p:stCondLst>
-                            <p:childTnLst>
-                              <p:par>
-                                <p:cTn id="23" presetID="1" presetClass="entr" presetSubtype="0" fill="hold" grpId="0" nodeType="clickEffect">
-                                  <p:stCondLst>
-                                    <p:cond delay="0"/>
-                                  </p:stCondLst>
-                                  <p:childTnLst>
-                                    <p:set>
-                                      <p:cBhvr>
-                                        <p:cTn id="24" dur="1" fill="hold">
-                                          <p:stCondLst>
-                                            <p:cond delay="0"/>
-                                          </p:stCondLst>
-                                        </p:cTn>
-                                        <p:tgtEl>
-                                          <p:spTgt spid="51"/>
-                                        </p:tgtEl>
-                                        <p:attrNameLst>
-                                          <p:attrName>style.visibility</p:attrName>
-                                        </p:attrNameLst>
-                                      </p:cBhvr>
-                                      <p:to>
-                                        <p:strVal val="visible"/>
                                       </p:to>
                                     </p:set>
                                   </p:childTnLst>
@@ -14593,11 +15096,7 @@
             </a:pPr>
             <a:r>
               <a:rPr lang="hu-HU" dirty="0" smtClean="0"/>
-              <a:t>Eredmény: a </a:t>
-            </a:r>
-            <a:r>
-              <a:rPr lang="hu-HU" dirty="0" smtClean="0"/>
-              <a:t>kiválasztott elem függőségei</a:t>
+              <a:t>Eredmény: a kiválasztott elem függőségei</a:t>
             </a:r>
           </a:p>
           <a:p>
@@ -14688,6 +15187,29 @@
           </a:extLst>
         </p:spPr>
       </p:pic>
+      <p:sp>
+        <p:nvSpPr>
+          <p:cNvPr id="2" name="Slide Number Placeholder 1"/>
+          <p:cNvSpPr>
+            <a:spLocks noGrp="1"/>
+          </p:cNvSpPr>
+          <p:nvPr>
+            <p:ph type="sldNum" sz="quarter" idx="12"/>
+          </p:nvPr>
+        </p:nvSpPr>
+        <p:spPr/>
+        <p:txBody>
+          <a:bodyPr/>
+          <a:lstStyle/>
+          <a:p>
+            <a:fld id="{E5B09FA9-A177-4256-9C7F-5CF31ABA7234}" type="slidenum">
+              <a:rPr lang="en-US" smtClean="0"/>
+              <a:t>8</a:t>
+            </a:fld>
+            <a:endParaRPr lang="en-US"/>
+          </a:p>
+        </p:txBody>
+      </p:sp>
     </p:spTree>
     <p:extLst>
       <p:ext uri="{BB962C8B-B14F-4D97-AF65-F5344CB8AC3E}">
@@ -15529,6 +16051,29 @@
               <a:t>Kliens plugin</a:t>
             </a:r>
             <a:endParaRPr lang="en-US" dirty="0"/>
+          </a:p>
+        </p:txBody>
+      </p:sp>
+      <p:sp>
+        <p:nvSpPr>
+          <p:cNvPr id="2" name="Slide Number Placeholder 1"/>
+          <p:cNvSpPr>
+            <a:spLocks noGrp="1"/>
+          </p:cNvSpPr>
+          <p:nvPr>
+            <p:ph type="sldNum" sz="quarter" idx="12"/>
+          </p:nvPr>
+        </p:nvSpPr>
+        <p:spPr/>
+        <p:txBody>
+          <a:bodyPr/>
+          <a:lstStyle/>
+          <a:p>
+            <a:fld id="{E5B09FA9-A177-4256-9C7F-5CF31ABA7234}" type="slidenum">
+              <a:rPr lang="en-US" smtClean="0"/>
+              <a:t>9</a:t>
+            </a:fld>
+            <a:endParaRPr lang="en-US"/>
           </a:p>
         </p:txBody>
       </p:sp>

--- a/incquery-deps-documentation/presentation/tdk_pres_hu_v2.pptx
+++ b/incquery-deps-documentation/presentation/tdk_pres_hu_v2.pptx
@@ -5,30 +5,31 @@
     <p:sldMasterId id="2147483648" r:id="rId1"/>
   </p:sldMasterIdLst>
   <p:notesMasterIdLst>
-    <p:notesMasterId r:id="rId23"/>
+    <p:notesMasterId r:id="rId24"/>
   </p:notesMasterIdLst>
   <p:sldIdLst>
     <p:sldId id="256" r:id="rId2"/>
     <p:sldId id="257" r:id="rId3"/>
     <p:sldId id="258" r:id="rId4"/>
     <p:sldId id="259" r:id="rId5"/>
-    <p:sldId id="277" r:id="rId6"/>
-    <p:sldId id="261" r:id="rId7"/>
-    <p:sldId id="264" r:id="rId8"/>
-    <p:sldId id="266" r:id="rId9"/>
-    <p:sldId id="265" r:id="rId10"/>
-    <p:sldId id="262" r:id="rId11"/>
-    <p:sldId id="267" r:id="rId12"/>
-    <p:sldId id="270" r:id="rId13"/>
-    <p:sldId id="275" r:id="rId14"/>
-    <p:sldId id="274" r:id="rId15"/>
-    <p:sldId id="263" r:id="rId16"/>
-    <p:sldId id="276" r:id="rId17"/>
-    <p:sldId id="268" r:id="rId18"/>
-    <p:sldId id="269" r:id="rId19"/>
-    <p:sldId id="271" r:id="rId20"/>
-    <p:sldId id="272" r:id="rId21"/>
-    <p:sldId id="273" r:id="rId22"/>
+    <p:sldId id="279" r:id="rId6"/>
+    <p:sldId id="277" r:id="rId7"/>
+    <p:sldId id="261" r:id="rId8"/>
+    <p:sldId id="264" r:id="rId9"/>
+    <p:sldId id="266" r:id="rId10"/>
+    <p:sldId id="265" r:id="rId11"/>
+    <p:sldId id="262" r:id="rId12"/>
+    <p:sldId id="267" r:id="rId13"/>
+    <p:sldId id="270" r:id="rId14"/>
+    <p:sldId id="275" r:id="rId15"/>
+    <p:sldId id="278" r:id="rId16"/>
+    <p:sldId id="263" r:id="rId17"/>
+    <p:sldId id="276" r:id="rId18"/>
+    <p:sldId id="268" r:id="rId19"/>
+    <p:sldId id="269" r:id="rId20"/>
+    <p:sldId id="271" r:id="rId21"/>
+    <p:sldId id="272" r:id="rId22"/>
+    <p:sldId id="273" r:id="rId23"/>
   </p:sldIdLst>
   <p:sldSz cx="9144000" cy="6858000" type="screen4x3"/>
   <p:notesSz cx="6858000" cy="9144000"/>
@@ -308,11 +309,11 @@
         </c:dLbls>
         <c:marker val="1"/>
         <c:smooth val="0"/>
-        <c:axId val="69007360"/>
-        <c:axId val="105224960"/>
+        <c:axId val="109581824"/>
+        <c:axId val="108024896"/>
       </c:lineChart>
       <c:catAx>
-        <c:axId val="69007360"/>
+        <c:axId val="109581824"/>
         <c:scaling>
           <c:orientation val="minMax"/>
         </c:scaling>
@@ -346,7 +347,7 @@
         <c:majorTickMark val="out"/>
         <c:minorTickMark val="none"/>
         <c:tickLblPos val="nextTo"/>
-        <c:crossAx val="105224960"/>
+        <c:crossAx val="108024896"/>
         <c:crosses val="autoZero"/>
         <c:auto val="0"/>
         <c:lblAlgn val="ctr"/>
@@ -356,7 +357,7 @@
         <c:noMultiLvlLbl val="0"/>
       </c:catAx>
       <c:valAx>
-        <c:axId val="105224960"/>
+        <c:axId val="108024896"/>
         <c:scaling>
           <c:orientation val="minMax"/>
         </c:scaling>
@@ -387,7 +388,7 @@
         <c:majorTickMark val="out"/>
         <c:minorTickMark val="none"/>
         <c:tickLblPos val="nextTo"/>
-        <c:crossAx val="69007360"/>
+        <c:crossAx val="109581824"/>
         <c:crosses val="autoZero"/>
         <c:crossBetween val="between"/>
       </c:valAx>
@@ -510,11 +511,11 @@
         </c:dLbls>
         <c:marker val="1"/>
         <c:smooth val="0"/>
-        <c:axId val="105671680"/>
-        <c:axId val="105226816"/>
+        <c:axId val="112506368"/>
+        <c:axId val="108026624"/>
       </c:lineChart>
       <c:catAx>
-        <c:axId val="105671680"/>
+        <c:axId val="112506368"/>
         <c:scaling>
           <c:orientation val="minMax"/>
         </c:scaling>
@@ -548,7 +549,7 @@
         <c:majorTickMark val="out"/>
         <c:minorTickMark val="none"/>
         <c:tickLblPos val="nextTo"/>
-        <c:crossAx val="105226816"/>
+        <c:crossAx val="108026624"/>
         <c:crosses val="autoZero"/>
         <c:auto val="1"/>
         <c:lblAlgn val="ctr"/>
@@ -556,7 +557,7 @@
         <c:noMultiLvlLbl val="0"/>
       </c:catAx>
       <c:valAx>
-        <c:axId val="105226816"/>
+        <c:axId val="108026624"/>
         <c:scaling>
           <c:orientation val="minMax"/>
         </c:scaling>
@@ -587,7 +588,7 @@
         <c:majorTickMark val="out"/>
         <c:minorTickMark val="none"/>
         <c:tickLblPos val="nextTo"/>
-        <c:crossAx val="105671680"/>
+        <c:crossAx val="112506368"/>
         <c:crosses val="autoZero"/>
         <c:crossBetween val="between"/>
       </c:valAx>
@@ -710,11 +711,11 @@
         </c:dLbls>
         <c:marker val="1"/>
         <c:smooth val="0"/>
-        <c:axId val="105672192"/>
-        <c:axId val="105228544"/>
+        <c:axId val="112506880"/>
+        <c:axId val="111665728"/>
       </c:lineChart>
       <c:catAx>
-        <c:axId val="105672192"/>
+        <c:axId val="112506880"/>
         <c:scaling>
           <c:orientation val="minMax"/>
         </c:scaling>
@@ -748,7 +749,7 @@
         <c:majorTickMark val="out"/>
         <c:minorTickMark val="none"/>
         <c:tickLblPos val="nextTo"/>
-        <c:crossAx val="105228544"/>
+        <c:crossAx val="111665728"/>
         <c:crosses val="autoZero"/>
         <c:auto val="1"/>
         <c:lblAlgn val="ctr"/>
@@ -756,7 +757,7 @@
         <c:noMultiLvlLbl val="0"/>
       </c:catAx>
       <c:valAx>
-        <c:axId val="105228544"/>
+        <c:axId val="111665728"/>
         <c:scaling>
           <c:orientation val="minMax"/>
         </c:scaling>
@@ -787,7 +788,7 @@
         <c:majorTickMark val="out"/>
         <c:minorTickMark val="none"/>
         <c:tickLblPos val="nextTo"/>
-        <c:crossAx val="105672192"/>
+        <c:crossAx val="112506880"/>
         <c:crosses val="autoZero"/>
         <c:crossBetween val="between"/>
       </c:valAx>
@@ -884,7 +885,7 @@
           <a:p>
             <a:fld id="{B6BB6350-B212-4879-B209-4DF49D0B4F10}" type="datetimeFigureOut">
               <a:rPr lang="en-US" smtClean="0"/>
-              <a:t>11/12/2012</a:t>
+              <a:t>11/13/2012</a:t>
             </a:fld>
             <a:endParaRPr lang="en-US"/>
           </a:p>
@@ -1286,7 +1287,61 @@
           <a:bodyPr/>
           <a:lstStyle/>
           <a:p>
-            <a:endParaRPr lang="en-US" dirty="0"/>
+            <a:r>
+              <a:rPr lang="hu-HU" baseline="0" dirty="0" smtClean="0"/>
+              <a:t>Példánymodellek és</a:t>
+            </a:r>
+          </a:p>
+          <a:p>
+            <a:r>
+              <a:rPr lang="hu-HU" baseline="0" dirty="0" smtClean="0"/>
+              <a:t>Lekérdezések betöltése</a:t>
+            </a:r>
+          </a:p>
+          <a:p>
+            <a:r>
+              <a:rPr lang="hu-HU" baseline="0" dirty="0" smtClean="0"/>
+              <a:t>Eredmények folyamatos frissítése</a:t>
+            </a:r>
+          </a:p>
+          <a:p>
+            <a:r>
+              <a:rPr lang="hu-HU" baseline="0" dirty="0" smtClean="0"/>
+              <a:t>Forráskód módosításakor0</a:t>
+            </a:r>
+          </a:p>
+          <a:p>
+            <a:r>
+              <a:rPr lang="hu-HU" baseline="0" dirty="0" smtClean="0"/>
+              <a:t>Forráskód modell automatikusan , inkrementálisan frissül</a:t>
+            </a:r>
+          </a:p>
+          <a:p>
+            <a:r>
+              <a:rPr lang="hu-HU" baseline="0" dirty="0" smtClean="0"/>
+              <a:t>Output: </a:t>
+            </a:r>
+          </a:p>
+          <a:p>
+            <a:r>
+              <a:rPr lang="hu-HU" baseline="0" dirty="0" smtClean="0"/>
+              <a:t>Függoségi viszonyok az összes objektumra</a:t>
+            </a:r>
+          </a:p>
+          <a:p>
+            <a:r>
+              <a:rPr lang="hu-HU" baseline="0" dirty="0" smtClean="0"/>
+              <a:t>Automatikusan és gyorsan frissül</a:t>
+            </a:r>
+          </a:p>
+          <a:p>
+            <a:r>
+              <a:rPr lang="hu-HU" baseline="0" dirty="0" smtClean="0"/>
+              <a:t>Eclipse view-ban megjelenítve</a:t>
+            </a:r>
+          </a:p>
+          <a:p>
+            <a:endParaRPr lang="hu-HU" baseline="0" dirty="0"/>
           </a:p>
         </p:txBody>
       </p:sp>
@@ -1316,7 +1371,7 @@
     </p:spTree>
     <p:extLst>
       <p:ext uri="{BB962C8B-B14F-4D97-AF65-F5344CB8AC3E}">
-        <p14:creationId xmlns:p14="http://schemas.microsoft.com/office/powerpoint/2010/main" val="3832885243"/>
+        <p14:creationId xmlns:p14="http://schemas.microsoft.com/office/powerpoint/2010/main" val="1350586827"/>
       </p:ext>
     </p:extLst>
   </p:cSld>
@@ -1389,9 +1444,9 @@
           <a:bodyPr/>
           <a:lstStyle/>
           <a:p>
-            <a:fld id="{660D7955-1178-45C7-88EB-DB10C946F729}" type="slidenum">
+            <a:fld id="{E7AA0654-642B-4EC6-9896-06614A0153EC}" type="slidenum">
               <a:rPr lang="en-US" smtClean="0"/>
-              <a:t>17</a:t>
+              <a:t>16</a:t>
             </a:fld>
             <a:endParaRPr lang="en-US"/>
           </a:p>
@@ -1400,7 +1455,7 @@
     </p:spTree>
     <p:extLst>
       <p:ext uri="{BB962C8B-B14F-4D97-AF65-F5344CB8AC3E}">
-        <p14:creationId xmlns:p14="http://schemas.microsoft.com/office/powerpoint/2010/main" val="1319460358"/>
+        <p14:creationId xmlns:p14="http://schemas.microsoft.com/office/powerpoint/2010/main" val="3832885243"/>
       </p:ext>
     </p:extLst>
   </p:cSld>
@@ -1476,6 +1531,90 @@
             <a:fld id="{660D7955-1178-45C7-88EB-DB10C946F729}" type="slidenum">
               <a:rPr lang="en-US" smtClean="0"/>
               <a:t>18</a:t>
+            </a:fld>
+            <a:endParaRPr lang="en-US"/>
+          </a:p>
+        </p:txBody>
+      </p:sp>
+    </p:spTree>
+    <p:extLst>
+      <p:ext uri="{BB962C8B-B14F-4D97-AF65-F5344CB8AC3E}">
+        <p14:creationId xmlns:p14="http://schemas.microsoft.com/office/powerpoint/2010/main" val="1319460358"/>
+      </p:ext>
+    </p:extLst>
+  </p:cSld>
+  <p:clrMapOvr>
+    <a:masterClrMapping/>
+  </p:clrMapOvr>
+</p:notes>
+</file>
+
+<file path=ppt/notesSlides/notesSlide13.xml><?xml version="1.0" encoding="utf-8"?>
+<p:notes xmlns:a="http://schemas.openxmlformats.org/drawingml/2006/main" xmlns:r="http://schemas.openxmlformats.org/officeDocument/2006/relationships" xmlns:p="http://schemas.openxmlformats.org/presentationml/2006/main">
+  <p:cSld>
+    <p:spTree>
+      <p:nvGrpSpPr>
+        <p:cNvPr id="1" name=""/>
+        <p:cNvGrpSpPr/>
+        <p:nvPr/>
+      </p:nvGrpSpPr>
+      <p:grpSpPr>
+        <a:xfrm>
+          <a:off x="0" y="0"/>
+          <a:ext cx="0" cy="0"/>
+          <a:chOff x="0" y="0"/>
+          <a:chExt cx="0" cy="0"/>
+        </a:xfrm>
+      </p:grpSpPr>
+      <p:sp>
+        <p:nvSpPr>
+          <p:cNvPr id="2" name="Slide Image Placeholder 1"/>
+          <p:cNvSpPr>
+            <a:spLocks noGrp="1" noRot="1" noChangeAspect="1"/>
+          </p:cNvSpPr>
+          <p:nvPr>
+            <p:ph type="sldImg"/>
+          </p:nvPr>
+        </p:nvSpPr>
+        <p:spPr/>
+      </p:sp>
+      <p:sp>
+        <p:nvSpPr>
+          <p:cNvPr id="3" name="Notes Placeholder 2"/>
+          <p:cNvSpPr>
+            <a:spLocks noGrp="1"/>
+          </p:cNvSpPr>
+          <p:nvPr>
+            <p:ph type="body" idx="1"/>
+          </p:nvPr>
+        </p:nvSpPr>
+        <p:spPr/>
+        <p:txBody>
+          <a:bodyPr/>
+          <a:lstStyle/>
+          <a:p>
+            <a:endParaRPr lang="en-US" dirty="0"/>
+          </a:p>
+        </p:txBody>
+      </p:sp>
+      <p:sp>
+        <p:nvSpPr>
+          <p:cNvPr id="4" name="Slide Number Placeholder 3"/>
+          <p:cNvSpPr>
+            <a:spLocks noGrp="1"/>
+          </p:cNvSpPr>
+          <p:nvPr>
+            <p:ph type="sldNum" sz="quarter" idx="10"/>
+          </p:nvPr>
+        </p:nvSpPr>
+        <p:spPr/>
+        <p:txBody>
+          <a:bodyPr/>
+          <a:lstStyle/>
+          <a:p>
+            <a:fld id="{660D7955-1178-45C7-88EB-DB10C946F729}" type="slidenum">
+              <a:rPr lang="en-US" smtClean="0"/>
+              <a:t>19</a:t>
             </a:fld>
             <a:endParaRPr lang="en-US"/>
           </a:p>
@@ -1540,45 +1679,55 @@
           <a:p>
             <a:r>
               <a:rPr lang="hu-HU" dirty="0" smtClean="0"/>
-              <a:t>Több</a:t>
-            </a:r>
-            <a:r>
-              <a:rPr lang="hu-HU" baseline="0" dirty="0" smtClean="0"/>
-              <a:t> diára bontani </a:t>
-            </a:r>
-          </a:p>
-          <a:p>
+              <a:t>Szoftver életciklus: gyakori hibajavítások, új funkciók</a:t>
+            </a:r>
+          </a:p>
+          <a:p>
+            <a:pPr lvl="1"/>
             <a:r>
               <a:rPr lang="hu-HU" dirty="0" smtClean="0"/>
-              <a:t>Szerver-kliens</a:t>
-            </a:r>
-            <a:r>
-              <a:rPr lang="hu-HU" baseline="0" dirty="0" smtClean="0"/>
-              <a:t> hangsúlyozni: elkülönül, miért</a:t>
-            </a:r>
-          </a:p>
-          <a:p>
-            <a:r>
-              <a:rPr lang="hu-HU" baseline="0" dirty="0" smtClean="0"/>
-              <a:t> szerver nagy tejlesítmény</a:t>
-            </a:r>
-          </a:p>
-          <a:p>
-            <a:r>
-              <a:rPr lang="hu-HU" baseline="0" dirty="0" smtClean="0"/>
-              <a:t> kliens: korlátos erőforrások</a:t>
-            </a:r>
-          </a:p>
-          <a:p>
-            <a:r>
-              <a:rPr lang="hu-HU" baseline="0" dirty="0" smtClean="0"/>
-              <a:t>Esettleg ábra</a:t>
-            </a:r>
-          </a:p>
-          <a:p>
-            <a:r>
-              <a:rPr lang="hu-HU" baseline="0" dirty="0" smtClean="0"/>
-              <a:t>Szétszedni a diát 2-3ra </a:t>
+              <a:t>Szoftververziók konzisztenciáját garantálni kell</a:t>
+            </a:r>
+          </a:p>
+          <a:p>
+            <a:pPr lvl="1"/>
+            <a:r>
+              <a:rPr lang="hu-HU" dirty="0" smtClean="0"/>
+              <a:t>Elvárás: egy módosítás az érintett komponensre épülő szoftverekben ne okozzon hibát (</a:t>
+            </a:r>
+            <a:r>
+              <a:rPr lang="hu-HU" b="1" dirty="0" smtClean="0"/>
+              <a:t>smooth upgrade</a:t>
+            </a:r>
+            <a:r>
+              <a:rPr lang="hu-HU" dirty="0" smtClean="0"/>
+              <a:t>)</a:t>
+            </a:r>
+          </a:p>
+          <a:p>
+            <a:endParaRPr lang="hu-HU" dirty="0" smtClean="0"/>
+          </a:p>
+          <a:p>
+            <a:endParaRPr lang="hu-HU" dirty="0" smtClean="0"/>
+          </a:p>
+          <a:p>
+            <a:r>
+              <a:rPr lang="hu-HU" dirty="0" smtClean="0"/>
+              <a:t>Szükséges: függőségi viszonyok ismerete</a:t>
+            </a:r>
+          </a:p>
+          <a:p>
+            <a:pPr lvl="1"/>
+            <a:r>
+              <a:rPr lang="hu-HU" dirty="0" smtClean="0"/>
+              <a:t>Változások potenciális hatása</a:t>
+            </a:r>
+          </a:p>
+          <a:p>
+            <a:pPr lvl="1"/>
+            <a:r>
+              <a:rPr lang="hu-HU" dirty="0" smtClean="0"/>
+              <a:t>Mit változtathatunk meg és hogyan</a:t>
             </a:r>
           </a:p>
           <a:p>
@@ -1681,7 +1830,53 @@
           <a:bodyPr/>
           <a:lstStyle/>
           <a:p>
-            <a:endParaRPr lang="en-US" dirty="0"/>
+            <a:r>
+              <a:rPr lang="hu-HU" dirty="0" smtClean="0"/>
+              <a:t>Szoftver életciklus: gyakori hibajavítások, új funkciók</a:t>
+            </a:r>
+          </a:p>
+          <a:p>
+            <a:pPr lvl="1"/>
+            <a:r>
+              <a:rPr lang="hu-HU" dirty="0" smtClean="0"/>
+              <a:t>Szoftververziók konzisztenciáját garantálni kell</a:t>
+            </a:r>
+          </a:p>
+          <a:p>
+            <a:pPr lvl="1"/>
+            <a:r>
+              <a:rPr lang="hu-HU" dirty="0" smtClean="0"/>
+              <a:t>Elvárás: egy módosítás az érintett komponensre épülő szoftverekben ne okozzon hibát (</a:t>
+            </a:r>
+            <a:r>
+              <a:rPr lang="hu-HU" b="1" dirty="0" smtClean="0"/>
+              <a:t>smooth upgrade</a:t>
+            </a:r>
+            <a:r>
+              <a:rPr lang="hu-HU" dirty="0" smtClean="0"/>
+              <a:t>)</a:t>
+            </a:r>
+          </a:p>
+          <a:p>
+            <a:endParaRPr lang="hu-HU" dirty="0" smtClean="0"/>
+          </a:p>
+          <a:p>
+            <a:endParaRPr lang="hu-HU" baseline="0" dirty="0" smtClean="0"/>
+          </a:p>
+          <a:p>
+            <a:endParaRPr lang="hu-HU" baseline="0" dirty="0" smtClean="0"/>
+          </a:p>
+          <a:p>
+            <a:r>
+              <a:rPr lang="hu-HU" baseline="0" dirty="0" smtClean="0"/>
+              <a:t> build.</a:t>
+            </a:r>
+          </a:p>
+          <a:p>
+            <a:r>
+              <a:rPr lang="hu-HU" baseline="0" dirty="0" smtClean="0"/>
+              <a:t>Kihívás: Gyorsabb kell, mintha mindent lebuidelnénk és lefuttatnűnk az összs intergrációs tesztet. </a:t>
+            </a:r>
           </a:p>
         </p:txBody>
       </p:sp>
@@ -1702,7 +1897,7 @@
           <a:p>
             <a:fld id="{E7AA0654-642B-4EC6-9896-06614A0153EC}" type="slidenum">
               <a:rPr lang="en-US" smtClean="0"/>
-              <a:t>7</a:t>
+              <a:t>5</a:t>
             </a:fld>
             <a:endParaRPr lang="en-US"/>
           </a:p>
@@ -1711,7 +1906,7 @@
     </p:spTree>
     <p:extLst>
       <p:ext uri="{BB962C8B-B14F-4D97-AF65-F5344CB8AC3E}">
-        <p14:creationId xmlns:p14="http://schemas.microsoft.com/office/powerpoint/2010/main" val="1846358032"/>
+        <p14:creationId xmlns:p14="http://schemas.microsoft.com/office/powerpoint/2010/main" val="4172057294"/>
       </p:ext>
     </p:extLst>
   </p:cSld>
@@ -1765,14 +1960,6 @@
           <a:bodyPr/>
           <a:lstStyle/>
           <a:p>
-            <a:r>
-              <a:rPr lang="hu-HU" dirty="0" smtClean="0"/>
-              <a:t>Csak 1</a:t>
-            </a:r>
-            <a:r>
-              <a:rPr lang="hu-HU" baseline="0" dirty="0" smtClean="0"/>
-              <a:t> mondatban elmondani: menü, megjelenik, csókolom</a:t>
-            </a:r>
             <a:endParaRPr lang="en-US" dirty="0"/>
           </a:p>
         </p:txBody>
@@ -1803,7 +1990,7 @@
     </p:spTree>
     <p:extLst>
       <p:ext uri="{BB962C8B-B14F-4D97-AF65-F5344CB8AC3E}">
-        <p14:creationId xmlns:p14="http://schemas.microsoft.com/office/powerpoint/2010/main" val="2862743830"/>
+        <p14:creationId xmlns:p14="http://schemas.microsoft.com/office/powerpoint/2010/main" val="1846358032"/>
       </p:ext>
     </p:extLst>
   </p:cSld>
@@ -1857,6 +2044,98 @@
           <a:bodyPr/>
           <a:lstStyle/>
           <a:p>
+            <a:r>
+              <a:rPr lang="hu-HU" dirty="0" smtClean="0"/>
+              <a:t>Csak 1</a:t>
+            </a:r>
+            <a:r>
+              <a:rPr lang="hu-HU" baseline="0" dirty="0" smtClean="0"/>
+              <a:t> mondatban elmondani: menü, megjelenik, csókolom</a:t>
+            </a:r>
+            <a:endParaRPr lang="en-US" dirty="0"/>
+          </a:p>
+        </p:txBody>
+      </p:sp>
+      <p:sp>
+        <p:nvSpPr>
+          <p:cNvPr id="4" name="Slide Number Placeholder 3"/>
+          <p:cNvSpPr>
+            <a:spLocks noGrp="1"/>
+          </p:cNvSpPr>
+          <p:nvPr>
+            <p:ph type="sldNum" sz="quarter" idx="10"/>
+          </p:nvPr>
+        </p:nvSpPr>
+        <p:spPr/>
+        <p:txBody>
+          <a:bodyPr/>
+          <a:lstStyle/>
+          <a:p>
+            <a:fld id="{E7AA0654-642B-4EC6-9896-06614A0153EC}" type="slidenum">
+              <a:rPr lang="en-US" smtClean="0"/>
+              <a:t>9</a:t>
+            </a:fld>
+            <a:endParaRPr lang="en-US"/>
+          </a:p>
+        </p:txBody>
+      </p:sp>
+    </p:spTree>
+    <p:extLst>
+      <p:ext uri="{BB962C8B-B14F-4D97-AF65-F5344CB8AC3E}">
+        <p14:creationId xmlns:p14="http://schemas.microsoft.com/office/powerpoint/2010/main" val="2862743830"/>
+      </p:ext>
+    </p:extLst>
+  </p:cSld>
+  <p:clrMapOvr>
+    <a:masterClrMapping/>
+  </p:clrMapOvr>
+</p:notes>
+</file>
+
+<file path=ppt/notesSlides/notesSlide6.xml><?xml version="1.0" encoding="utf-8"?>
+<p:notes xmlns:a="http://schemas.openxmlformats.org/drawingml/2006/main" xmlns:r="http://schemas.openxmlformats.org/officeDocument/2006/relationships" xmlns:p="http://schemas.openxmlformats.org/presentationml/2006/main">
+  <p:cSld>
+    <p:spTree>
+      <p:nvGrpSpPr>
+        <p:cNvPr id="1" name=""/>
+        <p:cNvGrpSpPr/>
+        <p:nvPr/>
+      </p:nvGrpSpPr>
+      <p:grpSpPr>
+        <a:xfrm>
+          <a:off x="0" y="0"/>
+          <a:ext cx="0" cy="0"/>
+          <a:chOff x="0" y="0"/>
+          <a:chExt cx="0" cy="0"/>
+        </a:xfrm>
+      </p:grpSpPr>
+      <p:sp>
+        <p:nvSpPr>
+          <p:cNvPr id="2" name="Slide Image Placeholder 1"/>
+          <p:cNvSpPr>
+            <a:spLocks noGrp="1" noRot="1" noChangeAspect="1"/>
+          </p:cNvSpPr>
+          <p:nvPr>
+            <p:ph type="sldImg"/>
+          </p:nvPr>
+        </p:nvSpPr>
+        <p:spPr/>
+      </p:sp>
+      <p:sp>
+        <p:nvSpPr>
+          <p:cNvPr id="3" name="Notes Placeholder 2"/>
+          <p:cNvSpPr>
+            <a:spLocks noGrp="1"/>
+          </p:cNvSpPr>
+          <p:nvPr>
+            <p:ph type="body" idx="1"/>
+          </p:nvPr>
+        </p:nvSpPr>
+        <p:spPr/>
+        <p:txBody>
+          <a:bodyPr/>
+          <a:lstStyle/>
+          <a:p>
             <a:pPr marL="0" marR="0" indent="0" algn="l" defTabSz="914400" rtl="0" eaLnBrk="1" fontAlgn="auto" latinLnBrk="0" hangingPunct="1">
               <a:lnSpc>
                 <a:spcPct val="100000"/>
@@ -1903,7 +2182,7 @@
           <a:p>
             <a:fld id="{E7AA0654-642B-4EC6-9896-06614A0153EC}" type="slidenum">
               <a:rPr lang="en-US" smtClean="0"/>
-              <a:t>10</a:t>
+              <a:t>11</a:t>
             </a:fld>
             <a:endParaRPr lang="en-US"/>
           </a:p>
@@ -1913,90 +2192,6 @@
     <p:extLst>
       <p:ext uri="{BB962C8B-B14F-4D97-AF65-F5344CB8AC3E}">
         <p14:creationId xmlns:p14="http://schemas.microsoft.com/office/powerpoint/2010/main" val="212778437"/>
-      </p:ext>
-    </p:extLst>
-  </p:cSld>
-  <p:clrMapOvr>
-    <a:masterClrMapping/>
-  </p:clrMapOvr>
-</p:notes>
-</file>
-
-<file path=ppt/notesSlides/notesSlide6.xml><?xml version="1.0" encoding="utf-8"?>
-<p:notes xmlns:a="http://schemas.openxmlformats.org/drawingml/2006/main" xmlns:r="http://schemas.openxmlformats.org/officeDocument/2006/relationships" xmlns:p="http://schemas.openxmlformats.org/presentationml/2006/main">
-  <p:cSld>
-    <p:spTree>
-      <p:nvGrpSpPr>
-        <p:cNvPr id="1" name=""/>
-        <p:cNvGrpSpPr/>
-        <p:nvPr/>
-      </p:nvGrpSpPr>
-      <p:grpSpPr>
-        <a:xfrm>
-          <a:off x="0" y="0"/>
-          <a:ext cx="0" cy="0"/>
-          <a:chOff x="0" y="0"/>
-          <a:chExt cx="0" cy="0"/>
-        </a:xfrm>
-      </p:grpSpPr>
-      <p:sp>
-        <p:nvSpPr>
-          <p:cNvPr id="2" name="Slide Image Placeholder 1"/>
-          <p:cNvSpPr>
-            <a:spLocks noGrp="1" noRot="1" noChangeAspect="1"/>
-          </p:cNvSpPr>
-          <p:nvPr>
-            <p:ph type="sldImg"/>
-          </p:nvPr>
-        </p:nvSpPr>
-        <p:spPr/>
-      </p:sp>
-      <p:sp>
-        <p:nvSpPr>
-          <p:cNvPr id="3" name="Notes Placeholder 2"/>
-          <p:cNvSpPr>
-            <a:spLocks noGrp="1"/>
-          </p:cNvSpPr>
-          <p:nvPr>
-            <p:ph type="body" idx="1"/>
-          </p:nvPr>
-        </p:nvSpPr>
-        <p:spPr/>
-        <p:txBody>
-          <a:bodyPr/>
-          <a:lstStyle/>
-          <a:p>
-            <a:endParaRPr lang="en-US" dirty="0"/>
-          </a:p>
-        </p:txBody>
-      </p:sp>
-      <p:sp>
-        <p:nvSpPr>
-          <p:cNvPr id="4" name="Slide Number Placeholder 3"/>
-          <p:cNvSpPr>
-            <a:spLocks noGrp="1"/>
-          </p:cNvSpPr>
-          <p:nvPr>
-            <p:ph type="sldNum" sz="quarter" idx="10"/>
-          </p:nvPr>
-        </p:nvSpPr>
-        <p:spPr/>
-        <p:txBody>
-          <a:bodyPr/>
-          <a:lstStyle/>
-          <a:p>
-            <a:fld id="{E7AA0654-642B-4EC6-9896-06614A0153EC}" type="slidenum">
-              <a:rPr lang="en-US" smtClean="0"/>
-              <a:t>11</a:t>
-            </a:fld>
-            <a:endParaRPr lang="en-US"/>
-          </a:p>
-        </p:txBody>
-      </p:sp>
-    </p:spTree>
-    <p:extLst>
-      <p:ext uri="{BB962C8B-B14F-4D97-AF65-F5344CB8AC3E}">
-        <p14:creationId xmlns:p14="http://schemas.microsoft.com/office/powerpoint/2010/main" val="2696810295"/>
       </p:ext>
     </p:extLst>
   </p:cSld>
@@ -2050,14 +2245,30 @@
           <a:bodyPr/>
           <a:lstStyle/>
           <a:p>
+            <a:pPr marL="0" marR="0" lvl="2" indent="0" algn="l" defTabSz="914400" rtl="0" eaLnBrk="1" fontAlgn="auto" latinLnBrk="0" hangingPunct="1">
+              <a:lnSpc>
+                <a:spcPct val="100000"/>
+              </a:lnSpc>
+              <a:spcBef>
+                <a:spcPts val="0"/>
+              </a:spcBef>
+              <a:spcAft>
+                <a:spcPts val="0"/>
+              </a:spcAft>
+              <a:buClrTx/>
+              <a:buSzTx/>
+              <a:buFontTx/>
+              <a:buNone/>
+              <a:tabLst/>
+              <a:defRPr/>
+            </a:pPr>
             <a:r>
               <a:rPr lang="hu-HU" dirty="0" smtClean="0"/>
-              <a:t>Ami boldface,</a:t>
-            </a:r>
-            <a:r>
-              <a:rPr lang="hu-HU" baseline="0" dirty="0" smtClean="0"/>
-              <a:t> azt hangsúlyozni is!!!</a:t>
-            </a:r>
+              <a:t>A függőségi analízis eredményét a kód átírását követően azonnal meg tudjuk mutatni a felhasználónak!</a:t>
+            </a:r>
+          </a:p>
+          <a:p>
+            <a:endParaRPr lang="hu-HU" dirty="0" smtClean="0"/>
           </a:p>
           <a:p>
             <a:endParaRPr lang="en-US" dirty="0"/>
@@ -2090,7 +2301,7 @@
     </p:spTree>
     <p:extLst>
       <p:ext uri="{BB962C8B-B14F-4D97-AF65-F5344CB8AC3E}">
-        <p14:creationId xmlns:p14="http://schemas.microsoft.com/office/powerpoint/2010/main" val="3679442458"/>
+        <p14:creationId xmlns:p14="http://schemas.microsoft.com/office/powerpoint/2010/main" val="2696810295"/>
       </p:ext>
     </p:extLst>
   </p:cSld>
@@ -2144,16 +2355,14 @@
           <a:bodyPr/>
           <a:lstStyle/>
           <a:p>
-            <a:pPr lvl="1"/>
             <a:r>
               <a:rPr lang="hu-HU" dirty="0" smtClean="0"/>
-              <a:t>Esetleg:</a:t>
+              <a:t>Ami boldface,</a:t>
             </a:r>
             <a:r>
               <a:rPr lang="hu-HU" baseline="0" dirty="0" smtClean="0"/>
-              <a:t> függőségi modell és forráskód modell alulra!</a:t>
-            </a:r>
-            <a:endParaRPr lang="hu-HU" dirty="0" smtClean="0"/>
+              <a:t> azt hangsúlyozni is!!!</a:t>
+            </a:r>
           </a:p>
           <a:p>
             <a:endParaRPr lang="en-US" dirty="0"/>
@@ -2175,7 +2384,7 @@
           <a:bodyPr/>
           <a:lstStyle/>
           <a:p>
-            <a:fld id="{660D7955-1178-45C7-88EB-DB10C946F729}" type="slidenum">
+            <a:fld id="{E7AA0654-642B-4EC6-9896-06614A0153EC}" type="slidenum">
               <a:rPr lang="en-US" smtClean="0"/>
               <a:t>13</a:t>
             </a:fld>
@@ -2186,7 +2395,7 @@
     </p:spTree>
     <p:extLst>
       <p:ext uri="{BB962C8B-B14F-4D97-AF65-F5344CB8AC3E}">
-        <p14:creationId xmlns:p14="http://schemas.microsoft.com/office/powerpoint/2010/main" val="2603194435"/>
+        <p14:creationId xmlns:p14="http://schemas.microsoft.com/office/powerpoint/2010/main" val="3679442458"/>
       </p:ext>
     </p:extLst>
   </p:cSld>
@@ -2240,146 +2449,19 @@
           <a:bodyPr/>
           <a:lstStyle/>
           <a:p>
-            <a:r>
-              <a:rPr lang="hu-HU" sz="2000" dirty="0" smtClean="0"/>
-              <a:t>Lekérdezés kiértékelésének lépései: </a:t>
-            </a:r>
-          </a:p>
-          <a:p>
-            <a:pPr marL="914400" lvl="1" indent="-457200">
-              <a:buFont typeface="+mj-lt"/>
-              <a:buAutoNum type="arabicPeriod"/>
-            </a:pPr>
-            <a:r>
-              <a:rPr lang="hu-HU" sz="1600" dirty="0" smtClean="0"/>
-              <a:t>Inicializálás (példánymodelleken)</a:t>
-            </a:r>
-          </a:p>
-          <a:p>
-            <a:pPr marL="914400" lvl="1" indent="-457200">
-              <a:buFont typeface="+mj-lt"/>
-              <a:buAutoNum type="arabicPeriod"/>
-            </a:pPr>
-            <a:r>
-              <a:rPr lang="hu-HU" sz="1600" dirty="0" smtClean="0"/>
-              <a:t>Kiértékelés</a:t>
-            </a:r>
-          </a:p>
-          <a:p>
-            <a:pPr marL="914400" lvl="1" indent="-457200">
-              <a:buFont typeface="+mj-lt"/>
-              <a:buAutoNum type="arabicPeriod"/>
-            </a:pPr>
-            <a:r>
-              <a:rPr lang="hu-HU" sz="1600" dirty="0" smtClean="0"/>
-              <a:t>Automatikus frissítés a modellváltozások alapján</a:t>
-            </a:r>
-            <a:br>
-              <a:rPr lang="hu-HU" sz="1600" dirty="0" smtClean="0"/>
-            </a:br>
-            <a:r>
-              <a:rPr lang="hu-HU" sz="1600" dirty="0" smtClean="0"/>
-              <a:t>(forráskód=&gt;modell=&gt;eredmény)</a:t>
-            </a:r>
-          </a:p>
-          <a:p>
-            <a:pPr marL="514350" indent="-457200"/>
-            <a:r>
-              <a:rPr lang="hu-HU" sz="2000" dirty="0" smtClean="0"/>
-              <a:t>Eredmény:</a:t>
-            </a:r>
-          </a:p>
-          <a:p>
-            <a:pPr marL="914400" lvl="1" indent="-457200"/>
-            <a:r>
-              <a:rPr lang="hu-HU" sz="1600" dirty="0" smtClean="0"/>
-              <a:t>Függőségi viszonyok az </a:t>
-            </a:r>
-            <a:r>
-              <a:rPr lang="hu-HU" sz="1600" b="1" dirty="0" smtClean="0"/>
-              <a:t>összes objektumra</a:t>
-            </a:r>
-          </a:p>
-          <a:p>
-            <a:pPr marL="914400" lvl="1" indent="-457200"/>
-            <a:r>
-              <a:rPr lang="hu-HU" sz="1600" dirty="0" smtClean="0"/>
-              <a:t>Automatikusan és gyorsan frissül</a:t>
-            </a:r>
-          </a:p>
-          <a:p>
-            <a:pPr marL="914400" lvl="1" indent="-457200"/>
-            <a:endParaRPr lang="hu-HU" sz="1600" dirty="0" smtClean="0"/>
-          </a:p>
-          <a:p>
-            <a:pPr marL="914400" lvl="1" indent="-457200"/>
-            <a:r>
-              <a:rPr lang="hu-HU" sz="1600" dirty="0" smtClean="0"/>
-              <a:t>SMARTART</a:t>
-            </a:r>
-          </a:p>
-          <a:p>
-            <a:pPr marL="514350" indent="-457200"/>
-            <a:endParaRPr lang="hu-HU" sz="2000" dirty="0" smtClean="0"/>
-          </a:p>
-          <a:p>
-            <a:pPr marL="514350" indent="-457200"/>
-            <a:endParaRPr lang="hu-HU" sz="2000" dirty="0" smtClean="0"/>
-          </a:p>
-          <a:p>
-            <a:pPr marL="514350" indent="-457200"/>
-            <a:endParaRPr lang="hu-HU" sz="2000" dirty="0" smtClean="0"/>
-          </a:p>
-          <a:p>
-            <a:pPr marL="514350" indent="-457200"/>
-            <a:endParaRPr lang="hu-HU" sz="2000" dirty="0" smtClean="0"/>
-          </a:p>
-          <a:p>
-            <a:pPr marL="514350" indent="-457200"/>
-            <a:r>
-              <a:rPr lang="hu-HU" sz="2000" dirty="0" smtClean="0"/>
-              <a:t>Fejlesztési lehetőségek: teljesebb Eclipse integráció</a:t>
-            </a:r>
-          </a:p>
-          <a:p>
-            <a:pPr marL="914400" lvl="1" indent="-457200"/>
-            <a:r>
-              <a:rPr lang="hu-HU" sz="1600" dirty="0" smtClean="0"/>
-              <a:t>Eredmények view-kban</a:t>
-            </a:r>
-          </a:p>
-          <a:p>
-            <a:pPr marL="914400" lvl="1" indent="-457200"/>
-            <a:r>
-              <a:rPr lang="hu-HU" sz="1600" dirty="0" smtClean="0"/>
-              <a:t>JDT validációk</a:t>
-            </a:r>
-          </a:p>
-          <a:p>
+            <a:pPr lvl="1"/>
+            <a:r>
+              <a:rPr lang="hu-HU" dirty="0" smtClean="0"/>
+              <a:t>Esetleg:</a:t>
+            </a:r>
+            <a:r>
+              <a:rPr lang="hu-HU" baseline="0" dirty="0" smtClean="0"/>
+              <a:t> függőségi modell és forráskód modell alulra!</a:t>
+            </a:r>
             <a:endParaRPr lang="hu-HU" dirty="0" smtClean="0"/>
           </a:p>
           <a:p>
-            <a:endParaRPr lang="hu-HU" dirty="0" smtClean="0"/>
-          </a:p>
-          <a:p>
-            <a:endParaRPr lang="hu-HU" dirty="0" smtClean="0"/>
-          </a:p>
-          <a:p>
-            <a:r>
-              <a:rPr lang="hu-HU" dirty="0" smtClean="0"/>
-              <a:t>TODO</a:t>
-            </a:r>
-          </a:p>
-          <a:p>
-            <a:r>
-              <a:rPr lang="hu-HU" dirty="0" smtClean="0"/>
-              <a:t>Forráskód</a:t>
-            </a:r>
-            <a:r>
-              <a:rPr lang="hu-HU" baseline="0" dirty="0" smtClean="0"/>
-              <a:t> =&gt; modell =&gt; eredmény hangsúlyozni</a:t>
-            </a:r>
-            <a:endParaRPr lang="hu-HU" baseline="0" dirty="0"/>
+            <a:endParaRPr lang="en-US" dirty="0"/>
           </a:p>
         </p:txBody>
       </p:sp>
@@ -2398,7 +2480,7 @@
           <a:bodyPr/>
           <a:lstStyle/>
           <a:p>
-            <a:fld id="{E7AA0654-642B-4EC6-9896-06614A0153EC}" type="slidenum">
+            <a:fld id="{660D7955-1178-45C7-88EB-DB10C946F729}" type="slidenum">
               <a:rPr lang="en-US" smtClean="0"/>
               <a:t>14</a:t>
             </a:fld>
@@ -2409,7 +2491,7 @@
     </p:spTree>
     <p:extLst>
       <p:ext uri="{BB962C8B-B14F-4D97-AF65-F5344CB8AC3E}">
-        <p14:creationId xmlns:p14="http://schemas.microsoft.com/office/powerpoint/2010/main" val="1350586827"/>
+        <p14:creationId xmlns:p14="http://schemas.microsoft.com/office/powerpoint/2010/main" val="2603194435"/>
       </p:ext>
     </p:extLst>
   </p:cSld>
@@ -2576,9 +2658,28 @@
           </a:lstStyle>
           <a:p>
             <a:r>
-              <a:rPr lang="en-US" smtClean="0"/>
+              <a:rPr lang="en-US" dirty="0" smtClean="0"/>
               <a:t>Click to edit Master subtitle style</a:t>
             </a:r>
+            <a:endParaRPr lang="en-US" dirty="0"/>
+          </a:p>
+        </p:txBody>
+      </p:sp>
+      <p:sp>
+        <p:nvSpPr>
+          <p:cNvPr id="5" name="Footer Placeholder 4"/>
+          <p:cNvSpPr>
+            <a:spLocks noGrp="1"/>
+          </p:cNvSpPr>
+          <p:nvPr>
+            <p:ph type="ftr" sz="quarter" idx="11"/>
+          </p:nvPr>
+        </p:nvSpPr>
+        <p:spPr/>
+        <p:txBody>
+          <a:bodyPr/>
+          <a:lstStyle/>
+          <a:p>
             <a:endParaRPr lang="en-US"/>
           </a:p>
         </p:txBody>
@@ -2593,35 +2694,26 @@
             <p:ph type="dt" sz="half" idx="10"/>
           </p:nvPr>
         </p:nvSpPr>
-        <p:spPr/>
+        <p:spPr>
+          <a:xfrm>
+            <a:off x="3505200" y="5638800"/>
+            <a:ext cx="2133600" cy="365125"/>
+          </a:xfrm>
+        </p:spPr>
         <p:txBody>
           <a:bodyPr/>
-          <a:lstStyle/>
-          <a:p>
-            <a:fld id="{5F65F745-5CE3-40A0-8E26-13A5C6D55D00}" type="datetimeFigureOut">
-              <a:rPr lang="en-US" smtClean="0"/>
-              <a:t>11/12/2012</a:t>
+          <a:lstStyle>
+            <a:lvl1pPr algn="ctr">
+              <a:defRPr sz="2400"/>
+            </a:lvl1pPr>
+          </a:lstStyle>
+          <a:p>
+            <a:fld id="{988E2377-5A2B-4430-898A-9BDF4D4B2C89}" type="datetime1">
+              <a:rPr lang="hu-HU" smtClean="0"/>
+              <a:pPr/>
+              <a:t>2012.11.13.</a:t>
             </a:fld>
-            <a:endParaRPr lang="en-US"/>
-          </a:p>
-        </p:txBody>
-      </p:sp>
-      <p:sp>
-        <p:nvSpPr>
-          <p:cNvPr id="5" name="Footer Placeholder 4"/>
-          <p:cNvSpPr>
-            <a:spLocks noGrp="1"/>
-          </p:cNvSpPr>
-          <p:nvPr>
-            <p:ph type="ftr" sz="quarter" idx="11"/>
-          </p:nvPr>
-        </p:nvSpPr>
-        <p:spPr/>
-        <p:txBody>
-          <a:bodyPr/>
-          <a:lstStyle/>
-          <a:p>
-            <a:endParaRPr lang="en-US"/>
+            <a:endParaRPr lang="en-US" dirty="0"/>
           </a:p>
         </p:txBody>
       </p:sp>
@@ -2658,6 +2750,14 @@
   <p:clrMapOvr>
     <a:masterClrMapping/>
   </p:clrMapOvr>
+  <p:timing>
+    <p:tnLst>
+      <p:par>
+        <p:cTn id="1" dur="indefinite" restart="never" nodeType="tmRoot"/>
+      </p:par>
+    </p:tnLst>
+  </p:timing>
+  <p:hf hdr="0" ftr="0"/>
 </p:sldLayout>
 </file>
 
@@ -2768,9 +2868,9 @@
           <a:bodyPr/>
           <a:lstStyle/>
           <a:p>
-            <a:fld id="{5F65F745-5CE3-40A0-8E26-13A5C6D55D00}" type="datetimeFigureOut">
+            <a:fld id="{EBB51852-6F03-4A13-AA91-55B0596808AB}" type="datetime1">
               <a:rPr lang="en-US" smtClean="0"/>
-              <a:t>11/12/2012</a:t>
+              <a:t>11/13/2012</a:t>
             </a:fld>
             <a:endParaRPr lang="en-US"/>
           </a:p>
@@ -2948,9 +3048,9 @@
           <a:bodyPr/>
           <a:lstStyle/>
           <a:p>
-            <a:fld id="{5F65F745-5CE3-40A0-8E26-13A5C6D55D00}" type="datetimeFigureOut">
+            <a:fld id="{AEC4224A-B86D-480C-80D3-0B1F736D6B50}" type="datetime1">
               <a:rPr lang="en-US" smtClean="0"/>
-              <a:t>11/12/2012</a:t>
+              <a:t>11/13/2012</a:t>
             </a:fld>
             <a:endParaRPr lang="en-US"/>
           </a:p>
@@ -3118,9 +3218,9 @@
           <a:bodyPr/>
           <a:lstStyle/>
           <a:p>
-            <a:fld id="{5F65F745-5CE3-40A0-8E26-13A5C6D55D00}" type="datetimeFigureOut">
+            <a:fld id="{FC89F6FF-6983-47B6-896B-DFAD3FEC5404}" type="datetime1">
               <a:rPr lang="en-US" smtClean="0"/>
-              <a:t>11/12/2012</a:t>
+              <a:t>11/13/2012</a:t>
             </a:fld>
             <a:endParaRPr lang="en-US"/>
           </a:p>
@@ -3364,9 +3464,9 @@
           <a:bodyPr/>
           <a:lstStyle/>
           <a:p>
-            <a:fld id="{5F65F745-5CE3-40A0-8E26-13A5C6D55D00}" type="datetimeFigureOut">
+            <a:fld id="{4FD5BFFF-D6A7-404D-B75B-FD402B77D341}" type="datetime1">
               <a:rPr lang="en-US" smtClean="0"/>
-              <a:t>11/12/2012</a:t>
+              <a:t>11/13/2012</a:t>
             </a:fld>
             <a:endParaRPr lang="en-US"/>
           </a:p>
@@ -3652,9 +3752,9 @@
           <a:bodyPr/>
           <a:lstStyle/>
           <a:p>
-            <a:fld id="{5F65F745-5CE3-40A0-8E26-13A5C6D55D00}" type="datetimeFigureOut">
+            <a:fld id="{675379F5-84BC-483B-951E-F251080202DB}" type="datetime1">
               <a:rPr lang="en-US" smtClean="0"/>
-              <a:t>11/12/2012</a:t>
+              <a:t>11/13/2012</a:t>
             </a:fld>
             <a:endParaRPr lang="en-US"/>
           </a:p>
@@ -4074,9 +4174,9 @@
           <a:bodyPr/>
           <a:lstStyle/>
           <a:p>
-            <a:fld id="{5F65F745-5CE3-40A0-8E26-13A5C6D55D00}" type="datetimeFigureOut">
+            <a:fld id="{7C24BFC6-6DC7-44C8-975D-44F36F89785D}" type="datetime1">
               <a:rPr lang="en-US" smtClean="0"/>
-              <a:t>11/12/2012</a:t>
+              <a:t>11/13/2012</a:t>
             </a:fld>
             <a:endParaRPr lang="en-US"/>
           </a:p>
@@ -4192,9 +4292,9 @@
           <a:bodyPr/>
           <a:lstStyle/>
           <a:p>
-            <a:fld id="{5F65F745-5CE3-40A0-8E26-13A5C6D55D00}" type="datetimeFigureOut">
+            <a:fld id="{D603358A-7423-4A08-AD10-C1AABD3EC89A}" type="datetime1">
               <a:rPr lang="en-US" smtClean="0"/>
-              <a:t>11/12/2012</a:t>
+              <a:t>11/13/2012</a:t>
             </a:fld>
             <a:endParaRPr lang="en-US"/>
           </a:p>
@@ -4287,9 +4387,9 @@
           <a:bodyPr/>
           <a:lstStyle/>
           <a:p>
-            <a:fld id="{5F65F745-5CE3-40A0-8E26-13A5C6D55D00}" type="datetimeFigureOut">
+            <a:fld id="{7C8EBF4A-BDC5-4ACC-A8F9-3185B72C1A00}" type="datetime1">
               <a:rPr lang="en-US" smtClean="0"/>
-              <a:t>11/12/2012</a:t>
+              <a:t>11/13/2012</a:t>
             </a:fld>
             <a:endParaRPr lang="en-US"/>
           </a:p>
@@ -4564,9 +4664,9 @@
           <a:bodyPr/>
           <a:lstStyle/>
           <a:p>
-            <a:fld id="{5F65F745-5CE3-40A0-8E26-13A5C6D55D00}" type="datetimeFigureOut">
+            <a:fld id="{381D60EE-3D79-455C-ACAD-DB08D31B7304}" type="datetime1">
               <a:rPr lang="en-US" smtClean="0"/>
-              <a:t>11/12/2012</a:t>
+              <a:t>11/13/2012</a:t>
             </a:fld>
             <a:endParaRPr lang="en-US"/>
           </a:p>
@@ -4817,9 +4917,9 @@
           <a:bodyPr/>
           <a:lstStyle/>
           <a:p>
-            <a:fld id="{5F65F745-5CE3-40A0-8E26-13A5C6D55D00}" type="datetimeFigureOut">
+            <a:fld id="{7B864028-9744-478B-88E3-26F084497025}" type="datetime1">
               <a:rPr lang="en-US" smtClean="0"/>
-              <a:t>11/12/2012</a:t>
+              <a:t>11/13/2012</a:t>
             </a:fld>
             <a:endParaRPr lang="en-US"/>
           </a:p>
@@ -5051,9 +5151,9 @@
             </a:lvl1pPr>
           </a:lstStyle>
           <a:p>
-            <a:fld id="{5F65F745-5CE3-40A0-8E26-13A5C6D55D00}" type="datetimeFigureOut">
+            <a:fld id="{9C3E8280-08C7-4D0C-A667-EBCDF03AF467}" type="datetime1">
               <a:rPr lang="en-US" smtClean="0"/>
-              <a:t>11/12/2012</a:t>
+              <a:t>11/13/2012</a:t>
             </a:fld>
             <a:endParaRPr lang="en-US"/>
           </a:p>
@@ -5158,6 +5258,7 @@
     <p:sldLayoutId id="2147483658" r:id="rId10"/>
     <p:sldLayoutId id="2147483659" r:id="rId11"/>
   </p:sldLayoutIdLst>
+  <p:hf hdr="0" ftr="0" dt="0"/>
   <p:txStyles>
     <p:titleStyle>
       <a:lvl1pPr algn="ctr" defTabSz="914400" rtl="0" eaLnBrk="1" latinLnBrk="0" hangingPunct="1">
@@ -5446,12 +5547,8 @@
           <a:lstStyle/>
           <a:p>
             <a:r>
-              <a:rPr lang="hu-HU" smtClean="0"/>
-              <a:t>Nagy szoftverinfrastruktúra </a:t>
-            </a:r>
-            <a:r>
               <a:rPr lang="hu-HU" dirty="0" smtClean="0"/>
-              <a:t>feletti inkrementális modell-analízis</a:t>
+              <a:t>Nagy szoftverinfrastruktúra feletti inkrementális modell-analízis</a:t>
             </a:r>
             <a:endParaRPr lang="en-US" dirty="0"/>
           </a:p>
@@ -5483,6 +5580,29 @@
               <a:t>Konzulens: Horváth Ákos, Ráth István</a:t>
             </a:r>
             <a:endParaRPr lang="en-US" dirty="0" smtClean="0"/>
+          </a:p>
+        </p:txBody>
+      </p:sp>
+      <p:sp>
+        <p:nvSpPr>
+          <p:cNvPr id="5" name="Date Placeholder 4"/>
+          <p:cNvSpPr>
+            <a:spLocks noGrp="1"/>
+          </p:cNvSpPr>
+          <p:nvPr>
+            <p:ph type="dt" sz="half" idx="10"/>
+          </p:nvPr>
+        </p:nvSpPr>
+        <p:spPr/>
+        <p:txBody>
+          <a:bodyPr/>
+          <a:lstStyle/>
+          <a:p>
+            <a:fld id="{69502636-3651-4D64-AD56-5443027FFC3F}" type="datetime1">
+              <a:rPr lang="hu-HU" smtClean="0"/>
+              <a:t>2012.11.13.</a:t>
+            </a:fld>
+            <a:endParaRPr lang="en-US"/>
           </a:p>
         </p:txBody>
       </p:sp>
@@ -5507,7 +5627,7 @@
 </file>
 
 <file path=ppt/slides/slide10.xml><?xml version="1.0" encoding="utf-8"?>
-<p:sld xmlns:a="http://schemas.openxmlformats.org/drawingml/2006/main" xmlns:r="http://schemas.openxmlformats.org/officeDocument/2006/relationships" xmlns:p="http://schemas.openxmlformats.org/presentationml/2006/main">
+<p:sld xmlns:a="http://schemas.openxmlformats.org/drawingml/2006/main" xmlns:r="http://schemas.openxmlformats.org/officeDocument/2006/relationships" xmlns:p="http://schemas.openxmlformats.org/presentationml/2006/main" show="0">
   <p:cSld>
     <p:spTree>
       <p:nvGrpSpPr>
@@ -5525,7 +5645,7 @@
       </p:grpSpPr>
       <p:sp>
         <p:nvSpPr>
-          <p:cNvPr id="5" name="Title 4"/>
+          <p:cNvPr id="4" name="Title 3"/>
           <p:cNvSpPr>
             <a:spLocks noGrp="1"/>
           </p:cNvSpPr>
@@ -5533,21 +5653,798 @@
             <p:ph type="title"/>
           </p:nvPr>
         </p:nvSpPr>
+        <p:spPr/>
+        <p:txBody>
+          <a:bodyPr/>
+          <a:lstStyle/>
+          <a:p>
+            <a:r>
+              <a:rPr lang="hu-HU" dirty="0" smtClean="0"/>
+              <a:t>Architektúra</a:t>
+            </a:r>
+            <a:endParaRPr lang="en-US" dirty="0"/>
+          </a:p>
+        </p:txBody>
+      </p:sp>
+      <p:sp>
+        <p:nvSpPr>
+          <p:cNvPr id="24" name="Rectangle 23"/>
+          <p:cNvSpPr/>
+          <p:nvPr/>
+        </p:nvSpPr>
         <p:spPr>
           <a:xfrm>
-            <a:off x="762000" y="4419600"/>
-            <a:ext cx="7772400" cy="1362075"/>
+            <a:off x="3172691" y="4904508"/>
+            <a:ext cx="2743200" cy="1345598"/>
           </a:xfrm>
+          <a:prstGeom prst="rect">
+            <a:avLst/>
+          </a:prstGeom>
         </p:spPr>
-        <p:txBody>
-          <a:bodyPr>
-            <a:normAutofit/>
+        <p:style>
+          <a:lnRef idx="1">
+            <a:schemeClr val="accent1"/>
+          </a:lnRef>
+          <a:fillRef idx="2">
+            <a:schemeClr val="accent1"/>
+          </a:fillRef>
+          <a:effectRef idx="1">
+            <a:schemeClr val="accent1"/>
+          </a:effectRef>
+          <a:fontRef idx="minor">
+            <a:schemeClr val="dk1"/>
+          </a:fontRef>
+        </p:style>
+        <p:txBody>
+          <a:bodyPr rtlCol="0" anchor="ctr"/>
+          <a:lstStyle/>
+          <a:p>
+            <a:pPr algn="ctr"/>
+            <a:r>
+              <a:rPr lang="hu-HU" dirty="0">
+                <a:solidFill>
+                  <a:schemeClr val="dk1"/>
+                </a:solidFill>
+              </a:rPr>
+              <a:t>Szerver</a:t>
+            </a:r>
+          </a:p>
+        </p:txBody>
+      </p:sp>
+      <p:sp>
+        <p:nvSpPr>
+          <p:cNvPr id="25" name="Flowchart: Magnetic Disk 24"/>
+          <p:cNvSpPr/>
+          <p:nvPr/>
+        </p:nvSpPr>
+        <p:spPr>
+          <a:xfrm>
+            <a:off x="6781800" y="4897582"/>
+            <a:ext cx="1600200" cy="1352524"/>
+          </a:xfrm>
+          <a:prstGeom prst="flowChartMagneticDisk">
+            <a:avLst/>
+          </a:prstGeom>
+        </p:spPr>
+        <p:style>
+          <a:lnRef idx="1">
+            <a:schemeClr val="accent1"/>
+          </a:lnRef>
+          <a:fillRef idx="2">
+            <a:schemeClr val="accent1"/>
+          </a:fillRef>
+          <a:effectRef idx="1">
+            <a:schemeClr val="accent1"/>
+          </a:effectRef>
+          <a:fontRef idx="minor">
+            <a:schemeClr val="dk1"/>
+          </a:fontRef>
+        </p:style>
+        <p:txBody>
+          <a:bodyPr rtlCol="0" anchor="ctr"/>
+          <a:lstStyle/>
+          <a:p>
+            <a:pPr algn="ctr"/>
+            <a:r>
+              <a:rPr lang="hu-HU" dirty="0">
+                <a:solidFill>
+                  <a:schemeClr val="dk1"/>
+                </a:solidFill>
+              </a:rPr>
+              <a:t>Függőségi adatbázis</a:t>
+            </a:r>
+            <a:endParaRPr lang="en-US" dirty="0">
+              <a:solidFill>
+                <a:schemeClr val="dk1"/>
+              </a:solidFill>
+            </a:endParaRPr>
+          </a:p>
+        </p:txBody>
+      </p:sp>
+      <p:sp>
+        <p:nvSpPr>
+          <p:cNvPr id="26" name="Rectangle 25"/>
+          <p:cNvSpPr/>
+          <p:nvPr/>
+        </p:nvSpPr>
+        <p:spPr>
+          <a:xfrm>
+            <a:off x="3200400" y="1475509"/>
+            <a:ext cx="5181600" cy="2819400"/>
+          </a:xfrm>
+          <a:prstGeom prst="rect">
+            <a:avLst/>
+          </a:prstGeom>
+        </p:spPr>
+        <p:style>
+          <a:lnRef idx="1">
+            <a:schemeClr val="dk1"/>
+          </a:lnRef>
+          <a:fillRef idx="2">
+            <a:schemeClr val="dk1"/>
+          </a:fillRef>
+          <a:effectRef idx="1">
+            <a:schemeClr val="dk1"/>
+          </a:effectRef>
+          <a:fontRef idx="minor">
+            <a:schemeClr val="dk1"/>
+          </a:fontRef>
+        </p:style>
+        <p:txBody>
+          <a:bodyPr rtlCol="0" anchor="ctr"/>
+          <a:lstStyle/>
+          <a:p>
+            <a:pPr algn="ctr"/>
+            <a:r>
+              <a:rPr lang="hu-HU" dirty="0" smtClean="0"/>
+              <a:t>Eclipse IDE</a:t>
+            </a:r>
+            <a:endParaRPr lang="hu-HU" dirty="0"/>
+          </a:p>
+          <a:p>
+            <a:pPr algn="ctr"/>
+            <a:endParaRPr lang="hu-HU" dirty="0" smtClean="0"/>
+          </a:p>
+          <a:p>
+            <a:pPr algn="ctr"/>
+            <a:endParaRPr lang="hu-HU" dirty="0"/>
+          </a:p>
+          <a:p>
+            <a:pPr algn="ctr"/>
+            <a:endParaRPr lang="hu-HU" dirty="0" smtClean="0"/>
+          </a:p>
+          <a:p>
+            <a:pPr algn="ctr"/>
+            <a:endParaRPr lang="hu-HU" dirty="0"/>
+          </a:p>
+          <a:p>
+            <a:pPr algn="ctr"/>
+            <a:endParaRPr lang="hu-HU" dirty="0" smtClean="0"/>
+          </a:p>
+          <a:p>
+            <a:pPr algn="ctr"/>
+            <a:endParaRPr lang="hu-HU" dirty="0"/>
+          </a:p>
+          <a:p>
+            <a:pPr algn="ctr"/>
+            <a:endParaRPr lang="hu-HU" dirty="0" smtClean="0"/>
+          </a:p>
+          <a:p>
+            <a:pPr algn="ctr"/>
+            <a:endParaRPr lang="hu-HU" dirty="0"/>
+          </a:p>
+        </p:txBody>
+      </p:sp>
+      <p:sp>
+        <p:nvSpPr>
+          <p:cNvPr id="27" name="Flowchart: Magnetic Disk 26"/>
+          <p:cNvSpPr/>
+          <p:nvPr/>
+        </p:nvSpPr>
+        <p:spPr>
+          <a:xfrm>
+            <a:off x="685800" y="4897581"/>
+            <a:ext cx="1371600" cy="1345598"/>
+          </a:xfrm>
+          <a:prstGeom prst="flowChartMagneticDisk">
+            <a:avLst/>
+          </a:prstGeom>
+        </p:spPr>
+        <p:style>
+          <a:lnRef idx="1">
+            <a:schemeClr val="dk1"/>
+          </a:lnRef>
+          <a:fillRef idx="2">
+            <a:schemeClr val="dk1"/>
+          </a:fillRef>
+          <a:effectRef idx="1">
+            <a:schemeClr val="dk1"/>
+          </a:effectRef>
+          <a:fontRef idx="minor">
+            <a:schemeClr val="dk1"/>
+          </a:fontRef>
+        </p:style>
+        <p:txBody>
+          <a:bodyPr rtlCol="0" anchor="ctr"/>
+          <a:lstStyle/>
+          <a:p>
+            <a:pPr algn="ctr"/>
+            <a:r>
+              <a:rPr lang="hu-HU" dirty="0" smtClean="0"/>
+              <a:t>Bináris tároló</a:t>
+            </a:r>
+            <a:endParaRPr lang="en-US" dirty="0"/>
+          </a:p>
+        </p:txBody>
+      </p:sp>
+      <p:sp>
+        <p:nvSpPr>
+          <p:cNvPr id="28" name="Rectangle 27"/>
+          <p:cNvSpPr/>
+          <p:nvPr/>
+        </p:nvSpPr>
+        <p:spPr>
+          <a:xfrm>
+            <a:off x="3581400" y="2240527"/>
+            <a:ext cx="4156364" cy="595580"/>
+          </a:xfrm>
+          <a:prstGeom prst="rect">
+            <a:avLst/>
+          </a:prstGeom>
+        </p:spPr>
+        <p:style>
+          <a:lnRef idx="1">
+            <a:schemeClr val="accent1"/>
+          </a:lnRef>
+          <a:fillRef idx="2">
+            <a:schemeClr val="accent1"/>
+          </a:fillRef>
+          <a:effectRef idx="1">
+            <a:schemeClr val="accent1"/>
+          </a:effectRef>
+          <a:fontRef idx="minor">
+            <a:schemeClr val="dk1"/>
+          </a:fontRef>
+        </p:style>
+        <p:txBody>
+          <a:bodyPr rtlCol="0" anchor="ctr"/>
+          <a:lstStyle/>
+          <a:p>
+            <a:pPr algn="ctr"/>
+            <a:r>
+              <a:rPr lang="hu-HU" dirty="0" smtClean="0"/>
+              <a:t>Lekérdezések</a:t>
+            </a:r>
+          </a:p>
+        </p:txBody>
+      </p:sp>
+      <p:sp>
+        <p:nvSpPr>
+          <p:cNvPr id="29" name="Rectangle 28"/>
+          <p:cNvSpPr/>
+          <p:nvPr/>
+        </p:nvSpPr>
+        <p:spPr>
+          <a:xfrm>
+            <a:off x="3352800" y="2057400"/>
+            <a:ext cx="4876800" cy="2057400"/>
+          </a:xfrm>
+          <a:prstGeom prst="rect">
+            <a:avLst/>
+          </a:prstGeom>
+          <a:noFill/>
+          <a:ln w="9525">
+            <a:prstDash val="dash"/>
+          </a:ln>
+        </p:spPr>
+        <p:style>
+          <a:lnRef idx="2">
+            <a:schemeClr val="dk1"/>
+          </a:lnRef>
+          <a:fillRef idx="1">
+            <a:schemeClr val="lt1"/>
+          </a:fillRef>
+          <a:effectRef idx="0">
+            <a:schemeClr val="dk1"/>
+          </a:effectRef>
+          <a:fontRef idx="minor">
+            <a:schemeClr val="dk1"/>
+          </a:fontRef>
+        </p:style>
+        <p:txBody>
+          <a:bodyPr rtlCol="0" anchor="ctr"/>
+          <a:lstStyle/>
+          <a:p>
+            <a:pPr algn="ctr"/>
+            <a:endParaRPr lang="en-US"/>
+          </a:p>
+        </p:txBody>
+      </p:sp>
+      <p:grpSp>
+        <p:nvGrpSpPr>
+          <p:cNvPr id="30" name="Group 29"/>
+          <p:cNvGrpSpPr/>
+          <p:nvPr/>
+        </p:nvGrpSpPr>
+        <p:grpSpPr>
+          <a:xfrm>
+            <a:off x="555594" y="2057400"/>
+            <a:ext cx="1632012" cy="1760294"/>
+            <a:chOff x="-184672" y="1448843"/>
+            <a:chExt cx="1219200" cy="1315034"/>
+          </a:xfrm>
+        </p:grpSpPr>
+        <p:pic>
+          <p:nvPicPr>
+            <p:cNvPr id="31" name="Picture 2"/>
+            <p:cNvPicPr>
+              <a:picLocks noChangeAspect="1" noChangeArrowheads="1"/>
+            </p:cNvPicPr>
+            <p:nvPr/>
+          </p:nvPicPr>
+          <p:blipFill>
+            <a:blip r:embed="rId2" cstate="print">
+              <a:extLst>
+                <a:ext uri="{BEBA8EAE-BF5A-486C-A8C5-ECC9F3942E4B}">
+                  <a14:imgProps xmlns:a14="http://schemas.microsoft.com/office/drawing/2010/main">
+                    <a14:imgLayer r:embed="rId3">
+                      <a14:imgEffect>
+                        <a14:backgroundRemoval t="0" b="99603" l="0" r="100000"/>
+                      </a14:imgEffect>
+                    </a14:imgLayer>
+                  </a14:imgProps>
+                </a:ext>
+                <a:ext uri="{28A0092B-C50C-407E-A947-70E740481C1C}">
+                  <a14:useLocalDpi xmlns:a14="http://schemas.microsoft.com/office/drawing/2010/main" val="0"/>
+                </a:ext>
+              </a:extLst>
+            </a:blip>
+            <a:srcRect/>
+            <a:stretch>
+              <a:fillRect/>
+            </a:stretch>
+          </p:blipFill>
+          <p:spPr bwMode="auto">
+            <a:xfrm>
+              <a:off x="208905" y="1448843"/>
+              <a:ext cx="432047" cy="914924"/>
+            </a:xfrm>
+            <a:prstGeom prst="rect">
+              <a:avLst/>
+            </a:prstGeom>
+            <a:noFill/>
+            <a:ln>
+              <a:noFill/>
+            </a:ln>
+            <a:effectLst/>
+            <a:extLst>
+              <a:ext uri="{909E8E84-426E-40DD-AFC4-6F175D3DCCD1}">
+                <a14:hiddenFill xmlns:a14="http://schemas.microsoft.com/office/drawing/2010/main">
+                  <a:solidFill>
+                    <a:schemeClr val="accent1"/>
+                  </a:solidFill>
+                </a14:hiddenFill>
+              </a:ext>
+              <a:ext uri="{91240B29-F687-4F45-9708-019B960494DF}">
+                <a14:hiddenLine xmlns:a14="http://schemas.microsoft.com/office/drawing/2010/main" w="9525">
+                  <a:solidFill>
+                    <a:schemeClr val="tx1"/>
+                  </a:solidFill>
+                  <a:miter lim="800000"/>
+                  <a:headEnd/>
+                  <a:tailEnd/>
+                </a14:hiddenLine>
+              </a:ext>
+              <a:ext uri="{AF507438-7753-43E0-B8FC-AC1667EBCBE1}">
+                <a14:hiddenEffects xmlns:a14="http://schemas.microsoft.com/office/drawing/2010/main">
+                  <a:effectLst>
+                    <a:outerShdw dist="35921" dir="2700000" algn="ctr" rotWithShape="0">
+                      <a:schemeClr val="bg2"/>
+                    </a:outerShdw>
+                  </a:effectLst>
+                </a14:hiddenEffects>
+              </a:ext>
+            </a:extLst>
+          </p:spPr>
+        </p:pic>
+        <p:sp>
+          <p:nvSpPr>
+            <p:cNvPr id="32" name="Szövegdoboz 15"/>
+            <p:cNvSpPr txBox="1"/>
+            <p:nvPr/>
+          </p:nvSpPr>
+          <p:spPr>
+            <a:xfrm>
+              <a:off x="-184672" y="2363767"/>
+              <a:ext cx="1219200" cy="400110"/>
+            </a:xfrm>
+            <a:prstGeom prst="rect">
+              <a:avLst/>
+            </a:prstGeom>
+            <a:noFill/>
+          </p:spPr>
+          <p:txBody>
+            <a:bodyPr wrap="square" rtlCol="0">
+              <a:spAutoFit/>
+            </a:bodyPr>
+            <a:lstStyle/>
+            <a:p>
+              <a:pPr algn="ctr"/>
+              <a:r>
+                <a:rPr lang="hu-HU" sz="2000" dirty="0" smtClean="0"/>
+                <a:t>Fejlesztő</a:t>
+              </a:r>
+              <a:endParaRPr lang="en-US" sz="2000" dirty="0"/>
+            </a:p>
+          </p:txBody>
+        </p:sp>
+      </p:grpSp>
+      <p:sp>
+        <p:nvSpPr>
+          <p:cNvPr id="33" name="Rectangle 32"/>
+          <p:cNvSpPr/>
+          <p:nvPr/>
+        </p:nvSpPr>
+        <p:spPr>
+          <a:xfrm>
+            <a:off x="3581400" y="3216882"/>
+            <a:ext cx="1925782" cy="821718"/>
+          </a:xfrm>
+          <a:prstGeom prst="rect">
+            <a:avLst/>
+          </a:prstGeom>
+        </p:spPr>
+        <p:style>
+          <a:lnRef idx="1">
+            <a:schemeClr val="accent1"/>
+          </a:lnRef>
+          <a:fillRef idx="2">
+            <a:schemeClr val="accent1"/>
+          </a:fillRef>
+          <a:effectRef idx="1">
+            <a:schemeClr val="accent1"/>
+          </a:effectRef>
+          <a:fontRef idx="minor">
+            <a:schemeClr val="dk1"/>
+          </a:fontRef>
+        </p:style>
+        <p:txBody>
+          <a:bodyPr rtlCol="0" anchor="ctr"/>
+          <a:lstStyle/>
+          <a:p>
+            <a:pPr algn="ctr"/>
+            <a:r>
+              <a:rPr lang="hu-HU" dirty="0" smtClean="0"/>
+              <a:t>Függőségi modell szinkronizáció</a:t>
+            </a:r>
+          </a:p>
+        </p:txBody>
+      </p:sp>
+      <p:sp>
+        <p:nvSpPr>
+          <p:cNvPr id="34" name="Rectangle 33"/>
+          <p:cNvSpPr/>
+          <p:nvPr/>
+        </p:nvSpPr>
+        <p:spPr>
+          <a:xfrm>
+            <a:off x="5811982" y="3216882"/>
+            <a:ext cx="1925782" cy="821718"/>
+          </a:xfrm>
+          <a:prstGeom prst="rect">
+            <a:avLst/>
+          </a:prstGeom>
+        </p:spPr>
+        <p:style>
+          <a:lnRef idx="1">
+            <a:schemeClr val="accent1"/>
+          </a:lnRef>
+          <a:fillRef idx="2">
+            <a:schemeClr val="accent1"/>
+          </a:fillRef>
+          <a:effectRef idx="1">
+            <a:schemeClr val="accent1"/>
+          </a:effectRef>
+          <a:fontRef idx="minor">
+            <a:schemeClr val="dk1"/>
+          </a:fontRef>
+        </p:style>
+        <p:txBody>
+          <a:bodyPr rtlCol="0" anchor="ctr"/>
+          <a:lstStyle/>
+          <a:p>
+            <a:pPr algn="ctr"/>
+            <a:r>
+              <a:rPr lang="hu-HU" dirty="0">
+                <a:solidFill>
+                  <a:schemeClr val="dk1"/>
+                </a:solidFill>
+              </a:rPr>
+              <a:t>Forráskód modell szinkronizáció</a:t>
+            </a:r>
+          </a:p>
+        </p:txBody>
+      </p:sp>
+      <p:cxnSp>
+        <p:nvCxnSpPr>
+          <p:cNvPr id="35" name="Egyenes összekötő nyíllal 41"/>
+          <p:cNvCxnSpPr>
+            <a:stCxn id="31" idx="3"/>
+            <a:endCxn id="28" idx="1"/>
+          </p:cNvCxnSpPr>
+          <p:nvPr/>
+        </p:nvCxnSpPr>
+        <p:spPr>
+          <a:xfrm flipV="1">
+            <a:off x="1660768" y="2538317"/>
+            <a:ext cx="1920632" cy="131438"/>
+          </a:xfrm>
+          <a:prstGeom prst="straightConnector1">
+            <a:avLst/>
+          </a:prstGeom>
+          <a:ln>
+            <a:tailEnd type="arrow"/>
+          </a:ln>
+        </p:spPr>
+        <p:style>
+          <a:lnRef idx="3">
+            <a:schemeClr val="dk1"/>
+          </a:lnRef>
+          <a:fillRef idx="0">
+            <a:schemeClr val="dk1"/>
+          </a:fillRef>
+          <a:effectRef idx="2">
+            <a:schemeClr val="dk1"/>
+          </a:effectRef>
+          <a:fontRef idx="minor">
+            <a:schemeClr val="tx1"/>
+          </a:fontRef>
+        </p:style>
+      </p:cxnSp>
+      <p:cxnSp>
+        <p:nvCxnSpPr>
+          <p:cNvPr id="36" name="Egyenes összekötő nyíllal 41"/>
+          <p:cNvCxnSpPr>
+            <a:stCxn id="31" idx="3"/>
+          </p:cNvCxnSpPr>
+          <p:nvPr/>
+        </p:nvCxnSpPr>
+        <p:spPr>
+          <a:xfrm>
+            <a:off x="1660768" y="2669755"/>
+            <a:ext cx="1539632" cy="880149"/>
+          </a:xfrm>
+          <a:prstGeom prst="straightConnector1">
+            <a:avLst/>
+          </a:prstGeom>
+          <a:ln>
+            <a:tailEnd type="arrow"/>
+          </a:ln>
+        </p:spPr>
+        <p:style>
+          <a:lnRef idx="3">
+            <a:schemeClr val="dk1"/>
+          </a:lnRef>
+          <a:fillRef idx="0">
+            <a:schemeClr val="dk1"/>
+          </a:fillRef>
+          <a:effectRef idx="2">
+            <a:schemeClr val="dk1"/>
+          </a:effectRef>
+          <a:fontRef idx="minor">
+            <a:schemeClr val="tx1"/>
+          </a:fontRef>
+        </p:style>
+      </p:cxnSp>
+      <p:cxnSp>
+        <p:nvCxnSpPr>
+          <p:cNvPr id="37" name="Egyenes összekötő nyíllal 43"/>
+          <p:cNvCxnSpPr>
+            <a:stCxn id="33" idx="0"/>
+          </p:cNvCxnSpPr>
+          <p:nvPr/>
+        </p:nvCxnSpPr>
+        <p:spPr>
+          <a:xfrm flipV="1">
+            <a:off x="4544291" y="2836107"/>
+            <a:ext cx="0" cy="380775"/>
+          </a:xfrm>
+          <a:prstGeom prst="straightConnector1">
+            <a:avLst/>
+          </a:prstGeom>
+          <a:ln>
+            <a:headEnd type="arrow"/>
+            <a:tailEnd type="arrow"/>
+          </a:ln>
+        </p:spPr>
+        <p:style>
+          <a:lnRef idx="3">
+            <a:schemeClr val="accent1"/>
+          </a:lnRef>
+          <a:fillRef idx="0">
+            <a:schemeClr val="accent1"/>
+          </a:fillRef>
+          <a:effectRef idx="2">
+            <a:schemeClr val="accent1"/>
+          </a:effectRef>
+          <a:fontRef idx="minor">
+            <a:schemeClr val="tx1"/>
+          </a:fontRef>
+        </p:style>
+      </p:cxnSp>
+      <p:cxnSp>
+        <p:nvCxnSpPr>
+          <p:cNvPr id="38" name="Egyenes összekötő nyíllal 43"/>
+          <p:cNvCxnSpPr>
+            <a:stCxn id="34" idx="0"/>
+          </p:cNvCxnSpPr>
+          <p:nvPr/>
+        </p:nvCxnSpPr>
+        <p:spPr>
+          <a:xfrm flipV="1">
+            <a:off x="6774873" y="2836108"/>
+            <a:ext cx="0" cy="380774"/>
+          </a:xfrm>
+          <a:prstGeom prst="straightConnector1">
+            <a:avLst/>
+          </a:prstGeom>
+          <a:ln>
+            <a:headEnd type="arrow"/>
+            <a:tailEnd type="arrow"/>
+          </a:ln>
+        </p:spPr>
+        <p:style>
+          <a:lnRef idx="3">
+            <a:schemeClr val="accent1"/>
+          </a:lnRef>
+          <a:fillRef idx="0">
+            <a:schemeClr val="accent1"/>
+          </a:fillRef>
+          <a:effectRef idx="2">
+            <a:schemeClr val="accent1"/>
+          </a:effectRef>
+          <a:fontRef idx="minor">
+            <a:schemeClr val="tx1"/>
+          </a:fontRef>
+        </p:style>
+      </p:cxnSp>
+      <p:cxnSp>
+        <p:nvCxnSpPr>
+          <p:cNvPr id="39" name="Egyenes összekötő nyíllal 43"/>
+          <p:cNvCxnSpPr>
+            <a:stCxn id="24" idx="0"/>
+            <a:endCxn id="33" idx="2"/>
+          </p:cNvCxnSpPr>
+          <p:nvPr/>
+        </p:nvCxnSpPr>
+        <p:spPr>
+          <a:xfrm flipV="1">
+            <a:off x="4544291" y="4038600"/>
+            <a:ext cx="0" cy="865908"/>
+          </a:xfrm>
+          <a:prstGeom prst="straightConnector1">
+            <a:avLst/>
+          </a:prstGeom>
+          <a:ln>
+            <a:headEnd type="arrow"/>
+            <a:tailEnd type="arrow"/>
+          </a:ln>
+        </p:spPr>
+        <p:style>
+          <a:lnRef idx="3">
+            <a:schemeClr val="accent1"/>
+          </a:lnRef>
+          <a:fillRef idx="0">
+            <a:schemeClr val="accent1"/>
+          </a:fillRef>
+          <a:effectRef idx="2">
+            <a:schemeClr val="accent1"/>
+          </a:effectRef>
+          <a:fontRef idx="minor">
+            <a:schemeClr val="tx1"/>
+          </a:fontRef>
+        </p:style>
+      </p:cxnSp>
+      <p:cxnSp>
+        <p:nvCxnSpPr>
+          <p:cNvPr id="40" name="Egyenes összekötő nyíllal 43"/>
+          <p:cNvCxnSpPr>
+            <a:stCxn id="27" idx="4"/>
+            <a:endCxn id="24" idx="1"/>
+          </p:cNvCxnSpPr>
+          <p:nvPr/>
+        </p:nvCxnSpPr>
+        <p:spPr>
+          <a:xfrm>
+            <a:off x="2057400" y="5570380"/>
+            <a:ext cx="1115291" cy="6927"/>
+          </a:xfrm>
+          <a:prstGeom prst="straightConnector1">
+            <a:avLst/>
+          </a:prstGeom>
+          <a:ln>
+            <a:headEnd type="arrow"/>
+            <a:tailEnd type="arrow"/>
+          </a:ln>
+        </p:spPr>
+        <p:style>
+          <a:lnRef idx="3">
+            <a:schemeClr val="accent1"/>
+          </a:lnRef>
+          <a:fillRef idx="0">
+            <a:schemeClr val="accent1"/>
+          </a:fillRef>
+          <a:effectRef idx="2">
+            <a:schemeClr val="accent1"/>
+          </a:effectRef>
+          <a:fontRef idx="minor">
+            <a:schemeClr val="tx1"/>
+          </a:fontRef>
+        </p:style>
+      </p:cxnSp>
+      <p:cxnSp>
+        <p:nvCxnSpPr>
+          <p:cNvPr id="41" name="Egyenes összekötő nyíllal 43"/>
+          <p:cNvCxnSpPr>
+            <a:stCxn id="24" idx="3"/>
+            <a:endCxn id="25" idx="2"/>
+          </p:cNvCxnSpPr>
+          <p:nvPr/>
+        </p:nvCxnSpPr>
+        <p:spPr>
+          <a:xfrm flipV="1">
+            <a:off x="5915891" y="5573844"/>
+            <a:ext cx="865909" cy="3463"/>
+          </a:xfrm>
+          <a:prstGeom prst="straightConnector1">
+            <a:avLst/>
+          </a:prstGeom>
+          <a:ln>
+            <a:headEnd type="arrow"/>
+            <a:tailEnd type="arrow"/>
+          </a:ln>
+        </p:spPr>
+        <p:style>
+          <a:lnRef idx="3">
+            <a:schemeClr val="accent1"/>
+          </a:lnRef>
+          <a:fillRef idx="0">
+            <a:schemeClr val="accent1"/>
+          </a:fillRef>
+          <a:effectRef idx="2">
+            <a:schemeClr val="accent1"/>
+          </a:effectRef>
+          <a:fontRef idx="minor">
+            <a:schemeClr val="tx1"/>
+          </a:fontRef>
+        </p:style>
+      </p:cxnSp>
+      <p:sp>
+        <p:nvSpPr>
+          <p:cNvPr id="42" name="TextBox 41"/>
+          <p:cNvSpPr txBox="1"/>
+          <p:nvPr/>
+        </p:nvSpPr>
+        <p:spPr>
+          <a:xfrm rot="16200000">
+            <a:off x="7005501" y="2912166"/>
+            <a:ext cx="2078865" cy="369332"/>
+          </a:xfrm>
+          <a:prstGeom prst="rect">
+            <a:avLst/>
+          </a:prstGeom>
+          <a:noFill/>
+        </p:spPr>
+        <p:txBody>
+          <a:bodyPr wrap="square" rtlCol="0">
+            <a:spAutoFit/>
           </a:bodyPr>
           <a:lstStyle/>
           <a:p>
+            <a:pPr algn="ctr"/>
             <a:r>
               <a:rPr lang="hu-HU" dirty="0" smtClean="0"/>
-              <a:t>Inkrementális, hibrid Függőségi analízis</a:t>
+              <a:t>Kliens plugin</a:t>
             </a:r>
             <a:endParaRPr lang="en-US" dirty="0"/>
           </a:p>
@@ -5555,12 +6452,12 @@
       </p:sp>
       <p:sp>
         <p:nvSpPr>
-          <p:cNvPr id="6" name="Text Placeholder 5"/>
+          <p:cNvPr id="2" name="Slide Number Placeholder 1"/>
           <p:cNvSpPr>
             <a:spLocks noGrp="1"/>
           </p:cNvSpPr>
           <p:nvPr>
-            <p:ph type="body" idx="1"/>
+            <p:ph type="sldNum" sz="quarter" idx="12"/>
           </p:nvPr>
         </p:nvSpPr>
         <p:spPr/>
@@ -5568,20 +6465,32 @@
           <a:bodyPr/>
           <a:lstStyle/>
           <a:p>
-            <a:endParaRPr lang="en-US" dirty="0"/>
+            <a:fld id="{E5B09FA9-A177-4256-9C7F-5CF31ABA7234}" type="slidenum">
+              <a:rPr lang="en-US" smtClean="0"/>
+              <a:t>10</a:t>
+            </a:fld>
+            <a:endParaRPr lang="en-US"/>
           </a:p>
         </p:txBody>
       </p:sp>
     </p:spTree>
     <p:extLst>
       <p:ext uri="{BB962C8B-B14F-4D97-AF65-F5344CB8AC3E}">
-        <p14:creationId xmlns:p14="http://schemas.microsoft.com/office/powerpoint/2010/main" val="2033946797"/>
+        <p14:creationId xmlns:p14="http://schemas.microsoft.com/office/powerpoint/2010/main" val="2388939505"/>
       </p:ext>
     </p:extLst>
   </p:cSld>
   <p:clrMapOvr>
     <a:masterClrMapping/>
   </p:clrMapOvr>
+  <mc:AlternateContent xmlns:mc="http://schemas.openxmlformats.org/markup-compatibility/2006" xmlns:p14="http://schemas.microsoft.com/office/powerpoint/2010/main">
+    <mc:Choice Requires="p14">
+      <p:transition spd="slow" p14:dur="2000"/>
+    </mc:Choice>
+    <mc:Fallback xmlns="">
+      <p:transition spd="slow"/>
+    </mc:Fallback>
+  </mc:AlternateContent>
   <p:timing>
     <p:tnLst>
       <p:par>
@@ -5611,6 +6520,115 @@
       </p:grpSpPr>
       <p:sp>
         <p:nvSpPr>
+          <p:cNvPr id="5" name="Title 4"/>
+          <p:cNvSpPr>
+            <a:spLocks noGrp="1"/>
+          </p:cNvSpPr>
+          <p:nvPr>
+            <p:ph type="title"/>
+          </p:nvPr>
+        </p:nvSpPr>
+        <p:spPr>
+          <a:xfrm>
+            <a:off x="762000" y="4419600"/>
+            <a:ext cx="7772400" cy="1362075"/>
+          </a:xfrm>
+        </p:spPr>
+        <p:txBody>
+          <a:bodyPr>
+            <a:normAutofit/>
+          </a:bodyPr>
+          <a:lstStyle/>
+          <a:p>
+            <a:r>
+              <a:rPr lang="hu-HU" dirty="0" smtClean="0"/>
+              <a:t>Inkrementális, hibrid Függőségi analízis</a:t>
+            </a:r>
+            <a:endParaRPr lang="en-US" dirty="0"/>
+          </a:p>
+        </p:txBody>
+      </p:sp>
+      <p:sp>
+        <p:nvSpPr>
+          <p:cNvPr id="6" name="Text Placeholder 5"/>
+          <p:cNvSpPr>
+            <a:spLocks noGrp="1"/>
+          </p:cNvSpPr>
+          <p:nvPr>
+            <p:ph type="body" idx="1"/>
+          </p:nvPr>
+        </p:nvSpPr>
+        <p:spPr/>
+        <p:txBody>
+          <a:bodyPr/>
+          <a:lstStyle/>
+          <a:p>
+            <a:endParaRPr lang="en-US" dirty="0"/>
+          </a:p>
+        </p:txBody>
+      </p:sp>
+      <p:sp>
+        <p:nvSpPr>
+          <p:cNvPr id="2" name="Slide Number Placeholder 1"/>
+          <p:cNvSpPr>
+            <a:spLocks noGrp="1"/>
+          </p:cNvSpPr>
+          <p:nvPr>
+            <p:ph type="sldNum" sz="quarter" idx="12"/>
+          </p:nvPr>
+        </p:nvSpPr>
+        <p:spPr/>
+        <p:txBody>
+          <a:bodyPr/>
+          <a:lstStyle/>
+          <a:p>
+            <a:fld id="{E5B09FA9-A177-4256-9C7F-5CF31ABA7234}" type="slidenum">
+              <a:rPr lang="en-US" smtClean="0"/>
+              <a:t>11</a:t>
+            </a:fld>
+            <a:endParaRPr lang="en-US"/>
+          </a:p>
+        </p:txBody>
+      </p:sp>
+    </p:spTree>
+    <p:extLst>
+      <p:ext uri="{BB962C8B-B14F-4D97-AF65-F5344CB8AC3E}">
+        <p14:creationId xmlns:p14="http://schemas.microsoft.com/office/powerpoint/2010/main" val="2033946797"/>
+      </p:ext>
+    </p:extLst>
+  </p:cSld>
+  <p:clrMapOvr>
+    <a:masterClrMapping/>
+  </p:clrMapOvr>
+  <p:timing>
+    <p:tnLst>
+      <p:par>
+        <p:cTn id="1" dur="indefinite" restart="never" nodeType="tmRoot"/>
+      </p:par>
+    </p:tnLst>
+  </p:timing>
+</p:sld>
+</file>
+
+<file path=ppt/slides/slide12.xml><?xml version="1.0" encoding="utf-8"?>
+<p:sld xmlns:a="http://schemas.openxmlformats.org/drawingml/2006/main" xmlns:r="http://schemas.openxmlformats.org/officeDocument/2006/relationships" xmlns:p="http://schemas.openxmlformats.org/presentationml/2006/main">
+  <p:cSld>
+    <p:spTree>
+      <p:nvGrpSpPr>
+        <p:cNvPr id="1" name=""/>
+        <p:cNvGrpSpPr/>
+        <p:nvPr/>
+      </p:nvGrpSpPr>
+      <p:grpSpPr>
+        <a:xfrm>
+          <a:off x="0" y="0"/>
+          <a:ext cx="0" cy="0"/>
+          <a:chOff x="0" y="0"/>
+          <a:chExt cx="0" cy="0"/>
+        </a:xfrm>
+      </p:grpSpPr>
+      <p:sp>
+        <p:nvSpPr>
           <p:cNvPr id="4" name="Title 3"/>
           <p:cNvSpPr>
             <a:spLocks noGrp="1"/>
@@ -5645,7 +6663,7 @@
         <p:spPr/>
         <p:txBody>
           <a:bodyPr>
-            <a:normAutofit fontScale="85000" lnSpcReduction="20000"/>
+            <a:normAutofit fontScale="92500" lnSpcReduction="20000"/>
           </a:bodyPr>
           <a:lstStyle/>
           <a:p>
@@ -5658,15 +6676,7 @@
             <a:pPr lvl="1"/>
             <a:r>
               <a:rPr lang="hu-HU" dirty="0" smtClean="0"/>
-              <a:t>Csak </a:t>
-            </a:r>
-            <a:r>
-              <a:rPr lang="hu-HU" dirty="0" smtClean="0"/>
-              <a:t>az adatbázisban tárolt </a:t>
-            </a:r>
-            <a:r>
-              <a:rPr lang="hu-HU" dirty="0" smtClean="0"/>
-              <a:t>adatok (=éles használatban lévő verziók) alapján</a:t>
+              <a:t>Csak az adatbázisban tárolt adatok (=éles használatban lévő verziók) alapján</a:t>
             </a:r>
           </a:p>
           <a:p>
@@ -5683,7 +6693,6 @@
               <a:rPr lang="hu-HU" dirty="0" smtClean="0"/>
               <a:t> elem függőségeire</a:t>
             </a:r>
-            <a:endParaRPr lang="hu-HU" dirty="0" smtClean="0"/>
           </a:p>
           <a:p>
             <a:r>
@@ -5727,7 +6736,6 @@
               <a:rPr lang="hu-HU" dirty="0" smtClean="0"/>
               <a:t>Javasolt architektúra</a:t>
             </a:r>
-            <a:endParaRPr lang="hu-HU" dirty="0" smtClean="0"/>
           </a:p>
           <a:p>
             <a:pPr lvl="1"/>
@@ -5760,22 +6768,49 @@
             </a:r>
             <a:r>
               <a:rPr lang="hu-HU" dirty="0" smtClean="0"/>
-              <a:t> elem függőségeire</a:t>
+              <a:t> elem </a:t>
+            </a:r>
+            <a:r>
+              <a:rPr lang="hu-HU" dirty="0" smtClean="0"/>
+              <a:t>függőségeire</a:t>
             </a:r>
           </a:p>
           <a:p>
             <a:pPr lvl="2"/>
             <a:r>
               <a:rPr lang="hu-HU" dirty="0" smtClean="0"/>
-              <a:t>A függőségi analízis eredményét a kód átírását követően azonnal meg tudjuk mutatni a felhasználónak!</a:t>
-            </a:r>
-            <a:endParaRPr lang="hu-HU" dirty="0"/>
+              <a:t>Azonnali visszacsatolás</a:t>
+            </a:r>
+            <a:endParaRPr lang="hu-HU" dirty="0" smtClean="0"/>
           </a:p>
           <a:p>
             <a:pPr marL="457200" lvl="1" indent="0">
               <a:buNone/>
             </a:pPr>
             <a:endParaRPr lang="hu-HU" dirty="0" smtClean="0"/>
+          </a:p>
+        </p:txBody>
+      </p:sp>
+      <p:sp>
+        <p:nvSpPr>
+          <p:cNvPr id="2" name="Slide Number Placeholder 1"/>
+          <p:cNvSpPr>
+            <a:spLocks noGrp="1"/>
+          </p:cNvSpPr>
+          <p:nvPr>
+            <p:ph type="sldNum" sz="quarter" idx="12"/>
+          </p:nvPr>
+        </p:nvSpPr>
+        <p:spPr/>
+        <p:txBody>
+          <a:bodyPr/>
+          <a:lstStyle/>
+          <a:p>
+            <a:fld id="{E5B09FA9-A177-4256-9C7F-5CF31ABA7234}" type="slidenum">
+              <a:rPr lang="en-US" smtClean="0"/>
+              <a:t>12</a:t>
+            </a:fld>
+            <a:endParaRPr lang="en-US"/>
           </a:p>
         </p:txBody>
       </p:sp>
@@ -5799,7 +6834,7 @@
 </p:sld>
 </file>
 
-<file path=ppt/slides/slide12.xml><?xml version="1.0" encoding="utf-8"?>
+<file path=ppt/slides/slide13.xml><?xml version="1.0" encoding="utf-8"?>
 <p:sld xmlns:a="http://schemas.openxmlformats.org/drawingml/2006/main" xmlns:r="http://schemas.openxmlformats.org/officeDocument/2006/relationships" xmlns:p="http://schemas.openxmlformats.org/presentationml/2006/main">
   <p:cSld>
     <p:spTree>
@@ -6874,7 +7909,21 @@
             </a:pPr>
             <a:r>
               <a:rPr lang="hu-HU" dirty="0" smtClean="0"/>
-              <a:t>Modellek =&gt; EMF-IncQuery </a:t>
+              <a:t>Modellek </a:t>
+            </a:r>
+            <a:r>
+              <a:rPr lang="hu-HU" dirty="0">
+                <a:sym typeface="Wingdings" pitchFamily="2" charset="2"/>
+              </a:rPr>
+              <a:t></a:t>
+            </a:r>
+            <a:r>
+              <a:rPr lang="hu-HU" dirty="0" smtClean="0"/>
+              <a:t> </a:t>
+            </a:r>
+            <a:r>
+              <a:rPr lang="hu-HU" dirty="0" smtClean="0"/>
+              <a:t>EMF-IncQuery </a:t>
             </a:r>
           </a:p>
           <a:p>
@@ -6930,7 +7979,6 @@
               <a:rPr lang="hu-HU" dirty="0" smtClean="0"/>
               <a:t>Forráskód szerkesztés</a:t>
             </a:r>
-            <a:endParaRPr lang="hu-HU" dirty="0" smtClean="0"/>
           </a:p>
         </p:txBody>
       </p:sp>
@@ -6979,7 +8027,6 @@
               <a:rPr lang="hu-HU" dirty="0" smtClean="0"/>
               <a:t>Automatikus,  azonnali eredmény</a:t>
             </a:r>
-            <a:endParaRPr lang="hu-HU" dirty="0" smtClean="0"/>
           </a:p>
           <a:p>
             <a:pPr marL="285750" indent="-285750">
@@ -7052,7 +8099,29 @@
               <a:rPr lang="hu-HU" dirty="0" smtClean="0"/>
               <a:t> szinkornizáció</a:t>
             </a:r>
-            <a:endParaRPr lang="hu-HU" dirty="0" smtClean="0"/>
+          </a:p>
+        </p:txBody>
+      </p:sp>
+      <p:sp>
+        <p:nvSpPr>
+          <p:cNvPr id="3" name="Slide Number Placeholder 2"/>
+          <p:cNvSpPr>
+            <a:spLocks noGrp="1"/>
+          </p:cNvSpPr>
+          <p:nvPr>
+            <p:ph type="sldNum" sz="quarter" idx="12"/>
+          </p:nvPr>
+        </p:nvSpPr>
+        <p:spPr/>
+        <p:txBody>
+          <a:bodyPr/>
+          <a:lstStyle/>
+          <a:p>
+            <a:fld id="{E5B09FA9-A177-4256-9C7F-5CF31ABA7234}" type="slidenum">
+              <a:rPr lang="en-US" smtClean="0"/>
+              <a:t>13</a:t>
+            </a:fld>
+            <a:endParaRPr lang="en-US"/>
           </a:p>
         </p:txBody>
       </p:sp>
@@ -7708,7 +8777,7 @@
 </p:sld>
 </file>
 
-<file path=ppt/slides/slide13.xml><?xml version="1.0" encoding="utf-8"?>
+<file path=ppt/slides/slide14.xml><?xml version="1.0" encoding="utf-8"?>
 <p:sld xmlns:a="http://schemas.openxmlformats.org/drawingml/2006/main" xmlns:r="http://schemas.openxmlformats.org/officeDocument/2006/relationships" xmlns:p="http://schemas.openxmlformats.org/presentationml/2006/main">
   <p:cSld>
     <p:spTree>
@@ -7793,11 +8862,7 @@
           <a:p>
             <a:r>
               <a:rPr lang="hu-HU" dirty="0" smtClean="0"/>
-              <a:t>Inkrementális l</a:t>
-            </a:r>
-            <a:r>
-              <a:rPr lang="hu-HU" dirty="0" smtClean="0"/>
-              <a:t>ekérdezések</a:t>
+              <a:t>Inkrementális lekérdezések</a:t>
             </a:r>
             <a:br>
               <a:rPr lang="hu-HU" dirty="0" smtClean="0"/>
@@ -7837,7 +8902,6 @@
               <a:rPr lang="hu-HU" sz="2400" dirty="0" smtClean="0"/>
               <a:t>A függőségi- és forráskód modellek összekapcsolásával</a:t>
             </a:r>
-            <a:endParaRPr lang="hu-HU" sz="2400" dirty="0" smtClean="0"/>
           </a:p>
         </p:txBody>
       </p:sp>
@@ -7995,9 +9059,14 @@
           <a:p>
             <a:pPr algn="ctr"/>
             <a:r>
+              <a:rPr lang="en-US" dirty="0" smtClean="0"/>
+              <a:t>A</a:t>
+            </a:r>
+            <a:r>
               <a:rPr lang="hu-HU" dirty="0" smtClean="0"/>
-              <a:t>Service:</a:t>
-            </a:r>
+              <a:t>:</a:t>
+            </a:r>
+            <a:endParaRPr lang="hu-HU" dirty="0" smtClean="0"/>
           </a:p>
           <a:p>
             <a:pPr algn="ctr"/>
@@ -8094,11 +9163,7 @@
             <a:pPr algn="ctr"/>
             <a:r>
               <a:rPr lang="hu-HU" dirty="0" smtClean="0"/>
-              <a:t>Serve</a:t>
-            </a:r>
-            <a:r>
-              <a:rPr lang="hu-HU" dirty="0" smtClean="0"/>
-              <a:t>: DMethod</a:t>
+              <a:t>Serve: DMethod</a:t>
             </a:r>
             <a:endParaRPr lang="en-US" dirty="0"/>
           </a:p>
@@ -8253,9 +9318,14 @@
           <a:p>
             <a:pPr algn="ctr"/>
             <a:r>
+              <a:rPr lang="en-US" dirty="0" smtClean="0"/>
+              <a:t>A</a:t>
+            </a:r>
+            <a:r>
               <a:rPr lang="hu-HU" dirty="0" smtClean="0"/>
-              <a:t>Service:</a:t>
-            </a:r>
+              <a:t>:</a:t>
+            </a:r>
+            <a:endParaRPr lang="hu-HU" dirty="0" smtClean="0"/>
           </a:p>
           <a:p>
             <a:pPr algn="ctr"/>
@@ -8704,8 +9774,8 @@
           </p:nvSpPr>
           <p:spPr>
             <a:xfrm>
-              <a:off x="4064600" y="3442900"/>
-              <a:ext cx="1286217" cy="276999"/>
+              <a:off x="4157491" y="3414082"/>
+              <a:ext cx="1286217" cy="307777"/>
             </a:xfrm>
             <a:prstGeom prst="rect">
               <a:avLst/>
@@ -8720,14 +9790,14 @@
             <a:p>
               <a:pPr algn="just"/>
               <a:r>
-                <a:rPr lang="hu-HU" sz="1200" dirty="0" smtClean="0">
+                <a:rPr lang="hu-HU" sz="1400" dirty="0" smtClean="0">
                   <a:solidFill>
                     <a:srgbClr val="FF0000"/>
                   </a:solidFill>
                 </a:rPr>
                 <a:t>joinProject</a:t>
               </a:r>
-              <a:endParaRPr lang="en-US" dirty="0">
+              <a:endParaRPr lang="en-US" sz="2000" dirty="0">
                 <a:solidFill>
                   <a:srgbClr val="FF0000"/>
                 </a:solidFill>
@@ -8745,9 +9815,9 @@
         <p:grpSpPr>
           <a:xfrm>
             <a:off x="2482932" y="3954083"/>
-            <a:ext cx="6139934" cy="959747"/>
+            <a:ext cx="6139934" cy="1004029"/>
             <a:chOff x="1524000" y="2797934"/>
-            <a:chExt cx="6139934" cy="959747"/>
+            <a:chExt cx="6139934" cy="1004029"/>
           </a:xfrm>
         </p:grpSpPr>
         <p:sp>
@@ -8893,8 +9963,8 @@
           </p:nvSpPr>
           <p:spPr>
             <a:xfrm>
-              <a:off x="3266299" y="3480682"/>
-              <a:ext cx="1286217" cy="276999"/>
+              <a:off x="3155868" y="3494186"/>
+              <a:ext cx="1286217" cy="307777"/>
             </a:xfrm>
             <a:prstGeom prst="rect">
               <a:avLst/>
@@ -8909,7 +9979,7 @@
             <a:p>
               <a:pPr algn="just"/>
               <a:r>
-                <a:rPr lang="hu-HU" sz="1200" dirty="0" smtClean="0">
+                <a:rPr lang="hu-HU" sz="1400" dirty="0" smtClean="0">
                   <a:solidFill>
                     <a:srgbClr val="FF0000"/>
                   </a:solidFill>
@@ -8934,9 +10004,9 @@
         <p:grpSpPr>
           <a:xfrm>
             <a:off x="701933" y="5154734"/>
-            <a:ext cx="6226431" cy="935866"/>
+            <a:ext cx="6139934" cy="1007940"/>
             <a:chOff x="1524000" y="2797934"/>
-            <a:chExt cx="6226431" cy="935866"/>
+            <a:chExt cx="6139934" cy="1007940"/>
           </a:xfrm>
         </p:grpSpPr>
         <p:sp>
@@ -9082,8 +10152,8 @@
           </p:nvSpPr>
           <p:spPr>
             <a:xfrm>
-              <a:off x="2492632" y="3456801"/>
-              <a:ext cx="5257799" cy="276999"/>
+              <a:off x="4311731" y="3498097"/>
+              <a:ext cx="2127763" cy="307777"/>
             </a:xfrm>
             <a:prstGeom prst="rect">
               <a:avLst/>
@@ -9098,14 +10168,30 @@
             <a:p>
               <a:pPr algn="ctr"/>
               <a:r>
-                <a:rPr lang="hu-HU" sz="1200" dirty="0" smtClean="0">
+                <a:rPr lang="hu-HU" sz="1400" dirty="0" smtClean="0">
                   <a:solidFill>
                     <a:srgbClr val="FF0000"/>
                   </a:solidFill>
                 </a:rPr>
-                <a:t>incomingMCall</a:t>
+                <a:t>incomingM</a:t>
               </a:r>
-              <a:endParaRPr lang="en-US" sz="1200" dirty="0">
+              <a:r>
+                <a:rPr lang="en-US" sz="1400" dirty="0" err="1" smtClean="0">
+                  <a:solidFill>
+                    <a:srgbClr val="FF0000"/>
+                  </a:solidFill>
+                </a:rPr>
+                <a:t>ethod</a:t>
+              </a:r>
+              <a:r>
+                <a:rPr lang="hu-HU" sz="1400" dirty="0" smtClean="0">
+                  <a:solidFill>
+                    <a:srgbClr val="FF0000"/>
+                  </a:solidFill>
+                </a:rPr>
+                <a:t>Call</a:t>
+              </a:r>
+              <a:endParaRPr lang="en-US" sz="1400" dirty="0">
                 <a:solidFill>
                   <a:srgbClr val="FF0000"/>
                 </a:solidFill>
@@ -9114,6 +10200,29 @@
           </p:txBody>
         </p:sp>
       </p:grpSp>
+      <p:sp>
+        <p:nvSpPr>
+          <p:cNvPr id="4" name="Slide Number Placeholder 3"/>
+          <p:cNvSpPr>
+            <a:spLocks noGrp="1"/>
+          </p:cNvSpPr>
+          <p:nvPr>
+            <p:ph type="sldNum" sz="quarter" idx="12"/>
+          </p:nvPr>
+        </p:nvSpPr>
+        <p:spPr/>
+        <p:txBody>
+          <a:bodyPr/>
+          <a:lstStyle/>
+          <a:p>
+            <a:fld id="{E5B09FA9-A177-4256-9C7F-5CF31ABA7234}" type="slidenum">
+              <a:rPr lang="en-US" smtClean="0"/>
+              <a:t>14</a:t>
+            </a:fld>
+            <a:endParaRPr lang="en-US"/>
+          </a:p>
+        </p:txBody>
+      </p:sp>
     </p:spTree>
     <p:extLst>
       <p:ext uri="{BB962C8B-B14F-4D97-AF65-F5344CB8AC3E}">
@@ -9346,7 +10455,7 @@
 </p:sld>
 </file>
 
-<file path=ppt/slides/slide14.xml><?xml version="1.0" encoding="utf-8"?>
+<file path=ppt/slides/slide15.xml><?xml version="1.0" encoding="utf-8"?>
 <p:sld xmlns:a="http://schemas.openxmlformats.org/drawingml/2006/main" xmlns:r="http://schemas.openxmlformats.org/officeDocument/2006/relationships" xmlns:p="http://schemas.openxmlformats.org/presentationml/2006/main">
   <p:cSld>
     <p:spTree>
@@ -9403,121 +10512,140 @@
           </a:bodyPr>
           <a:lstStyle/>
           <a:p>
-            <a:pPr marL="342900" lvl="1" indent="-342900">
+            <a:pPr marL="514350" indent="-514350">
               <a:buFont typeface="+mj-lt"/>
               <a:buAutoNum type="arabicPeriod"/>
             </a:pPr>
             <a:r>
-              <a:rPr lang="hu-HU" sz="2000" dirty="0"/>
-              <a:t>Inicializálás (példánymodelleken</a:t>
-            </a:r>
-            <a:r>
-              <a:rPr lang="hu-HU" sz="2000" dirty="0" smtClean="0"/>
-              <a:t>)</a:t>
-            </a:r>
-          </a:p>
-          <a:p>
-            <a:pPr marL="742950" lvl="2" indent="-342900"/>
-            <a:r>
-              <a:rPr lang="hu-HU" sz="1600" dirty="0" smtClean="0"/>
+              <a:rPr lang="hu-HU" dirty="0" smtClean="0"/>
+              <a:t>Inicializálás</a:t>
+            </a:r>
+          </a:p>
+          <a:p>
+            <a:pPr marL="914400" lvl="1" indent="-514350"/>
+            <a:r>
+              <a:rPr lang="hu-HU" dirty="0" smtClean="0"/>
               <a:t>Példánymodellek és</a:t>
             </a:r>
           </a:p>
           <a:p>
-            <a:pPr marL="742950" lvl="2" indent="-342900"/>
-            <a:r>
-              <a:rPr lang="hu-HU" sz="1600" dirty="0" smtClean="0"/>
-              <a:t>Lekérdezések betöltése</a:t>
-            </a:r>
-          </a:p>
-          <a:p>
-            <a:pPr marL="342900" lvl="1" indent="-342900">
+            <a:pPr marL="914400" lvl="1" indent="-514350"/>
+            <a:r>
+              <a:rPr lang="hu-HU" dirty="0" smtClean="0"/>
+              <a:t>lekérdezések betöltése</a:t>
+            </a:r>
+          </a:p>
+          <a:p>
+            <a:pPr marL="514350" indent="-514350">
               <a:buFont typeface="+mj-lt"/>
               <a:buAutoNum type="arabicPeriod"/>
             </a:pPr>
             <a:r>
-              <a:rPr lang="hu-HU" sz="2000" dirty="0" smtClean="0"/>
-              <a:t>Eredmények folyamatos frissítése</a:t>
-            </a:r>
-          </a:p>
-          <a:p>
-            <a:pPr marL="742950" lvl="2" indent="-342900"/>
-            <a:r>
-              <a:rPr lang="hu-HU" sz="1600" dirty="0" smtClean="0"/>
-              <a:t>Forráskód módosításakor</a:t>
-            </a:r>
-          </a:p>
-          <a:p>
-            <a:pPr marL="742950" lvl="2" indent="-342900"/>
-            <a:r>
-              <a:rPr lang="en-US" sz="1600" dirty="0" err="1" smtClean="0"/>
-              <a:t>Forr</a:t>
-            </a:r>
-            <a:r>
-              <a:rPr lang="hu-HU" sz="1600" dirty="0" smtClean="0"/>
-              <a:t>áskód modell  automatikusan , inkrementálisan frissül</a:t>
-            </a:r>
-          </a:p>
-          <a:p>
-            <a:pPr marL="742950" lvl="2" indent="-342900"/>
-            <a:r>
-              <a:rPr lang="hu-HU" sz="1600" dirty="0" smtClean="0"/>
-              <a:t>Output: </a:t>
-            </a:r>
-          </a:p>
-          <a:p>
-            <a:pPr marL="914400" lvl="1" indent="-457200"/>
-            <a:r>
-              <a:rPr lang="hu-HU" sz="1600" dirty="0"/>
+              <a:rPr lang="hu-HU" dirty="0" smtClean="0"/>
+              <a:t>Eredmények folyamatos, automatikus frissítése</a:t>
+            </a:r>
+          </a:p>
+          <a:p>
+            <a:pPr marL="914400" lvl="1" indent="-514350"/>
+            <a:r>
+              <a:rPr lang="hu-HU" dirty="0" smtClean="0"/>
+              <a:t>Forráskód </a:t>
+            </a:r>
+            <a:r>
+              <a:rPr lang="hu-HU" dirty="0">
+                <a:sym typeface="Wingdings" pitchFamily="2" charset="2"/>
+              </a:rPr>
+              <a:t></a:t>
+            </a:r>
+            <a:r>
+              <a:rPr lang="en-US" dirty="0" smtClean="0"/>
+              <a:t> </a:t>
+            </a:r>
+            <a:r>
+              <a:rPr lang="hu-HU" dirty="0" smtClean="0"/>
+              <a:t>Forráskód modell </a:t>
+            </a:r>
+            <a:r>
+              <a:rPr lang="hu-HU" dirty="0" smtClean="0">
+                <a:sym typeface="Wingdings" pitchFamily="2" charset="2"/>
+              </a:rPr>
+              <a:t> eredmény </a:t>
+            </a:r>
+            <a:r>
+              <a:rPr lang="hu-HU" dirty="0">
+                <a:sym typeface="Wingdings" pitchFamily="2" charset="2"/>
+              </a:rPr>
+              <a:t></a:t>
+            </a:r>
+            <a:r>
+              <a:rPr lang="hu-HU" dirty="0" smtClean="0">
+                <a:sym typeface="Wingdings" pitchFamily="2" charset="2"/>
+              </a:rPr>
+              <a:t> </a:t>
+            </a:r>
+            <a:r>
+              <a:rPr lang="en-US" dirty="0" err="1" smtClean="0">
+                <a:sym typeface="Wingdings" pitchFamily="2" charset="2"/>
+              </a:rPr>
+              <a:t>megjelen</a:t>
+            </a:r>
+            <a:r>
+              <a:rPr lang="hu-HU" dirty="0" smtClean="0">
+                <a:sym typeface="Wingdings" pitchFamily="2" charset="2"/>
+              </a:rPr>
+              <a:t>ítés</a:t>
+            </a:r>
+          </a:p>
+          <a:p>
+            <a:pPr marL="914400" lvl="1" indent="-514350"/>
+            <a:r>
+              <a:rPr lang="hu-HU" dirty="0" smtClean="0"/>
+              <a:t>Kimenet: </a:t>
+            </a:r>
+            <a:r>
+              <a:rPr lang="hu-HU" dirty="0"/>
               <a:t>Függőségi viszonyok az </a:t>
             </a:r>
             <a:r>
-              <a:rPr lang="hu-HU" sz="1600" b="1" dirty="0"/>
+              <a:rPr lang="hu-HU" b="1" dirty="0" smtClean="0"/>
               <a:t>összes objektumra</a:t>
             </a:r>
-          </a:p>
-          <a:p>
-            <a:pPr marL="914400" lvl="1" indent="-457200"/>
-            <a:r>
-              <a:rPr lang="hu-HU" sz="1600" dirty="0"/>
-              <a:t>Automatikusan és gyorsan </a:t>
-            </a:r>
-            <a:r>
-              <a:rPr lang="hu-HU" sz="1600" dirty="0" smtClean="0"/>
-              <a:t>frissül</a:t>
-            </a:r>
-          </a:p>
-          <a:p>
-            <a:pPr marL="914400" lvl="1" indent="-457200"/>
-            <a:r>
-              <a:rPr lang="hu-HU" sz="1600" dirty="0" smtClean="0"/>
-              <a:t>Eclipse view-ban megjelenítve</a:t>
-            </a:r>
-            <a:endParaRPr lang="en-US" sz="2000" dirty="0" smtClean="0"/>
-          </a:p>
-          <a:p>
-            <a:pPr marL="742950" lvl="2" indent="-342900"/>
+            <a:endParaRPr lang="hu-HU" b="1" dirty="0"/>
+          </a:p>
+          <a:p>
+            <a:pPr marL="914400" lvl="1" indent="-514350"/>
+            <a:endParaRPr lang="hu-HU" dirty="0" smtClean="0"/>
+          </a:p>
+          <a:p>
+            <a:pPr marL="1314450" lvl="2" indent="-514350">
+              <a:buFont typeface="+mj-lt"/>
+              <a:buAutoNum type="romanUcPeriod"/>
+            </a:pPr>
+            <a:endParaRPr lang="hu-HU" dirty="0" smtClean="0"/>
+          </a:p>
+          <a:p>
+            <a:endParaRPr lang="hu-HU" dirty="0" smtClean="0"/>
+          </a:p>
+          <a:p>
+            <a:endParaRPr lang="hu-HU" dirty="0"/>
+          </a:p>
+          <a:p>
+            <a:pPr marL="857250" lvl="3" indent="0">
+              <a:buNone/>
+            </a:pPr>
+            <a:endParaRPr lang="hu-HU" sz="2600" dirty="0"/>
+          </a:p>
+          <a:p>
+            <a:pPr marL="400050" lvl="2" indent="0">
+              <a:buNone/>
+            </a:pPr>
             <a:endParaRPr lang="hu-HU" sz="1200" dirty="0" smtClean="0"/>
           </a:p>
-          <a:p>
-            <a:pPr marL="342900" lvl="1" indent="-342900">
-              <a:buFont typeface="+mj-lt"/>
-              <a:buAutoNum type="arabicPeriod"/>
-            </a:pPr>
-            <a:endParaRPr lang="hu-HU" sz="1600" dirty="0"/>
-          </a:p>
-          <a:p>
-            <a:pPr>
-              <a:buFont typeface="+mj-lt"/>
-              <a:buAutoNum type="arabicPeriod"/>
-            </a:pPr>
-            <a:endParaRPr lang="hu-HU" sz="1600" dirty="0" smtClean="0"/>
-          </a:p>
-        </p:txBody>
-      </p:sp>
-      <p:sp>
-        <p:nvSpPr>
-          <p:cNvPr id="9" name="Content Placeholder 8"/>
+        </p:txBody>
+      </p:sp>
+      <p:sp>
+        <p:nvSpPr>
+          <p:cNvPr id="7" name="Content Placeholder 6"/>
           <p:cNvSpPr>
             <a:spLocks noGrp="1"/>
           </p:cNvSpPr>
@@ -9527,21 +10655,39 @@
         </p:nvSpPr>
         <p:spPr/>
         <p:txBody>
-          <a:bodyPr>
-            <a:normAutofit fontScale="70000" lnSpcReduction="20000"/>
-          </a:bodyPr>
-          <a:lstStyle/>
-          <a:p>
-            <a:pPr marL="0" indent="0">
-              <a:buNone/>
-            </a:pPr>
+          <a:bodyPr/>
+          <a:lstStyle/>
+          <a:p>
             <a:endParaRPr lang="en-US" dirty="0"/>
+          </a:p>
+        </p:txBody>
+      </p:sp>
+      <p:sp>
+        <p:nvSpPr>
+          <p:cNvPr id="4" name="Slide Number Placeholder 3"/>
+          <p:cNvSpPr>
+            <a:spLocks noGrp="1"/>
+          </p:cNvSpPr>
+          <p:nvPr>
+            <p:ph type="sldNum" sz="quarter" idx="12"/>
+          </p:nvPr>
+        </p:nvSpPr>
+        <p:spPr/>
+        <p:txBody>
+          <a:bodyPr/>
+          <a:lstStyle/>
+          <a:p>
+            <a:fld id="{E5B09FA9-A177-4256-9C7F-5CF31ABA7234}" type="slidenum">
+              <a:rPr lang="en-US" smtClean="0"/>
+              <a:t>15</a:t>
+            </a:fld>
+            <a:endParaRPr lang="en-US"/>
           </a:p>
         </p:txBody>
       </p:sp>
       <p:pic>
         <p:nvPicPr>
-          <p:cNvPr id="1027" name="Picture 3"/>
+          <p:cNvPr id="16" name="Picture 3"/>
           <p:cNvPicPr>
             <a:picLocks noChangeAspect="1" noChangeArrowheads="1"/>
           </p:cNvPicPr>
@@ -9555,13 +10701,13 @@
               </a:ext>
             </a:extLst>
           </a:blip>
-          <a:srcRect l="-1" t="-556" r="33175" b="556"/>
+          <a:srcRect l="-1" t="-556" r="32851" b="556"/>
           <a:stretch/>
         </p:blipFill>
         <p:spPr bwMode="auto">
           <a:xfrm>
-            <a:off x="4667247" y="1600200"/>
-            <a:ext cx="4029075" cy="1714500"/>
+            <a:off x="4638219" y="1600200"/>
+            <a:ext cx="4048581" cy="1714500"/>
           </a:xfrm>
           <a:prstGeom prst="rect">
             <a:avLst/>
@@ -9601,50 +10747,9 @@
           </a:extLst>
         </p:spPr>
       </p:pic>
-      <p:sp>
-        <p:nvSpPr>
-          <p:cNvPr id="13" name="Rectangle 12"/>
-          <p:cNvSpPr/>
-          <p:nvPr/>
-        </p:nvSpPr>
-        <p:spPr>
-          <a:xfrm>
-            <a:off x="6451600" y="2371724"/>
-            <a:ext cx="949325" cy="174625"/>
-          </a:xfrm>
-          <a:prstGeom prst="rect">
-            <a:avLst/>
-          </a:prstGeom>
-          <a:ln>
-            <a:tailEnd type="arrow"/>
-          </a:ln>
-        </p:spPr>
-        <p:style>
-          <a:lnRef idx="3">
-            <a:schemeClr val="accent2"/>
-          </a:lnRef>
-          <a:fillRef idx="0">
-            <a:schemeClr val="accent2"/>
-          </a:fillRef>
-          <a:effectRef idx="2">
-            <a:schemeClr val="accent2"/>
-          </a:effectRef>
-          <a:fontRef idx="minor">
-            <a:schemeClr val="tx1"/>
-          </a:fontRef>
-        </p:style>
-        <p:txBody>
-          <a:bodyPr rtlCol="0" anchor="ctr"/>
-          <a:lstStyle/>
-          <a:p>
-            <a:pPr algn="ctr"/>
-            <a:endParaRPr lang="en-US" dirty="0"/>
-          </a:p>
-        </p:txBody>
-      </p:sp>
       <p:pic>
         <p:nvPicPr>
-          <p:cNvPr id="1032" name="Picture 8"/>
+          <p:cNvPr id="17" name="Picture 2"/>
           <p:cNvPicPr>
             <a:picLocks noChangeAspect="1" noChangeArrowheads="1"/>
           </p:cNvPicPr>
@@ -9665,7 +10770,7 @@
         </p:blipFill>
         <p:spPr bwMode="auto">
           <a:xfrm>
-            <a:off x="4722812" y="3886200"/>
+            <a:off x="4638219" y="3848100"/>
             <a:ext cx="4029075" cy="2247900"/>
           </a:xfrm>
           <a:prstGeom prst="rect">
@@ -9706,49 +10811,106 @@
           </a:extLst>
         </p:spPr>
       </p:pic>
-      <p:cxnSp>
-        <p:nvCxnSpPr>
-          <p:cNvPr id="14" name="Straight Arrow Connector 13"/>
-          <p:cNvCxnSpPr/>
+      <p:sp>
+        <p:nvSpPr>
+          <p:cNvPr id="19" name="Rounded Rectangular Callout 18"/>
+          <p:cNvSpPr/>
           <p:nvPr/>
-        </p:nvCxnSpPr>
+        </p:nvSpPr>
         <p:spPr>
-          <a:xfrm flipH="1">
-            <a:off x="5943600" y="2546349"/>
-            <a:ext cx="1219200" cy="2330451"/>
+          <a:xfrm>
+            <a:off x="5166983" y="5240565"/>
+            <a:ext cx="1233924" cy="855435"/>
           </a:xfrm>
-          <a:prstGeom prst="straightConnector1">
-            <a:avLst/>
+          <a:prstGeom prst="wedgeRoundRectCallout">
+            <a:avLst>
+              <a:gd name="adj1" fmla="val -82294"/>
+              <a:gd name="adj2" fmla="val -80873"/>
+              <a:gd name="adj3" fmla="val 16667"/>
+            </a:avLst>
           </a:prstGeom>
-          <a:ln>
-            <a:tailEnd type="arrow"/>
-          </a:ln>
         </p:spPr>
         <p:style>
-          <a:lnRef idx="3">
-            <a:schemeClr val="accent2"/>
+          <a:lnRef idx="1">
+            <a:schemeClr val="accent4"/>
           </a:lnRef>
-          <a:fillRef idx="0">
-            <a:schemeClr val="accent2"/>
+          <a:fillRef idx="2">
+            <a:schemeClr val="accent4"/>
           </a:fillRef>
-          <a:effectRef idx="2">
-            <a:schemeClr val="accent2"/>
+          <a:effectRef idx="1">
+            <a:schemeClr val="accent4"/>
           </a:effectRef>
           <a:fontRef idx="minor">
-            <a:schemeClr val="tx1"/>
+            <a:schemeClr val="dk1"/>
           </a:fontRef>
         </p:style>
-      </p:cxnSp>
-      <p:sp>
-        <p:nvSpPr>
-          <p:cNvPr id="23" name="Rectangle 22"/>
+        <p:txBody>
+          <a:bodyPr rtlCol="0" anchor="ctr"/>
+          <a:lstStyle/>
+          <a:p>
+            <a:r>
+              <a:rPr lang="hu-HU" dirty="0" smtClean="0"/>
+              <a:t>Validációs szabályok</a:t>
+            </a:r>
+            <a:endParaRPr lang="hu-HU" dirty="0" smtClean="0"/>
+          </a:p>
+        </p:txBody>
+      </p:sp>
+      <p:sp>
+        <p:nvSpPr>
+          <p:cNvPr id="20" name="Rounded Rectangular Callout 19"/>
           <p:cNvSpPr/>
           <p:nvPr/>
         </p:nvSpPr>
         <p:spPr>
           <a:xfrm>
-            <a:off x="5562600" y="2370137"/>
-            <a:ext cx="889000" cy="174625"/>
+            <a:off x="6662509" y="4979307"/>
+            <a:ext cx="2024292" cy="964293"/>
+          </a:xfrm>
+          <a:prstGeom prst="wedgeRoundRectCallout">
+            <a:avLst>
+              <a:gd name="adj1" fmla="val -65188"/>
+              <a:gd name="adj2" fmla="val -56678"/>
+              <a:gd name="adj3" fmla="val 16667"/>
+            </a:avLst>
+          </a:prstGeom>
+        </p:spPr>
+        <p:style>
+          <a:lnRef idx="1">
+            <a:schemeClr val="accent4"/>
+          </a:lnRef>
+          <a:fillRef idx="2">
+            <a:schemeClr val="accent4"/>
+          </a:fillRef>
+          <a:effectRef idx="1">
+            <a:schemeClr val="accent4"/>
+          </a:effectRef>
+          <a:fontRef idx="minor">
+            <a:schemeClr val="dk1"/>
+          </a:fontRef>
+        </p:style>
+        <p:txBody>
+          <a:bodyPr rtlCol="0" anchor="ctr"/>
+          <a:lstStyle/>
+          <a:p>
+            <a:r>
+              <a:rPr lang="hu-HU" dirty="0" smtClean="0"/>
+              <a:t>„Content assist” jellegű visszajelzés</a:t>
+            </a:r>
+            <a:endParaRPr lang="hu-HU" dirty="0" smtClean="0"/>
+          </a:p>
+        </p:txBody>
+      </p:sp>
+      <p:sp>
+        <p:nvSpPr>
+          <p:cNvPr id="21" name="Rectangle 20"/>
+          <p:cNvSpPr/>
+          <p:nvPr/>
+        </p:nvSpPr>
+        <p:spPr>
+          <a:xfrm>
+            <a:off x="6451600" y="2371724"/>
+            <a:ext cx="949325" cy="174625"/>
           </a:xfrm>
           <a:prstGeom prst="rect">
             <a:avLst/>
@@ -9780,20 +10942,18 @@
           </a:p>
         </p:txBody>
       </p:sp>
-      <p:cxnSp>
-        <p:nvCxnSpPr>
-          <p:cNvPr id="24" name="Straight Arrow Connector 23"/>
-          <p:cNvCxnSpPr>
-            <a:stCxn id="23" idx="2"/>
-          </p:cNvCxnSpPr>
+      <p:sp>
+        <p:nvSpPr>
+          <p:cNvPr id="22" name="Rectangle 21"/>
+          <p:cNvSpPr/>
           <p:nvPr/>
-        </p:nvCxnSpPr>
+        </p:nvSpPr>
         <p:spPr>
           <a:xfrm>
-            <a:off x="6007100" y="2544762"/>
-            <a:ext cx="1460500" cy="2789238"/>
+            <a:off x="5502275" y="2365373"/>
+            <a:ext cx="949325" cy="174625"/>
           </a:xfrm>
-          <a:prstGeom prst="straightConnector1">
+          <a:prstGeom prst="rect">
             <a:avLst/>
           </a:prstGeom>
           <a:ln>
@@ -9814,64 +10974,40 @@
             <a:schemeClr val="tx1"/>
           </a:fontRef>
         </p:style>
-      </p:cxnSp>
-      <p:sp>
-        <p:nvSpPr>
-          <p:cNvPr id="3" name="Rounded Rectangular Callout 2"/>
-          <p:cNvSpPr/>
+        <p:txBody>
+          <a:bodyPr rtlCol="0" anchor="ctr"/>
+          <a:lstStyle/>
+          <a:p>
+            <a:pPr algn="ctr"/>
+            <a:endParaRPr lang="en-US" dirty="0"/>
+          </a:p>
+        </p:txBody>
+      </p:sp>
+      <p:sp>
+        <p:nvSpPr>
+          <p:cNvPr id="9" name="TextBox 8"/>
+          <p:cNvSpPr txBox="1"/>
           <p:nvPr/>
         </p:nvSpPr>
         <p:spPr>
           <a:xfrm>
-            <a:off x="6926262" y="5486400"/>
-            <a:ext cx="2635250" cy="1181100"/>
+            <a:off x="4638219" y="3478768"/>
+            <a:ext cx="4048581" cy="369332"/>
           </a:xfrm>
-          <a:prstGeom prst="wedgeRoundRectCallout">
-            <a:avLst>
-              <a:gd name="adj1" fmla="val -71673"/>
-              <a:gd name="adj2" fmla="val -95115"/>
-              <a:gd name="adj3" fmla="val 16667"/>
-            </a:avLst>
+          <a:prstGeom prst="rect">
+            <a:avLst/>
           </a:prstGeom>
+          <a:noFill/>
         </p:spPr>
-        <p:style>
-          <a:lnRef idx="2">
-            <a:schemeClr val="accent1">
-              <a:shade val="50000"/>
-            </a:schemeClr>
-          </a:lnRef>
-          <a:fillRef idx="1">
-            <a:schemeClr val="accent1"/>
-          </a:fillRef>
-          <a:effectRef idx="0">
-            <a:schemeClr val="accent1"/>
-          </a:effectRef>
-          <a:fontRef idx="minor">
-            <a:schemeClr val="lt1"/>
-          </a:fontRef>
-        </p:style>
-        <p:txBody>
-          <a:bodyPr rtlCol="0" anchor="ctr"/>
-          <a:lstStyle/>
-          <a:p>
-            <a:pPr algn="ctr"/>
+        <p:txBody>
+          <a:bodyPr wrap="square" rtlCol="0">
+            <a:spAutoFit/>
+          </a:bodyPr>
+          <a:lstStyle/>
+          <a:p>
             <a:r>
               <a:rPr lang="hu-HU" dirty="0" smtClean="0"/>
-              <a:t>In-editor validation</a:t>
-            </a:r>
-          </a:p>
-          <a:p>
-            <a:pPr algn="ctr"/>
-            <a:r>
-              <a:rPr lang="hu-HU" dirty="0" smtClean="0"/>
-              <a:t>Hover feedback</a:t>
-            </a:r>
-          </a:p>
-          <a:p>
-            <a:pPr algn="ctr"/>
-            <a:r>
-              <a:rPr lang="hu-HU" dirty="0" smtClean="0"/>
-              <a:t>Jface viewer</a:t>
+              <a:t>Kiterjesztési lehetőség:</a:t>
             </a:r>
             <a:endParaRPr lang="en-US" dirty="0"/>
           </a:p>
@@ -9880,7 +11016,7 @@
     </p:spTree>
     <p:extLst>
       <p:ext uri="{BB962C8B-B14F-4D97-AF65-F5344CB8AC3E}">
-        <p14:creationId xmlns:p14="http://schemas.microsoft.com/office/powerpoint/2010/main" val="663010118"/>
+        <p14:creationId xmlns:p14="http://schemas.microsoft.com/office/powerpoint/2010/main" val="1402349981"/>
       </p:ext>
     </p:extLst>
   </p:cSld>
@@ -9890,92 +11026,219 @@
   <p:timing>
     <p:tnLst>
       <p:par>
-        <p:cTn id="1" dur="indefinite" restart="never" nodeType="tmRoot"/>
+        <p:cTn id="1" dur="indefinite" restart="never" nodeType="tmRoot">
+          <p:childTnLst>
+            <p:seq concurrent="1" nextAc="seek">
+              <p:cTn id="2" dur="indefinite" nodeType="mainSeq">
+                <p:childTnLst>
+                  <p:par>
+                    <p:cTn id="3" fill="hold">
+                      <p:stCondLst>
+                        <p:cond delay="indefinite"/>
+                      </p:stCondLst>
+                      <p:childTnLst>
+                        <p:par>
+                          <p:cTn id="4" fill="hold">
+                            <p:stCondLst>
+                              <p:cond delay="0"/>
+                            </p:stCondLst>
+                            <p:childTnLst>
+                              <p:par>
+                                <p:cTn id="5" presetID="1" presetClass="entr" presetSubtype="0" fill="hold" grpId="0" nodeType="clickEffect">
+                                  <p:stCondLst>
+                                    <p:cond delay="0"/>
+                                  </p:stCondLst>
+                                  <p:childTnLst>
+                                    <p:set>
+                                      <p:cBhvr>
+                                        <p:cTn id="6" dur="1" fill="hold">
+                                          <p:stCondLst>
+                                            <p:cond delay="0"/>
+                                          </p:stCondLst>
+                                        </p:cTn>
+                                        <p:tgtEl>
+                                          <p:spTgt spid="22"/>
+                                        </p:tgtEl>
+                                        <p:attrNameLst>
+                                          <p:attrName>style.visibility</p:attrName>
+                                        </p:attrNameLst>
+                                      </p:cBhvr>
+                                      <p:to>
+                                        <p:strVal val="visible"/>
+                                      </p:to>
+                                    </p:set>
+                                  </p:childTnLst>
+                                </p:cTn>
+                              </p:par>
+                              <p:par>
+                                <p:cTn id="7" presetID="1" presetClass="entr" presetSubtype="0" fill="hold" grpId="0" nodeType="withEffect">
+                                  <p:stCondLst>
+                                    <p:cond delay="0"/>
+                                  </p:stCondLst>
+                                  <p:childTnLst>
+                                    <p:set>
+                                      <p:cBhvr>
+                                        <p:cTn id="8" dur="1" fill="hold">
+                                          <p:stCondLst>
+                                            <p:cond delay="0"/>
+                                          </p:stCondLst>
+                                        </p:cTn>
+                                        <p:tgtEl>
+                                          <p:spTgt spid="21"/>
+                                        </p:tgtEl>
+                                        <p:attrNameLst>
+                                          <p:attrName>style.visibility</p:attrName>
+                                        </p:attrNameLst>
+                                      </p:cBhvr>
+                                      <p:to>
+                                        <p:strVal val="visible"/>
+                                      </p:to>
+                                    </p:set>
+                                  </p:childTnLst>
+                                </p:cTn>
+                              </p:par>
+                              <p:par>
+                                <p:cTn id="9" presetID="1" presetClass="entr" presetSubtype="0" fill="hold" nodeType="withEffect">
+                                  <p:stCondLst>
+                                    <p:cond delay="0"/>
+                                  </p:stCondLst>
+                                  <p:childTnLst>
+                                    <p:set>
+                                      <p:cBhvr>
+                                        <p:cTn id="10" dur="1" fill="hold">
+                                          <p:stCondLst>
+                                            <p:cond delay="0"/>
+                                          </p:stCondLst>
+                                        </p:cTn>
+                                        <p:tgtEl>
+                                          <p:spTgt spid="17"/>
+                                        </p:tgtEl>
+                                        <p:attrNameLst>
+                                          <p:attrName>style.visibility</p:attrName>
+                                        </p:attrNameLst>
+                                      </p:cBhvr>
+                                      <p:to>
+                                        <p:strVal val="visible"/>
+                                      </p:to>
+                                    </p:set>
+                                  </p:childTnLst>
+                                </p:cTn>
+                              </p:par>
+                              <p:par>
+                                <p:cTn id="11" presetID="1" presetClass="entr" presetSubtype="0" fill="hold" grpId="0" nodeType="withEffect">
+                                  <p:stCondLst>
+                                    <p:cond delay="0"/>
+                                  </p:stCondLst>
+                                  <p:childTnLst>
+                                    <p:set>
+                                      <p:cBhvr>
+                                        <p:cTn id="12" dur="1" fill="hold">
+                                          <p:stCondLst>
+                                            <p:cond delay="0"/>
+                                          </p:stCondLst>
+                                        </p:cTn>
+                                        <p:tgtEl>
+                                          <p:spTgt spid="19"/>
+                                        </p:tgtEl>
+                                        <p:attrNameLst>
+                                          <p:attrName>style.visibility</p:attrName>
+                                        </p:attrNameLst>
+                                      </p:cBhvr>
+                                      <p:to>
+                                        <p:strVal val="visible"/>
+                                      </p:to>
+                                    </p:set>
+                                  </p:childTnLst>
+                                </p:cTn>
+                              </p:par>
+                              <p:par>
+                                <p:cTn id="13" presetID="1" presetClass="entr" presetSubtype="0" fill="hold" grpId="0" nodeType="withEffect">
+                                  <p:stCondLst>
+                                    <p:cond delay="0"/>
+                                  </p:stCondLst>
+                                  <p:childTnLst>
+                                    <p:set>
+                                      <p:cBhvr>
+                                        <p:cTn id="14" dur="1" fill="hold">
+                                          <p:stCondLst>
+                                            <p:cond delay="0"/>
+                                          </p:stCondLst>
+                                        </p:cTn>
+                                        <p:tgtEl>
+                                          <p:spTgt spid="20"/>
+                                        </p:tgtEl>
+                                        <p:attrNameLst>
+                                          <p:attrName>style.visibility</p:attrName>
+                                        </p:attrNameLst>
+                                      </p:cBhvr>
+                                      <p:to>
+                                        <p:strVal val="visible"/>
+                                      </p:to>
+                                    </p:set>
+                                  </p:childTnLst>
+                                </p:cTn>
+                              </p:par>
+                              <p:par>
+                                <p:cTn id="15" presetID="1" presetClass="entr" presetSubtype="0" fill="hold" grpId="0" nodeType="withEffect">
+                                  <p:stCondLst>
+                                    <p:cond delay="0"/>
+                                  </p:stCondLst>
+                                  <p:childTnLst>
+                                    <p:set>
+                                      <p:cBhvr>
+                                        <p:cTn id="16" dur="1" fill="hold">
+                                          <p:stCondLst>
+                                            <p:cond delay="0"/>
+                                          </p:stCondLst>
+                                        </p:cTn>
+                                        <p:tgtEl>
+                                          <p:spTgt spid="9"/>
+                                        </p:tgtEl>
+                                        <p:attrNameLst>
+                                          <p:attrName>style.visibility</p:attrName>
+                                        </p:attrNameLst>
+                                      </p:cBhvr>
+                                      <p:to>
+                                        <p:strVal val="visible"/>
+                                      </p:to>
+                                    </p:set>
+                                  </p:childTnLst>
+                                </p:cTn>
+                              </p:par>
+                            </p:childTnLst>
+                          </p:cTn>
+                        </p:par>
+                      </p:childTnLst>
+                    </p:cTn>
+                  </p:par>
+                </p:childTnLst>
+              </p:cTn>
+              <p:prevCondLst>
+                <p:cond evt="onPrev" delay="0">
+                  <p:tgtEl>
+                    <p:sldTgt/>
+                  </p:tgtEl>
+                </p:cond>
+              </p:prevCondLst>
+              <p:nextCondLst>
+                <p:cond evt="onNext" delay="0">
+                  <p:tgtEl>
+                    <p:sldTgt/>
+                  </p:tgtEl>
+                </p:cond>
+              </p:nextCondLst>
+            </p:seq>
+          </p:childTnLst>
+        </p:cTn>
       </p:par>
     </p:tnLst>
-  </p:timing>
-</p:sld>
-</file>
-
-<file path=ppt/slides/slide15.xml><?xml version="1.0" encoding="utf-8"?>
-<p:sld xmlns:a="http://schemas.openxmlformats.org/drawingml/2006/main" xmlns:r="http://schemas.openxmlformats.org/officeDocument/2006/relationships" xmlns:p="http://schemas.openxmlformats.org/presentationml/2006/main">
-  <p:cSld>
-    <p:spTree>
-      <p:nvGrpSpPr>
-        <p:cNvPr id="1" name=""/>
-        <p:cNvGrpSpPr/>
-        <p:nvPr/>
-      </p:nvGrpSpPr>
-      <p:grpSpPr>
-        <a:xfrm>
-          <a:off x="0" y="0"/>
-          <a:ext cx="0" cy="0"/>
-          <a:chOff x="0" y="0"/>
-          <a:chExt cx="0" cy="0"/>
-        </a:xfrm>
-      </p:grpSpPr>
-      <p:sp>
-        <p:nvSpPr>
-          <p:cNvPr id="2" name="Title 1"/>
-          <p:cNvSpPr>
-            <a:spLocks noGrp="1"/>
-          </p:cNvSpPr>
-          <p:nvPr>
-            <p:ph type="title"/>
-          </p:nvPr>
-        </p:nvSpPr>
-        <p:spPr/>
-        <p:txBody>
-          <a:bodyPr/>
-          <a:lstStyle/>
-          <a:p>
-            <a:r>
-              <a:rPr lang="hu-HU" dirty="0" smtClean="0"/>
-              <a:t>A rendszer teljesítménye</a:t>
-            </a:r>
-            <a:endParaRPr lang="en-US" dirty="0"/>
-          </a:p>
-        </p:txBody>
-      </p:sp>
-      <p:sp>
-        <p:nvSpPr>
-          <p:cNvPr id="3" name="Text Placeholder 2"/>
-          <p:cNvSpPr>
-            <a:spLocks noGrp="1"/>
-          </p:cNvSpPr>
-          <p:nvPr>
-            <p:ph type="body" idx="1"/>
-          </p:nvPr>
-        </p:nvSpPr>
-        <p:spPr/>
-        <p:txBody>
-          <a:bodyPr/>
-          <a:lstStyle/>
-          <a:p>
-            <a:r>
-              <a:rPr lang="hu-HU" dirty="0" smtClean="0"/>
-              <a:t>Teljesítményanalízis</a:t>
-            </a:r>
-            <a:endParaRPr lang="en-US" dirty="0"/>
-          </a:p>
-        </p:txBody>
-      </p:sp>
-    </p:spTree>
-    <p:extLst>
-      <p:ext uri="{BB962C8B-B14F-4D97-AF65-F5344CB8AC3E}">
-        <p14:creationId xmlns:p14="http://schemas.microsoft.com/office/powerpoint/2010/main" val="2388552978"/>
-      </p:ext>
-    </p:extLst>
-  </p:cSld>
-  <p:clrMapOvr>
-    <a:masterClrMapping/>
-  </p:clrMapOvr>
-  <p:timing>
-    <p:tnLst>
-      <p:par>
-        <p:cTn id="1" dur="indefinite" restart="never" nodeType="tmRoot"/>
-      </p:par>
-    </p:tnLst>
+    <p:bldLst>
+      <p:bldP spid="19" grpId="0" animBg="1"/>
+      <p:bldP spid="20" grpId="0" animBg="1"/>
+      <p:bldP spid="21" grpId="0" animBg="1"/>
+      <p:bldP spid="22" grpId="0" animBg="1"/>
+      <p:bldP spid="9" grpId="0"/>
+    </p:bldLst>
   </p:timing>
 </p:sld>
 </file>
@@ -9999,7 +11262,7 @@
       </p:grpSpPr>
       <p:sp>
         <p:nvSpPr>
-          <p:cNvPr id="4" name="Title 3"/>
+          <p:cNvPr id="2" name="Title 1"/>
           <p:cNvSpPr>
             <a:spLocks noGrp="1"/>
           </p:cNvSpPr>
@@ -10014,7 +11277,7 @@
           <a:p>
             <a:r>
               <a:rPr lang="hu-HU" dirty="0" smtClean="0"/>
-              <a:t>Hatékonyság mérése – miért?</a:t>
+              <a:t>A rendszer teljesítménye</a:t>
             </a:r>
             <a:endParaRPr lang="en-US" dirty="0"/>
           </a:p>
@@ -10022,12 +11285,12 @@
       </p:sp>
       <p:sp>
         <p:nvSpPr>
-          <p:cNvPr id="5" name="Content Placeholder 4"/>
+          <p:cNvPr id="3" name="Text Placeholder 2"/>
           <p:cNvSpPr>
             <a:spLocks noGrp="1"/>
           </p:cNvSpPr>
           <p:nvPr>
-            <p:ph idx="1"/>
+            <p:ph type="body" idx="1"/>
           </p:nvPr>
         </p:nvSpPr>
         <p:spPr/>
@@ -10037,57 +11300,39 @@
           <a:p>
             <a:r>
               <a:rPr lang="hu-HU" dirty="0" smtClean="0"/>
-              <a:t>Éles alkalmazásba szánt eszköz</a:t>
-            </a:r>
-          </a:p>
-          <a:p>
-            <a:r>
-              <a:rPr lang="hu-HU" dirty="0" smtClean="0"/>
-              <a:t>Célok</a:t>
-            </a:r>
-          </a:p>
-          <a:p>
-            <a:pPr lvl="1"/>
-            <a:r>
-              <a:rPr lang="hu-HU" dirty="0" smtClean="0"/>
-              <a:t>Build szerver:</a:t>
-            </a:r>
-          </a:p>
-          <a:p>
-            <a:pPr lvl="2"/>
-            <a:r>
-              <a:rPr lang="hu-HU" dirty="0" smtClean="0"/>
-              <a:t>Bináris függőségi analízis gyors legyen</a:t>
-            </a:r>
-          </a:p>
-          <a:p>
-            <a:pPr lvl="2"/>
-            <a:r>
-              <a:rPr lang="hu-HU" dirty="0" smtClean="0"/>
-              <a:t>Függőségek lekérdezése gyors legyen</a:t>
-            </a:r>
-          </a:p>
-          <a:p>
-            <a:pPr lvl="1"/>
-            <a:r>
-              <a:rPr lang="hu-HU" dirty="0" smtClean="0"/>
-              <a:t>Fejlesztőeszköz:</a:t>
-            </a:r>
-          </a:p>
-          <a:p>
-            <a:pPr lvl="2"/>
-            <a:r>
-              <a:rPr lang="hu-HU" dirty="0" smtClean="0"/>
-              <a:t>Azonnali függőségi analízis visszacsatolás a forráskód módosításával a teljes szoftverinfrastruktúrára!</a:t>
+              <a:t>Teljesítményanalízis</a:t>
             </a:r>
             <a:endParaRPr lang="en-US" dirty="0"/>
+          </a:p>
+        </p:txBody>
+      </p:sp>
+      <p:sp>
+        <p:nvSpPr>
+          <p:cNvPr id="4" name="Slide Number Placeholder 3"/>
+          <p:cNvSpPr>
+            <a:spLocks noGrp="1"/>
+          </p:cNvSpPr>
+          <p:nvPr>
+            <p:ph type="sldNum" sz="quarter" idx="12"/>
+          </p:nvPr>
+        </p:nvSpPr>
+        <p:spPr/>
+        <p:txBody>
+          <a:bodyPr/>
+          <a:lstStyle/>
+          <a:p>
+            <a:fld id="{E5B09FA9-A177-4256-9C7F-5CF31ABA7234}" type="slidenum">
+              <a:rPr lang="en-US" smtClean="0"/>
+              <a:t>16</a:t>
+            </a:fld>
+            <a:endParaRPr lang="en-US"/>
           </a:p>
         </p:txBody>
       </p:sp>
     </p:spTree>
     <p:extLst>
       <p:ext uri="{BB962C8B-B14F-4D97-AF65-F5344CB8AC3E}">
-        <p14:creationId xmlns:p14="http://schemas.microsoft.com/office/powerpoint/2010/main" val="1618283345"/>
+        <p14:creationId xmlns:p14="http://schemas.microsoft.com/office/powerpoint/2010/main" val="2388552978"/>
       </p:ext>
     </p:extLst>
   </p:cSld>
@@ -10123,6 +11368,153 @@
       </p:grpSpPr>
       <p:sp>
         <p:nvSpPr>
+          <p:cNvPr id="4" name="Title 3"/>
+          <p:cNvSpPr>
+            <a:spLocks noGrp="1"/>
+          </p:cNvSpPr>
+          <p:nvPr>
+            <p:ph type="title"/>
+          </p:nvPr>
+        </p:nvSpPr>
+        <p:spPr/>
+        <p:txBody>
+          <a:bodyPr/>
+          <a:lstStyle/>
+          <a:p>
+            <a:r>
+              <a:rPr lang="hu-HU" dirty="0" smtClean="0"/>
+              <a:t>Hatékonyság mérése – miért?</a:t>
+            </a:r>
+            <a:endParaRPr lang="en-US" dirty="0"/>
+          </a:p>
+        </p:txBody>
+      </p:sp>
+      <p:sp>
+        <p:nvSpPr>
+          <p:cNvPr id="5" name="Content Placeholder 4"/>
+          <p:cNvSpPr>
+            <a:spLocks noGrp="1"/>
+          </p:cNvSpPr>
+          <p:nvPr>
+            <p:ph idx="1"/>
+          </p:nvPr>
+        </p:nvSpPr>
+        <p:spPr/>
+        <p:txBody>
+          <a:bodyPr/>
+          <a:lstStyle/>
+          <a:p>
+            <a:r>
+              <a:rPr lang="hu-HU" dirty="0" smtClean="0"/>
+              <a:t>Éles alkalmazásba szánt eszköz</a:t>
+            </a:r>
+          </a:p>
+          <a:p>
+            <a:r>
+              <a:rPr lang="hu-HU" dirty="0" smtClean="0"/>
+              <a:t>Célok</a:t>
+            </a:r>
+          </a:p>
+          <a:p>
+            <a:pPr lvl="1"/>
+            <a:r>
+              <a:rPr lang="hu-HU" dirty="0" smtClean="0"/>
+              <a:t>Build szerver:</a:t>
+            </a:r>
+          </a:p>
+          <a:p>
+            <a:pPr lvl="2"/>
+            <a:r>
+              <a:rPr lang="hu-HU" dirty="0" smtClean="0"/>
+              <a:t>Bináris függőségi analízis gyors legyen</a:t>
+            </a:r>
+          </a:p>
+          <a:p>
+            <a:pPr lvl="2"/>
+            <a:r>
+              <a:rPr lang="hu-HU" dirty="0" smtClean="0"/>
+              <a:t>Függőségek lekérdezése gyors legyen</a:t>
+            </a:r>
+          </a:p>
+          <a:p>
+            <a:pPr lvl="1"/>
+            <a:r>
+              <a:rPr lang="hu-HU" dirty="0" smtClean="0"/>
+              <a:t>Fejlesztőeszköz:</a:t>
+            </a:r>
+          </a:p>
+          <a:p>
+            <a:pPr lvl="2"/>
+            <a:r>
+              <a:rPr lang="hu-HU" dirty="0" smtClean="0"/>
+              <a:t>Azonnali függőségi analízis visszacsatolás a forráskód módosításával a teljes szoftverinfrastruktúrára!</a:t>
+            </a:r>
+            <a:endParaRPr lang="en-US" dirty="0"/>
+          </a:p>
+        </p:txBody>
+      </p:sp>
+      <p:sp>
+        <p:nvSpPr>
+          <p:cNvPr id="2" name="Slide Number Placeholder 1"/>
+          <p:cNvSpPr>
+            <a:spLocks noGrp="1"/>
+          </p:cNvSpPr>
+          <p:nvPr>
+            <p:ph type="sldNum" sz="quarter" idx="12"/>
+          </p:nvPr>
+        </p:nvSpPr>
+        <p:spPr/>
+        <p:txBody>
+          <a:bodyPr/>
+          <a:lstStyle/>
+          <a:p>
+            <a:fld id="{E5B09FA9-A177-4256-9C7F-5CF31ABA7234}" type="slidenum">
+              <a:rPr lang="en-US" smtClean="0"/>
+              <a:t>17</a:t>
+            </a:fld>
+            <a:endParaRPr lang="en-US"/>
+          </a:p>
+        </p:txBody>
+      </p:sp>
+    </p:spTree>
+    <p:extLst>
+      <p:ext uri="{BB962C8B-B14F-4D97-AF65-F5344CB8AC3E}">
+        <p14:creationId xmlns:p14="http://schemas.microsoft.com/office/powerpoint/2010/main" val="1618283345"/>
+      </p:ext>
+    </p:extLst>
+  </p:cSld>
+  <p:clrMapOvr>
+    <a:masterClrMapping/>
+  </p:clrMapOvr>
+  <p:timing>
+    <p:tnLst>
+      <p:par>
+        <p:cTn id="1" dur="indefinite" restart="never" nodeType="tmRoot"/>
+      </p:par>
+    </p:tnLst>
+  </p:timing>
+</p:sld>
+</file>
+
+<file path=ppt/slides/slide18.xml><?xml version="1.0" encoding="utf-8"?>
+<p:sld xmlns:a="http://schemas.openxmlformats.org/drawingml/2006/main" xmlns:r="http://schemas.openxmlformats.org/officeDocument/2006/relationships" xmlns:p="http://schemas.openxmlformats.org/presentationml/2006/main">
+  <p:cSld>
+    <p:spTree>
+      <p:nvGrpSpPr>
+        <p:cNvPr id="1" name=""/>
+        <p:cNvGrpSpPr/>
+        <p:nvPr/>
+      </p:nvGrpSpPr>
+      <p:grpSpPr>
+        <a:xfrm>
+          <a:off x="0" y="0"/>
+          <a:ext cx="0" cy="0"/>
+          <a:chOff x="0" y="0"/>
+          <a:chExt cx="0" cy="0"/>
+        </a:xfrm>
+      </p:grpSpPr>
+      <p:sp>
+        <p:nvSpPr>
           <p:cNvPr id="2" name="Title 1"/>
           <p:cNvSpPr>
             <a:spLocks noGrp="1"/>
@@ -10228,6 +11620,29 @@
           </a:graphicData>
         </a:graphic>
       </p:graphicFrame>
+      <p:sp>
+        <p:nvSpPr>
+          <p:cNvPr id="3" name="Slide Number Placeholder 2"/>
+          <p:cNvSpPr>
+            <a:spLocks noGrp="1"/>
+          </p:cNvSpPr>
+          <p:nvPr>
+            <p:ph type="sldNum" sz="quarter" idx="12"/>
+          </p:nvPr>
+        </p:nvSpPr>
+        <p:spPr/>
+        <p:txBody>
+          <a:bodyPr/>
+          <a:lstStyle/>
+          <a:p>
+            <a:fld id="{E5B09FA9-A177-4256-9C7F-5CF31ABA7234}" type="slidenum">
+              <a:rPr lang="en-US" smtClean="0"/>
+              <a:t>18</a:t>
+            </a:fld>
+            <a:endParaRPr lang="en-US"/>
+          </a:p>
+        </p:txBody>
+      </p:sp>
     </p:spTree>
     <p:extLst>
       <p:ext uri="{BB962C8B-B14F-4D97-AF65-F5344CB8AC3E}">
@@ -10248,7 +11663,7 @@
 </p:sld>
 </file>
 
-<file path=ppt/slides/slide18.xml><?xml version="1.0" encoding="utf-8"?>
+<file path=ppt/slides/slide19.xml><?xml version="1.0" encoding="utf-8"?>
 <p:sld xmlns:a="http://schemas.openxmlformats.org/drawingml/2006/main" xmlns:r="http://schemas.openxmlformats.org/officeDocument/2006/relationships" xmlns:p="http://schemas.openxmlformats.org/presentationml/2006/main">
   <p:cSld>
     <p:spTree>
@@ -10430,11 +11845,7 @@
           <a:p>
             <a:r>
               <a:rPr lang="hu-HU" dirty="0" smtClean="0"/>
-              <a:t>Kiértékelés egy változtatás esetén: ~1ms az összes </a:t>
-            </a:r>
-            <a:r>
-              <a:rPr lang="hu-HU" dirty="0" smtClean="0"/>
-              <a:t>elemre </a:t>
+              <a:t>Kiértékelés egy változtatás esetén: ~1ms az összes elemre </a:t>
             </a:r>
             <a:r>
               <a:rPr lang="hu-HU" dirty="0" smtClean="0">
@@ -10452,93 +11863,33 @@
           </a:p>
         </p:txBody>
       </p:sp>
+      <p:sp>
+        <p:nvSpPr>
+          <p:cNvPr id="3" name="Slide Number Placeholder 2"/>
+          <p:cNvSpPr>
+            <a:spLocks noGrp="1"/>
+          </p:cNvSpPr>
+          <p:nvPr>
+            <p:ph type="sldNum" sz="quarter" idx="12"/>
+          </p:nvPr>
+        </p:nvSpPr>
+        <p:spPr/>
+        <p:txBody>
+          <a:bodyPr/>
+          <a:lstStyle/>
+          <a:p>
+            <a:fld id="{E5B09FA9-A177-4256-9C7F-5CF31ABA7234}" type="slidenum">
+              <a:rPr lang="en-US" smtClean="0"/>
+              <a:t>19</a:t>
+            </a:fld>
+            <a:endParaRPr lang="en-US"/>
+          </a:p>
+        </p:txBody>
+      </p:sp>
     </p:spTree>
     <p:extLst>
       <p:ext uri="{BB962C8B-B14F-4D97-AF65-F5344CB8AC3E}">
         <p14:creationId xmlns:p14="http://schemas.microsoft.com/office/powerpoint/2010/main" val="2871537416"/>
-      </p:ext>
-    </p:extLst>
-  </p:cSld>
-  <p:clrMapOvr>
-    <a:masterClrMapping/>
-  </p:clrMapOvr>
-  <p:timing>
-    <p:tnLst>
-      <p:par>
-        <p:cTn id="1" dur="indefinite" restart="never" nodeType="tmRoot"/>
-      </p:par>
-    </p:tnLst>
-  </p:timing>
-</p:sld>
-</file>
-
-<file path=ppt/slides/slide19.xml><?xml version="1.0" encoding="utf-8"?>
-<p:sld xmlns:a="http://schemas.openxmlformats.org/drawingml/2006/main" xmlns:r="http://schemas.openxmlformats.org/officeDocument/2006/relationships" xmlns:p="http://schemas.openxmlformats.org/presentationml/2006/main">
-  <p:cSld>
-    <p:spTree>
-      <p:nvGrpSpPr>
-        <p:cNvPr id="1" name=""/>
-        <p:cNvGrpSpPr/>
-        <p:nvPr/>
-      </p:nvGrpSpPr>
-      <p:grpSpPr>
-        <a:xfrm>
-          <a:off x="0" y="0"/>
-          <a:ext cx="0" cy="0"/>
-          <a:chOff x="0" y="0"/>
-          <a:chExt cx="0" cy="0"/>
-        </a:xfrm>
-      </p:grpSpPr>
-      <p:sp>
-        <p:nvSpPr>
-          <p:cNvPr id="7" name="Title 6"/>
-          <p:cNvSpPr>
-            <a:spLocks noGrp="1"/>
-          </p:cNvSpPr>
-          <p:nvPr>
-            <p:ph type="title"/>
-          </p:nvPr>
-        </p:nvSpPr>
-        <p:spPr/>
-        <p:txBody>
-          <a:bodyPr/>
-          <a:lstStyle/>
-          <a:p>
-            <a:r>
-              <a:rPr lang="hu-HU" dirty="0" smtClean="0"/>
-              <a:t>Eredmények és távlati célok</a:t>
-            </a:r>
-            <a:endParaRPr lang="en-US" dirty="0"/>
-          </a:p>
-        </p:txBody>
-      </p:sp>
-      <p:sp>
-        <p:nvSpPr>
-          <p:cNvPr id="8" name="Text Placeholder 7"/>
-          <p:cNvSpPr>
-            <a:spLocks noGrp="1"/>
-          </p:cNvSpPr>
-          <p:nvPr>
-            <p:ph type="body" idx="1"/>
-          </p:nvPr>
-        </p:nvSpPr>
-        <p:spPr/>
-        <p:txBody>
-          <a:bodyPr/>
-          <a:lstStyle/>
-          <a:p>
-            <a:r>
-              <a:rPr lang="hu-HU" dirty="0" smtClean="0"/>
-              <a:t>Értékelés</a:t>
-            </a:r>
-            <a:endParaRPr lang="en-US" dirty="0"/>
-          </a:p>
-        </p:txBody>
-      </p:sp>
-    </p:spTree>
-    <p:extLst>
-      <p:ext uri="{BB962C8B-B14F-4D97-AF65-F5344CB8AC3E}">
-        <p14:creationId xmlns:p14="http://schemas.microsoft.com/office/powerpoint/2010/main" val="819375693"/>
       </p:ext>
     </p:extLst>
   </p:cSld>
@@ -10615,6 +11966,29 @@
               <a:t>Motiváció</a:t>
             </a:r>
             <a:endParaRPr lang="en-US" dirty="0"/>
+          </a:p>
+        </p:txBody>
+      </p:sp>
+      <p:sp>
+        <p:nvSpPr>
+          <p:cNvPr id="6" name="Slide Number Placeholder 5"/>
+          <p:cNvSpPr>
+            <a:spLocks noGrp="1"/>
+          </p:cNvSpPr>
+          <p:nvPr>
+            <p:ph type="sldNum" sz="quarter" idx="12"/>
+          </p:nvPr>
+        </p:nvSpPr>
+        <p:spPr/>
+        <p:txBody>
+          <a:bodyPr/>
+          <a:lstStyle/>
+          <a:p>
+            <a:fld id="{E5B09FA9-A177-4256-9C7F-5CF31ABA7234}" type="slidenum">
+              <a:rPr lang="en-US" smtClean="0"/>
+              <a:t>2</a:t>
+            </a:fld>
+            <a:endParaRPr lang="en-US"/>
           </a:p>
         </p:txBody>
       </p:sp>
@@ -10657,7 +12031,7 @@
       </p:grpSpPr>
       <p:sp>
         <p:nvSpPr>
-          <p:cNvPr id="4" name="Title 3"/>
+          <p:cNvPr id="7" name="Title 6"/>
           <p:cNvSpPr>
             <a:spLocks noGrp="1"/>
           </p:cNvSpPr>
@@ -10672,7 +12046,7 @@
           <a:p>
             <a:r>
               <a:rPr lang="hu-HU" dirty="0" smtClean="0"/>
-              <a:t>Eredmények</a:t>
+              <a:t>Eredmények és távlati célok</a:t>
             </a:r>
             <a:endParaRPr lang="en-US" dirty="0"/>
           </a:p>
@@ -10680,108 +12054,54 @@
       </p:sp>
       <p:sp>
         <p:nvSpPr>
-          <p:cNvPr id="5" name="Content Placeholder 4"/>
+          <p:cNvPr id="8" name="Text Placeholder 7"/>
           <p:cNvSpPr>
             <a:spLocks noGrp="1"/>
           </p:cNvSpPr>
           <p:nvPr>
-            <p:ph idx="1"/>
+            <p:ph type="body" idx="1"/>
           </p:nvPr>
         </p:nvSpPr>
         <p:spPr/>
         <p:txBody>
-          <a:bodyPr>
-            <a:normAutofit fontScale="77500" lnSpcReduction="20000"/>
-          </a:bodyPr>
+          <a:bodyPr/>
           <a:lstStyle/>
           <a:p>
             <a:r>
               <a:rPr lang="hu-HU" dirty="0" smtClean="0"/>
-              <a:t>Kész eszköz nagyméretű Java szoftver infrastruktúra </a:t>
-            </a:r>
-            <a:r>
-              <a:rPr lang="hu-HU" dirty="0" smtClean="0"/>
-              <a:t>függőségeinek feltárására</a:t>
-            </a:r>
-          </a:p>
-          <a:p>
-            <a:pPr lvl="1"/>
-            <a:r>
-              <a:rPr lang="hu-HU" dirty="0" smtClean="0"/>
-              <a:t>Nagy mennyiségű </a:t>
-            </a:r>
-            <a:r>
-              <a:rPr lang="hu-HU" dirty="0" smtClean="0"/>
-              <a:t>bináris komponens hatékony </a:t>
-            </a:r>
-            <a:r>
-              <a:rPr lang="hu-HU" dirty="0" smtClean="0"/>
-              <a:t>feldolgozása és lekérdezése</a:t>
-            </a:r>
-          </a:p>
-          <a:p>
-            <a:r>
-              <a:rPr lang="hu-HU" dirty="0" smtClean="0"/>
-              <a:t>Kiterjesztés valós idejű, hibrid függőségi analízisre</a:t>
-            </a:r>
-          </a:p>
-          <a:p>
-            <a:pPr lvl="1"/>
-            <a:r>
-              <a:rPr lang="hu-HU" dirty="0" smtClean="0"/>
-              <a:t>Bináris függőségi modellek és inkrementálisan szinkronizált forráskódmodellek összekapcsolásával</a:t>
-            </a:r>
-          </a:p>
-          <a:p>
-            <a:pPr lvl="1"/>
-            <a:r>
-              <a:rPr lang="hu-HU" dirty="0" smtClean="0"/>
-              <a:t>Azonnali visszajelzés inkrementális gráfmintaillesztés alapján</a:t>
-            </a:r>
-            <a:endParaRPr lang="hu-HU" dirty="0" smtClean="0"/>
-          </a:p>
-          <a:p>
-            <a:r>
-              <a:rPr lang="hu-HU" dirty="0" smtClean="0"/>
-              <a:t>A rendszer jelenleg éles használatban van</a:t>
-            </a:r>
-          </a:p>
-          <a:p>
-            <a:pPr lvl="1"/>
-            <a:r>
-              <a:rPr lang="hu-HU" dirty="0" smtClean="0"/>
-              <a:t>CERN Controls Systems:</a:t>
-            </a:r>
-          </a:p>
-          <a:p>
-            <a:pPr lvl="2"/>
-            <a:r>
-              <a:rPr lang="hu-HU" dirty="0" smtClean="0"/>
-              <a:t>Svájci kutatólaboratórium; részecskegyorsító irányítási rendszereinek szoftvereihez</a:t>
-            </a:r>
-          </a:p>
-          <a:p>
-            <a:pPr lvl="2"/>
-            <a:r>
-              <a:rPr lang="hu-HU" dirty="0"/>
-              <a:t>~</a:t>
-            </a:r>
-            <a:r>
-              <a:rPr lang="hu-HU" dirty="0" smtClean="0"/>
-              <a:t>1300 Java projekt, 24/7 </a:t>
-            </a:r>
-            <a:r>
-              <a:rPr lang="hu-HU" dirty="0" smtClean="0"/>
-              <a:t>üzemidő</a:t>
-            </a:r>
-            <a:endParaRPr lang="hu-HU" dirty="0" smtClean="0"/>
+              <a:t>Értékelés</a:t>
+            </a:r>
+            <a:endParaRPr lang="en-US" dirty="0"/>
+          </a:p>
+        </p:txBody>
+      </p:sp>
+      <p:sp>
+        <p:nvSpPr>
+          <p:cNvPr id="2" name="Slide Number Placeholder 1"/>
+          <p:cNvSpPr>
+            <a:spLocks noGrp="1"/>
+          </p:cNvSpPr>
+          <p:nvPr>
+            <p:ph type="sldNum" sz="quarter" idx="12"/>
+          </p:nvPr>
+        </p:nvSpPr>
+        <p:spPr/>
+        <p:txBody>
+          <a:bodyPr/>
+          <a:lstStyle/>
+          <a:p>
+            <a:fld id="{E5B09FA9-A177-4256-9C7F-5CF31ABA7234}" type="slidenum">
+              <a:rPr lang="en-US" smtClean="0"/>
+              <a:t>20</a:t>
+            </a:fld>
+            <a:endParaRPr lang="en-US"/>
           </a:p>
         </p:txBody>
       </p:sp>
     </p:spTree>
     <p:extLst>
       <p:ext uri="{BB962C8B-B14F-4D97-AF65-F5344CB8AC3E}">
-        <p14:creationId xmlns:p14="http://schemas.microsoft.com/office/powerpoint/2010/main" val="833660359"/>
+        <p14:creationId xmlns:p14="http://schemas.microsoft.com/office/powerpoint/2010/main" val="819375693"/>
       </p:ext>
     </p:extLst>
   </p:cSld>
@@ -10817,6 +12137,171 @@
       </p:grpSpPr>
       <p:sp>
         <p:nvSpPr>
+          <p:cNvPr id="4" name="Title 3"/>
+          <p:cNvSpPr>
+            <a:spLocks noGrp="1"/>
+          </p:cNvSpPr>
+          <p:nvPr>
+            <p:ph type="title"/>
+          </p:nvPr>
+        </p:nvSpPr>
+        <p:spPr/>
+        <p:txBody>
+          <a:bodyPr/>
+          <a:lstStyle/>
+          <a:p>
+            <a:r>
+              <a:rPr lang="hu-HU" dirty="0" smtClean="0"/>
+              <a:t>Eredmények</a:t>
+            </a:r>
+            <a:endParaRPr lang="en-US" dirty="0"/>
+          </a:p>
+        </p:txBody>
+      </p:sp>
+      <p:sp>
+        <p:nvSpPr>
+          <p:cNvPr id="5" name="Content Placeholder 4"/>
+          <p:cNvSpPr>
+            <a:spLocks noGrp="1"/>
+          </p:cNvSpPr>
+          <p:nvPr>
+            <p:ph idx="1"/>
+          </p:nvPr>
+        </p:nvSpPr>
+        <p:spPr/>
+        <p:txBody>
+          <a:bodyPr>
+            <a:normAutofit fontScale="77500" lnSpcReduction="20000"/>
+          </a:bodyPr>
+          <a:lstStyle/>
+          <a:p>
+            <a:r>
+              <a:rPr lang="hu-HU" dirty="0" smtClean="0"/>
+              <a:t>Kész eszköz nagyméretű Java szoftver infrastruktúra függőségeinek feltárására</a:t>
+            </a:r>
+          </a:p>
+          <a:p>
+            <a:pPr lvl="1"/>
+            <a:r>
+              <a:rPr lang="hu-HU" dirty="0" smtClean="0"/>
+              <a:t>Nagy mennyiségű bináris komponens hatékony feldolgozása és lekérdezése</a:t>
+            </a:r>
+          </a:p>
+          <a:p>
+            <a:r>
+              <a:rPr lang="hu-HU" dirty="0" smtClean="0"/>
+              <a:t>Kiterjesztés valós idejű, hibrid függőségi analízisre</a:t>
+            </a:r>
+          </a:p>
+          <a:p>
+            <a:pPr lvl="1"/>
+            <a:r>
+              <a:rPr lang="hu-HU" dirty="0" smtClean="0"/>
+              <a:t>Bináris függőségi modellek és inkrementálisan szinkronizált forráskódmodellek összekapcsolásával</a:t>
+            </a:r>
+          </a:p>
+          <a:p>
+            <a:pPr lvl="1"/>
+            <a:r>
+              <a:rPr lang="hu-HU" dirty="0" smtClean="0"/>
+              <a:t>Azonnali visszajelzés inkrementális gráfmintaillesztés alapján</a:t>
+            </a:r>
+          </a:p>
+          <a:p>
+            <a:r>
+              <a:rPr lang="hu-HU" dirty="0" smtClean="0"/>
+              <a:t>A rendszer jelenleg éles használatban van</a:t>
+            </a:r>
+          </a:p>
+          <a:p>
+            <a:pPr lvl="1"/>
+            <a:r>
+              <a:rPr lang="hu-HU" dirty="0" smtClean="0"/>
+              <a:t>CERN Controls Systems:</a:t>
+            </a:r>
+          </a:p>
+          <a:p>
+            <a:pPr lvl="2"/>
+            <a:r>
+              <a:rPr lang="hu-HU" dirty="0" smtClean="0"/>
+              <a:t>Svájci kutatólaboratórium; részecskegyorsító irányítási rendszereinek szoftvereihez</a:t>
+            </a:r>
+          </a:p>
+          <a:p>
+            <a:pPr lvl="2"/>
+            <a:r>
+              <a:rPr lang="hu-HU" dirty="0"/>
+              <a:t>~</a:t>
+            </a:r>
+            <a:r>
+              <a:rPr lang="hu-HU" dirty="0" smtClean="0"/>
+              <a:t>1300 Java projekt, 24/7 üzemidő</a:t>
+            </a:r>
+          </a:p>
+        </p:txBody>
+      </p:sp>
+      <p:sp>
+        <p:nvSpPr>
+          <p:cNvPr id="2" name="Slide Number Placeholder 1"/>
+          <p:cNvSpPr>
+            <a:spLocks noGrp="1"/>
+          </p:cNvSpPr>
+          <p:nvPr>
+            <p:ph type="sldNum" sz="quarter" idx="12"/>
+          </p:nvPr>
+        </p:nvSpPr>
+        <p:spPr/>
+        <p:txBody>
+          <a:bodyPr/>
+          <a:lstStyle/>
+          <a:p>
+            <a:fld id="{E5B09FA9-A177-4256-9C7F-5CF31ABA7234}" type="slidenum">
+              <a:rPr lang="en-US" smtClean="0"/>
+              <a:t>21</a:t>
+            </a:fld>
+            <a:endParaRPr lang="en-US"/>
+          </a:p>
+        </p:txBody>
+      </p:sp>
+    </p:spTree>
+    <p:extLst>
+      <p:ext uri="{BB962C8B-B14F-4D97-AF65-F5344CB8AC3E}">
+        <p14:creationId xmlns:p14="http://schemas.microsoft.com/office/powerpoint/2010/main" val="833660359"/>
+      </p:ext>
+    </p:extLst>
+  </p:cSld>
+  <p:clrMapOvr>
+    <a:masterClrMapping/>
+  </p:clrMapOvr>
+  <p:timing>
+    <p:tnLst>
+      <p:par>
+        <p:cTn id="1" dur="indefinite" restart="never" nodeType="tmRoot"/>
+      </p:par>
+    </p:tnLst>
+  </p:timing>
+</p:sld>
+</file>
+
+<file path=ppt/slides/slide22.xml><?xml version="1.0" encoding="utf-8"?>
+<p:sld xmlns:a="http://schemas.openxmlformats.org/drawingml/2006/main" xmlns:r="http://schemas.openxmlformats.org/officeDocument/2006/relationships" xmlns:p="http://schemas.openxmlformats.org/presentationml/2006/main">
+  <p:cSld>
+    <p:spTree>
+      <p:nvGrpSpPr>
+        <p:cNvPr id="1" name=""/>
+        <p:cNvGrpSpPr/>
+        <p:nvPr/>
+      </p:nvGrpSpPr>
+      <p:grpSpPr>
+        <a:xfrm>
+          <a:off x="0" y="0"/>
+          <a:ext cx="0" cy="0"/>
+          <a:chOff x="0" y="0"/>
+          <a:chExt cx="0" cy="0"/>
+        </a:xfrm>
+      </p:grpSpPr>
+      <p:sp>
+        <p:nvSpPr>
           <p:cNvPr id="2" name="Title 1"/>
           <p:cNvSpPr>
             <a:spLocks noGrp="1"/>
@@ -10878,6 +12363,29 @@
           </a:p>
           <a:p>
             <a:endParaRPr lang="en-US" dirty="0"/>
+          </a:p>
+        </p:txBody>
+      </p:sp>
+      <p:sp>
+        <p:nvSpPr>
+          <p:cNvPr id="4" name="Slide Number Placeholder 3"/>
+          <p:cNvSpPr>
+            <a:spLocks noGrp="1"/>
+          </p:cNvSpPr>
+          <p:nvPr>
+            <p:ph type="sldNum" sz="quarter" idx="12"/>
+          </p:nvPr>
+        </p:nvSpPr>
+        <p:spPr/>
+        <p:txBody>
+          <a:bodyPr/>
+          <a:lstStyle/>
+          <a:p>
+            <a:fld id="{E5B09FA9-A177-4256-9C7F-5CF31ABA7234}" type="slidenum">
+              <a:rPr lang="en-US" smtClean="0"/>
+              <a:t>22</a:t>
+            </a:fld>
+            <a:endParaRPr lang="en-US"/>
           </a:p>
         </p:txBody>
       </p:sp>
@@ -10954,8 +12462,9 @@
             <a:pPr algn="ctr"/>
             <a:r>
               <a:rPr lang="hu-HU" dirty="0" smtClean="0"/>
-              <a:t>service.jar</a:t>
-            </a:r>
+              <a:t>Projekt A</a:t>
+            </a:r>
+            <a:endParaRPr lang="hu-HU" dirty="0" smtClean="0"/>
           </a:p>
           <a:p>
             <a:pPr algn="ctr"/>
@@ -11061,7 +12570,7 @@
               <a:pPr algn="ctr"/>
               <a:r>
                 <a:rPr lang="hu-HU" dirty="0" smtClean="0"/>
-                <a:t>Szoftver tároló</a:t>
+                <a:t>Java szoftver tároló</a:t>
               </a:r>
               <a:endParaRPr lang="en-US" dirty="0"/>
             </a:p>
@@ -11129,8 +12638,9 @@
             <a:pPr algn="ctr"/>
             <a:r>
               <a:rPr lang="hu-HU" dirty="0" smtClean="0"/>
-              <a:t>client.jar</a:t>
-            </a:r>
+              <a:t>Projekt B</a:t>
+            </a:r>
+            <a:endParaRPr lang="hu-HU" dirty="0" smtClean="0"/>
           </a:p>
           <a:p>
             <a:pPr algn="ctr"/>
@@ -11843,6 +13353,29 @@
               <a:rPr lang="hu-HU" sz="1600" dirty="0" smtClean="0"/>
               <a:t>”</a:t>
             </a:r>
+          </a:p>
+        </p:txBody>
+      </p:sp>
+      <p:sp>
+        <p:nvSpPr>
+          <p:cNvPr id="2" name="Slide Number Placeholder 1"/>
+          <p:cNvSpPr>
+            <a:spLocks noGrp="1"/>
+          </p:cNvSpPr>
+          <p:nvPr>
+            <p:ph type="sldNum" sz="quarter" idx="12"/>
+          </p:nvPr>
+        </p:nvSpPr>
+        <p:spPr/>
+        <p:txBody>
+          <a:bodyPr/>
+          <a:lstStyle/>
+          <a:p>
+            <a:fld id="{E5B09FA9-A177-4256-9C7F-5CF31ABA7234}" type="slidenum">
+              <a:rPr lang="en-US" smtClean="0"/>
+              <a:t>3</a:t>
+            </a:fld>
+            <a:endParaRPr lang="en-US"/>
           </a:p>
         </p:txBody>
       </p:sp>
@@ -12486,13 +14019,13 @@
         <p:spPr/>
         <p:txBody>
           <a:bodyPr>
-            <a:normAutofit fontScale="90000"/>
+            <a:normAutofit/>
           </a:bodyPr>
           <a:lstStyle/>
           <a:p>
             <a:r>
               <a:rPr lang="hu-HU" dirty="0" smtClean="0"/>
-              <a:t>Komplex szoftverrendszerek fejlesztése</a:t>
+              <a:t>Kihívások</a:t>
             </a:r>
             <a:endParaRPr lang="en-US" dirty="0"/>
           </a:p>
@@ -12508,187 +14041,94 @@
             <p:ph idx="1"/>
           </p:nvPr>
         </p:nvSpPr>
+        <p:spPr>
+          <a:xfrm>
+            <a:off x="464127" y="1600200"/>
+            <a:ext cx="8229600" cy="4525963"/>
+          </a:xfrm>
+        </p:spPr>
+        <p:txBody>
+          <a:bodyPr>
+            <a:normAutofit/>
+          </a:bodyPr>
+          <a:lstStyle/>
+          <a:p>
+            <a:r>
+              <a:rPr lang="hu-HU" dirty="0"/>
+              <a:t>OO </a:t>
+            </a:r>
+            <a:r>
+              <a:rPr lang="hu-HU" dirty="0">
+                <a:sym typeface="Wingdings" pitchFamily="2" charset="2"/>
+              </a:rPr>
+              <a:t></a:t>
+            </a:r>
+            <a:r>
+              <a:rPr lang="hu-HU" dirty="0"/>
+              <a:t> sokféle függőség</a:t>
+            </a:r>
+          </a:p>
+          <a:p>
+            <a:pPr lvl="1"/>
+            <a:r>
+              <a:rPr lang="hu-HU" dirty="0"/>
+              <a:t>Osztálybetöltés, függvényhívás, öröklés, függvény-felüldefiniálás, tagváltozó-hozzáférés </a:t>
+            </a:r>
+            <a:endParaRPr lang="hu-HU" dirty="0" smtClean="0"/>
+          </a:p>
+          <a:p>
+            <a:r>
+              <a:rPr lang="hu-HU" dirty="0" smtClean="0"/>
+              <a:t>Nagyszámú Java szoftver (1000+)</a:t>
+            </a:r>
+          </a:p>
+          <a:p>
+            <a:pPr lvl="1"/>
+            <a:r>
+              <a:rPr lang="hu-HU" dirty="0" smtClean="0"/>
+              <a:t>Tisztán </a:t>
+            </a:r>
+            <a:r>
+              <a:rPr lang="hu-HU" dirty="0" smtClean="0"/>
+              <a:t>forráskód alapú analízis nem </a:t>
+            </a:r>
+            <a:r>
+              <a:rPr lang="hu-HU" dirty="0" smtClean="0"/>
+              <a:t>működőképes</a:t>
+            </a:r>
+          </a:p>
+          <a:p>
+            <a:pPr lvl="2"/>
+            <a:r>
+              <a:rPr lang="hu-HU" dirty="0" smtClean="0"/>
+              <a:t>Fordítás + tesztek lefutattása idő- és erőforrásigényes</a:t>
+            </a:r>
+            <a:endParaRPr lang="hu-HU" dirty="0" smtClean="0"/>
+          </a:p>
+          <a:p>
+            <a:endParaRPr lang="en-US" dirty="0"/>
+          </a:p>
+        </p:txBody>
+      </p:sp>
+      <p:sp>
+        <p:nvSpPr>
+          <p:cNvPr id="5" name="Slide Number Placeholder 4"/>
+          <p:cNvSpPr>
+            <a:spLocks noGrp="1"/>
+          </p:cNvSpPr>
+          <p:nvPr>
+            <p:ph type="sldNum" sz="quarter" idx="12"/>
+          </p:nvPr>
+        </p:nvSpPr>
         <p:spPr/>
         <p:txBody>
-          <a:bodyPr>
-            <a:normAutofit fontScale="70000" lnSpcReduction="20000"/>
-          </a:bodyPr>
-          <a:lstStyle/>
-          <a:p>
-            <a:r>
-              <a:rPr lang="hu-HU" dirty="0" smtClean="0"/>
-              <a:t>Nagyszámú Java szoftver (1000</a:t>
-            </a:r>
-            <a:r>
-              <a:rPr lang="hu-HU" dirty="0" smtClean="0"/>
-              <a:t>+)</a:t>
-            </a:r>
-          </a:p>
-          <a:p>
-            <a:pPr lvl="1"/>
-            <a:r>
-              <a:rPr lang="hu-HU" dirty="0" smtClean="0"/>
-              <a:t>Tisztán forráskód alapú analízis nem működőképes</a:t>
-            </a:r>
-            <a:endParaRPr lang="hu-HU" dirty="0" smtClean="0"/>
-          </a:p>
-          <a:p>
-            <a:r>
-              <a:rPr lang="hu-HU" dirty="0" smtClean="0"/>
-              <a:t>OO =&gt; </a:t>
-            </a:r>
-            <a:r>
-              <a:rPr lang="hu-HU" dirty="0"/>
-              <a:t>s</a:t>
-            </a:r>
-            <a:r>
-              <a:rPr lang="hu-HU" dirty="0" smtClean="0"/>
-              <a:t>okféle függőség:</a:t>
-            </a:r>
-          </a:p>
-          <a:p>
-            <a:pPr lvl="1"/>
-            <a:r>
-              <a:rPr lang="hu-HU" dirty="0" smtClean="0"/>
-              <a:t>Függvényhívás, ö</a:t>
-            </a:r>
-            <a:r>
-              <a:rPr lang="hu-HU" dirty="0" smtClean="0"/>
-              <a:t>röklés</a:t>
-            </a:r>
-            <a:r>
-              <a:rPr lang="hu-HU" dirty="0" smtClean="0"/>
-              <a:t>, függvény-felüldefiniálás, </a:t>
-            </a:r>
-            <a:r>
-              <a:rPr lang="hu-HU" dirty="0" smtClean="0"/>
-              <a:t>tagváltozó-hozzáférés, osztálybetöltés. </a:t>
-            </a:r>
-            <a:endParaRPr lang="hu-HU" dirty="0" smtClean="0"/>
-          </a:p>
-          <a:p>
-            <a:r>
-              <a:rPr lang="hu-HU" dirty="0" smtClean="0"/>
-              <a:t>Szoftver életciklus: gyakori hibajavítások, új funkciók</a:t>
-            </a:r>
-          </a:p>
-          <a:p>
-            <a:pPr lvl="1"/>
-            <a:r>
-              <a:rPr lang="hu-HU" dirty="0" smtClean="0"/>
-              <a:t>Szoftververziók konzisztenciáját garantálni kell</a:t>
-            </a:r>
-            <a:endParaRPr lang="hu-HU" dirty="0" smtClean="0"/>
-          </a:p>
-          <a:p>
-            <a:pPr lvl="1"/>
-            <a:r>
-              <a:rPr lang="hu-HU" dirty="0" smtClean="0"/>
-              <a:t>Elvárás: </a:t>
-            </a:r>
-            <a:r>
-              <a:rPr lang="hu-HU" dirty="0" smtClean="0"/>
-              <a:t>egy módosítás az érintett komponensre épülő </a:t>
-            </a:r>
-            <a:r>
-              <a:rPr lang="hu-HU" dirty="0" smtClean="0"/>
-              <a:t>szoftverekben ne okozzon hibát (</a:t>
-            </a:r>
-            <a:r>
-              <a:rPr lang="hu-HU" b="1" dirty="0" smtClean="0"/>
-              <a:t>smooth </a:t>
-            </a:r>
-            <a:r>
-              <a:rPr lang="hu-HU" b="1" dirty="0" smtClean="0"/>
-              <a:t>upgrade</a:t>
-            </a:r>
-            <a:r>
-              <a:rPr lang="hu-HU" dirty="0" smtClean="0"/>
-              <a:t>)</a:t>
-            </a:r>
-            <a:endParaRPr lang="hu-HU" dirty="0" smtClean="0"/>
-          </a:p>
-          <a:p>
-            <a:endParaRPr lang="hu-HU" dirty="0" smtClean="0"/>
-          </a:p>
-          <a:p>
-            <a:endParaRPr lang="hu-HU" dirty="0" smtClean="0"/>
-          </a:p>
-          <a:p>
-            <a:r>
-              <a:rPr lang="hu-HU" dirty="0" smtClean="0"/>
-              <a:t>Szükséges: függőségi viszonyok ismerete</a:t>
-            </a:r>
-          </a:p>
-          <a:p>
-            <a:pPr lvl="1"/>
-            <a:r>
-              <a:rPr lang="hu-HU" dirty="0"/>
-              <a:t>Változások potenciális </a:t>
-            </a:r>
-            <a:r>
-              <a:rPr lang="hu-HU" dirty="0" smtClean="0"/>
-              <a:t>hatása</a:t>
-            </a:r>
-            <a:endParaRPr lang="hu-HU" dirty="0" smtClean="0"/>
-          </a:p>
-          <a:p>
-            <a:pPr lvl="1"/>
-            <a:r>
-              <a:rPr lang="hu-HU" dirty="0" smtClean="0"/>
-              <a:t>Mit </a:t>
-            </a:r>
-            <a:r>
-              <a:rPr lang="hu-HU" dirty="0" smtClean="0"/>
-              <a:t>változtathatunk </a:t>
-            </a:r>
-            <a:r>
-              <a:rPr lang="hu-HU" dirty="0" smtClean="0"/>
-              <a:t>meg és hogyan</a:t>
-            </a:r>
-            <a:endParaRPr lang="hu-HU" dirty="0" smtClean="0"/>
-          </a:p>
-          <a:p>
-            <a:endParaRPr lang="en-US" dirty="0"/>
-          </a:p>
-        </p:txBody>
-      </p:sp>
-      <p:sp>
-        <p:nvSpPr>
-          <p:cNvPr id="4" name="Right Arrow 3"/>
-          <p:cNvSpPr/>
-          <p:nvPr/>
-        </p:nvSpPr>
-        <p:spPr>
-          <a:xfrm rot="5400000">
-            <a:off x="4236027" y="4343400"/>
-            <a:ext cx="685800" cy="685800"/>
-          </a:xfrm>
-          <a:prstGeom prst="rightArrow">
-            <a:avLst/>
-          </a:prstGeom>
-        </p:spPr>
-        <p:style>
-          <a:lnRef idx="2">
-            <a:schemeClr val="accent1">
-              <a:shade val="50000"/>
-            </a:schemeClr>
-          </a:lnRef>
-          <a:fillRef idx="1">
-            <a:schemeClr val="accent1"/>
-          </a:fillRef>
-          <a:effectRef idx="0">
-            <a:schemeClr val="accent1"/>
-          </a:effectRef>
-          <a:fontRef idx="minor">
-            <a:schemeClr val="lt1"/>
-          </a:fontRef>
-        </p:style>
-        <p:txBody>
-          <a:bodyPr rtlCol="0" anchor="ctr"/>
-          <a:lstStyle/>
-          <a:p>
-            <a:pPr algn="ctr"/>
+          <a:bodyPr/>
+          <a:lstStyle/>
+          <a:p>
+            <a:fld id="{E5B09FA9-A177-4256-9C7F-5CF31ABA7234}" type="slidenum">
+              <a:rPr lang="en-US" smtClean="0"/>
+              <a:t>4</a:t>
+            </a:fld>
             <a:endParaRPr lang="en-US"/>
           </a:p>
         </p:txBody>
@@ -12742,12 +14182,14 @@
         </p:nvSpPr>
         <p:spPr/>
         <p:txBody>
-          <a:bodyPr/>
+          <a:bodyPr>
+            <a:normAutofit/>
+          </a:bodyPr>
           <a:lstStyle/>
           <a:p>
             <a:r>
               <a:rPr lang="hu-HU" dirty="0" smtClean="0"/>
-              <a:t>Kihívások</a:t>
+              <a:t>Kihívások 2</a:t>
             </a:r>
             <a:endParaRPr lang="en-US" dirty="0"/>
           </a:p>
@@ -12763,92 +14205,79 @@
             <p:ph idx="1"/>
           </p:nvPr>
         </p:nvSpPr>
+        <p:spPr>
+          <a:xfrm>
+            <a:off x="464127" y="1600200"/>
+            <a:ext cx="8229600" cy="4525963"/>
+          </a:xfrm>
+        </p:spPr>
+        <p:txBody>
+          <a:bodyPr>
+            <a:normAutofit/>
+          </a:bodyPr>
+          <a:lstStyle/>
+          <a:p>
+            <a:r>
+              <a:rPr lang="hu-HU" dirty="0"/>
+              <a:t>Szoftver életciklus: gyakori hibajavítások, új funkciók</a:t>
+            </a:r>
+          </a:p>
+          <a:p>
+            <a:pPr lvl="1"/>
+            <a:r>
+              <a:rPr lang="hu-HU" dirty="0"/>
+              <a:t>Szoftververziók konzisztenciáját garantálni kell</a:t>
+            </a:r>
+          </a:p>
+          <a:p>
+            <a:pPr lvl="1"/>
+            <a:r>
+              <a:rPr lang="hu-HU" dirty="0"/>
+              <a:t>Elvárás: egy módosítás az érintett komponensre épülő szoftverekben ne okozzon hibát (</a:t>
+            </a:r>
+            <a:r>
+              <a:rPr lang="hu-HU" b="1" dirty="0"/>
+              <a:t>smooth </a:t>
+            </a:r>
+            <a:r>
+              <a:rPr lang="hu-HU" b="1" dirty="0" smtClean="0"/>
+              <a:t>upgrade</a:t>
+            </a:r>
+            <a:endParaRPr lang="hu-HU" dirty="0"/>
+          </a:p>
+          <a:p>
+            <a:pPr lvl="1"/>
+            <a:endParaRPr lang="hu-HU" dirty="0"/>
+          </a:p>
+        </p:txBody>
+      </p:sp>
+      <p:sp>
+        <p:nvSpPr>
+          <p:cNvPr id="5" name="Slide Number Placeholder 4"/>
+          <p:cNvSpPr>
+            <a:spLocks noGrp="1"/>
+          </p:cNvSpPr>
+          <p:nvPr>
+            <p:ph type="sldNum" sz="quarter" idx="12"/>
+          </p:nvPr>
+        </p:nvSpPr>
         <p:spPr/>
         <p:txBody>
-          <a:bodyPr>
-            <a:normAutofit lnSpcReduction="10000"/>
-          </a:bodyPr>
-          <a:lstStyle/>
-          <a:p>
-            <a:pPr marL="285750" indent="-285750"/>
-            <a:r>
-              <a:rPr lang="hu-HU" dirty="0"/>
-              <a:t>Probléma mérete: </a:t>
-            </a:r>
-          </a:p>
-          <a:p>
-            <a:pPr lvl="1">
-              <a:buFont typeface="Arial" pitchFamily="34" charset="0"/>
-              <a:buChar char="•"/>
-            </a:pPr>
-            <a:r>
-              <a:rPr lang="hu-HU" dirty="0"/>
-              <a:t>sok szoftver ÉS </a:t>
-            </a:r>
-          </a:p>
-          <a:p>
-            <a:pPr lvl="1">
-              <a:buFont typeface="Arial" pitchFamily="34" charset="0"/>
-              <a:buChar char="•"/>
-            </a:pPr>
-            <a:r>
-              <a:rPr lang="hu-HU" dirty="0"/>
-              <a:t>bonyolult függőségek </a:t>
-            </a:r>
-            <a:r>
-              <a:rPr lang="hu-HU" dirty="0">
-                <a:sym typeface="Wingdings" pitchFamily="2" charset="2"/>
-              </a:rPr>
-              <a:t> kliens-szerver architektúra!</a:t>
-            </a:r>
-            <a:endParaRPr lang="hu-HU" dirty="0"/>
-          </a:p>
-          <a:p>
-            <a:pPr marL="285750" indent="-285750"/>
-            <a:r>
-              <a:rPr lang="hu-HU" dirty="0"/>
-              <a:t>Hatékonyság: </a:t>
-            </a:r>
-          </a:p>
-          <a:p>
-            <a:pPr lvl="1">
-              <a:buFont typeface="Arial" pitchFamily="34" charset="0"/>
-              <a:buChar char="•"/>
-            </a:pPr>
-            <a:r>
-              <a:rPr lang="hu-HU" dirty="0"/>
-              <a:t>Szerver: gyors bináris analízis</a:t>
-            </a:r>
-          </a:p>
-          <a:p>
-            <a:pPr lvl="1">
-              <a:buFont typeface="Arial" pitchFamily="34" charset="0"/>
-              <a:buChar char="•"/>
-            </a:pPr>
-            <a:r>
-              <a:rPr lang="hu-HU" dirty="0"/>
-              <a:t>Kliens: gyors lekérdezés </a:t>
-            </a:r>
-          </a:p>
-          <a:p>
-            <a:endParaRPr lang="hu-HU" dirty="0" smtClean="0"/>
-          </a:p>
-          <a:p>
-            <a:r>
-              <a:rPr lang="hu-HU" dirty="0" smtClean="0"/>
-              <a:t>Korlátos erőforrások a fejlesztői állomásokon</a:t>
-            </a:r>
-          </a:p>
-          <a:p>
-            <a:pPr lvl="1"/>
-            <a:endParaRPr lang="en-US" dirty="0"/>
+          <a:bodyPr/>
+          <a:lstStyle/>
+          <a:p>
+            <a:fld id="{E5B09FA9-A177-4256-9C7F-5CF31ABA7234}" type="slidenum">
+              <a:rPr lang="en-US" smtClean="0"/>
+              <a:t>5</a:t>
+            </a:fld>
+            <a:endParaRPr lang="en-US"/>
           </a:p>
         </p:txBody>
       </p:sp>
     </p:spTree>
     <p:extLst>
       <p:ext uri="{BB962C8B-B14F-4D97-AF65-F5344CB8AC3E}">
-        <p14:creationId xmlns:p14="http://schemas.microsoft.com/office/powerpoint/2010/main" val="1491464899"/>
+        <p14:creationId xmlns:p14="http://schemas.microsoft.com/office/powerpoint/2010/main" val="2595402044"/>
       </p:ext>
     </p:extLst>
   </p:cSld>
@@ -12894,6 +14323,209 @@
         </p:nvSpPr>
         <p:spPr/>
         <p:txBody>
+          <a:bodyPr/>
+          <a:lstStyle/>
+          <a:p>
+            <a:r>
+              <a:rPr lang="hu-HU" dirty="0" smtClean="0"/>
+              <a:t>Kitűzött cél</a:t>
+            </a:r>
+            <a:endParaRPr lang="en-US" dirty="0"/>
+          </a:p>
+        </p:txBody>
+      </p:sp>
+      <p:sp>
+        <p:nvSpPr>
+          <p:cNvPr id="3" name="Content Placeholder 2"/>
+          <p:cNvSpPr>
+            <a:spLocks noGrp="1"/>
+          </p:cNvSpPr>
+          <p:nvPr>
+            <p:ph idx="1"/>
+          </p:nvPr>
+        </p:nvSpPr>
+        <p:spPr/>
+        <p:txBody>
+          <a:bodyPr>
+            <a:normAutofit lnSpcReduction="10000"/>
+          </a:bodyPr>
+          <a:lstStyle/>
+          <a:p>
+            <a:r>
+              <a:rPr lang="hu-HU" dirty="0" smtClean="0"/>
+              <a:t>Szükséges</a:t>
+            </a:r>
+            <a:r>
+              <a:rPr lang="hu-HU" dirty="0"/>
+              <a:t>: függőségi viszonyok ismerete</a:t>
+            </a:r>
+          </a:p>
+          <a:p>
+            <a:pPr lvl="1"/>
+            <a:r>
+              <a:rPr lang="hu-HU" dirty="0"/>
+              <a:t>Változások potenciális hatása</a:t>
+            </a:r>
+          </a:p>
+          <a:p>
+            <a:pPr lvl="1"/>
+            <a:r>
+              <a:rPr lang="hu-HU" dirty="0"/>
+              <a:t>Mit változtathatunk meg és </a:t>
+            </a:r>
+            <a:r>
+              <a:rPr lang="hu-HU" dirty="0" smtClean="0"/>
+              <a:t>hogyan</a:t>
+            </a:r>
+            <a:endParaRPr lang="hu-HU" dirty="0"/>
+          </a:p>
+          <a:p>
+            <a:pPr marL="285750" indent="-285750"/>
+            <a:r>
+              <a:rPr lang="hu-HU" dirty="0" smtClean="0"/>
+              <a:t>Megvalósítás: szerver-kliens architektúrával</a:t>
+            </a:r>
+            <a:endParaRPr lang="hu-HU" dirty="0" smtClean="0"/>
+          </a:p>
+          <a:p>
+            <a:pPr lvl="1">
+              <a:buFont typeface="Arial" pitchFamily="34" charset="0"/>
+              <a:buChar char="•"/>
+            </a:pPr>
+            <a:r>
+              <a:rPr lang="hu-HU" dirty="0" smtClean="0"/>
+              <a:t>Szerver</a:t>
+            </a:r>
+            <a:r>
+              <a:rPr lang="hu-HU" dirty="0"/>
+              <a:t>: </a:t>
+            </a:r>
+            <a:endParaRPr lang="hu-HU" dirty="0" smtClean="0"/>
+          </a:p>
+          <a:p>
+            <a:pPr lvl="2"/>
+            <a:r>
+              <a:rPr lang="hu-HU" dirty="0" smtClean="0"/>
+              <a:t>gyors </a:t>
+            </a:r>
+            <a:r>
+              <a:rPr lang="hu-HU" dirty="0"/>
+              <a:t>bináris analízis</a:t>
+            </a:r>
+          </a:p>
+          <a:p>
+            <a:pPr lvl="1">
+              <a:buFont typeface="Arial" pitchFamily="34" charset="0"/>
+              <a:buChar char="•"/>
+            </a:pPr>
+            <a:r>
+              <a:rPr lang="hu-HU" dirty="0"/>
+              <a:t>Kliens: </a:t>
+            </a:r>
+            <a:endParaRPr lang="hu-HU" dirty="0" smtClean="0"/>
+          </a:p>
+          <a:p>
+            <a:pPr lvl="2"/>
+            <a:r>
+              <a:rPr lang="hu-HU" dirty="0" smtClean="0"/>
+              <a:t>Gyors </a:t>
+            </a:r>
+            <a:r>
+              <a:rPr lang="hu-HU" dirty="0"/>
+              <a:t>lekérdezés </a:t>
+            </a:r>
+            <a:endParaRPr lang="hu-HU" dirty="0" smtClean="0"/>
+          </a:p>
+          <a:p>
+            <a:pPr lvl="2"/>
+            <a:r>
+              <a:rPr lang="hu-HU" dirty="0" smtClean="0"/>
+              <a:t>Korlátos erőforrások </a:t>
+            </a:r>
+            <a:r>
+              <a:rPr lang="hu-HU" dirty="0" smtClean="0"/>
+              <a:t>figyelembe vételével</a:t>
+            </a:r>
+            <a:endParaRPr lang="hu-HU" dirty="0" smtClean="0"/>
+          </a:p>
+          <a:p>
+            <a:pPr lvl="1"/>
+            <a:endParaRPr lang="en-US" dirty="0"/>
+          </a:p>
+        </p:txBody>
+      </p:sp>
+      <p:sp>
+        <p:nvSpPr>
+          <p:cNvPr id="4" name="Slide Number Placeholder 3"/>
+          <p:cNvSpPr>
+            <a:spLocks noGrp="1"/>
+          </p:cNvSpPr>
+          <p:nvPr>
+            <p:ph type="sldNum" sz="quarter" idx="12"/>
+          </p:nvPr>
+        </p:nvSpPr>
+        <p:spPr/>
+        <p:txBody>
+          <a:bodyPr/>
+          <a:lstStyle/>
+          <a:p>
+            <a:fld id="{E5B09FA9-A177-4256-9C7F-5CF31ABA7234}" type="slidenum">
+              <a:rPr lang="en-US" smtClean="0"/>
+              <a:t>6</a:t>
+            </a:fld>
+            <a:endParaRPr lang="en-US"/>
+          </a:p>
+        </p:txBody>
+      </p:sp>
+    </p:spTree>
+    <p:extLst>
+      <p:ext uri="{BB962C8B-B14F-4D97-AF65-F5344CB8AC3E}">
+        <p14:creationId xmlns:p14="http://schemas.microsoft.com/office/powerpoint/2010/main" val="1491464899"/>
+      </p:ext>
+    </p:extLst>
+  </p:cSld>
+  <p:clrMapOvr>
+    <a:masterClrMapping/>
+  </p:clrMapOvr>
+  <p:timing>
+    <p:tnLst>
+      <p:par>
+        <p:cTn id="1" dur="indefinite" restart="never" nodeType="tmRoot"/>
+      </p:par>
+    </p:tnLst>
+  </p:timing>
+</p:sld>
+</file>
+
+<file path=ppt/slides/slide7.xml><?xml version="1.0" encoding="utf-8"?>
+<p:sld xmlns:a="http://schemas.openxmlformats.org/drawingml/2006/main" xmlns:r="http://schemas.openxmlformats.org/officeDocument/2006/relationships" xmlns:p="http://schemas.openxmlformats.org/presentationml/2006/main">
+  <p:cSld>
+    <p:spTree>
+      <p:nvGrpSpPr>
+        <p:cNvPr id="1" name=""/>
+        <p:cNvGrpSpPr/>
+        <p:nvPr/>
+      </p:nvGrpSpPr>
+      <p:grpSpPr>
+        <a:xfrm>
+          <a:off x="0" y="0"/>
+          <a:ext cx="0" cy="0"/>
+          <a:chOff x="0" y="0"/>
+          <a:chExt cx="0" cy="0"/>
+        </a:xfrm>
+      </p:grpSpPr>
+      <p:sp>
+        <p:nvSpPr>
+          <p:cNvPr id="2" name="Title 1"/>
+          <p:cNvSpPr>
+            <a:spLocks noGrp="1"/>
+          </p:cNvSpPr>
+          <p:nvPr>
+            <p:ph type="title"/>
+          </p:nvPr>
+        </p:nvSpPr>
+        <p:spPr/>
+        <p:txBody>
           <a:bodyPr>
             <a:normAutofit/>
           </a:bodyPr>
@@ -12927,6 +14559,29 @@
               <a:t>Az elkészült eszköz</a:t>
             </a:r>
             <a:endParaRPr lang="en-US" dirty="0"/>
+          </a:p>
+        </p:txBody>
+      </p:sp>
+      <p:sp>
+        <p:nvSpPr>
+          <p:cNvPr id="4" name="Slide Number Placeholder 3"/>
+          <p:cNvSpPr>
+            <a:spLocks noGrp="1"/>
+          </p:cNvSpPr>
+          <p:nvPr>
+            <p:ph type="sldNum" sz="quarter" idx="12"/>
+          </p:nvPr>
+        </p:nvSpPr>
+        <p:spPr/>
+        <p:txBody>
+          <a:bodyPr/>
+          <a:lstStyle/>
+          <a:p>
+            <a:fld id="{E5B09FA9-A177-4256-9C7F-5CF31ABA7234}" type="slidenum">
+              <a:rPr lang="en-US" smtClean="0"/>
+              <a:t>7</a:t>
+            </a:fld>
+            <a:endParaRPr lang="en-US"/>
           </a:p>
         </p:txBody>
       </p:sp>
@@ -12950,7 +14605,7 @@
 </p:sld>
 </file>
 
-<file path=ppt/slides/slide7.xml><?xml version="1.0" encoding="utf-8"?>
+<file path=ppt/slides/slide8.xml><?xml version="1.0" encoding="utf-8"?>
 <p:sld xmlns:a="http://schemas.openxmlformats.org/drawingml/2006/main" xmlns:r="http://schemas.openxmlformats.org/officeDocument/2006/relationships" xmlns:p="http://schemas.openxmlformats.org/presentationml/2006/main">
   <p:cSld>
     <p:spTree>
@@ -13691,15 +15346,7 @@
             </a:pPr>
             <a:r>
               <a:rPr lang="hu-HU" b="1" dirty="0" smtClean="0"/>
-              <a:t>Bemenet </a:t>
-            </a:r>
-            <a:r>
-              <a:rPr lang="hu-HU" b="1" dirty="0" smtClean="0"/>
-              <a:t>méretétől </a:t>
-            </a:r>
-            <a:r>
-              <a:rPr lang="hu-HU" b="1" dirty="0" smtClean="0"/>
-              <a:t>függetlenül</a:t>
+              <a:t>Bemenet méretétől függetlenül</a:t>
             </a:r>
           </a:p>
           <a:p>
@@ -13711,7 +15358,6 @@
               <a:rPr lang="hu-HU" b="1" dirty="0" smtClean="0"/>
               <a:t>Adatbázis lekérdezések alapján</a:t>
             </a:r>
-            <a:endParaRPr lang="hu-HU" b="1" dirty="0" smtClean="0"/>
           </a:p>
         </p:txBody>
       </p:sp>
@@ -13935,6 +15581,29 @@
               <a:rPr lang="hu-HU" dirty="0" smtClean="0"/>
               <a:t>Összes vizsgálandó jar egy központi tárolóban</a:t>
             </a:r>
+          </a:p>
+        </p:txBody>
+      </p:sp>
+      <p:sp>
+        <p:nvSpPr>
+          <p:cNvPr id="2" name="Slide Number Placeholder 1"/>
+          <p:cNvSpPr>
+            <a:spLocks noGrp="1"/>
+          </p:cNvSpPr>
+          <p:nvPr>
+            <p:ph type="sldNum" sz="quarter" idx="12"/>
+          </p:nvPr>
+        </p:nvSpPr>
+        <p:spPr/>
+        <p:txBody>
+          <a:bodyPr/>
+          <a:lstStyle/>
+          <a:p>
+            <a:fld id="{E5B09FA9-A177-4256-9C7F-5CF31ABA7234}" type="slidenum">
+              <a:rPr lang="en-US" smtClean="0"/>
+              <a:t>8</a:t>
+            </a:fld>
+            <a:endParaRPr lang="en-US"/>
           </a:p>
         </p:txBody>
       </p:sp>
@@ -14139,15 +15808,60 @@
                                   </p:childTnLst>
                                 </p:cTn>
                               </p:par>
+                            </p:childTnLst>
+                          </p:cTn>
+                        </p:par>
+                      </p:childTnLst>
+                    </p:cTn>
+                  </p:par>
+                  <p:par>
+                    <p:cTn id="19" fill="hold">
+                      <p:stCondLst>
+                        <p:cond delay="indefinite"/>
+                      </p:stCondLst>
+                      <p:childTnLst>
+                        <p:par>
+                          <p:cTn id="20" fill="hold">
+                            <p:stCondLst>
+                              <p:cond delay="0"/>
+                            </p:stCondLst>
+                            <p:childTnLst>
                               <p:par>
-                                <p:cTn id="19" presetID="1" presetClass="exit" presetSubtype="0" fill="hold" grpId="1" nodeType="withEffect">
+                                <p:cTn id="21" presetID="1" presetClass="entr" presetSubtype="0" fill="hold" grpId="0" nodeType="clickEffect">
                                   <p:stCondLst>
                                     <p:cond delay="0"/>
                                   </p:stCondLst>
                                   <p:childTnLst>
                                     <p:set>
                                       <p:cBhvr>
-                                        <p:cTn id="20" dur="1" fill="hold">
+                                        <p:cTn id="22" dur="1" fill="hold">
+                                          <p:stCondLst>
+                                            <p:cond delay="0"/>
+                                          </p:stCondLst>
+                                        </p:cTn>
+                                        <p:tgtEl>
+                                          <p:spTgt spid="51"/>
+                                        </p:tgtEl>
+                                        <p:attrNameLst>
+                                          <p:attrName>style.visibility</p:attrName>
+                                        </p:attrNameLst>
+                                      </p:cBhvr>
+                                      <p:to>
+                                        <p:strVal val="visible"/>
+                                      </p:to>
+                                    </p:set>
+                                  </p:childTnLst>
+                                </p:cTn>
+                              </p:par>
+                              <p:par>
+                                <p:cTn id="23" presetID="1" presetClass="exit" presetSubtype="0" fill="hold" grpId="1" nodeType="withEffect">
+                                  <p:stCondLst>
+                                    <p:cond delay="0"/>
+                                  </p:stCondLst>
+                                  <p:childTnLst>
+                                    <p:set>
+                                      <p:cBhvr>
+                                        <p:cTn id="24" dur="1" fill="hold">
                                           <p:stCondLst>
                                             <p:cond delay="0"/>
                                           </p:stCondLst>
@@ -14161,51 +15875,6 @@
                                       </p:cBhvr>
                                       <p:to>
                                         <p:strVal val="hidden"/>
-                                      </p:to>
-                                    </p:set>
-                                  </p:childTnLst>
-                                </p:cTn>
-                              </p:par>
-                            </p:childTnLst>
-                          </p:cTn>
-                        </p:par>
-                      </p:childTnLst>
-                    </p:cTn>
-                  </p:par>
-                  <p:par>
-                    <p:cTn id="21" fill="hold">
-                      <p:stCondLst>
-                        <p:cond delay="indefinite"/>
-                      </p:stCondLst>
-                      <p:childTnLst>
-                        <p:par>
-                          <p:cTn id="22" fill="hold">
-                            <p:stCondLst>
-                              <p:cond delay="0"/>
-                            </p:stCondLst>
-                            <p:childTnLst>
-                              <p:par>
-                                <p:cTn id="23" presetID="1" presetClass="entr" presetSubtype="0" fill="hold" grpId="0" nodeType="clickEffect">
-                                  <p:stCondLst>
-                                    <p:cond delay="0"/>
-                                  </p:stCondLst>
-                                  <p:childTnLst>
-                                    <p:set>
-                                      <p:cBhvr>
-                                        <p:cTn id="24" dur="1" fill="hold">
-                                          <p:stCondLst>
-                                            <p:cond delay="0"/>
-                                          </p:stCondLst>
-                                        </p:cTn>
-                                        <p:tgtEl>
-                                          <p:spTgt spid="51"/>
-                                        </p:tgtEl>
-                                        <p:attrNameLst>
-                                          <p:attrName>style.visibility</p:attrName>
-                                        </p:attrNameLst>
-                                      </p:cBhvr>
-                                      <p:to>
-                                        <p:strVal val="visible"/>
                                       </p:to>
                                     </p:set>
                                   </p:childTnLst>
@@ -14325,7 +15994,7 @@
 </p:sld>
 </file>
 
-<file path=ppt/slides/slide8.xml><?xml version="1.0" encoding="utf-8"?>
+<file path=ppt/slides/slide9.xml><?xml version="1.0" encoding="utf-8"?>
 <p:sld xmlns:a="http://schemas.openxmlformats.org/drawingml/2006/main" xmlns:r="http://schemas.openxmlformats.org/officeDocument/2006/relationships" xmlns:p="http://schemas.openxmlformats.org/presentationml/2006/main">
   <p:cSld>
     <p:spTree>
@@ -14593,11 +16262,7 @@
             </a:pPr>
             <a:r>
               <a:rPr lang="hu-HU" dirty="0" smtClean="0"/>
-              <a:t>Eredmény: a </a:t>
-            </a:r>
-            <a:r>
-              <a:rPr lang="hu-HU" dirty="0" smtClean="0"/>
-              <a:t>kiválasztott elem függőségei</a:t>
+              <a:t>Eredmény: a kiválasztott elem függőségei</a:t>
             </a:r>
           </a:p>
           <a:p>
@@ -14688,6 +16353,29 @@
           </a:extLst>
         </p:spPr>
       </p:pic>
+      <p:sp>
+        <p:nvSpPr>
+          <p:cNvPr id="2" name="Slide Number Placeholder 1"/>
+          <p:cNvSpPr>
+            <a:spLocks noGrp="1"/>
+          </p:cNvSpPr>
+          <p:nvPr>
+            <p:ph type="sldNum" sz="quarter" idx="12"/>
+          </p:nvPr>
+        </p:nvSpPr>
+        <p:spPr/>
+        <p:txBody>
+          <a:bodyPr/>
+          <a:lstStyle/>
+          <a:p>
+            <a:fld id="{E5B09FA9-A177-4256-9C7F-5CF31ABA7234}" type="slidenum">
+              <a:rPr lang="en-US" smtClean="0"/>
+              <a:t>9</a:t>
+            </a:fld>
+            <a:endParaRPr lang="en-US"/>
+          </a:p>
+        </p:txBody>
+      </p:sp>
     </p:spTree>
     <p:extLst>
       <p:ext uri="{BB962C8B-B14F-4D97-AF65-F5344CB8AC3E}">
@@ -14698,858 +16386,6 @@
   <p:clrMapOvr>
     <a:masterClrMapping/>
   </p:clrMapOvr>
-  <p:timing>
-    <p:tnLst>
-      <p:par>
-        <p:cTn id="1" dur="indefinite" restart="never" nodeType="tmRoot"/>
-      </p:par>
-    </p:tnLst>
-  </p:timing>
-</p:sld>
-</file>
-
-<file path=ppt/slides/slide9.xml><?xml version="1.0" encoding="utf-8"?>
-<p:sld xmlns:a="http://schemas.openxmlformats.org/drawingml/2006/main" xmlns:r="http://schemas.openxmlformats.org/officeDocument/2006/relationships" xmlns:p="http://schemas.openxmlformats.org/presentationml/2006/main" show="0">
-  <p:cSld>
-    <p:spTree>
-      <p:nvGrpSpPr>
-        <p:cNvPr id="1" name=""/>
-        <p:cNvGrpSpPr/>
-        <p:nvPr/>
-      </p:nvGrpSpPr>
-      <p:grpSpPr>
-        <a:xfrm>
-          <a:off x="0" y="0"/>
-          <a:ext cx="0" cy="0"/>
-          <a:chOff x="0" y="0"/>
-          <a:chExt cx="0" cy="0"/>
-        </a:xfrm>
-      </p:grpSpPr>
-      <p:sp>
-        <p:nvSpPr>
-          <p:cNvPr id="4" name="Title 3"/>
-          <p:cNvSpPr>
-            <a:spLocks noGrp="1"/>
-          </p:cNvSpPr>
-          <p:nvPr>
-            <p:ph type="title"/>
-          </p:nvPr>
-        </p:nvSpPr>
-        <p:spPr/>
-        <p:txBody>
-          <a:bodyPr/>
-          <a:lstStyle/>
-          <a:p>
-            <a:r>
-              <a:rPr lang="hu-HU" dirty="0" smtClean="0"/>
-              <a:t>Architektúra</a:t>
-            </a:r>
-            <a:endParaRPr lang="en-US" dirty="0"/>
-          </a:p>
-        </p:txBody>
-      </p:sp>
-      <p:sp>
-        <p:nvSpPr>
-          <p:cNvPr id="24" name="Rectangle 23"/>
-          <p:cNvSpPr/>
-          <p:nvPr/>
-        </p:nvSpPr>
-        <p:spPr>
-          <a:xfrm>
-            <a:off x="3172691" y="4904508"/>
-            <a:ext cx="2743200" cy="1345598"/>
-          </a:xfrm>
-          <a:prstGeom prst="rect">
-            <a:avLst/>
-          </a:prstGeom>
-        </p:spPr>
-        <p:style>
-          <a:lnRef idx="1">
-            <a:schemeClr val="accent1"/>
-          </a:lnRef>
-          <a:fillRef idx="2">
-            <a:schemeClr val="accent1"/>
-          </a:fillRef>
-          <a:effectRef idx="1">
-            <a:schemeClr val="accent1"/>
-          </a:effectRef>
-          <a:fontRef idx="minor">
-            <a:schemeClr val="dk1"/>
-          </a:fontRef>
-        </p:style>
-        <p:txBody>
-          <a:bodyPr rtlCol="0" anchor="ctr"/>
-          <a:lstStyle/>
-          <a:p>
-            <a:pPr algn="ctr"/>
-            <a:r>
-              <a:rPr lang="hu-HU" dirty="0">
-                <a:solidFill>
-                  <a:schemeClr val="dk1"/>
-                </a:solidFill>
-              </a:rPr>
-              <a:t>Szerver</a:t>
-            </a:r>
-          </a:p>
-        </p:txBody>
-      </p:sp>
-      <p:sp>
-        <p:nvSpPr>
-          <p:cNvPr id="25" name="Flowchart: Magnetic Disk 24"/>
-          <p:cNvSpPr/>
-          <p:nvPr/>
-        </p:nvSpPr>
-        <p:spPr>
-          <a:xfrm>
-            <a:off x="6781800" y="4897582"/>
-            <a:ext cx="1600200" cy="1352524"/>
-          </a:xfrm>
-          <a:prstGeom prst="flowChartMagneticDisk">
-            <a:avLst/>
-          </a:prstGeom>
-        </p:spPr>
-        <p:style>
-          <a:lnRef idx="1">
-            <a:schemeClr val="accent1"/>
-          </a:lnRef>
-          <a:fillRef idx="2">
-            <a:schemeClr val="accent1"/>
-          </a:fillRef>
-          <a:effectRef idx="1">
-            <a:schemeClr val="accent1"/>
-          </a:effectRef>
-          <a:fontRef idx="minor">
-            <a:schemeClr val="dk1"/>
-          </a:fontRef>
-        </p:style>
-        <p:txBody>
-          <a:bodyPr rtlCol="0" anchor="ctr"/>
-          <a:lstStyle/>
-          <a:p>
-            <a:pPr algn="ctr"/>
-            <a:r>
-              <a:rPr lang="hu-HU" dirty="0">
-                <a:solidFill>
-                  <a:schemeClr val="dk1"/>
-                </a:solidFill>
-              </a:rPr>
-              <a:t>Függőségi adatbázis</a:t>
-            </a:r>
-            <a:endParaRPr lang="en-US" dirty="0">
-              <a:solidFill>
-                <a:schemeClr val="dk1"/>
-              </a:solidFill>
-            </a:endParaRPr>
-          </a:p>
-        </p:txBody>
-      </p:sp>
-      <p:sp>
-        <p:nvSpPr>
-          <p:cNvPr id="26" name="Rectangle 25"/>
-          <p:cNvSpPr/>
-          <p:nvPr/>
-        </p:nvSpPr>
-        <p:spPr>
-          <a:xfrm>
-            <a:off x="3200400" y="1475509"/>
-            <a:ext cx="5181600" cy="2819400"/>
-          </a:xfrm>
-          <a:prstGeom prst="rect">
-            <a:avLst/>
-          </a:prstGeom>
-        </p:spPr>
-        <p:style>
-          <a:lnRef idx="1">
-            <a:schemeClr val="dk1"/>
-          </a:lnRef>
-          <a:fillRef idx="2">
-            <a:schemeClr val="dk1"/>
-          </a:fillRef>
-          <a:effectRef idx="1">
-            <a:schemeClr val="dk1"/>
-          </a:effectRef>
-          <a:fontRef idx="minor">
-            <a:schemeClr val="dk1"/>
-          </a:fontRef>
-        </p:style>
-        <p:txBody>
-          <a:bodyPr rtlCol="0" anchor="ctr"/>
-          <a:lstStyle/>
-          <a:p>
-            <a:pPr algn="ctr"/>
-            <a:r>
-              <a:rPr lang="hu-HU" dirty="0" smtClean="0"/>
-              <a:t>Eclipse IDE</a:t>
-            </a:r>
-            <a:endParaRPr lang="hu-HU" dirty="0"/>
-          </a:p>
-          <a:p>
-            <a:pPr algn="ctr"/>
-            <a:endParaRPr lang="hu-HU" dirty="0" smtClean="0"/>
-          </a:p>
-          <a:p>
-            <a:pPr algn="ctr"/>
-            <a:endParaRPr lang="hu-HU" dirty="0"/>
-          </a:p>
-          <a:p>
-            <a:pPr algn="ctr"/>
-            <a:endParaRPr lang="hu-HU" dirty="0" smtClean="0"/>
-          </a:p>
-          <a:p>
-            <a:pPr algn="ctr"/>
-            <a:endParaRPr lang="hu-HU" dirty="0"/>
-          </a:p>
-          <a:p>
-            <a:pPr algn="ctr"/>
-            <a:endParaRPr lang="hu-HU" dirty="0" smtClean="0"/>
-          </a:p>
-          <a:p>
-            <a:pPr algn="ctr"/>
-            <a:endParaRPr lang="hu-HU" dirty="0"/>
-          </a:p>
-          <a:p>
-            <a:pPr algn="ctr"/>
-            <a:endParaRPr lang="hu-HU" dirty="0" smtClean="0"/>
-          </a:p>
-          <a:p>
-            <a:pPr algn="ctr"/>
-            <a:endParaRPr lang="hu-HU" dirty="0"/>
-          </a:p>
-        </p:txBody>
-      </p:sp>
-      <p:sp>
-        <p:nvSpPr>
-          <p:cNvPr id="27" name="Flowchart: Magnetic Disk 26"/>
-          <p:cNvSpPr/>
-          <p:nvPr/>
-        </p:nvSpPr>
-        <p:spPr>
-          <a:xfrm>
-            <a:off x="685800" y="4897581"/>
-            <a:ext cx="1371600" cy="1345598"/>
-          </a:xfrm>
-          <a:prstGeom prst="flowChartMagneticDisk">
-            <a:avLst/>
-          </a:prstGeom>
-        </p:spPr>
-        <p:style>
-          <a:lnRef idx="1">
-            <a:schemeClr val="dk1"/>
-          </a:lnRef>
-          <a:fillRef idx="2">
-            <a:schemeClr val="dk1"/>
-          </a:fillRef>
-          <a:effectRef idx="1">
-            <a:schemeClr val="dk1"/>
-          </a:effectRef>
-          <a:fontRef idx="minor">
-            <a:schemeClr val="dk1"/>
-          </a:fontRef>
-        </p:style>
-        <p:txBody>
-          <a:bodyPr rtlCol="0" anchor="ctr"/>
-          <a:lstStyle/>
-          <a:p>
-            <a:pPr algn="ctr"/>
-            <a:r>
-              <a:rPr lang="hu-HU" dirty="0" smtClean="0"/>
-              <a:t>Bináris tároló</a:t>
-            </a:r>
-            <a:endParaRPr lang="en-US" dirty="0"/>
-          </a:p>
-        </p:txBody>
-      </p:sp>
-      <p:sp>
-        <p:nvSpPr>
-          <p:cNvPr id="28" name="Rectangle 27"/>
-          <p:cNvSpPr/>
-          <p:nvPr/>
-        </p:nvSpPr>
-        <p:spPr>
-          <a:xfrm>
-            <a:off x="3581400" y="2240527"/>
-            <a:ext cx="4156364" cy="595580"/>
-          </a:xfrm>
-          <a:prstGeom prst="rect">
-            <a:avLst/>
-          </a:prstGeom>
-        </p:spPr>
-        <p:style>
-          <a:lnRef idx="1">
-            <a:schemeClr val="accent1"/>
-          </a:lnRef>
-          <a:fillRef idx="2">
-            <a:schemeClr val="accent1"/>
-          </a:fillRef>
-          <a:effectRef idx="1">
-            <a:schemeClr val="accent1"/>
-          </a:effectRef>
-          <a:fontRef idx="minor">
-            <a:schemeClr val="dk1"/>
-          </a:fontRef>
-        </p:style>
-        <p:txBody>
-          <a:bodyPr rtlCol="0" anchor="ctr"/>
-          <a:lstStyle/>
-          <a:p>
-            <a:pPr algn="ctr"/>
-            <a:r>
-              <a:rPr lang="hu-HU" dirty="0" smtClean="0"/>
-              <a:t>Lekérdezések</a:t>
-            </a:r>
-          </a:p>
-        </p:txBody>
-      </p:sp>
-      <p:sp>
-        <p:nvSpPr>
-          <p:cNvPr id="29" name="Rectangle 28"/>
-          <p:cNvSpPr/>
-          <p:nvPr/>
-        </p:nvSpPr>
-        <p:spPr>
-          <a:xfrm>
-            <a:off x="3352800" y="2057400"/>
-            <a:ext cx="4876800" cy="2057400"/>
-          </a:xfrm>
-          <a:prstGeom prst="rect">
-            <a:avLst/>
-          </a:prstGeom>
-          <a:noFill/>
-          <a:ln w="9525">
-            <a:prstDash val="dash"/>
-          </a:ln>
-        </p:spPr>
-        <p:style>
-          <a:lnRef idx="2">
-            <a:schemeClr val="dk1"/>
-          </a:lnRef>
-          <a:fillRef idx="1">
-            <a:schemeClr val="lt1"/>
-          </a:fillRef>
-          <a:effectRef idx="0">
-            <a:schemeClr val="dk1"/>
-          </a:effectRef>
-          <a:fontRef idx="minor">
-            <a:schemeClr val="dk1"/>
-          </a:fontRef>
-        </p:style>
-        <p:txBody>
-          <a:bodyPr rtlCol="0" anchor="ctr"/>
-          <a:lstStyle/>
-          <a:p>
-            <a:pPr algn="ctr"/>
-            <a:endParaRPr lang="en-US"/>
-          </a:p>
-        </p:txBody>
-      </p:sp>
-      <p:grpSp>
-        <p:nvGrpSpPr>
-          <p:cNvPr id="30" name="Group 29"/>
-          <p:cNvGrpSpPr/>
-          <p:nvPr/>
-        </p:nvGrpSpPr>
-        <p:grpSpPr>
-          <a:xfrm>
-            <a:off x="555594" y="2057400"/>
-            <a:ext cx="1632012" cy="1760294"/>
-            <a:chOff x="-184672" y="1448843"/>
-            <a:chExt cx="1219200" cy="1315034"/>
-          </a:xfrm>
-        </p:grpSpPr>
-        <p:pic>
-          <p:nvPicPr>
-            <p:cNvPr id="31" name="Picture 2"/>
-            <p:cNvPicPr>
-              <a:picLocks noChangeAspect="1" noChangeArrowheads="1"/>
-            </p:cNvPicPr>
-            <p:nvPr/>
-          </p:nvPicPr>
-          <p:blipFill>
-            <a:blip r:embed="rId2" cstate="print">
-              <a:extLst>
-                <a:ext uri="{BEBA8EAE-BF5A-486C-A8C5-ECC9F3942E4B}">
-                  <a14:imgProps xmlns:a14="http://schemas.microsoft.com/office/drawing/2010/main">
-                    <a14:imgLayer r:embed="rId3">
-                      <a14:imgEffect>
-                        <a14:backgroundRemoval t="0" b="99603" l="0" r="100000"/>
-                      </a14:imgEffect>
-                    </a14:imgLayer>
-                  </a14:imgProps>
-                </a:ext>
-                <a:ext uri="{28A0092B-C50C-407E-A947-70E740481C1C}">
-                  <a14:useLocalDpi xmlns:a14="http://schemas.microsoft.com/office/drawing/2010/main" val="0"/>
-                </a:ext>
-              </a:extLst>
-            </a:blip>
-            <a:srcRect/>
-            <a:stretch>
-              <a:fillRect/>
-            </a:stretch>
-          </p:blipFill>
-          <p:spPr bwMode="auto">
-            <a:xfrm>
-              <a:off x="208905" y="1448843"/>
-              <a:ext cx="432047" cy="914924"/>
-            </a:xfrm>
-            <a:prstGeom prst="rect">
-              <a:avLst/>
-            </a:prstGeom>
-            <a:noFill/>
-            <a:ln>
-              <a:noFill/>
-            </a:ln>
-            <a:effectLst/>
-            <a:extLst>
-              <a:ext uri="{909E8E84-426E-40DD-AFC4-6F175D3DCCD1}">
-                <a14:hiddenFill xmlns:a14="http://schemas.microsoft.com/office/drawing/2010/main">
-                  <a:solidFill>
-                    <a:schemeClr val="accent1"/>
-                  </a:solidFill>
-                </a14:hiddenFill>
-              </a:ext>
-              <a:ext uri="{91240B29-F687-4F45-9708-019B960494DF}">
-                <a14:hiddenLine xmlns:a14="http://schemas.microsoft.com/office/drawing/2010/main" w="9525">
-                  <a:solidFill>
-                    <a:schemeClr val="tx1"/>
-                  </a:solidFill>
-                  <a:miter lim="800000"/>
-                  <a:headEnd/>
-                  <a:tailEnd/>
-                </a14:hiddenLine>
-              </a:ext>
-              <a:ext uri="{AF507438-7753-43E0-B8FC-AC1667EBCBE1}">
-                <a14:hiddenEffects xmlns:a14="http://schemas.microsoft.com/office/drawing/2010/main">
-                  <a:effectLst>
-                    <a:outerShdw dist="35921" dir="2700000" algn="ctr" rotWithShape="0">
-                      <a:schemeClr val="bg2"/>
-                    </a:outerShdw>
-                  </a:effectLst>
-                </a14:hiddenEffects>
-              </a:ext>
-            </a:extLst>
-          </p:spPr>
-        </p:pic>
-        <p:sp>
-          <p:nvSpPr>
-            <p:cNvPr id="32" name="Szövegdoboz 15"/>
-            <p:cNvSpPr txBox="1"/>
-            <p:nvPr/>
-          </p:nvSpPr>
-          <p:spPr>
-            <a:xfrm>
-              <a:off x="-184672" y="2363767"/>
-              <a:ext cx="1219200" cy="400110"/>
-            </a:xfrm>
-            <a:prstGeom prst="rect">
-              <a:avLst/>
-            </a:prstGeom>
-            <a:noFill/>
-          </p:spPr>
-          <p:txBody>
-            <a:bodyPr wrap="square" rtlCol="0">
-              <a:spAutoFit/>
-            </a:bodyPr>
-            <a:lstStyle/>
-            <a:p>
-              <a:pPr algn="ctr"/>
-              <a:r>
-                <a:rPr lang="hu-HU" sz="2000" dirty="0" smtClean="0"/>
-                <a:t>Fejlesztő</a:t>
-              </a:r>
-              <a:endParaRPr lang="en-US" sz="2000" dirty="0"/>
-            </a:p>
-          </p:txBody>
-        </p:sp>
-      </p:grpSp>
-      <p:sp>
-        <p:nvSpPr>
-          <p:cNvPr id="33" name="Rectangle 32"/>
-          <p:cNvSpPr/>
-          <p:nvPr/>
-        </p:nvSpPr>
-        <p:spPr>
-          <a:xfrm>
-            <a:off x="3581400" y="3216882"/>
-            <a:ext cx="1925782" cy="821718"/>
-          </a:xfrm>
-          <a:prstGeom prst="rect">
-            <a:avLst/>
-          </a:prstGeom>
-        </p:spPr>
-        <p:style>
-          <a:lnRef idx="1">
-            <a:schemeClr val="accent1"/>
-          </a:lnRef>
-          <a:fillRef idx="2">
-            <a:schemeClr val="accent1"/>
-          </a:fillRef>
-          <a:effectRef idx="1">
-            <a:schemeClr val="accent1"/>
-          </a:effectRef>
-          <a:fontRef idx="minor">
-            <a:schemeClr val="dk1"/>
-          </a:fontRef>
-        </p:style>
-        <p:txBody>
-          <a:bodyPr rtlCol="0" anchor="ctr"/>
-          <a:lstStyle/>
-          <a:p>
-            <a:pPr algn="ctr"/>
-            <a:r>
-              <a:rPr lang="hu-HU" dirty="0" smtClean="0"/>
-              <a:t>Függőségi modell szinkronizáció</a:t>
-            </a:r>
-          </a:p>
-        </p:txBody>
-      </p:sp>
-      <p:sp>
-        <p:nvSpPr>
-          <p:cNvPr id="34" name="Rectangle 33"/>
-          <p:cNvSpPr/>
-          <p:nvPr/>
-        </p:nvSpPr>
-        <p:spPr>
-          <a:xfrm>
-            <a:off x="5811982" y="3216882"/>
-            <a:ext cx="1925782" cy="821718"/>
-          </a:xfrm>
-          <a:prstGeom prst="rect">
-            <a:avLst/>
-          </a:prstGeom>
-        </p:spPr>
-        <p:style>
-          <a:lnRef idx="1">
-            <a:schemeClr val="accent1"/>
-          </a:lnRef>
-          <a:fillRef idx="2">
-            <a:schemeClr val="accent1"/>
-          </a:fillRef>
-          <a:effectRef idx="1">
-            <a:schemeClr val="accent1"/>
-          </a:effectRef>
-          <a:fontRef idx="minor">
-            <a:schemeClr val="dk1"/>
-          </a:fontRef>
-        </p:style>
-        <p:txBody>
-          <a:bodyPr rtlCol="0" anchor="ctr"/>
-          <a:lstStyle/>
-          <a:p>
-            <a:pPr algn="ctr"/>
-            <a:r>
-              <a:rPr lang="hu-HU" dirty="0">
-                <a:solidFill>
-                  <a:schemeClr val="dk1"/>
-                </a:solidFill>
-              </a:rPr>
-              <a:t>Forráskód modell szinkronizáció</a:t>
-            </a:r>
-          </a:p>
-        </p:txBody>
-      </p:sp>
-      <p:cxnSp>
-        <p:nvCxnSpPr>
-          <p:cNvPr id="35" name="Egyenes összekötő nyíllal 41"/>
-          <p:cNvCxnSpPr>
-            <a:stCxn id="31" idx="3"/>
-            <a:endCxn id="28" idx="1"/>
-          </p:cNvCxnSpPr>
-          <p:nvPr/>
-        </p:nvCxnSpPr>
-        <p:spPr>
-          <a:xfrm flipV="1">
-            <a:off x="1660768" y="2538317"/>
-            <a:ext cx="1920632" cy="131438"/>
-          </a:xfrm>
-          <a:prstGeom prst="straightConnector1">
-            <a:avLst/>
-          </a:prstGeom>
-          <a:ln>
-            <a:tailEnd type="arrow"/>
-          </a:ln>
-        </p:spPr>
-        <p:style>
-          <a:lnRef idx="3">
-            <a:schemeClr val="dk1"/>
-          </a:lnRef>
-          <a:fillRef idx="0">
-            <a:schemeClr val="dk1"/>
-          </a:fillRef>
-          <a:effectRef idx="2">
-            <a:schemeClr val="dk1"/>
-          </a:effectRef>
-          <a:fontRef idx="minor">
-            <a:schemeClr val="tx1"/>
-          </a:fontRef>
-        </p:style>
-      </p:cxnSp>
-      <p:cxnSp>
-        <p:nvCxnSpPr>
-          <p:cNvPr id="36" name="Egyenes összekötő nyíllal 41"/>
-          <p:cNvCxnSpPr>
-            <a:stCxn id="31" idx="3"/>
-          </p:cNvCxnSpPr>
-          <p:nvPr/>
-        </p:nvCxnSpPr>
-        <p:spPr>
-          <a:xfrm>
-            <a:off x="1660768" y="2669755"/>
-            <a:ext cx="1539632" cy="880149"/>
-          </a:xfrm>
-          <a:prstGeom prst="straightConnector1">
-            <a:avLst/>
-          </a:prstGeom>
-          <a:ln>
-            <a:tailEnd type="arrow"/>
-          </a:ln>
-        </p:spPr>
-        <p:style>
-          <a:lnRef idx="3">
-            <a:schemeClr val="dk1"/>
-          </a:lnRef>
-          <a:fillRef idx="0">
-            <a:schemeClr val="dk1"/>
-          </a:fillRef>
-          <a:effectRef idx="2">
-            <a:schemeClr val="dk1"/>
-          </a:effectRef>
-          <a:fontRef idx="minor">
-            <a:schemeClr val="tx1"/>
-          </a:fontRef>
-        </p:style>
-      </p:cxnSp>
-      <p:cxnSp>
-        <p:nvCxnSpPr>
-          <p:cNvPr id="37" name="Egyenes összekötő nyíllal 43"/>
-          <p:cNvCxnSpPr>
-            <a:stCxn id="33" idx="0"/>
-          </p:cNvCxnSpPr>
-          <p:nvPr/>
-        </p:nvCxnSpPr>
-        <p:spPr>
-          <a:xfrm flipV="1">
-            <a:off x="4544291" y="2836107"/>
-            <a:ext cx="0" cy="380775"/>
-          </a:xfrm>
-          <a:prstGeom prst="straightConnector1">
-            <a:avLst/>
-          </a:prstGeom>
-          <a:ln>
-            <a:headEnd type="arrow"/>
-            <a:tailEnd type="arrow"/>
-          </a:ln>
-        </p:spPr>
-        <p:style>
-          <a:lnRef idx="3">
-            <a:schemeClr val="accent1"/>
-          </a:lnRef>
-          <a:fillRef idx="0">
-            <a:schemeClr val="accent1"/>
-          </a:fillRef>
-          <a:effectRef idx="2">
-            <a:schemeClr val="accent1"/>
-          </a:effectRef>
-          <a:fontRef idx="minor">
-            <a:schemeClr val="tx1"/>
-          </a:fontRef>
-        </p:style>
-      </p:cxnSp>
-      <p:cxnSp>
-        <p:nvCxnSpPr>
-          <p:cNvPr id="38" name="Egyenes összekötő nyíllal 43"/>
-          <p:cNvCxnSpPr>
-            <a:stCxn id="34" idx="0"/>
-          </p:cNvCxnSpPr>
-          <p:nvPr/>
-        </p:nvCxnSpPr>
-        <p:spPr>
-          <a:xfrm flipV="1">
-            <a:off x="6774873" y="2836108"/>
-            <a:ext cx="0" cy="380774"/>
-          </a:xfrm>
-          <a:prstGeom prst="straightConnector1">
-            <a:avLst/>
-          </a:prstGeom>
-          <a:ln>
-            <a:headEnd type="arrow"/>
-            <a:tailEnd type="arrow"/>
-          </a:ln>
-        </p:spPr>
-        <p:style>
-          <a:lnRef idx="3">
-            <a:schemeClr val="accent1"/>
-          </a:lnRef>
-          <a:fillRef idx="0">
-            <a:schemeClr val="accent1"/>
-          </a:fillRef>
-          <a:effectRef idx="2">
-            <a:schemeClr val="accent1"/>
-          </a:effectRef>
-          <a:fontRef idx="minor">
-            <a:schemeClr val="tx1"/>
-          </a:fontRef>
-        </p:style>
-      </p:cxnSp>
-      <p:cxnSp>
-        <p:nvCxnSpPr>
-          <p:cNvPr id="39" name="Egyenes összekötő nyíllal 43"/>
-          <p:cNvCxnSpPr>
-            <a:stCxn id="24" idx="0"/>
-            <a:endCxn id="33" idx="2"/>
-          </p:cNvCxnSpPr>
-          <p:nvPr/>
-        </p:nvCxnSpPr>
-        <p:spPr>
-          <a:xfrm flipV="1">
-            <a:off x="4544291" y="4038600"/>
-            <a:ext cx="0" cy="865908"/>
-          </a:xfrm>
-          <a:prstGeom prst="straightConnector1">
-            <a:avLst/>
-          </a:prstGeom>
-          <a:ln>
-            <a:headEnd type="arrow"/>
-            <a:tailEnd type="arrow"/>
-          </a:ln>
-        </p:spPr>
-        <p:style>
-          <a:lnRef idx="3">
-            <a:schemeClr val="accent1"/>
-          </a:lnRef>
-          <a:fillRef idx="0">
-            <a:schemeClr val="accent1"/>
-          </a:fillRef>
-          <a:effectRef idx="2">
-            <a:schemeClr val="accent1"/>
-          </a:effectRef>
-          <a:fontRef idx="minor">
-            <a:schemeClr val="tx1"/>
-          </a:fontRef>
-        </p:style>
-      </p:cxnSp>
-      <p:cxnSp>
-        <p:nvCxnSpPr>
-          <p:cNvPr id="40" name="Egyenes összekötő nyíllal 43"/>
-          <p:cNvCxnSpPr>
-            <a:stCxn id="27" idx="4"/>
-            <a:endCxn id="24" idx="1"/>
-          </p:cNvCxnSpPr>
-          <p:nvPr/>
-        </p:nvCxnSpPr>
-        <p:spPr>
-          <a:xfrm>
-            <a:off x="2057400" y="5570380"/>
-            <a:ext cx="1115291" cy="6927"/>
-          </a:xfrm>
-          <a:prstGeom prst="straightConnector1">
-            <a:avLst/>
-          </a:prstGeom>
-          <a:ln>
-            <a:headEnd type="arrow"/>
-            <a:tailEnd type="arrow"/>
-          </a:ln>
-        </p:spPr>
-        <p:style>
-          <a:lnRef idx="3">
-            <a:schemeClr val="accent1"/>
-          </a:lnRef>
-          <a:fillRef idx="0">
-            <a:schemeClr val="accent1"/>
-          </a:fillRef>
-          <a:effectRef idx="2">
-            <a:schemeClr val="accent1"/>
-          </a:effectRef>
-          <a:fontRef idx="minor">
-            <a:schemeClr val="tx1"/>
-          </a:fontRef>
-        </p:style>
-      </p:cxnSp>
-      <p:cxnSp>
-        <p:nvCxnSpPr>
-          <p:cNvPr id="41" name="Egyenes összekötő nyíllal 43"/>
-          <p:cNvCxnSpPr>
-            <a:stCxn id="24" idx="3"/>
-            <a:endCxn id="25" idx="2"/>
-          </p:cNvCxnSpPr>
-          <p:nvPr/>
-        </p:nvCxnSpPr>
-        <p:spPr>
-          <a:xfrm flipV="1">
-            <a:off x="5915891" y="5573844"/>
-            <a:ext cx="865909" cy="3463"/>
-          </a:xfrm>
-          <a:prstGeom prst="straightConnector1">
-            <a:avLst/>
-          </a:prstGeom>
-          <a:ln>
-            <a:headEnd type="arrow"/>
-            <a:tailEnd type="arrow"/>
-          </a:ln>
-        </p:spPr>
-        <p:style>
-          <a:lnRef idx="3">
-            <a:schemeClr val="accent1"/>
-          </a:lnRef>
-          <a:fillRef idx="0">
-            <a:schemeClr val="accent1"/>
-          </a:fillRef>
-          <a:effectRef idx="2">
-            <a:schemeClr val="accent1"/>
-          </a:effectRef>
-          <a:fontRef idx="minor">
-            <a:schemeClr val="tx1"/>
-          </a:fontRef>
-        </p:style>
-      </p:cxnSp>
-      <p:sp>
-        <p:nvSpPr>
-          <p:cNvPr id="42" name="TextBox 41"/>
-          <p:cNvSpPr txBox="1"/>
-          <p:nvPr/>
-        </p:nvSpPr>
-        <p:spPr>
-          <a:xfrm rot="16200000">
-            <a:off x="7005501" y="2912166"/>
-            <a:ext cx="2078865" cy="369332"/>
-          </a:xfrm>
-          <a:prstGeom prst="rect">
-            <a:avLst/>
-          </a:prstGeom>
-          <a:noFill/>
-        </p:spPr>
-        <p:txBody>
-          <a:bodyPr wrap="square" rtlCol="0">
-            <a:spAutoFit/>
-          </a:bodyPr>
-          <a:lstStyle/>
-          <a:p>
-            <a:pPr algn="ctr"/>
-            <a:r>
-              <a:rPr lang="hu-HU" dirty="0" smtClean="0"/>
-              <a:t>Kliens plugin</a:t>
-            </a:r>
-            <a:endParaRPr lang="en-US" dirty="0"/>
-          </a:p>
-        </p:txBody>
-      </p:sp>
-    </p:spTree>
-    <p:extLst>
-      <p:ext uri="{BB962C8B-B14F-4D97-AF65-F5344CB8AC3E}">
-        <p14:creationId xmlns:p14="http://schemas.microsoft.com/office/powerpoint/2010/main" val="2388939505"/>
-      </p:ext>
-    </p:extLst>
-  </p:cSld>
-  <p:clrMapOvr>
-    <a:masterClrMapping/>
-  </p:clrMapOvr>
-  <mc:AlternateContent xmlns:mc="http://schemas.openxmlformats.org/markup-compatibility/2006" xmlns:p14="http://schemas.microsoft.com/office/powerpoint/2010/main">
-    <mc:Choice Requires="p14">
-      <p:transition spd="slow" p14:dur="2000"/>
-    </mc:Choice>
-    <mc:Fallback xmlns="">
-      <p:transition spd="slow"/>
-    </mc:Fallback>
-  </mc:AlternateContent>
   <p:timing>
     <p:tnLst>
       <p:par>

--- a/incquery-deps-documentation/presentation/tdk_pres_hu_v2.pptx
+++ b/incquery-deps-documentation/presentation/tdk_pres_hu_v2.pptx
@@ -152,13 +152,13 @@
           <a:lstStyle/>
           <a:p>
             <a:pPr>
-              <a:defRPr/>
+              <a:defRPr sz="2000"/>
             </a:pPr>
             <a:r>
-              <a:rPr lang="hu-HU" dirty="0" smtClean="0"/>
+              <a:rPr lang="hu-HU" sz="2000" dirty="0" smtClean="0"/>
               <a:t>Függőségi analízis ideje</a:t>
             </a:r>
-            <a:endParaRPr lang="en-US" dirty="0"/>
+            <a:endParaRPr lang="en-US" sz="2000" dirty="0"/>
           </a:p>
         </c:rich>
       </c:tx>
@@ -172,8 +172,8 @@
           <c:layoutTarget val="inner"/>
           <c:xMode val="edge"/>
           <c:yMode val="edge"/>
-          <c:x val="5.609750170117625E-2"/>
-          <c:y val="0.22559774786216238"/>
+          <c:x val="9.2949199107120961E-2"/>
+          <c:y val="0.22559770937723694"/>
           <c:w val="0.88817816175755804"/>
           <c:h val="0.63050757768182197"/>
         </c:manualLayout>
@@ -309,11 +309,11 @@
         </c:dLbls>
         <c:marker val="1"/>
         <c:smooth val="0"/>
-        <c:axId val="109581824"/>
-        <c:axId val="108024896"/>
+        <c:axId val="99023360"/>
+        <c:axId val="44030720"/>
       </c:lineChart>
       <c:catAx>
-        <c:axId val="109581824"/>
+        <c:axId val="99023360"/>
         <c:scaling>
           <c:orientation val="minMax"/>
         </c:scaling>
@@ -326,17 +326,17 @@
               <a:lstStyle/>
               <a:p>
                 <a:pPr>
-                  <a:defRPr/>
+                  <a:defRPr sz="1600"/>
                 </a:pPr>
                 <a:r>
-                  <a:rPr lang="hu-HU" dirty="0" smtClean="0"/>
+                  <a:rPr lang="hu-HU" sz="1600" dirty="0" smtClean="0"/>
                   <a:t>Feldolgozott</a:t>
                 </a:r>
                 <a:r>
-                  <a:rPr lang="hu-HU" baseline="0" dirty="0" smtClean="0"/>
+                  <a:rPr lang="hu-HU" sz="1600" baseline="0" dirty="0" smtClean="0"/>
                   <a:t> projektek száma</a:t>
                 </a:r>
-                <a:endParaRPr lang="hu-HU" dirty="0"/>
+                <a:endParaRPr lang="hu-HU" sz="1600" dirty="0"/>
               </a:p>
             </c:rich>
           </c:tx>
@@ -347,7 +347,17 @@
         <c:majorTickMark val="out"/>
         <c:minorTickMark val="none"/>
         <c:tickLblPos val="nextTo"/>
-        <c:crossAx val="108024896"/>
+        <c:txPr>
+          <a:bodyPr/>
+          <a:lstStyle/>
+          <a:p>
+            <a:pPr>
+              <a:defRPr sz="1600"/>
+            </a:pPr>
+            <a:endParaRPr lang="en-US"/>
+          </a:p>
+        </c:txPr>
+        <c:crossAx val="44030720"/>
         <c:crosses val="autoZero"/>
         <c:auto val="0"/>
         <c:lblAlgn val="ctr"/>
@@ -357,7 +367,7 @@
         <c:noMultiLvlLbl val="0"/>
       </c:catAx>
       <c:valAx>
-        <c:axId val="108024896"/>
+        <c:axId val="44030720"/>
         <c:scaling>
           <c:orientation val="minMax"/>
         </c:scaling>
@@ -371,13 +381,13 @@
               <a:lstStyle/>
               <a:p>
                 <a:pPr>
-                  <a:defRPr/>
+                  <a:defRPr sz="1600"/>
                 </a:pPr>
                 <a:r>
-                  <a:rPr lang="hu-HU" dirty="0" smtClean="0"/>
+                  <a:rPr lang="hu-HU" sz="1600" dirty="0" smtClean="0"/>
                   <a:t>sec</a:t>
                 </a:r>
-                <a:endParaRPr lang="en-US" dirty="0"/>
+                <a:endParaRPr lang="en-US" sz="1600" dirty="0"/>
               </a:p>
             </c:rich>
           </c:tx>
@@ -388,7 +398,17 @@
         <c:majorTickMark val="out"/>
         <c:minorTickMark val="none"/>
         <c:tickLblPos val="nextTo"/>
-        <c:crossAx val="109581824"/>
+        <c:txPr>
+          <a:bodyPr/>
+          <a:lstStyle/>
+          <a:p>
+            <a:pPr>
+              <a:defRPr sz="1600"/>
+            </a:pPr>
+            <a:endParaRPr lang="en-US"/>
+          </a:p>
+        </c:txPr>
+        <c:crossAx val="99023360"/>
         <c:crosses val="autoZero"/>
         <c:crossBetween val="between"/>
       </c:valAx>
@@ -424,13 +444,13 @@
           <a:lstStyle/>
           <a:p>
             <a:pPr>
-              <a:defRPr/>
+              <a:defRPr sz="2000"/>
             </a:pPr>
             <a:r>
-              <a:rPr lang="hu-HU" baseline="0" dirty="0" smtClean="0"/>
+              <a:rPr lang="hu-HU" sz="2000" baseline="0" dirty="0" smtClean="0"/>
               <a:t>Inicializálási idő</a:t>
             </a:r>
-            <a:endParaRPr lang="en-US" dirty="0"/>
+            <a:endParaRPr lang="en-US" sz="2000" dirty="0"/>
           </a:p>
         </c:rich>
       </c:tx>
@@ -511,11 +531,11 @@
         </c:dLbls>
         <c:marker val="1"/>
         <c:smooth val="0"/>
-        <c:axId val="112506368"/>
-        <c:axId val="108026624"/>
+        <c:axId val="74727936"/>
+        <c:axId val="67565184"/>
       </c:lineChart>
       <c:catAx>
-        <c:axId val="112506368"/>
+        <c:axId val="74727936"/>
         <c:scaling>
           <c:orientation val="minMax"/>
         </c:scaling>
@@ -528,17 +548,17 @@
               <a:lstStyle/>
               <a:p>
                 <a:pPr>
-                  <a:defRPr/>
+                  <a:defRPr sz="1600"/>
                 </a:pPr>
                 <a:r>
-                  <a:rPr lang="hu-HU" dirty="0" smtClean="0"/>
+                  <a:rPr lang="hu-HU" sz="1600" dirty="0" smtClean="0"/>
                   <a:t>Betöltött projektek</a:t>
                 </a:r>
                 <a:r>
-                  <a:rPr lang="hu-HU" baseline="0" dirty="0" smtClean="0"/>
+                  <a:rPr lang="hu-HU" sz="1600" baseline="0" dirty="0" smtClean="0"/>
                   <a:t> száma</a:t>
                 </a:r>
-                <a:endParaRPr lang="en-US" dirty="0"/>
+                <a:endParaRPr lang="en-US" sz="1600" dirty="0"/>
               </a:p>
             </c:rich>
           </c:tx>
@@ -549,7 +569,17 @@
         <c:majorTickMark val="out"/>
         <c:minorTickMark val="none"/>
         <c:tickLblPos val="nextTo"/>
-        <c:crossAx val="108026624"/>
+        <c:txPr>
+          <a:bodyPr/>
+          <a:lstStyle/>
+          <a:p>
+            <a:pPr>
+              <a:defRPr sz="1600"/>
+            </a:pPr>
+            <a:endParaRPr lang="en-US"/>
+          </a:p>
+        </c:txPr>
+        <c:crossAx val="67565184"/>
         <c:crosses val="autoZero"/>
         <c:auto val="1"/>
         <c:lblAlgn val="ctr"/>
@@ -557,7 +587,7 @@
         <c:noMultiLvlLbl val="0"/>
       </c:catAx>
       <c:valAx>
-        <c:axId val="108026624"/>
+        <c:axId val="67565184"/>
         <c:scaling>
           <c:orientation val="minMax"/>
         </c:scaling>
@@ -571,13 +601,13 @@
               <a:lstStyle/>
               <a:p>
                 <a:pPr>
-                  <a:defRPr/>
+                  <a:defRPr sz="1600"/>
                 </a:pPr>
                 <a:r>
-                  <a:rPr lang="hu-HU" dirty="0" smtClean="0"/>
+                  <a:rPr lang="hu-HU" sz="1600" dirty="0" smtClean="0"/>
                   <a:t>sec</a:t>
                 </a:r>
-                <a:endParaRPr lang="en-US" dirty="0"/>
+                <a:endParaRPr lang="en-US" sz="1600" dirty="0"/>
               </a:p>
             </c:rich>
           </c:tx>
@@ -588,7 +618,17 @@
         <c:majorTickMark val="out"/>
         <c:minorTickMark val="none"/>
         <c:tickLblPos val="nextTo"/>
-        <c:crossAx val="112506368"/>
+        <c:txPr>
+          <a:bodyPr/>
+          <a:lstStyle/>
+          <a:p>
+            <a:pPr>
+              <a:defRPr sz="1600"/>
+            </a:pPr>
+            <a:endParaRPr lang="en-US"/>
+          </a:p>
+        </c:txPr>
+        <c:crossAx val="74727936"/>
         <c:crosses val="autoZero"/>
         <c:crossBetween val="between"/>
       </c:valAx>
@@ -624,13 +664,13 @@
           <a:lstStyle/>
           <a:p>
             <a:pPr>
-              <a:defRPr/>
+              <a:defRPr sz="2000"/>
             </a:pPr>
             <a:r>
-              <a:rPr lang="hu-HU" baseline="0" dirty="0" smtClean="0"/>
+              <a:rPr lang="hu-HU" sz="2000" baseline="0" dirty="0" smtClean="0"/>
               <a:t>Teljes memóriafoglalás</a:t>
             </a:r>
-            <a:endParaRPr lang="en-US" dirty="0"/>
+            <a:endParaRPr lang="en-US" sz="2000" dirty="0"/>
           </a:p>
         </c:rich>
       </c:tx>
@@ -711,11 +751,11 @@
         </c:dLbls>
         <c:marker val="1"/>
         <c:smooth val="0"/>
-        <c:axId val="112506880"/>
-        <c:axId val="111665728"/>
+        <c:axId val="74729472"/>
+        <c:axId val="67567616"/>
       </c:lineChart>
       <c:catAx>
-        <c:axId val="112506880"/>
+        <c:axId val="74729472"/>
         <c:scaling>
           <c:orientation val="minMax"/>
         </c:scaling>
@@ -728,17 +768,17 @@
               <a:lstStyle/>
               <a:p>
                 <a:pPr>
-                  <a:defRPr/>
+                  <a:defRPr sz="1600"/>
                 </a:pPr>
                 <a:r>
-                  <a:rPr lang="hu-HU" dirty="0" smtClean="0"/>
+                  <a:rPr lang="hu-HU" sz="1600" dirty="0" smtClean="0"/>
                   <a:t>Betöltött projektek</a:t>
                 </a:r>
                 <a:r>
-                  <a:rPr lang="hu-HU" baseline="0" dirty="0" smtClean="0"/>
+                  <a:rPr lang="hu-HU" sz="1600" baseline="0" dirty="0" smtClean="0"/>
                   <a:t> száma</a:t>
                 </a:r>
-                <a:endParaRPr lang="en-US" dirty="0"/>
+                <a:endParaRPr lang="en-US" sz="1600" dirty="0"/>
               </a:p>
             </c:rich>
           </c:tx>
@@ -749,7 +789,17 @@
         <c:majorTickMark val="out"/>
         <c:minorTickMark val="none"/>
         <c:tickLblPos val="nextTo"/>
-        <c:crossAx val="111665728"/>
+        <c:txPr>
+          <a:bodyPr/>
+          <a:lstStyle/>
+          <a:p>
+            <a:pPr>
+              <a:defRPr sz="1600"/>
+            </a:pPr>
+            <a:endParaRPr lang="en-US"/>
+          </a:p>
+        </c:txPr>
+        <c:crossAx val="67567616"/>
         <c:crosses val="autoZero"/>
         <c:auto val="1"/>
         <c:lblAlgn val="ctr"/>
@@ -757,7 +807,7 @@
         <c:noMultiLvlLbl val="0"/>
       </c:catAx>
       <c:valAx>
-        <c:axId val="111665728"/>
+        <c:axId val="67567616"/>
         <c:scaling>
           <c:orientation val="minMax"/>
         </c:scaling>
@@ -771,13 +821,13 @@
               <a:lstStyle/>
               <a:p>
                 <a:pPr>
-                  <a:defRPr/>
+                  <a:defRPr sz="1600"/>
                 </a:pPr>
                 <a:r>
-                  <a:rPr lang="hu-HU"/>
+                  <a:rPr lang="hu-HU" sz="1600"/>
                   <a:t>MiB</a:t>
                 </a:r>
-                <a:endParaRPr lang="en-US"/>
+                <a:endParaRPr lang="en-US" sz="1600"/>
               </a:p>
             </c:rich>
           </c:tx>
@@ -788,7 +838,17 @@
         <c:majorTickMark val="out"/>
         <c:minorTickMark val="none"/>
         <c:tickLblPos val="nextTo"/>
-        <c:crossAx val="112506880"/>
+        <c:txPr>
+          <a:bodyPr/>
+          <a:lstStyle/>
+          <a:p>
+            <a:pPr>
+              <a:defRPr sz="1600"/>
+            </a:pPr>
+            <a:endParaRPr lang="en-US"/>
+          </a:p>
+        </c:txPr>
+        <c:crossAx val="74729472"/>
         <c:crosses val="autoZero"/>
         <c:crossBetween val="between"/>
       </c:valAx>
@@ -6768,11 +6828,7 @@
             </a:r>
             <a:r>
               <a:rPr lang="hu-HU" dirty="0" smtClean="0"/>
-              <a:t> elem </a:t>
-            </a:r>
-            <a:r>
-              <a:rPr lang="hu-HU" dirty="0" smtClean="0"/>
-              <a:t>függőségeire</a:t>
+              <a:t> elem függőségeire</a:t>
             </a:r>
           </a:p>
           <a:p>
@@ -6781,7 +6837,6 @@
               <a:rPr lang="hu-HU" dirty="0" smtClean="0"/>
               <a:t>Azonnali visszacsatolás</a:t>
             </a:r>
-            <a:endParaRPr lang="hu-HU" dirty="0" smtClean="0"/>
           </a:p>
           <a:p>
             <a:pPr marL="457200" lvl="1" indent="0">
@@ -7919,11 +7974,7 @@
             </a:r>
             <a:r>
               <a:rPr lang="hu-HU" dirty="0" smtClean="0"/>
-              <a:t> </a:t>
-            </a:r>
-            <a:r>
-              <a:rPr lang="hu-HU" dirty="0" smtClean="0"/>
-              <a:t>EMF-IncQuery </a:t>
+              <a:t> EMF-IncQuery </a:t>
             </a:r>
           </a:p>
           <a:p>
@@ -9066,7 +9117,6 @@
               <a:rPr lang="hu-HU" dirty="0" smtClean="0"/>
               <a:t>:</a:t>
             </a:r>
-            <a:endParaRPr lang="hu-HU" dirty="0" smtClean="0"/>
           </a:p>
           <a:p>
             <a:pPr algn="ctr"/>
@@ -9325,7 +9375,6 @@
               <a:rPr lang="hu-HU" dirty="0" smtClean="0"/>
               <a:t>:</a:t>
             </a:r>
-            <a:endParaRPr lang="hu-HU" dirty="0" smtClean="0"/>
           </a:p>
           <a:p>
             <a:pPr algn="ctr"/>
@@ -10852,7 +10901,6 @@
               <a:rPr lang="hu-HU" dirty="0" smtClean="0"/>
               <a:t>Validációs szabályok</a:t>
             </a:r>
-            <a:endParaRPr lang="hu-HU" dirty="0" smtClean="0"/>
           </a:p>
         </p:txBody>
       </p:sp>
@@ -10897,7 +10945,6 @@
               <a:rPr lang="hu-HU" dirty="0" smtClean="0"/>
               <a:t>„Content assist” jellegű visszajelzés</a:t>
             </a:r>
-            <a:endParaRPr lang="hu-HU" dirty="0" smtClean="0"/>
           </a:p>
         </p:txBody>
       </p:sp>
@@ -11605,14 +11652,14 @@
             <p:ph sz="half" idx="2"/>
             <p:extLst>
               <p:ext uri="{D42A27DB-BD31-4B8C-83A1-F6EECF244321}">
-                <p14:modId xmlns:p14="http://schemas.microsoft.com/office/powerpoint/2010/main" val="2479239848"/>
+                <p14:modId xmlns:p14="http://schemas.microsoft.com/office/powerpoint/2010/main" val="3290703805"/>
               </p:ext>
             </p:extLst>
           </p:nvPr>
         </p:nvGraphicFramePr>
         <p:xfrm>
           <a:off x="457200" y="1219200"/>
-          <a:ext cx="8153400" cy="3352800"/>
+          <a:ext cx="8153400" cy="3657600"/>
         </p:xfrm>
         <a:graphic>
           <a:graphicData uri="http://schemas.openxmlformats.org/drawingml/2006/chart">
@@ -11713,14 +11760,14 @@
             <p:ph sz="half" idx="2"/>
             <p:extLst>
               <p:ext uri="{D42A27DB-BD31-4B8C-83A1-F6EECF244321}">
-                <p14:modId xmlns:p14="http://schemas.microsoft.com/office/powerpoint/2010/main" val="1964225322"/>
+                <p14:modId xmlns:p14="http://schemas.microsoft.com/office/powerpoint/2010/main" val="2222150180"/>
               </p:ext>
             </p:extLst>
           </p:nvPr>
         </p:nvGraphicFramePr>
         <p:xfrm>
           <a:off x="76200" y="1524000"/>
-          <a:ext cx="4421188" cy="3810000"/>
+          <a:ext cx="4114800" cy="3810000"/>
         </p:xfrm>
         <a:graphic>
           <a:graphicData uri="http://schemas.openxmlformats.org/drawingml/2006/chart">
@@ -11738,13 +11785,13 @@
             <p:ph sz="quarter" idx="4"/>
             <p:extLst>
               <p:ext uri="{D42A27DB-BD31-4B8C-83A1-F6EECF244321}">
-                <p14:modId xmlns:p14="http://schemas.microsoft.com/office/powerpoint/2010/main" val="499649482"/>
+                <p14:modId xmlns:p14="http://schemas.microsoft.com/office/powerpoint/2010/main" val="1152232928"/>
               </p:ext>
             </p:extLst>
           </p:nvPr>
         </p:nvGraphicFramePr>
         <p:xfrm>
-          <a:off x="4648200" y="1524000"/>
+          <a:off x="4218709" y="1524000"/>
           <a:ext cx="4495800" cy="3810000"/>
         </p:xfrm>
         <a:graphic>
@@ -12464,7 +12511,6 @@
               <a:rPr lang="hu-HU" dirty="0" smtClean="0"/>
               <a:t>Projekt A</a:t>
             </a:r>
-            <a:endParaRPr lang="hu-HU" dirty="0" smtClean="0"/>
           </a:p>
           <a:p>
             <a:pPr algn="ctr"/>
@@ -12640,7 +12686,6 @@
               <a:rPr lang="hu-HU" dirty="0" smtClean="0"/>
               <a:t>Projekt B</a:t>
             </a:r>
-            <a:endParaRPr lang="hu-HU" dirty="0" smtClean="0"/>
           </a:p>
           <a:p>
             <a:pPr algn="ctr"/>
@@ -14086,15 +14131,7 @@
             <a:pPr lvl="1"/>
             <a:r>
               <a:rPr lang="hu-HU" dirty="0" smtClean="0"/>
-              <a:t>Tisztán </a:t>
-            </a:r>
-            <a:r>
-              <a:rPr lang="hu-HU" dirty="0" smtClean="0"/>
-              <a:t>forráskód alapú analízis nem </a:t>
-            </a:r>
-            <a:r>
-              <a:rPr lang="hu-HU" dirty="0" smtClean="0"/>
-              <a:t>működőképes</a:t>
+              <a:t>Tisztán forráskód alapú analízis nem működőképes</a:t>
             </a:r>
           </a:p>
           <a:p>
@@ -14103,7 +14140,6 @@
               <a:rPr lang="hu-HU" dirty="0" smtClean="0"/>
               <a:t>Fordítás + tesztek lefutattása idő- és erőforrásigényes</a:t>
             </a:r>
-            <a:endParaRPr lang="hu-HU" dirty="0" smtClean="0"/>
           </a:p>
           <a:p>
             <a:endParaRPr lang="en-US" dirty="0"/>
@@ -14243,6 +14279,10 @@
               <a:rPr lang="hu-HU" b="1" dirty="0" smtClean="0"/>
               <a:t>upgrade</a:t>
             </a:r>
+            <a:r>
+              <a:rPr lang="hu-HU" dirty="0" smtClean="0"/>
+              <a:t>)</a:t>
+            </a:r>
             <a:endParaRPr lang="hu-HU" dirty="0"/>
           </a:p>
           <a:p>
@@ -14385,7 +14425,6 @@
               <a:rPr lang="hu-HU" dirty="0" smtClean="0"/>
               <a:t>Megvalósítás: szerver-kliens architektúrával</a:t>
             </a:r>
-            <a:endParaRPr lang="hu-HU" dirty="0" smtClean="0"/>
           </a:p>
           <a:p>
             <a:pPr lvl="1">
@@ -14406,7 +14445,7 @@
             <a:pPr lvl="2"/>
             <a:r>
               <a:rPr lang="hu-HU" dirty="0" smtClean="0"/>
-              <a:t>gyors </a:t>
+              <a:t>Gyors </a:t>
             </a:r>
             <a:r>
               <a:rPr lang="hu-HU" dirty="0"/>
@@ -14440,13 +14479,8 @@
             <a:pPr lvl="2"/>
             <a:r>
               <a:rPr lang="hu-HU" dirty="0" smtClean="0"/>
-              <a:t>Korlátos erőforrások </a:t>
-            </a:r>
-            <a:r>
-              <a:rPr lang="hu-HU" dirty="0" smtClean="0"/>
-              <a:t>figyelembe vételével</a:t>
-            </a:r>
-            <a:endParaRPr lang="hu-HU" dirty="0" smtClean="0"/>
+              <a:t>Korlátos erőforrások figyelembe vételével</a:t>
+            </a:r>
           </a:p>
           <a:p>
             <a:pPr lvl="1"/>
